--- a/Презентация.pptx
+++ b/Презентация.pptx
@@ -208,7 +208,7 @@
           <a:p>
             <a:fld id="{6B82548C-EAA0-4F98-90B8-F588E14A775F}" type="datetimeFigureOut">
               <a:rPr lang="ru-RU" smtClean="0"/>
-              <a:t>02.04.2021</a:t>
+              <a:t>04.04.2021</a:t>
             </a:fld>
             <a:endParaRPr lang="ru-RU"/>
           </a:p>
@@ -546,7 +546,7 @@
                 <a:ea typeface="Times New Roman" panose="02020603050405020304" pitchFamily="18" charset="0"/>
                 <a:cs typeface="Calibri" panose="020F0502020204030204" pitchFamily="34" charset="0"/>
               </a:rPr>
-              <a:t>Актуальность</a:t>
+              <a:t>Вступление</a:t>
             </a:r>
           </a:p>
           <a:p>
@@ -891,7 +891,7 @@
                 <a:ea typeface="Times New Roman" panose="02020603050405020304" pitchFamily="18" charset="0"/>
                 <a:cs typeface="Times New Roman" panose="02020603050405020304" pitchFamily="18" charset="0"/>
               </a:rPr>
-              <a:t>График ДСК с подписями линий</a:t>
+              <a:t>ДСК с подписями линий</a:t>
             </a:r>
             <a:endParaRPr lang="ru-RU" sz="1800" b="1" dirty="0">
               <a:effectLst/>
@@ -1155,7 +1155,7 @@
                 <a:ea typeface="Times New Roman" panose="02020603050405020304" pitchFamily="18" charset="0"/>
                 <a:cs typeface="Times New Roman" panose="02020603050405020304" pitchFamily="18" charset="0"/>
               </a:rPr>
-              <a:t>График промежуточный</a:t>
+              <a:t>Промежуточный</a:t>
             </a:r>
             <a:endParaRPr lang="ru-RU" sz="1800" b="1" dirty="0">
               <a:effectLst/>
@@ -1267,7 +1267,7 @@
               <a:defRPr/>
             </a:pPr>
             <a:r>
-              <a:rPr lang="ru-RU" sz="1800" b="1">
+              <a:rPr lang="ru-RU" sz="1800" b="1" dirty="0">
                 <a:solidFill>
                   <a:srgbClr val="000000"/>
                 </a:solidFill>
@@ -1276,9 +1276,9 @@
                 <a:ea typeface="Times New Roman" panose="02020603050405020304" pitchFamily="18" charset="0"/>
                 <a:cs typeface="Times New Roman" panose="02020603050405020304" pitchFamily="18" charset="0"/>
               </a:rPr>
-              <a:t>График ДСК для плавления и паузы</a:t>
-            </a:r>
-            <a:endParaRPr lang="ru-RU" sz="1800" b="1">
+              <a:t>ДСК для плавления и паузы</a:t>
+            </a:r>
+            <a:endParaRPr lang="ru-RU" sz="1800" b="1" dirty="0">
               <a:effectLst/>
               <a:latin typeface="Calibri Light" panose="020F0302020204030204" pitchFamily="34" charset="0"/>
               <a:ea typeface="Times New Roman" panose="02020603050405020304" pitchFamily="18" charset="0"/>
@@ -1397,7 +1397,7 @@
                 <a:ea typeface="Times New Roman" panose="02020603050405020304" pitchFamily="18" charset="0"/>
                 <a:cs typeface="Calibri" panose="020F0502020204030204" pitchFamily="34" charset="0"/>
               </a:rPr>
-              <a:t>График ДСК 2 пиков</a:t>
+              <a:t>ДСК 2 пиков</a:t>
             </a:r>
             <a:endParaRPr lang="ru-RU" sz="1800" b="1" dirty="0">
               <a:solidFill>
@@ -1521,7 +1521,7 @@
                 <a:ea typeface="Times New Roman" panose="02020603050405020304" pitchFamily="18" charset="0"/>
                 <a:cs typeface="Calibri" panose="020F0502020204030204" pitchFamily="34" charset="0"/>
               </a:rPr>
-              <a:t>График ДСК расстеклования</a:t>
+              <a:t>ДСК расстеклования</a:t>
             </a:r>
           </a:p>
           <a:p>
@@ -1636,7 +1636,7 @@
                 <a:ea typeface="Times New Roman" panose="02020603050405020304" pitchFamily="18" charset="0"/>
                 <a:cs typeface="Calibri" panose="020F0502020204030204" pitchFamily="34" charset="0"/>
               </a:rPr>
-              <a:t>График 30-10-60 ДСК</a:t>
+              <a:t>30-10-60 ДСК</a:t>
             </a:r>
             <a:endParaRPr lang="ru-RU" sz="1800" b="1" dirty="0">
               <a:solidFill>
@@ -1820,7 +1820,7 @@
           <a:p>
             <a:fld id="{B0400CAE-7DEC-4379-94E3-CFB24A5D3887}" type="datetimeFigureOut">
               <a:rPr lang="ru-RU" smtClean="0"/>
-              <a:t>02.04.2021</a:t>
+              <a:t>04.04.2021</a:t>
             </a:fld>
             <a:endParaRPr lang="ru-RU"/>
           </a:p>
@@ -1990,7 +1990,7 @@
           <a:p>
             <a:fld id="{B0400CAE-7DEC-4379-94E3-CFB24A5D3887}" type="datetimeFigureOut">
               <a:rPr lang="ru-RU" smtClean="0"/>
-              <a:t>02.04.2021</a:t>
+              <a:t>04.04.2021</a:t>
             </a:fld>
             <a:endParaRPr lang="ru-RU"/>
           </a:p>
@@ -2170,7 +2170,7 @@
           <a:p>
             <a:fld id="{B0400CAE-7DEC-4379-94E3-CFB24A5D3887}" type="datetimeFigureOut">
               <a:rPr lang="ru-RU" smtClean="0"/>
-              <a:t>02.04.2021</a:t>
+              <a:t>04.04.2021</a:t>
             </a:fld>
             <a:endParaRPr lang="ru-RU"/>
           </a:p>
@@ -2340,7 +2340,7 @@
           <a:p>
             <a:fld id="{B0400CAE-7DEC-4379-94E3-CFB24A5D3887}" type="datetimeFigureOut">
               <a:rPr lang="ru-RU" smtClean="0"/>
-              <a:t>02.04.2021</a:t>
+              <a:t>04.04.2021</a:t>
             </a:fld>
             <a:endParaRPr lang="ru-RU"/>
           </a:p>
@@ -2584,7 +2584,7 @@
           <a:p>
             <a:fld id="{B0400CAE-7DEC-4379-94E3-CFB24A5D3887}" type="datetimeFigureOut">
               <a:rPr lang="ru-RU" smtClean="0"/>
-              <a:t>02.04.2021</a:t>
+              <a:t>04.04.2021</a:t>
             </a:fld>
             <a:endParaRPr lang="ru-RU"/>
           </a:p>
@@ -2816,7 +2816,7 @@
           <a:p>
             <a:fld id="{B0400CAE-7DEC-4379-94E3-CFB24A5D3887}" type="datetimeFigureOut">
               <a:rPr lang="ru-RU" smtClean="0"/>
-              <a:t>02.04.2021</a:t>
+              <a:t>04.04.2021</a:t>
             </a:fld>
             <a:endParaRPr lang="ru-RU"/>
           </a:p>
@@ -3183,7 +3183,7 @@
           <a:p>
             <a:fld id="{B0400CAE-7DEC-4379-94E3-CFB24A5D3887}" type="datetimeFigureOut">
               <a:rPr lang="ru-RU" smtClean="0"/>
-              <a:t>02.04.2021</a:t>
+              <a:t>04.04.2021</a:t>
             </a:fld>
             <a:endParaRPr lang="ru-RU"/>
           </a:p>
@@ -3301,7 +3301,7 @@
           <a:p>
             <a:fld id="{B0400CAE-7DEC-4379-94E3-CFB24A5D3887}" type="datetimeFigureOut">
               <a:rPr lang="ru-RU" smtClean="0"/>
-              <a:t>02.04.2021</a:t>
+              <a:t>04.04.2021</a:t>
             </a:fld>
             <a:endParaRPr lang="ru-RU"/>
           </a:p>
@@ -3396,7 +3396,7 @@
           <a:p>
             <a:fld id="{B0400CAE-7DEC-4379-94E3-CFB24A5D3887}" type="datetimeFigureOut">
               <a:rPr lang="ru-RU" smtClean="0"/>
-              <a:t>02.04.2021</a:t>
+              <a:t>04.04.2021</a:t>
             </a:fld>
             <a:endParaRPr lang="ru-RU"/>
           </a:p>
@@ -3673,7 +3673,7 @@
           <a:p>
             <a:fld id="{B0400CAE-7DEC-4379-94E3-CFB24A5D3887}" type="datetimeFigureOut">
               <a:rPr lang="ru-RU" smtClean="0"/>
-              <a:t>02.04.2021</a:t>
+              <a:t>04.04.2021</a:t>
             </a:fld>
             <a:endParaRPr lang="ru-RU"/>
           </a:p>
@@ -3930,7 +3930,7 @@
           <a:p>
             <a:fld id="{B0400CAE-7DEC-4379-94E3-CFB24A5D3887}" type="datetimeFigureOut">
               <a:rPr lang="ru-RU" smtClean="0"/>
-              <a:t>02.04.2021</a:t>
+              <a:t>04.04.2021</a:t>
             </a:fld>
             <a:endParaRPr lang="ru-RU"/>
           </a:p>
@@ -4143,7 +4143,7 @@
           <a:p>
             <a:fld id="{B0400CAE-7DEC-4379-94E3-CFB24A5D3887}" type="datetimeFigureOut">
               <a:rPr lang="ru-RU" smtClean="0"/>
-              <a:t>02.04.2021</a:t>
+              <a:t>04.04.2021</a:t>
             </a:fld>
             <a:endParaRPr lang="ru-RU"/>
           </a:p>
@@ -6433,8 +6433,8 @@
           <a:chExt cx="0" cy="0"/>
         </a:xfrm>
       </p:grpSpPr>
-      <mc:AlternateContent xmlns:mc="http://schemas.openxmlformats.org/markup-compatibility/2006">
-        <mc:Choice xmlns:a14="http://schemas.microsoft.com/office/drawing/2010/main" Requires="a14">
+      <mc:AlternateContent xmlns:mc="http://schemas.openxmlformats.org/markup-compatibility/2006" xmlns:a14="http://schemas.microsoft.com/office/drawing/2010/main">
+        <mc:Choice Requires="a14">
           <p:sp>
             <p:nvSpPr>
               <p:cNvPr id="2" name="TextBox 1">
@@ -6679,7 +6679,7 @@
             </p:txBody>
           </p:sp>
         </mc:Choice>
-        <mc:Fallback>
+        <mc:Fallback xmlns="">
           <p:sp>
             <p:nvSpPr>
               <p:cNvPr id="2" name="TextBox 1">
@@ -6724,8 +6724,8 @@
           </p:sp>
         </mc:Fallback>
       </mc:AlternateContent>
-      <mc:AlternateContent xmlns:mc="http://schemas.openxmlformats.org/markup-compatibility/2006">
-        <mc:Choice xmlns:a14="http://schemas.microsoft.com/office/drawing/2010/main" Requires="a14">
+      <mc:AlternateContent xmlns:mc="http://schemas.openxmlformats.org/markup-compatibility/2006" xmlns:a14="http://schemas.microsoft.com/office/drawing/2010/main">
+        <mc:Choice Requires="a14">
           <p:sp>
             <p:nvSpPr>
               <p:cNvPr id="4" name="TextBox 3">
@@ -6880,7 +6880,7 @@
             </p:txBody>
           </p:sp>
         </mc:Choice>
-        <mc:Fallback>
+        <mc:Fallback xmlns="">
           <p:sp>
             <p:nvSpPr>
               <p:cNvPr id="4" name="TextBox 3">
@@ -7869,10 +7869,10 @@
       </p:grpSpPr>
       <p:pic>
         <p:nvPicPr>
-          <p:cNvPr id="12" name="Рисунок 11">
+          <p:cNvPr id="2" name="Рисунок 1">
             <a:extLst>
               <a:ext uri="{FF2B5EF4-FFF2-40B4-BE49-F238E27FC236}">
-                <a16:creationId xmlns:a16="http://schemas.microsoft.com/office/drawing/2014/main" id="{EE6D0C9E-5075-40B0-8C5F-14A05F4F0AED}"/>
+                <a16:creationId xmlns:a16="http://schemas.microsoft.com/office/drawing/2014/main" id="{7FEC87CC-E029-4571-9DF2-A2644D16A89B}"/>
               </a:ext>
             </a:extLst>
           </p:cNvPr>
@@ -7889,8 +7889,38 @@
         </p:blipFill>
         <p:spPr>
           <a:xfrm>
+            <a:off x="4505794" y="-3736"/>
+            <a:ext cx="2309683" cy="2302048"/>
+          </a:xfrm>
+          <a:prstGeom prst="rect">
+            <a:avLst/>
+          </a:prstGeom>
+        </p:spPr>
+      </p:pic>
+      <p:pic>
+        <p:nvPicPr>
+          <p:cNvPr id="12" name="Рисунок 11">
+            <a:extLst>
+              <a:ext uri="{FF2B5EF4-FFF2-40B4-BE49-F238E27FC236}">
+                <a16:creationId xmlns:a16="http://schemas.microsoft.com/office/drawing/2014/main" id="{EE6D0C9E-5075-40B0-8C5F-14A05F4F0AED}"/>
+              </a:ext>
+            </a:extLst>
+          </p:cNvPr>
+          <p:cNvPicPr>
+            <a:picLocks noChangeAspect="1"/>
+          </p:cNvPicPr>
+          <p:nvPr/>
+        </p:nvPicPr>
+        <p:blipFill>
+          <a:blip r:embed="rId4"/>
+          <a:stretch>
+            <a:fillRect/>
+          </a:stretch>
+        </p:blipFill>
+        <p:spPr>
+          <a:xfrm>
             <a:off x="0" y="0"/>
-            <a:ext cx="2196338" cy="2229393"/>
+            <a:ext cx="2253506" cy="2287421"/>
           </a:xfrm>
           <a:prstGeom prst="rect">
             <a:avLst/>
@@ -7912,36 +7942,6 @@
           <p:nvPr/>
         </p:nvPicPr>
         <p:blipFill>
-          <a:blip r:embed="rId4"/>
-          <a:stretch>
-            <a:fillRect/>
-          </a:stretch>
-        </p:blipFill>
-        <p:spPr>
-          <a:xfrm>
-            <a:off x="2196338" y="-3735"/>
-            <a:ext cx="2196338" cy="2233128"/>
-          </a:xfrm>
-          <a:prstGeom prst="rect">
-            <a:avLst/>
-          </a:prstGeom>
-        </p:spPr>
-      </p:pic>
-      <p:pic>
-        <p:nvPicPr>
-          <p:cNvPr id="14" name="Рисунок 13">
-            <a:extLst>
-              <a:ext uri="{FF2B5EF4-FFF2-40B4-BE49-F238E27FC236}">
-                <a16:creationId xmlns:a16="http://schemas.microsoft.com/office/drawing/2014/main" id="{C3111DBD-6424-4FDF-B8A7-09E3723C3918}"/>
-              </a:ext>
-            </a:extLst>
-          </p:cNvPr>
-          <p:cNvPicPr>
-            <a:picLocks noChangeAspect="1"/>
-          </p:cNvPicPr>
-          <p:nvPr/>
-        </p:nvPicPr>
-        <p:blipFill>
           <a:blip r:embed="rId5"/>
           <a:stretch>
             <a:fillRect/>
@@ -7949,8 +7949,8 @@
         </p:blipFill>
         <p:spPr>
           <a:xfrm>
-            <a:off x="4392676" y="-8437"/>
-            <a:ext cx="2210907" cy="2229393"/>
+            <a:off x="2254770" y="-3736"/>
+            <a:ext cx="2253505" cy="2291253"/>
           </a:xfrm>
           <a:prstGeom prst="rect">
             <a:avLst/>
@@ -7979,8 +7979,8 @@
         </p:blipFill>
         <p:spPr>
           <a:xfrm>
-            <a:off x="0" y="2584421"/>
-            <a:ext cx="2196338" cy="2236806"/>
+            <a:off x="63645" y="3018695"/>
+            <a:ext cx="2246037" cy="2287421"/>
           </a:xfrm>
           <a:prstGeom prst="rect">
             <a:avLst/>
@@ -8009,38 +8009,8 @@
         </p:blipFill>
         <p:spPr>
           <a:xfrm>
-            <a:off x="2196338" y="2575984"/>
-            <a:ext cx="2175168" cy="2215247"/>
-          </a:xfrm>
-          <a:prstGeom prst="rect">
-            <a:avLst/>
-          </a:prstGeom>
-        </p:spPr>
-      </p:pic>
-      <p:pic>
-        <p:nvPicPr>
-          <p:cNvPr id="20" name="Рисунок 19">
-            <a:extLst>
-              <a:ext uri="{FF2B5EF4-FFF2-40B4-BE49-F238E27FC236}">
-                <a16:creationId xmlns:a16="http://schemas.microsoft.com/office/drawing/2014/main" id="{47935D89-75D4-4E6C-BAA8-168F6727D73F}"/>
-              </a:ext>
-            </a:extLst>
-          </p:cNvPr>
-          <p:cNvPicPr>
-            <a:picLocks noChangeAspect="1"/>
-          </p:cNvPicPr>
-          <p:nvPr/>
-        </p:nvPicPr>
-        <p:blipFill>
-          <a:blip r:embed="rId8"/>
-          <a:stretch>
-            <a:fillRect/>
-          </a:stretch>
-        </p:blipFill>
-        <p:spPr>
-          <a:xfrm>
-            <a:off x="4367854" y="2584421"/>
-            <a:ext cx="2203643" cy="2244246"/>
+            <a:off x="2309683" y="3018695"/>
+            <a:ext cx="2246036" cy="2287421"/>
           </a:xfrm>
           <a:prstGeom prst="rect">
             <a:avLst/>
@@ -8055,7 +8025,7 @@
         </p:nvSpPr>
         <p:spPr>
           <a:xfrm>
-            <a:off x="134364" y="2139830"/>
+            <a:off x="47185" y="2231724"/>
             <a:ext cx="1487700" cy="421334"/>
           </a:xfrm>
           <a:prstGeom prst="rect">
@@ -8095,7 +8065,7 @@
         </p:nvSpPr>
         <p:spPr>
           <a:xfrm>
-            <a:off x="2330702" y="2154650"/>
+            <a:off x="2345495" y="2231724"/>
             <a:ext cx="1487700" cy="421334"/>
           </a:xfrm>
           <a:prstGeom prst="rect">
@@ -8135,7 +8105,7 @@
         </p:nvSpPr>
         <p:spPr>
           <a:xfrm>
-            <a:off x="4558732" y="2133755"/>
+            <a:off x="4566957" y="2229248"/>
             <a:ext cx="1487700" cy="421334"/>
           </a:xfrm>
           <a:prstGeom prst="rect">
@@ -8181,7 +8151,7 @@
         </p:nvSpPr>
         <p:spPr>
           <a:xfrm>
-            <a:off x="112491" y="4791231"/>
+            <a:off x="102846" y="5237017"/>
             <a:ext cx="1487700" cy="421334"/>
           </a:xfrm>
           <a:prstGeom prst="rect">
@@ -8227,7 +8197,7 @@
         </p:nvSpPr>
         <p:spPr>
           <a:xfrm>
-            <a:off x="2321758" y="4741096"/>
+            <a:off x="2371137" y="5234469"/>
             <a:ext cx="1487700" cy="421334"/>
           </a:xfrm>
           <a:prstGeom prst="rect">
@@ -8273,7 +8243,7 @@
         </p:nvSpPr>
         <p:spPr>
           <a:xfrm>
-            <a:off x="4546948" y="4741096"/>
+            <a:off x="4603274" y="5234469"/>
             <a:ext cx="1487700" cy="421334"/>
           </a:xfrm>
           <a:prstGeom prst="rect">
@@ -8319,7 +8289,7 @@
         </p:nvSpPr>
         <p:spPr>
           <a:xfrm>
-            <a:off x="6772138" y="4779372"/>
+            <a:off x="6835411" y="5234469"/>
             <a:ext cx="1487700" cy="421334"/>
           </a:xfrm>
           <a:prstGeom prst="rect">
@@ -8366,15 +8336,15 @@
           <p:nvPr/>
         </p:nvPicPr>
         <p:blipFill>
-          <a:blip r:embed="rId9"/>
+          <a:blip r:embed="rId8"/>
           <a:stretch>
             <a:fillRect/>
           </a:stretch>
         </p:blipFill>
         <p:spPr>
           <a:xfrm>
-            <a:off x="6567844" y="2575984"/>
-            <a:ext cx="2221915" cy="2244245"/>
+            <a:off x="6817430" y="3027934"/>
+            <a:ext cx="2255514" cy="2278182"/>
           </a:xfrm>
           <a:prstGeom prst="rect">
             <a:avLst/>
@@ -8640,6 +8610,36 @@
           </a:fontRef>
         </p:style>
       </p:cxnSp>
+      <p:pic>
+        <p:nvPicPr>
+          <p:cNvPr id="3" name="Рисунок 2">
+            <a:extLst>
+              <a:ext uri="{FF2B5EF4-FFF2-40B4-BE49-F238E27FC236}">
+                <a16:creationId xmlns:a16="http://schemas.microsoft.com/office/drawing/2014/main" id="{CA2D1381-2702-479B-8926-343ECC8BCCA1}"/>
+              </a:ext>
+            </a:extLst>
+          </p:cNvPr>
+          <p:cNvPicPr>
+            <a:picLocks noChangeAspect="1"/>
+          </p:cNvPicPr>
+          <p:nvPr/>
+        </p:nvPicPr>
+        <p:blipFill>
+          <a:blip r:embed="rId9"/>
+          <a:stretch>
+            <a:fillRect/>
+          </a:stretch>
+        </p:blipFill>
+        <p:spPr>
+          <a:xfrm>
+            <a:off x="4554211" y="3027934"/>
+            <a:ext cx="2263219" cy="2278182"/>
+          </a:xfrm>
+          <a:prstGeom prst="rect">
+            <a:avLst/>
+          </a:prstGeom>
+        </p:spPr>
+      </p:pic>
     </p:spTree>
     <p:extLst>
       <p:ext uri="{BB962C8B-B14F-4D97-AF65-F5344CB8AC3E}">
@@ -9382,10 +9382,10 @@
       </p:grpSpPr>
       <p:pic>
         <p:nvPicPr>
-          <p:cNvPr id="14" name="Рисунок 13">
+          <p:cNvPr id="4" name="Рисунок 3">
             <a:extLst>
               <a:ext uri="{FF2B5EF4-FFF2-40B4-BE49-F238E27FC236}">
-                <a16:creationId xmlns:a16="http://schemas.microsoft.com/office/drawing/2014/main" id="{12194346-9EF7-4098-834C-4DDB3A33E457}"/>
+                <a16:creationId xmlns:a16="http://schemas.microsoft.com/office/drawing/2014/main" id="{AA218643-78D8-42EC-80C8-C39B89EE2B7C}"/>
               </a:ext>
             </a:extLst>
           </p:cNvPr>
@@ -9402,8 +9402,8 @@
         </p:blipFill>
         <p:spPr>
           <a:xfrm>
-            <a:off x="6840024" y="0"/>
-            <a:ext cx="2303976" cy="2300149"/>
+            <a:off x="6829329" y="2303705"/>
+            <a:ext cx="2311854" cy="2296594"/>
           </a:xfrm>
           <a:prstGeom prst="rect">
             <a:avLst/>
@@ -9412,10 +9412,10 @@
       </p:pic>
       <p:pic>
         <p:nvPicPr>
-          <p:cNvPr id="16" name="Рисунок 15">
+          <p:cNvPr id="3" name="Рисунок 2">
             <a:extLst>
               <a:ext uri="{FF2B5EF4-FFF2-40B4-BE49-F238E27FC236}">
-                <a16:creationId xmlns:a16="http://schemas.microsoft.com/office/drawing/2014/main" id="{1DE87047-3608-49EE-B482-C6E3DB12D4B5}"/>
+                <a16:creationId xmlns:a16="http://schemas.microsoft.com/office/drawing/2014/main" id="{A52F9B4A-5CDE-4EE5-9973-119424ABF192}"/>
               </a:ext>
             </a:extLst>
           </p:cNvPr>
@@ -9432,8 +9432,8 @@
         </p:blipFill>
         <p:spPr>
           <a:xfrm>
-            <a:off x="6843850" y="2300149"/>
-            <a:ext cx="2300149" cy="2300149"/>
+            <a:off x="6812784" y="4600299"/>
+            <a:ext cx="2331216" cy="2296594"/>
           </a:xfrm>
           <a:prstGeom prst="rect">
             <a:avLst/>
@@ -9442,10 +9442,10 @@
       </p:pic>
       <p:pic>
         <p:nvPicPr>
-          <p:cNvPr id="18" name="Рисунок 17">
+          <p:cNvPr id="2" name="Рисунок 1">
             <a:extLst>
               <a:ext uri="{FF2B5EF4-FFF2-40B4-BE49-F238E27FC236}">
-                <a16:creationId xmlns:a16="http://schemas.microsoft.com/office/drawing/2014/main" id="{59460274-3D68-4E2F-BA69-F5E80A9E0208}"/>
+                <a16:creationId xmlns:a16="http://schemas.microsoft.com/office/drawing/2014/main" id="{C24A7336-922F-488B-9D86-670F05C76F01}"/>
               </a:ext>
             </a:extLst>
           </p:cNvPr>
@@ -9462,8 +9462,8 @@
         </p:blipFill>
         <p:spPr>
           <a:xfrm>
-            <a:off x="6859083" y="4600298"/>
-            <a:ext cx="2284916" cy="2300149"/>
+            <a:off x="6814109" y="0"/>
+            <a:ext cx="2327074" cy="2300149"/>
           </a:xfrm>
           <a:prstGeom prst="rect">
             <a:avLst/>
@@ -9732,10 +9732,10 @@
       </p:grpSpPr>
       <p:pic>
         <p:nvPicPr>
-          <p:cNvPr id="6" name="Рисунок 5">
+          <p:cNvPr id="10" name="Рисунок 9">
             <a:extLst>
               <a:ext uri="{FF2B5EF4-FFF2-40B4-BE49-F238E27FC236}">
-                <a16:creationId xmlns:a16="http://schemas.microsoft.com/office/drawing/2014/main" id="{725F647D-35E8-480B-8386-FCA17E34538B}"/>
+                <a16:creationId xmlns:a16="http://schemas.microsoft.com/office/drawing/2014/main" id="{9A9271DE-1940-49FD-9A22-EF7BF37462D2}"/>
               </a:ext>
             </a:extLst>
           </p:cNvPr>
@@ -9745,21 +9745,15 @@
           <p:nvPr/>
         </p:nvPicPr>
         <p:blipFill>
-          <a:blip r:embed="rId3">
-            <a:extLst>
-              <a:ext uri="{28A0092B-C50C-407E-A947-70E740481C1C}">
-                <a14:useLocalDpi xmlns:a14="http://schemas.microsoft.com/office/drawing/2010/main" val="0"/>
-              </a:ext>
-            </a:extLst>
-          </a:blip>
+          <a:blip r:embed="rId3"/>
           <a:stretch>
             <a:fillRect/>
           </a:stretch>
         </p:blipFill>
         <p:spPr>
           <a:xfrm>
-            <a:off x="-1" y="0"/>
-            <a:ext cx="6859083" cy="6739958"/>
+            <a:off x="6829329" y="2303705"/>
+            <a:ext cx="2311854" cy="2296594"/>
           </a:xfrm>
           <a:prstGeom prst="rect">
             <a:avLst/>
@@ -9768,10 +9762,10 @@
       </p:pic>
       <p:pic>
         <p:nvPicPr>
-          <p:cNvPr id="7" name="Рисунок 6">
+          <p:cNvPr id="12" name="Рисунок 11">
             <a:extLst>
               <a:ext uri="{FF2B5EF4-FFF2-40B4-BE49-F238E27FC236}">
-                <a16:creationId xmlns:a16="http://schemas.microsoft.com/office/drawing/2014/main" id="{BB7B8A3C-EB18-4CFC-B360-694D5274E7E4}"/>
+                <a16:creationId xmlns:a16="http://schemas.microsoft.com/office/drawing/2014/main" id="{DE226419-0EC8-405E-B72C-18788728A1F0}"/>
               </a:ext>
             </a:extLst>
           </p:cNvPr>
@@ -9788,8 +9782,8 @@
         </p:blipFill>
         <p:spPr>
           <a:xfrm>
-            <a:off x="6840023" y="0"/>
-            <a:ext cx="2303976" cy="2300149"/>
+            <a:off x="6812784" y="4600299"/>
+            <a:ext cx="2331216" cy="2296594"/>
           </a:xfrm>
           <a:prstGeom prst="rect">
             <a:avLst/>
@@ -9798,10 +9792,10 @@
       </p:pic>
       <p:pic>
         <p:nvPicPr>
-          <p:cNvPr id="8" name="Рисунок 7">
+          <p:cNvPr id="14" name="Рисунок 13">
             <a:extLst>
               <a:ext uri="{FF2B5EF4-FFF2-40B4-BE49-F238E27FC236}">
-                <a16:creationId xmlns:a16="http://schemas.microsoft.com/office/drawing/2014/main" id="{F9BE38E7-DE13-4029-8515-5B8AB58697C2}"/>
+                <a16:creationId xmlns:a16="http://schemas.microsoft.com/office/drawing/2014/main" id="{5F5C74ED-60CE-4D9A-8CCD-224D4E6738E6}"/>
               </a:ext>
             </a:extLst>
           </p:cNvPr>
@@ -9818,8 +9812,8 @@
         </p:blipFill>
         <p:spPr>
           <a:xfrm>
-            <a:off x="6843850" y="2300149"/>
-            <a:ext cx="2300149" cy="2300149"/>
+            <a:off x="6814109" y="0"/>
+            <a:ext cx="2327074" cy="2300149"/>
           </a:xfrm>
           <a:prstGeom prst="rect">
             <a:avLst/>
@@ -9828,10 +9822,10 @@
       </p:pic>
       <p:pic>
         <p:nvPicPr>
-          <p:cNvPr id="9" name="Рисунок 8">
+          <p:cNvPr id="6" name="Рисунок 5">
             <a:extLst>
               <a:ext uri="{FF2B5EF4-FFF2-40B4-BE49-F238E27FC236}">
-                <a16:creationId xmlns:a16="http://schemas.microsoft.com/office/drawing/2014/main" id="{05C292B0-2B10-4256-A970-DCB421C3480C}"/>
+                <a16:creationId xmlns:a16="http://schemas.microsoft.com/office/drawing/2014/main" id="{725F647D-35E8-480B-8386-FCA17E34538B}"/>
               </a:ext>
             </a:extLst>
           </p:cNvPr>
@@ -9841,15 +9835,21 @@
           <p:nvPr/>
         </p:nvPicPr>
         <p:blipFill>
-          <a:blip r:embed="rId6"/>
+          <a:blip r:embed="rId6">
+            <a:extLst>
+              <a:ext uri="{28A0092B-C50C-407E-A947-70E740481C1C}">
+                <a14:useLocalDpi xmlns:a14="http://schemas.microsoft.com/office/drawing/2010/main" val="0"/>
+              </a:ext>
+            </a:extLst>
+          </a:blip>
           <a:stretch>
             <a:fillRect/>
           </a:stretch>
         </p:blipFill>
         <p:spPr>
           <a:xfrm>
-            <a:off x="6859083" y="4600298"/>
-            <a:ext cx="2284916" cy="2300149"/>
+            <a:off x="-1" y="0"/>
+            <a:ext cx="6859083" cy="6739958"/>
           </a:xfrm>
           <a:prstGeom prst="rect">
             <a:avLst/>

--- a/Презентация.pptx
+++ b/Презентация.pptx
@@ -2,10 +2,10 @@
 <file path=ppt/presentation.xml><?xml version="1.0" encoding="utf-8"?>
 <p:presentation xmlns:a="http://schemas.openxmlformats.org/drawingml/2006/main" xmlns:r="http://schemas.openxmlformats.org/officeDocument/2006/relationships" xmlns:p="http://schemas.openxmlformats.org/presentationml/2006/main" saveSubsetFonts="1">
   <p:sldMasterIdLst>
-    <p:sldMasterId id="2147483660" r:id="rId1"/>
+    <p:sldMasterId id="2147483876" r:id="rId1"/>
   </p:sldMasterIdLst>
   <p:notesMasterIdLst>
-    <p:notesMasterId r:id="rId14"/>
+    <p:notesMasterId r:id="rId15"/>
   </p:notesMasterIdLst>
   <p:sldIdLst>
     <p:sldId id="262" r:id="rId2"/>
@@ -19,7 +19,8 @@
     <p:sldId id="271" r:id="rId10"/>
     <p:sldId id="260" r:id="rId11"/>
     <p:sldId id="272" r:id="rId12"/>
-    <p:sldId id="264" r:id="rId13"/>
+    <p:sldId id="273" r:id="rId13"/>
+    <p:sldId id="274" r:id="rId14"/>
   </p:sldIdLst>
   <p:sldSz cx="9144000" cy="6858000" type="screen4x3"/>
   <p:notesSz cx="6858000" cy="9144000"/>
@@ -175,7 +176,7 @@
             </a:lvl1pPr>
           </a:lstStyle>
           <a:p>
-            <a:endParaRPr lang="ru-RU"/>
+            <a:endParaRPr lang="ru-RU" dirty="0"/>
           </a:p>
         </p:txBody>
       </p:sp>
@@ -208,9 +209,9 @@
           <a:p>
             <a:fld id="{6B82548C-EAA0-4F98-90B8-F588E14A775F}" type="datetimeFigureOut">
               <a:rPr lang="ru-RU" smtClean="0"/>
-              <a:t>04.04.2021</a:t>
+              <a:t>06.04.2021</a:t>
             </a:fld>
-            <a:endParaRPr lang="ru-RU"/>
+            <a:endParaRPr lang="ru-RU" dirty="0"/>
           </a:p>
         </p:txBody>
       </p:sp>
@@ -243,7 +244,7 @@
           <a:bodyPr vert="horz" lIns="91440" tIns="45720" rIns="91440" bIns="45720" rtlCol="0" anchor="ctr"/>
           <a:lstStyle/>
           <a:p>
-            <a:endParaRPr lang="ru-RU"/>
+            <a:endParaRPr lang="ru-RU" dirty="0"/>
           </a:p>
         </p:txBody>
       </p:sp>
@@ -333,7 +334,7 @@
             </a:lvl1pPr>
           </a:lstStyle>
           <a:p>
-            <a:endParaRPr lang="ru-RU"/>
+            <a:endParaRPr lang="ru-RU" dirty="0"/>
           </a:p>
         </p:txBody>
       </p:sp>
@@ -368,7 +369,7 @@
               <a:rPr lang="ru-RU" smtClean="0"/>
               <a:t>‹#›</a:t>
             </a:fld>
-            <a:endParaRPr lang="ru-RU"/>
+            <a:endParaRPr lang="ru-RU" dirty="0"/>
           </a:p>
         </p:txBody>
       </p:sp>
@@ -573,7 +574,7 @@
               <a:rPr lang="ru-RU" smtClean="0"/>
               <a:t>2</a:t>
             </a:fld>
-            <a:endParaRPr lang="ru-RU"/>
+            <a:endParaRPr lang="ru-RU" dirty="0"/>
           </a:p>
         </p:txBody>
       </p:sp>
@@ -652,6 +653,18 @@
               <a:defRPr/>
             </a:pPr>
             <a:r>
+              <a:rPr lang="ru-RU" sz="1800" b="1" i="1" dirty="0" smtClean="0">
+                <a:solidFill>
+                  <a:srgbClr val="000000"/>
+                </a:solidFill>
+                <a:effectLst/>
+                <a:latin typeface="Calibri" panose="020F0502020204030204" pitchFamily="34" charset="0"/>
+                <a:ea typeface="Times New Roman" panose="02020603050405020304" pitchFamily="18" charset="0"/>
+                <a:cs typeface="Calibri" panose="020F0502020204030204" pitchFamily="34" charset="0"/>
+              </a:rPr>
+              <a:t>35-5-60 </a:t>
+            </a:r>
+            <a:r>
               <a:rPr lang="ru-RU" sz="1800" b="1" i="1" dirty="0">
                 <a:solidFill>
                   <a:srgbClr val="000000"/>
@@ -661,7 +674,7 @@
                 <a:ea typeface="Times New Roman" panose="02020603050405020304" pitchFamily="18" charset="0"/>
                 <a:cs typeface="Calibri" panose="020F0502020204030204" pitchFamily="34" charset="0"/>
               </a:rPr>
-              <a:t>График 35-5-60 ДСК</a:t>
+              <a:t>ДСК</a:t>
             </a:r>
             <a:endParaRPr lang="ru-RU" sz="1800" b="1" dirty="0">
               <a:solidFill>
@@ -697,7 +710,7 @@
               <a:rPr lang="ru-RU" smtClean="0"/>
               <a:t>11</a:t>
             </a:fld>
-            <a:endParaRPr lang="ru-RU"/>
+            <a:endParaRPr lang="ru-RU" dirty="0"/>
           </a:p>
         </p:txBody>
       </p:sp>
@@ -705,6 +718,186 @@
     <p:extLst>
       <p:ext uri="{BB962C8B-B14F-4D97-AF65-F5344CB8AC3E}">
         <p14:creationId xmlns:p14="http://schemas.microsoft.com/office/powerpoint/2010/main" val="1335941834"/>
+      </p:ext>
+    </p:extLst>
+  </p:cSld>
+  <p:clrMapOvr>
+    <a:masterClrMapping/>
+  </p:clrMapOvr>
+</p:notes>
+</file>
+
+<file path=ppt/notesSlides/notesSlide11.xml><?xml version="1.0" encoding="utf-8"?>
+<p:notes xmlns:a="http://schemas.openxmlformats.org/drawingml/2006/main" xmlns:r="http://schemas.openxmlformats.org/officeDocument/2006/relationships" xmlns:p="http://schemas.openxmlformats.org/presentationml/2006/main">
+  <p:cSld>
+    <p:spTree>
+      <p:nvGrpSpPr>
+        <p:cNvPr id="1" name=""/>
+        <p:cNvGrpSpPr/>
+        <p:nvPr/>
+      </p:nvGrpSpPr>
+      <p:grpSpPr>
+        <a:xfrm>
+          <a:off x="0" y="0"/>
+          <a:ext cx="0" cy="0"/>
+          <a:chOff x="0" y="0"/>
+          <a:chExt cx="0" cy="0"/>
+        </a:xfrm>
+      </p:grpSpPr>
+      <p:sp>
+        <p:nvSpPr>
+          <p:cNvPr id="2" name="Образ слайда 1"/>
+          <p:cNvSpPr>
+            <a:spLocks noGrp="1" noRot="1" noChangeAspect="1"/>
+          </p:cNvSpPr>
+          <p:nvPr>
+            <p:ph type="sldImg"/>
+          </p:nvPr>
+        </p:nvSpPr>
+        <p:spPr/>
+      </p:sp>
+      <p:sp>
+        <p:nvSpPr>
+          <p:cNvPr id="3" name="Заметки 2"/>
+          <p:cNvSpPr>
+            <a:spLocks noGrp="1"/>
+          </p:cNvSpPr>
+          <p:nvPr>
+            <p:ph type="body" idx="1"/>
+          </p:nvPr>
+        </p:nvSpPr>
+        <p:spPr/>
+        <p:txBody>
+          <a:bodyPr/>
+          <a:lstStyle/>
+          <a:p>
+            <a:r>
+              <a:rPr lang="ru-RU" dirty="0" smtClean="0"/>
+              <a:t>Заключение</a:t>
+            </a:r>
+            <a:endParaRPr lang="ru-RU" dirty="0"/>
+          </a:p>
+        </p:txBody>
+      </p:sp>
+      <p:sp>
+        <p:nvSpPr>
+          <p:cNvPr id="4" name="Номер слайда 3"/>
+          <p:cNvSpPr>
+            <a:spLocks noGrp="1"/>
+          </p:cNvSpPr>
+          <p:nvPr>
+            <p:ph type="sldNum" sz="quarter" idx="10"/>
+          </p:nvPr>
+        </p:nvSpPr>
+        <p:spPr/>
+        <p:txBody>
+          <a:bodyPr/>
+          <a:lstStyle/>
+          <a:p>
+            <a:fld id="{40EE32AA-D285-4475-A712-967CA9C5AE24}" type="slidenum">
+              <a:rPr lang="ru-RU" smtClean="0"/>
+              <a:t>12</a:t>
+            </a:fld>
+            <a:endParaRPr lang="ru-RU" dirty="0"/>
+          </a:p>
+        </p:txBody>
+      </p:sp>
+    </p:spTree>
+    <p:extLst>
+      <p:ext uri="{BB962C8B-B14F-4D97-AF65-F5344CB8AC3E}">
+        <p14:creationId xmlns:p14="http://schemas.microsoft.com/office/powerpoint/2010/main" val="4203310378"/>
+      </p:ext>
+    </p:extLst>
+  </p:cSld>
+  <p:clrMapOvr>
+    <a:masterClrMapping/>
+  </p:clrMapOvr>
+</p:notes>
+</file>
+
+<file path=ppt/notesSlides/notesSlide12.xml><?xml version="1.0" encoding="utf-8"?>
+<p:notes xmlns:a="http://schemas.openxmlformats.org/drawingml/2006/main" xmlns:r="http://schemas.openxmlformats.org/officeDocument/2006/relationships" xmlns:p="http://schemas.openxmlformats.org/presentationml/2006/main">
+  <p:cSld>
+    <p:spTree>
+      <p:nvGrpSpPr>
+        <p:cNvPr id="1" name=""/>
+        <p:cNvGrpSpPr/>
+        <p:nvPr/>
+      </p:nvGrpSpPr>
+      <p:grpSpPr>
+        <a:xfrm>
+          <a:off x="0" y="0"/>
+          <a:ext cx="0" cy="0"/>
+          <a:chOff x="0" y="0"/>
+          <a:chExt cx="0" cy="0"/>
+        </a:xfrm>
+      </p:grpSpPr>
+      <p:sp>
+        <p:nvSpPr>
+          <p:cNvPr id="2" name="Образ слайда 1"/>
+          <p:cNvSpPr>
+            <a:spLocks noGrp="1" noRot="1" noChangeAspect="1"/>
+          </p:cNvSpPr>
+          <p:nvPr>
+            <p:ph type="sldImg"/>
+          </p:nvPr>
+        </p:nvSpPr>
+        <p:spPr/>
+      </p:sp>
+      <p:sp>
+        <p:nvSpPr>
+          <p:cNvPr id="3" name="Заметки 2"/>
+          <p:cNvSpPr>
+            <a:spLocks noGrp="1"/>
+          </p:cNvSpPr>
+          <p:nvPr>
+            <p:ph type="body" idx="1"/>
+          </p:nvPr>
+        </p:nvSpPr>
+        <p:spPr/>
+        <p:txBody>
+          <a:bodyPr/>
+          <a:lstStyle/>
+          <a:p>
+            <a:r>
+              <a:rPr lang="ru-RU" dirty="0" smtClean="0"/>
+              <a:t>Спасибо</a:t>
+            </a:r>
+            <a:r>
+              <a:rPr lang="ru-RU" baseline="0" dirty="0" smtClean="0"/>
+              <a:t> за внимание</a:t>
+            </a:r>
+            <a:endParaRPr lang="ru-RU" dirty="0"/>
+          </a:p>
+        </p:txBody>
+      </p:sp>
+      <p:sp>
+        <p:nvSpPr>
+          <p:cNvPr id="4" name="Номер слайда 3"/>
+          <p:cNvSpPr>
+            <a:spLocks noGrp="1"/>
+          </p:cNvSpPr>
+          <p:nvPr>
+            <p:ph type="sldNum" sz="quarter" idx="10"/>
+          </p:nvPr>
+        </p:nvSpPr>
+        <p:spPr/>
+        <p:txBody>
+          <a:bodyPr/>
+          <a:lstStyle/>
+          <a:p>
+            <a:fld id="{40EE32AA-D285-4475-A712-967CA9C5AE24}" type="slidenum">
+              <a:rPr lang="ru-RU" smtClean="0"/>
+              <a:t>13</a:t>
+            </a:fld>
+            <a:endParaRPr lang="ru-RU" dirty="0"/>
+          </a:p>
+        </p:txBody>
+      </p:sp>
+    </p:spTree>
+    <p:extLst>
+      <p:ext uri="{BB962C8B-B14F-4D97-AF65-F5344CB8AC3E}">
+        <p14:creationId xmlns:p14="http://schemas.microsoft.com/office/powerpoint/2010/main" val="2405680100"/>
       </p:ext>
     </p:extLst>
   </p:cSld>
@@ -1067,7 +1260,7 @@
               <a:rPr lang="ru-RU" smtClean="0"/>
               <a:t>5</a:t>
             </a:fld>
-            <a:endParaRPr lang="ru-RU"/>
+            <a:endParaRPr lang="ru-RU" dirty="0"/>
           </a:p>
         </p:txBody>
       </p:sp>
@@ -1188,7 +1381,7 @@
               <a:rPr lang="ru-RU" smtClean="0"/>
               <a:t>6</a:t>
             </a:fld>
-            <a:endParaRPr lang="ru-RU"/>
+            <a:endParaRPr lang="ru-RU" dirty="0"/>
           </a:p>
         </p:txBody>
       </p:sp>
@@ -1309,7 +1502,7 @@
               <a:rPr lang="ru-RU" smtClean="0"/>
               <a:t>7</a:t>
             </a:fld>
-            <a:endParaRPr lang="ru-RU"/>
+            <a:endParaRPr lang="ru-RU" dirty="0"/>
           </a:p>
         </p:txBody>
       </p:sp>
@@ -1433,7 +1626,7 @@
               <a:rPr lang="ru-RU" smtClean="0"/>
               <a:t>8</a:t>
             </a:fld>
-            <a:endParaRPr lang="ru-RU"/>
+            <a:endParaRPr lang="ru-RU" dirty="0"/>
           </a:p>
         </p:txBody>
       </p:sp>
@@ -1548,7 +1741,7 @@
               <a:rPr lang="ru-RU" smtClean="0"/>
               <a:t>9</a:t>
             </a:fld>
-            <a:endParaRPr lang="ru-RU"/>
+            <a:endParaRPr lang="ru-RU" dirty="0"/>
           </a:p>
         </p:txBody>
       </p:sp>
@@ -1672,7 +1865,7 @@
               <a:rPr lang="ru-RU" smtClean="0"/>
               <a:t>10</a:t>
             </a:fld>
-            <a:endParaRPr lang="ru-RU"/>
+            <a:endParaRPr lang="ru-RU" dirty="0"/>
           </a:p>
         </p:txBody>
       </p:sp>
@@ -1731,7 +1924,7 @@
           </a:lstStyle>
           <a:p>
             <a:r>
-              <a:rPr lang="ru-RU"/>
+              <a:rPr lang="ru-RU" smtClean="0"/>
               <a:t>Образец заголовка</a:t>
             </a:r>
             <a:endParaRPr lang="en-US" dirty="0"/>
@@ -1796,7 +1989,7 @@
           </a:lstStyle>
           <a:p>
             <a:r>
-              <a:rPr lang="ru-RU"/>
+              <a:rPr lang="ru-RU" smtClean="0"/>
               <a:t>Образец подзаголовка</a:t>
             </a:r>
             <a:endParaRPr lang="en-US" dirty="0"/>
@@ -1820,9 +2013,9 @@
           <a:p>
             <a:fld id="{B0400CAE-7DEC-4379-94E3-CFB24A5D3887}" type="datetimeFigureOut">
               <a:rPr lang="ru-RU" smtClean="0"/>
-              <a:t>04.04.2021</a:t>
+              <a:t>06.04.2021</a:t>
             </a:fld>
-            <a:endParaRPr lang="ru-RU"/>
+            <a:endParaRPr lang="ru-RU" dirty="0"/>
           </a:p>
         </p:txBody>
       </p:sp>
@@ -1841,7 +2034,7 @@
           <a:bodyPr/>
           <a:lstStyle/>
           <a:p>
-            <a:endParaRPr lang="ru-RU"/>
+            <a:endParaRPr lang="ru-RU" dirty="0"/>
           </a:p>
         </p:txBody>
       </p:sp>
@@ -1864,14 +2057,14 @@
               <a:rPr lang="ru-RU" smtClean="0"/>
               <a:t>‹#›</a:t>
             </a:fld>
-            <a:endParaRPr lang="ru-RU"/>
+            <a:endParaRPr lang="ru-RU" dirty="0"/>
           </a:p>
         </p:txBody>
       </p:sp>
     </p:spTree>
     <p:extLst>
       <p:ext uri="{BB962C8B-B14F-4D97-AF65-F5344CB8AC3E}">
-        <p14:creationId xmlns:p14="http://schemas.microsoft.com/office/powerpoint/2010/main" val="1180129461"/>
+        <p14:creationId xmlns:p14="http://schemas.microsoft.com/office/powerpoint/2010/main" val="1007691708"/>
       </p:ext>
     </p:extLst>
   </p:cSld>
@@ -1914,7 +2107,7 @@
           <a:lstStyle/>
           <a:p>
             <a:r>
-              <a:rPr lang="ru-RU"/>
+              <a:rPr lang="ru-RU" smtClean="0"/>
               <a:t>Образец заголовка</a:t>
             </a:r>
             <a:endParaRPr lang="en-US" dirty="0"/>
@@ -1938,35 +2131,35 @@
           <a:p>
             <a:pPr lvl="0"/>
             <a:r>
-              <a:rPr lang="ru-RU"/>
+              <a:rPr lang="ru-RU" smtClean="0"/>
               <a:t>Образец текста</a:t>
             </a:r>
           </a:p>
           <a:p>
             <a:pPr lvl="1"/>
             <a:r>
-              <a:rPr lang="ru-RU"/>
+              <a:rPr lang="ru-RU" smtClean="0"/>
               <a:t>Второй уровень</a:t>
             </a:r>
           </a:p>
           <a:p>
             <a:pPr lvl="2"/>
             <a:r>
-              <a:rPr lang="ru-RU"/>
+              <a:rPr lang="ru-RU" smtClean="0"/>
               <a:t>Третий уровень</a:t>
             </a:r>
           </a:p>
           <a:p>
             <a:pPr lvl="3"/>
             <a:r>
-              <a:rPr lang="ru-RU"/>
+              <a:rPr lang="ru-RU" smtClean="0"/>
               <a:t>Четвертый уровень</a:t>
             </a:r>
           </a:p>
           <a:p>
             <a:pPr lvl="4"/>
             <a:r>
-              <a:rPr lang="ru-RU"/>
+              <a:rPr lang="ru-RU" smtClean="0"/>
               <a:t>Пятый уровень</a:t>
             </a:r>
             <a:endParaRPr lang="en-US" dirty="0"/>
@@ -1990,9 +2183,9 @@
           <a:p>
             <a:fld id="{B0400CAE-7DEC-4379-94E3-CFB24A5D3887}" type="datetimeFigureOut">
               <a:rPr lang="ru-RU" smtClean="0"/>
-              <a:t>04.04.2021</a:t>
+              <a:t>06.04.2021</a:t>
             </a:fld>
-            <a:endParaRPr lang="ru-RU"/>
+            <a:endParaRPr lang="ru-RU" dirty="0"/>
           </a:p>
         </p:txBody>
       </p:sp>
@@ -2011,7 +2204,7 @@
           <a:bodyPr/>
           <a:lstStyle/>
           <a:p>
-            <a:endParaRPr lang="ru-RU"/>
+            <a:endParaRPr lang="ru-RU" dirty="0"/>
           </a:p>
         </p:txBody>
       </p:sp>
@@ -2034,14 +2227,14 @@
               <a:rPr lang="ru-RU" smtClean="0"/>
               <a:t>‹#›</a:t>
             </a:fld>
-            <a:endParaRPr lang="ru-RU"/>
+            <a:endParaRPr lang="ru-RU" dirty="0"/>
           </a:p>
         </p:txBody>
       </p:sp>
     </p:spTree>
     <p:extLst>
       <p:ext uri="{BB962C8B-B14F-4D97-AF65-F5344CB8AC3E}">
-        <p14:creationId xmlns:p14="http://schemas.microsoft.com/office/powerpoint/2010/main" val="3775062062"/>
+        <p14:creationId xmlns:p14="http://schemas.microsoft.com/office/powerpoint/2010/main" val="2823749328"/>
       </p:ext>
     </p:extLst>
   </p:cSld>
@@ -2089,7 +2282,7 @@
           <a:lstStyle/>
           <a:p>
             <a:r>
-              <a:rPr lang="ru-RU"/>
+              <a:rPr lang="ru-RU" smtClean="0"/>
               <a:t>Образец заголовка</a:t>
             </a:r>
             <a:endParaRPr lang="en-US" dirty="0"/>
@@ -2118,35 +2311,35 @@
           <a:p>
             <a:pPr lvl="0"/>
             <a:r>
-              <a:rPr lang="ru-RU"/>
+              <a:rPr lang="ru-RU" smtClean="0"/>
               <a:t>Образец текста</a:t>
             </a:r>
           </a:p>
           <a:p>
             <a:pPr lvl="1"/>
             <a:r>
-              <a:rPr lang="ru-RU"/>
+              <a:rPr lang="ru-RU" smtClean="0"/>
               <a:t>Второй уровень</a:t>
             </a:r>
           </a:p>
           <a:p>
             <a:pPr lvl="2"/>
             <a:r>
-              <a:rPr lang="ru-RU"/>
+              <a:rPr lang="ru-RU" smtClean="0"/>
               <a:t>Третий уровень</a:t>
             </a:r>
           </a:p>
           <a:p>
             <a:pPr lvl="3"/>
             <a:r>
-              <a:rPr lang="ru-RU"/>
+              <a:rPr lang="ru-RU" smtClean="0"/>
               <a:t>Четвертый уровень</a:t>
             </a:r>
           </a:p>
           <a:p>
             <a:pPr lvl="4"/>
             <a:r>
-              <a:rPr lang="ru-RU"/>
+              <a:rPr lang="ru-RU" smtClean="0"/>
               <a:t>Пятый уровень</a:t>
             </a:r>
             <a:endParaRPr lang="en-US" dirty="0"/>
@@ -2170,9 +2363,9 @@
           <a:p>
             <a:fld id="{B0400CAE-7DEC-4379-94E3-CFB24A5D3887}" type="datetimeFigureOut">
               <a:rPr lang="ru-RU" smtClean="0"/>
-              <a:t>04.04.2021</a:t>
+              <a:t>06.04.2021</a:t>
             </a:fld>
-            <a:endParaRPr lang="ru-RU"/>
+            <a:endParaRPr lang="ru-RU" dirty="0"/>
           </a:p>
         </p:txBody>
       </p:sp>
@@ -2191,7 +2384,7 @@
           <a:bodyPr/>
           <a:lstStyle/>
           <a:p>
-            <a:endParaRPr lang="ru-RU"/>
+            <a:endParaRPr lang="ru-RU" dirty="0"/>
           </a:p>
         </p:txBody>
       </p:sp>
@@ -2214,14 +2407,14 @@
               <a:rPr lang="ru-RU" smtClean="0"/>
               <a:t>‹#›</a:t>
             </a:fld>
-            <a:endParaRPr lang="ru-RU"/>
+            <a:endParaRPr lang="ru-RU" dirty="0"/>
           </a:p>
         </p:txBody>
       </p:sp>
     </p:spTree>
     <p:extLst>
       <p:ext uri="{BB962C8B-B14F-4D97-AF65-F5344CB8AC3E}">
-        <p14:creationId xmlns:p14="http://schemas.microsoft.com/office/powerpoint/2010/main" val="3511250793"/>
+        <p14:creationId xmlns:p14="http://schemas.microsoft.com/office/powerpoint/2010/main" val="4062652098"/>
       </p:ext>
     </p:extLst>
   </p:cSld>
@@ -2264,7 +2457,7 @@
           <a:lstStyle/>
           <a:p>
             <a:r>
-              <a:rPr lang="ru-RU"/>
+              <a:rPr lang="ru-RU" smtClean="0"/>
               <a:t>Образец заголовка</a:t>
             </a:r>
             <a:endParaRPr lang="en-US" dirty="0"/>
@@ -2288,35 +2481,35 @@
           <a:p>
             <a:pPr lvl="0"/>
             <a:r>
-              <a:rPr lang="ru-RU"/>
+              <a:rPr lang="ru-RU" smtClean="0"/>
               <a:t>Образец текста</a:t>
             </a:r>
           </a:p>
           <a:p>
             <a:pPr lvl="1"/>
             <a:r>
-              <a:rPr lang="ru-RU"/>
+              <a:rPr lang="ru-RU" smtClean="0"/>
               <a:t>Второй уровень</a:t>
             </a:r>
           </a:p>
           <a:p>
             <a:pPr lvl="2"/>
             <a:r>
-              <a:rPr lang="ru-RU"/>
+              <a:rPr lang="ru-RU" smtClean="0"/>
               <a:t>Третий уровень</a:t>
             </a:r>
           </a:p>
           <a:p>
             <a:pPr lvl="3"/>
             <a:r>
-              <a:rPr lang="ru-RU"/>
+              <a:rPr lang="ru-RU" smtClean="0"/>
               <a:t>Четвертый уровень</a:t>
             </a:r>
           </a:p>
           <a:p>
             <a:pPr lvl="4"/>
             <a:r>
-              <a:rPr lang="ru-RU"/>
+              <a:rPr lang="ru-RU" smtClean="0"/>
               <a:t>Пятый уровень</a:t>
             </a:r>
             <a:endParaRPr lang="en-US" dirty="0"/>
@@ -2340,9 +2533,9 @@
           <a:p>
             <a:fld id="{B0400CAE-7DEC-4379-94E3-CFB24A5D3887}" type="datetimeFigureOut">
               <a:rPr lang="ru-RU" smtClean="0"/>
-              <a:t>04.04.2021</a:t>
+              <a:t>06.04.2021</a:t>
             </a:fld>
-            <a:endParaRPr lang="ru-RU"/>
+            <a:endParaRPr lang="ru-RU" dirty="0"/>
           </a:p>
         </p:txBody>
       </p:sp>
@@ -2361,7 +2554,7 @@
           <a:bodyPr/>
           <a:lstStyle/>
           <a:p>
-            <a:endParaRPr lang="ru-RU"/>
+            <a:endParaRPr lang="ru-RU" dirty="0"/>
           </a:p>
         </p:txBody>
       </p:sp>
@@ -2384,14 +2577,14 @@
               <a:rPr lang="ru-RU" smtClean="0"/>
               <a:t>‹#›</a:t>
             </a:fld>
-            <a:endParaRPr lang="ru-RU"/>
+            <a:endParaRPr lang="ru-RU" dirty="0"/>
           </a:p>
         </p:txBody>
       </p:sp>
     </p:spTree>
     <p:extLst>
       <p:ext uri="{BB962C8B-B14F-4D97-AF65-F5344CB8AC3E}">
-        <p14:creationId xmlns:p14="http://schemas.microsoft.com/office/powerpoint/2010/main" val="1103950179"/>
+        <p14:creationId xmlns:p14="http://schemas.microsoft.com/office/powerpoint/2010/main" val="2406936318"/>
       </p:ext>
     </p:extLst>
   </p:cSld>
@@ -2443,7 +2636,7 @@
           </a:lstStyle>
           <a:p>
             <a:r>
-              <a:rPr lang="ru-RU"/>
+              <a:rPr lang="ru-RU" smtClean="0"/>
               <a:t>Образец заголовка</a:t>
             </a:r>
             <a:endParaRPr lang="en-US" dirty="0"/>
@@ -2561,7 +2754,7 @@
           <a:p>
             <a:pPr lvl="0"/>
             <a:r>
-              <a:rPr lang="ru-RU"/>
+              <a:rPr lang="ru-RU" smtClean="0"/>
               <a:t>Образец текста</a:t>
             </a:r>
           </a:p>
@@ -2584,9 +2777,9 @@
           <a:p>
             <a:fld id="{B0400CAE-7DEC-4379-94E3-CFB24A5D3887}" type="datetimeFigureOut">
               <a:rPr lang="ru-RU" smtClean="0"/>
-              <a:t>04.04.2021</a:t>
+              <a:t>06.04.2021</a:t>
             </a:fld>
-            <a:endParaRPr lang="ru-RU"/>
+            <a:endParaRPr lang="ru-RU" dirty="0"/>
           </a:p>
         </p:txBody>
       </p:sp>
@@ -2605,7 +2798,7 @@
           <a:bodyPr/>
           <a:lstStyle/>
           <a:p>
-            <a:endParaRPr lang="ru-RU"/>
+            <a:endParaRPr lang="ru-RU" dirty="0"/>
           </a:p>
         </p:txBody>
       </p:sp>
@@ -2628,14 +2821,14 @@
               <a:rPr lang="ru-RU" smtClean="0"/>
               <a:t>‹#›</a:t>
             </a:fld>
-            <a:endParaRPr lang="ru-RU"/>
+            <a:endParaRPr lang="ru-RU" dirty="0"/>
           </a:p>
         </p:txBody>
       </p:sp>
     </p:spTree>
     <p:extLst>
       <p:ext uri="{BB962C8B-B14F-4D97-AF65-F5344CB8AC3E}">
-        <p14:creationId xmlns:p14="http://schemas.microsoft.com/office/powerpoint/2010/main" val="1676708218"/>
+        <p14:creationId xmlns:p14="http://schemas.microsoft.com/office/powerpoint/2010/main" val="497689322"/>
       </p:ext>
     </p:extLst>
   </p:cSld>
@@ -2678,7 +2871,7 @@
           <a:lstStyle/>
           <a:p>
             <a:r>
-              <a:rPr lang="ru-RU"/>
+              <a:rPr lang="ru-RU" smtClean="0"/>
               <a:t>Образец заголовка</a:t>
             </a:r>
             <a:endParaRPr lang="en-US" dirty="0"/>
@@ -2707,35 +2900,35 @@
           <a:p>
             <a:pPr lvl="0"/>
             <a:r>
-              <a:rPr lang="ru-RU"/>
+              <a:rPr lang="ru-RU" smtClean="0"/>
               <a:t>Образец текста</a:t>
             </a:r>
           </a:p>
           <a:p>
             <a:pPr lvl="1"/>
             <a:r>
-              <a:rPr lang="ru-RU"/>
+              <a:rPr lang="ru-RU" smtClean="0"/>
               <a:t>Второй уровень</a:t>
             </a:r>
           </a:p>
           <a:p>
             <a:pPr lvl="2"/>
             <a:r>
-              <a:rPr lang="ru-RU"/>
+              <a:rPr lang="ru-RU" smtClean="0"/>
               <a:t>Третий уровень</a:t>
             </a:r>
           </a:p>
           <a:p>
             <a:pPr lvl="3"/>
             <a:r>
-              <a:rPr lang="ru-RU"/>
+              <a:rPr lang="ru-RU" smtClean="0"/>
               <a:t>Четвертый уровень</a:t>
             </a:r>
           </a:p>
           <a:p>
             <a:pPr lvl="4"/>
             <a:r>
-              <a:rPr lang="ru-RU"/>
+              <a:rPr lang="ru-RU" smtClean="0"/>
               <a:t>Пятый уровень</a:t>
             </a:r>
             <a:endParaRPr lang="en-US" dirty="0"/>
@@ -2764,35 +2957,35 @@
           <a:p>
             <a:pPr lvl="0"/>
             <a:r>
-              <a:rPr lang="ru-RU"/>
+              <a:rPr lang="ru-RU" smtClean="0"/>
               <a:t>Образец текста</a:t>
             </a:r>
           </a:p>
           <a:p>
             <a:pPr lvl="1"/>
             <a:r>
-              <a:rPr lang="ru-RU"/>
+              <a:rPr lang="ru-RU" smtClean="0"/>
               <a:t>Второй уровень</a:t>
             </a:r>
           </a:p>
           <a:p>
             <a:pPr lvl="2"/>
             <a:r>
-              <a:rPr lang="ru-RU"/>
+              <a:rPr lang="ru-RU" smtClean="0"/>
               <a:t>Третий уровень</a:t>
             </a:r>
           </a:p>
           <a:p>
             <a:pPr lvl="3"/>
             <a:r>
-              <a:rPr lang="ru-RU"/>
+              <a:rPr lang="ru-RU" smtClean="0"/>
               <a:t>Четвертый уровень</a:t>
             </a:r>
           </a:p>
           <a:p>
             <a:pPr lvl="4"/>
             <a:r>
-              <a:rPr lang="ru-RU"/>
+              <a:rPr lang="ru-RU" smtClean="0"/>
               <a:t>Пятый уровень</a:t>
             </a:r>
             <a:endParaRPr lang="en-US" dirty="0"/>
@@ -2816,9 +3009,9 @@
           <a:p>
             <a:fld id="{B0400CAE-7DEC-4379-94E3-CFB24A5D3887}" type="datetimeFigureOut">
               <a:rPr lang="ru-RU" smtClean="0"/>
-              <a:t>04.04.2021</a:t>
+              <a:t>06.04.2021</a:t>
             </a:fld>
-            <a:endParaRPr lang="ru-RU"/>
+            <a:endParaRPr lang="ru-RU" dirty="0"/>
           </a:p>
         </p:txBody>
       </p:sp>
@@ -2837,7 +3030,7 @@
           <a:bodyPr/>
           <a:lstStyle/>
           <a:p>
-            <a:endParaRPr lang="ru-RU"/>
+            <a:endParaRPr lang="ru-RU" dirty="0"/>
           </a:p>
         </p:txBody>
       </p:sp>
@@ -2860,14 +3053,14 @@
               <a:rPr lang="ru-RU" smtClean="0"/>
               <a:t>‹#›</a:t>
             </a:fld>
-            <a:endParaRPr lang="ru-RU"/>
+            <a:endParaRPr lang="ru-RU" dirty="0"/>
           </a:p>
         </p:txBody>
       </p:sp>
     </p:spTree>
     <p:extLst>
       <p:ext uri="{BB962C8B-B14F-4D97-AF65-F5344CB8AC3E}">
-        <p14:creationId xmlns:p14="http://schemas.microsoft.com/office/powerpoint/2010/main" val="321402125"/>
+        <p14:creationId xmlns:p14="http://schemas.microsoft.com/office/powerpoint/2010/main" val="2688300349"/>
       </p:ext>
     </p:extLst>
   </p:cSld>
@@ -2915,7 +3108,7 @@
           <a:lstStyle/>
           <a:p>
             <a:r>
-              <a:rPr lang="ru-RU"/>
+              <a:rPr lang="ru-RU" smtClean="0"/>
               <a:t>Образец заголовка</a:t>
             </a:r>
             <a:endParaRPr lang="en-US" dirty="0"/>
@@ -2981,7 +3174,7 @@
           <a:p>
             <a:pPr lvl="0"/>
             <a:r>
-              <a:rPr lang="ru-RU"/>
+              <a:rPr lang="ru-RU" smtClean="0"/>
               <a:t>Образец текста</a:t>
             </a:r>
           </a:p>
@@ -3009,35 +3202,35 @@
           <a:p>
             <a:pPr lvl="0"/>
             <a:r>
-              <a:rPr lang="ru-RU"/>
+              <a:rPr lang="ru-RU" smtClean="0"/>
               <a:t>Образец текста</a:t>
             </a:r>
           </a:p>
           <a:p>
             <a:pPr lvl="1"/>
             <a:r>
-              <a:rPr lang="ru-RU"/>
+              <a:rPr lang="ru-RU" smtClean="0"/>
               <a:t>Второй уровень</a:t>
             </a:r>
           </a:p>
           <a:p>
             <a:pPr lvl="2"/>
             <a:r>
-              <a:rPr lang="ru-RU"/>
+              <a:rPr lang="ru-RU" smtClean="0"/>
               <a:t>Третий уровень</a:t>
             </a:r>
           </a:p>
           <a:p>
             <a:pPr lvl="3"/>
             <a:r>
-              <a:rPr lang="ru-RU"/>
+              <a:rPr lang="ru-RU" smtClean="0"/>
               <a:t>Четвертый уровень</a:t>
             </a:r>
           </a:p>
           <a:p>
             <a:pPr lvl="4"/>
             <a:r>
-              <a:rPr lang="ru-RU"/>
+              <a:rPr lang="ru-RU" smtClean="0"/>
               <a:t>Пятый уровень</a:t>
             </a:r>
             <a:endParaRPr lang="en-US" dirty="0"/>
@@ -3103,7 +3296,7 @@
           <a:p>
             <a:pPr lvl="0"/>
             <a:r>
-              <a:rPr lang="ru-RU"/>
+              <a:rPr lang="ru-RU" smtClean="0"/>
               <a:t>Образец текста</a:t>
             </a:r>
           </a:p>
@@ -3131,35 +3324,35 @@
           <a:p>
             <a:pPr lvl="0"/>
             <a:r>
-              <a:rPr lang="ru-RU"/>
+              <a:rPr lang="ru-RU" smtClean="0"/>
               <a:t>Образец текста</a:t>
             </a:r>
           </a:p>
           <a:p>
             <a:pPr lvl="1"/>
             <a:r>
-              <a:rPr lang="ru-RU"/>
+              <a:rPr lang="ru-RU" smtClean="0"/>
               <a:t>Второй уровень</a:t>
             </a:r>
           </a:p>
           <a:p>
             <a:pPr lvl="2"/>
             <a:r>
-              <a:rPr lang="ru-RU"/>
+              <a:rPr lang="ru-RU" smtClean="0"/>
               <a:t>Третий уровень</a:t>
             </a:r>
           </a:p>
           <a:p>
             <a:pPr lvl="3"/>
             <a:r>
-              <a:rPr lang="ru-RU"/>
+              <a:rPr lang="ru-RU" smtClean="0"/>
               <a:t>Четвертый уровень</a:t>
             </a:r>
           </a:p>
           <a:p>
             <a:pPr lvl="4"/>
             <a:r>
-              <a:rPr lang="ru-RU"/>
+              <a:rPr lang="ru-RU" smtClean="0"/>
               <a:t>Пятый уровень</a:t>
             </a:r>
             <a:endParaRPr lang="en-US" dirty="0"/>
@@ -3183,9 +3376,9 @@
           <a:p>
             <a:fld id="{B0400CAE-7DEC-4379-94E3-CFB24A5D3887}" type="datetimeFigureOut">
               <a:rPr lang="ru-RU" smtClean="0"/>
-              <a:t>04.04.2021</a:t>
+              <a:t>06.04.2021</a:t>
             </a:fld>
-            <a:endParaRPr lang="ru-RU"/>
+            <a:endParaRPr lang="ru-RU" dirty="0"/>
           </a:p>
         </p:txBody>
       </p:sp>
@@ -3204,7 +3397,7 @@
           <a:bodyPr/>
           <a:lstStyle/>
           <a:p>
-            <a:endParaRPr lang="ru-RU"/>
+            <a:endParaRPr lang="ru-RU" dirty="0"/>
           </a:p>
         </p:txBody>
       </p:sp>
@@ -3227,14 +3420,14 @@
               <a:rPr lang="ru-RU" smtClean="0"/>
               <a:t>‹#›</a:t>
             </a:fld>
-            <a:endParaRPr lang="ru-RU"/>
+            <a:endParaRPr lang="ru-RU" dirty="0"/>
           </a:p>
         </p:txBody>
       </p:sp>
     </p:spTree>
     <p:extLst>
       <p:ext uri="{BB962C8B-B14F-4D97-AF65-F5344CB8AC3E}">
-        <p14:creationId xmlns:p14="http://schemas.microsoft.com/office/powerpoint/2010/main" val="80195170"/>
+        <p14:creationId xmlns:p14="http://schemas.microsoft.com/office/powerpoint/2010/main" val="2164265660"/>
       </p:ext>
     </p:extLst>
   </p:cSld>
@@ -3277,7 +3470,7 @@
           <a:lstStyle/>
           <a:p>
             <a:r>
-              <a:rPr lang="ru-RU"/>
+              <a:rPr lang="ru-RU" smtClean="0"/>
               <a:t>Образец заголовка</a:t>
             </a:r>
             <a:endParaRPr lang="en-US" dirty="0"/>
@@ -3301,9 +3494,9 @@
           <a:p>
             <a:fld id="{B0400CAE-7DEC-4379-94E3-CFB24A5D3887}" type="datetimeFigureOut">
               <a:rPr lang="ru-RU" smtClean="0"/>
-              <a:t>04.04.2021</a:t>
+              <a:t>06.04.2021</a:t>
             </a:fld>
-            <a:endParaRPr lang="ru-RU"/>
+            <a:endParaRPr lang="ru-RU" dirty="0"/>
           </a:p>
         </p:txBody>
       </p:sp>
@@ -3322,7 +3515,7 @@
           <a:bodyPr/>
           <a:lstStyle/>
           <a:p>
-            <a:endParaRPr lang="ru-RU"/>
+            <a:endParaRPr lang="ru-RU" dirty="0"/>
           </a:p>
         </p:txBody>
       </p:sp>
@@ -3345,14 +3538,14 @@
               <a:rPr lang="ru-RU" smtClean="0"/>
               <a:t>‹#›</a:t>
             </a:fld>
-            <a:endParaRPr lang="ru-RU"/>
+            <a:endParaRPr lang="ru-RU" dirty="0"/>
           </a:p>
         </p:txBody>
       </p:sp>
     </p:spTree>
     <p:extLst>
       <p:ext uri="{BB962C8B-B14F-4D97-AF65-F5344CB8AC3E}">
-        <p14:creationId xmlns:p14="http://schemas.microsoft.com/office/powerpoint/2010/main" val="4151250359"/>
+        <p14:creationId xmlns:p14="http://schemas.microsoft.com/office/powerpoint/2010/main" val="1104181914"/>
       </p:ext>
     </p:extLst>
   </p:cSld>
@@ -3396,9 +3589,9 @@
           <a:p>
             <a:fld id="{B0400CAE-7DEC-4379-94E3-CFB24A5D3887}" type="datetimeFigureOut">
               <a:rPr lang="ru-RU" smtClean="0"/>
-              <a:t>04.04.2021</a:t>
+              <a:t>06.04.2021</a:t>
             </a:fld>
-            <a:endParaRPr lang="ru-RU"/>
+            <a:endParaRPr lang="ru-RU" dirty="0"/>
           </a:p>
         </p:txBody>
       </p:sp>
@@ -3417,7 +3610,7 @@
           <a:bodyPr/>
           <a:lstStyle/>
           <a:p>
-            <a:endParaRPr lang="ru-RU"/>
+            <a:endParaRPr lang="ru-RU" dirty="0"/>
           </a:p>
         </p:txBody>
       </p:sp>
@@ -3440,14 +3633,14 @@
               <a:rPr lang="ru-RU" smtClean="0"/>
               <a:t>‹#›</a:t>
             </a:fld>
-            <a:endParaRPr lang="ru-RU"/>
+            <a:endParaRPr lang="ru-RU" dirty="0"/>
           </a:p>
         </p:txBody>
       </p:sp>
     </p:spTree>
     <p:extLst>
       <p:ext uri="{BB962C8B-B14F-4D97-AF65-F5344CB8AC3E}">
-        <p14:creationId xmlns:p14="http://schemas.microsoft.com/office/powerpoint/2010/main" val="3417855125"/>
+        <p14:creationId xmlns:p14="http://schemas.microsoft.com/office/powerpoint/2010/main" val="569493459"/>
       </p:ext>
     </p:extLst>
   </p:cSld>
@@ -3499,7 +3692,7 @@
           </a:lstStyle>
           <a:p>
             <a:r>
-              <a:rPr lang="ru-RU"/>
+              <a:rPr lang="ru-RU" smtClean="0"/>
               <a:t>Образец заголовка</a:t>
             </a:r>
             <a:endParaRPr lang="en-US" dirty="0"/>
@@ -3556,35 +3749,35 @@
           <a:p>
             <a:pPr lvl="0"/>
             <a:r>
-              <a:rPr lang="ru-RU"/>
+              <a:rPr lang="ru-RU" smtClean="0"/>
               <a:t>Образец текста</a:t>
             </a:r>
           </a:p>
           <a:p>
             <a:pPr lvl="1"/>
             <a:r>
-              <a:rPr lang="ru-RU"/>
+              <a:rPr lang="ru-RU" smtClean="0"/>
               <a:t>Второй уровень</a:t>
             </a:r>
           </a:p>
           <a:p>
             <a:pPr lvl="2"/>
             <a:r>
-              <a:rPr lang="ru-RU"/>
+              <a:rPr lang="ru-RU" smtClean="0"/>
               <a:t>Третий уровень</a:t>
             </a:r>
           </a:p>
           <a:p>
             <a:pPr lvl="3"/>
             <a:r>
-              <a:rPr lang="ru-RU"/>
+              <a:rPr lang="ru-RU" smtClean="0"/>
               <a:t>Четвертый уровень</a:t>
             </a:r>
           </a:p>
           <a:p>
             <a:pPr lvl="4"/>
             <a:r>
-              <a:rPr lang="ru-RU"/>
+              <a:rPr lang="ru-RU" smtClean="0"/>
               <a:t>Пятый уровень</a:t>
             </a:r>
             <a:endParaRPr lang="en-US" dirty="0"/>
@@ -3650,7 +3843,7 @@
           <a:p>
             <a:pPr lvl="0"/>
             <a:r>
-              <a:rPr lang="ru-RU"/>
+              <a:rPr lang="ru-RU" smtClean="0"/>
               <a:t>Образец текста</a:t>
             </a:r>
           </a:p>
@@ -3673,9 +3866,9 @@
           <a:p>
             <a:fld id="{B0400CAE-7DEC-4379-94E3-CFB24A5D3887}" type="datetimeFigureOut">
               <a:rPr lang="ru-RU" smtClean="0"/>
-              <a:t>04.04.2021</a:t>
+              <a:t>06.04.2021</a:t>
             </a:fld>
-            <a:endParaRPr lang="ru-RU"/>
+            <a:endParaRPr lang="ru-RU" dirty="0"/>
           </a:p>
         </p:txBody>
       </p:sp>
@@ -3694,7 +3887,7 @@
           <a:bodyPr/>
           <a:lstStyle/>
           <a:p>
-            <a:endParaRPr lang="ru-RU"/>
+            <a:endParaRPr lang="ru-RU" dirty="0"/>
           </a:p>
         </p:txBody>
       </p:sp>
@@ -3717,14 +3910,14 @@
               <a:rPr lang="ru-RU" smtClean="0"/>
               <a:t>‹#›</a:t>
             </a:fld>
-            <a:endParaRPr lang="ru-RU"/>
+            <a:endParaRPr lang="ru-RU" dirty="0"/>
           </a:p>
         </p:txBody>
       </p:sp>
     </p:spTree>
     <p:extLst>
       <p:ext uri="{BB962C8B-B14F-4D97-AF65-F5344CB8AC3E}">
-        <p14:creationId xmlns:p14="http://schemas.microsoft.com/office/powerpoint/2010/main" val="2368195138"/>
+        <p14:creationId xmlns:p14="http://schemas.microsoft.com/office/powerpoint/2010/main" val="798118067"/>
       </p:ext>
     </p:extLst>
   </p:cSld>
@@ -3776,7 +3969,7 @@
           </a:lstStyle>
           <a:p>
             <a:r>
-              <a:rPr lang="ru-RU"/>
+              <a:rPr lang="ru-RU" smtClean="0"/>
               <a:t>Образец заголовка</a:t>
             </a:r>
             <a:endParaRPr lang="en-US" dirty="0"/>
@@ -3841,7 +4034,7 @@
           </a:lstStyle>
           <a:p>
             <a:r>
-              <a:rPr lang="ru-RU"/>
+              <a:rPr lang="ru-RU" smtClean="0"/>
               <a:t>Вставка рисунка</a:t>
             </a:r>
             <a:endParaRPr lang="en-US" dirty="0"/>
@@ -3907,7 +4100,7 @@
           <a:p>
             <a:pPr lvl="0"/>
             <a:r>
-              <a:rPr lang="ru-RU"/>
+              <a:rPr lang="ru-RU" smtClean="0"/>
               <a:t>Образец текста</a:t>
             </a:r>
           </a:p>
@@ -3930,9 +4123,9 @@
           <a:p>
             <a:fld id="{B0400CAE-7DEC-4379-94E3-CFB24A5D3887}" type="datetimeFigureOut">
               <a:rPr lang="ru-RU" smtClean="0"/>
-              <a:t>04.04.2021</a:t>
+              <a:t>06.04.2021</a:t>
             </a:fld>
-            <a:endParaRPr lang="ru-RU"/>
+            <a:endParaRPr lang="ru-RU" dirty="0"/>
           </a:p>
         </p:txBody>
       </p:sp>
@@ -3951,7 +4144,7 @@
           <a:bodyPr/>
           <a:lstStyle/>
           <a:p>
-            <a:endParaRPr lang="ru-RU"/>
+            <a:endParaRPr lang="en-US" dirty="0"/>
           </a:p>
         </p:txBody>
       </p:sp>
@@ -3974,14 +4167,14 @@
               <a:rPr lang="ru-RU" smtClean="0"/>
               <a:t>‹#›</a:t>
             </a:fld>
-            <a:endParaRPr lang="ru-RU"/>
+            <a:endParaRPr lang="ru-RU" dirty="0"/>
           </a:p>
         </p:txBody>
       </p:sp>
     </p:spTree>
     <p:extLst>
       <p:ext uri="{BB962C8B-B14F-4D97-AF65-F5344CB8AC3E}">
-        <p14:creationId xmlns:p14="http://schemas.microsoft.com/office/powerpoint/2010/main" val="774968337"/>
+        <p14:creationId xmlns:p14="http://schemas.microsoft.com/office/powerpoint/2010/main" val="1128259463"/>
       </p:ext>
     </p:extLst>
   </p:cSld>
@@ -3995,9 +4188,37 @@
 <p:sldMaster xmlns:a="http://schemas.openxmlformats.org/drawingml/2006/main" xmlns:r="http://schemas.openxmlformats.org/officeDocument/2006/relationships" xmlns:p="http://schemas.openxmlformats.org/presentationml/2006/main">
   <p:cSld>
     <p:bg>
-      <p:bgRef idx="1001">
-        <a:schemeClr val="bg1"/>
-      </p:bgRef>
+      <p:bgPr>
+        <a:gradFill flip="none" rotWithShape="1">
+          <a:gsLst>
+            <a:gs pos="0">
+              <a:schemeClr val="bg1">
+                <a:tint val="93000"/>
+                <a:satMod val="150000"/>
+                <a:shade val="98000"/>
+                <a:lumMod val="102000"/>
+              </a:schemeClr>
+            </a:gs>
+            <a:gs pos="50000">
+              <a:schemeClr val="bg1">
+                <a:tint val="98000"/>
+                <a:satMod val="130000"/>
+                <a:shade val="90000"/>
+                <a:lumMod val="103000"/>
+              </a:schemeClr>
+            </a:gs>
+            <a:gs pos="100000">
+              <a:schemeClr val="bg1">
+                <a:shade val="63000"/>
+                <a:satMod val="120000"/>
+              </a:schemeClr>
+            </a:gs>
+          </a:gsLst>
+          <a:lin ang="16200000" scaled="1"/>
+          <a:tileRect/>
+        </a:gradFill>
+        <a:effectLst/>
+      </p:bgPr>
     </p:bg>
     <p:spTree>
       <p:nvGrpSpPr>
@@ -4039,7 +4260,7 @@
           <a:lstStyle/>
           <a:p>
             <a:r>
-              <a:rPr lang="ru-RU"/>
+              <a:rPr lang="ru-RU" smtClean="0"/>
               <a:t>Образец заголовка</a:t>
             </a:r>
             <a:endParaRPr lang="en-US" dirty="0"/>
@@ -4073,35 +4294,35 @@
           <a:p>
             <a:pPr lvl="0"/>
             <a:r>
-              <a:rPr lang="ru-RU"/>
+              <a:rPr lang="ru-RU" smtClean="0"/>
               <a:t>Образец текста</a:t>
             </a:r>
           </a:p>
           <a:p>
             <a:pPr lvl="1"/>
             <a:r>
-              <a:rPr lang="ru-RU"/>
+              <a:rPr lang="ru-RU" smtClean="0"/>
               <a:t>Второй уровень</a:t>
             </a:r>
           </a:p>
           <a:p>
             <a:pPr lvl="2"/>
             <a:r>
-              <a:rPr lang="ru-RU"/>
+              <a:rPr lang="ru-RU" smtClean="0"/>
               <a:t>Третий уровень</a:t>
             </a:r>
           </a:p>
           <a:p>
             <a:pPr lvl="3"/>
             <a:r>
-              <a:rPr lang="ru-RU"/>
+              <a:rPr lang="ru-RU" smtClean="0"/>
               <a:t>Четвертый уровень</a:t>
             </a:r>
           </a:p>
           <a:p>
             <a:pPr lvl="4"/>
             <a:r>
-              <a:rPr lang="ru-RU"/>
+              <a:rPr lang="ru-RU" smtClean="0"/>
               <a:t>Пятый уровень</a:t>
             </a:r>
             <a:endParaRPr lang="en-US" dirty="0"/>
@@ -4143,9 +4364,9 @@
           <a:p>
             <a:fld id="{B0400CAE-7DEC-4379-94E3-CFB24A5D3887}" type="datetimeFigureOut">
               <a:rPr lang="ru-RU" smtClean="0"/>
-              <a:t>04.04.2021</a:t>
+              <a:t>06.04.2021</a:t>
             </a:fld>
-            <a:endParaRPr lang="ru-RU"/>
+            <a:endParaRPr lang="ru-RU" dirty="0"/>
           </a:p>
         </p:txBody>
       </p:sp>
@@ -4182,7 +4403,7 @@
             </a:lvl1pPr>
           </a:lstStyle>
           <a:p>
-            <a:endParaRPr lang="ru-RU"/>
+            <a:endParaRPr lang="ru-RU" dirty="0"/>
           </a:p>
         </p:txBody>
       </p:sp>
@@ -4223,30 +4444,30 @@
               <a:rPr lang="ru-RU" smtClean="0"/>
               <a:t>‹#›</a:t>
             </a:fld>
-            <a:endParaRPr lang="ru-RU"/>
+            <a:endParaRPr lang="ru-RU" dirty="0"/>
           </a:p>
         </p:txBody>
       </p:sp>
     </p:spTree>
     <p:extLst>
       <p:ext uri="{BB962C8B-B14F-4D97-AF65-F5344CB8AC3E}">
-        <p14:creationId xmlns:p14="http://schemas.microsoft.com/office/powerpoint/2010/main" val="1235608749"/>
+        <p14:creationId xmlns:p14="http://schemas.microsoft.com/office/powerpoint/2010/main" val="17283765"/>
       </p:ext>
     </p:extLst>
   </p:cSld>
   <p:clrMap bg1="lt1" tx1="dk1" bg2="lt2" tx2="dk2" accent1="accent1" accent2="accent2" accent3="accent3" accent4="accent4" accent5="accent5" accent6="accent6" hlink="hlink" folHlink="folHlink"/>
   <p:sldLayoutIdLst>
-    <p:sldLayoutId id="2147483661" r:id="rId1"/>
-    <p:sldLayoutId id="2147483662" r:id="rId2"/>
-    <p:sldLayoutId id="2147483663" r:id="rId3"/>
-    <p:sldLayoutId id="2147483664" r:id="rId4"/>
-    <p:sldLayoutId id="2147483665" r:id="rId5"/>
-    <p:sldLayoutId id="2147483666" r:id="rId6"/>
-    <p:sldLayoutId id="2147483667" r:id="rId7"/>
-    <p:sldLayoutId id="2147483668" r:id="rId8"/>
-    <p:sldLayoutId id="2147483669" r:id="rId9"/>
-    <p:sldLayoutId id="2147483670" r:id="rId10"/>
-    <p:sldLayoutId id="2147483671" r:id="rId11"/>
+    <p:sldLayoutId id="2147483877" r:id="rId1"/>
+    <p:sldLayoutId id="2147483878" r:id="rId2"/>
+    <p:sldLayoutId id="2147483879" r:id="rId3"/>
+    <p:sldLayoutId id="2147483880" r:id="rId4"/>
+    <p:sldLayoutId id="2147483881" r:id="rId5"/>
+    <p:sldLayoutId id="2147483882" r:id="rId6"/>
+    <p:sldLayoutId id="2147483883" r:id="rId7"/>
+    <p:sldLayoutId id="2147483884" r:id="rId8"/>
+    <p:sldLayoutId id="2147483885" r:id="rId9"/>
+    <p:sldLayoutId id="2147483886" r:id="rId10"/>
+    <p:sldLayoutId id="2147483887" r:id="rId11"/>
   </p:sldLayoutIdLst>
   <p:txStyles>
     <p:titleStyle>
@@ -4558,15 +4779,27 @@
             <p:ph type="title"/>
           </p:nvPr>
         </p:nvSpPr>
-        <p:spPr/>
-        <p:txBody>
-          <a:bodyPr/>
-          <a:lstStyle/>
-          <a:p>
-            <a:r>
-              <a:rPr lang="ru-RU" dirty="0"/>
-              <a:t>Расчеты</a:t>
-            </a:r>
+        <p:spPr>
+          <a:xfrm>
+            <a:off x="623887" y="1179538"/>
+            <a:ext cx="7886700" cy="1620058"/>
+          </a:xfrm>
+        </p:spPr>
+        <p:txBody>
+          <a:bodyPr>
+            <a:noAutofit/>
+          </a:bodyPr>
+          <a:lstStyle/>
+          <a:p>
+            <a:r>
+              <a:rPr lang="ru-RU" sz="3600" dirty="0"/>
+              <a:t>Термодинамическое моделирование химических и фазовых превращений в стеклообразующей системе </a:t>
+            </a:r>
+            <a:r>
+              <a:rPr lang="ru-RU" sz="3600" dirty="0" err="1"/>
+              <a:t>Ge-Ga-Se</a:t>
+            </a:r>
+            <a:endParaRPr lang="ru-RU" sz="3600" dirty="0"/>
           </a:p>
         </p:txBody>
       </p:sp>
@@ -4580,15 +4813,85 @@
             <p:ph type="body" idx="1"/>
           </p:nvPr>
         </p:nvSpPr>
-        <p:spPr/>
-        <p:txBody>
-          <a:bodyPr/>
-          <a:lstStyle/>
-          <a:p>
-            <a:endParaRPr lang="ru-RU"/>
-          </a:p>
-        </p:txBody>
-      </p:sp>
+        <p:spPr>
+          <a:xfrm>
+            <a:off x="5486100" y="4589464"/>
+            <a:ext cx="3024487" cy="1500187"/>
+          </a:xfrm>
+        </p:spPr>
+        <p:txBody>
+          <a:bodyPr>
+            <a:normAutofit/>
+          </a:bodyPr>
+          <a:lstStyle/>
+          <a:p>
+            <a:pPr algn="r"/>
+            <a:r>
+              <a:rPr lang="ru-RU" sz="1800" dirty="0" smtClean="0"/>
+              <a:t>Выполнил студент 2 курса :</a:t>
+            </a:r>
+          </a:p>
+          <a:p>
+            <a:pPr algn="r"/>
+            <a:r>
+              <a:rPr lang="ru-RU" sz="1800" dirty="0" err="1" smtClean="0"/>
+              <a:t>Крайнов</a:t>
+            </a:r>
+            <a:r>
+              <a:rPr lang="ru-RU" sz="1800" dirty="0" smtClean="0"/>
+              <a:t> Илья</a:t>
+            </a:r>
+          </a:p>
+          <a:p>
+            <a:pPr algn="r"/>
+            <a:endParaRPr lang="ru-RU" sz="1800" dirty="0"/>
+          </a:p>
+        </p:txBody>
+      </p:sp>
+      <p:pic>
+        <p:nvPicPr>
+          <p:cNvPr id="1028" name="Picture 4" descr="https://sun9-27.userapi.com/impf/c638428/v638428369/30dd4/TfS4HDspetE.jpg?size=1167x915&amp;quality=96&amp;proxy=1&amp;sign=5737c9f6cbe4c14c4d543393586efb74&amp;c_uniq_tag=IijRC3zfWhE40lkR5_YEj7kzDgpBCBJEg5Sb0l9sK38&amp;type=album"/>
+          <p:cNvPicPr>
+            <a:picLocks noChangeAspect="1" noChangeArrowheads="1"/>
+          </p:cNvPicPr>
+          <p:nvPr/>
+        </p:nvPicPr>
+        <p:blipFill>
+          <a:blip r:embed="rId2">
+            <a:extLst>
+              <a:ext uri="{28A0092B-C50C-407E-A947-70E740481C1C}">
+                <a14:useLocalDpi xmlns:a14="http://schemas.microsoft.com/office/drawing/2010/main" val="0"/>
+              </a:ext>
+            </a:extLst>
+          </a:blip>
+          <a:srcRect/>
+          <a:stretch>
+            <a:fillRect/>
+          </a:stretch>
+        </p:blipFill>
+        <p:spPr bwMode="auto">
+          <a:xfrm>
+            <a:off x="0" y="2854188"/>
+            <a:ext cx="5106500" cy="4003812"/>
+          </a:xfrm>
+          <a:prstGeom prst="rect">
+            <a:avLst/>
+          </a:prstGeom>
+          <a:noFill/>
+          <a:effectLst>
+            <a:softEdge rad="127000"/>
+          </a:effectLst>
+          <a:extLst>
+            <a:ext uri="{909E8E84-426E-40DD-AFC4-6F175D3DCCD1}">
+              <a14:hiddenFill xmlns:a14="http://schemas.microsoft.com/office/drawing/2010/main">
+                <a:solidFill>
+                  <a:srgbClr val="FFFFFF"/>
+                </a:solidFill>
+              </a14:hiddenFill>
+            </a:ext>
+          </a:extLst>
+        </p:spPr>
+      </p:pic>
     </p:spTree>
     <p:extLst>
       <p:ext uri="{BB962C8B-B14F-4D97-AF65-F5344CB8AC3E}">
@@ -4599,6 +4902,13 @@
   <p:clrMapOvr>
     <a:masterClrMapping/>
   </p:clrMapOvr>
+  <p:timing>
+    <p:tnLst>
+      <p:par>
+        <p:cTn id="1" dur="indefinite" restart="never" nodeType="tmRoot"/>
+      </p:par>
+    </p:tnLst>
+  </p:timing>
 </p:sld>
 </file>
 
@@ -4624,7 +4934,7 @@
           <p:cNvPr id="17" name="Рисунок 16">
             <a:extLst>
               <a:ext uri="{FF2B5EF4-FFF2-40B4-BE49-F238E27FC236}">
-                <a16:creationId xmlns:a16="http://schemas.microsoft.com/office/drawing/2014/main" id="{8076A31A-C9D6-4C0C-92B9-DA3FC7DF19A9}"/>
+                <a16:creationId xmlns:a16="http://schemas.microsoft.com/office/drawing/2014/main" xmlns="" id="{8076A31A-C9D6-4C0C-92B9-DA3FC7DF19A9}"/>
               </a:ext>
             </a:extLst>
           </p:cNvPr>
@@ -4647,8 +4957,8 @@
         </p:blipFill>
         <p:spPr>
           <a:xfrm>
-            <a:off x="0" y="773763"/>
-            <a:ext cx="9144000" cy="4633369"/>
+            <a:off x="0" y="656669"/>
+            <a:ext cx="9144000" cy="4690717"/>
           </a:xfrm>
           <a:prstGeom prst="rect">
             <a:avLst/>
@@ -4660,7 +4970,7 @@
           <p:cNvPr id="18" name="TextBox 17">
             <a:extLst>
               <a:ext uri="{FF2B5EF4-FFF2-40B4-BE49-F238E27FC236}">
-                <a16:creationId xmlns:a16="http://schemas.microsoft.com/office/drawing/2014/main" id="{CCC2FACC-F874-41BF-9F64-F4D798F76BD6}"/>
+                <a16:creationId xmlns:a16="http://schemas.microsoft.com/office/drawing/2014/main" xmlns="" id="{CCC2FACC-F874-41BF-9F64-F4D798F76BD6}"/>
               </a:ext>
             </a:extLst>
           </p:cNvPr>
@@ -4669,7 +4979,7 @@
         </p:nvSpPr>
         <p:spPr>
           <a:xfrm>
-            <a:off x="2256577" y="5605419"/>
+            <a:off x="2256577" y="5488325"/>
             <a:ext cx="1131410" cy="507831"/>
           </a:xfrm>
           <a:prstGeom prst="rect">
@@ -4700,7 +5010,7 @@
           <p:cNvPr id="19" name="Прямая со стрелкой 18">
             <a:extLst>
               <a:ext uri="{FF2B5EF4-FFF2-40B4-BE49-F238E27FC236}">
-                <a16:creationId xmlns:a16="http://schemas.microsoft.com/office/drawing/2014/main" id="{4DB78FCE-EFC8-4B9C-AA82-1579AC125516}"/>
+                <a16:creationId xmlns:a16="http://schemas.microsoft.com/office/drawing/2014/main" xmlns="" id="{4DB78FCE-EFC8-4B9C-AA82-1579AC125516}"/>
               </a:ext>
             </a:extLst>
           </p:cNvPr>
@@ -4712,7 +5022,7 @@
         </p:nvCxnSpPr>
         <p:spPr>
           <a:xfrm flipV="1">
-            <a:off x="2822282" y="4884209"/>
+            <a:off x="2822282" y="4767115"/>
             <a:ext cx="0" cy="721210"/>
           </a:xfrm>
           <a:prstGeom prst="straightConnector1">
@@ -4748,7 +5058,7 @@
           <p:cNvPr id="20" name="TextBox 19">
             <a:extLst>
               <a:ext uri="{FF2B5EF4-FFF2-40B4-BE49-F238E27FC236}">
-                <a16:creationId xmlns:a16="http://schemas.microsoft.com/office/drawing/2014/main" id="{5854C1C7-EB88-4E27-BE1A-E9B46C43F15F}"/>
+                <a16:creationId xmlns:a16="http://schemas.microsoft.com/office/drawing/2014/main" xmlns="" id="{5854C1C7-EB88-4E27-BE1A-E9B46C43F15F}"/>
               </a:ext>
             </a:extLst>
           </p:cNvPr>
@@ -4757,7 +5067,7 @@
         </p:nvSpPr>
         <p:spPr>
           <a:xfrm>
-            <a:off x="5065092" y="5628704"/>
+            <a:off x="5065092" y="5511610"/>
             <a:ext cx="1131410" cy="507831"/>
           </a:xfrm>
           <a:prstGeom prst="rect">
@@ -4788,7 +5098,7 @@
           <p:cNvPr id="21" name="Прямая со стрелкой 20">
             <a:extLst>
               <a:ext uri="{FF2B5EF4-FFF2-40B4-BE49-F238E27FC236}">
-                <a16:creationId xmlns:a16="http://schemas.microsoft.com/office/drawing/2014/main" id="{203D7676-8855-4D27-A315-06E280D06175}"/>
+                <a16:creationId xmlns:a16="http://schemas.microsoft.com/office/drawing/2014/main" xmlns="" id="{203D7676-8855-4D27-A315-06E280D06175}"/>
               </a:ext>
             </a:extLst>
           </p:cNvPr>
@@ -4800,7 +5110,7 @@
         </p:nvCxnSpPr>
         <p:spPr>
           <a:xfrm flipV="1">
-            <a:off x="5630797" y="4907494"/>
+            <a:off x="5630797" y="4790400"/>
             <a:ext cx="0" cy="721210"/>
           </a:xfrm>
           <a:prstGeom prst="straightConnector1">
@@ -4836,7 +5146,7 @@
           <p:cNvPr id="22" name="TextBox 21">
             <a:extLst>
               <a:ext uri="{FF2B5EF4-FFF2-40B4-BE49-F238E27FC236}">
-                <a16:creationId xmlns:a16="http://schemas.microsoft.com/office/drawing/2014/main" id="{D79C4D79-6C9C-4999-8089-B9FC6093FE3E}"/>
+                <a16:creationId xmlns:a16="http://schemas.microsoft.com/office/drawing/2014/main" xmlns="" id="{D79C4D79-6C9C-4999-8089-B9FC6093FE3E}"/>
               </a:ext>
             </a:extLst>
           </p:cNvPr>
@@ -4845,7 +5155,7 @@
         </p:nvSpPr>
         <p:spPr>
           <a:xfrm>
-            <a:off x="5451566" y="6350169"/>
+            <a:off x="5451566" y="6233075"/>
             <a:ext cx="1532709" cy="507831"/>
           </a:xfrm>
           <a:prstGeom prst="rect">
@@ -4883,7 +5193,7 @@
           <p:cNvPr id="23" name="Прямая со стрелкой 22">
             <a:extLst>
               <a:ext uri="{FF2B5EF4-FFF2-40B4-BE49-F238E27FC236}">
-                <a16:creationId xmlns:a16="http://schemas.microsoft.com/office/drawing/2014/main" id="{D9EB5CAC-5E1A-43B3-B37D-3B96BA6F54DB}"/>
+                <a16:creationId xmlns:a16="http://schemas.microsoft.com/office/drawing/2014/main" xmlns="" id="{D9EB5CAC-5E1A-43B3-B37D-3B96BA6F54DB}"/>
               </a:ext>
             </a:extLst>
           </p:cNvPr>
@@ -4895,7 +5205,7 @@
         </p:nvCxnSpPr>
         <p:spPr>
           <a:xfrm flipH="1" flipV="1">
-            <a:off x="6196503" y="4907495"/>
+            <a:off x="6196503" y="4790401"/>
             <a:ext cx="21418" cy="1442674"/>
           </a:xfrm>
           <a:prstGeom prst="straightConnector1">
@@ -4931,7 +5241,7 @@
           <p:cNvPr id="24" name="TextBox 23">
             <a:extLst>
               <a:ext uri="{FF2B5EF4-FFF2-40B4-BE49-F238E27FC236}">
-                <a16:creationId xmlns:a16="http://schemas.microsoft.com/office/drawing/2014/main" id="{D108B9E4-296C-465E-9490-E02BD4858FA6}"/>
+                <a16:creationId xmlns:a16="http://schemas.microsoft.com/office/drawing/2014/main" xmlns="" id="{D108B9E4-296C-465E-9490-E02BD4858FA6}"/>
               </a:ext>
             </a:extLst>
           </p:cNvPr>
@@ -4940,7 +5250,7 @@
         </p:nvSpPr>
         <p:spPr>
           <a:xfrm>
-            <a:off x="6301708" y="5678114"/>
+            <a:off x="6301708" y="5561020"/>
             <a:ext cx="1131410" cy="507831"/>
           </a:xfrm>
           <a:prstGeom prst="rect">
@@ -4974,7 +5284,7 @@
           <p:cNvPr id="25" name="Прямая со стрелкой 24">
             <a:extLst>
               <a:ext uri="{FF2B5EF4-FFF2-40B4-BE49-F238E27FC236}">
-                <a16:creationId xmlns:a16="http://schemas.microsoft.com/office/drawing/2014/main" id="{CAD459CF-D967-4C02-8C77-AAAD610F4CBA}"/>
+                <a16:creationId xmlns:a16="http://schemas.microsoft.com/office/drawing/2014/main" xmlns="" id="{CAD459CF-D967-4C02-8C77-AAAD610F4CBA}"/>
               </a:ext>
             </a:extLst>
           </p:cNvPr>
@@ -4986,7 +5296,7 @@
         </p:nvCxnSpPr>
         <p:spPr>
           <a:xfrm flipH="1" flipV="1">
-            <a:off x="6662057" y="4907494"/>
+            <a:off x="6662057" y="4790400"/>
             <a:ext cx="205356" cy="770620"/>
           </a:xfrm>
           <a:prstGeom prst="straightConnector1">
@@ -5022,7 +5332,7 @@
           <p:cNvPr id="26" name="TextBox 25">
             <a:extLst>
               <a:ext uri="{FF2B5EF4-FFF2-40B4-BE49-F238E27FC236}">
-                <a16:creationId xmlns:a16="http://schemas.microsoft.com/office/drawing/2014/main" id="{4D4B2CE9-353E-4F47-9D3E-79F4577C8783}"/>
+                <a16:creationId xmlns:a16="http://schemas.microsoft.com/office/drawing/2014/main" xmlns="" id="{4D4B2CE9-353E-4F47-9D3E-79F4577C8783}"/>
               </a:ext>
             </a:extLst>
           </p:cNvPr>
@@ -5031,7 +5341,7 @@
         </p:nvSpPr>
         <p:spPr>
           <a:xfrm>
-            <a:off x="7242234" y="6350169"/>
+            <a:off x="7242234" y="6233075"/>
             <a:ext cx="1131410" cy="507831"/>
           </a:xfrm>
           <a:prstGeom prst="rect">
@@ -5062,7 +5372,7 @@
           <p:cNvPr id="27" name="Прямая со стрелкой 26">
             <a:extLst>
               <a:ext uri="{FF2B5EF4-FFF2-40B4-BE49-F238E27FC236}">
-                <a16:creationId xmlns:a16="http://schemas.microsoft.com/office/drawing/2014/main" id="{DCBD99DC-CE3B-4D6D-8C35-987678B8F509}"/>
+                <a16:creationId xmlns:a16="http://schemas.microsoft.com/office/drawing/2014/main" xmlns="" id="{DCBD99DC-CE3B-4D6D-8C35-987678B8F509}"/>
               </a:ext>
             </a:extLst>
           </p:cNvPr>
@@ -5074,7 +5384,7 @@
         </p:nvCxnSpPr>
         <p:spPr>
           <a:xfrm flipH="1" flipV="1">
-            <a:off x="7327911" y="4907495"/>
+            <a:off x="7327911" y="4790401"/>
             <a:ext cx="480028" cy="1442674"/>
           </a:xfrm>
           <a:prstGeom prst="straightConnector1">
@@ -5110,7 +5420,7 @@
           <p:cNvPr id="28" name="Стрелка: вверх 27">
             <a:extLst>
               <a:ext uri="{FF2B5EF4-FFF2-40B4-BE49-F238E27FC236}">
-                <a16:creationId xmlns:a16="http://schemas.microsoft.com/office/drawing/2014/main" id="{7490B723-B5DC-42AA-872B-EBDCB292AF84}"/>
+                <a16:creationId xmlns:a16="http://schemas.microsoft.com/office/drawing/2014/main" xmlns="" id="{7490B723-B5DC-42AA-872B-EBDCB292AF84}"/>
               </a:ext>
             </a:extLst>
           </p:cNvPr>
@@ -5119,7 +5429,7 @@
         </p:nvSpPr>
         <p:spPr>
           <a:xfrm>
-            <a:off x="8749263" y="782472"/>
+            <a:off x="8749263" y="665378"/>
             <a:ext cx="394737" cy="1680754"/>
           </a:xfrm>
           <a:prstGeom prst="upArrow">
@@ -5260,7 +5570,7 @@
           <p:cNvPr id="29" name="TextBox 28">
             <a:extLst>
               <a:ext uri="{FF2B5EF4-FFF2-40B4-BE49-F238E27FC236}">
-                <a16:creationId xmlns:a16="http://schemas.microsoft.com/office/drawing/2014/main" id="{E34A67C0-8683-4E37-8FEB-0B8CDFE8D08E}"/>
+                <a16:creationId xmlns:a16="http://schemas.microsoft.com/office/drawing/2014/main" xmlns="" id="{E34A67C0-8683-4E37-8FEB-0B8CDFE8D08E}"/>
               </a:ext>
             </a:extLst>
           </p:cNvPr>
@@ -5322,6 +5632,13 @@
   <p:clrMapOvr>
     <a:masterClrMapping/>
   </p:clrMapOvr>
+  <p:timing>
+    <p:tnLst>
+      <p:par>
+        <p:cTn id="1" dur="indefinite" restart="never" nodeType="tmRoot"/>
+      </p:par>
+    </p:tnLst>
+  </p:timing>
 </p:sld>
 </file>
 
@@ -5347,7 +5664,7 @@
           <p:cNvPr id="7" name="Рисунок 6">
             <a:extLst>
               <a:ext uri="{FF2B5EF4-FFF2-40B4-BE49-F238E27FC236}">
-                <a16:creationId xmlns:a16="http://schemas.microsoft.com/office/drawing/2014/main" id="{AA831770-25C6-481D-8C7C-E44FB23070D2}"/>
+                <a16:creationId xmlns:a16="http://schemas.microsoft.com/office/drawing/2014/main" xmlns="" id="{AA831770-25C6-481D-8C7C-E44FB23070D2}"/>
               </a:ext>
             </a:extLst>
           </p:cNvPr>
@@ -5383,7 +5700,7 @@
           <p:cNvPr id="8" name="TextBox 7">
             <a:extLst>
               <a:ext uri="{FF2B5EF4-FFF2-40B4-BE49-F238E27FC236}">
-                <a16:creationId xmlns:a16="http://schemas.microsoft.com/office/drawing/2014/main" id="{757E0D39-3F19-455C-828F-7DE32E599CA4}"/>
+                <a16:creationId xmlns:a16="http://schemas.microsoft.com/office/drawing/2014/main" xmlns="" id="{757E0D39-3F19-455C-828F-7DE32E599CA4}"/>
               </a:ext>
             </a:extLst>
           </p:cNvPr>
@@ -5392,7 +5709,7 @@
         </p:nvSpPr>
         <p:spPr>
           <a:xfrm>
-            <a:off x="2361080" y="5605419"/>
+            <a:off x="2352454" y="5450144"/>
             <a:ext cx="1131410" cy="507831"/>
           </a:xfrm>
           <a:prstGeom prst="rect">
@@ -5423,7 +5740,7 @@
           <p:cNvPr id="9" name="Прямая со стрелкой 8">
             <a:extLst>
               <a:ext uri="{FF2B5EF4-FFF2-40B4-BE49-F238E27FC236}">
-                <a16:creationId xmlns:a16="http://schemas.microsoft.com/office/drawing/2014/main" id="{FC9E49D8-25C7-4E26-AA1B-9C6E30C8E674}"/>
+                <a16:creationId xmlns:a16="http://schemas.microsoft.com/office/drawing/2014/main" xmlns="" id="{FC9E49D8-25C7-4E26-AA1B-9C6E30C8E674}"/>
               </a:ext>
             </a:extLst>
           </p:cNvPr>
@@ -5435,8 +5752,8 @@
         </p:nvCxnSpPr>
         <p:spPr>
           <a:xfrm flipV="1">
-            <a:off x="2926785" y="4884209"/>
-            <a:ext cx="0" cy="721210"/>
+            <a:off x="2918159" y="4873925"/>
+            <a:ext cx="6196" cy="576219"/>
           </a:xfrm>
           <a:prstGeom prst="straightConnector1">
             <a:avLst/>
@@ -5471,7 +5788,7 @@
           <p:cNvPr id="10" name="TextBox 9">
             <a:extLst>
               <a:ext uri="{FF2B5EF4-FFF2-40B4-BE49-F238E27FC236}">
-                <a16:creationId xmlns:a16="http://schemas.microsoft.com/office/drawing/2014/main" id="{8C138558-5385-46C3-888F-ECBA285B4CF8}"/>
+                <a16:creationId xmlns:a16="http://schemas.microsoft.com/office/drawing/2014/main" xmlns="" id="{8C138558-5385-46C3-888F-ECBA285B4CF8}"/>
               </a:ext>
             </a:extLst>
           </p:cNvPr>
@@ -5480,7 +5797,7 @@
         </p:nvSpPr>
         <p:spPr>
           <a:xfrm>
-            <a:off x="5169595" y="5628704"/>
+            <a:off x="5160969" y="5473429"/>
             <a:ext cx="1131410" cy="507831"/>
           </a:xfrm>
           <a:prstGeom prst="rect">
@@ -5511,7 +5828,7 @@
           <p:cNvPr id="11" name="Прямая со стрелкой 10">
             <a:extLst>
               <a:ext uri="{FF2B5EF4-FFF2-40B4-BE49-F238E27FC236}">
-                <a16:creationId xmlns:a16="http://schemas.microsoft.com/office/drawing/2014/main" id="{9D8847D6-696E-4C34-8DCE-25936195B971}"/>
+                <a16:creationId xmlns:a16="http://schemas.microsoft.com/office/drawing/2014/main" xmlns="" id="{9D8847D6-696E-4C34-8DCE-25936195B971}"/>
               </a:ext>
             </a:extLst>
           </p:cNvPr>
@@ -5523,8 +5840,8 @@
         </p:nvCxnSpPr>
         <p:spPr>
           <a:xfrm flipV="1">
-            <a:off x="5735300" y="4907494"/>
-            <a:ext cx="0" cy="721210"/>
+            <a:off x="5726674" y="4873925"/>
+            <a:ext cx="1266" cy="599504"/>
           </a:xfrm>
           <a:prstGeom prst="straightConnector1">
             <a:avLst/>
@@ -5559,7 +5876,7 @@
           <p:cNvPr id="12" name="TextBox 11">
             <a:extLst>
               <a:ext uri="{FF2B5EF4-FFF2-40B4-BE49-F238E27FC236}">
-                <a16:creationId xmlns:a16="http://schemas.microsoft.com/office/drawing/2014/main" id="{4F807073-A10C-4232-A5D0-A589F67B0A3F}"/>
+                <a16:creationId xmlns:a16="http://schemas.microsoft.com/office/drawing/2014/main" xmlns="" id="{4F807073-A10C-4232-A5D0-A589F67B0A3F}"/>
               </a:ext>
             </a:extLst>
           </p:cNvPr>
@@ -5568,7 +5885,7 @@
         </p:nvSpPr>
         <p:spPr>
           <a:xfrm>
-            <a:off x="5556069" y="6350169"/>
+            <a:off x="5547443" y="6194894"/>
             <a:ext cx="1532709" cy="507831"/>
           </a:xfrm>
           <a:prstGeom prst="rect">
@@ -5606,7 +5923,7 @@
           <p:cNvPr id="13" name="Прямая со стрелкой 12">
             <a:extLst>
               <a:ext uri="{FF2B5EF4-FFF2-40B4-BE49-F238E27FC236}">
-                <a16:creationId xmlns:a16="http://schemas.microsoft.com/office/drawing/2014/main" id="{2E47D80F-1DF2-4B1B-B073-5E5707B5B369}"/>
+                <a16:creationId xmlns:a16="http://schemas.microsoft.com/office/drawing/2014/main" xmlns="" id="{2E47D80F-1DF2-4B1B-B073-5E5707B5B369}"/>
               </a:ext>
             </a:extLst>
           </p:cNvPr>
@@ -5617,9 +5934,9 @@
           <p:nvPr/>
         </p:nvCxnSpPr>
         <p:spPr>
-          <a:xfrm flipH="1" flipV="1">
-            <a:off x="6301006" y="4907495"/>
-            <a:ext cx="21418" cy="1442674"/>
+          <a:xfrm flipV="1">
+            <a:off x="6313798" y="4873925"/>
+            <a:ext cx="20475" cy="1320969"/>
           </a:xfrm>
           <a:prstGeom prst="straightConnector1">
             <a:avLst/>
@@ -5654,7 +5971,7 @@
           <p:cNvPr id="14" name="TextBox 13">
             <a:extLst>
               <a:ext uri="{FF2B5EF4-FFF2-40B4-BE49-F238E27FC236}">
-                <a16:creationId xmlns:a16="http://schemas.microsoft.com/office/drawing/2014/main" id="{2D9DE8E8-0798-4B09-8AC7-DDC84BDF886C}"/>
+                <a16:creationId xmlns:a16="http://schemas.microsoft.com/office/drawing/2014/main" xmlns="" id="{2D9DE8E8-0798-4B09-8AC7-DDC84BDF886C}"/>
               </a:ext>
             </a:extLst>
           </p:cNvPr>
@@ -5663,7 +5980,7 @@
         </p:nvSpPr>
         <p:spPr>
           <a:xfrm>
-            <a:off x="6406211" y="5678114"/>
+            <a:off x="6397585" y="5522839"/>
             <a:ext cx="1131410" cy="507831"/>
           </a:xfrm>
           <a:prstGeom prst="rect">
@@ -5697,7 +6014,7 @@
           <p:cNvPr id="15" name="Прямая со стрелкой 14">
             <a:extLst>
               <a:ext uri="{FF2B5EF4-FFF2-40B4-BE49-F238E27FC236}">
-                <a16:creationId xmlns:a16="http://schemas.microsoft.com/office/drawing/2014/main" id="{04022C07-CEF0-41DE-BBD0-D8A06792F017}"/>
+                <a16:creationId xmlns:a16="http://schemas.microsoft.com/office/drawing/2014/main" xmlns="" id="{04022C07-CEF0-41DE-BBD0-D8A06792F017}"/>
               </a:ext>
             </a:extLst>
           </p:cNvPr>
@@ -5709,8 +6026,8 @@
         </p:nvCxnSpPr>
         <p:spPr>
           <a:xfrm flipH="1" flipV="1">
-            <a:off x="6766560" y="4907494"/>
-            <a:ext cx="205356" cy="770620"/>
+            <a:off x="6776352" y="4873925"/>
+            <a:ext cx="186938" cy="648914"/>
           </a:xfrm>
           <a:prstGeom prst="straightConnector1">
             <a:avLst/>
@@ -5745,7 +6062,7 @@
           <p:cNvPr id="16" name="TextBox 15">
             <a:extLst>
               <a:ext uri="{FF2B5EF4-FFF2-40B4-BE49-F238E27FC236}">
-                <a16:creationId xmlns:a16="http://schemas.microsoft.com/office/drawing/2014/main" id="{61D33984-B7A6-4DA0-8769-81C75B1796BA}"/>
+                <a16:creationId xmlns:a16="http://schemas.microsoft.com/office/drawing/2014/main" xmlns="" id="{61D33984-B7A6-4DA0-8769-81C75B1796BA}"/>
               </a:ext>
             </a:extLst>
           </p:cNvPr>
@@ -5754,7 +6071,7 @@
         </p:nvSpPr>
         <p:spPr>
           <a:xfrm>
-            <a:off x="7346737" y="6350169"/>
+            <a:off x="7338111" y="6194894"/>
             <a:ext cx="1131410" cy="507831"/>
           </a:xfrm>
           <a:prstGeom prst="rect">
@@ -5785,7 +6102,7 @@
           <p:cNvPr id="17" name="Прямая со стрелкой 16">
             <a:extLst>
               <a:ext uri="{FF2B5EF4-FFF2-40B4-BE49-F238E27FC236}">
-                <a16:creationId xmlns:a16="http://schemas.microsoft.com/office/drawing/2014/main" id="{41DB674A-73A9-4C04-B807-E81BFB9D6545}"/>
+                <a16:creationId xmlns:a16="http://schemas.microsoft.com/office/drawing/2014/main" xmlns="" id="{41DB674A-73A9-4C04-B807-E81BFB9D6545}"/>
               </a:ext>
             </a:extLst>
           </p:cNvPr>
@@ -5797,8 +6114,8 @@
         </p:nvCxnSpPr>
         <p:spPr>
           <a:xfrm flipH="1" flipV="1">
-            <a:off x="7432414" y="4907495"/>
-            <a:ext cx="480028" cy="1442674"/>
+            <a:off x="7458919" y="4873925"/>
+            <a:ext cx="444897" cy="1320969"/>
           </a:xfrm>
           <a:prstGeom prst="straightConnector1">
             <a:avLst/>
@@ -5833,7 +6150,7 @@
           <p:cNvPr id="18" name="Стрелка: вверх 17">
             <a:extLst>
               <a:ext uri="{FF2B5EF4-FFF2-40B4-BE49-F238E27FC236}">
-                <a16:creationId xmlns:a16="http://schemas.microsoft.com/office/drawing/2014/main" id="{74CD410F-C1D0-4747-85E5-DA26B5C9CA30}"/>
+                <a16:creationId xmlns:a16="http://schemas.microsoft.com/office/drawing/2014/main" xmlns="" id="{74CD410F-C1D0-4747-85E5-DA26B5C9CA30}"/>
               </a:ext>
             </a:extLst>
           </p:cNvPr>
@@ -5983,7 +6300,7 @@
           <p:cNvPr id="19" name="TextBox 18">
             <a:extLst>
               <a:ext uri="{FF2B5EF4-FFF2-40B4-BE49-F238E27FC236}">
-                <a16:creationId xmlns:a16="http://schemas.microsoft.com/office/drawing/2014/main" id="{1ACB1DFD-4D85-42BE-81CB-C2F6A6880106}"/>
+                <a16:creationId xmlns:a16="http://schemas.microsoft.com/office/drawing/2014/main" xmlns="" id="{1ACB1DFD-4D85-42BE-81CB-C2F6A6880106}"/>
               </a:ext>
             </a:extLst>
           </p:cNvPr>
@@ -6049,6 +6366,13 @@
   <p:clrMapOvr>
     <a:masterClrMapping/>
   </p:clrMapOvr>
+  <p:timing>
+    <p:tnLst>
+      <p:par>
+        <p:cTn id="1" dur="indefinite" restart="never" nodeType="tmRoot"/>
+      </p:par>
+    </p:tnLst>
+  </p:timing>
 </p:sld>
 </file>
 
@@ -6069,320 +6393,98 @@
           <a:chExt cx="0" cy="0"/>
         </a:xfrm>
       </p:grpSpPr>
-      <p:pic>
-        <p:nvPicPr>
-          <p:cNvPr id="10" name="Рисунок 9"/>
-          <p:cNvPicPr>
-            <a:picLocks noChangeAspect="1"/>
-          </p:cNvPicPr>
-          <p:nvPr/>
-        </p:nvPicPr>
-        <p:blipFill>
-          <a:blip r:embed="rId2"/>
-          <a:stretch>
-            <a:fillRect/>
-          </a:stretch>
-        </p:blipFill>
-        <p:spPr>
-          <a:xfrm>
-            <a:off x="0" y="857253"/>
-            <a:ext cx="9144000" cy="4994582"/>
-          </a:xfrm>
-          <a:prstGeom prst="rect">
-            <a:avLst/>
-          </a:prstGeom>
-        </p:spPr>
-      </p:pic>
-      <p:sp>
-        <p:nvSpPr>
-          <p:cNvPr id="11" name="TextBox 10"/>
-          <p:cNvSpPr txBox="1"/>
-          <p:nvPr/>
-        </p:nvSpPr>
-        <p:spPr>
-          <a:xfrm>
-            <a:off x="93930" y="3140514"/>
-            <a:ext cx="438581" cy="323165"/>
-          </a:xfrm>
-          <a:prstGeom prst="rect">
-            <a:avLst/>
-          </a:prstGeom>
-          <a:noFill/>
-        </p:spPr>
-        <p:txBody>
-          <a:bodyPr vert="horz" wrap="square" rtlCol="0">
-            <a:spAutoFit/>
-          </a:bodyPr>
-          <a:lstStyle/>
-          <a:p>
-            <a:pPr algn="ctr"/>
-            <a:r>
-              <a:rPr lang="el-GR" sz="1500" dirty="0"/>
-              <a:t>λ</a:t>
-            </a:r>
-            <a:r>
-              <a:rPr lang="ru-RU" sz="1050" dirty="0"/>
-              <a:t> </a:t>
-            </a:r>
-            <a:endParaRPr lang="ru-RU" sz="825" dirty="0"/>
-          </a:p>
-        </p:txBody>
-      </p:sp>
-      <p:sp>
-        <p:nvSpPr>
-          <p:cNvPr id="15" name="TextBox 14"/>
-          <p:cNvSpPr txBox="1"/>
-          <p:nvPr/>
-        </p:nvSpPr>
-        <p:spPr>
-          <a:xfrm>
-            <a:off x="2373820" y="3131421"/>
-            <a:ext cx="438581" cy="323165"/>
-          </a:xfrm>
-          <a:prstGeom prst="rect">
-            <a:avLst/>
-          </a:prstGeom>
-          <a:noFill/>
-        </p:spPr>
-        <p:txBody>
-          <a:bodyPr vert="horz" wrap="square" rtlCol="0">
-            <a:spAutoFit/>
-          </a:bodyPr>
-          <a:lstStyle/>
-          <a:p>
-            <a:pPr algn="ctr"/>
-            <a:r>
-              <a:rPr lang="el-GR" sz="1500" dirty="0"/>
-              <a:t>λ</a:t>
-            </a:r>
-            <a:r>
-              <a:rPr lang="ru-RU" sz="1050" dirty="0"/>
-              <a:t> </a:t>
-            </a:r>
-            <a:endParaRPr lang="ru-RU" sz="825" dirty="0"/>
-          </a:p>
-        </p:txBody>
-      </p:sp>
-      <p:sp>
-        <p:nvSpPr>
-          <p:cNvPr id="16" name="TextBox 15"/>
-          <p:cNvSpPr txBox="1"/>
-          <p:nvPr/>
-        </p:nvSpPr>
-        <p:spPr>
-          <a:xfrm>
-            <a:off x="4653709" y="3131421"/>
-            <a:ext cx="438581" cy="323165"/>
-          </a:xfrm>
-          <a:prstGeom prst="rect">
-            <a:avLst/>
-          </a:prstGeom>
-          <a:noFill/>
-        </p:spPr>
-        <p:txBody>
-          <a:bodyPr vert="horz" wrap="square" rtlCol="0">
-            <a:spAutoFit/>
-          </a:bodyPr>
-          <a:lstStyle/>
-          <a:p>
-            <a:pPr algn="ctr"/>
-            <a:r>
-              <a:rPr lang="el-GR" sz="1500" dirty="0"/>
-              <a:t>λ</a:t>
-            </a:r>
-            <a:r>
-              <a:rPr lang="ru-RU" sz="1050" dirty="0"/>
-              <a:t> </a:t>
-            </a:r>
-            <a:endParaRPr lang="ru-RU" sz="825" dirty="0"/>
-          </a:p>
-        </p:txBody>
-      </p:sp>
-      <p:sp>
-        <p:nvSpPr>
-          <p:cNvPr id="17" name="TextBox 16"/>
-          <p:cNvSpPr txBox="1"/>
-          <p:nvPr/>
-        </p:nvSpPr>
-        <p:spPr>
-          <a:xfrm>
-            <a:off x="6959754" y="3131421"/>
-            <a:ext cx="438581" cy="323165"/>
-          </a:xfrm>
-          <a:prstGeom prst="rect">
-            <a:avLst/>
-          </a:prstGeom>
-          <a:noFill/>
-        </p:spPr>
-        <p:txBody>
-          <a:bodyPr vert="horz" wrap="square" rtlCol="0">
-            <a:spAutoFit/>
-          </a:bodyPr>
-          <a:lstStyle/>
-          <a:p>
-            <a:pPr algn="ctr"/>
-            <a:r>
-              <a:rPr lang="el-GR" sz="1500" dirty="0"/>
-              <a:t>λ</a:t>
-            </a:r>
-            <a:r>
-              <a:rPr lang="ru-RU" sz="1050" dirty="0"/>
-              <a:t> </a:t>
-            </a:r>
-            <a:endParaRPr lang="ru-RU" sz="825" dirty="0"/>
-          </a:p>
-        </p:txBody>
-      </p:sp>
-      <p:sp>
-        <p:nvSpPr>
-          <p:cNvPr id="18" name="TextBox 17"/>
-          <p:cNvSpPr txBox="1"/>
-          <p:nvPr/>
-        </p:nvSpPr>
-        <p:spPr>
-          <a:xfrm>
-            <a:off x="190498" y="5742049"/>
-            <a:ext cx="438581" cy="323165"/>
-          </a:xfrm>
-          <a:prstGeom prst="rect">
-            <a:avLst/>
-          </a:prstGeom>
-          <a:noFill/>
-        </p:spPr>
-        <p:txBody>
-          <a:bodyPr vert="horz" wrap="square" rtlCol="0">
-            <a:spAutoFit/>
-          </a:bodyPr>
-          <a:lstStyle/>
-          <a:p>
-            <a:pPr algn="ctr"/>
-            <a:r>
-              <a:rPr lang="el-GR" sz="1500" dirty="0"/>
-              <a:t>λ</a:t>
-            </a:r>
-            <a:r>
-              <a:rPr lang="ru-RU" sz="1050" dirty="0"/>
-              <a:t> </a:t>
-            </a:r>
-            <a:endParaRPr lang="ru-RU" sz="825" dirty="0"/>
-          </a:p>
-        </p:txBody>
-      </p:sp>
-      <p:sp>
-        <p:nvSpPr>
-          <p:cNvPr id="19" name="TextBox 18"/>
-          <p:cNvSpPr txBox="1"/>
-          <p:nvPr/>
-        </p:nvSpPr>
-        <p:spPr>
-          <a:xfrm>
-            <a:off x="2503857" y="5728566"/>
-            <a:ext cx="438581" cy="323165"/>
-          </a:xfrm>
-          <a:prstGeom prst="rect">
-            <a:avLst/>
-          </a:prstGeom>
-          <a:noFill/>
-        </p:spPr>
-        <p:txBody>
-          <a:bodyPr vert="horz" wrap="square" rtlCol="0">
-            <a:spAutoFit/>
-          </a:bodyPr>
-          <a:lstStyle/>
-          <a:p>
-            <a:pPr algn="ctr"/>
-            <a:r>
-              <a:rPr lang="el-GR" sz="1500" dirty="0"/>
-              <a:t>λ</a:t>
-            </a:r>
-            <a:r>
-              <a:rPr lang="ru-RU" sz="1050" dirty="0"/>
-              <a:t> </a:t>
-            </a:r>
-            <a:endParaRPr lang="ru-RU" sz="825" dirty="0"/>
-          </a:p>
-        </p:txBody>
-      </p:sp>
-      <p:sp>
-        <p:nvSpPr>
-          <p:cNvPr id="20" name="TextBox 19"/>
-          <p:cNvSpPr txBox="1"/>
-          <p:nvPr/>
-        </p:nvSpPr>
-        <p:spPr>
-          <a:xfrm>
-            <a:off x="4788628" y="5718186"/>
-            <a:ext cx="438581" cy="323165"/>
-          </a:xfrm>
-          <a:prstGeom prst="rect">
-            <a:avLst/>
-          </a:prstGeom>
-          <a:noFill/>
-        </p:spPr>
-        <p:txBody>
-          <a:bodyPr vert="horz" wrap="square" rtlCol="0">
-            <a:spAutoFit/>
-          </a:bodyPr>
-          <a:lstStyle/>
-          <a:p>
-            <a:pPr algn="ctr"/>
-            <a:r>
-              <a:rPr lang="el-GR" sz="1500" dirty="0"/>
-              <a:t>λ</a:t>
-            </a:r>
-            <a:r>
-              <a:rPr lang="ru-RU" sz="1050" dirty="0"/>
-              <a:t> </a:t>
-            </a:r>
-            <a:endParaRPr lang="ru-RU" sz="825" dirty="0"/>
-          </a:p>
-        </p:txBody>
-      </p:sp>
-      <p:sp>
-        <p:nvSpPr>
-          <p:cNvPr id="21" name="TextBox 20"/>
-          <p:cNvSpPr txBox="1"/>
-          <p:nvPr/>
-        </p:nvSpPr>
-        <p:spPr>
-          <a:xfrm>
-            <a:off x="6959755" y="5718186"/>
-            <a:ext cx="438581" cy="323165"/>
-          </a:xfrm>
-          <a:prstGeom prst="rect">
-            <a:avLst/>
-          </a:prstGeom>
-          <a:noFill/>
-        </p:spPr>
-        <p:txBody>
-          <a:bodyPr vert="horz" wrap="square" rtlCol="0">
-            <a:spAutoFit/>
-          </a:bodyPr>
-          <a:lstStyle/>
-          <a:p>
-            <a:pPr algn="ctr"/>
-            <a:r>
-              <a:rPr lang="el-GR" sz="1500" dirty="0"/>
-              <a:t>λ</a:t>
-            </a:r>
-            <a:r>
-              <a:rPr lang="ru-RU" sz="1050" dirty="0"/>
-              <a:t> </a:t>
-            </a:r>
-            <a:endParaRPr lang="ru-RU" sz="825" dirty="0"/>
-          </a:p>
-        </p:txBody>
-      </p:sp>
     </p:spTree>
     <p:extLst>
       <p:ext uri="{BB962C8B-B14F-4D97-AF65-F5344CB8AC3E}">
-        <p14:creationId xmlns:p14="http://schemas.microsoft.com/office/powerpoint/2010/main" val="4041982111"/>
+        <p14:creationId xmlns:p14="http://schemas.microsoft.com/office/powerpoint/2010/main" val="2050309021"/>
       </p:ext>
     </p:extLst>
   </p:cSld>
   <p:clrMapOvr>
     <a:masterClrMapping/>
   </p:clrMapOvr>
+  <mc:AlternateContent xmlns:mc="http://schemas.openxmlformats.org/markup-compatibility/2006">
+    <mc:Choice xmlns:p14="http://schemas.microsoft.com/office/powerpoint/2010/main" Requires="p14">
+      <p:transition spd="slow" p14:dur="2000"/>
+    </mc:Choice>
+    <mc:Fallback>
+      <p:transition spd="slow"/>
+    </mc:Fallback>
+  </mc:AlternateContent>
+  <p:timing>
+    <p:tnLst>
+      <p:par>
+        <p:cTn id="1" dur="indefinite" restart="never" nodeType="tmRoot"/>
+      </p:par>
+    </p:tnLst>
+  </p:timing>
+</p:sld>
+</file>
+
+<file path=ppt/slides/slide13.xml><?xml version="1.0" encoding="utf-8"?>
+<p:sld xmlns:a="http://schemas.openxmlformats.org/drawingml/2006/main" xmlns:r="http://schemas.openxmlformats.org/officeDocument/2006/relationships" xmlns:p="http://schemas.openxmlformats.org/presentationml/2006/main">
+  <p:cSld>
+    <p:spTree>
+      <p:nvGrpSpPr>
+        <p:cNvPr id="1" name=""/>
+        <p:cNvGrpSpPr/>
+        <p:nvPr/>
+      </p:nvGrpSpPr>
+      <p:grpSpPr>
+        <a:xfrm>
+          <a:off x="0" y="0"/>
+          <a:ext cx="0" cy="0"/>
+          <a:chOff x="0" y="0"/>
+          <a:chExt cx="0" cy="0"/>
+        </a:xfrm>
+      </p:grpSpPr>
+      <p:sp>
+        <p:nvSpPr>
+          <p:cNvPr id="2" name="TextBox 1"/>
+          <p:cNvSpPr txBox="1"/>
+          <p:nvPr/>
+        </p:nvSpPr>
+        <p:spPr>
+          <a:xfrm>
+            <a:off x="0" y="1923691"/>
+            <a:ext cx="9144000" cy="1015663"/>
+          </a:xfrm>
+          <a:prstGeom prst="rect">
+            <a:avLst/>
+          </a:prstGeom>
+          <a:noFill/>
+        </p:spPr>
+        <p:txBody>
+          <a:bodyPr wrap="square" rtlCol="0">
+            <a:spAutoFit/>
+          </a:bodyPr>
+          <a:lstStyle/>
+          <a:p>
+            <a:pPr algn="ctr"/>
+            <a:r>
+              <a:rPr lang="ru-RU" sz="6000" dirty="0" smtClean="0"/>
+              <a:t>Спасибо за внимание!</a:t>
+            </a:r>
+          </a:p>
+        </p:txBody>
+      </p:sp>
+    </p:spTree>
+    <p:extLst>
+      <p:ext uri="{BB962C8B-B14F-4D97-AF65-F5344CB8AC3E}">
+        <p14:creationId xmlns:p14="http://schemas.microsoft.com/office/powerpoint/2010/main" val="4203807464"/>
+      </p:ext>
+    </p:extLst>
+  </p:cSld>
+  <p:clrMapOvr>
+    <a:masterClrMapping/>
+  </p:clrMapOvr>
+  <p:timing>
+    <p:tnLst>
+      <p:par>
+        <p:cTn id="1" dur="indefinite" restart="never" nodeType="tmRoot"/>
+      </p:par>
+    </p:tnLst>
+  </p:timing>
 </p:sld>
 </file>
 
@@ -6403,6 +6505,322 @@
           <a:chExt cx="0" cy="0"/>
         </a:xfrm>
       </p:grpSpPr>
+      <p:pic>
+        <p:nvPicPr>
+          <p:cNvPr id="2054" name="Picture 6" descr="https://avatars.mds.yandex.net/get-zen_doc/1856956/pub_5d6fc00f1ee34f00ad096c5c_5d6fc01595aa9f00acf01682/scale_1200"/>
+          <p:cNvPicPr>
+            <a:picLocks noChangeAspect="1" noChangeArrowheads="1"/>
+          </p:cNvPicPr>
+          <p:nvPr/>
+        </p:nvPicPr>
+        <p:blipFill>
+          <a:blip r:embed="rId3" cstate="print">
+            <a:extLst>
+              <a:ext uri="{28A0092B-C50C-407E-A947-70E740481C1C}">
+                <a14:useLocalDpi xmlns:a14="http://schemas.microsoft.com/office/drawing/2010/main" val="0"/>
+              </a:ext>
+            </a:extLst>
+          </a:blip>
+          <a:srcRect/>
+          <a:stretch>
+            <a:fillRect/>
+          </a:stretch>
+        </p:blipFill>
+        <p:spPr bwMode="auto">
+          <a:xfrm>
+            <a:off x="5809368" y="-34506"/>
+            <a:ext cx="3416062" cy="2277374"/>
+          </a:xfrm>
+          <a:prstGeom prst="rect">
+            <a:avLst/>
+          </a:prstGeom>
+          <a:noFill/>
+          <a:effectLst>
+            <a:softEdge rad="127000"/>
+          </a:effectLst>
+          <a:extLst>
+            <a:ext uri="{909E8E84-426E-40DD-AFC4-6F175D3DCCD1}">
+              <a14:hiddenFill xmlns:a14="http://schemas.microsoft.com/office/drawing/2010/main">
+                <a:solidFill>
+                  <a:srgbClr val="FFFFFF"/>
+                </a:solidFill>
+              </a14:hiddenFill>
+            </a:ext>
+          </a:extLst>
+        </p:spPr>
+      </p:pic>
+      <p:pic>
+        <p:nvPicPr>
+          <p:cNvPr id="2052" name="Picture 4" descr="https://sc01.alicdn.com/kf/HTB1Ty6mIpXXXXa9XpXX760XFXXXt/200244385/HTB1Ty6mIpXXXXa9XpXX760XFXXXt.png"/>
+          <p:cNvPicPr>
+            <a:picLocks noChangeAspect="1" noChangeArrowheads="1"/>
+          </p:cNvPicPr>
+          <p:nvPr/>
+        </p:nvPicPr>
+        <p:blipFill>
+          <a:blip r:embed="rId4" cstate="print">
+            <a:extLst>
+              <a:ext uri="{28A0092B-C50C-407E-A947-70E740481C1C}">
+                <a14:useLocalDpi xmlns:a14="http://schemas.microsoft.com/office/drawing/2010/main" val="0"/>
+              </a:ext>
+            </a:extLst>
+          </a:blip>
+          <a:srcRect/>
+          <a:stretch>
+            <a:fillRect/>
+          </a:stretch>
+        </p:blipFill>
+        <p:spPr bwMode="auto">
+          <a:xfrm>
+            <a:off x="5357004" y="1111020"/>
+            <a:ext cx="3398284" cy="2242868"/>
+          </a:xfrm>
+          <a:prstGeom prst="rect">
+            <a:avLst/>
+          </a:prstGeom>
+          <a:noFill/>
+          <a:effectLst>
+            <a:softEdge rad="127000"/>
+          </a:effectLst>
+          <a:extLst>
+            <a:ext uri="{909E8E84-426E-40DD-AFC4-6F175D3DCCD1}">
+              <a14:hiddenFill xmlns:a14="http://schemas.microsoft.com/office/drawing/2010/main">
+                <a:solidFill>
+                  <a:srgbClr val="FFFFFF"/>
+                </a:solidFill>
+              </a14:hiddenFill>
+            </a:ext>
+          </a:extLst>
+        </p:spPr>
+      </p:pic>
+      <p:pic>
+        <p:nvPicPr>
+          <p:cNvPr id="3" name="Рисунок 2"/>
+          <p:cNvPicPr>
+            <a:picLocks noChangeAspect="1"/>
+          </p:cNvPicPr>
+          <p:nvPr/>
+        </p:nvPicPr>
+        <p:blipFill rotWithShape="1">
+          <a:blip r:embed="rId5" cstate="print">
+            <a:extLst>
+              <a:ext uri="{28A0092B-C50C-407E-A947-70E740481C1C}">
+                <a14:useLocalDpi xmlns:a14="http://schemas.microsoft.com/office/drawing/2010/main" val="0"/>
+              </a:ext>
+            </a:extLst>
+          </a:blip>
+          <a:srcRect l="5755" t="6939" r="8774" b="8758"/>
+          <a:stretch/>
+        </p:blipFill>
+        <p:spPr>
+          <a:xfrm>
+            <a:off x="4063042" y="4129902"/>
+            <a:ext cx="4822166" cy="2464308"/>
+          </a:xfrm>
+          <a:prstGeom prst="rect">
+            <a:avLst/>
+          </a:prstGeom>
+          <a:effectLst>
+            <a:softEdge rad="63500"/>
+          </a:effectLst>
+        </p:spPr>
+      </p:pic>
+      <p:pic>
+        <p:nvPicPr>
+          <p:cNvPr id="2056" name="Picture 8" descr="https://metalik-msk.ru/img/plavka-latuni-1.jpg"/>
+          <p:cNvPicPr>
+            <a:picLocks noChangeAspect="1" noChangeArrowheads="1"/>
+          </p:cNvPicPr>
+          <p:nvPr/>
+        </p:nvPicPr>
+        <p:blipFill rotWithShape="1">
+          <a:blip r:embed="rId6">
+            <a:extLst>
+              <a:ext uri="{28A0092B-C50C-407E-A947-70E740481C1C}">
+                <a14:useLocalDpi xmlns:a14="http://schemas.microsoft.com/office/drawing/2010/main" val="0"/>
+              </a:ext>
+            </a:extLst>
+          </a:blip>
+          <a:srcRect l="-1" r="17020"/>
+          <a:stretch/>
+        </p:blipFill>
+        <p:spPr bwMode="auto">
+          <a:xfrm>
+            <a:off x="0" y="3866112"/>
+            <a:ext cx="3994030" cy="2991888"/>
+          </a:xfrm>
+          <a:prstGeom prst="rect">
+            <a:avLst/>
+          </a:prstGeom>
+          <a:noFill/>
+          <a:effectLst>
+            <a:softEdge rad="127000"/>
+          </a:effectLst>
+          <a:extLst>
+            <a:ext uri="{909E8E84-426E-40DD-AFC4-6F175D3DCCD1}">
+              <a14:hiddenFill xmlns:a14="http://schemas.microsoft.com/office/drawing/2010/main">
+                <a:solidFill>
+                  <a:srgbClr val="FFFFFF"/>
+                </a:solidFill>
+              </a14:hiddenFill>
+            </a:ext>
+          </a:extLst>
+        </p:spPr>
+      </p:pic>
+      <p:pic>
+        <p:nvPicPr>
+          <p:cNvPr id="2060" name="Picture 12" descr="https://i.ytimg.com/vi/iwEEJO7QK7w/maxresdefault.jpg"/>
+          <p:cNvPicPr>
+            <a:picLocks noChangeAspect="1" noChangeArrowheads="1"/>
+          </p:cNvPicPr>
+          <p:nvPr/>
+        </p:nvPicPr>
+        <p:blipFill rotWithShape="1">
+          <a:blip r:embed="rId7">
+            <a:extLst>
+              <a:ext uri="{28A0092B-C50C-407E-A947-70E740481C1C}">
+                <a14:useLocalDpi xmlns:a14="http://schemas.microsoft.com/office/drawing/2010/main" val="0"/>
+              </a:ext>
+            </a:extLst>
+          </a:blip>
+          <a:srcRect l="20085" r="32442"/>
+          <a:stretch/>
+        </p:blipFill>
+        <p:spPr bwMode="auto">
+          <a:xfrm>
+            <a:off x="-57773" y="74405"/>
+            <a:ext cx="2856622" cy="3384787"/>
+          </a:xfrm>
+          <a:prstGeom prst="rect">
+            <a:avLst/>
+          </a:prstGeom>
+          <a:noFill/>
+          <a:effectLst>
+            <a:softEdge rad="127000"/>
+          </a:effectLst>
+          <a:extLst>
+            <a:ext uri="{909E8E84-426E-40DD-AFC4-6F175D3DCCD1}">
+              <a14:hiddenFill xmlns:a14="http://schemas.microsoft.com/office/drawing/2010/main">
+                <a:solidFill>
+                  <a:srgbClr val="FFFFFF"/>
+                </a:solidFill>
+              </a14:hiddenFill>
+            </a:ext>
+          </a:extLst>
+        </p:spPr>
+      </p:pic>
+      <p:pic>
+        <p:nvPicPr>
+          <p:cNvPr id="2058" name="Picture 10" descr="https://simax-shop.ru/upload/medialibrary/aab/2323.jpg"/>
+          <p:cNvPicPr>
+            <a:picLocks noChangeAspect="1" noChangeArrowheads="1"/>
+          </p:cNvPicPr>
+          <p:nvPr/>
+        </p:nvPicPr>
+        <p:blipFill>
+          <a:blip r:embed="rId8" cstate="print">
+            <a:extLst>
+              <a:ext uri="{28A0092B-C50C-407E-A947-70E740481C1C}">
+                <a14:useLocalDpi xmlns:a14="http://schemas.microsoft.com/office/drawing/2010/main" val="0"/>
+              </a:ext>
+            </a:extLst>
+          </a:blip>
+          <a:srcRect/>
+          <a:stretch>
+            <a:fillRect/>
+          </a:stretch>
+        </p:blipFill>
+        <p:spPr bwMode="auto">
+          <a:xfrm>
+            <a:off x="936620" y="2133223"/>
+            <a:ext cx="3238303" cy="2428727"/>
+          </a:xfrm>
+          <a:prstGeom prst="rect">
+            <a:avLst/>
+          </a:prstGeom>
+          <a:noFill/>
+          <a:effectLst>
+            <a:softEdge rad="127000"/>
+          </a:effectLst>
+          <a:extLst>
+            <a:ext uri="{909E8E84-426E-40DD-AFC4-6F175D3DCCD1}">
+              <a14:hiddenFill xmlns:a14="http://schemas.microsoft.com/office/drawing/2010/main">
+                <a:solidFill>
+                  <a:srgbClr val="FFFFFF"/>
+                </a:solidFill>
+              </a14:hiddenFill>
+            </a:ext>
+          </a:extLst>
+        </p:spPr>
+      </p:pic>
+      <p:cxnSp>
+        <p:nvCxnSpPr>
+          <p:cNvPr id="5" name="Прямая со стрелкой 4"/>
+          <p:cNvCxnSpPr/>
+          <p:nvPr/>
+        </p:nvCxnSpPr>
+        <p:spPr>
+          <a:xfrm>
+            <a:off x="3873260" y="5232660"/>
+            <a:ext cx="603326" cy="0"/>
+          </a:xfrm>
+          <a:prstGeom prst="straightConnector1">
+            <a:avLst/>
+          </a:prstGeom>
+          <a:ln w="76200">
+            <a:tailEnd type="triangle"/>
+          </a:ln>
+        </p:spPr>
+        <p:style>
+          <a:lnRef idx="3">
+            <a:schemeClr val="dk1"/>
+          </a:lnRef>
+          <a:fillRef idx="0">
+            <a:schemeClr val="dk1"/>
+          </a:fillRef>
+          <a:effectRef idx="2">
+            <a:schemeClr val="dk1"/>
+          </a:effectRef>
+          <a:fontRef idx="minor">
+            <a:schemeClr val="tx1"/>
+          </a:fontRef>
+        </p:style>
+      </p:cxnSp>
+      <p:cxnSp>
+        <p:nvCxnSpPr>
+          <p:cNvPr id="8" name="Прямая соединительная линия 7"/>
+          <p:cNvCxnSpPr/>
+          <p:nvPr/>
+        </p:nvCxnSpPr>
+        <p:spPr>
+          <a:xfrm flipH="1">
+            <a:off x="3398284" y="5232660"/>
+            <a:ext cx="474977" cy="0"/>
+          </a:xfrm>
+          <a:prstGeom prst="line">
+            <a:avLst/>
+          </a:prstGeom>
+          <a:ln w="76200">
+            <a:solidFill>
+              <a:schemeClr val="bg1"/>
+            </a:solidFill>
+          </a:ln>
+        </p:spPr>
+        <p:style>
+          <a:lnRef idx="1">
+            <a:schemeClr val="accent1"/>
+          </a:lnRef>
+          <a:fillRef idx="0">
+            <a:schemeClr val="accent1"/>
+          </a:fillRef>
+          <a:effectRef idx="0">
+            <a:schemeClr val="accent1"/>
+          </a:effectRef>
+          <a:fontRef idx="minor">
+            <a:schemeClr val="tx1"/>
+          </a:fontRef>
+        </p:style>
+      </p:cxnSp>
     </p:spTree>
     <p:extLst>
       <p:ext uri="{BB962C8B-B14F-4D97-AF65-F5344CB8AC3E}">
@@ -6413,6 +6831,13 @@
   <p:clrMapOvr>
     <a:masterClrMapping/>
   </p:clrMapOvr>
+  <p:timing>
+    <p:tnLst>
+      <p:par>
+        <p:cTn id="1" dur="indefinite" restart="never" nodeType="tmRoot"/>
+      </p:par>
+    </p:tnLst>
+  </p:timing>
 </p:sld>
 </file>
 
@@ -6433,14 +6858,14 @@
           <a:chExt cx="0" cy="0"/>
         </a:xfrm>
       </p:grpSpPr>
-      <mc:AlternateContent xmlns:mc="http://schemas.openxmlformats.org/markup-compatibility/2006" xmlns:a14="http://schemas.microsoft.com/office/drawing/2010/main">
-        <mc:Choice Requires="a14">
+      <mc:AlternateContent xmlns:mc="http://schemas.openxmlformats.org/markup-compatibility/2006">
+        <mc:Choice xmlns:a14="http://schemas.microsoft.com/office/drawing/2010/main" Requires="a14">
           <p:sp>
             <p:nvSpPr>
               <p:cNvPr id="2" name="TextBox 1">
                 <a:extLst>
                   <a:ext uri="{FF2B5EF4-FFF2-40B4-BE49-F238E27FC236}">
-                    <a16:creationId xmlns:a16="http://schemas.microsoft.com/office/drawing/2014/main" id="{BE4C370A-E465-4D83-89C8-BA19E89EA5F4}"/>
+                    <a16:creationId xmlns:a16="http://schemas.microsoft.com/office/drawing/2014/main" xmlns="" id="{BE4C370A-E465-4D83-89C8-BA19E89EA5F4}"/>
                   </a:ext>
                 </a:extLst>
               </p:cNvPr>
@@ -6449,7 +6874,7 @@
             </p:nvSpPr>
             <p:spPr>
               <a:xfrm>
-                <a:off x="152399" y="3429000"/>
+                <a:off x="152400" y="4101860"/>
                 <a:ext cx="4066903" cy="907941"/>
               </a:xfrm>
               <a:prstGeom prst="rect">
@@ -6679,13 +7104,13 @@
             </p:txBody>
           </p:sp>
         </mc:Choice>
-        <mc:Fallback xmlns="">
+        <mc:Fallback>
           <p:sp>
             <p:nvSpPr>
               <p:cNvPr id="2" name="TextBox 1">
                 <a:extLst>
                   <a:ext uri="{FF2B5EF4-FFF2-40B4-BE49-F238E27FC236}">
-                    <a16:creationId xmlns:a16="http://schemas.microsoft.com/office/drawing/2014/main" id="{BE4C370A-E465-4D83-89C8-BA19E89EA5F4}"/>
+                    <a16:creationId xmlns:a16="http://schemas.microsoft.com/office/drawing/2014/main" xmlns:a14="http://schemas.microsoft.com/office/drawing/2010/main" xmlns="" id="{BE4C370A-E465-4D83-89C8-BA19E89EA5F4}"/>
                   </a:ext>
                 </a:extLst>
               </p:cNvPr>
@@ -6696,13 +7121,13 @@
             </p:nvSpPr>
             <p:spPr>
               <a:xfrm>
-                <a:off x="152399" y="3429000"/>
+                <a:off x="152400" y="4101860"/>
                 <a:ext cx="4066903" cy="907941"/>
               </a:xfrm>
               <a:prstGeom prst="rect">
                 <a:avLst/>
               </a:prstGeom>
-              <a:blipFill>
+              <a:blipFill rotWithShape="0">
                 <a:blip r:embed="rId3"/>
                 <a:stretch>
                   <a:fillRect/>
@@ -6724,14 +7149,14 @@
           </p:sp>
         </mc:Fallback>
       </mc:AlternateContent>
-      <mc:AlternateContent xmlns:mc="http://schemas.openxmlformats.org/markup-compatibility/2006" xmlns:a14="http://schemas.microsoft.com/office/drawing/2010/main">
-        <mc:Choice Requires="a14">
+      <mc:AlternateContent xmlns:mc="http://schemas.openxmlformats.org/markup-compatibility/2006">
+        <mc:Choice xmlns:a14="http://schemas.microsoft.com/office/drawing/2010/main" Requires="a14">
           <p:sp>
             <p:nvSpPr>
               <p:cNvPr id="4" name="TextBox 3">
                 <a:extLst>
                   <a:ext uri="{FF2B5EF4-FFF2-40B4-BE49-F238E27FC236}">
-                    <a16:creationId xmlns:a16="http://schemas.microsoft.com/office/drawing/2014/main" id="{696DD8DB-2178-460D-B8AC-0314AEDA776F}"/>
+                    <a16:creationId xmlns:a16="http://schemas.microsoft.com/office/drawing/2014/main" xmlns="" id="{696DD8DB-2178-460D-B8AC-0314AEDA776F}"/>
                   </a:ext>
                 </a:extLst>
               </p:cNvPr>
@@ -6740,7 +7165,7 @@
             </p:nvSpPr>
             <p:spPr>
               <a:xfrm>
-                <a:off x="4589417" y="3752166"/>
+                <a:off x="4630905" y="4267016"/>
                 <a:ext cx="4445726" cy="584775"/>
               </a:xfrm>
               <a:prstGeom prst="rect">
@@ -6880,13 +7305,13 @@
             </p:txBody>
           </p:sp>
         </mc:Choice>
-        <mc:Fallback xmlns="">
+        <mc:Fallback>
           <p:sp>
             <p:nvSpPr>
               <p:cNvPr id="4" name="TextBox 3">
                 <a:extLst>
                   <a:ext uri="{FF2B5EF4-FFF2-40B4-BE49-F238E27FC236}">
-                    <a16:creationId xmlns:a16="http://schemas.microsoft.com/office/drawing/2014/main" id="{696DD8DB-2178-460D-B8AC-0314AEDA776F}"/>
+                    <a16:creationId xmlns:a16="http://schemas.microsoft.com/office/drawing/2014/main" xmlns:a14="http://schemas.microsoft.com/office/drawing/2010/main" xmlns="" id="{696DD8DB-2178-460D-B8AC-0314AEDA776F}"/>
                   </a:ext>
                 </a:extLst>
               </p:cNvPr>
@@ -6897,13 +7322,13 @@
             </p:nvSpPr>
             <p:spPr>
               <a:xfrm>
-                <a:off x="4589417" y="3752166"/>
+                <a:off x="4630905" y="4267016"/>
                 <a:ext cx="4445726" cy="584775"/>
               </a:xfrm>
               <a:prstGeom prst="rect">
                 <a:avLst/>
               </a:prstGeom>
-              <a:blipFill>
+              <a:blipFill rotWithShape="0">
                 <a:blip r:embed="rId4"/>
                 <a:stretch>
                   <a:fillRect/>
@@ -6930,7 +7355,7 @@
           <p:cNvPr id="5" name="TextBox 4">
             <a:extLst>
               <a:ext uri="{FF2B5EF4-FFF2-40B4-BE49-F238E27FC236}">
-                <a16:creationId xmlns:a16="http://schemas.microsoft.com/office/drawing/2014/main" id="{30701818-A6AE-4933-87DF-06AD29BA61A8}"/>
+                <a16:creationId xmlns:a16="http://schemas.microsoft.com/office/drawing/2014/main" xmlns="" id="{30701818-A6AE-4933-87DF-06AD29BA61A8}"/>
               </a:ext>
             </a:extLst>
           </p:cNvPr>
@@ -6939,7 +7364,7 @@
         </p:nvSpPr>
         <p:spPr>
           <a:xfrm>
-            <a:off x="152399" y="3224824"/>
+            <a:off x="152400" y="3897684"/>
             <a:ext cx="4153989" cy="369332"/>
           </a:xfrm>
           <a:prstGeom prst="rect">
@@ -6970,7 +7395,7 @@
           <p:cNvPr id="6" name="TextBox 5">
             <a:extLst>
               <a:ext uri="{FF2B5EF4-FFF2-40B4-BE49-F238E27FC236}">
-                <a16:creationId xmlns:a16="http://schemas.microsoft.com/office/drawing/2014/main" id="{1BCD4BBC-E89B-4827-80B2-04BA7814016F}"/>
+                <a16:creationId xmlns:a16="http://schemas.microsoft.com/office/drawing/2014/main" xmlns="" id="{1BCD4BBC-E89B-4827-80B2-04BA7814016F}"/>
               </a:ext>
             </a:extLst>
           </p:cNvPr>
@@ -6979,7 +7404,7 @@
         </p:nvSpPr>
         <p:spPr>
           <a:xfrm>
-            <a:off x="5397770" y="3224824"/>
+            <a:off x="5397771" y="3897684"/>
             <a:ext cx="2781755" cy="369332"/>
           </a:xfrm>
           <a:prstGeom prst="rect">
@@ -7010,7 +7435,7 @@
           <p:cNvPr id="8" name="Рисунок 7">
             <a:extLst>
               <a:ext uri="{FF2B5EF4-FFF2-40B4-BE49-F238E27FC236}">
-                <a16:creationId xmlns:a16="http://schemas.microsoft.com/office/drawing/2014/main" id="{AD7C7AC2-4109-4D2D-96A4-77D1DA5020AF}"/>
+                <a16:creationId xmlns:a16="http://schemas.microsoft.com/office/drawing/2014/main" xmlns="" id="{AD7C7AC2-4109-4D2D-96A4-77D1DA5020AF}"/>
               </a:ext>
             </a:extLst>
           </p:cNvPr>
@@ -7027,7 +7452,7 @@
         </p:blipFill>
         <p:spPr>
           <a:xfrm>
-            <a:off x="-1" y="0"/>
+            <a:off x="0" y="672860"/>
             <a:ext cx="4563535" cy="3030583"/>
           </a:xfrm>
           <a:prstGeom prst="rect">
@@ -7040,7 +7465,7 @@
           <p:cNvPr id="16" name="Рисунок 15">
             <a:extLst>
               <a:ext uri="{FF2B5EF4-FFF2-40B4-BE49-F238E27FC236}">
-                <a16:creationId xmlns:a16="http://schemas.microsoft.com/office/drawing/2014/main" id="{FC382331-0DC7-4D83-87F0-D862A7C6C5E6}"/>
+                <a16:creationId xmlns:a16="http://schemas.microsoft.com/office/drawing/2014/main" xmlns="" id="{FC382331-0DC7-4D83-87F0-D862A7C6C5E6}"/>
               </a:ext>
             </a:extLst>
           </p:cNvPr>
@@ -7057,7 +7482,7 @@
         </p:blipFill>
         <p:spPr>
           <a:xfrm>
-            <a:off x="4563534" y="1"/>
+            <a:off x="4563535" y="672861"/>
             <a:ext cx="4580466" cy="3041826"/>
           </a:xfrm>
           <a:prstGeom prst="rect">
@@ -7065,6 +7490,37 @@
           </a:prstGeom>
         </p:spPr>
       </p:pic>
+      <p:sp>
+        <p:nvSpPr>
+          <p:cNvPr id="9" name="TextBox 8"/>
+          <p:cNvSpPr txBox="1"/>
+          <p:nvPr/>
+        </p:nvSpPr>
+        <p:spPr>
+          <a:xfrm>
+            <a:off x="10580" y="58322"/>
+            <a:ext cx="9133420" cy="461665"/>
+          </a:xfrm>
+          <a:prstGeom prst="rect">
+            <a:avLst/>
+          </a:prstGeom>
+          <a:noFill/>
+        </p:spPr>
+        <p:txBody>
+          <a:bodyPr wrap="square" rtlCol="0">
+            <a:spAutoFit/>
+          </a:bodyPr>
+          <a:lstStyle/>
+          <a:p>
+            <a:pPr algn="ctr"/>
+            <a:r>
+              <a:rPr lang="ru-RU" sz="2400" b="1" dirty="0" smtClean="0"/>
+              <a:t>Методика расчета</a:t>
+            </a:r>
+            <a:endParaRPr lang="ru-RU" sz="2400" b="1" dirty="0"/>
+          </a:p>
+        </p:txBody>
+      </p:sp>
     </p:spTree>
     <p:extLst>
       <p:ext uri="{BB962C8B-B14F-4D97-AF65-F5344CB8AC3E}">
@@ -7075,6 +7531,13 @@
   <p:clrMapOvr>
     <a:masterClrMapping/>
   </p:clrMapOvr>
+  <p:timing>
+    <p:tnLst>
+      <p:par>
+        <p:cTn id="1" dur="indefinite" restart="never" nodeType="tmRoot"/>
+      </p:par>
+    </p:tnLst>
+  </p:timing>
 </p:sld>
 </file>
 
@@ -7100,7 +7563,7 @@
           <p:cNvPr id="3" name="Рисунок 2">
             <a:extLst>
               <a:ext uri="{FF2B5EF4-FFF2-40B4-BE49-F238E27FC236}">
-                <a16:creationId xmlns:a16="http://schemas.microsoft.com/office/drawing/2014/main" id="{E3E5A002-06C7-47EC-973E-D9F727D9900F}"/>
+                <a16:creationId xmlns:a16="http://schemas.microsoft.com/office/drawing/2014/main" xmlns="" id="{E3E5A002-06C7-47EC-973E-D9F727D9900F}"/>
               </a:ext>
             </a:extLst>
           </p:cNvPr>
@@ -7123,8 +7586,8 @@
         </p:blipFill>
         <p:spPr>
           <a:xfrm>
-            <a:off x="-31079" y="0"/>
-            <a:ext cx="9144000" cy="4737697"/>
+            <a:off x="-31080" y="0"/>
+            <a:ext cx="9175079" cy="4753800"/>
           </a:xfrm>
           <a:prstGeom prst="rect">
             <a:avLst/>
@@ -7136,7 +7599,7 @@
           <p:cNvPr id="47" name="Рисунок 46">
             <a:extLst>
               <a:ext uri="{FF2B5EF4-FFF2-40B4-BE49-F238E27FC236}">
-                <a16:creationId xmlns:a16="http://schemas.microsoft.com/office/drawing/2014/main" id="{19882C91-3EDE-4746-B585-005025FCFE11}"/>
+                <a16:creationId xmlns:a16="http://schemas.microsoft.com/office/drawing/2014/main" xmlns="" id="{19882C91-3EDE-4746-B585-005025FCFE11}"/>
               </a:ext>
             </a:extLst>
           </p:cNvPr>
@@ -7153,7 +7616,7 @@
         </p:blipFill>
         <p:spPr>
           <a:xfrm>
-            <a:off x="2066105" y="4701239"/>
+            <a:off x="2066105" y="4744369"/>
             <a:ext cx="2121229" cy="2156761"/>
           </a:xfrm>
           <a:prstGeom prst="rect">
@@ -7204,7 +7667,7 @@
         </p:blipFill>
         <p:spPr>
           <a:xfrm>
-            <a:off x="6705214" y="4722115"/>
+            <a:off x="6705214" y="4713489"/>
             <a:ext cx="471467" cy="335506"/>
           </a:xfrm>
           <a:prstGeom prst="rect">
@@ -7231,7 +7694,7 @@
         </p:blipFill>
         <p:spPr>
           <a:xfrm>
-            <a:off x="7406277" y="4714296"/>
+            <a:off x="7406277" y="4722922"/>
             <a:ext cx="471467" cy="335506"/>
           </a:xfrm>
           <a:prstGeom prst="rect">
@@ -7389,7 +7852,7 @@
           <p:cNvPr id="6" name="Рисунок 5">
             <a:extLst>
               <a:ext uri="{FF2B5EF4-FFF2-40B4-BE49-F238E27FC236}">
-                <a16:creationId xmlns:a16="http://schemas.microsoft.com/office/drawing/2014/main" id="{5BE9B805-0FF0-40A3-8CE2-58B52DAC1E85}"/>
+                <a16:creationId xmlns:a16="http://schemas.microsoft.com/office/drawing/2014/main" xmlns="" id="{5BE9B805-0FF0-40A3-8CE2-58B52DAC1E85}"/>
               </a:ext>
             </a:extLst>
           </p:cNvPr>
@@ -7422,7 +7885,7 @@
           <p:cNvPr id="9" name="Рисунок 8">
             <a:extLst>
               <a:ext uri="{FF2B5EF4-FFF2-40B4-BE49-F238E27FC236}">
-                <a16:creationId xmlns:a16="http://schemas.microsoft.com/office/drawing/2014/main" id="{B44798CA-D8D4-456C-8A3A-890A8E704232}"/>
+                <a16:creationId xmlns:a16="http://schemas.microsoft.com/office/drawing/2014/main" xmlns="" id="{B44798CA-D8D4-456C-8A3A-890A8E704232}"/>
               </a:ext>
             </a:extLst>
           </p:cNvPr>
@@ -7439,7 +7902,7 @@
         </p:blipFill>
         <p:spPr>
           <a:xfrm>
-            <a:off x="6215799" y="4735488"/>
+            <a:off x="6215799" y="4709610"/>
             <a:ext cx="471467" cy="335742"/>
           </a:xfrm>
           <a:prstGeom prst="rect">
@@ -7455,7 +7918,7 @@
           <p:cNvPr id="34" name="TextBox 33">
             <a:extLst>
               <a:ext uri="{FF2B5EF4-FFF2-40B4-BE49-F238E27FC236}">
-                <a16:creationId xmlns:a16="http://schemas.microsoft.com/office/drawing/2014/main" id="{78991951-34D4-4DB6-BDA9-8610850FCD73}"/>
+                <a16:creationId xmlns:a16="http://schemas.microsoft.com/office/drawing/2014/main" xmlns="" id="{78991951-34D4-4DB6-BDA9-8610850FCD73}"/>
               </a:ext>
             </a:extLst>
           </p:cNvPr>
@@ -7490,7 +7953,7 @@
           <p:cNvPr id="35" name="Прямая со стрелкой 34">
             <a:extLst>
               <a:ext uri="{FF2B5EF4-FFF2-40B4-BE49-F238E27FC236}">
-                <a16:creationId xmlns:a16="http://schemas.microsoft.com/office/drawing/2014/main" id="{66BD0CC5-A85D-41D7-A576-801A7941C5F8}"/>
+                <a16:creationId xmlns:a16="http://schemas.microsoft.com/office/drawing/2014/main" xmlns="" id="{66BD0CC5-A85D-41D7-A576-801A7941C5F8}"/>
               </a:ext>
             </a:extLst>
           </p:cNvPr>
@@ -7538,7 +8001,7 @@
           <p:cNvPr id="25" name="Рисунок 24">
             <a:extLst>
               <a:ext uri="{FF2B5EF4-FFF2-40B4-BE49-F238E27FC236}">
-                <a16:creationId xmlns:a16="http://schemas.microsoft.com/office/drawing/2014/main" id="{1D5702AA-C668-499D-A928-2EFB1112078D}"/>
+                <a16:creationId xmlns:a16="http://schemas.microsoft.com/office/drawing/2014/main" xmlns="" id="{1D5702AA-C668-499D-A928-2EFB1112078D}"/>
               </a:ext>
             </a:extLst>
           </p:cNvPr>
@@ -7555,7 +8018,7 @@
         </p:blipFill>
         <p:spPr>
           <a:xfrm>
-            <a:off x="-17948" y="4704846"/>
+            <a:off x="-17948" y="4747976"/>
             <a:ext cx="2121229" cy="2153154"/>
           </a:xfrm>
           <a:prstGeom prst="rect">
@@ -7568,7 +8031,7 @@
           <p:cNvPr id="18" name="Стрелка: вверх 17">
             <a:extLst>
               <a:ext uri="{FF2B5EF4-FFF2-40B4-BE49-F238E27FC236}">
-                <a16:creationId xmlns:a16="http://schemas.microsoft.com/office/drawing/2014/main" id="{00000000-0008-0000-0000-000008000000}"/>
+                <a16:creationId xmlns:a16="http://schemas.microsoft.com/office/drawing/2014/main" xmlns="" id="{00000000-0008-0000-0000-000008000000}"/>
               </a:ext>
             </a:extLst>
           </p:cNvPr>
@@ -7718,7 +8181,7 @@
           <p:cNvPr id="19" name="TextBox 18">
             <a:extLst>
               <a:ext uri="{FF2B5EF4-FFF2-40B4-BE49-F238E27FC236}">
-                <a16:creationId xmlns:a16="http://schemas.microsoft.com/office/drawing/2014/main" id="{649C0711-2396-4D12-9E75-3E7C8D319F3C}"/>
+                <a16:creationId xmlns:a16="http://schemas.microsoft.com/office/drawing/2014/main" xmlns="" id="{649C0711-2396-4D12-9E75-3E7C8D319F3C}"/>
               </a:ext>
             </a:extLst>
           </p:cNvPr>
@@ -7762,7 +8225,7 @@
           <p:cNvPr id="4" name="Правая фигурная скобка 3">
             <a:extLst>
               <a:ext uri="{FF2B5EF4-FFF2-40B4-BE49-F238E27FC236}">
-                <a16:creationId xmlns:a16="http://schemas.microsoft.com/office/drawing/2014/main" id="{4B545050-6A90-48D0-8EB4-F408DA61B6F1}"/>
+                <a16:creationId xmlns:a16="http://schemas.microsoft.com/office/drawing/2014/main" xmlns="" id="{4B545050-6A90-48D0-8EB4-F408DA61B6F1}"/>
               </a:ext>
             </a:extLst>
           </p:cNvPr>
@@ -7807,7 +8270,7 @@
           <p:cNvPr id="5" name="TextBox 4">
             <a:extLst>
               <a:ext uri="{FF2B5EF4-FFF2-40B4-BE49-F238E27FC236}">
-                <a16:creationId xmlns:a16="http://schemas.microsoft.com/office/drawing/2014/main" id="{6C7E1056-394D-4965-B6AE-D120C11C98B1}"/>
+                <a16:creationId xmlns:a16="http://schemas.microsoft.com/office/drawing/2014/main" xmlns="" id="{6C7E1056-394D-4965-B6AE-D120C11C98B1}"/>
               </a:ext>
             </a:extLst>
           </p:cNvPr>
@@ -7847,6 +8310,13 @@
   <p:clrMapOvr>
     <a:masterClrMapping/>
   </p:clrMapOvr>
+  <p:timing>
+    <p:tnLst>
+      <p:par>
+        <p:cTn id="1" dur="indefinite" restart="never" nodeType="tmRoot"/>
+      </p:par>
+    </p:tnLst>
+  </p:timing>
 </p:sld>
 </file>
 
@@ -7872,7 +8342,7 @@
           <p:cNvPr id="2" name="Рисунок 1">
             <a:extLst>
               <a:ext uri="{FF2B5EF4-FFF2-40B4-BE49-F238E27FC236}">
-                <a16:creationId xmlns:a16="http://schemas.microsoft.com/office/drawing/2014/main" id="{7FEC87CC-E029-4571-9DF2-A2644D16A89B}"/>
+                <a16:creationId xmlns:a16="http://schemas.microsoft.com/office/drawing/2014/main" xmlns="" id="{7FEC87CC-E029-4571-9DF2-A2644D16A89B}"/>
               </a:ext>
             </a:extLst>
           </p:cNvPr>
@@ -7889,8 +8359,8 @@
         </p:blipFill>
         <p:spPr>
           <a:xfrm>
-            <a:off x="4505794" y="-3736"/>
-            <a:ext cx="2309683" cy="2302048"/>
+            <a:off x="4558578" y="566184"/>
+            <a:ext cx="2357309" cy="2349517"/>
           </a:xfrm>
           <a:prstGeom prst="rect">
             <a:avLst/>
@@ -7902,7 +8372,7 @@
           <p:cNvPr id="12" name="Рисунок 11">
             <a:extLst>
               <a:ext uri="{FF2B5EF4-FFF2-40B4-BE49-F238E27FC236}">
-                <a16:creationId xmlns:a16="http://schemas.microsoft.com/office/drawing/2014/main" id="{EE6D0C9E-5075-40B0-8C5F-14A05F4F0AED}"/>
+                <a16:creationId xmlns:a16="http://schemas.microsoft.com/office/drawing/2014/main" xmlns="" id="{EE6D0C9E-5075-40B0-8C5F-14A05F4F0AED}"/>
               </a:ext>
             </a:extLst>
           </p:cNvPr>
@@ -7919,8 +8389,8 @@
         </p:blipFill>
         <p:spPr>
           <a:xfrm>
-            <a:off x="0" y="0"/>
-            <a:ext cx="2253506" cy="2287421"/>
+            <a:off x="-51520" y="566630"/>
+            <a:ext cx="2306289" cy="2340998"/>
           </a:xfrm>
           <a:prstGeom prst="rect">
             <a:avLst/>
@@ -7932,7 +8402,7 @@
           <p:cNvPr id="13" name="Рисунок 12">
             <a:extLst>
               <a:ext uri="{FF2B5EF4-FFF2-40B4-BE49-F238E27FC236}">
-                <a16:creationId xmlns:a16="http://schemas.microsoft.com/office/drawing/2014/main" id="{07FCE67B-6FF9-4CB2-BD21-DED37104F58D}"/>
+                <a16:creationId xmlns:a16="http://schemas.microsoft.com/office/drawing/2014/main" xmlns="" id="{07FCE67B-6FF9-4CB2-BD21-DED37104F58D}"/>
               </a:ext>
             </a:extLst>
           </p:cNvPr>
@@ -7949,8 +8419,8 @@
         </p:blipFill>
         <p:spPr>
           <a:xfrm>
-            <a:off x="2254770" y="-3736"/>
-            <a:ext cx="2253505" cy="2291253"/>
+            <a:off x="2252289" y="566629"/>
+            <a:ext cx="2312163" cy="2350894"/>
           </a:xfrm>
           <a:prstGeom prst="rect">
             <a:avLst/>
@@ -7962,7 +8432,7 @@
           <p:cNvPr id="15" name="Рисунок 14">
             <a:extLst>
               <a:ext uri="{FF2B5EF4-FFF2-40B4-BE49-F238E27FC236}">
-                <a16:creationId xmlns:a16="http://schemas.microsoft.com/office/drawing/2014/main" id="{8F35BBC3-E6F8-4B62-9FE9-6954117E5C47}"/>
+                <a16:creationId xmlns:a16="http://schemas.microsoft.com/office/drawing/2014/main" xmlns="" id="{8F35BBC3-E6F8-4B62-9FE9-6954117E5C47}"/>
               </a:ext>
             </a:extLst>
           </p:cNvPr>
@@ -7979,8 +8449,8 @@
         </p:blipFill>
         <p:spPr>
           <a:xfrm>
-            <a:off x="63645" y="3018695"/>
-            <a:ext cx="2246037" cy="2287421"/>
+            <a:off x="-49802" y="3630401"/>
+            <a:ext cx="2320041" cy="2362789"/>
           </a:xfrm>
           <a:prstGeom prst="rect">
             <a:avLst/>
@@ -7992,7 +8462,7 @@
           <p:cNvPr id="16" name="Рисунок 15">
             <a:extLst>
               <a:ext uri="{FF2B5EF4-FFF2-40B4-BE49-F238E27FC236}">
-                <a16:creationId xmlns:a16="http://schemas.microsoft.com/office/drawing/2014/main" id="{ED63B645-6C7F-4157-AC23-CAC582FF7573}"/>
+                <a16:creationId xmlns:a16="http://schemas.microsoft.com/office/drawing/2014/main" xmlns="" id="{ED63B645-6C7F-4157-AC23-CAC582FF7573}"/>
               </a:ext>
             </a:extLst>
           </p:cNvPr>
@@ -8009,8 +8479,8 @@
         </p:blipFill>
         <p:spPr>
           <a:xfrm>
-            <a:off x="2309683" y="3018695"/>
-            <a:ext cx="2246036" cy="2287421"/>
+            <a:off x="2258058" y="3630400"/>
+            <a:ext cx="2320040" cy="2362789"/>
           </a:xfrm>
           <a:prstGeom prst="rect">
             <a:avLst/>
@@ -8025,8 +8495,8 @@
         </p:nvSpPr>
         <p:spPr>
           <a:xfrm>
-            <a:off x="47185" y="2231724"/>
-            <a:ext cx="1487700" cy="421334"/>
+            <a:off x="-18768" y="2834265"/>
+            <a:ext cx="1487700" cy="477054"/>
           </a:xfrm>
           <a:prstGeom prst="rect">
             <a:avLst/>
@@ -8040,18 +8510,18 @@
           <a:lstStyle/>
           <a:p>
             <a:r>
-              <a:rPr lang="el-GR" sz="1350" dirty="0"/>
+              <a:rPr lang="el-GR" sz="1600" dirty="0"/>
               <a:t>λ</a:t>
             </a:r>
             <a:r>
+              <a:rPr lang="ru-RU" sz="1050" dirty="0"/>
+              <a:t> </a:t>
+            </a:r>
+            <a:br>
+              <a:rPr lang="ru-RU" sz="1050" dirty="0"/>
+            </a:br>
+            <a:r>
               <a:rPr lang="ru-RU" sz="900" dirty="0"/>
-              <a:t> </a:t>
-            </a:r>
-            <a:br>
-              <a:rPr lang="ru-RU" sz="900" dirty="0"/>
-            </a:br>
-            <a:r>
-              <a:rPr lang="ru-RU" sz="788" dirty="0"/>
               <a:t>моль/(моль*атом)</a:t>
             </a:r>
           </a:p>
@@ -8065,8 +8535,8 @@
         </p:nvSpPr>
         <p:spPr>
           <a:xfrm>
-            <a:off x="2345495" y="2231724"/>
-            <a:ext cx="1487700" cy="421334"/>
+            <a:off x="2276514" y="2864999"/>
+            <a:ext cx="1487700" cy="477054"/>
           </a:xfrm>
           <a:prstGeom prst="rect">
             <a:avLst/>
@@ -8080,18 +8550,18 @@
           <a:lstStyle/>
           <a:p>
             <a:r>
-              <a:rPr lang="el-GR" sz="1350" dirty="0"/>
+              <a:rPr lang="el-GR" sz="1600" dirty="0"/>
               <a:t>λ</a:t>
             </a:r>
             <a:r>
+              <a:rPr lang="ru-RU" sz="1050" dirty="0"/>
+              <a:t> </a:t>
+            </a:r>
+            <a:br>
+              <a:rPr lang="ru-RU" sz="1050" dirty="0"/>
+            </a:br>
+            <a:r>
               <a:rPr lang="ru-RU" sz="900" dirty="0"/>
-              <a:t> </a:t>
-            </a:r>
-            <a:br>
-              <a:rPr lang="ru-RU" sz="900" dirty="0"/>
-            </a:br>
-            <a:r>
-              <a:rPr lang="ru-RU" sz="788" dirty="0"/>
               <a:t>моль/(моль*атом)</a:t>
             </a:r>
           </a:p>
@@ -8105,8 +8575,8 @@
         </p:nvSpPr>
         <p:spPr>
           <a:xfrm>
-            <a:off x="4566957" y="2229248"/>
-            <a:ext cx="1487700" cy="421334"/>
+            <a:off x="4566957" y="2824471"/>
+            <a:ext cx="1487700" cy="477054"/>
           </a:xfrm>
           <a:prstGeom prst="rect">
             <a:avLst/>
@@ -8120,202 +8590,18 @@
           <a:lstStyle/>
           <a:p>
             <a:r>
-              <a:rPr lang="el-GR" sz="1350" dirty="0"/>
+              <a:rPr lang="el-GR" sz="1600" dirty="0"/>
               <a:t>λ</a:t>
             </a:r>
             <a:r>
+              <a:rPr lang="ru-RU" sz="1050" dirty="0"/>
+              <a:t> </a:t>
+            </a:r>
+            <a:br>
+              <a:rPr lang="ru-RU" sz="1050" dirty="0"/>
+            </a:br>
+            <a:r>
               <a:rPr lang="ru-RU" sz="900" dirty="0"/>
-              <a:t> </a:t>
-            </a:r>
-            <a:br>
-              <a:rPr lang="ru-RU" sz="900" dirty="0"/>
-            </a:br>
-            <a:r>
-              <a:rPr lang="ru-RU" sz="788" dirty="0"/>
-              <a:t>моль/(моль*атом)</a:t>
-            </a:r>
-          </a:p>
-        </p:txBody>
-      </p:sp>
-      <p:sp>
-        <p:nvSpPr>
-          <p:cNvPr id="25" name="TextBox 24">
-            <a:extLst>
-              <a:ext uri="{FF2B5EF4-FFF2-40B4-BE49-F238E27FC236}">
-                <a16:creationId xmlns:a16="http://schemas.microsoft.com/office/drawing/2014/main" id="{09733A66-40A9-49CE-AE96-CFDA37C648D0}"/>
-              </a:ext>
-            </a:extLst>
-          </p:cNvPr>
-          <p:cNvSpPr txBox="1"/>
-          <p:nvPr/>
-        </p:nvSpPr>
-        <p:spPr>
-          <a:xfrm>
-            <a:off x="102846" y="5237017"/>
-            <a:ext cx="1487700" cy="421334"/>
-          </a:xfrm>
-          <a:prstGeom prst="rect">
-            <a:avLst/>
-          </a:prstGeom>
-          <a:noFill/>
-        </p:spPr>
-        <p:txBody>
-          <a:bodyPr vert="horz" wrap="square" rtlCol="0">
-            <a:spAutoFit/>
-          </a:bodyPr>
-          <a:lstStyle/>
-          <a:p>
-            <a:r>
-              <a:rPr lang="el-GR" sz="1350" dirty="0"/>
-              <a:t>λ</a:t>
-            </a:r>
-            <a:r>
-              <a:rPr lang="ru-RU" sz="900" dirty="0"/>
-              <a:t> </a:t>
-            </a:r>
-            <a:br>
-              <a:rPr lang="ru-RU" sz="900" dirty="0"/>
-            </a:br>
-            <a:r>
-              <a:rPr lang="ru-RU" sz="788" dirty="0"/>
-              <a:t>моль/(моль*атом)</a:t>
-            </a:r>
-          </a:p>
-        </p:txBody>
-      </p:sp>
-      <p:sp>
-        <p:nvSpPr>
-          <p:cNvPr id="26" name="TextBox 25">
-            <a:extLst>
-              <a:ext uri="{FF2B5EF4-FFF2-40B4-BE49-F238E27FC236}">
-                <a16:creationId xmlns:a16="http://schemas.microsoft.com/office/drawing/2014/main" id="{D9CA716E-BE85-4196-B1C2-8DEF76968B81}"/>
-              </a:ext>
-            </a:extLst>
-          </p:cNvPr>
-          <p:cNvSpPr txBox="1"/>
-          <p:nvPr/>
-        </p:nvSpPr>
-        <p:spPr>
-          <a:xfrm>
-            <a:off x="2371137" y="5234469"/>
-            <a:ext cx="1487700" cy="421334"/>
-          </a:xfrm>
-          <a:prstGeom prst="rect">
-            <a:avLst/>
-          </a:prstGeom>
-          <a:noFill/>
-        </p:spPr>
-        <p:txBody>
-          <a:bodyPr vert="horz" wrap="square" rtlCol="0">
-            <a:spAutoFit/>
-          </a:bodyPr>
-          <a:lstStyle/>
-          <a:p>
-            <a:r>
-              <a:rPr lang="el-GR" sz="1350" dirty="0"/>
-              <a:t>λ</a:t>
-            </a:r>
-            <a:r>
-              <a:rPr lang="ru-RU" sz="900" dirty="0"/>
-              <a:t> </a:t>
-            </a:r>
-            <a:br>
-              <a:rPr lang="ru-RU" sz="900" dirty="0"/>
-            </a:br>
-            <a:r>
-              <a:rPr lang="ru-RU" sz="788" dirty="0"/>
-              <a:t>моль/(моль*атом)</a:t>
-            </a:r>
-          </a:p>
-        </p:txBody>
-      </p:sp>
-      <p:sp>
-        <p:nvSpPr>
-          <p:cNvPr id="27" name="TextBox 26">
-            <a:extLst>
-              <a:ext uri="{FF2B5EF4-FFF2-40B4-BE49-F238E27FC236}">
-                <a16:creationId xmlns:a16="http://schemas.microsoft.com/office/drawing/2014/main" id="{1D83511C-B58B-43C7-B610-643A67BAE39A}"/>
-              </a:ext>
-            </a:extLst>
-          </p:cNvPr>
-          <p:cNvSpPr txBox="1"/>
-          <p:nvPr/>
-        </p:nvSpPr>
-        <p:spPr>
-          <a:xfrm>
-            <a:off x="4603274" y="5234469"/>
-            <a:ext cx="1487700" cy="421334"/>
-          </a:xfrm>
-          <a:prstGeom prst="rect">
-            <a:avLst/>
-          </a:prstGeom>
-          <a:noFill/>
-        </p:spPr>
-        <p:txBody>
-          <a:bodyPr vert="horz" wrap="square" rtlCol="0">
-            <a:spAutoFit/>
-          </a:bodyPr>
-          <a:lstStyle/>
-          <a:p>
-            <a:r>
-              <a:rPr lang="el-GR" sz="1350" dirty="0"/>
-              <a:t>λ</a:t>
-            </a:r>
-            <a:r>
-              <a:rPr lang="ru-RU" sz="900" dirty="0"/>
-              <a:t> </a:t>
-            </a:r>
-            <a:br>
-              <a:rPr lang="ru-RU" sz="900" dirty="0"/>
-            </a:br>
-            <a:r>
-              <a:rPr lang="ru-RU" sz="788" dirty="0"/>
-              <a:t>моль/(моль*атом)</a:t>
-            </a:r>
-          </a:p>
-        </p:txBody>
-      </p:sp>
-      <p:sp>
-        <p:nvSpPr>
-          <p:cNvPr id="28" name="TextBox 27">
-            <a:extLst>
-              <a:ext uri="{FF2B5EF4-FFF2-40B4-BE49-F238E27FC236}">
-                <a16:creationId xmlns:a16="http://schemas.microsoft.com/office/drawing/2014/main" id="{9B1F51C7-AC65-412F-9E0A-25C5947119D5}"/>
-              </a:ext>
-            </a:extLst>
-          </p:cNvPr>
-          <p:cNvSpPr txBox="1"/>
-          <p:nvPr/>
-        </p:nvSpPr>
-        <p:spPr>
-          <a:xfrm>
-            <a:off x="6835411" y="5234469"/>
-            <a:ext cx="1487700" cy="421334"/>
-          </a:xfrm>
-          <a:prstGeom prst="rect">
-            <a:avLst/>
-          </a:prstGeom>
-          <a:noFill/>
-        </p:spPr>
-        <p:txBody>
-          <a:bodyPr vert="horz" wrap="square" rtlCol="0">
-            <a:spAutoFit/>
-          </a:bodyPr>
-          <a:lstStyle/>
-          <a:p>
-            <a:r>
-              <a:rPr lang="el-GR" sz="1350" dirty="0"/>
-              <a:t>λ</a:t>
-            </a:r>
-            <a:r>
-              <a:rPr lang="ru-RU" sz="900" dirty="0"/>
-              <a:t> </a:t>
-            </a:r>
-            <a:br>
-              <a:rPr lang="ru-RU" sz="900" dirty="0"/>
-            </a:br>
-            <a:r>
-              <a:rPr lang="ru-RU" sz="788" dirty="0"/>
               <a:t>моль/(моль*атом)</a:t>
             </a:r>
           </a:p>
@@ -8326,7 +8612,7 @@
           <p:cNvPr id="29" name="Рисунок 28">
             <a:extLst>
               <a:ext uri="{FF2B5EF4-FFF2-40B4-BE49-F238E27FC236}">
-                <a16:creationId xmlns:a16="http://schemas.microsoft.com/office/drawing/2014/main" id="{C3485AFC-AB84-4628-8C0F-D324AE6CEE22}"/>
+                <a16:creationId xmlns:a16="http://schemas.microsoft.com/office/drawing/2014/main" xmlns="" id="{C3485AFC-AB84-4628-8C0F-D324AE6CEE22}"/>
               </a:ext>
             </a:extLst>
           </p:cNvPr>
@@ -8343,8 +8629,8 @@
         </p:blipFill>
         <p:spPr>
           <a:xfrm>
-            <a:off x="6817430" y="3027934"/>
-            <a:ext cx="2255514" cy="2278182"/>
+            <a:off x="6885957" y="3635171"/>
+            <a:ext cx="2329830" cy="2353245"/>
           </a:xfrm>
           <a:prstGeom prst="rect">
             <a:avLst/>
@@ -8356,7 +8642,7 @@
           <p:cNvPr id="30" name="TextBox 29">
             <a:extLst>
               <a:ext uri="{FF2B5EF4-FFF2-40B4-BE49-F238E27FC236}">
-                <a16:creationId xmlns:a16="http://schemas.microsoft.com/office/drawing/2014/main" id="{05618D3D-5E49-4C0A-8EA0-B5E6FCB5A374}"/>
+                <a16:creationId xmlns:a16="http://schemas.microsoft.com/office/drawing/2014/main" xmlns="" id="{05618D3D-5E49-4C0A-8EA0-B5E6FCB5A374}"/>
               </a:ext>
             </a:extLst>
           </p:cNvPr>
@@ -8365,7 +8651,7 @@
         </p:nvSpPr>
         <p:spPr>
           <a:xfrm>
-            <a:off x="2423510" y="1852217"/>
+            <a:off x="2545022" y="2470922"/>
             <a:ext cx="1720823" cy="300082"/>
           </a:xfrm>
           <a:prstGeom prst="rect">
@@ -8379,6 +8665,7 @@
           </a:bodyPr>
           <a:lstStyle/>
           <a:p>
+            <a:pPr algn="ctr"/>
             <a:r>
               <a:rPr lang="ru-RU" sz="1350" dirty="0"/>
               <a:t>Твердый раствор </a:t>
@@ -8396,7 +8683,7 @@
           <p:cNvPr id="31" name="TextBox 30">
             <a:extLst>
               <a:ext uri="{FF2B5EF4-FFF2-40B4-BE49-F238E27FC236}">
-                <a16:creationId xmlns:a16="http://schemas.microsoft.com/office/drawing/2014/main" id="{46EE54A3-F0F0-42B4-BBEA-66201E13580E}"/>
+                <a16:creationId xmlns:a16="http://schemas.microsoft.com/office/drawing/2014/main" xmlns="" id="{46EE54A3-F0F0-42B4-BBEA-66201E13580E}"/>
               </a:ext>
             </a:extLst>
           </p:cNvPr>
@@ -8405,8 +8692,8 @@
         </p:nvSpPr>
         <p:spPr>
           <a:xfrm>
-            <a:off x="3440590" y="416410"/>
-            <a:ext cx="1131410" cy="507831"/>
+            <a:off x="3405434" y="1011633"/>
+            <a:ext cx="1166566" cy="507831"/>
           </a:xfrm>
           <a:prstGeom prst="rect">
             <a:avLst/>
@@ -8419,6 +8706,7 @@
           </a:bodyPr>
           <a:lstStyle/>
           <a:p>
+            <a:pPr algn="ctr"/>
             <a:r>
               <a:rPr lang="ru-RU" sz="1350" dirty="0"/>
               <a:t>Отдельная фаза </a:t>
@@ -8436,7 +8724,7 @@
           <p:cNvPr id="32" name="Прямая со стрелкой 31">
             <a:extLst>
               <a:ext uri="{FF2B5EF4-FFF2-40B4-BE49-F238E27FC236}">
-                <a16:creationId xmlns:a16="http://schemas.microsoft.com/office/drawing/2014/main" id="{8E2AE812-4C2E-4285-8248-09E5E5E8A6C8}"/>
+                <a16:creationId xmlns:a16="http://schemas.microsoft.com/office/drawing/2014/main" xmlns="" id="{8E2AE812-4C2E-4285-8248-09E5E5E8A6C8}"/>
               </a:ext>
             </a:extLst>
           </p:cNvPr>
@@ -8448,8 +8736,8 @@
         </p:nvCxnSpPr>
         <p:spPr>
           <a:xfrm flipV="1">
-            <a:off x="3283922" y="1270832"/>
-            <a:ext cx="156668" cy="581385"/>
+            <a:off x="3405434" y="1926890"/>
+            <a:ext cx="145728" cy="544032"/>
           </a:xfrm>
           <a:prstGeom prst="straightConnector1">
             <a:avLst/>
@@ -8484,7 +8772,7 @@
           <p:cNvPr id="33" name="Прямая со стрелкой 32">
             <a:extLst>
               <a:ext uri="{FF2B5EF4-FFF2-40B4-BE49-F238E27FC236}">
-                <a16:creationId xmlns:a16="http://schemas.microsoft.com/office/drawing/2014/main" id="{85C2CA74-486F-4BBE-AEF3-9F54D1044FB1}"/>
+                <a16:creationId xmlns:a16="http://schemas.microsoft.com/office/drawing/2014/main" xmlns="" id="{85C2CA74-486F-4BBE-AEF3-9F54D1044FB1}"/>
               </a:ext>
             </a:extLst>
           </p:cNvPr>
@@ -8496,8 +8784,8 @@
         </p:nvCxnSpPr>
         <p:spPr>
           <a:xfrm flipH="1">
-            <a:off x="3818402" y="924241"/>
-            <a:ext cx="187893" cy="503446"/>
+            <a:off x="3905637" y="1519464"/>
+            <a:ext cx="83080" cy="501980"/>
           </a:xfrm>
           <a:prstGeom prst="straightConnector1">
             <a:avLst/>
@@ -8532,7 +8820,7 @@
           <p:cNvPr id="34" name="TextBox 33">
             <a:extLst>
               <a:ext uri="{FF2B5EF4-FFF2-40B4-BE49-F238E27FC236}">
-                <a16:creationId xmlns:a16="http://schemas.microsoft.com/office/drawing/2014/main" id="{D2836136-0FF9-4EEA-A8FE-C08A7F21F67D}"/>
+                <a16:creationId xmlns:a16="http://schemas.microsoft.com/office/drawing/2014/main" xmlns="" id="{D2836136-0FF9-4EEA-A8FE-C08A7F21F67D}"/>
               </a:ext>
             </a:extLst>
           </p:cNvPr>
@@ -8541,7 +8829,7 @@
         </p:nvSpPr>
         <p:spPr>
           <a:xfrm>
-            <a:off x="6815477" y="300393"/>
+            <a:off x="7123530" y="853633"/>
             <a:ext cx="1720823" cy="507831"/>
           </a:xfrm>
           <a:prstGeom prst="rect">
@@ -8555,6 +8843,7 @@
           </a:bodyPr>
           <a:lstStyle/>
           <a:p>
+            <a:pPr algn="ctr"/>
             <a:r>
               <a:rPr lang="ru-RU" sz="1350" dirty="0"/>
               <a:t>Границы областей превращения</a:t>
@@ -8567,7 +8856,7 @@
           <p:cNvPr id="35" name="Прямая со стрелкой 34">
             <a:extLst>
               <a:ext uri="{FF2B5EF4-FFF2-40B4-BE49-F238E27FC236}">
-                <a16:creationId xmlns:a16="http://schemas.microsoft.com/office/drawing/2014/main" id="{EC443A1C-9F12-4932-B315-B068F6803250}"/>
+                <a16:creationId xmlns:a16="http://schemas.microsoft.com/office/drawing/2014/main" xmlns="" id="{EC443A1C-9F12-4932-B315-B068F6803250}"/>
               </a:ext>
             </a:extLst>
           </p:cNvPr>
@@ -8579,8 +8868,8 @@
         </p:nvCxnSpPr>
         <p:spPr>
           <a:xfrm flipH="1">
-            <a:off x="6305550" y="808224"/>
-            <a:ext cx="1370339" cy="218825"/>
+            <a:off x="6590581" y="1361464"/>
+            <a:ext cx="1393361" cy="333646"/>
           </a:xfrm>
           <a:prstGeom prst="straightConnector1">
             <a:avLst/>
@@ -8615,7 +8904,7 @@
           <p:cNvPr id="3" name="Рисунок 2">
             <a:extLst>
               <a:ext uri="{FF2B5EF4-FFF2-40B4-BE49-F238E27FC236}">
-                <a16:creationId xmlns:a16="http://schemas.microsoft.com/office/drawing/2014/main" id="{CA2D1381-2702-479B-8926-343ECC8BCCA1}"/>
+                <a16:creationId xmlns:a16="http://schemas.microsoft.com/office/drawing/2014/main" xmlns="" id="{CA2D1381-2702-479B-8926-343ECC8BCCA1}"/>
               </a:ext>
             </a:extLst>
           </p:cNvPr>
@@ -8632,14 +8921,229 @@
         </p:blipFill>
         <p:spPr>
           <a:xfrm>
-            <a:off x="4554211" y="3027934"/>
-            <a:ext cx="2263219" cy="2278182"/>
+            <a:off x="4578098" y="3635171"/>
+            <a:ext cx="2337789" cy="2353245"/>
           </a:xfrm>
           <a:prstGeom prst="rect">
             <a:avLst/>
           </a:prstGeom>
         </p:spPr>
       </p:pic>
+      <p:sp>
+        <p:nvSpPr>
+          <p:cNvPr id="5" name="TextBox 4"/>
+          <p:cNvSpPr txBox="1"/>
+          <p:nvPr/>
+        </p:nvSpPr>
+        <p:spPr>
+          <a:xfrm>
+            <a:off x="10580" y="58322"/>
+            <a:ext cx="9133420" cy="461665"/>
+          </a:xfrm>
+          <a:prstGeom prst="rect">
+            <a:avLst/>
+          </a:prstGeom>
+          <a:noFill/>
+        </p:spPr>
+        <p:txBody>
+          <a:bodyPr wrap="square" rtlCol="0">
+            <a:spAutoFit/>
+          </a:bodyPr>
+          <a:lstStyle/>
+          <a:p>
+            <a:pPr algn="ctr"/>
+            <a:r>
+              <a:rPr lang="ru-RU" sz="2400" b="1" dirty="0" smtClean="0"/>
+              <a:t>Энергии Гиббса</a:t>
+            </a:r>
+            <a:endParaRPr lang="ru-RU" sz="2400" b="1" dirty="0"/>
+          </a:p>
+        </p:txBody>
+      </p:sp>
+      <p:sp>
+        <p:nvSpPr>
+          <p:cNvPr id="25" name="TextBox 24">
+            <a:extLst>
+              <a:ext uri="{FF2B5EF4-FFF2-40B4-BE49-F238E27FC236}">
+                <a16:creationId xmlns:a16="http://schemas.microsoft.com/office/drawing/2014/main" xmlns="" id="{09733A66-40A9-49CE-AE96-CFDA37C648D0}"/>
+              </a:ext>
+            </a:extLst>
+          </p:cNvPr>
+          <p:cNvSpPr txBox="1"/>
+          <p:nvPr/>
+        </p:nvSpPr>
+        <p:spPr>
+          <a:xfrm>
+            <a:off x="-49802" y="5944679"/>
+            <a:ext cx="1487700" cy="477054"/>
+          </a:xfrm>
+          <a:prstGeom prst="rect">
+            <a:avLst/>
+          </a:prstGeom>
+          <a:noFill/>
+        </p:spPr>
+        <p:txBody>
+          <a:bodyPr vert="horz" wrap="square" rtlCol="0">
+            <a:spAutoFit/>
+          </a:bodyPr>
+          <a:lstStyle/>
+          <a:p>
+            <a:r>
+              <a:rPr lang="el-GR" sz="1600" dirty="0"/>
+              <a:t>λ</a:t>
+            </a:r>
+            <a:r>
+              <a:rPr lang="ru-RU" sz="1050" dirty="0"/>
+              <a:t> </a:t>
+            </a:r>
+            <a:br>
+              <a:rPr lang="ru-RU" sz="1050" dirty="0"/>
+            </a:br>
+            <a:r>
+              <a:rPr lang="ru-RU" sz="900" dirty="0"/>
+              <a:t>моль/(моль*атом)</a:t>
+            </a:r>
+          </a:p>
+        </p:txBody>
+      </p:sp>
+      <p:sp>
+        <p:nvSpPr>
+          <p:cNvPr id="26" name="TextBox 25">
+            <a:extLst>
+              <a:ext uri="{FF2B5EF4-FFF2-40B4-BE49-F238E27FC236}">
+                <a16:creationId xmlns:a16="http://schemas.microsoft.com/office/drawing/2014/main" xmlns="" id="{D9CA716E-BE85-4196-B1C2-8DEF76968B81}"/>
+              </a:ext>
+            </a:extLst>
+          </p:cNvPr>
+          <p:cNvSpPr txBox="1"/>
+          <p:nvPr/>
+        </p:nvSpPr>
+        <p:spPr>
+          <a:xfrm>
+            <a:off x="2295715" y="5942131"/>
+            <a:ext cx="1487700" cy="477054"/>
+          </a:xfrm>
+          <a:prstGeom prst="rect">
+            <a:avLst/>
+          </a:prstGeom>
+          <a:noFill/>
+        </p:spPr>
+        <p:txBody>
+          <a:bodyPr vert="horz" wrap="square" rtlCol="0">
+            <a:spAutoFit/>
+          </a:bodyPr>
+          <a:lstStyle/>
+          <a:p>
+            <a:r>
+              <a:rPr lang="el-GR" sz="1600" dirty="0"/>
+              <a:t>λ</a:t>
+            </a:r>
+            <a:r>
+              <a:rPr lang="ru-RU" sz="1050" dirty="0"/>
+              <a:t> </a:t>
+            </a:r>
+            <a:br>
+              <a:rPr lang="ru-RU" sz="1050" dirty="0"/>
+            </a:br>
+            <a:r>
+              <a:rPr lang="ru-RU" sz="900" dirty="0"/>
+              <a:t>моль/(моль*атом)</a:t>
+            </a:r>
+          </a:p>
+        </p:txBody>
+      </p:sp>
+      <p:sp>
+        <p:nvSpPr>
+          <p:cNvPr id="27" name="TextBox 26">
+            <a:extLst>
+              <a:ext uri="{FF2B5EF4-FFF2-40B4-BE49-F238E27FC236}">
+                <a16:creationId xmlns:a16="http://schemas.microsoft.com/office/drawing/2014/main" xmlns="" id="{1D83511C-B58B-43C7-B610-643A67BAE39A}"/>
+              </a:ext>
+            </a:extLst>
+          </p:cNvPr>
+          <p:cNvSpPr txBox="1"/>
+          <p:nvPr/>
+        </p:nvSpPr>
+        <p:spPr>
+          <a:xfrm>
+            <a:off x="4641232" y="5942131"/>
+            <a:ext cx="1487700" cy="477054"/>
+          </a:xfrm>
+          <a:prstGeom prst="rect">
+            <a:avLst/>
+          </a:prstGeom>
+          <a:noFill/>
+        </p:spPr>
+        <p:txBody>
+          <a:bodyPr vert="horz" wrap="square" rtlCol="0">
+            <a:spAutoFit/>
+          </a:bodyPr>
+          <a:lstStyle/>
+          <a:p>
+            <a:r>
+              <a:rPr lang="el-GR" sz="1600" dirty="0"/>
+              <a:t>λ</a:t>
+            </a:r>
+            <a:r>
+              <a:rPr lang="ru-RU" sz="1050" dirty="0"/>
+              <a:t> </a:t>
+            </a:r>
+            <a:br>
+              <a:rPr lang="ru-RU" sz="1050" dirty="0"/>
+            </a:br>
+            <a:r>
+              <a:rPr lang="ru-RU" sz="900" dirty="0"/>
+              <a:t>моль/(моль*атом)</a:t>
+            </a:r>
+          </a:p>
+        </p:txBody>
+      </p:sp>
+      <p:sp>
+        <p:nvSpPr>
+          <p:cNvPr id="28" name="TextBox 27">
+            <a:extLst>
+              <a:ext uri="{FF2B5EF4-FFF2-40B4-BE49-F238E27FC236}">
+                <a16:creationId xmlns:a16="http://schemas.microsoft.com/office/drawing/2014/main" xmlns="" id="{9B1F51C7-AC65-412F-9E0A-25C5947119D5}"/>
+              </a:ext>
+            </a:extLst>
+          </p:cNvPr>
+          <p:cNvSpPr txBox="1"/>
+          <p:nvPr/>
+        </p:nvSpPr>
+        <p:spPr>
+          <a:xfrm>
+            <a:off x="6949091" y="5942131"/>
+            <a:ext cx="1487700" cy="477054"/>
+          </a:xfrm>
+          <a:prstGeom prst="rect">
+            <a:avLst/>
+          </a:prstGeom>
+          <a:noFill/>
+        </p:spPr>
+        <p:txBody>
+          <a:bodyPr vert="horz" wrap="square" rtlCol="0">
+            <a:spAutoFit/>
+          </a:bodyPr>
+          <a:lstStyle/>
+          <a:p>
+            <a:r>
+              <a:rPr lang="el-GR" sz="1600" dirty="0"/>
+              <a:t>λ</a:t>
+            </a:r>
+            <a:r>
+              <a:rPr lang="ru-RU" sz="1050" dirty="0"/>
+              <a:t> </a:t>
+            </a:r>
+            <a:br>
+              <a:rPr lang="ru-RU" sz="1050" dirty="0"/>
+            </a:br>
+            <a:r>
+              <a:rPr lang="ru-RU" sz="900" dirty="0"/>
+              <a:t>моль/(моль*атом)</a:t>
+            </a:r>
+          </a:p>
+        </p:txBody>
+      </p:sp>
     </p:spTree>
     <p:extLst>
       <p:ext uri="{BB962C8B-B14F-4D97-AF65-F5344CB8AC3E}">
@@ -8650,6 +9154,13 @@
   <p:clrMapOvr>
     <a:masterClrMapping/>
   </p:clrMapOvr>
+  <p:timing>
+    <p:tnLst>
+      <p:par>
+        <p:cTn id="1" dur="indefinite" restart="never" nodeType="tmRoot"/>
+      </p:par>
+    </p:tnLst>
+  </p:timing>
 </p:sld>
 </file>
 
@@ -8675,7 +9186,7 @@
           <p:cNvPr id="23" name="Рисунок 22">
             <a:extLst>
               <a:ext uri="{FF2B5EF4-FFF2-40B4-BE49-F238E27FC236}">
-                <a16:creationId xmlns:a16="http://schemas.microsoft.com/office/drawing/2014/main" id="{AE9BAFFA-3B81-4647-BA40-44CDFF43B7F5}"/>
+                <a16:creationId xmlns:a16="http://schemas.microsoft.com/office/drawing/2014/main" xmlns="" id="{AE9BAFFA-3B81-4647-BA40-44CDFF43B7F5}"/>
               </a:ext>
             </a:extLst>
           </p:cNvPr>
@@ -8698,7 +9209,7 @@
         </p:blipFill>
         <p:spPr>
           <a:xfrm>
-            <a:off x="0" y="0"/>
+            <a:off x="0" y="612476"/>
             <a:ext cx="9144000" cy="4737697"/>
           </a:xfrm>
           <a:prstGeom prst="rect">
@@ -8711,7 +9222,7 @@
           <p:cNvPr id="3" name="TextBox 2">
             <a:extLst>
               <a:ext uri="{FF2B5EF4-FFF2-40B4-BE49-F238E27FC236}">
-                <a16:creationId xmlns:a16="http://schemas.microsoft.com/office/drawing/2014/main" id="{5ECB4992-7CF4-4634-AA15-CAB91BA1E807}"/>
+                <a16:creationId xmlns:a16="http://schemas.microsoft.com/office/drawing/2014/main" xmlns="" id="{5ECB4992-7CF4-4634-AA15-CAB91BA1E807}"/>
               </a:ext>
             </a:extLst>
           </p:cNvPr>
@@ -8720,7 +9231,7 @@
         </p:nvSpPr>
         <p:spPr>
           <a:xfrm>
-            <a:off x="2230451" y="4927450"/>
+            <a:off x="2230451" y="5539926"/>
             <a:ext cx="1131410" cy="507831"/>
           </a:xfrm>
           <a:prstGeom prst="rect">
@@ -8751,7 +9262,7 @@
           <p:cNvPr id="4" name="Прямая со стрелкой 3">
             <a:extLst>
               <a:ext uri="{FF2B5EF4-FFF2-40B4-BE49-F238E27FC236}">
-                <a16:creationId xmlns:a16="http://schemas.microsoft.com/office/drawing/2014/main" id="{054A4A3E-603F-495E-8775-A953AAAB4511}"/>
+                <a16:creationId xmlns:a16="http://schemas.microsoft.com/office/drawing/2014/main" xmlns="" id="{054A4A3E-603F-495E-8775-A953AAAB4511}"/>
               </a:ext>
             </a:extLst>
           </p:cNvPr>
@@ -8763,7 +9274,7 @@
         </p:nvCxnSpPr>
         <p:spPr>
           <a:xfrm flipV="1">
-            <a:off x="2796156" y="4206240"/>
+            <a:off x="2796156" y="4818716"/>
             <a:ext cx="0" cy="721210"/>
           </a:xfrm>
           <a:prstGeom prst="straightConnector1">
@@ -8799,7 +9310,7 @@
           <p:cNvPr id="7" name="TextBox 6">
             <a:extLst>
               <a:ext uri="{FF2B5EF4-FFF2-40B4-BE49-F238E27FC236}">
-                <a16:creationId xmlns:a16="http://schemas.microsoft.com/office/drawing/2014/main" id="{9434DCFB-3272-4181-A822-C6FEECFD6ED3}"/>
+                <a16:creationId xmlns:a16="http://schemas.microsoft.com/office/drawing/2014/main" xmlns="" id="{9434DCFB-3272-4181-A822-C6FEECFD6ED3}"/>
               </a:ext>
             </a:extLst>
           </p:cNvPr>
@@ -8808,7 +9319,7 @@
         </p:nvSpPr>
         <p:spPr>
           <a:xfrm>
-            <a:off x="5038966" y="4950735"/>
+            <a:off x="5038966" y="5563211"/>
             <a:ext cx="1131410" cy="507831"/>
           </a:xfrm>
           <a:prstGeom prst="rect">
@@ -8839,7 +9350,7 @@
           <p:cNvPr id="8" name="Прямая со стрелкой 7">
             <a:extLst>
               <a:ext uri="{FF2B5EF4-FFF2-40B4-BE49-F238E27FC236}">
-                <a16:creationId xmlns:a16="http://schemas.microsoft.com/office/drawing/2014/main" id="{ABF87CEC-4300-4FF4-AB20-A7E634D8FF2D}"/>
+                <a16:creationId xmlns:a16="http://schemas.microsoft.com/office/drawing/2014/main" xmlns="" id="{ABF87CEC-4300-4FF4-AB20-A7E634D8FF2D}"/>
               </a:ext>
             </a:extLst>
           </p:cNvPr>
@@ -8851,7 +9362,7 @@
         </p:nvCxnSpPr>
         <p:spPr>
           <a:xfrm flipV="1">
-            <a:off x="5604671" y="4229525"/>
+            <a:off x="5604671" y="4842001"/>
             <a:ext cx="0" cy="721210"/>
           </a:xfrm>
           <a:prstGeom prst="straightConnector1">
@@ -8887,7 +9398,7 @@
           <p:cNvPr id="9" name="TextBox 8">
             <a:extLst>
               <a:ext uri="{FF2B5EF4-FFF2-40B4-BE49-F238E27FC236}">
-                <a16:creationId xmlns:a16="http://schemas.microsoft.com/office/drawing/2014/main" id="{92355F28-2BBE-42BA-9AE9-8E5A7A01D09E}"/>
+                <a16:creationId xmlns:a16="http://schemas.microsoft.com/office/drawing/2014/main" xmlns="" id="{92355F28-2BBE-42BA-9AE9-8E5A7A01D09E}"/>
               </a:ext>
             </a:extLst>
           </p:cNvPr>
@@ -8896,7 +9407,7 @@
         </p:nvSpPr>
         <p:spPr>
           <a:xfrm>
-            <a:off x="5425440" y="5672200"/>
+            <a:off x="5425440" y="6284676"/>
             <a:ext cx="1532709" cy="507831"/>
           </a:xfrm>
           <a:prstGeom prst="rect">
@@ -8934,7 +9445,7 @@
           <p:cNvPr id="10" name="Прямая со стрелкой 9">
             <a:extLst>
               <a:ext uri="{FF2B5EF4-FFF2-40B4-BE49-F238E27FC236}">
-                <a16:creationId xmlns:a16="http://schemas.microsoft.com/office/drawing/2014/main" id="{8EE37365-C581-457B-8A1C-B161B17B118F}"/>
+                <a16:creationId xmlns:a16="http://schemas.microsoft.com/office/drawing/2014/main" xmlns="" id="{8EE37365-C581-457B-8A1C-B161B17B118F}"/>
               </a:ext>
             </a:extLst>
           </p:cNvPr>
@@ -8946,7 +9457,7 @@
         </p:nvCxnSpPr>
         <p:spPr>
           <a:xfrm flipH="1" flipV="1">
-            <a:off x="6170377" y="4229526"/>
+            <a:off x="6170377" y="4842002"/>
             <a:ext cx="21418" cy="1442674"/>
           </a:xfrm>
           <a:prstGeom prst="straightConnector1">
@@ -8982,7 +9493,7 @@
           <p:cNvPr id="12" name="TextBox 11">
             <a:extLst>
               <a:ext uri="{FF2B5EF4-FFF2-40B4-BE49-F238E27FC236}">
-                <a16:creationId xmlns:a16="http://schemas.microsoft.com/office/drawing/2014/main" id="{D0B53E69-4DF2-4C39-B67D-2B242CCC35B8}"/>
+                <a16:creationId xmlns:a16="http://schemas.microsoft.com/office/drawing/2014/main" xmlns="" id="{D0B53E69-4DF2-4C39-B67D-2B242CCC35B8}"/>
               </a:ext>
             </a:extLst>
           </p:cNvPr>
@@ -8991,7 +9502,7 @@
         </p:nvSpPr>
         <p:spPr>
           <a:xfrm>
-            <a:off x="6275582" y="5000145"/>
+            <a:off x="6275582" y="5612621"/>
             <a:ext cx="1131410" cy="507831"/>
           </a:xfrm>
           <a:prstGeom prst="rect">
@@ -9025,7 +9536,7 @@
           <p:cNvPr id="13" name="Прямая со стрелкой 12">
             <a:extLst>
               <a:ext uri="{FF2B5EF4-FFF2-40B4-BE49-F238E27FC236}">
-                <a16:creationId xmlns:a16="http://schemas.microsoft.com/office/drawing/2014/main" id="{727EAC52-7BB3-40F2-AD70-230D3EA2DA0D}"/>
+                <a16:creationId xmlns:a16="http://schemas.microsoft.com/office/drawing/2014/main" xmlns="" id="{727EAC52-7BB3-40F2-AD70-230D3EA2DA0D}"/>
               </a:ext>
             </a:extLst>
           </p:cNvPr>
@@ -9037,7 +9548,7 @@
         </p:nvCxnSpPr>
         <p:spPr>
           <a:xfrm flipH="1" flipV="1">
-            <a:off x="6635931" y="4229525"/>
+            <a:off x="6635931" y="4842001"/>
             <a:ext cx="205356" cy="770620"/>
           </a:xfrm>
           <a:prstGeom prst="straightConnector1">
@@ -9073,7 +9584,7 @@
           <p:cNvPr id="15" name="TextBox 14">
             <a:extLst>
               <a:ext uri="{FF2B5EF4-FFF2-40B4-BE49-F238E27FC236}">
-                <a16:creationId xmlns:a16="http://schemas.microsoft.com/office/drawing/2014/main" id="{28C4D205-DCAF-437F-B326-E6F2B1C1B8FD}"/>
+                <a16:creationId xmlns:a16="http://schemas.microsoft.com/office/drawing/2014/main" xmlns="" id="{28C4D205-DCAF-437F-B326-E6F2B1C1B8FD}"/>
               </a:ext>
             </a:extLst>
           </p:cNvPr>
@@ -9082,7 +9593,7 @@
         </p:nvSpPr>
         <p:spPr>
           <a:xfrm>
-            <a:off x="7216108" y="5672200"/>
+            <a:off x="7216108" y="6284676"/>
             <a:ext cx="1131410" cy="507831"/>
           </a:xfrm>
           <a:prstGeom prst="rect">
@@ -9113,7 +9624,7 @@
           <p:cNvPr id="16" name="Прямая со стрелкой 15">
             <a:extLst>
               <a:ext uri="{FF2B5EF4-FFF2-40B4-BE49-F238E27FC236}">
-                <a16:creationId xmlns:a16="http://schemas.microsoft.com/office/drawing/2014/main" id="{168F4091-78BB-4649-B88D-EF4D3D67C4D0}"/>
+                <a16:creationId xmlns:a16="http://schemas.microsoft.com/office/drawing/2014/main" xmlns="" id="{168F4091-78BB-4649-B88D-EF4D3D67C4D0}"/>
               </a:ext>
             </a:extLst>
           </p:cNvPr>
@@ -9125,7 +9636,7 @@
         </p:nvCxnSpPr>
         <p:spPr>
           <a:xfrm flipH="1" flipV="1">
-            <a:off x="7301785" y="4229526"/>
+            <a:off x="7301785" y="4842002"/>
             <a:ext cx="480028" cy="1442674"/>
           </a:xfrm>
           <a:prstGeom prst="straightConnector1">
@@ -9161,7 +9672,7 @@
           <p:cNvPr id="24" name="Стрелка: вверх 23">
             <a:extLst>
               <a:ext uri="{FF2B5EF4-FFF2-40B4-BE49-F238E27FC236}">
-                <a16:creationId xmlns:a16="http://schemas.microsoft.com/office/drawing/2014/main" id="{B2F642AD-63D4-4376-AF71-8522C9ADC90D}"/>
+                <a16:creationId xmlns:a16="http://schemas.microsoft.com/office/drawing/2014/main" xmlns="" id="{B2F642AD-63D4-4376-AF71-8522C9ADC90D}"/>
               </a:ext>
             </a:extLst>
           </p:cNvPr>
@@ -9170,7 +9681,7 @@
         </p:nvSpPr>
         <p:spPr>
           <a:xfrm>
-            <a:off x="8670624" y="0"/>
+            <a:off x="8670624" y="612476"/>
             <a:ext cx="442297" cy="1883260"/>
           </a:xfrm>
           <a:prstGeom prst="upArrow">
@@ -9311,7 +9822,7 @@
           <p:cNvPr id="25" name="TextBox 24">
             <a:extLst>
               <a:ext uri="{FF2B5EF4-FFF2-40B4-BE49-F238E27FC236}">
-                <a16:creationId xmlns:a16="http://schemas.microsoft.com/office/drawing/2014/main" id="{7D9CC2DA-8575-41E6-AB2E-1CF0FAEC85E7}"/>
+                <a16:creationId xmlns:a16="http://schemas.microsoft.com/office/drawing/2014/main" xmlns="" id="{7D9CC2DA-8575-41E6-AB2E-1CF0FAEC85E7}"/>
               </a:ext>
             </a:extLst>
           </p:cNvPr>
@@ -9320,7 +9831,7 @@
         </p:nvSpPr>
         <p:spPr>
           <a:xfrm>
-            <a:off x="7354833" y="2576575"/>
+            <a:off x="7354833" y="3189051"/>
             <a:ext cx="390149" cy="300082"/>
           </a:xfrm>
           <a:prstGeom prst="rect">
@@ -9347,6 +9858,37 @@
                 <a:srgbClr val="92D050"/>
               </a:solidFill>
             </a:endParaRPr>
+          </a:p>
+        </p:txBody>
+      </p:sp>
+      <p:sp>
+        <p:nvSpPr>
+          <p:cNvPr id="17" name="TextBox 16"/>
+          <p:cNvSpPr txBox="1"/>
+          <p:nvPr/>
+        </p:nvSpPr>
+        <p:spPr>
+          <a:xfrm>
+            <a:off x="10580" y="58322"/>
+            <a:ext cx="9133420" cy="461665"/>
+          </a:xfrm>
+          <a:prstGeom prst="rect">
+            <a:avLst/>
+          </a:prstGeom>
+          <a:noFill/>
+        </p:spPr>
+        <p:txBody>
+          <a:bodyPr wrap="square" rtlCol="0">
+            <a:spAutoFit/>
+          </a:bodyPr>
+          <a:lstStyle/>
+          <a:p>
+            <a:pPr algn="ctr"/>
+            <a:r>
+              <a:rPr lang="ru-RU" sz="2400" b="1" dirty="0" smtClean="0"/>
+              <a:t>График концентраций и сигнала ДСК</a:t>
+            </a:r>
+            <a:endParaRPr lang="ru-RU" sz="2400" b="1" dirty="0"/>
           </a:p>
         </p:txBody>
       </p:sp>
@@ -9360,6 +9902,13 @@
   <p:clrMapOvr>
     <a:masterClrMapping/>
   </p:clrMapOvr>
+  <p:timing>
+    <p:tnLst>
+      <p:par>
+        <p:cTn id="1" dur="indefinite" restart="never" nodeType="tmRoot"/>
+      </p:par>
+    </p:tnLst>
+  </p:timing>
 </p:sld>
 </file>
 
@@ -9382,10 +9931,10 @@
       </p:grpSpPr>
       <p:pic>
         <p:nvPicPr>
-          <p:cNvPr id="4" name="Рисунок 3">
+          <p:cNvPr id="22" name="Рисунок 21">
             <a:extLst>
               <a:ext uri="{FF2B5EF4-FFF2-40B4-BE49-F238E27FC236}">
-                <a16:creationId xmlns:a16="http://schemas.microsoft.com/office/drawing/2014/main" id="{AA218643-78D8-42EC-80C8-C39B89EE2B7C}"/>
+                <a16:creationId xmlns:a16="http://schemas.microsoft.com/office/drawing/2014/main" xmlns="" id="{FCAA7B5D-6B29-4996-A807-08FC6014C0DE}"/>
               </a:ext>
             </a:extLst>
           </p:cNvPr>
@@ -9395,15 +9944,21 @@
           <p:nvPr/>
         </p:nvPicPr>
         <p:blipFill>
-          <a:blip r:embed="rId3"/>
+          <a:blip r:embed="rId3">
+            <a:extLst>
+              <a:ext uri="{28A0092B-C50C-407E-A947-70E740481C1C}">
+                <a14:useLocalDpi xmlns:a14="http://schemas.microsoft.com/office/drawing/2010/main" val="0"/>
+              </a:ext>
+            </a:extLst>
+          </a:blip>
           <a:stretch>
             <a:fillRect/>
           </a:stretch>
         </p:blipFill>
         <p:spPr>
           <a:xfrm>
-            <a:off x="6829329" y="2303705"/>
-            <a:ext cx="2311854" cy="2296594"/>
+            <a:off x="2817" y="0"/>
+            <a:ext cx="6856266" cy="6586190"/>
           </a:xfrm>
           <a:prstGeom prst="rect">
             <a:avLst/>
@@ -9412,10 +9967,10 @@
       </p:pic>
       <p:pic>
         <p:nvPicPr>
-          <p:cNvPr id="3" name="Рисунок 2">
+          <p:cNvPr id="4" name="Рисунок 3">
             <a:extLst>
               <a:ext uri="{FF2B5EF4-FFF2-40B4-BE49-F238E27FC236}">
-                <a16:creationId xmlns:a16="http://schemas.microsoft.com/office/drawing/2014/main" id="{A52F9B4A-5CDE-4EE5-9973-119424ABF192}"/>
+                <a16:creationId xmlns:a16="http://schemas.microsoft.com/office/drawing/2014/main" xmlns="" id="{AA218643-78D8-42EC-80C8-C39B89EE2B7C}"/>
               </a:ext>
             </a:extLst>
           </p:cNvPr>
@@ -9432,8 +9987,8 @@
         </p:blipFill>
         <p:spPr>
           <a:xfrm>
-            <a:off x="6812784" y="4600299"/>
-            <a:ext cx="2331216" cy="2296594"/>
+            <a:off x="6812784" y="2295079"/>
+            <a:ext cx="2320789" cy="2305470"/>
           </a:xfrm>
           <a:prstGeom prst="rect">
             <a:avLst/>
@@ -9442,10 +9997,10 @@
       </p:pic>
       <p:pic>
         <p:nvPicPr>
-          <p:cNvPr id="2" name="Рисунок 1">
+          <p:cNvPr id="3" name="Рисунок 2">
             <a:extLst>
               <a:ext uri="{FF2B5EF4-FFF2-40B4-BE49-F238E27FC236}">
-                <a16:creationId xmlns:a16="http://schemas.microsoft.com/office/drawing/2014/main" id="{C24A7336-922F-488B-9D86-670F05C76F01}"/>
+                <a16:creationId xmlns:a16="http://schemas.microsoft.com/office/drawing/2014/main" xmlns="" id="{A52F9B4A-5CDE-4EE5-9973-119424ABF192}"/>
               </a:ext>
             </a:extLst>
           </p:cNvPr>
@@ -9462,8 +10017,8 @@
         </p:blipFill>
         <p:spPr>
           <a:xfrm>
-            <a:off x="6814109" y="0"/>
-            <a:ext cx="2327074" cy="2300149"/>
+            <a:off x="6812784" y="4591673"/>
+            <a:ext cx="2331216" cy="2296594"/>
           </a:xfrm>
           <a:prstGeom prst="rect">
             <a:avLst/>
@@ -9472,10 +10027,10 @@
       </p:pic>
       <p:pic>
         <p:nvPicPr>
-          <p:cNvPr id="22" name="Рисунок 21">
+          <p:cNvPr id="2" name="Рисунок 1">
             <a:extLst>
               <a:ext uri="{FF2B5EF4-FFF2-40B4-BE49-F238E27FC236}">
-                <a16:creationId xmlns:a16="http://schemas.microsoft.com/office/drawing/2014/main" id="{FCAA7B5D-6B29-4996-A807-08FC6014C0DE}"/>
+                <a16:creationId xmlns:a16="http://schemas.microsoft.com/office/drawing/2014/main" xmlns="" id="{C24A7336-922F-488B-9D86-670F05C76F01}"/>
               </a:ext>
             </a:extLst>
           </p:cNvPr>
@@ -9485,21 +10040,15 @@
           <p:nvPr/>
         </p:nvPicPr>
         <p:blipFill>
-          <a:blip r:embed="rId6">
-            <a:extLst>
-              <a:ext uri="{28A0092B-C50C-407E-A947-70E740481C1C}">
-                <a14:useLocalDpi xmlns:a14="http://schemas.microsoft.com/office/drawing/2010/main" val="0"/>
-              </a:ext>
-            </a:extLst>
-          </a:blip>
+          <a:blip r:embed="rId6"/>
           <a:stretch>
             <a:fillRect/>
           </a:stretch>
         </p:blipFill>
         <p:spPr>
           <a:xfrm>
-            <a:off x="2817" y="0"/>
-            <a:ext cx="6856266" cy="6586190"/>
+            <a:off x="6814109" y="0"/>
+            <a:ext cx="2327074" cy="2300149"/>
           </a:xfrm>
           <a:prstGeom prst="rect">
             <a:avLst/>
@@ -9511,7 +10060,7 @@
           <p:cNvPr id="23" name="Стрелка: вверх 22">
             <a:extLst>
               <a:ext uri="{FF2B5EF4-FFF2-40B4-BE49-F238E27FC236}">
-                <a16:creationId xmlns:a16="http://schemas.microsoft.com/office/drawing/2014/main" id="{A1D3A70A-6CF7-4FD2-9AD4-10E2080F4B8D}"/>
+                <a16:creationId xmlns:a16="http://schemas.microsoft.com/office/drawing/2014/main" xmlns="" id="{A1D3A70A-6CF7-4FD2-9AD4-10E2080F4B8D}"/>
               </a:ext>
             </a:extLst>
           </p:cNvPr>
@@ -9661,7 +10210,7 @@
           <p:cNvPr id="24" name="TextBox 23">
             <a:extLst>
               <a:ext uri="{FF2B5EF4-FFF2-40B4-BE49-F238E27FC236}">
-                <a16:creationId xmlns:a16="http://schemas.microsoft.com/office/drawing/2014/main" id="{62B06D4B-41CE-4056-B6C3-AD1BA945BCA2}"/>
+                <a16:creationId xmlns:a16="http://schemas.microsoft.com/office/drawing/2014/main" xmlns="" id="{62B06D4B-41CE-4056-B6C3-AD1BA945BCA2}"/>
               </a:ext>
             </a:extLst>
           </p:cNvPr>
@@ -9697,6 +10246,66 @@
                 <a:srgbClr val="92D050"/>
               </a:solidFill>
             </a:endParaRPr>
+          </a:p>
+        </p:txBody>
+      </p:sp>
+      <p:sp>
+        <p:nvSpPr>
+          <p:cNvPr id="5" name="TextBox 4"/>
+          <p:cNvSpPr txBox="1"/>
+          <p:nvPr/>
+        </p:nvSpPr>
+        <p:spPr>
+          <a:xfrm>
+            <a:off x="2829463" y="1930817"/>
+            <a:ext cx="1345721" cy="369332"/>
+          </a:xfrm>
+          <a:prstGeom prst="rect">
+            <a:avLst/>
+          </a:prstGeom>
+          <a:noFill/>
+        </p:spPr>
+        <p:txBody>
+          <a:bodyPr wrap="square" rtlCol="0">
+            <a:spAutoFit/>
+          </a:bodyPr>
+          <a:lstStyle/>
+          <a:p>
+            <a:r>
+              <a:rPr lang="ru-RU" b="1" dirty="0" smtClean="0"/>
+              <a:t>плавление</a:t>
+            </a:r>
+            <a:endParaRPr lang="ru-RU" b="1" dirty="0"/>
+          </a:p>
+        </p:txBody>
+      </p:sp>
+      <p:sp>
+        <p:nvSpPr>
+          <p:cNvPr id="10" name="TextBox 9"/>
+          <p:cNvSpPr txBox="1"/>
+          <p:nvPr/>
+        </p:nvSpPr>
+        <p:spPr>
+          <a:xfrm>
+            <a:off x="2139827" y="471045"/>
+            <a:ext cx="746205" cy="369332"/>
+          </a:xfrm>
+          <a:prstGeom prst="rect">
+            <a:avLst/>
+          </a:prstGeom>
+          <a:noFill/>
+        </p:spPr>
+        <p:txBody>
+          <a:bodyPr wrap="square" rtlCol="0">
+            <a:spAutoFit/>
+          </a:bodyPr>
+          <a:lstStyle/>
+          <a:p>
+            <a:r>
+              <a:rPr lang="ru-RU" b="1" dirty="0" smtClean="0"/>
+              <a:t>пауза</a:t>
+            </a:r>
+            <a:endParaRPr lang="ru-RU" b="1" dirty="0"/>
           </a:p>
         </p:txBody>
       </p:sp>
@@ -9710,6 +10319,13 @@
   <p:clrMapOvr>
     <a:masterClrMapping/>
   </p:clrMapOvr>
+  <p:timing>
+    <p:tnLst>
+      <p:par>
+        <p:cTn id="1" dur="indefinite" restart="never" nodeType="tmRoot"/>
+      </p:par>
+    </p:tnLst>
+  </p:timing>
 </p:sld>
 </file>
 
@@ -9732,10 +10348,10 @@
       </p:grpSpPr>
       <p:pic>
         <p:nvPicPr>
-          <p:cNvPr id="10" name="Рисунок 9">
+          <p:cNvPr id="6" name="Рисунок 5">
             <a:extLst>
               <a:ext uri="{FF2B5EF4-FFF2-40B4-BE49-F238E27FC236}">
-                <a16:creationId xmlns:a16="http://schemas.microsoft.com/office/drawing/2014/main" id="{9A9271DE-1940-49FD-9A22-EF7BF37462D2}"/>
+                <a16:creationId xmlns:a16="http://schemas.microsoft.com/office/drawing/2014/main" xmlns="" id="{725F647D-35E8-480B-8386-FCA17E34538B}"/>
               </a:ext>
             </a:extLst>
           </p:cNvPr>
@@ -9745,15 +10361,21 @@
           <p:nvPr/>
         </p:nvPicPr>
         <p:blipFill>
-          <a:blip r:embed="rId3"/>
+          <a:blip r:embed="rId3">
+            <a:extLst>
+              <a:ext uri="{28A0092B-C50C-407E-A947-70E740481C1C}">
+                <a14:useLocalDpi xmlns:a14="http://schemas.microsoft.com/office/drawing/2010/main" val="0"/>
+              </a:ext>
+            </a:extLst>
+          </a:blip>
           <a:stretch>
             <a:fillRect/>
           </a:stretch>
         </p:blipFill>
         <p:spPr>
           <a:xfrm>
-            <a:off x="6829329" y="2303705"/>
-            <a:ext cx="2311854" cy="2296594"/>
+            <a:off x="-1" y="0"/>
+            <a:ext cx="6859083" cy="6739958"/>
           </a:xfrm>
           <a:prstGeom prst="rect">
             <a:avLst/>
@@ -9762,10 +10384,10 @@
       </p:pic>
       <p:pic>
         <p:nvPicPr>
-          <p:cNvPr id="12" name="Рисунок 11">
+          <p:cNvPr id="10" name="Рисунок 9">
             <a:extLst>
               <a:ext uri="{FF2B5EF4-FFF2-40B4-BE49-F238E27FC236}">
-                <a16:creationId xmlns:a16="http://schemas.microsoft.com/office/drawing/2014/main" id="{DE226419-0EC8-405E-B72C-18788728A1F0}"/>
+                <a16:creationId xmlns:a16="http://schemas.microsoft.com/office/drawing/2014/main" xmlns="" id="{9A9271DE-1940-49FD-9A22-EF7BF37462D2}"/>
               </a:ext>
             </a:extLst>
           </p:cNvPr>
@@ -9782,8 +10404,8 @@
         </p:blipFill>
         <p:spPr>
           <a:xfrm>
-            <a:off x="6812784" y="4600299"/>
-            <a:ext cx="2331216" cy="2296594"/>
+            <a:off x="6812784" y="2295079"/>
+            <a:ext cx="2331216" cy="2315828"/>
           </a:xfrm>
           <a:prstGeom prst="rect">
             <a:avLst/>
@@ -9792,10 +10414,10 @@
       </p:pic>
       <p:pic>
         <p:nvPicPr>
-          <p:cNvPr id="14" name="Рисунок 13">
+          <p:cNvPr id="12" name="Рисунок 11">
             <a:extLst>
               <a:ext uri="{FF2B5EF4-FFF2-40B4-BE49-F238E27FC236}">
-                <a16:creationId xmlns:a16="http://schemas.microsoft.com/office/drawing/2014/main" id="{5F5C74ED-60CE-4D9A-8CCD-224D4E6738E6}"/>
+                <a16:creationId xmlns:a16="http://schemas.microsoft.com/office/drawing/2014/main" xmlns="" id="{DE226419-0EC8-405E-B72C-18788728A1F0}"/>
               </a:ext>
             </a:extLst>
           </p:cNvPr>
@@ -9812,8 +10434,8 @@
         </p:blipFill>
         <p:spPr>
           <a:xfrm>
-            <a:off x="6814109" y="0"/>
-            <a:ext cx="2327074" cy="2300149"/>
+            <a:off x="6812784" y="4600299"/>
+            <a:ext cx="2331216" cy="2296594"/>
           </a:xfrm>
           <a:prstGeom prst="rect">
             <a:avLst/>
@@ -9822,10 +10444,10 @@
       </p:pic>
       <p:pic>
         <p:nvPicPr>
-          <p:cNvPr id="6" name="Рисунок 5">
+          <p:cNvPr id="14" name="Рисунок 13">
             <a:extLst>
               <a:ext uri="{FF2B5EF4-FFF2-40B4-BE49-F238E27FC236}">
-                <a16:creationId xmlns:a16="http://schemas.microsoft.com/office/drawing/2014/main" id="{725F647D-35E8-480B-8386-FCA17E34538B}"/>
+                <a16:creationId xmlns:a16="http://schemas.microsoft.com/office/drawing/2014/main" xmlns="" id="{5F5C74ED-60CE-4D9A-8CCD-224D4E6738E6}"/>
               </a:ext>
             </a:extLst>
           </p:cNvPr>
@@ -9835,21 +10457,15 @@
           <p:nvPr/>
         </p:nvPicPr>
         <p:blipFill>
-          <a:blip r:embed="rId6">
-            <a:extLst>
-              <a:ext uri="{28A0092B-C50C-407E-A947-70E740481C1C}">
-                <a14:useLocalDpi xmlns:a14="http://schemas.microsoft.com/office/drawing/2010/main" val="0"/>
-              </a:ext>
-            </a:extLst>
-          </a:blip>
+          <a:blip r:embed="rId6"/>
           <a:stretch>
             <a:fillRect/>
           </a:stretch>
         </p:blipFill>
         <p:spPr>
           <a:xfrm>
-            <a:off x="-1" y="0"/>
-            <a:ext cx="6859083" cy="6739958"/>
+            <a:off x="6814109" y="0"/>
+            <a:ext cx="2327074" cy="2300149"/>
           </a:xfrm>
           <a:prstGeom prst="rect">
             <a:avLst/>
@@ -9861,7 +10477,7 @@
           <p:cNvPr id="11" name="Стрелка: вверх 10">
             <a:extLst>
               <a:ext uri="{FF2B5EF4-FFF2-40B4-BE49-F238E27FC236}">
-                <a16:creationId xmlns:a16="http://schemas.microsoft.com/office/drawing/2014/main" id="{AA284F94-2E16-4048-864F-62B5A0B843F8}"/>
+                <a16:creationId xmlns:a16="http://schemas.microsoft.com/office/drawing/2014/main" xmlns="" id="{AA284F94-2E16-4048-864F-62B5A0B843F8}"/>
               </a:ext>
             </a:extLst>
           </p:cNvPr>
@@ -10011,7 +10627,7 @@
           <p:cNvPr id="13" name="TextBox 12">
             <a:extLst>
               <a:ext uri="{FF2B5EF4-FFF2-40B4-BE49-F238E27FC236}">
-                <a16:creationId xmlns:a16="http://schemas.microsoft.com/office/drawing/2014/main" id="{50E10851-CA78-4BE6-A2F6-092E00A88ED4}"/>
+                <a16:creationId xmlns:a16="http://schemas.microsoft.com/office/drawing/2014/main" xmlns="" id="{50E10851-CA78-4BE6-A2F6-092E00A88ED4}"/>
               </a:ext>
             </a:extLst>
           </p:cNvPr>
@@ -10047,6 +10663,66 @@
                 <a:srgbClr val="92D050"/>
               </a:solidFill>
             </a:endParaRPr>
+          </a:p>
+        </p:txBody>
+      </p:sp>
+      <p:sp>
+        <p:nvSpPr>
+          <p:cNvPr id="8" name="TextBox 7"/>
+          <p:cNvSpPr txBox="1"/>
+          <p:nvPr/>
+        </p:nvSpPr>
+        <p:spPr>
+          <a:xfrm>
+            <a:off x="2859383" y="4230967"/>
+            <a:ext cx="1759790" cy="369332"/>
+          </a:xfrm>
+          <a:prstGeom prst="rect">
+            <a:avLst/>
+          </a:prstGeom>
+          <a:noFill/>
+        </p:spPr>
+        <p:txBody>
+          <a:bodyPr wrap="square" rtlCol="0">
+            <a:spAutoFit/>
+          </a:bodyPr>
+          <a:lstStyle/>
+          <a:p>
+            <a:r>
+              <a:rPr lang="ru-RU" b="1" dirty="0" smtClean="0"/>
+              <a:t>основой пик</a:t>
+            </a:r>
+            <a:endParaRPr lang="ru-RU" b="1" dirty="0"/>
+          </a:p>
+        </p:txBody>
+      </p:sp>
+      <p:sp>
+        <p:nvSpPr>
+          <p:cNvPr id="9" name="TextBox 8"/>
+          <p:cNvSpPr txBox="1"/>
+          <p:nvPr/>
+        </p:nvSpPr>
+        <p:spPr>
+          <a:xfrm>
+            <a:off x="1480866" y="1680754"/>
+            <a:ext cx="1345721" cy="369332"/>
+          </a:xfrm>
+          <a:prstGeom prst="rect">
+            <a:avLst/>
+          </a:prstGeom>
+          <a:noFill/>
+        </p:spPr>
+        <p:txBody>
+          <a:bodyPr wrap="square" rtlCol="0">
+            <a:spAutoFit/>
+          </a:bodyPr>
+          <a:lstStyle/>
+          <a:p>
+            <a:r>
+              <a:rPr lang="ru-RU" b="1" dirty="0" smtClean="0"/>
+              <a:t>малый пик</a:t>
+            </a:r>
+            <a:endParaRPr lang="ru-RU" b="1" dirty="0"/>
           </a:p>
         </p:txBody>
       </p:sp>
@@ -10060,6 +10736,13 @@
   <p:clrMapOvr>
     <a:masterClrMapping/>
   </p:clrMapOvr>
+  <p:timing>
+    <p:tnLst>
+      <p:par>
+        <p:cTn id="1" dur="indefinite" restart="never" nodeType="tmRoot"/>
+      </p:par>
+    </p:tnLst>
+  </p:timing>
 </p:sld>
 </file>
 
@@ -10085,7 +10768,7 @@
           <p:cNvPr id="7" name="Рисунок 6">
             <a:extLst>
               <a:ext uri="{FF2B5EF4-FFF2-40B4-BE49-F238E27FC236}">
-                <a16:creationId xmlns:a16="http://schemas.microsoft.com/office/drawing/2014/main" id="{3A2A519D-F0AF-4C8A-B4A9-91B32DAA7085}"/>
+                <a16:creationId xmlns:a16="http://schemas.microsoft.com/office/drawing/2014/main" xmlns="" id="{3A2A519D-F0AF-4C8A-B4A9-91B32DAA7085}"/>
               </a:ext>
             </a:extLst>
           </p:cNvPr>
@@ -10118,10 +10801,10 @@
       </p:pic>
       <p:pic>
         <p:nvPicPr>
-          <p:cNvPr id="14" name="Рисунок 13">
+          <p:cNvPr id="12" name="Рисунок 11">
             <a:extLst>
               <a:ext uri="{FF2B5EF4-FFF2-40B4-BE49-F238E27FC236}">
-                <a16:creationId xmlns:a16="http://schemas.microsoft.com/office/drawing/2014/main" id="{F0E0BF0A-089A-4C04-A43C-B0FA8F0553A2}"/>
+                <a16:creationId xmlns:a16="http://schemas.microsoft.com/office/drawing/2014/main" xmlns="" id="{C10D44ED-E10F-4F8B-9318-2CAE3606333A}"/>
               </a:ext>
             </a:extLst>
           </p:cNvPr>
@@ -10138,8 +10821,8 @@
         </p:blipFill>
         <p:spPr>
           <a:xfrm>
-            <a:off x="6874468" y="4527822"/>
-            <a:ext cx="2269531" cy="2330178"/>
+            <a:off x="6843577" y="2321550"/>
+            <a:ext cx="2300421" cy="2362594"/>
           </a:xfrm>
           <a:prstGeom prst="rect">
             <a:avLst/>
@@ -10148,10 +10831,10 @@
       </p:pic>
       <p:pic>
         <p:nvPicPr>
-          <p:cNvPr id="12" name="Рисунок 11">
+          <p:cNvPr id="17" name="Рисунок 16">
             <a:extLst>
               <a:ext uri="{FF2B5EF4-FFF2-40B4-BE49-F238E27FC236}">
-                <a16:creationId xmlns:a16="http://schemas.microsoft.com/office/drawing/2014/main" id="{C10D44ED-E10F-4F8B-9318-2CAE3606333A}"/>
+                <a16:creationId xmlns:a16="http://schemas.microsoft.com/office/drawing/2014/main" xmlns="" id="{00E9BA5B-1745-4EFE-A3C1-97C49E7D1077}"/>
               </a:ext>
             </a:extLst>
           </p:cNvPr>
@@ -10168,36 +10851,6 @@
         </p:blipFill>
         <p:spPr>
           <a:xfrm>
-            <a:off x="6874469" y="2263565"/>
-            <a:ext cx="2269531" cy="2330869"/>
-          </a:xfrm>
-          <a:prstGeom prst="rect">
-            <a:avLst/>
-          </a:prstGeom>
-        </p:spPr>
-      </p:pic>
-      <p:pic>
-        <p:nvPicPr>
-          <p:cNvPr id="17" name="Рисунок 16">
-            <a:extLst>
-              <a:ext uri="{FF2B5EF4-FFF2-40B4-BE49-F238E27FC236}">
-                <a16:creationId xmlns:a16="http://schemas.microsoft.com/office/drawing/2014/main" id="{00E9BA5B-1745-4EFE-A3C1-97C49E7D1077}"/>
-              </a:ext>
-            </a:extLst>
-          </p:cNvPr>
-          <p:cNvPicPr>
-            <a:picLocks noChangeAspect="1"/>
-          </p:cNvPicPr>
-          <p:nvPr/>
-        </p:nvPicPr>
-        <p:blipFill>
-          <a:blip r:embed="rId6"/>
-          <a:stretch>
-            <a:fillRect/>
-          </a:stretch>
-        </p:blipFill>
-        <p:spPr>
-          <a:xfrm>
             <a:off x="6844839" y="-2"/>
             <a:ext cx="2299160" cy="2330178"/>
           </a:xfrm>
@@ -10211,7 +10864,7 @@
           <p:cNvPr id="15" name="Стрелка: вверх 14">
             <a:extLst>
               <a:ext uri="{FF2B5EF4-FFF2-40B4-BE49-F238E27FC236}">
-                <a16:creationId xmlns:a16="http://schemas.microsoft.com/office/drawing/2014/main" id="{D8CE218C-C797-41D4-8FE8-A98456D9FABA}"/>
+                <a16:creationId xmlns:a16="http://schemas.microsoft.com/office/drawing/2014/main" xmlns="" id="{D8CE218C-C797-41D4-8FE8-A98456D9FABA}"/>
               </a:ext>
             </a:extLst>
           </p:cNvPr>
@@ -10356,6 +11009,108 @@
           </a:p>
         </p:txBody>
       </p:sp>
+      <p:sp>
+        <p:nvSpPr>
+          <p:cNvPr id="8" name="TextBox 7"/>
+          <p:cNvSpPr txBox="1"/>
+          <p:nvPr/>
+        </p:nvSpPr>
+        <p:spPr>
+          <a:xfrm>
+            <a:off x="2024939" y="1311422"/>
+            <a:ext cx="1598155" cy="369332"/>
+          </a:xfrm>
+          <a:prstGeom prst="rect">
+            <a:avLst/>
+          </a:prstGeom>
+          <a:noFill/>
+        </p:spPr>
+        <p:txBody>
+          <a:bodyPr wrap="square" rtlCol="0">
+            <a:spAutoFit/>
+          </a:bodyPr>
+          <a:lstStyle/>
+          <a:p>
+            <a:r>
+              <a:rPr lang="ru-RU" b="1" dirty="0" smtClean="0"/>
+              <a:t>стеклование</a:t>
+            </a:r>
+            <a:endParaRPr lang="ru-RU" b="1" dirty="0"/>
+          </a:p>
+        </p:txBody>
+      </p:sp>
+      <p:pic>
+        <p:nvPicPr>
+          <p:cNvPr id="14" name="Рисунок 13">
+            <a:extLst>
+              <a:ext uri="{FF2B5EF4-FFF2-40B4-BE49-F238E27FC236}">
+                <a16:creationId xmlns:a16="http://schemas.microsoft.com/office/drawing/2014/main" xmlns="" id="{F0E0BF0A-089A-4C04-A43C-B0FA8F0553A2}"/>
+              </a:ext>
+            </a:extLst>
+          </p:cNvPr>
+          <p:cNvPicPr>
+            <a:picLocks noChangeAspect="1"/>
+          </p:cNvPicPr>
+          <p:nvPr/>
+        </p:nvPicPr>
+        <p:blipFill>
+          <a:blip r:embed="rId6"/>
+          <a:stretch>
+            <a:fillRect/>
+          </a:stretch>
+        </p:blipFill>
+        <p:spPr>
+          <a:xfrm>
+            <a:off x="6843576" y="4527822"/>
+            <a:ext cx="2300423" cy="2361896"/>
+          </a:xfrm>
+          <a:prstGeom prst="rect">
+            <a:avLst/>
+          </a:prstGeom>
+        </p:spPr>
+      </p:pic>
+      <p:sp>
+        <p:nvSpPr>
+          <p:cNvPr id="9" name="TextBox 8"/>
+          <p:cNvSpPr txBox="1"/>
+          <p:nvPr/>
+        </p:nvSpPr>
+        <p:spPr>
+          <a:xfrm>
+            <a:off x="327802" y="112144"/>
+            <a:ext cx="2544793" cy="369332"/>
+          </a:xfrm>
+          <a:prstGeom prst="rect">
+            <a:avLst/>
+          </a:prstGeom>
+          <a:noFill/>
+        </p:spPr>
+        <p:txBody>
+          <a:bodyPr wrap="square" rtlCol="0">
+            <a:spAutoFit/>
+          </a:bodyPr>
+          <a:lstStyle/>
+          <a:p>
+            <a:r>
+              <a:rPr lang="ru-RU" dirty="0" smtClean="0">
+                <a:solidFill>
+                  <a:schemeClr val="bg2">
+                    <a:lumMod val="50000"/>
+                  </a:schemeClr>
+                </a:solidFill>
+              </a:rPr>
+              <a:t>Стеклование</a:t>
+            </a:r>
+            <a:endParaRPr lang="ru-RU" dirty="0">
+              <a:solidFill>
+                <a:schemeClr val="bg2">
+                  <a:lumMod val="50000"/>
+                </a:schemeClr>
+              </a:solidFill>
+            </a:endParaRPr>
+          </a:p>
+        </p:txBody>
+      </p:sp>
     </p:spTree>
     <p:extLst>
       <p:ext uri="{BB962C8B-B14F-4D97-AF65-F5344CB8AC3E}">
@@ -10366,11 +11121,18 @@
   <p:clrMapOvr>
     <a:masterClrMapping/>
   </p:clrMapOvr>
+  <p:timing>
+    <p:tnLst>
+      <p:par>
+        <p:cTn id="1" dur="indefinite" restart="never" nodeType="tmRoot"/>
+      </p:par>
+    </p:tnLst>
+  </p:timing>
 </p:sld>
 </file>
 
 <file path=ppt/theme/theme1.xml><?xml version="1.0" encoding="utf-8"?>
-<a:theme xmlns:a="http://schemas.openxmlformats.org/drawingml/2006/main" name="Тема Office">
+<a:theme xmlns:a="http://schemas.openxmlformats.org/drawingml/2006/main" name="Office Theme">
   <a:themeElements>
     <a:clrScheme name="Тема Office">
       <a:dk1>

--- a/Презентация.pptx
+++ b/Презентация.pptx
@@ -1,11 +1,11 @@
 
 <file path=ppt/presentation.xml><?xml version="1.0" encoding="utf-8"?>
-<p:presentation xmlns:a="http://schemas.openxmlformats.org/drawingml/2006/main" xmlns:r="http://schemas.openxmlformats.org/officeDocument/2006/relationships" xmlns:p="http://schemas.openxmlformats.org/presentationml/2006/main" saveSubsetFonts="1">
+<p:presentation xmlns:a="http://schemas.openxmlformats.org/drawingml/2006/main" xmlns:r="http://schemas.openxmlformats.org/officeDocument/2006/relationships" xmlns:p="http://schemas.openxmlformats.org/presentationml/2006/main" showSpecialPlsOnTitleSld="0" saveSubsetFonts="1">
   <p:sldMasterIdLst>
     <p:sldMasterId id="2147483876" r:id="rId1"/>
   </p:sldMasterIdLst>
   <p:notesMasterIdLst>
-    <p:notesMasterId r:id="rId15"/>
+    <p:notesMasterId r:id="rId14"/>
   </p:notesMasterIdLst>
   <p:sldIdLst>
     <p:sldId id="262" r:id="rId2"/>
@@ -13,14 +13,13 @@
     <p:sldId id="267" r:id="rId4"/>
     <p:sldId id="256" r:id="rId5"/>
     <p:sldId id="259" r:id="rId6"/>
-    <p:sldId id="269" r:id="rId7"/>
-    <p:sldId id="268" r:id="rId8"/>
-    <p:sldId id="270" r:id="rId9"/>
-    <p:sldId id="271" r:id="rId10"/>
-    <p:sldId id="260" r:id="rId11"/>
-    <p:sldId id="272" r:id="rId12"/>
-    <p:sldId id="273" r:id="rId13"/>
-    <p:sldId id="274" r:id="rId14"/>
+    <p:sldId id="268" r:id="rId7"/>
+    <p:sldId id="270" r:id="rId8"/>
+    <p:sldId id="271" r:id="rId9"/>
+    <p:sldId id="260" r:id="rId10"/>
+    <p:sldId id="272" r:id="rId11"/>
+    <p:sldId id="273" r:id="rId12"/>
+    <p:sldId id="274" r:id="rId13"/>
   </p:sldIdLst>
   <p:sldSz cx="9144000" cy="6858000" type="screen4x3"/>
   <p:notesSz cx="6858000" cy="9144000"/>
@@ -121,7 +120,7 @@
   </p:defaultTextStyle>
   <p:extLst>
     <p:ext uri="{EFAFB233-063F-42B5-8137-9DF3F51BA10A}">
-      <p15:sldGuideLst xmlns:p15="http://schemas.microsoft.com/office/powerpoint/2012/main"/>
+      <p15:sldGuideLst xmlns:p15="http://schemas.microsoft.com/office/powerpoint/2012/main" xmlns=""/>
     </p:ext>
   </p:extLst>
 </p:presentation>
@@ -209,7 +208,8 @@
           <a:p>
             <a:fld id="{6B82548C-EAA0-4F98-90B8-F588E14A775F}" type="datetimeFigureOut">
               <a:rPr lang="ru-RU" smtClean="0"/>
-              <a:t>06.04.2021</a:t>
+              <a:pPr/>
+              <a:t>07.04.2021</a:t>
             </a:fld>
             <a:endParaRPr lang="ru-RU" dirty="0"/>
           </a:p>
@@ -367,6 +367,7 @@
           <a:p>
             <a:fld id="{40EE32AA-D285-4475-A712-967CA9C5AE24}" type="slidenum">
               <a:rPr lang="ru-RU" smtClean="0"/>
+              <a:pPr/>
               <a:t>‹#›</a:t>
             </a:fld>
             <a:endParaRPr lang="ru-RU" dirty="0"/>
@@ -376,7 +377,7 @@
     </p:spTree>
     <p:extLst>
       <p:ext uri="{BB962C8B-B14F-4D97-AF65-F5344CB8AC3E}">
-        <p14:creationId xmlns:p14="http://schemas.microsoft.com/office/powerpoint/2010/main" val="437426441"/>
+        <p14:creationId xmlns:p14="http://schemas.microsoft.com/office/powerpoint/2010/main" xmlns="" val="437426441"/>
       </p:ext>
     </p:extLst>
   </p:cSld>
@@ -572,6 +573,7 @@
           <a:p>
             <a:fld id="{40EE32AA-D285-4475-A712-967CA9C5AE24}" type="slidenum">
               <a:rPr lang="ru-RU" smtClean="0"/>
+              <a:pPr/>
               <a:t>2</a:t>
             </a:fld>
             <a:endParaRPr lang="ru-RU" dirty="0"/>
@@ -581,7 +583,7 @@
     </p:spTree>
     <p:extLst>
       <p:ext uri="{BB962C8B-B14F-4D97-AF65-F5344CB8AC3E}">
-        <p14:creationId xmlns:p14="http://schemas.microsoft.com/office/powerpoint/2010/main" val="1006374730"/>
+        <p14:creationId xmlns:p14="http://schemas.microsoft.com/office/powerpoint/2010/main" xmlns="" val="1006374730"/>
       </p:ext>
     </p:extLst>
   </p:cSld>
@@ -635,58 +637,10 @@
           <a:bodyPr/>
           <a:lstStyle/>
           <a:p>
-            <a:pPr marL="0" marR="0" lvl="0" indent="0" algn="l" defTabSz="914400" rtl="0" eaLnBrk="1" fontAlgn="auto" latinLnBrk="0" hangingPunct="1">
-              <a:lnSpc>
-                <a:spcPct val="100000"/>
-              </a:lnSpc>
-              <a:spcBef>
-                <a:spcPts val="0"/>
-              </a:spcBef>
-              <a:spcAft>
-                <a:spcPts val="0"/>
-              </a:spcAft>
-              <a:buClrTx/>
-              <a:buSzTx/>
-              <a:buFontTx/>
-              <a:buNone/>
-              <a:tabLst/>
-              <a:defRPr/>
-            </a:pPr>
-            <a:r>
-              <a:rPr lang="ru-RU" sz="1800" b="1" i="1" dirty="0" smtClean="0">
-                <a:solidFill>
-                  <a:srgbClr val="000000"/>
-                </a:solidFill>
-                <a:effectLst/>
-                <a:latin typeface="Calibri" panose="020F0502020204030204" pitchFamily="34" charset="0"/>
-                <a:ea typeface="Times New Roman" panose="02020603050405020304" pitchFamily="18" charset="0"/>
-                <a:cs typeface="Calibri" panose="020F0502020204030204" pitchFamily="34" charset="0"/>
-              </a:rPr>
-              <a:t>35-5-60 </a:t>
-            </a:r>
-            <a:r>
-              <a:rPr lang="ru-RU" sz="1800" b="1" i="1" dirty="0">
-                <a:solidFill>
-                  <a:srgbClr val="000000"/>
-                </a:solidFill>
-                <a:effectLst/>
-                <a:latin typeface="Calibri" panose="020F0502020204030204" pitchFamily="34" charset="0"/>
-                <a:ea typeface="Times New Roman" panose="02020603050405020304" pitchFamily="18" charset="0"/>
-                <a:cs typeface="Calibri" panose="020F0502020204030204" pitchFamily="34" charset="0"/>
-              </a:rPr>
-              <a:t>ДСК</a:t>
-            </a:r>
-            <a:endParaRPr lang="ru-RU" sz="1800" b="1" dirty="0">
-              <a:solidFill>
-                <a:srgbClr val="000000"/>
-              </a:solidFill>
-              <a:effectLst/>
-              <a:latin typeface="Calibri" panose="020F0502020204030204" pitchFamily="34" charset="0"/>
-              <a:ea typeface="Times New Roman" panose="02020603050405020304" pitchFamily="18" charset="0"/>
-              <a:cs typeface="Calibri" panose="020F0502020204030204" pitchFamily="34" charset="0"/>
-            </a:endParaRPr>
-          </a:p>
-          <a:p>
+            <a:r>
+              <a:rPr lang="ru-RU" dirty="0" smtClean="0"/>
+              <a:t>Заключение</a:t>
+            </a:r>
             <a:endParaRPr lang="ru-RU" dirty="0"/>
           </a:p>
         </p:txBody>
@@ -698,7 +652,7 @@
             <a:spLocks noGrp="1"/>
           </p:cNvSpPr>
           <p:nvPr>
-            <p:ph type="sldNum" sz="quarter" idx="5"/>
+            <p:ph type="sldNum" sz="quarter" idx="10"/>
           </p:nvPr>
         </p:nvSpPr>
         <p:spPr/>
@@ -708,6 +662,7 @@
           <a:p>
             <a:fld id="{40EE32AA-D285-4475-A712-967CA9C5AE24}" type="slidenum">
               <a:rPr lang="ru-RU" smtClean="0"/>
+              <a:pPr/>
               <a:t>11</a:t>
             </a:fld>
             <a:endParaRPr lang="ru-RU" dirty="0"/>
@@ -717,7 +672,7 @@
     </p:spTree>
     <p:extLst>
       <p:ext uri="{BB962C8B-B14F-4D97-AF65-F5344CB8AC3E}">
-        <p14:creationId xmlns:p14="http://schemas.microsoft.com/office/powerpoint/2010/main" val="1335941834"/>
+        <p14:creationId xmlns:p14="http://schemas.microsoft.com/office/powerpoint/2010/main" xmlns="" val="4203310378"/>
       </p:ext>
     </p:extLst>
   </p:cSld>
@@ -773,7 +728,11 @@
           <a:p>
             <a:r>
               <a:rPr lang="ru-RU" dirty="0" smtClean="0"/>
-              <a:t>Заключение</a:t>
+              <a:t>Спасибо</a:t>
+            </a:r>
+            <a:r>
+              <a:rPr lang="ru-RU" baseline="0" dirty="0" smtClean="0"/>
+              <a:t> за внимание</a:t>
             </a:r>
             <a:endParaRPr lang="ru-RU" dirty="0"/>
           </a:p>
@@ -796,6 +755,7 @@
           <a:p>
             <a:fld id="{40EE32AA-D285-4475-A712-967CA9C5AE24}" type="slidenum">
               <a:rPr lang="ru-RU" smtClean="0"/>
+              <a:pPr/>
               <a:t>12</a:t>
             </a:fld>
             <a:endParaRPr lang="ru-RU" dirty="0"/>
@@ -805,99 +765,7 @@
     </p:spTree>
     <p:extLst>
       <p:ext uri="{BB962C8B-B14F-4D97-AF65-F5344CB8AC3E}">
-        <p14:creationId xmlns:p14="http://schemas.microsoft.com/office/powerpoint/2010/main" val="4203310378"/>
-      </p:ext>
-    </p:extLst>
-  </p:cSld>
-  <p:clrMapOvr>
-    <a:masterClrMapping/>
-  </p:clrMapOvr>
-</p:notes>
-</file>
-
-<file path=ppt/notesSlides/notesSlide12.xml><?xml version="1.0" encoding="utf-8"?>
-<p:notes xmlns:a="http://schemas.openxmlformats.org/drawingml/2006/main" xmlns:r="http://schemas.openxmlformats.org/officeDocument/2006/relationships" xmlns:p="http://schemas.openxmlformats.org/presentationml/2006/main">
-  <p:cSld>
-    <p:spTree>
-      <p:nvGrpSpPr>
-        <p:cNvPr id="1" name=""/>
-        <p:cNvGrpSpPr/>
-        <p:nvPr/>
-      </p:nvGrpSpPr>
-      <p:grpSpPr>
-        <a:xfrm>
-          <a:off x="0" y="0"/>
-          <a:ext cx="0" cy="0"/>
-          <a:chOff x="0" y="0"/>
-          <a:chExt cx="0" cy="0"/>
-        </a:xfrm>
-      </p:grpSpPr>
-      <p:sp>
-        <p:nvSpPr>
-          <p:cNvPr id="2" name="Образ слайда 1"/>
-          <p:cNvSpPr>
-            <a:spLocks noGrp="1" noRot="1" noChangeAspect="1"/>
-          </p:cNvSpPr>
-          <p:nvPr>
-            <p:ph type="sldImg"/>
-          </p:nvPr>
-        </p:nvSpPr>
-        <p:spPr/>
-      </p:sp>
-      <p:sp>
-        <p:nvSpPr>
-          <p:cNvPr id="3" name="Заметки 2"/>
-          <p:cNvSpPr>
-            <a:spLocks noGrp="1"/>
-          </p:cNvSpPr>
-          <p:nvPr>
-            <p:ph type="body" idx="1"/>
-          </p:nvPr>
-        </p:nvSpPr>
-        <p:spPr/>
-        <p:txBody>
-          <a:bodyPr/>
-          <a:lstStyle/>
-          <a:p>
-            <a:r>
-              <a:rPr lang="ru-RU" dirty="0" smtClean="0"/>
-              <a:t>Спасибо</a:t>
-            </a:r>
-            <a:r>
-              <a:rPr lang="ru-RU" baseline="0" dirty="0" smtClean="0"/>
-              <a:t> за внимание</a:t>
-            </a:r>
-            <a:endParaRPr lang="ru-RU" dirty="0"/>
-          </a:p>
-        </p:txBody>
-      </p:sp>
-      <p:sp>
-        <p:nvSpPr>
-          <p:cNvPr id="4" name="Номер слайда 3"/>
-          <p:cNvSpPr>
-            <a:spLocks noGrp="1"/>
-          </p:cNvSpPr>
-          <p:nvPr>
-            <p:ph type="sldNum" sz="quarter" idx="10"/>
-          </p:nvPr>
-        </p:nvSpPr>
-        <p:spPr/>
-        <p:txBody>
-          <a:bodyPr/>
-          <a:lstStyle/>
-          <a:p>
-            <a:fld id="{40EE32AA-D285-4475-A712-967CA9C5AE24}" type="slidenum">
-              <a:rPr lang="ru-RU" smtClean="0"/>
-              <a:t>13</a:t>
-            </a:fld>
-            <a:endParaRPr lang="ru-RU" dirty="0"/>
-          </a:p>
-        </p:txBody>
-      </p:sp>
-    </p:spTree>
-    <p:extLst>
-      <p:ext uri="{BB962C8B-B14F-4D97-AF65-F5344CB8AC3E}">
-        <p14:creationId xmlns:p14="http://schemas.microsoft.com/office/powerpoint/2010/main" val="2405680100"/>
+        <p14:creationId xmlns:p14="http://schemas.microsoft.com/office/powerpoint/2010/main" xmlns="" val="2405680100"/>
       </p:ext>
     </p:extLst>
   </p:cSld>
@@ -994,6 +862,7 @@
           <a:p>
             <a:fld id="{40EE32AA-D285-4475-A712-967CA9C5AE24}" type="slidenum">
               <a:rPr lang="ru-RU" smtClean="0"/>
+              <a:pPr/>
               <a:t>3</a:t>
             </a:fld>
             <a:endParaRPr lang="ru-RU"/>
@@ -1003,7 +872,7 @@
     </p:spTree>
     <p:extLst>
       <p:ext uri="{BB962C8B-B14F-4D97-AF65-F5344CB8AC3E}">
-        <p14:creationId xmlns:p14="http://schemas.microsoft.com/office/powerpoint/2010/main" val="32094456"/>
+        <p14:creationId xmlns:p14="http://schemas.microsoft.com/office/powerpoint/2010/main" xmlns="" val="32094456"/>
       </p:ext>
     </p:extLst>
   </p:cSld>
@@ -1115,6 +984,7 @@
           <a:p>
             <a:fld id="{40EE32AA-D285-4475-A712-967CA9C5AE24}" type="slidenum">
               <a:rPr lang="ru-RU" smtClean="0"/>
+              <a:pPr/>
               <a:t>4</a:t>
             </a:fld>
             <a:endParaRPr lang="ru-RU"/>
@@ -1124,7 +994,7 @@
     </p:spTree>
     <p:extLst>
       <p:ext uri="{BB962C8B-B14F-4D97-AF65-F5344CB8AC3E}">
-        <p14:creationId xmlns:p14="http://schemas.microsoft.com/office/powerpoint/2010/main" val="696308190"/>
+        <p14:creationId xmlns:p14="http://schemas.microsoft.com/office/powerpoint/2010/main" xmlns="" val="696308190"/>
       </p:ext>
     </p:extLst>
   </p:cSld>
@@ -1258,6 +1128,7 @@
           <a:p>
             <a:fld id="{40EE32AA-D285-4475-A712-967CA9C5AE24}" type="slidenum">
               <a:rPr lang="ru-RU" smtClean="0"/>
+              <a:pPr/>
               <a:t>5</a:t>
             </a:fld>
             <a:endParaRPr lang="ru-RU" dirty="0"/>
@@ -1267,7 +1138,7 @@
     </p:spTree>
     <p:extLst>
       <p:ext uri="{BB962C8B-B14F-4D97-AF65-F5344CB8AC3E}">
-        <p14:creationId xmlns:p14="http://schemas.microsoft.com/office/powerpoint/2010/main" val="3795254152"/>
+        <p14:creationId xmlns:p14="http://schemas.microsoft.com/office/powerpoint/2010/main" xmlns="" val="3795254152"/>
       </p:ext>
     </p:extLst>
   </p:cSld>
@@ -1348,7 +1219,7 @@
                 <a:ea typeface="Times New Roman" panose="02020603050405020304" pitchFamily="18" charset="0"/>
                 <a:cs typeface="Times New Roman" panose="02020603050405020304" pitchFamily="18" charset="0"/>
               </a:rPr>
-              <a:t>Промежуточный</a:t>
+              <a:t>ДСК для плавления и паузы</a:t>
             </a:r>
             <a:endParaRPr lang="ru-RU" sz="1800" b="1" dirty="0">
               <a:effectLst/>
@@ -1379,6 +1250,7 @@
           <a:p>
             <a:fld id="{40EE32AA-D285-4475-A712-967CA9C5AE24}" type="slidenum">
               <a:rPr lang="ru-RU" smtClean="0"/>
+              <a:pPr/>
               <a:t>6</a:t>
             </a:fld>
             <a:endParaRPr lang="ru-RU" dirty="0"/>
@@ -1388,7 +1260,7 @@
     </p:spTree>
     <p:extLst>
       <p:ext uri="{BB962C8B-B14F-4D97-AF65-F5344CB8AC3E}">
-        <p14:creationId xmlns:p14="http://schemas.microsoft.com/office/powerpoint/2010/main" val="3313108799"/>
+        <p14:creationId xmlns:p14="http://schemas.microsoft.com/office/powerpoint/2010/main" xmlns="" val="982730238"/>
       </p:ext>
     </p:extLst>
   </p:cSld>
@@ -1460,22 +1332,25 @@
               <a:defRPr/>
             </a:pPr>
             <a:r>
-              <a:rPr lang="ru-RU" sz="1800" b="1" dirty="0">
+              <a:rPr lang="ru-RU" sz="1800" b="1" i="1" dirty="0">
                 <a:solidFill>
                   <a:srgbClr val="000000"/>
                 </a:solidFill>
                 <a:effectLst/>
-                <a:latin typeface="Calibri Light" panose="020F0302020204030204" pitchFamily="34" charset="0"/>
+                <a:latin typeface="Calibri" panose="020F0502020204030204" pitchFamily="34" charset="0"/>
                 <a:ea typeface="Times New Roman" panose="02020603050405020304" pitchFamily="18" charset="0"/>
-                <a:cs typeface="Times New Roman" panose="02020603050405020304" pitchFamily="18" charset="0"/>
+                <a:cs typeface="Calibri" panose="020F0502020204030204" pitchFamily="34" charset="0"/>
               </a:rPr>
-              <a:t>ДСК для плавления и паузы</a:t>
+              <a:t>ДСК 2 пиков</a:t>
             </a:r>
             <a:endParaRPr lang="ru-RU" sz="1800" b="1" dirty="0">
+              <a:solidFill>
+                <a:srgbClr val="000000"/>
+              </a:solidFill>
               <a:effectLst/>
-              <a:latin typeface="Calibri Light" panose="020F0302020204030204" pitchFamily="34" charset="0"/>
+              <a:latin typeface="Calibri" panose="020F0502020204030204" pitchFamily="34" charset="0"/>
               <a:ea typeface="Times New Roman" panose="02020603050405020304" pitchFamily="18" charset="0"/>
-              <a:cs typeface="Times New Roman" panose="02020603050405020304" pitchFamily="18" charset="0"/>
+              <a:cs typeface="Calibri" panose="020F0502020204030204" pitchFamily="34" charset="0"/>
             </a:endParaRPr>
           </a:p>
           <a:p>
@@ -1500,6 +1375,7 @@
           <a:p>
             <a:fld id="{40EE32AA-D285-4475-A712-967CA9C5AE24}" type="slidenum">
               <a:rPr lang="ru-RU" smtClean="0"/>
+              <a:pPr/>
               <a:t>7</a:t>
             </a:fld>
             <a:endParaRPr lang="ru-RU" dirty="0"/>
@@ -1509,7 +1385,7 @@
     </p:spTree>
     <p:extLst>
       <p:ext uri="{BB962C8B-B14F-4D97-AF65-F5344CB8AC3E}">
-        <p14:creationId xmlns:p14="http://schemas.microsoft.com/office/powerpoint/2010/main" val="982730238"/>
+        <p14:creationId xmlns:p14="http://schemas.microsoft.com/office/powerpoint/2010/main" xmlns="" val="1427879300"/>
       </p:ext>
     </p:extLst>
   </p:cSld>
@@ -1581,7 +1457,7 @@
               <a:defRPr/>
             </a:pPr>
             <a:r>
-              <a:rPr lang="ru-RU" sz="1800" b="1" i="1" dirty="0">
+              <a:rPr lang="ru-RU" sz="1800" b="1" dirty="0">
                 <a:solidFill>
                   <a:srgbClr val="000000"/>
                 </a:solidFill>
@@ -1590,17 +1466,8 @@
                 <a:ea typeface="Times New Roman" panose="02020603050405020304" pitchFamily="18" charset="0"/>
                 <a:cs typeface="Calibri" panose="020F0502020204030204" pitchFamily="34" charset="0"/>
               </a:rPr>
-              <a:t>ДСК 2 пиков</a:t>
-            </a:r>
-            <a:endParaRPr lang="ru-RU" sz="1800" b="1" dirty="0">
-              <a:solidFill>
-                <a:srgbClr val="000000"/>
-              </a:solidFill>
-              <a:effectLst/>
-              <a:latin typeface="Calibri" panose="020F0502020204030204" pitchFamily="34" charset="0"/>
-              <a:ea typeface="Times New Roman" panose="02020603050405020304" pitchFamily="18" charset="0"/>
-              <a:cs typeface="Calibri" panose="020F0502020204030204" pitchFamily="34" charset="0"/>
-            </a:endParaRPr>
+              <a:t>ДСК расстеклования</a:t>
+            </a:r>
           </a:p>
           <a:p>
             <a:endParaRPr lang="ru-RU" dirty="0"/>
@@ -1624,6 +1491,7 @@
           <a:p>
             <a:fld id="{40EE32AA-D285-4475-A712-967CA9C5AE24}" type="slidenum">
               <a:rPr lang="ru-RU" smtClean="0"/>
+              <a:pPr/>
               <a:t>8</a:t>
             </a:fld>
             <a:endParaRPr lang="ru-RU" dirty="0"/>
@@ -1633,7 +1501,7 @@
     </p:spTree>
     <p:extLst>
       <p:ext uri="{BB962C8B-B14F-4D97-AF65-F5344CB8AC3E}">
-        <p14:creationId xmlns:p14="http://schemas.microsoft.com/office/powerpoint/2010/main" val="1427879300"/>
+        <p14:creationId xmlns:p14="http://schemas.microsoft.com/office/powerpoint/2010/main" xmlns="" val="2025839987"/>
       </p:ext>
     </p:extLst>
   </p:cSld>
@@ -1705,7 +1573,7 @@
               <a:defRPr/>
             </a:pPr>
             <a:r>
-              <a:rPr lang="ru-RU" sz="1800" b="1" dirty="0">
+              <a:rPr lang="ru-RU" sz="1800" b="1" i="1" dirty="0">
                 <a:solidFill>
                   <a:srgbClr val="000000"/>
                 </a:solidFill>
@@ -1714,8 +1582,17 @@
                 <a:ea typeface="Times New Roman" panose="02020603050405020304" pitchFamily="18" charset="0"/>
                 <a:cs typeface="Calibri" panose="020F0502020204030204" pitchFamily="34" charset="0"/>
               </a:rPr>
-              <a:t>ДСК расстеклования</a:t>
-            </a:r>
+              <a:t>30-10-60 ДСК</a:t>
+            </a:r>
+            <a:endParaRPr lang="ru-RU" sz="1800" b="1" dirty="0">
+              <a:solidFill>
+                <a:srgbClr val="000000"/>
+              </a:solidFill>
+              <a:effectLst/>
+              <a:latin typeface="Calibri" panose="020F0502020204030204" pitchFamily="34" charset="0"/>
+              <a:ea typeface="Times New Roman" panose="02020603050405020304" pitchFamily="18" charset="0"/>
+              <a:cs typeface="Calibri" panose="020F0502020204030204" pitchFamily="34" charset="0"/>
+            </a:endParaRPr>
           </a:p>
           <a:p>
             <a:endParaRPr lang="ru-RU" dirty="0"/>
@@ -1739,6 +1616,7 @@
           <a:p>
             <a:fld id="{40EE32AA-D285-4475-A712-967CA9C5AE24}" type="slidenum">
               <a:rPr lang="ru-RU" smtClean="0"/>
+              <a:pPr/>
               <a:t>9</a:t>
             </a:fld>
             <a:endParaRPr lang="ru-RU" dirty="0"/>
@@ -1748,7 +1626,7 @@
     </p:spTree>
     <p:extLst>
       <p:ext uri="{BB962C8B-B14F-4D97-AF65-F5344CB8AC3E}">
-        <p14:creationId xmlns:p14="http://schemas.microsoft.com/office/powerpoint/2010/main" val="2025839987"/>
+        <p14:creationId xmlns:p14="http://schemas.microsoft.com/office/powerpoint/2010/main" xmlns="" val="1556042712"/>
       </p:ext>
     </p:extLst>
   </p:cSld>
@@ -1820,6 +1698,18 @@
               <a:defRPr/>
             </a:pPr>
             <a:r>
+              <a:rPr lang="ru-RU" sz="1800" b="1" i="1" dirty="0" smtClean="0">
+                <a:solidFill>
+                  <a:srgbClr val="000000"/>
+                </a:solidFill>
+                <a:effectLst/>
+                <a:latin typeface="Calibri" panose="020F0502020204030204" pitchFamily="34" charset="0"/>
+                <a:ea typeface="Times New Roman" panose="02020603050405020304" pitchFamily="18" charset="0"/>
+                <a:cs typeface="Calibri" panose="020F0502020204030204" pitchFamily="34" charset="0"/>
+              </a:rPr>
+              <a:t>35-5-60 </a:t>
+            </a:r>
+            <a:r>
               <a:rPr lang="ru-RU" sz="1800" b="1" i="1" dirty="0">
                 <a:solidFill>
                   <a:srgbClr val="000000"/>
@@ -1829,7 +1719,7 @@
                 <a:ea typeface="Times New Roman" panose="02020603050405020304" pitchFamily="18" charset="0"/>
                 <a:cs typeface="Calibri" panose="020F0502020204030204" pitchFamily="34" charset="0"/>
               </a:rPr>
-              <a:t>30-10-60 ДСК</a:t>
+              <a:t>ДСК</a:t>
             </a:r>
             <a:endParaRPr lang="ru-RU" sz="1800" b="1" dirty="0">
               <a:solidFill>
@@ -1863,6 +1753,7 @@
           <a:p>
             <a:fld id="{40EE32AA-D285-4475-A712-967CA9C5AE24}" type="slidenum">
               <a:rPr lang="ru-RU" smtClean="0"/>
+              <a:pPr/>
               <a:t>10</a:t>
             </a:fld>
             <a:endParaRPr lang="ru-RU" dirty="0"/>
@@ -1872,7 +1763,7 @@
     </p:spTree>
     <p:extLst>
       <p:ext uri="{BB962C8B-B14F-4D97-AF65-F5344CB8AC3E}">
-        <p14:creationId xmlns:p14="http://schemas.microsoft.com/office/powerpoint/2010/main" val="1556042712"/>
+        <p14:creationId xmlns:p14="http://schemas.microsoft.com/office/powerpoint/2010/main" xmlns="" val="1335941834"/>
       </p:ext>
     </p:extLst>
   </p:cSld>
@@ -2011,9 +1902,9 @@
           <a:bodyPr/>
           <a:lstStyle/>
           <a:p>
-            <a:fld id="{B0400CAE-7DEC-4379-94E3-CFB24A5D3887}" type="datetimeFigureOut">
+            <a:fld id="{3ADFABCE-DAE9-4467-B7D5-243AF05A7281}" type="datetime1">
               <a:rPr lang="ru-RU" smtClean="0"/>
-              <a:t>06.04.2021</a:t>
+              <a:t>07.04.2021</a:t>
             </a:fld>
             <a:endParaRPr lang="ru-RU" dirty="0"/>
           </a:p>
@@ -2055,6 +1946,7 @@
           <a:p>
             <a:fld id="{C9EB4E2A-F2F9-42E4-914F-48C9A8B5C503}" type="slidenum">
               <a:rPr lang="ru-RU" smtClean="0"/>
+              <a:pPr/>
               <a:t>‹#›</a:t>
             </a:fld>
             <a:endParaRPr lang="ru-RU" dirty="0"/>
@@ -2064,7 +1956,7 @@
     </p:spTree>
     <p:extLst>
       <p:ext uri="{BB962C8B-B14F-4D97-AF65-F5344CB8AC3E}">
-        <p14:creationId xmlns:p14="http://schemas.microsoft.com/office/powerpoint/2010/main" val="1007691708"/>
+        <p14:creationId xmlns:p14="http://schemas.microsoft.com/office/powerpoint/2010/main" xmlns="" val="1007691708"/>
       </p:ext>
     </p:extLst>
   </p:cSld>
@@ -2181,9 +2073,9 @@
           <a:bodyPr/>
           <a:lstStyle/>
           <a:p>
-            <a:fld id="{B0400CAE-7DEC-4379-94E3-CFB24A5D3887}" type="datetimeFigureOut">
+            <a:fld id="{C3773938-65C5-477B-8909-9DD136266CA3}" type="datetime1">
               <a:rPr lang="ru-RU" smtClean="0"/>
-              <a:t>06.04.2021</a:t>
+              <a:t>07.04.2021</a:t>
             </a:fld>
             <a:endParaRPr lang="ru-RU" dirty="0"/>
           </a:p>
@@ -2225,6 +2117,7 @@
           <a:p>
             <a:fld id="{C9EB4E2A-F2F9-42E4-914F-48C9A8B5C503}" type="slidenum">
               <a:rPr lang="ru-RU" smtClean="0"/>
+              <a:pPr/>
               <a:t>‹#›</a:t>
             </a:fld>
             <a:endParaRPr lang="ru-RU" dirty="0"/>
@@ -2234,7 +2127,7 @@
     </p:spTree>
     <p:extLst>
       <p:ext uri="{BB962C8B-B14F-4D97-AF65-F5344CB8AC3E}">
-        <p14:creationId xmlns:p14="http://schemas.microsoft.com/office/powerpoint/2010/main" val="2823749328"/>
+        <p14:creationId xmlns:p14="http://schemas.microsoft.com/office/powerpoint/2010/main" xmlns="" val="2823749328"/>
       </p:ext>
     </p:extLst>
   </p:cSld>
@@ -2361,9 +2254,9 @@
           <a:bodyPr/>
           <a:lstStyle/>
           <a:p>
-            <a:fld id="{B0400CAE-7DEC-4379-94E3-CFB24A5D3887}" type="datetimeFigureOut">
+            <a:fld id="{5841B910-9D15-4459-A38A-2430BE1BA055}" type="datetime1">
               <a:rPr lang="ru-RU" smtClean="0"/>
-              <a:t>06.04.2021</a:t>
+              <a:t>07.04.2021</a:t>
             </a:fld>
             <a:endParaRPr lang="ru-RU" dirty="0"/>
           </a:p>
@@ -2405,6 +2298,7 @@
           <a:p>
             <a:fld id="{C9EB4E2A-F2F9-42E4-914F-48C9A8B5C503}" type="slidenum">
               <a:rPr lang="ru-RU" smtClean="0"/>
+              <a:pPr/>
               <a:t>‹#›</a:t>
             </a:fld>
             <a:endParaRPr lang="ru-RU" dirty="0"/>
@@ -2414,7 +2308,7 @@
     </p:spTree>
     <p:extLst>
       <p:ext uri="{BB962C8B-B14F-4D97-AF65-F5344CB8AC3E}">
-        <p14:creationId xmlns:p14="http://schemas.microsoft.com/office/powerpoint/2010/main" val="4062652098"/>
+        <p14:creationId xmlns:p14="http://schemas.microsoft.com/office/powerpoint/2010/main" xmlns="" val="4062652098"/>
       </p:ext>
     </p:extLst>
   </p:cSld>
@@ -2531,9 +2425,9 @@
           <a:bodyPr/>
           <a:lstStyle/>
           <a:p>
-            <a:fld id="{B0400CAE-7DEC-4379-94E3-CFB24A5D3887}" type="datetimeFigureOut">
+            <a:fld id="{9FBCAEA5-0827-482B-B6E0-2028CD24F0BC}" type="datetime1">
               <a:rPr lang="ru-RU" smtClean="0"/>
-              <a:t>06.04.2021</a:t>
+              <a:t>07.04.2021</a:t>
             </a:fld>
             <a:endParaRPr lang="ru-RU" dirty="0"/>
           </a:p>
@@ -2575,6 +2469,7 @@
           <a:p>
             <a:fld id="{C9EB4E2A-F2F9-42E4-914F-48C9A8B5C503}" type="slidenum">
               <a:rPr lang="ru-RU" smtClean="0"/>
+              <a:pPr/>
               <a:t>‹#›</a:t>
             </a:fld>
             <a:endParaRPr lang="ru-RU" dirty="0"/>
@@ -2584,7 +2479,7 @@
     </p:spTree>
     <p:extLst>
       <p:ext uri="{BB962C8B-B14F-4D97-AF65-F5344CB8AC3E}">
-        <p14:creationId xmlns:p14="http://schemas.microsoft.com/office/powerpoint/2010/main" val="2406936318"/>
+        <p14:creationId xmlns:p14="http://schemas.microsoft.com/office/powerpoint/2010/main" xmlns="" val="2406936318"/>
       </p:ext>
     </p:extLst>
   </p:cSld>
@@ -2775,9 +2670,9 @@
           <a:bodyPr/>
           <a:lstStyle/>
           <a:p>
-            <a:fld id="{B0400CAE-7DEC-4379-94E3-CFB24A5D3887}" type="datetimeFigureOut">
+            <a:fld id="{D6B12401-946D-4B76-B151-4AC875792EE9}" type="datetime1">
               <a:rPr lang="ru-RU" smtClean="0"/>
-              <a:t>06.04.2021</a:t>
+              <a:t>07.04.2021</a:t>
             </a:fld>
             <a:endParaRPr lang="ru-RU" dirty="0"/>
           </a:p>
@@ -2819,6 +2714,7 @@
           <a:p>
             <a:fld id="{C9EB4E2A-F2F9-42E4-914F-48C9A8B5C503}" type="slidenum">
               <a:rPr lang="ru-RU" smtClean="0"/>
+              <a:pPr/>
               <a:t>‹#›</a:t>
             </a:fld>
             <a:endParaRPr lang="ru-RU" dirty="0"/>
@@ -2828,7 +2724,7 @@
     </p:spTree>
     <p:extLst>
       <p:ext uri="{BB962C8B-B14F-4D97-AF65-F5344CB8AC3E}">
-        <p14:creationId xmlns:p14="http://schemas.microsoft.com/office/powerpoint/2010/main" val="497689322"/>
+        <p14:creationId xmlns:p14="http://schemas.microsoft.com/office/powerpoint/2010/main" xmlns="" val="497689322"/>
       </p:ext>
     </p:extLst>
   </p:cSld>
@@ -3007,9 +2903,9 @@
           <a:bodyPr/>
           <a:lstStyle/>
           <a:p>
-            <a:fld id="{B0400CAE-7DEC-4379-94E3-CFB24A5D3887}" type="datetimeFigureOut">
+            <a:fld id="{BFC579BB-943D-4B5B-82D8-9AE364468F69}" type="datetime1">
               <a:rPr lang="ru-RU" smtClean="0"/>
-              <a:t>06.04.2021</a:t>
+              <a:t>07.04.2021</a:t>
             </a:fld>
             <a:endParaRPr lang="ru-RU" dirty="0"/>
           </a:p>
@@ -3051,6 +2947,7 @@
           <a:p>
             <a:fld id="{C9EB4E2A-F2F9-42E4-914F-48C9A8B5C503}" type="slidenum">
               <a:rPr lang="ru-RU" smtClean="0"/>
+              <a:pPr/>
               <a:t>‹#›</a:t>
             </a:fld>
             <a:endParaRPr lang="ru-RU" dirty="0"/>
@@ -3060,7 +2957,7 @@
     </p:spTree>
     <p:extLst>
       <p:ext uri="{BB962C8B-B14F-4D97-AF65-F5344CB8AC3E}">
-        <p14:creationId xmlns:p14="http://schemas.microsoft.com/office/powerpoint/2010/main" val="2688300349"/>
+        <p14:creationId xmlns:p14="http://schemas.microsoft.com/office/powerpoint/2010/main" xmlns="" val="2688300349"/>
       </p:ext>
     </p:extLst>
   </p:cSld>
@@ -3374,9 +3271,9 @@
           <a:bodyPr/>
           <a:lstStyle/>
           <a:p>
-            <a:fld id="{B0400CAE-7DEC-4379-94E3-CFB24A5D3887}" type="datetimeFigureOut">
+            <a:fld id="{AED96D1E-3687-49B9-89C7-6391B5EC1C16}" type="datetime1">
               <a:rPr lang="ru-RU" smtClean="0"/>
-              <a:t>06.04.2021</a:t>
+              <a:t>07.04.2021</a:t>
             </a:fld>
             <a:endParaRPr lang="ru-RU" dirty="0"/>
           </a:p>
@@ -3418,6 +3315,7 @@
           <a:p>
             <a:fld id="{C9EB4E2A-F2F9-42E4-914F-48C9A8B5C503}" type="slidenum">
               <a:rPr lang="ru-RU" smtClean="0"/>
+              <a:pPr/>
               <a:t>‹#›</a:t>
             </a:fld>
             <a:endParaRPr lang="ru-RU" dirty="0"/>
@@ -3427,7 +3325,7 @@
     </p:spTree>
     <p:extLst>
       <p:ext uri="{BB962C8B-B14F-4D97-AF65-F5344CB8AC3E}">
-        <p14:creationId xmlns:p14="http://schemas.microsoft.com/office/powerpoint/2010/main" val="2164265660"/>
+        <p14:creationId xmlns:p14="http://schemas.microsoft.com/office/powerpoint/2010/main" xmlns="" val="2164265660"/>
       </p:ext>
     </p:extLst>
   </p:cSld>
@@ -3492,9 +3390,9 @@
           <a:bodyPr/>
           <a:lstStyle/>
           <a:p>
-            <a:fld id="{B0400CAE-7DEC-4379-94E3-CFB24A5D3887}" type="datetimeFigureOut">
+            <a:fld id="{CB963A16-A89E-4D37-A498-4B6C09208AD2}" type="datetime1">
               <a:rPr lang="ru-RU" smtClean="0"/>
-              <a:t>06.04.2021</a:t>
+              <a:t>07.04.2021</a:t>
             </a:fld>
             <a:endParaRPr lang="ru-RU" dirty="0"/>
           </a:p>
@@ -3536,6 +3434,7 @@
           <a:p>
             <a:fld id="{C9EB4E2A-F2F9-42E4-914F-48C9A8B5C503}" type="slidenum">
               <a:rPr lang="ru-RU" smtClean="0"/>
+              <a:pPr/>
               <a:t>‹#›</a:t>
             </a:fld>
             <a:endParaRPr lang="ru-RU" dirty="0"/>
@@ -3545,7 +3444,7 @@
     </p:spTree>
     <p:extLst>
       <p:ext uri="{BB962C8B-B14F-4D97-AF65-F5344CB8AC3E}">
-        <p14:creationId xmlns:p14="http://schemas.microsoft.com/office/powerpoint/2010/main" val="1104181914"/>
+        <p14:creationId xmlns:p14="http://schemas.microsoft.com/office/powerpoint/2010/main" xmlns="" val="1104181914"/>
       </p:ext>
     </p:extLst>
   </p:cSld>
@@ -3587,9 +3486,9 @@
           <a:bodyPr/>
           <a:lstStyle/>
           <a:p>
-            <a:fld id="{B0400CAE-7DEC-4379-94E3-CFB24A5D3887}" type="datetimeFigureOut">
+            <a:fld id="{3FF50B56-BBE0-4EB4-B290-FDD091D12C6F}" type="datetime1">
               <a:rPr lang="ru-RU" smtClean="0"/>
-              <a:t>06.04.2021</a:t>
+              <a:t>07.04.2021</a:t>
             </a:fld>
             <a:endParaRPr lang="ru-RU" dirty="0"/>
           </a:p>
@@ -3631,6 +3530,7 @@
           <a:p>
             <a:fld id="{C9EB4E2A-F2F9-42E4-914F-48C9A8B5C503}" type="slidenum">
               <a:rPr lang="ru-RU" smtClean="0"/>
+              <a:pPr/>
               <a:t>‹#›</a:t>
             </a:fld>
             <a:endParaRPr lang="ru-RU" dirty="0"/>
@@ -3640,7 +3540,7 @@
     </p:spTree>
     <p:extLst>
       <p:ext uri="{BB962C8B-B14F-4D97-AF65-F5344CB8AC3E}">
-        <p14:creationId xmlns:p14="http://schemas.microsoft.com/office/powerpoint/2010/main" val="569493459"/>
+        <p14:creationId xmlns:p14="http://schemas.microsoft.com/office/powerpoint/2010/main" xmlns="" val="569493459"/>
       </p:ext>
     </p:extLst>
   </p:cSld>
@@ -3864,9 +3764,9 @@
           <a:bodyPr/>
           <a:lstStyle/>
           <a:p>
-            <a:fld id="{B0400CAE-7DEC-4379-94E3-CFB24A5D3887}" type="datetimeFigureOut">
+            <a:fld id="{1D148FE8-7A25-434C-B008-7377DA62051F}" type="datetime1">
               <a:rPr lang="ru-RU" smtClean="0"/>
-              <a:t>06.04.2021</a:t>
+              <a:t>07.04.2021</a:t>
             </a:fld>
             <a:endParaRPr lang="ru-RU" dirty="0"/>
           </a:p>
@@ -3908,6 +3808,7 @@
           <a:p>
             <a:fld id="{C9EB4E2A-F2F9-42E4-914F-48C9A8B5C503}" type="slidenum">
               <a:rPr lang="ru-RU" smtClean="0"/>
+              <a:pPr/>
               <a:t>‹#›</a:t>
             </a:fld>
             <a:endParaRPr lang="ru-RU" dirty="0"/>
@@ -3917,7 +3818,7 @@
     </p:spTree>
     <p:extLst>
       <p:ext uri="{BB962C8B-B14F-4D97-AF65-F5344CB8AC3E}">
-        <p14:creationId xmlns:p14="http://schemas.microsoft.com/office/powerpoint/2010/main" val="798118067"/>
+        <p14:creationId xmlns:p14="http://schemas.microsoft.com/office/powerpoint/2010/main" xmlns="" val="798118067"/>
       </p:ext>
     </p:extLst>
   </p:cSld>
@@ -4121,9 +4022,9 @@
           <a:bodyPr/>
           <a:lstStyle/>
           <a:p>
-            <a:fld id="{B0400CAE-7DEC-4379-94E3-CFB24A5D3887}" type="datetimeFigureOut">
+            <a:fld id="{8B5EE51B-F291-4B94-8C4B-551836F19E47}" type="datetime1">
               <a:rPr lang="ru-RU" smtClean="0"/>
-              <a:t>06.04.2021</a:t>
+              <a:t>07.04.2021</a:t>
             </a:fld>
             <a:endParaRPr lang="ru-RU" dirty="0"/>
           </a:p>
@@ -4165,6 +4066,7 @@
           <a:p>
             <a:fld id="{C9EB4E2A-F2F9-42E4-914F-48C9A8B5C503}" type="slidenum">
               <a:rPr lang="ru-RU" smtClean="0"/>
+              <a:pPr/>
               <a:t>‹#›</a:t>
             </a:fld>
             <a:endParaRPr lang="ru-RU" dirty="0"/>
@@ -4174,7 +4076,7 @@
     </p:spTree>
     <p:extLst>
       <p:ext uri="{BB962C8B-B14F-4D97-AF65-F5344CB8AC3E}">
-        <p14:creationId xmlns:p14="http://schemas.microsoft.com/office/powerpoint/2010/main" val="1128259463"/>
+        <p14:creationId xmlns:p14="http://schemas.microsoft.com/office/powerpoint/2010/main" xmlns="" val="1128259463"/>
       </p:ext>
     </p:extLst>
   </p:cSld>
@@ -4362,9 +4264,9 @@
             </a:lvl1pPr>
           </a:lstStyle>
           <a:p>
-            <a:fld id="{B0400CAE-7DEC-4379-94E3-CFB24A5D3887}" type="datetimeFigureOut">
+            <a:fld id="{C8706E8B-CAF2-4C2C-A1DD-8E9325FC3EDD}" type="datetime1">
               <a:rPr lang="ru-RU" smtClean="0"/>
-              <a:t>06.04.2021</a:t>
+              <a:t>07.04.2021</a:t>
             </a:fld>
             <a:endParaRPr lang="ru-RU" dirty="0"/>
           </a:p>
@@ -4442,6 +4344,7 @@
           <a:p>
             <a:fld id="{C9EB4E2A-F2F9-42E4-914F-48C9A8B5C503}" type="slidenum">
               <a:rPr lang="ru-RU" smtClean="0"/>
+              <a:pPr/>
               <a:t>‹#›</a:t>
             </a:fld>
             <a:endParaRPr lang="ru-RU" dirty="0"/>
@@ -4451,7 +4354,7 @@
     </p:spTree>
     <p:extLst>
       <p:ext uri="{BB962C8B-B14F-4D97-AF65-F5344CB8AC3E}">
-        <p14:creationId xmlns:p14="http://schemas.microsoft.com/office/powerpoint/2010/main" val="17283765"/>
+        <p14:creationId xmlns:p14="http://schemas.microsoft.com/office/powerpoint/2010/main" xmlns="" val="17283765"/>
       </p:ext>
     </p:extLst>
   </p:cSld>
@@ -4469,6 +4372,7 @@
     <p:sldLayoutId id="2147483886" r:id="rId10"/>
     <p:sldLayoutId id="2147483887" r:id="rId11"/>
   </p:sldLayoutIdLst>
+  <p:hf sldNum="0" hdr="0" ftr="0" dt="0"/>
   <p:txStyles>
     <p:titleStyle>
       <a:lvl1pPr algn="l" defTabSz="914400" rtl="0" eaLnBrk="1" latinLnBrk="0" hangingPunct="1">
@@ -4815,13 +4719,13 @@
         </p:nvSpPr>
         <p:spPr>
           <a:xfrm>
-            <a:off x="5486100" y="4589464"/>
-            <a:ext cx="3024487" cy="1500187"/>
+            <a:off x="1943100" y="4589464"/>
+            <a:ext cx="6567487" cy="1500187"/>
           </a:xfrm>
         </p:spPr>
         <p:txBody>
           <a:bodyPr>
-            <a:normAutofit/>
+            <a:normAutofit fontScale="62500" lnSpcReduction="20000"/>
           </a:bodyPr>
           <a:lstStyle/>
           <a:p>
@@ -4839,8 +4743,42 @@
             </a:r>
             <a:r>
               <a:rPr lang="ru-RU" sz="1800" dirty="0" smtClean="0"/>
-              <a:t> Илья</a:t>
-            </a:r>
+              <a:t> </a:t>
+            </a:r>
+            <a:r>
+              <a:rPr lang="ru-RU" sz="1800" dirty="0" smtClean="0"/>
+              <a:t>Илья</a:t>
+            </a:r>
+          </a:p>
+          <a:p>
+            <a:pPr algn="r"/>
+            <a:r>
+              <a:rPr lang="ru-RU" sz="1800" dirty="0" smtClean="0"/>
+              <a:t>Научные консультанты:</a:t>
+            </a:r>
+          </a:p>
+          <a:p>
+            <a:pPr algn="r"/>
+            <a:endParaRPr lang="ru-RU" sz="1800" dirty="0" smtClean="0"/>
+          </a:p>
+          <a:p>
+            <a:pPr algn="r"/>
+            <a:endParaRPr lang="ru-RU" sz="1800" dirty="0" smtClean="0"/>
+          </a:p>
+          <a:p>
+            <a:pPr algn="r"/>
+            <a:r>
+              <a:rPr lang="ru-RU" sz="1800" dirty="0" smtClean="0"/>
+              <a:t>2021 г.</a:t>
+            </a:r>
+          </a:p>
+          <a:p>
+            <a:pPr algn="r"/>
+            <a:endParaRPr lang="ru-RU" sz="1800" dirty="0" smtClean="0"/>
+          </a:p>
+          <a:p>
+            <a:pPr algn="r"/>
+            <a:endParaRPr lang="ru-RU" sz="1800" dirty="0" smtClean="0"/>
           </a:p>
           <a:p>
             <a:pPr algn="r"/>
@@ -4848,54 +4786,10 @@
           </a:p>
         </p:txBody>
       </p:sp>
-      <p:pic>
-        <p:nvPicPr>
-          <p:cNvPr id="1028" name="Picture 4" descr="https://sun9-27.userapi.com/impf/c638428/v638428369/30dd4/TfS4HDspetE.jpg?size=1167x915&amp;quality=96&amp;proxy=1&amp;sign=5737c9f6cbe4c14c4d543393586efb74&amp;c_uniq_tag=IijRC3zfWhE40lkR5_YEj7kzDgpBCBJEg5Sb0l9sK38&amp;type=album"/>
-          <p:cNvPicPr>
-            <a:picLocks noChangeAspect="1" noChangeArrowheads="1"/>
-          </p:cNvPicPr>
-          <p:nvPr/>
-        </p:nvPicPr>
-        <p:blipFill>
-          <a:blip r:embed="rId2">
-            <a:extLst>
-              <a:ext uri="{28A0092B-C50C-407E-A947-70E740481C1C}">
-                <a14:useLocalDpi xmlns:a14="http://schemas.microsoft.com/office/drawing/2010/main" val="0"/>
-              </a:ext>
-            </a:extLst>
-          </a:blip>
-          <a:srcRect/>
-          <a:stretch>
-            <a:fillRect/>
-          </a:stretch>
-        </p:blipFill>
-        <p:spPr bwMode="auto">
-          <a:xfrm>
-            <a:off x="0" y="2854188"/>
-            <a:ext cx="5106500" cy="4003812"/>
-          </a:xfrm>
-          <a:prstGeom prst="rect">
-            <a:avLst/>
-          </a:prstGeom>
-          <a:noFill/>
-          <a:effectLst>
-            <a:softEdge rad="127000"/>
-          </a:effectLst>
-          <a:extLst>
-            <a:ext uri="{909E8E84-426E-40DD-AFC4-6F175D3DCCD1}">
-              <a14:hiddenFill xmlns:a14="http://schemas.microsoft.com/office/drawing/2010/main">
-                <a:solidFill>
-                  <a:srgbClr val="FFFFFF"/>
-                </a:solidFill>
-              </a14:hiddenFill>
-            </a:ext>
-          </a:extLst>
-        </p:spPr>
-      </p:pic>
     </p:spTree>
     <p:extLst>
       <p:ext uri="{BB962C8B-B14F-4D97-AF65-F5344CB8AC3E}">
-        <p14:creationId xmlns:p14="http://schemas.microsoft.com/office/powerpoint/2010/main" val="879354782"/>
+        <p14:creationId xmlns:p14="http://schemas.microsoft.com/office/powerpoint/2010/main" xmlns="" val="879354782"/>
       </p:ext>
     </p:extLst>
   </p:cSld>
@@ -4931,10 +4825,10 @@
       </p:grpSpPr>
       <p:pic>
         <p:nvPicPr>
-          <p:cNvPr id="17" name="Рисунок 16">
+          <p:cNvPr id="7" name="Рисунок 6">
             <a:extLst>
               <a:ext uri="{FF2B5EF4-FFF2-40B4-BE49-F238E27FC236}">
-                <a16:creationId xmlns:a16="http://schemas.microsoft.com/office/drawing/2014/main" xmlns="" id="{8076A31A-C9D6-4C0C-92B9-DA3FC7DF19A9}"/>
+                <a16:creationId xmlns="" xmlns:a16="http://schemas.microsoft.com/office/drawing/2014/main" id="{AA831770-25C6-481D-8C7C-E44FB23070D2}"/>
               </a:ext>
             </a:extLst>
           </p:cNvPr>
@@ -4944,10 +4838,10 @@
           <p:nvPr/>
         </p:nvPicPr>
         <p:blipFill>
-          <a:blip r:embed="rId3">
+          <a:blip r:embed="rId3" cstate="print">
             <a:extLst>
               <a:ext uri="{28A0092B-C50C-407E-A947-70E740481C1C}">
-                <a14:useLocalDpi xmlns:a14="http://schemas.microsoft.com/office/drawing/2010/main" val="0"/>
+                <a14:useLocalDpi xmlns:a14="http://schemas.microsoft.com/office/drawing/2010/main" xmlns="" val="0"/>
               </a:ext>
             </a:extLst>
           </a:blip>
@@ -4957,8 +4851,8 @@
         </p:blipFill>
         <p:spPr>
           <a:xfrm>
-            <a:off x="0" y="656669"/>
-            <a:ext cx="9144000" cy="4690717"/>
+            <a:off x="0" y="660552"/>
+            <a:ext cx="9144000" cy="4737697"/>
           </a:xfrm>
           <a:prstGeom prst="rect">
             <a:avLst/>
@@ -4967,10 +4861,10 @@
       </p:pic>
       <p:sp>
         <p:nvSpPr>
-          <p:cNvPr id="18" name="TextBox 17">
+          <p:cNvPr id="8" name="TextBox 7">
             <a:extLst>
               <a:ext uri="{FF2B5EF4-FFF2-40B4-BE49-F238E27FC236}">
-                <a16:creationId xmlns:a16="http://schemas.microsoft.com/office/drawing/2014/main" xmlns="" id="{CCC2FACC-F874-41BF-9F64-F4D798F76BD6}"/>
+                <a16:creationId xmlns="" xmlns:a16="http://schemas.microsoft.com/office/drawing/2014/main" id="{757E0D39-3F19-455C-828F-7DE32E599CA4}"/>
               </a:ext>
             </a:extLst>
           </p:cNvPr>
@@ -4979,8 +4873,8 @@
         </p:nvSpPr>
         <p:spPr>
           <a:xfrm>
-            <a:off x="2256577" y="5488325"/>
-            <a:ext cx="1131410" cy="507831"/>
+            <a:off x="2352454" y="5450144"/>
+            <a:ext cx="1131410" cy="300082"/>
           </a:xfrm>
           <a:prstGeom prst="rect">
             <a:avLst/>
@@ -4995,35 +4889,35 @@
           <a:p>
             <a:pPr algn="ctr"/>
             <a:r>
-              <a:rPr lang="ru-RU" sz="1350" dirty="0"/>
-              <a:t>Стеклование </a:t>
+              <a:rPr lang="ru-RU" sz="1350" b="1" dirty="0" smtClean="0"/>
+              <a:t>450 </a:t>
             </a:r>
             <a:r>
               <a:rPr lang="ru-RU" sz="1350" b="1" dirty="0"/>
-              <a:t>450 – 540 К</a:t>
+              <a:t>– 530 К</a:t>
             </a:r>
           </a:p>
         </p:txBody>
       </p:sp>
       <p:cxnSp>
         <p:nvCxnSpPr>
-          <p:cNvPr id="19" name="Прямая со стрелкой 18">
+          <p:cNvPr id="9" name="Прямая со стрелкой 8">
             <a:extLst>
               <a:ext uri="{FF2B5EF4-FFF2-40B4-BE49-F238E27FC236}">
-                <a16:creationId xmlns:a16="http://schemas.microsoft.com/office/drawing/2014/main" xmlns="" id="{4DB78FCE-EFC8-4B9C-AA82-1579AC125516}"/>
+                <a16:creationId xmlns="" xmlns:a16="http://schemas.microsoft.com/office/drawing/2014/main" id="{FC9E49D8-25C7-4E26-AA1B-9C6E30C8E674}"/>
               </a:ext>
             </a:extLst>
           </p:cNvPr>
           <p:cNvCxnSpPr>
             <a:cxnSpLocks/>
-            <a:stCxn id="18" idx="0"/>
+            <a:stCxn id="8" idx="0"/>
           </p:cNvCxnSpPr>
           <p:nvPr/>
         </p:nvCxnSpPr>
         <p:spPr>
           <a:xfrm flipV="1">
-            <a:off x="2822282" y="4767115"/>
-            <a:ext cx="0" cy="721210"/>
+            <a:off x="2918159" y="4873926"/>
+            <a:ext cx="6196" cy="576218"/>
           </a:xfrm>
           <a:prstGeom prst="straightConnector1">
             <a:avLst/>
@@ -5055,10 +4949,10 @@
       </p:cxnSp>
       <p:sp>
         <p:nvSpPr>
-          <p:cNvPr id="20" name="TextBox 19">
+          <p:cNvPr id="10" name="TextBox 9">
             <a:extLst>
               <a:ext uri="{FF2B5EF4-FFF2-40B4-BE49-F238E27FC236}">
-                <a16:creationId xmlns:a16="http://schemas.microsoft.com/office/drawing/2014/main" xmlns="" id="{5854C1C7-EB88-4E27-BE1A-E9B46C43F15F}"/>
+                <a16:creationId xmlns="" xmlns:a16="http://schemas.microsoft.com/office/drawing/2014/main" id="{8C138558-5385-46C3-888F-ECBA285B4CF8}"/>
               </a:ext>
             </a:extLst>
           </p:cNvPr>
@@ -5067,8 +4961,8 @@
         </p:nvSpPr>
         <p:spPr>
           <a:xfrm>
-            <a:off x="5065092" y="5511610"/>
-            <a:ext cx="1131410" cy="507831"/>
+            <a:off x="5160969" y="5473429"/>
+            <a:ext cx="1131410" cy="300082"/>
           </a:xfrm>
           <a:prstGeom prst="rect">
             <a:avLst/>
@@ -5083,35 +4977,35 @@
           <a:p>
             <a:pPr algn="ctr"/>
             <a:r>
-              <a:rPr lang="ru-RU" sz="1350" dirty="0"/>
-              <a:t>Малый пик </a:t>
+              <a:rPr lang="ru-RU" sz="1350" b="1" dirty="0" smtClean="0"/>
+              <a:t>680 </a:t>
             </a:r>
             <a:r>
               <a:rPr lang="ru-RU" sz="1350" b="1" dirty="0"/>
-              <a:t>682 – 715 К</a:t>
+              <a:t>– 710 К</a:t>
             </a:r>
           </a:p>
         </p:txBody>
       </p:sp>
       <p:cxnSp>
         <p:nvCxnSpPr>
-          <p:cNvPr id="21" name="Прямая со стрелкой 20">
+          <p:cNvPr id="11" name="Прямая со стрелкой 10">
             <a:extLst>
               <a:ext uri="{FF2B5EF4-FFF2-40B4-BE49-F238E27FC236}">
-                <a16:creationId xmlns:a16="http://schemas.microsoft.com/office/drawing/2014/main" xmlns="" id="{203D7676-8855-4D27-A315-06E280D06175}"/>
+                <a16:creationId xmlns="" xmlns:a16="http://schemas.microsoft.com/office/drawing/2014/main" id="{9D8847D6-696E-4C34-8DCE-25936195B971}"/>
               </a:ext>
             </a:extLst>
           </p:cNvPr>
           <p:cNvCxnSpPr>
             <a:cxnSpLocks/>
-            <a:stCxn id="20" idx="0"/>
+            <a:stCxn id="10" idx="0"/>
           </p:cNvCxnSpPr>
           <p:nvPr/>
         </p:nvCxnSpPr>
         <p:spPr>
           <a:xfrm flipV="1">
-            <a:off x="5630797" y="4790400"/>
-            <a:ext cx="0" cy="721210"/>
+            <a:off x="5726674" y="4873925"/>
+            <a:ext cx="1266" cy="599504"/>
           </a:xfrm>
           <a:prstGeom prst="straightConnector1">
             <a:avLst/>
@@ -5143,10 +5037,10 @@
       </p:cxnSp>
       <p:sp>
         <p:nvSpPr>
-          <p:cNvPr id="22" name="TextBox 21">
+          <p:cNvPr id="12" name="TextBox 11">
             <a:extLst>
               <a:ext uri="{FF2B5EF4-FFF2-40B4-BE49-F238E27FC236}">
-                <a16:creationId xmlns:a16="http://schemas.microsoft.com/office/drawing/2014/main" xmlns="" id="{D79C4D79-6C9C-4999-8089-B9FC6093FE3E}"/>
+                <a16:creationId xmlns="" xmlns:a16="http://schemas.microsoft.com/office/drawing/2014/main" id="{4F807073-A10C-4232-A5D0-A589F67B0A3F}"/>
               </a:ext>
             </a:extLst>
           </p:cNvPr>
@@ -5155,8 +5049,8 @@
         </p:nvSpPr>
         <p:spPr>
           <a:xfrm>
-            <a:off x="5451566" y="6233075"/>
-            <a:ext cx="1532709" cy="507831"/>
+            <a:off x="5547443" y="6194894"/>
+            <a:ext cx="1532709" cy="300082"/>
           </a:xfrm>
           <a:prstGeom prst="rect">
             <a:avLst/>
@@ -5171,42 +5065,35 @@
           <a:p>
             <a:pPr algn="ctr"/>
             <a:r>
-              <a:rPr lang="ru-RU" sz="1350" dirty="0"/>
-              <a:t>Основной пик</a:t>
-            </a:r>
-          </a:p>
-          <a:p>
-            <a:pPr algn="ctr"/>
-            <a:r>
-              <a:rPr lang="ru-RU" sz="1350" dirty="0"/>
-              <a:t> </a:t>
+              <a:rPr lang="ru-RU" sz="1350" b="1" dirty="0" smtClean="0"/>
+              <a:t>710 </a:t>
             </a:r>
             <a:r>
               <a:rPr lang="ru-RU" sz="1350" b="1" dirty="0"/>
-              <a:t>715 – 760 К</a:t>
+              <a:t>– 770 К</a:t>
             </a:r>
           </a:p>
         </p:txBody>
       </p:sp>
       <p:cxnSp>
         <p:nvCxnSpPr>
-          <p:cNvPr id="23" name="Прямая со стрелкой 22">
+          <p:cNvPr id="13" name="Прямая со стрелкой 12">
             <a:extLst>
               <a:ext uri="{FF2B5EF4-FFF2-40B4-BE49-F238E27FC236}">
-                <a16:creationId xmlns:a16="http://schemas.microsoft.com/office/drawing/2014/main" xmlns="" id="{D9EB5CAC-5E1A-43B3-B37D-3B96BA6F54DB}"/>
+                <a16:creationId xmlns="" xmlns:a16="http://schemas.microsoft.com/office/drawing/2014/main" id="{2E47D80F-1DF2-4B1B-B073-5E5707B5B369}"/>
               </a:ext>
             </a:extLst>
           </p:cNvPr>
           <p:cNvCxnSpPr>
             <a:cxnSpLocks/>
-            <a:stCxn id="22" idx="0"/>
+            <a:stCxn id="12" idx="0"/>
           </p:cNvCxnSpPr>
           <p:nvPr/>
         </p:nvCxnSpPr>
         <p:spPr>
-          <a:xfrm flipH="1" flipV="1">
-            <a:off x="6196503" y="4790401"/>
-            <a:ext cx="21418" cy="1442674"/>
+          <a:xfrm flipV="1">
+            <a:off x="6313798" y="4873926"/>
+            <a:ext cx="20475" cy="1320968"/>
           </a:xfrm>
           <a:prstGeom prst="straightConnector1">
             <a:avLst/>
@@ -5238,10 +5125,10 @@
       </p:cxnSp>
       <p:sp>
         <p:nvSpPr>
-          <p:cNvPr id="24" name="TextBox 23">
+          <p:cNvPr id="14" name="TextBox 13">
             <a:extLst>
               <a:ext uri="{FF2B5EF4-FFF2-40B4-BE49-F238E27FC236}">
-                <a16:creationId xmlns:a16="http://schemas.microsoft.com/office/drawing/2014/main" xmlns="" id="{D108B9E4-296C-465E-9490-E02BD4858FA6}"/>
+                <a16:creationId xmlns="" xmlns:a16="http://schemas.microsoft.com/office/drawing/2014/main" id="{2D9DE8E8-0798-4B09-8AC7-DDC84BDF886C}"/>
               </a:ext>
             </a:extLst>
           </p:cNvPr>
@@ -5250,8 +5137,8 @@
         </p:nvSpPr>
         <p:spPr>
           <a:xfrm>
-            <a:off x="6301708" y="5561020"/>
-            <a:ext cx="1131410" cy="507831"/>
+            <a:off x="6397585" y="5522839"/>
+            <a:ext cx="1131410" cy="300082"/>
           </a:xfrm>
           <a:prstGeom prst="rect">
             <a:avLst/>
@@ -5266,38 +5153,35 @@
           <a:p>
             <a:pPr algn="ctr"/>
             <a:r>
-              <a:rPr lang="ru-RU" sz="1350" dirty="0"/>
-              <a:t>Пауза</a:t>
-            </a:r>
-          </a:p>
-          <a:p>
-            <a:pPr algn="ctr"/>
+              <a:rPr lang="ru-RU" sz="1350" b="1" dirty="0" smtClean="0"/>
+              <a:t>770 </a:t>
+            </a:r>
             <a:r>
               <a:rPr lang="ru-RU" sz="1350" b="1" dirty="0"/>
-              <a:t>760 – 780 К</a:t>
+              <a:t>– 790 К</a:t>
             </a:r>
           </a:p>
         </p:txBody>
       </p:sp>
       <p:cxnSp>
         <p:nvCxnSpPr>
-          <p:cNvPr id="25" name="Прямая со стрелкой 24">
+          <p:cNvPr id="15" name="Прямая со стрелкой 14">
             <a:extLst>
               <a:ext uri="{FF2B5EF4-FFF2-40B4-BE49-F238E27FC236}">
-                <a16:creationId xmlns:a16="http://schemas.microsoft.com/office/drawing/2014/main" xmlns="" id="{CAD459CF-D967-4C02-8C77-AAAD610F4CBA}"/>
+                <a16:creationId xmlns="" xmlns:a16="http://schemas.microsoft.com/office/drawing/2014/main" id="{04022C07-CEF0-41DE-BBD0-D8A06792F017}"/>
               </a:ext>
             </a:extLst>
           </p:cNvPr>
           <p:cNvCxnSpPr>
             <a:cxnSpLocks/>
-            <a:stCxn id="24" idx="0"/>
+            <a:stCxn id="14" idx="0"/>
           </p:cNvCxnSpPr>
           <p:nvPr/>
         </p:nvCxnSpPr>
         <p:spPr>
           <a:xfrm flipH="1" flipV="1">
-            <a:off x="6662057" y="4790400"/>
-            <a:ext cx="205356" cy="770620"/>
+            <a:off x="6776352" y="4873925"/>
+            <a:ext cx="186938" cy="648914"/>
           </a:xfrm>
           <a:prstGeom prst="straightConnector1">
             <a:avLst/>
@@ -5329,10 +5213,10 @@
       </p:cxnSp>
       <p:sp>
         <p:nvSpPr>
-          <p:cNvPr id="26" name="TextBox 25">
+          <p:cNvPr id="16" name="TextBox 15">
             <a:extLst>
               <a:ext uri="{FF2B5EF4-FFF2-40B4-BE49-F238E27FC236}">
-                <a16:creationId xmlns:a16="http://schemas.microsoft.com/office/drawing/2014/main" xmlns="" id="{4D4B2CE9-353E-4F47-9D3E-79F4577C8783}"/>
+                <a16:creationId xmlns="" xmlns:a16="http://schemas.microsoft.com/office/drawing/2014/main" id="{61D33984-B7A6-4DA0-8769-81C75B1796BA}"/>
               </a:ext>
             </a:extLst>
           </p:cNvPr>
@@ -5341,7 +5225,7 @@
         </p:nvSpPr>
         <p:spPr>
           <a:xfrm>
-            <a:off x="7242234" y="6233075"/>
+            <a:off x="7338111" y="6194894"/>
             <a:ext cx="1131410" cy="507831"/>
           </a:xfrm>
           <a:prstGeom prst="rect">
@@ -5362,30 +5246,30 @@
             </a:r>
             <a:r>
               <a:rPr lang="ru-RU" sz="1350" b="1" dirty="0"/>
-              <a:t>780 – 840 К</a:t>
+              <a:t>790 – 860 К</a:t>
             </a:r>
           </a:p>
         </p:txBody>
       </p:sp>
       <p:cxnSp>
         <p:nvCxnSpPr>
-          <p:cNvPr id="27" name="Прямая со стрелкой 26">
+          <p:cNvPr id="17" name="Прямая со стрелкой 16">
             <a:extLst>
               <a:ext uri="{FF2B5EF4-FFF2-40B4-BE49-F238E27FC236}">
-                <a16:creationId xmlns:a16="http://schemas.microsoft.com/office/drawing/2014/main" xmlns="" id="{DCBD99DC-CE3B-4D6D-8C35-987678B8F509}"/>
+                <a16:creationId xmlns="" xmlns:a16="http://schemas.microsoft.com/office/drawing/2014/main" id="{41DB674A-73A9-4C04-B807-E81BFB9D6545}"/>
               </a:ext>
             </a:extLst>
           </p:cNvPr>
           <p:cNvCxnSpPr>
             <a:cxnSpLocks/>
-            <a:stCxn id="26" idx="0"/>
+            <a:stCxn id="16" idx="0"/>
           </p:cNvCxnSpPr>
           <p:nvPr/>
         </p:nvCxnSpPr>
         <p:spPr>
           <a:xfrm flipH="1" flipV="1">
-            <a:off x="7327911" y="4790401"/>
-            <a:ext cx="480028" cy="1442674"/>
+            <a:off x="7458919" y="4873925"/>
+            <a:ext cx="444897" cy="1320969"/>
           </a:xfrm>
           <a:prstGeom prst="straightConnector1">
             <a:avLst/>
@@ -5417,10 +5301,10 @@
       </p:cxnSp>
       <p:sp>
         <p:nvSpPr>
-          <p:cNvPr id="28" name="Стрелка: вверх 27">
+          <p:cNvPr id="18" name="Стрелка: вверх 17">
             <a:extLst>
               <a:ext uri="{FF2B5EF4-FFF2-40B4-BE49-F238E27FC236}">
-                <a16:creationId xmlns:a16="http://schemas.microsoft.com/office/drawing/2014/main" xmlns="" id="{7490B723-B5DC-42AA-872B-EBDCB292AF84}"/>
+                <a16:creationId xmlns="" xmlns:a16="http://schemas.microsoft.com/office/drawing/2014/main" id="{74CD410F-C1D0-4747-85E5-DA26B5C9CA30}"/>
               </a:ext>
             </a:extLst>
           </p:cNvPr>
@@ -5429,7 +5313,7 @@
         </p:nvSpPr>
         <p:spPr>
           <a:xfrm>
-            <a:off x="8749263" y="665378"/>
+            <a:off x="8749263" y="660552"/>
             <a:ext cx="394737" cy="1680754"/>
           </a:xfrm>
           <a:prstGeom prst="upArrow">
@@ -5567,10 +5451,10 @@
       </p:sp>
       <p:sp>
         <p:nvSpPr>
-          <p:cNvPr id="29" name="TextBox 28">
+          <p:cNvPr id="19" name="TextBox 18">
             <a:extLst>
               <a:ext uri="{FF2B5EF4-FFF2-40B4-BE49-F238E27FC236}">
-                <a16:creationId xmlns:a16="http://schemas.microsoft.com/office/drawing/2014/main" xmlns="" id="{E34A67C0-8683-4E37-8FEB-0B8CDFE8D08E}"/>
+                <a16:creationId xmlns="" xmlns:a16="http://schemas.microsoft.com/office/drawing/2014/main" id="{1ACB1DFD-4D85-42BE-81CB-C2F6A6880106}"/>
               </a:ext>
             </a:extLst>
           </p:cNvPr>
@@ -5600,15 +5484,19 @@
             </a:r>
             <a:r>
               <a:rPr lang="en-US" sz="1400" dirty="0"/>
-              <a:t>30</a:t>
+              <a:t>3</a:t>
+            </a:r>
+            <a:r>
+              <a:rPr lang="ru-RU" sz="1400" dirty="0"/>
+              <a:t>5</a:t>
             </a:r>
             <a:r>
               <a:rPr lang="en-US" sz="2800" dirty="0"/>
               <a:t>Ga</a:t>
             </a:r>
             <a:r>
-              <a:rPr lang="en-US" sz="1400" dirty="0"/>
-              <a:t>10</a:t>
+              <a:rPr lang="ru-RU" sz="1400" dirty="0"/>
+              <a:t>5</a:t>
             </a:r>
             <a:r>
               <a:rPr lang="en-US" sz="2800" dirty="0"/>
@@ -5625,7 +5513,7 @@
     </p:spTree>
     <p:extLst>
       <p:ext uri="{BB962C8B-B14F-4D97-AF65-F5344CB8AC3E}">
-        <p14:creationId xmlns:p14="http://schemas.microsoft.com/office/powerpoint/2010/main" val="2529331404"/>
+        <p14:creationId xmlns:p14="http://schemas.microsoft.com/office/powerpoint/2010/main" xmlns="" val="2859075751"/>
       </p:ext>
     </p:extLst>
   </p:cSld>
@@ -5643,6 +5531,353 @@
 </file>
 
 <file path=ppt/slides/slide11.xml><?xml version="1.0" encoding="utf-8"?>
+<p:sld xmlns:a="http://schemas.openxmlformats.org/drawingml/2006/main" xmlns:r="http://schemas.openxmlformats.org/officeDocument/2006/relationships" xmlns:p="http://schemas.openxmlformats.org/presentationml/2006/main" show="0">
+  <p:cSld>
+    <p:spTree>
+      <p:nvGrpSpPr>
+        <p:cNvPr id="1" name=""/>
+        <p:cNvGrpSpPr/>
+        <p:nvPr/>
+      </p:nvGrpSpPr>
+      <p:grpSpPr>
+        <a:xfrm>
+          <a:off x="0" y="0"/>
+          <a:ext cx="0" cy="0"/>
+          <a:chOff x="0" y="0"/>
+          <a:chExt cx="0" cy="0"/>
+        </a:xfrm>
+      </p:grpSpPr>
+      <p:sp>
+        <p:nvSpPr>
+          <p:cNvPr id="4097" name="Rectangle 1"/>
+          <p:cNvSpPr>
+            <a:spLocks noChangeArrowheads="1"/>
+          </p:cNvSpPr>
+          <p:nvPr/>
+        </p:nvSpPr>
+        <p:spPr bwMode="auto">
+          <a:xfrm>
+            <a:off x="918858" y="1070593"/>
+            <a:ext cx="7101191" cy="1631216"/>
+          </a:xfrm>
+          <a:prstGeom prst="rect">
+            <a:avLst/>
+          </a:prstGeom>
+          <a:solidFill>
+            <a:srgbClr val="FFFFFF"/>
+          </a:solidFill>
+          <a:ln w="9525">
+            <a:noFill/>
+            <a:miter lim="800000"/>
+            <a:headEnd/>
+            <a:tailEnd/>
+          </a:ln>
+          <a:effectLst/>
+        </p:spPr>
+        <p:txBody>
+          <a:bodyPr vert="horz" wrap="square" lIns="91440" tIns="45720" rIns="91440" bIns="45720" numCol="1" anchor="ctr" anchorCtr="0" compatLnSpc="1">
+            <a:prstTxWarp prst="textNoShape">
+              <a:avLst/>
+            </a:prstTxWarp>
+            <a:spAutoFit/>
+          </a:bodyPr>
+          <a:lstStyle/>
+          <a:p>
+            <a:pPr marL="0" marR="0" lvl="0" indent="0" algn="l" defTabSz="914400" rtl="0" eaLnBrk="1" fontAlgn="base" latinLnBrk="0" hangingPunct="1">
+              <a:lnSpc>
+                <a:spcPct val="100000"/>
+              </a:lnSpc>
+              <a:spcBef>
+                <a:spcPct val="0"/>
+              </a:spcBef>
+              <a:spcAft>
+                <a:spcPct val="0"/>
+              </a:spcAft>
+              <a:buClrTx/>
+              <a:buSzTx/>
+              <a:buFontTx/>
+              <a:buNone/>
+              <a:tabLst/>
+            </a:pPr>
+            <a:r>
+              <a:rPr kumimoji="0" lang="ru-RU" sz="2000" b="0" i="0" u="none" strike="noStrike" cap="none" normalizeH="0" baseline="0" dirty="0" smtClean="0">
+                <a:ln>
+                  <a:noFill/>
+                </a:ln>
+                <a:solidFill>
+                  <a:srgbClr val="000000"/>
+                </a:solidFill>
+                <a:effectLst/>
+                <a:latin typeface="Arial" pitchFamily="34" charset="0"/>
+                <a:ea typeface="Arial" pitchFamily="34" charset="0"/>
+                <a:cs typeface="Calibri" pitchFamily="34" charset="0"/>
+              </a:rPr>
+              <a:t>Выводы</a:t>
+            </a:r>
+            <a:endParaRPr kumimoji="0" lang="ru-RU" sz="600" b="0" i="0" u="none" strike="noStrike" cap="none" normalizeH="0" baseline="0" dirty="0" smtClean="0">
+              <a:ln>
+                <a:noFill/>
+              </a:ln>
+              <a:solidFill>
+                <a:schemeClr val="tx1"/>
+              </a:solidFill>
+              <a:effectLst/>
+              <a:latin typeface="Arial" pitchFamily="34" charset="0"/>
+              <a:cs typeface="Arial" pitchFamily="34" charset="0"/>
+            </a:endParaRPr>
+          </a:p>
+          <a:p>
+            <a:pPr marL="0" marR="0" lvl="0" indent="0" algn="l" defTabSz="914400" rtl="0" eaLnBrk="0" fontAlgn="base" latinLnBrk="0" hangingPunct="0">
+              <a:lnSpc>
+                <a:spcPct val="100000"/>
+              </a:lnSpc>
+              <a:spcBef>
+                <a:spcPct val="0"/>
+              </a:spcBef>
+              <a:spcAft>
+                <a:spcPct val="0"/>
+              </a:spcAft>
+              <a:buClrTx/>
+              <a:buSzTx/>
+              <a:buFontTx/>
+              <a:buNone/>
+              <a:tabLst/>
+            </a:pPr>
+            <a:r>
+              <a:rPr kumimoji="0" lang="ru-RU" sz="1200" b="0" i="0" u="none" strike="noStrike" cap="none" normalizeH="0" baseline="0" dirty="0" smtClean="0">
+                <a:ln>
+                  <a:noFill/>
+                </a:ln>
+                <a:solidFill>
+                  <a:srgbClr val="000000"/>
+                </a:solidFill>
+                <a:effectLst/>
+                <a:latin typeface="Arial" pitchFamily="34" charset="0"/>
+                <a:ea typeface="Calibri" pitchFamily="34" charset="0"/>
+                <a:cs typeface="Calibri" pitchFamily="34" charset="0"/>
+              </a:rPr>
+              <a:t>В ходе термодинамического исследования кристаллизационной устойчивости халькогенидных стёкол </a:t>
+            </a:r>
+            <a:r>
+              <a:rPr kumimoji="0" lang="ru-RU" sz="1200" b="0" i="0" u="none" strike="noStrike" cap="none" normalizeH="0" baseline="0" dirty="0" err="1" smtClean="0">
+                <a:ln>
+                  <a:noFill/>
+                </a:ln>
+                <a:solidFill>
+                  <a:srgbClr val="000000"/>
+                </a:solidFill>
+                <a:effectLst/>
+                <a:latin typeface="Arial" pitchFamily="34" charset="0"/>
+                <a:ea typeface="Calibri" pitchFamily="34" charset="0"/>
+                <a:cs typeface="Calibri" pitchFamily="34" charset="0"/>
+              </a:rPr>
+              <a:t>GexGaySez</a:t>
+            </a:r>
+            <a:r>
+              <a:rPr kumimoji="0" lang="ru-RU" sz="1200" b="0" i="0" u="none" strike="noStrike" cap="none" normalizeH="0" baseline="0" dirty="0" smtClean="0">
+                <a:ln>
+                  <a:noFill/>
+                </a:ln>
+                <a:solidFill>
+                  <a:srgbClr val="000000"/>
+                </a:solidFill>
+                <a:effectLst/>
+                <a:latin typeface="Arial" pitchFamily="34" charset="0"/>
+                <a:ea typeface="Calibri" pitchFamily="34" charset="0"/>
+                <a:cs typeface="Calibri" pitchFamily="34" charset="0"/>
+              </a:rPr>
+              <a:t> </a:t>
+            </a:r>
+            <a:r>
+              <a:rPr kumimoji="0" lang="ru-RU" sz="1300" b="0" i="0" u="none" strike="noStrike" cap="none" normalizeH="0" baseline="0" dirty="0" smtClean="0">
+                <a:ln>
+                  <a:noFill/>
+                </a:ln>
+                <a:solidFill>
+                  <a:srgbClr val="000000"/>
+                </a:solidFill>
+                <a:effectLst/>
+                <a:latin typeface="Times New Roman" pitchFamily="18" charset="0"/>
+                <a:ea typeface="Calibri" pitchFamily="34" charset="0"/>
+                <a:cs typeface="Times New Roman" pitchFamily="18" charset="0"/>
+              </a:rPr>
+              <a:t>методом минимизации энергии Гиббса:</a:t>
+            </a:r>
+            <a:endParaRPr kumimoji="0" lang="ru-RU" sz="600" b="0" i="0" u="none" strike="noStrike" cap="none" normalizeH="0" baseline="0" dirty="0" smtClean="0">
+              <a:ln>
+                <a:noFill/>
+              </a:ln>
+              <a:solidFill>
+                <a:schemeClr val="tx1"/>
+              </a:solidFill>
+              <a:effectLst/>
+              <a:latin typeface="Arial" pitchFamily="34" charset="0"/>
+              <a:cs typeface="Arial" pitchFamily="34" charset="0"/>
+            </a:endParaRPr>
+          </a:p>
+          <a:p>
+            <a:pPr marL="0" marR="0" lvl="0" indent="0" algn="l" defTabSz="914400" rtl="0" eaLnBrk="0" fontAlgn="base" latinLnBrk="0" hangingPunct="0">
+              <a:lnSpc>
+                <a:spcPct val="100000"/>
+              </a:lnSpc>
+              <a:spcBef>
+                <a:spcPct val="0"/>
+              </a:spcBef>
+              <a:spcAft>
+                <a:spcPct val="0"/>
+              </a:spcAft>
+              <a:buClrTx/>
+              <a:buSzTx/>
+              <a:buFontTx/>
+              <a:buChar char="•"/>
+              <a:tabLst/>
+            </a:pPr>
+            <a:r>
+              <a:rPr kumimoji="0" lang="ru-RU" sz="1100" b="0" i="0" u="none" strike="noStrike" cap="none" normalizeH="0" baseline="0" dirty="0" smtClean="0">
+                <a:ln>
+                  <a:noFill/>
+                </a:ln>
+                <a:solidFill>
+                  <a:srgbClr val="000000"/>
+                </a:solidFill>
+                <a:effectLst/>
+                <a:latin typeface="Arial" pitchFamily="34" charset="0"/>
+                <a:ea typeface="Calibri" pitchFamily="34" charset="0"/>
+                <a:cs typeface="Calibri" pitchFamily="34" charset="0"/>
+              </a:rPr>
+              <a:t>с позиции ассоциированных растворов проведено моделирование расплава и раствора твёрдых компонентов, определен температурный интервал плавления.</a:t>
+            </a:r>
+            <a:endParaRPr kumimoji="0" lang="ru-RU" sz="600" b="0" i="0" u="none" strike="noStrike" cap="none" normalizeH="0" baseline="0" dirty="0" smtClean="0">
+              <a:ln>
+                <a:noFill/>
+              </a:ln>
+              <a:solidFill>
+                <a:schemeClr val="tx1"/>
+              </a:solidFill>
+              <a:effectLst/>
+              <a:latin typeface="Arial" pitchFamily="34" charset="0"/>
+              <a:cs typeface="Arial" pitchFamily="34" charset="0"/>
+            </a:endParaRPr>
+          </a:p>
+          <a:p>
+            <a:pPr marL="0" marR="0" lvl="0" indent="0" algn="l" defTabSz="914400" rtl="0" eaLnBrk="0" fontAlgn="base" latinLnBrk="0" hangingPunct="0">
+              <a:lnSpc>
+                <a:spcPct val="100000"/>
+              </a:lnSpc>
+              <a:spcBef>
+                <a:spcPct val="0"/>
+              </a:spcBef>
+              <a:spcAft>
+                <a:spcPct val="0"/>
+              </a:spcAft>
+              <a:buClrTx/>
+              <a:buSzTx/>
+              <a:buFontTx/>
+              <a:buChar char="•"/>
+              <a:tabLst/>
+            </a:pPr>
+            <a:r>
+              <a:rPr kumimoji="0" lang="ru-RU" sz="1100" b="0" i="0" u="none" strike="noStrike" cap="none" normalizeH="0" baseline="0" dirty="0" smtClean="0">
+                <a:ln>
+                  <a:noFill/>
+                </a:ln>
+                <a:solidFill>
+                  <a:srgbClr val="000000"/>
+                </a:solidFill>
+                <a:effectLst/>
+                <a:latin typeface="Arial" pitchFamily="34" charset="0"/>
+                <a:ea typeface="Calibri" pitchFamily="34" charset="0"/>
+                <a:cs typeface="Calibri" pitchFamily="34" charset="0"/>
+              </a:rPr>
+              <a:t>путём сопоставления химических потенциалов кристаллических компонентов и экстраполированных в область переохлаждённого расплава предсказана кристаллизация в зависимости от состава стёкол.</a:t>
+            </a:r>
+            <a:endParaRPr kumimoji="0" lang="ru-RU" sz="600" b="0" i="0" u="none" strike="noStrike" cap="none" normalizeH="0" baseline="0" dirty="0" smtClean="0">
+              <a:ln>
+                <a:noFill/>
+              </a:ln>
+              <a:solidFill>
+                <a:schemeClr val="tx1"/>
+              </a:solidFill>
+              <a:effectLst/>
+              <a:latin typeface="Arial" pitchFamily="34" charset="0"/>
+              <a:cs typeface="Arial" pitchFamily="34" charset="0"/>
+            </a:endParaRPr>
+          </a:p>
+          <a:p>
+            <a:pPr marL="0" marR="0" lvl="0" indent="0" algn="l" defTabSz="914400" rtl="0" eaLnBrk="0" fontAlgn="base" latinLnBrk="0" hangingPunct="0">
+              <a:lnSpc>
+                <a:spcPct val="100000"/>
+              </a:lnSpc>
+              <a:spcBef>
+                <a:spcPct val="0"/>
+              </a:spcBef>
+              <a:spcAft>
+                <a:spcPct val="0"/>
+              </a:spcAft>
+              <a:buClrTx/>
+              <a:buSzTx/>
+              <a:buFontTx/>
+              <a:buChar char="•"/>
+              <a:tabLst/>
+            </a:pPr>
+            <a:r>
+              <a:rPr kumimoji="0" lang="ru-RU" sz="1100" b="0" i="0" u="none" strike="noStrike" cap="none" normalizeH="0" baseline="0" dirty="0" smtClean="0">
+                <a:ln>
+                  <a:noFill/>
+                </a:ln>
+                <a:solidFill>
+                  <a:schemeClr val="tx1"/>
+                </a:solidFill>
+                <a:effectLst/>
+                <a:latin typeface="Arial" pitchFamily="34" charset="0"/>
+                <a:ea typeface="Calibri" pitchFamily="34" charset="0"/>
+                <a:cs typeface="Calibri" pitchFamily="34" charset="0"/>
+              </a:rPr>
+              <a:t>Проведена интерпретация кривых ДСК изученных составов стекол</a:t>
+            </a:r>
+            <a:endParaRPr kumimoji="0" lang="ru-RU" sz="1800" b="0" i="0" u="none" strike="noStrike" cap="none" normalizeH="0" baseline="0" dirty="0" smtClean="0">
+              <a:ln>
+                <a:noFill/>
+              </a:ln>
+              <a:solidFill>
+                <a:schemeClr val="tx1"/>
+              </a:solidFill>
+              <a:effectLst/>
+              <a:latin typeface="Arial" pitchFamily="34" charset="0"/>
+              <a:cs typeface="Arial" pitchFamily="34" charset="0"/>
+            </a:endParaRPr>
+          </a:p>
+        </p:txBody>
+      </p:sp>
+    </p:spTree>
+    <p:extLst>
+      <p:ext uri="{BB962C8B-B14F-4D97-AF65-F5344CB8AC3E}">
+        <p14:creationId xmlns:p14="http://schemas.microsoft.com/office/powerpoint/2010/main" xmlns="" val="2050309021"/>
+      </p:ext>
+    </p:extLst>
+  </p:cSld>
+  <p:clrMapOvr>
+    <a:masterClrMapping/>
+  </p:clrMapOvr>
+  <mc:AlternateContent xmlns:mc="http://schemas.openxmlformats.org/markup-compatibility/2006">
+    <mc:Choice xmlns:p14="http://schemas.microsoft.com/office/powerpoint/2010/main" xmlns="" Requires="p14">
+      <p:transition spd="slow" p14:dur="2000"/>
+    </mc:Choice>
+    <mc:Fallback>
+      <p:transition spd="slow"/>
+    </mc:Fallback>
+  </mc:AlternateContent>
+  <p:timing>
+    <p:tnLst>
+      <p:par>
+        <p:cTn id="1" dur="indefinite" restart="never" nodeType="tmRoot"/>
+      </p:par>
+    </p:tnLst>
+  </p:timing>
+</p:sld>
+</file>
+
+<file path=ppt/slides/slide12.xml><?xml version="1.0" encoding="utf-8"?>
 <p:sld xmlns:a="http://schemas.openxmlformats.org/drawingml/2006/main" xmlns:r="http://schemas.openxmlformats.org/officeDocument/2006/relationships" xmlns:p="http://schemas.openxmlformats.org/presentationml/2006/main">
   <p:cSld>
     <p:spTree>
@@ -5659,58 +5894,16 @@
           <a:chExt cx="0" cy="0"/>
         </a:xfrm>
       </p:grpSpPr>
-      <p:pic>
-        <p:nvPicPr>
-          <p:cNvPr id="7" name="Рисунок 6">
-            <a:extLst>
-              <a:ext uri="{FF2B5EF4-FFF2-40B4-BE49-F238E27FC236}">
-                <a16:creationId xmlns:a16="http://schemas.microsoft.com/office/drawing/2014/main" xmlns="" id="{AA831770-25C6-481D-8C7C-E44FB23070D2}"/>
-              </a:ext>
-            </a:extLst>
-          </p:cNvPr>
-          <p:cNvPicPr>
-            <a:picLocks noChangeAspect="1"/>
-          </p:cNvPicPr>
-          <p:nvPr/>
-        </p:nvPicPr>
-        <p:blipFill>
-          <a:blip r:embed="rId3">
-            <a:extLst>
-              <a:ext uri="{28A0092B-C50C-407E-A947-70E740481C1C}">
-                <a14:useLocalDpi xmlns:a14="http://schemas.microsoft.com/office/drawing/2010/main" val="0"/>
-              </a:ext>
-            </a:extLst>
-          </a:blip>
-          <a:stretch>
-            <a:fillRect/>
-          </a:stretch>
-        </p:blipFill>
-        <p:spPr>
-          <a:xfrm>
-            <a:off x="0" y="660552"/>
-            <a:ext cx="9144000" cy="4737697"/>
-          </a:xfrm>
-          <a:prstGeom prst="rect">
-            <a:avLst/>
-          </a:prstGeom>
-        </p:spPr>
-      </p:pic>
-      <p:sp>
-        <p:nvSpPr>
-          <p:cNvPr id="8" name="TextBox 7">
-            <a:extLst>
-              <a:ext uri="{FF2B5EF4-FFF2-40B4-BE49-F238E27FC236}">
-                <a16:creationId xmlns:a16="http://schemas.microsoft.com/office/drawing/2014/main" xmlns="" id="{757E0D39-3F19-455C-828F-7DE32E599CA4}"/>
-              </a:ext>
-            </a:extLst>
-          </p:cNvPr>
+      <p:sp>
+        <p:nvSpPr>
+          <p:cNvPr id="2" name="TextBox 1"/>
           <p:cNvSpPr txBox="1"/>
           <p:nvPr/>
         </p:nvSpPr>
         <p:spPr>
           <a:xfrm>
-            <a:off x="2352454" y="5450144"/>
-            <a:ext cx="1131410" cy="507831"/>
+            <a:off x="0" y="1114066"/>
+            <a:ext cx="9144000" cy="4401205"/>
           </a:xfrm>
           <a:prstGeom prst="rect">
             <a:avLst/>
@@ -5725,753 +5918,54 @@
           <a:p>
             <a:pPr algn="ctr"/>
             <a:r>
-              <a:rPr lang="ru-RU" sz="1350" dirty="0"/>
-              <a:t>Стеклование </a:t>
-            </a:r>
-            <a:r>
-              <a:rPr lang="ru-RU" sz="1350" b="1" dirty="0"/>
-              <a:t>450 – 530 К</a:t>
-            </a:r>
-          </a:p>
-        </p:txBody>
-      </p:sp>
-      <p:cxnSp>
-        <p:nvCxnSpPr>
-          <p:cNvPr id="9" name="Прямая со стрелкой 8">
-            <a:extLst>
-              <a:ext uri="{FF2B5EF4-FFF2-40B4-BE49-F238E27FC236}">
-                <a16:creationId xmlns:a16="http://schemas.microsoft.com/office/drawing/2014/main" xmlns="" id="{FC9E49D8-25C7-4E26-AA1B-9C6E30C8E674}"/>
-              </a:ext>
-            </a:extLst>
-          </p:cNvPr>
-          <p:cNvCxnSpPr>
-            <a:cxnSpLocks/>
-            <a:stCxn id="8" idx="0"/>
-          </p:cNvCxnSpPr>
-          <p:nvPr/>
-        </p:nvCxnSpPr>
-        <p:spPr>
-          <a:xfrm flipV="1">
-            <a:off x="2918159" y="4873925"/>
-            <a:ext cx="6196" cy="576219"/>
-          </a:xfrm>
-          <a:prstGeom prst="straightConnector1">
-            <a:avLst/>
-          </a:prstGeom>
-          <a:ln w="19050">
-            <a:solidFill>
-              <a:schemeClr val="tx1">
-                <a:lumMod val="95000"/>
-                <a:lumOff val="5000"/>
-              </a:schemeClr>
-            </a:solidFill>
-            <a:tailEnd type="triangle"/>
-          </a:ln>
-        </p:spPr>
-        <p:style>
-          <a:lnRef idx="1">
-            <a:schemeClr val="accent1"/>
-          </a:lnRef>
-          <a:fillRef idx="0">
-            <a:schemeClr val="accent1"/>
-          </a:fillRef>
-          <a:effectRef idx="0">
-            <a:schemeClr val="accent1"/>
-          </a:effectRef>
-          <a:fontRef idx="minor">
-            <a:schemeClr val="tx1"/>
-          </a:fontRef>
-        </p:style>
-      </p:cxnSp>
-      <p:sp>
-        <p:nvSpPr>
-          <p:cNvPr id="10" name="TextBox 9">
-            <a:extLst>
-              <a:ext uri="{FF2B5EF4-FFF2-40B4-BE49-F238E27FC236}">
-                <a16:creationId xmlns:a16="http://schemas.microsoft.com/office/drawing/2014/main" xmlns="" id="{8C138558-5385-46C3-888F-ECBA285B4CF8}"/>
-              </a:ext>
-            </a:extLst>
-          </p:cNvPr>
-          <p:cNvSpPr txBox="1"/>
-          <p:nvPr/>
-        </p:nvSpPr>
-        <p:spPr>
-          <a:xfrm>
-            <a:off x="5160969" y="5473429"/>
-            <a:ext cx="1131410" cy="507831"/>
-          </a:xfrm>
-          <a:prstGeom prst="rect">
-            <a:avLst/>
-          </a:prstGeom>
-          <a:noFill/>
-        </p:spPr>
-        <p:txBody>
-          <a:bodyPr wrap="square" rtlCol="0">
-            <a:spAutoFit/>
-          </a:bodyPr>
-          <a:lstStyle/>
+              <a:rPr lang="ru-RU" sz="3200" dirty="0" smtClean="0"/>
+              <a:t>Спасибо за внимание</a:t>
+            </a:r>
+            <a:r>
+              <a:rPr lang="ru-RU" sz="3200" dirty="0" smtClean="0"/>
+              <a:t>!</a:t>
+            </a:r>
+          </a:p>
           <a:p>
             <a:pPr algn="ctr"/>
-            <a:r>
-              <a:rPr lang="ru-RU" sz="1350" dirty="0"/>
-              <a:t>Малый пик </a:t>
-            </a:r>
-            <a:r>
-              <a:rPr lang="ru-RU" sz="1350" b="1" dirty="0"/>
-              <a:t>680 – 710 К</a:t>
-            </a:r>
-          </a:p>
-        </p:txBody>
-      </p:sp>
-      <p:cxnSp>
-        <p:nvCxnSpPr>
-          <p:cNvPr id="11" name="Прямая со стрелкой 10">
-            <a:extLst>
-              <a:ext uri="{FF2B5EF4-FFF2-40B4-BE49-F238E27FC236}">
-                <a16:creationId xmlns:a16="http://schemas.microsoft.com/office/drawing/2014/main" xmlns="" id="{9D8847D6-696E-4C34-8DCE-25936195B971}"/>
-              </a:ext>
-            </a:extLst>
-          </p:cNvPr>
-          <p:cNvCxnSpPr>
-            <a:cxnSpLocks/>
-            <a:stCxn id="10" idx="0"/>
-          </p:cNvCxnSpPr>
-          <p:nvPr/>
-        </p:nvCxnSpPr>
-        <p:spPr>
-          <a:xfrm flipV="1">
-            <a:off x="5726674" y="4873925"/>
-            <a:ext cx="1266" cy="599504"/>
-          </a:xfrm>
-          <a:prstGeom prst="straightConnector1">
-            <a:avLst/>
-          </a:prstGeom>
-          <a:ln w="19050">
-            <a:solidFill>
-              <a:schemeClr val="tx1">
-                <a:lumMod val="95000"/>
-                <a:lumOff val="5000"/>
-              </a:schemeClr>
-            </a:solidFill>
-            <a:tailEnd type="triangle"/>
-          </a:ln>
-        </p:spPr>
-        <p:style>
-          <a:lnRef idx="1">
-            <a:schemeClr val="accent1"/>
-          </a:lnRef>
-          <a:fillRef idx="0">
-            <a:schemeClr val="accent1"/>
-          </a:fillRef>
-          <a:effectRef idx="0">
-            <a:schemeClr val="accent1"/>
-          </a:effectRef>
-          <a:fontRef idx="minor">
-            <a:schemeClr val="tx1"/>
-          </a:fontRef>
-        </p:style>
-      </p:cxnSp>
-      <p:sp>
-        <p:nvSpPr>
-          <p:cNvPr id="12" name="TextBox 11">
-            <a:extLst>
-              <a:ext uri="{FF2B5EF4-FFF2-40B4-BE49-F238E27FC236}">
-                <a16:creationId xmlns:a16="http://schemas.microsoft.com/office/drawing/2014/main" xmlns="" id="{4F807073-A10C-4232-A5D0-A589F67B0A3F}"/>
-              </a:ext>
-            </a:extLst>
-          </p:cNvPr>
-          <p:cNvSpPr txBox="1"/>
-          <p:nvPr/>
-        </p:nvSpPr>
-        <p:spPr>
-          <a:xfrm>
-            <a:off x="5547443" y="6194894"/>
-            <a:ext cx="1532709" cy="507831"/>
-          </a:xfrm>
-          <a:prstGeom prst="rect">
-            <a:avLst/>
-          </a:prstGeom>
-          <a:noFill/>
-        </p:spPr>
-        <p:txBody>
-          <a:bodyPr wrap="square" rtlCol="0">
-            <a:spAutoFit/>
-          </a:bodyPr>
-          <a:lstStyle/>
+            <a:endParaRPr lang="ru-RU" sz="3200" dirty="0" smtClean="0"/>
+          </a:p>
           <a:p>
             <a:pPr algn="ctr"/>
             <a:r>
-              <a:rPr lang="ru-RU" sz="1350" dirty="0"/>
-              <a:t>Основной пик</a:t>
+              <a:rPr lang="ru-RU" sz="3200" dirty="0" smtClean="0"/>
+              <a:t>Термический анализ выполнен в лаборатории </a:t>
+            </a:r>
+            <a:r>
+              <a:rPr lang="ru-RU" sz="3200" dirty="0" err="1" smtClean="0"/>
+              <a:t>ТВСиРСВ</a:t>
+            </a:r>
+            <a:r>
+              <a:rPr lang="ru-RU" sz="3200" dirty="0" smtClean="0"/>
+              <a:t> ИХВВ РАН</a:t>
             </a:r>
           </a:p>
           <a:p>
             <a:pPr algn="ctr"/>
             <a:r>
-              <a:rPr lang="ru-RU" sz="1350" dirty="0"/>
-              <a:t> </a:t>
-            </a:r>
-            <a:r>
-              <a:rPr lang="ru-RU" sz="1350" b="1" dirty="0"/>
-              <a:t>710 – 770 К</a:t>
-            </a:r>
-          </a:p>
-        </p:txBody>
-      </p:sp>
-      <p:cxnSp>
-        <p:nvCxnSpPr>
-          <p:cNvPr id="13" name="Прямая со стрелкой 12">
-            <a:extLst>
-              <a:ext uri="{FF2B5EF4-FFF2-40B4-BE49-F238E27FC236}">
-                <a16:creationId xmlns:a16="http://schemas.microsoft.com/office/drawing/2014/main" xmlns="" id="{2E47D80F-1DF2-4B1B-B073-5E5707B5B369}"/>
-              </a:ext>
-            </a:extLst>
-          </p:cNvPr>
-          <p:cNvCxnSpPr>
-            <a:cxnSpLocks/>
-            <a:stCxn id="12" idx="0"/>
-          </p:cNvCxnSpPr>
-          <p:nvPr/>
-        </p:nvCxnSpPr>
-        <p:spPr>
-          <a:xfrm flipV="1">
-            <a:off x="6313798" y="4873925"/>
-            <a:ext cx="20475" cy="1320969"/>
-          </a:xfrm>
-          <a:prstGeom prst="straightConnector1">
-            <a:avLst/>
-          </a:prstGeom>
-          <a:ln w="19050">
-            <a:solidFill>
-              <a:schemeClr val="tx1">
-                <a:lumMod val="95000"/>
-                <a:lumOff val="5000"/>
-              </a:schemeClr>
-            </a:solidFill>
-            <a:tailEnd type="triangle"/>
-          </a:ln>
-        </p:spPr>
-        <p:style>
-          <a:lnRef idx="1">
-            <a:schemeClr val="accent1"/>
-          </a:lnRef>
-          <a:fillRef idx="0">
-            <a:schemeClr val="accent1"/>
-          </a:fillRef>
-          <a:effectRef idx="0">
-            <a:schemeClr val="accent1"/>
-          </a:effectRef>
-          <a:fontRef idx="minor">
-            <a:schemeClr val="tx1"/>
-          </a:fontRef>
-        </p:style>
-      </p:cxnSp>
-      <p:sp>
-        <p:nvSpPr>
-          <p:cNvPr id="14" name="TextBox 13">
-            <a:extLst>
-              <a:ext uri="{FF2B5EF4-FFF2-40B4-BE49-F238E27FC236}">
-                <a16:creationId xmlns:a16="http://schemas.microsoft.com/office/drawing/2014/main" xmlns="" id="{2D9DE8E8-0798-4B09-8AC7-DDC84BDF886C}"/>
-              </a:ext>
-            </a:extLst>
-          </p:cNvPr>
-          <p:cNvSpPr txBox="1"/>
-          <p:nvPr/>
-        </p:nvSpPr>
-        <p:spPr>
-          <a:xfrm>
-            <a:off x="6397585" y="5522839"/>
-            <a:ext cx="1131410" cy="507831"/>
-          </a:xfrm>
-          <a:prstGeom prst="rect">
-            <a:avLst/>
-          </a:prstGeom>
-          <a:noFill/>
-        </p:spPr>
-        <p:txBody>
-          <a:bodyPr wrap="square" rtlCol="0">
-            <a:spAutoFit/>
-          </a:bodyPr>
-          <a:lstStyle/>
+              <a:rPr lang="ru-RU" sz="3200" dirty="0" smtClean="0"/>
+              <a:t>Образцы стекол представлены лаб. ВБС</a:t>
+            </a:r>
+          </a:p>
           <a:p>
             <a:pPr algn="ctr"/>
-            <a:r>
-              <a:rPr lang="ru-RU" sz="1350" dirty="0"/>
-              <a:t>Пауза</a:t>
-            </a:r>
+            <a:endParaRPr lang="ru-RU" sz="6000" dirty="0" smtClean="0"/>
           </a:p>
           <a:p>
             <a:pPr algn="ctr"/>
-            <a:r>
-              <a:rPr lang="ru-RU" sz="1350" b="1" dirty="0"/>
-              <a:t>770 – 790 К</a:t>
-            </a:r>
-          </a:p>
-        </p:txBody>
-      </p:sp>
-      <p:cxnSp>
-        <p:nvCxnSpPr>
-          <p:cNvPr id="15" name="Прямая со стрелкой 14">
-            <a:extLst>
-              <a:ext uri="{FF2B5EF4-FFF2-40B4-BE49-F238E27FC236}">
-                <a16:creationId xmlns:a16="http://schemas.microsoft.com/office/drawing/2014/main" xmlns="" id="{04022C07-CEF0-41DE-BBD0-D8A06792F017}"/>
-              </a:ext>
-            </a:extLst>
-          </p:cNvPr>
-          <p:cNvCxnSpPr>
-            <a:cxnSpLocks/>
-            <a:stCxn id="14" idx="0"/>
-          </p:cNvCxnSpPr>
-          <p:nvPr/>
-        </p:nvCxnSpPr>
-        <p:spPr>
-          <a:xfrm flipH="1" flipV="1">
-            <a:off x="6776352" y="4873925"/>
-            <a:ext cx="186938" cy="648914"/>
-          </a:xfrm>
-          <a:prstGeom prst="straightConnector1">
-            <a:avLst/>
-          </a:prstGeom>
-          <a:ln w="19050">
-            <a:solidFill>
-              <a:schemeClr val="tx1">
-                <a:lumMod val="95000"/>
-                <a:lumOff val="5000"/>
-              </a:schemeClr>
-            </a:solidFill>
-            <a:tailEnd type="triangle"/>
-          </a:ln>
-        </p:spPr>
-        <p:style>
-          <a:lnRef idx="1">
-            <a:schemeClr val="accent1"/>
-          </a:lnRef>
-          <a:fillRef idx="0">
-            <a:schemeClr val="accent1"/>
-          </a:fillRef>
-          <a:effectRef idx="0">
-            <a:schemeClr val="accent1"/>
-          </a:effectRef>
-          <a:fontRef idx="minor">
-            <a:schemeClr val="tx1"/>
-          </a:fontRef>
-        </p:style>
-      </p:cxnSp>
-      <p:sp>
-        <p:nvSpPr>
-          <p:cNvPr id="16" name="TextBox 15">
-            <a:extLst>
-              <a:ext uri="{FF2B5EF4-FFF2-40B4-BE49-F238E27FC236}">
-                <a16:creationId xmlns:a16="http://schemas.microsoft.com/office/drawing/2014/main" xmlns="" id="{61D33984-B7A6-4DA0-8769-81C75B1796BA}"/>
-              </a:ext>
-            </a:extLst>
-          </p:cNvPr>
-          <p:cNvSpPr txBox="1"/>
-          <p:nvPr/>
-        </p:nvSpPr>
-        <p:spPr>
-          <a:xfrm>
-            <a:off x="7338111" y="6194894"/>
-            <a:ext cx="1131410" cy="507831"/>
-          </a:xfrm>
-          <a:prstGeom prst="rect">
-            <a:avLst/>
-          </a:prstGeom>
-          <a:noFill/>
-        </p:spPr>
-        <p:txBody>
-          <a:bodyPr wrap="square" rtlCol="0">
-            <a:spAutoFit/>
-          </a:bodyPr>
-          <a:lstStyle/>
-          <a:p>
-            <a:pPr algn="ctr"/>
-            <a:r>
-              <a:rPr lang="ru-RU" sz="1350" dirty="0"/>
-              <a:t>Плавление </a:t>
-            </a:r>
-            <a:r>
-              <a:rPr lang="ru-RU" sz="1350" b="1" dirty="0"/>
-              <a:t>790 – 860 К</a:t>
-            </a:r>
-          </a:p>
-        </p:txBody>
-      </p:sp>
-      <p:cxnSp>
-        <p:nvCxnSpPr>
-          <p:cNvPr id="17" name="Прямая со стрелкой 16">
-            <a:extLst>
-              <a:ext uri="{FF2B5EF4-FFF2-40B4-BE49-F238E27FC236}">
-                <a16:creationId xmlns:a16="http://schemas.microsoft.com/office/drawing/2014/main" xmlns="" id="{41DB674A-73A9-4C04-B807-E81BFB9D6545}"/>
-              </a:ext>
-            </a:extLst>
-          </p:cNvPr>
-          <p:cNvCxnSpPr>
-            <a:cxnSpLocks/>
-            <a:stCxn id="16" idx="0"/>
-          </p:cNvCxnSpPr>
-          <p:nvPr/>
-        </p:nvCxnSpPr>
-        <p:spPr>
-          <a:xfrm flipH="1" flipV="1">
-            <a:off x="7458919" y="4873925"/>
-            <a:ext cx="444897" cy="1320969"/>
-          </a:xfrm>
-          <a:prstGeom prst="straightConnector1">
-            <a:avLst/>
-          </a:prstGeom>
-          <a:ln w="19050">
-            <a:solidFill>
-              <a:schemeClr val="tx1">
-                <a:lumMod val="95000"/>
-                <a:lumOff val="5000"/>
-              </a:schemeClr>
-            </a:solidFill>
-            <a:tailEnd type="triangle"/>
-          </a:ln>
-        </p:spPr>
-        <p:style>
-          <a:lnRef idx="1">
-            <a:schemeClr val="accent1"/>
-          </a:lnRef>
-          <a:fillRef idx="0">
-            <a:schemeClr val="accent1"/>
-          </a:fillRef>
-          <a:effectRef idx="0">
-            <a:schemeClr val="accent1"/>
-          </a:effectRef>
-          <a:fontRef idx="minor">
-            <a:schemeClr val="tx1"/>
-          </a:fontRef>
-        </p:style>
-      </p:cxnSp>
-      <p:sp>
-        <p:nvSpPr>
-          <p:cNvPr id="18" name="Стрелка: вверх 17">
-            <a:extLst>
-              <a:ext uri="{FF2B5EF4-FFF2-40B4-BE49-F238E27FC236}">
-                <a16:creationId xmlns:a16="http://schemas.microsoft.com/office/drawing/2014/main" xmlns="" id="{74CD410F-C1D0-4747-85E5-DA26B5C9CA30}"/>
-              </a:ext>
-            </a:extLst>
-          </p:cNvPr>
-          <p:cNvSpPr/>
-          <p:nvPr/>
-        </p:nvSpPr>
-        <p:spPr>
-          <a:xfrm>
-            <a:off x="8749263" y="660552"/>
-            <a:ext cx="394737" cy="1680754"/>
-          </a:xfrm>
-          <a:prstGeom prst="upArrow">
-            <a:avLst/>
-          </a:prstGeom>
-          <a:noFill/>
-          <a:ln w="19050">
-            <a:solidFill>
-              <a:schemeClr val="tx1"/>
-            </a:solidFill>
-          </a:ln>
-        </p:spPr>
-        <p:style>
-          <a:lnRef idx="2">
-            <a:schemeClr val="accent1">
-              <a:shade val="50000"/>
-            </a:schemeClr>
-          </a:lnRef>
-          <a:fillRef idx="1">
-            <a:schemeClr val="accent1"/>
-          </a:fillRef>
-          <a:effectRef idx="0">
-            <a:schemeClr val="accent1"/>
-          </a:effectRef>
-          <a:fontRef idx="minor">
-            <a:schemeClr val="lt1"/>
-          </a:fontRef>
-        </p:style>
-        <p:txBody>
-          <a:bodyPr vert="vert" rtlCol="0" anchor="ctr"/>
-          <a:lstStyle>
-            <a:lvl1pPr marL="0" indent="0">
-              <a:defRPr sz="1100">
-                <a:solidFill>
-                  <a:schemeClr val="lt1"/>
-                </a:solidFill>
-                <a:latin typeface="+mn-lt"/>
-                <a:ea typeface="+mn-ea"/>
-                <a:cs typeface="+mn-cs"/>
-              </a:defRPr>
-            </a:lvl1pPr>
-            <a:lvl2pPr marL="457200" indent="0">
-              <a:defRPr sz="1100">
-                <a:solidFill>
-                  <a:schemeClr val="lt1"/>
-                </a:solidFill>
-                <a:latin typeface="+mn-lt"/>
-                <a:ea typeface="+mn-ea"/>
-                <a:cs typeface="+mn-cs"/>
-              </a:defRPr>
-            </a:lvl2pPr>
-            <a:lvl3pPr marL="914400" indent="0">
-              <a:defRPr sz="1100">
-                <a:solidFill>
-                  <a:schemeClr val="lt1"/>
-                </a:solidFill>
-                <a:latin typeface="+mn-lt"/>
-                <a:ea typeface="+mn-ea"/>
-                <a:cs typeface="+mn-cs"/>
-              </a:defRPr>
-            </a:lvl3pPr>
-            <a:lvl4pPr marL="1371600" indent="0">
-              <a:defRPr sz="1100">
-                <a:solidFill>
-                  <a:schemeClr val="lt1"/>
-                </a:solidFill>
-                <a:latin typeface="+mn-lt"/>
-                <a:ea typeface="+mn-ea"/>
-                <a:cs typeface="+mn-cs"/>
-              </a:defRPr>
-            </a:lvl4pPr>
-            <a:lvl5pPr marL="1828800" indent="0">
-              <a:defRPr sz="1100">
-                <a:solidFill>
-                  <a:schemeClr val="lt1"/>
-                </a:solidFill>
-                <a:latin typeface="+mn-lt"/>
-                <a:ea typeface="+mn-ea"/>
-                <a:cs typeface="+mn-cs"/>
-              </a:defRPr>
-            </a:lvl5pPr>
-            <a:lvl6pPr marL="2286000" indent="0">
-              <a:defRPr sz="1100">
-                <a:solidFill>
-                  <a:schemeClr val="lt1"/>
-                </a:solidFill>
-                <a:latin typeface="+mn-lt"/>
-                <a:ea typeface="+mn-ea"/>
-                <a:cs typeface="+mn-cs"/>
-              </a:defRPr>
-            </a:lvl6pPr>
-            <a:lvl7pPr marL="2743200" indent="0">
-              <a:defRPr sz="1100">
-                <a:solidFill>
-                  <a:schemeClr val="lt1"/>
-                </a:solidFill>
-                <a:latin typeface="+mn-lt"/>
-                <a:ea typeface="+mn-ea"/>
-                <a:cs typeface="+mn-cs"/>
-              </a:defRPr>
-            </a:lvl7pPr>
-            <a:lvl8pPr marL="3200400" indent="0">
-              <a:defRPr sz="1100">
-                <a:solidFill>
-                  <a:schemeClr val="lt1"/>
-                </a:solidFill>
-                <a:latin typeface="+mn-lt"/>
-                <a:ea typeface="+mn-ea"/>
-                <a:cs typeface="+mn-cs"/>
-              </a:defRPr>
-            </a:lvl8pPr>
-            <a:lvl9pPr marL="3657600" indent="0">
-              <a:defRPr sz="1100">
-                <a:solidFill>
-                  <a:schemeClr val="lt1"/>
-                </a:solidFill>
-                <a:latin typeface="+mn-lt"/>
-                <a:ea typeface="+mn-ea"/>
-                <a:cs typeface="+mn-cs"/>
-              </a:defRPr>
-            </a:lvl9pPr>
-          </a:lstStyle>
-          <a:p>
-            <a:pPr algn="ctr"/>
-            <a:r>
-              <a:rPr lang="ru-RU" sz="1050" b="1" dirty="0">
-                <a:solidFill>
-                  <a:schemeClr val="tx1"/>
-                </a:solidFill>
-              </a:rPr>
-              <a:t>экзотермический эффект</a:t>
-            </a:r>
-          </a:p>
-        </p:txBody>
-      </p:sp>
-      <p:sp>
-        <p:nvSpPr>
-          <p:cNvPr id="19" name="TextBox 18">
-            <a:extLst>
-              <a:ext uri="{FF2B5EF4-FFF2-40B4-BE49-F238E27FC236}">
-                <a16:creationId xmlns:a16="http://schemas.microsoft.com/office/drawing/2014/main" xmlns="" id="{1ACB1DFD-4D85-42BE-81CB-C2F6A6880106}"/>
-              </a:ext>
-            </a:extLst>
-          </p:cNvPr>
-          <p:cNvSpPr txBox="1"/>
-          <p:nvPr/>
-        </p:nvSpPr>
-        <p:spPr>
-          <a:xfrm>
-            <a:off x="0" y="133449"/>
-            <a:ext cx="9144000" cy="523220"/>
-          </a:xfrm>
-          <a:prstGeom prst="rect">
-            <a:avLst/>
-          </a:prstGeom>
-          <a:noFill/>
-        </p:spPr>
-        <p:txBody>
-          <a:bodyPr wrap="square">
-            <a:spAutoFit/>
-          </a:bodyPr>
-          <a:lstStyle/>
-          <a:p>
-            <a:pPr algn="ctr"/>
-            <a:r>
-              <a:rPr lang="en-US" sz="2800" dirty="0"/>
-              <a:t>Ge</a:t>
-            </a:r>
-            <a:r>
-              <a:rPr lang="en-US" sz="1400" dirty="0"/>
-              <a:t>3</a:t>
-            </a:r>
-            <a:r>
-              <a:rPr lang="ru-RU" sz="1400" dirty="0"/>
-              <a:t>5</a:t>
-            </a:r>
-            <a:r>
-              <a:rPr lang="en-US" sz="2800" dirty="0"/>
-              <a:t>Ga</a:t>
-            </a:r>
-            <a:r>
-              <a:rPr lang="ru-RU" sz="1400" dirty="0"/>
-              <a:t>5</a:t>
-            </a:r>
-            <a:r>
-              <a:rPr lang="en-US" sz="2800" dirty="0"/>
-              <a:t>Se</a:t>
-            </a:r>
-            <a:r>
-              <a:rPr lang="en-US" sz="1400" dirty="0"/>
-              <a:t>60</a:t>
-            </a:r>
-            <a:endParaRPr lang="ru-RU" sz="2800" dirty="0"/>
+            <a:endParaRPr lang="ru-RU" sz="6000" dirty="0" smtClean="0"/>
           </a:p>
         </p:txBody>
       </p:sp>
     </p:spTree>
     <p:extLst>
       <p:ext uri="{BB962C8B-B14F-4D97-AF65-F5344CB8AC3E}">
-        <p14:creationId xmlns:p14="http://schemas.microsoft.com/office/powerpoint/2010/main" val="2859075751"/>
-      </p:ext>
-    </p:extLst>
-  </p:cSld>
-  <p:clrMapOvr>
-    <a:masterClrMapping/>
-  </p:clrMapOvr>
-  <p:timing>
-    <p:tnLst>
-      <p:par>
-        <p:cTn id="1" dur="indefinite" restart="never" nodeType="tmRoot"/>
-      </p:par>
-    </p:tnLst>
-  </p:timing>
-</p:sld>
-</file>
-
-<file path=ppt/slides/slide12.xml><?xml version="1.0" encoding="utf-8"?>
-<p:sld xmlns:a="http://schemas.openxmlformats.org/drawingml/2006/main" xmlns:r="http://schemas.openxmlformats.org/officeDocument/2006/relationships" xmlns:p="http://schemas.openxmlformats.org/presentationml/2006/main" show="0">
-  <p:cSld>
-    <p:spTree>
-      <p:nvGrpSpPr>
-        <p:cNvPr id="1" name=""/>
-        <p:cNvGrpSpPr/>
-        <p:nvPr/>
-      </p:nvGrpSpPr>
-      <p:grpSpPr>
-        <a:xfrm>
-          <a:off x="0" y="0"/>
-          <a:ext cx="0" cy="0"/>
-          <a:chOff x="0" y="0"/>
-          <a:chExt cx="0" cy="0"/>
-        </a:xfrm>
-      </p:grpSpPr>
-    </p:spTree>
-    <p:extLst>
-      <p:ext uri="{BB962C8B-B14F-4D97-AF65-F5344CB8AC3E}">
-        <p14:creationId xmlns:p14="http://schemas.microsoft.com/office/powerpoint/2010/main" val="2050309021"/>
-      </p:ext>
-    </p:extLst>
-  </p:cSld>
-  <p:clrMapOvr>
-    <a:masterClrMapping/>
-  </p:clrMapOvr>
-  <mc:AlternateContent xmlns:mc="http://schemas.openxmlformats.org/markup-compatibility/2006">
-    <mc:Choice xmlns:p14="http://schemas.microsoft.com/office/powerpoint/2010/main" Requires="p14">
-      <p:transition spd="slow" p14:dur="2000"/>
-    </mc:Choice>
-    <mc:Fallback>
-      <p:transition spd="slow"/>
-    </mc:Fallback>
-  </mc:AlternateContent>
-  <p:timing>
-    <p:tnLst>
-      <p:par>
-        <p:cTn id="1" dur="indefinite" restart="never" nodeType="tmRoot"/>
-      </p:par>
-    </p:tnLst>
-  </p:timing>
-</p:sld>
-</file>
-
-<file path=ppt/slides/slide13.xml><?xml version="1.0" encoding="utf-8"?>
-<p:sld xmlns:a="http://schemas.openxmlformats.org/drawingml/2006/main" xmlns:r="http://schemas.openxmlformats.org/officeDocument/2006/relationships" xmlns:p="http://schemas.openxmlformats.org/presentationml/2006/main">
-  <p:cSld>
-    <p:spTree>
-      <p:nvGrpSpPr>
-        <p:cNvPr id="1" name=""/>
-        <p:cNvGrpSpPr/>
-        <p:nvPr/>
-      </p:nvGrpSpPr>
-      <p:grpSpPr>
-        <a:xfrm>
-          <a:off x="0" y="0"/>
-          <a:ext cx="0" cy="0"/>
-          <a:chOff x="0" y="0"/>
-          <a:chExt cx="0" cy="0"/>
-        </a:xfrm>
-      </p:grpSpPr>
-      <p:sp>
-        <p:nvSpPr>
-          <p:cNvPr id="2" name="TextBox 1"/>
-          <p:cNvSpPr txBox="1"/>
-          <p:nvPr/>
-        </p:nvSpPr>
-        <p:spPr>
-          <a:xfrm>
-            <a:off x="0" y="1923691"/>
-            <a:ext cx="9144000" cy="1015663"/>
-          </a:xfrm>
-          <a:prstGeom prst="rect">
-            <a:avLst/>
-          </a:prstGeom>
-          <a:noFill/>
-        </p:spPr>
-        <p:txBody>
-          <a:bodyPr wrap="square" rtlCol="0">
-            <a:spAutoFit/>
-          </a:bodyPr>
-          <a:lstStyle/>
-          <a:p>
-            <a:pPr algn="ctr"/>
-            <a:r>
-              <a:rPr lang="ru-RU" sz="6000" dirty="0" smtClean="0"/>
-              <a:t>Спасибо за внимание!</a:t>
-            </a:r>
-          </a:p>
-        </p:txBody>
-      </p:sp>
-    </p:spTree>
-    <p:extLst>
-      <p:ext uri="{BB962C8B-B14F-4D97-AF65-F5344CB8AC3E}">
-        <p14:creationId xmlns:p14="http://schemas.microsoft.com/office/powerpoint/2010/main" val="4203807464"/>
+        <p14:creationId xmlns:p14="http://schemas.microsoft.com/office/powerpoint/2010/main" xmlns="" val="4203807464"/>
       </p:ext>
     </p:extLst>
   </p:cSld>
@@ -6517,7 +6011,7 @@
           <a:blip r:embed="rId3" cstate="print">
             <a:extLst>
               <a:ext uri="{28A0092B-C50C-407E-A947-70E740481C1C}">
-                <a14:useLocalDpi xmlns:a14="http://schemas.microsoft.com/office/drawing/2010/main" val="0"/>
+                <a14:useLocalDpi xmlns:a14="http://schemas.microsoft.com/office/drawing/2010/main" xmlns="" val="0"/>
               </a:ext>
             </a:extLst>
           </a:blip>
@@ -6540,7 +6034,7 @@
           </a:effectLst>
           <a:extLst>
             <a:ext uri="{909E8E84-426E-40DD-AFC4-6F175D3DCCD1}">
-              <a14:hiddenFill xmlns:a14="http://schemas.microsoft.com/office/drawing/2010/main">
+              <a14:hiddenFill xmlns:a14="http://schemas.microsoft.com/office/drawing/2010/main" xmlns="">
                 <a:solidFill>
                   <a:srgbClr val="FFFFFF"/>
                 </a:solidFill>
@@ -6561,7 +6055,7 @@
           <a:blip r:embed="rId4" cstate="print">
             <a:extLst>
               <a:ext uri="{28A0092B-C50C-407E-A947-70E740481C1C}">
-                <a14:useLocalDpi xmlns:a14="http://schemas.microsoft.com/office/drawing/2010/main" val="0"/>
+                <a14:useLocalDpi xmlns:a14="http://schemas.microsoft.com/office/drawing/2010/main" xmlns="" val="0"/>
               </a:ext>
             </a:extLst>
           </a:blip>
@@ -6584,7 +6078,7 @@
           </a:effectLst>
           <a:extLst>
             <a:ext uri="{909E8E84-426E-40DD-AFC4-6F175D3DCCD1}">
-              <a14:hiddenFill xmlns:a14="http://schemas.microsoft.com/office/drawing/2010/main">
+              <a14:hiddenFill xmlns:a14="http://schemas.microsoft.com/office/drawing/2010/main" xmlns="">
                 <a:solidFill>
                   <a:srgbClr val="FFFFFF"/>
                 </a:solidFill>
@@ -6605,7 +6099,7 @@
           <a:blip r:embed="rId5" cstate="print">
             <a:extLst>
               <a:ext uri="{28A0092B-C50C-407E-A947-70E740481C1C}">
-                <a14:useLocalDpi xmlns:a14="http://schemas.microsoft.com/office/drawing/2010/main" val="0"/>
+                <a14:useLocalDpi xmlns:a14="http://schemas.microsoft.com/office/drawing/2010/main" xmlns="" val="0"/>
               </a:ext>
             </a:extLst>
           </a:blip>
@@ -6634,10 +6128,10 @@
           <p:nvPr/>
         </p:nvPicPr>
         <p:blipFill rotWithShape="1">
-          <a:blip r:embed="rId6">
+          <a:blip r:embed="rId6" cstate="print">
             <a:extLst>
               <a:ext uri="{28A0092B-C50C-407E-A947-70E740481C1C}">
-                <a14:useLocalDpi xmlns:a14="http://schemas.microsoft.com/office/drawing/2010/main" val="0"/>
+                <a14:useLocalDpi xmlns:a14="http://schemas.microsoft.com/office/drawing/2010/main" xmlns="" val="0"/>
               </a:ext>
             </a:extLst>
           </a:blip>
@@ -6658,7 +6152,7 @@
           </a:effectLst>
           <a:extLst>
             <a:ext uri="{909E8E84-426E-40DD-AFC4-6F175D3DCCD1}">
-              <a14:hiddenFill xmlns:a14="http://schemas.microsoft.com/office/drawing/2010/main">
+              <a14:hiddenFill xmlns:a14="http://schemas.microsoft.com/office/drawing/2010/main" xmlns="">
                 <a:solidFill>
                   <a:srgbClr val="FFFFFF"/>
                 </a:solidFill>
@@ -6676,10 +6170,10 @@
           <p:nvPr/>
         </p:nvPicPr>
         <p:blipFill rotWithShape="1">
-          <a:blip r:embed="rId7">
+          <a:blip r:embed="rId7" cstate="print">
             <a:extLst>
               <a:ext uri="{28A0092B-C50C-407E-A947-70E740481C1C}">
-                <a14:useLocalDpi xmlns:a14="http://schemas.microsoft.com/office/drawing/2010/main" val="0"/>
+                <a14:useLocalDpi xmlns:a14="http://schemas.microsoft.com/office/drawing/2010/main" xmlns="" val="0"/>
               </a:ext>
             </a:extLst>
           </a:blip>
@@ -6700,7 +6194,7 @@
           </a:effectLst>
           <a:extLst>
             <a:ext uri="{909E8E84-426E-40DD-AFC4-6F175D3DCCD1}">
-              <a14:hiddenFill xmlns:a14="http://schemas.microsoft.com/office/drawing/2010/main">
+              <a14:hiddenFill xmlns:a14="http://schemas.microsoft.com/office/drawing/2010/main" xmlns="">
                 <a:solidFill>
                   <a:srgbClr val="FFFFFF"/>
                 </a:solidFill>
@@ -6721,7 +6215,7 @@
           <a:blip r:embed="rId8" cstate="print">
             <a:extLst>
               <a:ext uri="{28A0092B-C50C-407E-A947-70E740481C1C}">
-                <a14:useLocalDpi xmlns:a14="http://schemas.microsoft.com/office/drawing/2010/main" val="0"/>
+                <a14:useLocalDpi xmlns:a14="http://schemas.microsoft.com/office/drawing/2010/main" xmlns="" val="0"/>
               </a:ext>
             </a:extLst>
           </a:blip>
@@ -6744,7 +6238,7 @@
           </a:effectLst>
           <a:extLst>
             <a:ext uri="{909E8E84-426E-40DD-AFC4-6F175D3DCCD1}">
-              <a14:hiddenFill xmlns:a14="http://schemas.microsoft.com/office/drawing/2010/main">
+              <a14:hiddenFill xmlns:a14="http://schemas.microsoft.com/office/drawing/2010/main" xmlns="">
                 <a:solidFill>
                   <a:srgbClr val="FFFFFF"/>
                 </a:solidFill>
@@ -6821,10 +6315,151 @@
           </a:fontRef>
         </p:style>
       </p:cxnSp>
+      <p:sp>
+        <p:nvSpPr>
+          <p:cNvPr id="24577" name="Rectangle 1"/>
+          <p:cNvSpPr>
+            <a:spLocks noChangeArrowheads="1"/>
+          </p:cNvSpPr>
+          <p:nvPr/>
+        </p:nvSpPr>
+        <p:spPr bwMode="auto">
+          <a:xfrm>
+            <a:off x="1638907" y="1091196"/>
+            <a:ext cx="5457217" cy="646331"/>
+          </a:xfrm>
+          <a:prstGeom prst="rect">
+            <a:avLst/>
+          </a:prstGeom>
+          <a:solidFill>
+            <a:srgbClr val="FFFFFF"/>
+          </a:solidFill>
+          <a:ln w="9525">
+            <a:noFill/>
+            <a:miter lim="800000"/>
+            <a:headEnd/>
+            <a:tailEnd/>
+          </a:ln>
+          <a:effectLst/>
+        </p:spPr>
+        <p:txBody>
+          <a:bodyPr vert="horz" wrap="square" lIns="91440" tIns="45720" rIns="91440" bIns="45720" numCol="1" anchor="ctr" anchorCtr="0" compatLnSpc="1">
+            <a:prstTxWarp prst="textNoShape">
+              <a:avLst/>
+            </a:prstTxWarp>
+            <a:spAutoFit/>
+          </a:bodyPr>
+          <a:lstStyle/>
+          <a:p>
+            <a:pPr marL="0" marR="0" lvl="0" indent="288925" algn="just" defTabSz="914400" rtl="0" eaLnBrk="1" fontAlgn="base" latinLnBrk="0" hangingPunct="1">
+              <a:lnSpc>
+                <a:spcPct val="100000"/>
+              </a:lnSpc>
+              <a:spcBef>
+                <a:spcPct val="0"/>
+              </a:spcBef>
+              <a:spcAft>
+                <a:spcPct val="0"/>
+              </a:spcAft>
+              <a:buClrTx/>
+              <a:buSzTx/>
+              <a:buFontTx/>
+              <a:buNone/>
+              <a:tabLst/>
+            </a:pPr>
+            <a:r>
+              <a:rPr kumimoji="0" lang="ru-RU" sz="1200" b="0" i="0" u="none" strike="noStrike" cap="none" normalizeH="0" baseline="0" dirty="0" smtClean="0">
+                <a:ln>
+                  <a:noFill/>
+                </a:ln>
+                <a:solidFill>
+                  <a:srgbClr val="000000"/>
+                </a:solidFill>
+                <a:effectLst/>
+                <a:latin typeface="Arial" pitchFamily="34" charset="0"/>
+                <a:ea typeface="Calibri" pitchFamily="34" charset="0"/>
+                <a:cs typeface="Calibri" pitchFamily="34" charset="0"/>
+              </a:rPr>
+              <a:t>Цель данной работы: методом минимизации энергии Гиббса</a:t>
+            </a:r>
+            <a:r>
+              <a:rPr kumimoji="0" lang="ru-RU" sz="1200" b="0" i="0" u="none" strike="noStrike" cap="none" normalizeH="0" baseline="0" dirty="0" smtClean="0">
+                <a:ln>
+                  <a:noFill/>
+                </a:ln>
+                <a:solidFill>
+                  <a:srgbClr val="222222"/>
+                </a:solidFill>
+                <a:effectLst/>
+                <a:latin typeface="Arial" pitchFamily="34" charset="0"/>
+                <a:ea typeface="Calibri" pitchFamily="34" charset="0"/>
+                <a:cs typeface="Calibri" pitchFamily="34" charset="0"/>
+              </a:rPr>
+              <a:t> </a:t>
+            </a:r>
+            <a:r>
+              <a:rPr kumimoji="0" lang="ru-RU" sz="1200" b="0" i="0" u="none" strike="noStrike" cap="none" normalizeH="0" baseline="0" dirty="0" smtClean="0">
+                <a:ln>
+                  <a:noFill/>
+                </a:ln>
+                <a:solidFill>
+                  <a:srgbClr val="000000"/>
+                </a:solidFill>
+                <a:effectLst/>
+                <a:latin typeface="Arial" pitchFamily="34" charset="0"/>
+                <a:ea typeface="Calibri" pitchFamily="34" charset="0"/>
+                <a:cs typeface="Calibri" pitchFamily="34" charset="0"/>
+              </a:rPr>
+              <a:t>определить температурные режимы синтеза и состав возможных кристаллических фаз в стеклообразующей системе </a:t>
+            </a:r>
+            <a:r>
+              <a:rPr kumimoji="0" lang="ru-RU" sz="1200" b="0" i="0" u="none" strike="noStrike" cap="none" normalizeH="0" baseline="0" dirty="0" err="1" smtClean="0">
+                <a:ln>
+                  <a:noFill/>
+                </a:ln>
+                <a:solidFill>
+                  <a:srgbClr val="222222"/>
+                </a:solidFill>
+                <a:effectLst/>
+                <a:latin typeface="Arial" pitchFamily="34" charset="0"/>
+                <a:ea typeface="Calibri" pitchFamily="34" charset="0"/>
+                <a:cs typeface="Calibri" pitchFamily="34" charset="0"/>
+              </a:rPr>
+              <a:t>Ge-Ga-Se</a:t>
+            </a:r>
+            <a:r>
+              <a:rPr kumimoji="0" lang="ru-RU" sz="1200" b="0" i="0" u="none" strike="noStrike" cap="none" normalizeH="0" baseline="0" dirty="0" smtClean="0">
+                <a:ln>
+                  <a:noFill/>
+                </a:ln>
+                <a:solidFill>
+                  <a:srgbClr val="222222"/>
+                </a:solidFill>
+                <a:effectLst/>
+                <a:latin typeface="Arial" pitchFamily="34" charset="0"/>
+                <a:ea typeface="Calibri" pitchFamily="34" charset="0"/>
+                <a:cs typeface="Calibri" pitchFamily="34" charset="0"/>
+              </a:rPr>
+              <a:t>.</a:t>
+            </a:r>
+            <a:endParaRPr kumimoji="0" lang="ru-RU" sz="1800" b="0" i="0" u="none" strike="noStrike" cap="none" normalizeH="0" baseline="0" dirty="0" smtClean="0">
+              <a:ln>
+                <a:noFill/>
+              </a:ln>
+              <a:solidFill>
+                <a:schemeClr val="tx1"/>
+              </a:solidFill>
+              <a:effectLst/>
+              <a:latin typeface="Arial" pitchFamily="34" charset="0"/>
+              <a:cs typeface="Arial" pitchFamily="34" charset="0"/>
+            </a:endParaRPr>
+          </a:p>
+        </p:txBody>
+      </p:sp>
     </p:spTree>
     <p:extLst>
       <p:ext uri="{BB962C8B-B14F-4D97-AF65-F5344CB8AC3E}">
-        <p14:creationId xmlns:p14="http://schemas.microsoft.com/office/powerpoint/2010/main" val="2394028940"/>
+        <p14:creationId xmlns:p14="http://schemas.microsoft.com/office/powerpoint/2010/main" xmlns="" val="2394028940"/>
       </p:ext>
     </p:extLst>
   </p:cSld>
@@ -6858,299 +6493,50 @@
           <a:chExt cx="0" cy="0"/>
         </a:xfrm>
       </p:grpSpPr>
+      <p:sp>
+        <p:nvSpPr>
+          <p:cNvPr id="2" name="TextBox 1">
+            <a:extLst>
+              <a:ext uri="{FF2B5EF4-FFF2-40B4-BE49-F238E27FC236}">
+                <a16:creationId xmlns="" xmlns:a14="http://schemas.microsoft.com/office/drawing/2010/main" xmlns:a16="http://schemas.microsoft.com/office/drawing/2014/main" xmlns:mc="http://schemas.openxmlformats.org/markup-compatibility/2006" id="{BE4C370A-E465-4D83-89C8-BA19E89EA5F4}"/>
+              </a:ext>
+            </a:extLst>
+          </p:cNvPr>
+          <p:cNvSpPr txBox="1">
+            <a:spLocks noRot="1" noChangeAspect="1" noMove="1" noResize="1" noEditPoints="1" noAdjustHandles="1" noChangeArrowheads="1" noChangeShapeType="1" noTextEdit="1"/>
+          </p:cNvSpPr>
+          <p:nvPr/>
+        </p:nvSpPr>
+        <p:spPr>
+          <a:xfrm>
+            <a:off x="152400" y="4101860"/>
+            <a:ext cx="4066903" cy="907941"/>
+          </a:xfrm>
+          <a:prstGeom prst="rect">
+            <a:avLst/>
+          </a:prstGeom>
+          <a:blipFill rotWithShape="0">
+            <a:blip r:embed="rId3" cstate="print"/>
+            <a:stretch>
+              <a:fillRect/>
+            </a:stretch>
+          </a:blipFill>
+        </p:spPr>
+        <p:txBody>
+          <a:bodyPr/>
+          <a:lstStyle/>
+          <a:p>
+            <a:r>
+              <a:rPr lang="ru-RU">
+                <a:noFill/>
+              </a:rPr>
+              <a:t> </a:t>
+            </a:r>
+          </a:p>
+        </p:txBody>
+      </p:sp>
       <mc:AlternateContent xmlns:mc="http://schemas.openxmlformats.org/markup-compatibility/2006">
-        <mc:Choice xmlns:a14="http://schemas.microsoft.com/office/drawing/2010/main" Requires="a14">
-          <p:sp>
-            <p:nvSpPr>
-              <p:cNvPr id="2" name="TextBox 1">
-                <a:extLst>
-                  <a:ext uri="{FF2B5EF4-FFF2-40B4-BE49-F238E27FC236}">
-                    <a16:creationId xmlns:a16="http://schemas.microsoft.com/office/drawing/2014/main" xmlns="" id="{BE4C370A-E465-4D83-89C8-BA19E89EA5F4}"/>
-                  </a:ext>
-                </a:extLst>
-              </p:cNvPr>
-              <p:cNvSpPr txBox="1"/>
-              <p:nvPr/>
-            </p:nvSpPr>
-            <p:spPr>
-              <a:xfrm>
-                <a:off x="152400" y="4101860"/>
-                <a:ext cx="4066903" cy="907941"/>
-              </a:xfrm>
-              <a:prstGeom prst="rect">
-                <a:avLst/>
-              </a:prstGeom>
-              <a:noFill/>
-            </p:spPr>
-            <p:txBody>
-              <a:bodyPr wrap="square" rtlCol="0">
-                <a:spAutoFit/>
-              </a:bodyPr>
-              <a:lstStyle/>
-              <a:p>
-                <a:pPr indent="288290">
-                  <a:lnSpc>
-                    <a:spcPct val="150000"/>
-                  </a:lnSpc>
-                  <a:spcAft>
-                    <a:spcPts val="600"/>
-                  </a:spcAft>
-                </a:pPr>
-                <a14:m>
-                  <m:oMathPara xmlns:m="http://schemas.openxmlformats.org/officeDocument/2006/math">
-                    <m:oMathParaPr>
-                      <m:jc m:val="centerGroup"/>
-                    </m:oMathParaPr>
-                    <m:oMath xmlns:m="http://schemas.openxmlformats.org/officeDocument/2006/math">
-                      <m:sSub>
-                        <m:sSubPr>
-                          <m:ctrlPr>
-                            <a:rPr lang="ru-RU" sz="3200" i="1" smtClean="0">
-                              <a:solidFill>
-                                <a:srgbClr val="000000"/>
-                              </a:solidFill>
-                              <a:effectLst/>
-                              <a:latin typeface="Cambria Math" panose="02040503050406030204" pitchFamily="18" charset="0"/>
-                              <a:ea typeface="Times New Roman" panose="02020603050405020304" pitchFamily="18" charset="0"/>
-                              <a:cs typeface="Calibri" panose="020F0502020204030204" pitchFamily="34" charset="0"/>
-                            </a:rPr>
-                          </m:ctrlPr>
-                        </m:sSubPr>
-                        <m:e>
-                          <m:r>
-                            <a:rPr lang="ru-RU" sz="3200">
-                              <a:solidFill>
-                                <a:srgbClr val="000000"/>
-                              </a:solidFill>
-                              <a:effectLst/>
-                              <a:latin typeface="Cambria Math" panose="02040503050406030204" pitchFamily="18" charset="0"/>
-                              <a:ea typeface="Times New Roman" panose="02020603050405020304" pitchFamily="18" charset="0"/>
-                              <a:cs typeface="Calibri" panose="020F0502020204030204" pitchFamily="34" charset="0"/>
-                            </a:rPr>
-                            <m:t>∆</m:t>
-                          </m:r>
-                          <m:r>
-                            <m:rPr>
-                              <m:sty m:val="p"/>
-                            </m:rPr>
-                            <a:rPr lang="en-US" sz="3200">
-                              <a:solidFill>
-                                <a:srgbClr val="000000"/>
-                              </a:solidFill>
-                              <a:effectLst/>
-                              <a:latin typeface="Cambria Math" panose="02040503050406030204" pitchFamily="18" charset="0"/>
-                              <a:ea typeface="Times New Roman" panose="02020603050405020304" pitchFamily="18" charset="0"/>
-                              <a:cs typeface="Calibri" panose="020F0502020204030204" pitchFamily="34" charset="0"/>
-                            </a:rPr>
-                            <m:t>μ</m:t>
-                          </m:r>
-                        </m:e>
-                        <m:sub>
-                          <m:r>
-                            <a:rPr lang="en-US" sz="3200" b="0" i="1" smtClean="0">
-                              <a:solidFill>
-                                <a:srgbClr val="000000"/>
-                              </a:solidFill>
-                              <a:effectLst/>
-                              <a:latin typeface="Cambria Math" panose="02040503050406030204" pitchFamily="18" charset="0"/>
-                              <a:ea typeface="Times New Roman" panose="02020603050405020304" pitchFamily="18" charset="0"/>
-                              <a:cs typeface="Calibri" panose="020F0502020204030204" pitchFamily="34" charset="0"/>
-                            </a:rPr>
-                            <m:t>𝐴𝐵</m:t>
-                          </m:r>
-                          <m:r>
-                            <a:rPr lang="en-US" sz="3200" i="1">
-                              <a:solidFill>
-                                <a:srgbClr val="000000"/>
-                              </a:solidFill>
-                              <a:effectLst/>
-                              <a:latin typeface="Cambria Math" panose="02040503050406030204" pitchFamily="18" charset="0"/>
-                              <a:ea typeface="Times New Roman" panose="02020603050405020304" pitchFamily="18" charset="0"/>
-                              <a:cs typeface="Calibri" panose="020F0502020204030204" pitchFamily="34" charset="0"/>
-                            </a:rPr>
-                            <m:t>2</m:t>
-                          </m:r>
-                        </m:sub>
-                      </m:sSub>
-                      <m:r>
-                        <a:rPr lang="en-US" sz="3200">
-                          <a:solidFill>
-                            <a:srgbClr val="000000"/>
-                          </a:solidFill>
-                          <a:effectLst/>
-                          <a:latin typeface="Cambria Math" panose="02040503050406030204" pitchFamily="18" charset="0"/>
-                          <a:ea typeface="Times New Roman" panose="02020603050405020304" pitchFamily="18" charset="0"/>
-                          <a:cs typeface="Calibri" panose="020F0502020204030204" pitchFamily="34" charset="0"/>
-                        </a:rPr>
-                        <m:t> = </m:t>
-                      </m:r>
-                      <m:sSub>
-                        <m:sSubPr>
-                          <m:ctrlPr>
-                            <a:rPr lang="ru-RU" sz="3200" i="1">
-                              <a:solidFill>
-                                <a:srgbClr val="000000"/>
-                              </a:solidFill>
-                              <a:effectLst/>
-                              <a:latin typeface="Cambria Math" panose="02040503050406030204" pitchFamily="18" charset="0"/>
-                              <a:ea typeface="Times New Roman" panose="02020603050405020304" pitchFamily="18" charset="0"/>
-                              <a:cs typeface="Calibri" panose="020F0502020204030204" pitchFamily="34" charset="0"/>
-                            </a:rPr>
-                          </m:ctrlPr>
-                        </m:sSubPr>
-                        <m:e>
-                          <m:r>
-                            <m:rPr>
-                              <m:sty m:val="p"/>
-                            </m:rPr>
-                            <a:rPr lang="en-US" sz="3200">
-                              <a:solidFill>
-                                <a:srgbClr val="000000"/>
-                              </a:solidFill>
-                              <a:effectLst/>
-                              <a:latin typeface="Cambria Math" panose="02040503050406030204" pitchFamily="18" charset="0"/>
-                              <a:ea typeface="Times New Roman" panose="02020603050405020304" pitchFamily="18" charset="0"/>
-                              <a:cs typeface="Calibri" panose="020F0502020204030204" pitchFamily="34" charset="0"/>
-                            </a:rPr>
-                            <m:t>μ</m:t>
-                          </m:r>
-                        </m:e>
-                        <m:sub>
-                          <m:r>
-                            <a:rPr lang="en-US" sz="3200" b="0" i="1" smtClean="0">
-                              <a:solidFill>
-                                <a:srgbClr val="000000"/>
-                              </a:solidFill>
-                              <a:effectLst/>
-                              <a:latin typeface="Cambria Math" panose="02040503050406030204" pitchFamily="18" charset="0"/>
-                              <a:ea typeface="Times New Roman" panose="02020603050405020304" pitchFamily="18" charset="0"/>
-                              <a:cs typeface="Calibri" panose="020F0502020204030204" pitchFamily="34" charset="0"/>
-                            </a:rPr>
-                            <m:t>𝐴</m:t>
-                          </m:r>
-                        </m:sub>
-                      </m:sSub>
-                      <m:r>
-                        <a:rPr lang="en-US" sz="3200" i="1">
-                          <a:solidFill>
-                            <a:srgbClr val="000000"/>
-                          </a:solidFill>
-                          <a:effectLst/>
-                          <a:latin typeface="Cambria Math" panose="02040503050406030204" pitchFamily="18" charset="0"/>
-                          <a:ea typeface="Times New Roman" panose="02020603050405020304" pitchFamily="18" charset="0"/>
-                          <a:cs typeface="Calibri" panose="020F0502020204030204" pitchFamily="34" charset="0"/>
-                        </a:rPr>
-                        <m:t>+2</m:t>
-                      </m:r>
-                      <m:sSub>
-                        <m:sSubPr>
-                          <m:ctrlPr>
-                            <a:rPr lang="ru-RU" sz="3200" i="1">
-                              <a:solidFill>
-                                <a:srgbClr val="000000"/>
-                              </a:solidFill>
-                              <a:effectLst/>
-                              <a:latin typeface="Cambria Math" panose="02040503050406030204" pitchFamily="18" charset="0"/>
-                              <a:ea typeface="Times New Roman" panose="02020603050405020304" pitchFamily="18" charset="0"/>
-                              <a:cs typeface="Calibri" panose="020F0502020204030204" pitchFamily="34" charset="0"/>
-                            </a:rPr>
-                          </m:ctrlPr>
-                        </m:sSubPr>
-                        <m:e>
-                          <m:r>
-                            <m:rPr>
-                              <m:sty m:val="p"/>
-                            </m:rPr>
-                            <a:rPr lang="en-US" sz="3200">
-                              <a:solidFill>
-                                <a:srgbClr val="000000"/>
-                              </a:solidFill>
-                              <a:effectLst/>
-                              <a:latin typeface="Cambria Math" panose="02040503050406030204" pitchFamily="18" charset="0"/>
-                              <a:ea typeface="Times New Roman" panose="02020603050405020304" pitchFamily="18" charset="0"/>
-                              <a:cs typeface="Calibri" panose="020F0502020204030204" pitchFamily="34" charset="0"/>
-                            </a:rPr>
-                            <m:t>μ</m:t>
-                          </m:r>
-                        </m:e>
-                        <m:sub>
-                          <m:r>
-                            <a:rPr lang="en-US" sz="3200" b="0" i="1" smtClean="0">
-                              <a:solidFill>
-                                <a:srgbClr val="000000"/>
-                              </a:solidFill>
-                              <a:effectLst/>
-                              <a:latin typeface="Cambria Math" panose="02040503050406030204" pitchFamily="18" charset="0"/>
-                              <a:ea typeface="Times New Roman" panose="02020603050405020304" pitchFamily="18" charset="0"/>
-                              <a:cs typeface="Calibri" panose="020F0502020204030204" pitchFamily="34" charset="0"/>
-                            </a:rPr>
-                            <m:t>𝐵</m:t>
-                          </m:r>
-                        </m:sub>
-                      </m:sSub>
-                    </m:oMath>
-                  </m:oMathPara>
-                </a14:m>
-                <a:endParaRPr lang="ru-RU" sz="3200" dirty="0">
-                  <a:solidFill>
-                    <a:srgbClr val="000000"/>
-                  </a:solidFill>
-                  <a:effectLst/>
-                  <a:latin typeface="Calibri" panose="020F0502020204030204" pitchFamily="34" charset="0"/>
-                  <a:ea typeface="Times New Roman" panose="02020603050405020304" pitchFamily="18" charset="0"/>
-                  <a:cs typeface="Calibri" panose="020F0502020204030204" pitchFamily="34" charset="0"/>
-                </a:endParaRPr>
-              </a:p>
-            </p:txBody>
-          </p:sp>
-        </mc:Choice>
-        <mc:Fallback>
-          <p:sp>
-            <p:nvSpPr>
-              <p:cNvPr id="2" name="TextBox 1">
-                <a:extLst>
-                  <a:ext uri="{FF2B5EF4-FFF2-40B4-BE49-F238E27FC236}">
-                    <a16:creationId xmlns:a16="http://schemas.microsoft.com/office/drawing/2014/main" xmlns:a14="http://schemas.microsoft.com/office/drawing/2010/main" xmlns="" id="{BE4C370A-E465-4D83-89C8-BA19E89EA5F4}"/>
-                  </a:ext>
-                </a:extLst>
-              </p:cNvPr>
-              <p:cNvSpPr txBox="1">
-                <a:spLocks noRot="1" noChangeAspect="1" noMove="1" noResize="1" noEditPoints="1" noAdjustHandles="1" noChangeArrowheads="1" noChangeShapeType="1" noTextEdit="1"/>
-              </p:cNvSpPr>
-              <p:nvPr/>
-            </p:nvSpPr>
-            <p:spPr>
-              <a:xfrm>
-                <a:off x="152400" y="4101860"/>
-                <a:ext cx="4066903" cy="907941"/>
-              </a:xfrm>
-              <a:prstGeom prst="rect">
-                <a:avLst/>
-              </a:prstGeom>
-              <a:blipFill rotWithShape="0">
-                <a:blip r:embed="rId3"/>
-                <a:stretch>
-                  <a:fillRect/>
-                </a:stretch>
-              </a:blipFill>
-            </p:spPr>
-            <p:txBody>
-              <a:bodyPr/>
-              <a:lstStyle/>
-              <a:p>
-                <a:r>
-                  <a:rPr lang="ru-RU">
-                    <a:noFill/>
-                  </a:rPr>
-                  <a:t> </a:t>
-                </a:r>
-              </a:p>
-            </p:txBody>
-          </p:sp>
-        </mc:Fallback>
-      </mc:AlternateContent>
-      <mc:AlternateContent xmlns:mc="http://schemas.openxmlformats.org/markup-compatibility/2006">
-        <mc:Choice xmlns:a14="http://schemas.microsoft.com/office/drawing/2010/main" Requires="a14">
+        <mc:Choice xmlns:a14="http://schemas.microsoft.com/office/drawing/2010/main" xmlns="" Requires="a14">
           <p:sp>
             <p:nvSpPr>
               <p:cNvPr id="4" name="TextBox 3">
@@ -7311,7 +6697,7 @@
               <p:cNvPr id="4" name="TextBox 3">
                 <a:extLst>
                   <a:ext uri="{FF2B5EF4-FFF2-40B4-BE49-F238E27FC236}">
-                    <a16:creationId xmlns:a16="http://schemas.microsoft.com/office/drawing/2014/main" xmlns:a14="http://schemas.microsoft.com/office/drawing/2010/main" xmlns="" id="{696DD8DB-2178-460D-B8AC-0314AEDA776F}"/>
+                    <a16:creationId xmlns="" xmlns:a14="http://schemas.microsoft.com/office/drawing/2010/main" xmlns:a16="http://schemas.microsoft.com/office/drawing/2014/main" id="{696DD8DB-2178-460D-B8AC-0314AEDA776F}"/>
                   </a:ext>
                 </a:extLst>
               </p:cNvPr>
@@ -7329,7 +6715,7 @@
                 <a:avLst/>
               </a:prstGeom>
               <a:blipFill rotWithShape="0">
-                <a:blip r:embed="rId4"/>
+                <a:blip r:embed="rId4" cstate="print"/>
                 <a:stretch>
                   <a:fillRect/>
                 </a:stretch>
@@ -7355,7 +6741,7 @@
           <p:cNvPr id="5" name="TextBox 4">
             <a:extLst>
               <a:ext uri="{FF2B5EF4-FFF2-40B4-BE49-F238E27FC236}">
-                <a16:creationId xmlns:a16="http://schemas.microsoft.com/office/drawing/2014/main" xmlns="" id="{30701818-A6AE-4933-87DF-06AD29BA61A8}"/>
+                <a16:creationId xmlns="" xmlns:a16="http://schemas.microsoft.com/office/drawing/2014/main" id="{30701818-A6AE-4933-87DF-06AD29BA61A8}"/>
               </a:ext>
             </a:extLst>
           </p:cNvPr>
@@ -7364,7 +6750,7 @@
         </p:nvSpPr>
         <p:spPr>
           <a:xfrm>
-            <a:off x="152400" y="3897684"/>
+            <a:off x="4782766" y="4917467"/>
             <a:ext cx="4153989" cy="369332"/>
           </a:xfrm>
           <a:prstGeom prst="rect">
@@ -7395,7 +6781,7 @@
           <p:cNvPr id="6" name="TextBox 5">
             <a:extLst>
               <a:ext uri="{FF2B5EF4-FFF2-40B4-BE49-F238E27FC236}">
-                <a16:creationId xmlns:a16="http://schemas.microsoft.com/office/drawing/2014/main" xmlns="" id="{1BCD4BBC-E89B-4827-80B2-04BA7814016F}"/>
+                <a16:creationId xmlns="" xmlns:a16="http://schemas.microsoft.com/office/drawing/2014/main" id="{1BCD4BBC-E89B-4827-80B2-04BA7814016F}"/>
               </a:ext>
             </a:extLst>
           </p:cNvPr>
@@ -7404,7 +6790,7 @@
         </p:nvSpPr>
         <p:spPr>
           <a:xfrm>
-            <a:off x="5397771" y="3897684"/>
+            <a:off x="5397771" y="3973884"/>
             <a:ext cx="2781755" cy="369332"/>
           </a:xfrm>
           <a:prstGeom prst="rect">
@@ -7435,7 +6821,7 @@
           <p:cNvPr id="8" name="Рисунок 7">
             <a:extLst>
               <a:ext uri="{FF2B5EF4-FFF2-40B4-BE49-F238E27FC236}">
-                <a16:creationId xmlns:a16="http://schemas.microsoft.com/office/drawing/2014/main" xmlns="" id="{AD7C7AC2-4109-4D2D-96A4-77D1DA5020AF}"/>
+                <a16:creationId xmlns="" xmlns:a16="http://schemas.microsoft.com/office/drawing/2014/main" id="{AD7C7AC2-4109-4D2D-96A4-77D1DA5020AF}"/>
               </a:ext>
             </a:extLst>
           </p:cNvPr>
@@ -7445,14 +6831,14 @@
           <p:nvPr/>
         </p:nvPicPr>
         <p:blipFill>
-          <a:blip r:embed="rId5"/>
+          <a:blip r:embed="rId5" cstate="print"/>
           <a:stretch>
             <a:fillRect/>
           </a:stretch>
         </p:blipFill>
         <p:spPr>
           <a:xfrm>
-            <a:off x="0" y="672860"/>
+            <a:off x="0" y="882410"/>
             <a:ext cx="4563535" cy="3030583"/>
           </a:xfrm>
           <a:prstGeom prst="rect">
@@ -7465,7 +6851,7 @@
           <p:cNvPr id="16" name="Рисунок 15">
             <a:extLst>
               <a:ext uri="{FF2B5EF4-FFF2-40B4-BE49-F238E27FC236}">
-                <a16:creationId xmlns:a16="http://schemas.microsoft.com/office/drawing/2014/main" xmlns="" id="{FC382331-0DC7-4D83-87F0-D862A7C6C5E6}"/>
+                <a16:creationId xmlns="" xmlns:a16="http://schemas.microsoft.com/office/drawing/2014/main" id="{FC382331-0DC7-4D83-87F0-D862A7C6C5E6}"/>
               </a:ext>
             </a:extLst>
           </p:cNvPr>
@@ -7475,14 +6861,14 @@
           <p:nvPr/>
         </p:nvPicPr>
         <p:blipFill>
-          <a:blip r:embed="rId6"/>
+          <a:blip r:embed="rId6" cstate="print"/>
           <a:stretch>
             <a:fillRect/>
           </a:stretch>
         </p:blipFill>
         <p:spPr>
           <a:xfrm>
-            <a:off x="4563535" y="672861"/>
+            <a:off x="-337023" y="3816174"/>
             <a:ext cx="4580466" cy="3041826"/>
           </a:xfrm>
           <a:prstGeom prst="rect">
@@ -7499,7 +6885,7 @@
         <p:spPr>
           <a:xfrm>
             <a:off x="10580" y="58322"/>
-            <a:ext cx="9133420" cy="461665"/>
+            <a:ext cx="9133420" cy="1200329"/>
           </a:xfrm>
           <a:prstGeom prst="rect">
             <a:avLst/>
@@ -7515,16 +6901,154 @@
             <a:pPr algn="ctr"/>
             <a:r>
               <a:rPr lang="ru-RU" sz="2400" b="1" dirty="0" smtClean="0"/>
+              <a:t>Теоретическая </a:t>
+            </a:r>
+            <a:r>
+              <a:rPr lang="ru-RU" sz="2400" b="1" dirty="0" smtClean="0"/>
+              <a:t>часть  </a:t>
+            </a:r>
+            <a:r>
+              <a:rPr lang="ru-RU" sz="2400" b="1" dirty="0" smtClean="0"/>
               <a:t>Методика расчета</a:t>
             </a:r>
+          </a:p>
+          <a:p>
+            <a:pPr algn="ctr"/>
+            <a:r>
+              <a:rPr lang="ru-RU" sz="2400" b="1" dirty="0" smtClean="0"/>
+              <a:t>Общий вид калькулятора </a:t>
+            </a:r>
+            <a:r>
+              <a:rPr lang="ru-RU" sz="2400" dirty="0" err="1" smtClean="0"/>
+              <a:t>Chemical</a:t>
+            </a:r>
+            <a:r>
+              <a:rPr lang="ru-RU" sz="2400" dirty="0" smtClean="0"/>
+              <a:t> </a:t>
+            </a:r>
+            <a:r>
+              <a:rPr lang="ru-RU" sz="2400" dirty="0" err="1" smtClean="0"/>
+              <a:t>Thermodynamics</a:t>
+            </a:r>
+            <a:r>
+              <a:rPr lang="ru-RU" sz="2400" dirty="0" smtClean="0"/>
+              <a:t> </a:t>
+            </a:r>
+            <a:r>
+              <a:rPr lang="ru-RU" sz="2400" dirty="0" err="1" smtClean="0"/>
+              <a:t>Calculator</a:t>
+            </a:r>
+            <a:r>
+              <a:rPr lang="ru-RU" sz="2400" dirty="0" smtClean="0"/>
+              <a:t> </a:t>
+            </a:r>
+            <a:r>
+              <a:rPr lang="ru-RU" sz="2400" dirty="0" smtClean="0"/>
+              <a:t> (автор Кутьин А.М.).</a:t>
+            </a:r>
+            <a:r>
+              <a:rPr lang="ru-RU" sz="2400" b="1" dirty="0" smtClean="0"/>
+              <a:t>:</a:t>
+            </a:r>
             <a:endParaRPr lang="ru-RU" sz="2400" b="1" dirty="0"/>
+          </a:p>
+        </p:txBody>
+      </p:sp>
+      <p:sp>
+        <p:nvSpPr>
+          <p:cNvPr id="10" name="Нижний колонтитул 9"/>
+          <p:cNvSpPr>
+            <a:spLocks noGrp="1"/>
+          </p:cNvSpPr>
+          <p:nvPr>
+            <p:ph type="ftr" sz="quarter" idx="11"/>
+          </p:nvPr>
+        </p:nvSpPr>
+        <p:spPr/>
+        <p:txBody>
+          <a:bodyPr/>
+          <a:lstStyle/>
+          <a:p>
+            <a:endParaRPr lang="ru-RU" dirty="0"/>
+          </a:p>
+        </p:txBody>
+      </p:sp>
+      <p:sp>
+        <p:nvSpPr>
+          <p:cNvPr id="11" name="TextBox 10">
+            <a:extLst>
+              <a:ext uri="{FF2B5EF4-FFF2-40B4-BE49-F238E27FC236}">
+                <a16:creationId xmlns="" xmlns:a16="http://schemas.microsoft.com/office/drawing/2014/main" id="{1BCD4BBC-E89B-4827-80B2-04BA7814016F}"/>
+              </a:ext>
+            </a:extLst>
+          </p:cNvPr>
+          <p:cNvSpPr txBox="1"/>
+          <p:nvPr/>
+        </p:nvSpPr>
+        <p:spPr>
+          <a:xfrm>
+            <a:off x="4950096" y="1868859"/>
+            <a:ext cx="2781755" cy="369332"/>
+          </a:xfrm>
+          <a:prstGeom prst="rect">
+            <a:avLst/>
+          </a:prstGeom>
+          <a:noFill/>
+        </p:spPr>
+        <p:txBody>
+          <a:bodyPr wrap="square" rtlCol="0">
+            <a:spAutoFit/>
+          </a:bodyPr>
+          <a:lstStyle/>
+          <a:p>
+            <a:r>
+              <a:rPr lang="ru-RU" dirty="0" smtClean="0"/>
+              <a:t>1. комментарий</a:t>
+            </a:r>
+            <a:endParaRPr lang="ru-RU" dirty="0"/>
+          </a:p>
+        </p:txBody>
+      </p:sp>
+      <p:sp>
+        <p:nvSpPr>
+          <p:cNvPr id="12" name="TextBox 11">
+            <a:extLst>
+              <a:ext uri="{FF2B5EF4-FFF2-40B4-BE49-F238E27FC236}">
+                <a16:creationId xmlns="" xmlns:a16="http://schemas.microsoft.com/office/drawing/2014/main" id="{1BCD4BBC-E89B-4827-80B2-04BA7814016F}"/>
+              </a:ext>
+            </a:extLst>
+          </p:cNvPr>
+          <p:cNvSpPr txBox="1"/>
+          <p:nvPr/>
+        </p:nvSpPr>
+        <p:spPr>
+          <a:xfrm>
+            <a:off x="4902471" y="5412159"/>
+            <a:ext cx="2781755" cy="369332"/>
+          </a:xfrm>
+          <a:prstGeom prst="rect">
+            <a:avLst/>
+          </a:prstGeom>
+          <a:noFill/>
+        </p:spPr>
+        <p:txBody>
+          <a:bodyPr wrap="square" rtlCol="0">
+            <a:spAutoFit/>
+          </a:bodyPr>
+          <a:lstStyle/>
+          <a:p>
+            <a:r>
+              <a:rPr lang="ru-RU" dirty="0" smtClean="0"/>
+              <a:t>2. комментарий</a:t>
+            </a:r>
+            <a:endParaRPr lang="ru-RU" dirty="0"/>
           </a:p>
         </p:txBody>
       </p:sp>
     </p:spTree>
     <p:extLst>
       <p:ext uri="{BB962C8B-B14F-4D97-AF65-F5344CB8AC3E}">
-        <p14:creationId xmlns:p14="http://schemas.microsoft.com/office/powerpoint/2010/main" val="491899554"/>
+        <p14:creationId xmlns:p14="http://schemas.microsoft.com/office/powerpoint/2010/main" xmlns="" val="491899554"/>
       </p:ext>
     </p:extLst>
   </p:cSld>
@@ -7563,7 +7087,7 @@
           <p:cNvPr id="3" name="Рисунок 2">
             <a:extLst>
               <a:ext uri="{FF2B5EF4-FFF2-40B4-BE49-F238E27FC236}">
-                <a16:creationId xmlns:a16="http://schemas.microsoft.com/office/drawing/2014/main" xmlns="" id="{E3E5A002-06C7-47EC-973E-D9F727D9900F}"/>
+                <a16:creationId xmlns="" xmlns:a16="http://schemas.microsoft.com/office/drawing/2014/main" id="{E3E5A002-06C7-47EC-973E-D9F727D9900F}"/>
               </a:ext>
             </a:extLst>
           </p:cNvPr>
@@ -7573,10 +7097,10 @@
           <p:nvPr/>
         </p:nvPicPr>
         <p:blipFill>
-          <a:blip r:embed="rId3">
+          <a:blip r:embed="rId3" cstate="print">
             <a:extLst>
               <a:ext uri="{28A0092B-C50C-407E-A947-70E740481C1C}">
-                <a14:useLocalDpi xmlns:a14="http://schemas.microsoft.com/office/drawing/2010/main" val="0"/>
+                <a14:useLocalDpi xmlns:a14="http://schemas.microsoft.com/office/drawing/2010/main" xmlns="" val="0"/>
               </a:ext>
             </a:extLst>
           </a:blip>
@@ -7588,36 +7112,6 @@
           <a:xfrm>
             <a:off x="-31080" y="0"/>
             <a:ext cx="9175079" cy="4753800"/>
-          </a:xfrm>
-          <a:prstGeom prst="rect">
-            <a:avLst/>
-          </a:prstGeom>
-        </p:spPr>
-      </p:pic>
-      <p:pic>
-        <p:nvPicPr>
-          <p:cNvPr id="47" name="Рисунок 46">
-            <a:extLst>
-              <a:ext uri="{FF2B5EF4-FFF2-40B4-BE49-F238E27FC236}">
-                <a16:creationId xmlns:a16="http://schemas.microsoft.com/office/drawing/2014/main" xmlns="" id="{19882C91-3EDE-4746-B585-005025FCFE11}"/>
-              </a:ext>
-            </a:extLst>
-          </p:cNvPr>
-          <p:cNvPicPr>
-            <a:picLocks noChangeAspect="1"/>
-          </p:cNvPicPr>
-          <p:nvPr/>
-        </p:nvPicPr>
-        <p:blipFill>
-          <a:blip r:embed="rId4"/>
-          <a:stretch>
-            <a:fillRect/>
-          </a:stretch>
-        </p:blipFill>
-        <p:spPr>
-          <a:xfrm>
-            <a:off x="2066105" y="4744369"/>
-            <a:ext cx="2121229" cy="2156761"/>
           </a:xfrm>
           <a:prstGeom prst="rect">
             <a:avLst/>
@@ -7633,7 +7127,7 @@
           <p:nvPr/>
         </p:nvPicPr>
         <p:blipFill>
-          <a:blip r:embed="rId5"/>
+          <a:blip r:embed="rId4" cstate="print"/>
           <a:stretch>
             <a:fillRect/>
           </a:stretch>
@@ -7660,7 +7154,7 @@
           <p:nvPr/>
         </p:nvPicPr>
         <p:blipFill>
-          <a:blip r:embed="rId6"/>
+          <a:blip r:embed="rId5" cstate="print"/>
           <a:stretch>
             <a:fillRect/>
           </a:stretch>
@@ -7687,7 +7181,7 @@
           <p:nvPr/>
         </p:nvPicPr>
         <p:blipFill>
-          <a:blip r:embed="rId7"/>
+          <a:blip r:embed="rId6" cstate="print"/>
           <a:stretch>
             <a:fillRect/>
           </a:stretch>
@@ -7852,7 +7346,7 @@
           <p:cNvPr id="6" name="Рисунок 5">
             <a:extLst>
               <a:ext uri="{FF2B5EF4-FFF2-40B4-BE49-F238E27FC236}">
-                <a16:creationId xmlns:a16="http://schemas.microsoft.com/office/drawing/2014/main" xmlns="" id="{5BE9B805-0FF0-40A3-8CE2-58B52DAC1E85}"/>
+                <a16:creationId xmlns="" xmlns:a16="http://schemas.microsoft.com/office/drawing/2014/main" id="{5BE9B805-0FF0-40A3-8CE2-58B52DAC1E85}"/>
               </a:ext>
             </a:extLst>
           </p:cNvPr>
@@ -7862,7 +7356,7 @@
           <p:nvPr/>
         </p:nvPicPr>
         <p:blipFill>
-          <a:blip r:embed="rId8"/>
+          <a:blip r:embed="rId7" cstate="print"/>
           <a:stretch>
             <a:fillRect/>
           </a:stretch>
@@ -7885,7 +7379,7 @@
           <p:cNvPr id="9" name="Рисунок 8">
             <a:extLst>
               <a:ext uri="{FF2B5EF4-FFF2-40B4-BE49-F238E27FC236}">
-                <a16:creationId xmlns:a16="http://schemas.microsoft.com/office/drawing/2014/main" xmlns="" id="{B44798CA-D8D4-456C-8A3A-890A8E704232}"/>
+                <a16:creationId xmlns="" xmlns:a16="http://schemas.microsoft.com/office/drawing/2014/main" id="{B44798CA-D8D4-456C-8A3A-890A8E704232}"/>
               </a:ext>
             </a:extLst>
           </p:cNvPr>
@@ -7895,7 +7389,7 @@
           <p:nvPr/>
         </p:nvPicPr>
         <p:blipFill>
-          <a:blip r:embed="rId9"/>
+          <a:blip r:embed="rId8" cstate="print"/>
           <a:stretch>
             <a:fillRect/>
           </a:stretch>
@@ -7918,7 +7412,7 @@
           <p:cNvPr id="34" name="TextBox 33">
             <a:extLst>
               <a:ext uri="{FF2B5EF4-FFF2-40B4-BE49-F238E27FC236}">
-                <a16:creationId xmlns:a16="http://schemas.microsoft.com/office/drawing/2014/main" xmlns="" id="{78991951-34D4-4DB6-BDA9-8610850FCD73}"/>
+                <a16:creationId xmlns="" xmlns:a16="http://schemas.microsoft.com/office/drawing/2014/main" id="{78991951-34D4-4DB6-BDA9-8610850FCD73}"/>
               </a:ext>
             </a:extLst>
           </p:cNvPr>
@@ -7953,7 +7447,7 @@
           <p:cNvPr id="35" name="Прямая со стрелкой 34">
             <a:extLst>
               <a:ext uri="{FF2B5EF4-FFF2-40B4-BE49-F238E27FC236}">
-                <a16:creationId xmlns:a16="http://schemas.microsoft.com/office/drawing/2014/main" xmlns="" id="{66BD0CC5-A85D-41D7-A576-801A7941C5F8}"/>
+                <a16:creationId xmlns="" xmlns:a16="http://schemas.microsoft.com/office/drawing/2014/main" id="{66BD0CC5-A85D-41D7-A576-801A7941C5F8}"/>
               </a:ext>
             </a:extLst>
           </p:cNvPr>
@@ -7996,42 +7490,12 @@
           </a:fontRef>
         </p:style>
       </p:cxnSp>
-      <p:pic>
-        <p:nvPicPr>
-          <p:cNvPr id="25" name="Рисунок 24">
-            <a:extLst>
-              <a:ext uri="{FF2B5EF4-FFF2-40B4-BE49-F238E27FC236}">
-                <a16:creationId xmlns:a16="http://schemas.microsoft.com/office/drawing/2014/main" xmlns="" id="{1D5702AA-C668-499D-A928-2EFB1112078D}"/>
-              </a:ext>
-            </a:extLst>
-          </p:cNvPr>
-          <p:cNvPicPr>
-            <a:picLocks noChangeAspect="1"/>
-          </p:cNvPicPr>
-          <p:nvPr/>
-        </p:nvPicPr>
-        <p:blipFill>
-          <a:blip r:embed="rId10"/>
-          <a:stretch>
-            <a:fillRect/>
-          </a:stretch>
-        </p:blipFill>
-        <p:spPr>
-          <a:xfrm>
-            <a:off x="-17948" y="4747976"/>
-            <a:ext cx="2121229" cy="2153154"/>
-          </a:xfrm>
-          <a:prstGeom prst="rect">
-            <a:avLst/>
-          </a:prstGeom>
-        </p:spPr>
-      </p:pic>
       <p:sp>
         <p:nvSpPr>
           <p:cNvPr id="18" name="Стрелка: вверх 17">
             <a:extLst>
               <a:ext uri="{FF2B5EF4-FFF2-40B4-BE49-F238E27FC236}">
-                <a16:creationId xmlns:a16="http://schemas.microsoft.com/office/drawing/2014/main" xmlns="" id="{00000000-0008-0000-0000-000008000000}"/>
+                <a16:creationId xmlns="" xmlns:a16="http://schemas.microsoft.com/office/drawing/2014/main" id="{00000000-0008-0000-0000-000008000000}"/>
               </a:ext>
             </a:extLst>
           </p:cNvPr>
@@ -8181,7 +7645,7 @@
           <p:cNvPr id="19" name="TextBox 18">
             <a:extLst>
               <a:ext uri="{FF2B5EF4-FFF2-40B4-BE49-F238E27FC236}">
-                <a16:creationId xmlns:a16="http://schemas.microsoft.com/office/drawing/2014/main" xmlns="" id="{649C0711-2396-4D12-9E75-3E7C8D319F3C}"/>
+                <a16:creationId xmlns="" xmlns:a16="http://schemas.microsoft.com/office/drawing/2014/main" id="{649C0711-2396-4D12-9E75-3E7C8D319F3C}"/>
               </a:ext>
             </a:extLst>
           </p:cNvPr>
@@ -8225,7 +7689,7 @@
           <p:cNvPr id="4" name="Правая фигурная скобка 3">
             <a:extLst>
               <a:ext uri="{FF2B5EF4-FFF2-40B4-BE49-F238E27FC236}">
-                <a16:creationId xmlns:a16="http://schemas.microsoft.com/office/drawing/2014/main" xmlns="" id="{4B545050-6A90-48D0-8EB4-F408DA61B6F1}"/>
+                <a16:creationId xmlns="" xmlns:a16="http://schemas.microsoft.com/office/drawing/2014/main" id="{4B545050-6A90-48D0-8EB4-F408DA61B6F1}"/>
               </a:ext>
             </a:extLst>
           </p:cNvPr>
@@ -8270,7 +7734,7 @@
           <p:cNvPr id="5" name="TextBox 4">
             <a:extLst>
               <a:ext uri="{FF2B5EF4-FFF2-40B4-BE49-F238E27FC236}">
-                <a16:creationId xmlns:a16="http://schemas.microsoft.com/office/drawing/2014/main" xmlns="" id="{6C7E1056-394D-4965-B6AE-D120C11C98B1}"/>
+                <a16:creationId xmlns="" xmlns:a16="http://schemas.microsoft.com/office/drawing/2014/main" id="{6C7E1056-394D-4965-B6AE-D120C11C98B1}"/>
               </a:ext>
             </a:extLst>
           </p:cNvPr>
@@ -8303,7 +7767,7 @@
     </p:spTree>
     <p:extLst>
       <p:ext uri="{BB962C8B-B14F-4D97-AF65-F5344CB8AC3E}">
-        <p14:creationId xmlns:p14="http://schemas.microsoft.com/office/powerpoint/2010/main" val="1225584567"/>
+        <p14:creationId xmlns:p14="http://schemas.microsoft.com/office/powerpoint/2010/main" xmlns="" val="1225584567"/>
       </p:ext>
     </p:extLst>
   </p:cSld>
@@ -8342,7 +7806,7 @@
           <p:cNvPr id="2" name="Рисунок 1">
             <a:extLst>
               <a:ext uri="{FF2B5EF4-FFF2-40B4-BE49-F238E27FC236}">
-                <a16:creationId xmlns:a16="http://schemas.microsoft.com/office/drawing/2014/main" xmlns="" id="{7FEC87CC-E029-4571-9DF2-A2644D16A89B}"/>
+                <a16:creationId xmlns="" xmlns:a16="http://schemas.microsoft.com/office/drawing/2014/main" id="{7FEC87CC-E029-4571-9DF2-A2644D16A89B}"/>
               </a:ext>
             </a:extLst>
           </p:cNvPr>
@@ -8352,7 +7816,7 @@
           <p:nvPr/>
         </p:nvPicPr>
         <p:blipFill>
-          <a:blip r:embed="rId3"/>
+          <a:blip r:embed="rId3" cstate="print"/>
           <a:stretch>
             <a:fillRect/>
           </a:stretch>
@@ -8372,7 +7836,7 @@
           <p:cNvPr id="12" name="Рисунок 11">
             <a:extLst>
               <a:ext uri="{FF2B5EF4-FFF2-40B4-BE49-F238E27FC236}">
-                <a16:creationId xmlns:a16="http://schemas.microsoft.com/office/drawing/2014/main" xmlns="" id="{EE6D0C9E-5075-40B0-8C5F-14A05F4F0AED}"/>
+                <a16:creationId xmlns="" xmlns:a16="http://schemas.microsoft.com/office/drawing/2014/main" id="{EE6D0C9E-5075-40B0-8C5F-14A05F4F0AED}"/>
               </a:ext>
             </a:extLst>
           </p:cNvPr>
@@ -8382,7 +7846,7 @@
           <p:nvPr/>
         </p:nvPicPr>
         <p:blipFill>
-          <a:blip r:embed="rId4"/>
+          <a:blip r:embed="rId4" cstate="print"/>
           <a:stretch>
             <a:fillRect/>
           </a:stretch>
@@ -8402,7 +7866,7 @@
           <p:cNvPr id="13" name="Рисунок 12">
             <a:extLst>
               <a:ext uri="{FF2B5EF4-FFF2-40B4-BE49-F238E27FC236}">
-                <a16:creationId xmlns:a16="http://schemas.microsoft.com/office/drawing/2014/main" xmlns="" id="{07FCE67B-6FF9-4CB2-BD21-DED37104F58D}"/>
+                <a16:creationId xmlns="" xmlns:a16="http://schemas.microsoft.com/office/drawing/2014/main" id="{07FCE67B-6FF9-4CB2-BD21-DED37104F58D}"/>
               </a:ext>
             </a:extLst>
           </p:cNvPr>
@@ -8412,7 +7876,7 @@
           <p:nvPr/>
         </p:nvPicPr>
         <p:blipFill>
-          <a:blip r:embed="rId5"/>
+          <a:blip r:embed="rId5" cstate="print"/>
           <a:stretch>
             <a:fillRect/>
           </a:stretch>
@@ -8432,7 +7896,7 @@
           <p:cNvPr id="15" name="Рисунок 14">
             <a:extLst>
               <a:ext uri="{FF2B5EF4-FFF2-40B4-BE49-F238E27FC236}">
-                <a16:creationId xmlns:a16="http://schemas.microsoft.com/office/drawing/2014/main" xmlns="" id="{8F35BBC3-E6F8-4B62-9FE9-6954117E5C47}"/>
+                <a16:creationId xmlns="" xmlns:a16="http://schemas.microsoft.com/office/drawing/2014/main" id="{8F35BBC3-E6F8-4B62-9FE9-6954117E5C47}"/>
               </a:ext>
             </a:extLst>
           </p:cNvPr>
@@ -8442,7 +7906,7 @@
           <p:nvPr/>
         </p:nvPicPr>
         <p:blipFill>
-          <a:blip r:embed="rId6"/>
+          <a:blip r:embed="rId6" cstate="print"/>
           <a:stretch>
             <a:fillRect/>
           </a:stretch>
@@ -8462,7 +7926,7 @@
           <p:cNvPr id="16" name="Рисунок 15">
             <a:extLst>
               <a:ext uri="{FF2B5EF4-FFF2-40B4-BE49-F238E27FC236}">
-                <a16:creationId xmlns:a16="http://schemas.microsoft.com/office/drawing/2014/main" xmlns="" id="{ED63B645-6C7F-4157-AC23-CAC582FF7573}"/>
+                <a16:creationId xmlns="" xmlns:a16="http://schemas.microsoft.com/office/drawing/2014/main" id="{ED63B645-6C7F-4157-AC23-CAC582FF7573}"/>
               </a:ext>
             </a:extLst>
           </p:cNvPr>
@@ -8472,7 +7936,7 @@
           <p:nvPr/>
         </p:nvPicPr>
         <p:blipFill>
-          <a:blip r:embed="rId7"/>
+          <a:blip r:embed="rId7" cstate="print"/>
           <a:stretch>
             <a:fillRect/>
           </a:stretch>
@@ -8612,7 +8076,7 @@
           <p:cNvPr id="29" name="Рисунок 28">
             <a:extLst>
               <a:ext uri="{FF2B5EF4-FFF2-40B4-BE49-F238E27FC236}">
-                <a16:creationId xmlns:a16="http://schemas.microsoft.com/office/drawing/2014/main" xmlns="" id="{C3485AFC-AB84-4628-8C0F-D324AE6CEE22}"/>
+                <a16:creationId xmlns="" xmlns:a16="http://schemas.microsoft.com/office/drawing/2014/main" id="{C3485AFC-AB84-4628-8C0F-D324AE6CEE22}"/>
               </a:ext>
             </a:extLst>
           </p:cNvPr>
@@ -8622,7 +8086,7 @@
           <p:nvPr/>
         </p:nvPicPr>
         <p:blipFill>
-          <a:blip r:embed="rId8"/>
+          <a:blip r:embed="rId8" cstate="print"/>
           <a:stretch>
             <a:fillRect/>
           </a:stretch>
@@ -8642,7 +8106,7 @@
           <p:cNvPr id="30" name="TextBox 29">
             <a:extLst>
               <a:ext uri="{FF2B5EF4-FFF2-40B4-BE49-F238E27FC236}">
-                <a16:creationId xmlns:a16="http://schemas.microsoft.com/office/drawing/2014/main" xmlns="" id="{05618D3D-5E49-4C0A-8EA0-B5E6FCB5A374}"/>
+                <a16:creationId xmlns="" xmlns:a16="http://schemas.microsoft.com/office/drawing/2014/main" id="{05618D3D-5E49-4C0A-8EA0-B5E6FCB5A374}"/>
               </a:ext>
             </a:extLst>
           </p:cNvPr>
@@ -8683,7 +8147,7 @@
           <p:cNvPr id="31" name="TextBox 30">
             <a:extLst>
               <a:ext uri="{FF2B5EF4-FFF2-40B4-BE49-F238E27FC236}">
-                <a16:creationId xmlns:a16="http://schemas.microsoft.com/office/drawing/2014/main" xmlns="" id="{46EE54A3-F0F0-42B4-BBEA-66201E13580E}"/>
+                <a16:creationId xmlns="" xmlns:a16="http://schemas.microsoft.com/office/drawing/2014/main" id="{46EE54A3-F0F0-42B4-BBEA-66201E13580E}"/>
               </a:ext>
             </a:extLst>
           </p:cNvPr>
@@ -8724,7 +8188,7 @@
           <p:cNvPr id="32" name="Прямая со стрелкой 31">
             <a:extLst>
               <a:ext uri="{FF2B5EF4-FFF2-40B4-BE49-F238E27FC236}">
-                <a16:creationId xmlns:a16="http://schemas.microsoft.com/office/drawing/2014/main" xmlns="" id="{8E2AE812-4C2E-4285-8248-09E5E5E8A6C8}"/>
+                <a16:creationId xmlns="" xmlns:a16="http://schemas.microsoft.com/office/drawing/2014/main" id="{8E2AE812-4C2E-4285-8248-09E5E5E8A6C8}"/>
               </a:ext>
             </a:extLst>
           </p:cNvPr>
@@ -8772,7 +8236,7 @@
           <p:cNvPr id="33" name="Прямая со стрелкой 32">
             <a:extLst>
               <a:ext uri="{FF2B5EF4-FFF2-40B4-BE49-F238E27FC236}">
-                <a16:creationId xmlns:a16="http://schemas.microsoft.com/office/drawing/2014/main" xmlns="" id="{85C2CA74-486F-4BBE-AEF3-9F54D1044FB1}"/>
+                <a16:creationId xmlns="" xmlns:a16="http://schemas.microsoft.com/office/drawing/2014/main" id="{85C2CA74-486F-4BBE-AEF3-9F54D1044FB1}"/>
               </a:ext>
             </a:extLst>
           </p:cNvPr>
@@ -8820,7 +8284,7 @@
           <p:cNvPr id="34" name="TextBox 33">
             <a:extLst>
               <a:ext uri="{FF2B5EF4-FFF2-40B4-BE49-F238E27FC236}">
-                <a16:creationId xmlns:a16="http://schemas.microsoft.com/office/drawing/2014/main" xmlns="" id="{D2836136-0FF9-4EEA-A8FE-C08A7F21F67D}"/>
+                <a16:creationId xmlns="" xmlns:a16="http://schemas.microsoft.com/office/drawing/2014/main" id="{D2836136-0FF9-4EEA-A8FE-C08A7F21F67D}"/>
               </a:ext>
             </a:extLst>
           </p:cNvPr>
@@ -8845,8 +8309,12 @@
           <a:p>
             <a:pPr algn="ctr"/>
             <a:r>
+              <a:rPr lang="ru-RU" sz="1350" dirty="0" smtClean="0"/>
+              <a:t>Граница области </a:t>
+            </a:r>
+            <a:r>
               <a:rPr lang="ru-RU" sz="1350" dirty="0"/>
-              <a:t>Границы областей превращения</a:t>
+              <a:t>превращения</a:t>
             </a:r>
           </a:p>
         </p:txBody>
@@ -8856,7 +8324,7 @@
           <p:cNvPr id="35" name="Прямая со стрелкой 34">
             <a:extLst>
               <a:ext uri="{FF2B5EF4-FFF2-40B4-BE49-F238E27FC236}">
-                <a16:creationId xmlns:a16="http://schemas.microsoft.com/office/drawing/2014/main" xmlns="" id="{EC443A1C-9F12-4932-B315-B068F6803250}"/>
+                <a16:creationId xmlns="" xmlns:a16="http://schemas.microsoft.com/office/drawing/2014/main" id="{EC443A1C-9F12-4932-B315-B068F6803250}"/>
               </a:ext>
             </a:extLst>
           </p:cNvPr>
@@ -8904,7 +8372,7 @@
           <p:cNvPr id="3" name="Рисунок 2">
             <a:extLst>
               <a:ext uri="{FF2B5EF4-FFF2-40B4-BE49-F238E27FC236}">
-                <a16:creationId xmlns:a16="http://schemas.microsoft.com/office/drawing/2014/main" xmlns="" id="{CA2D1381-2702-479B-8926-343ECC8BCCA1}"/>
+                <a16:creationId xmlns="" xmlns:a16="http://schemas.microsoft.com/office/drawing/2014/main" id="{CA2D1381-2702-479B-8926-343ECC8BCCA1}"/>
               </a:ext>
             </a:extLst>
           </p:cNvPr>
@@ -8914,7 +8382,7 @@
           <p:nvPr/>
         </p:nvPicPr>
         <p:blipFill>
-          <a:blip r:embed="rId9"/>
+          <a:blip r:embed="rId9" cstate="print"/>
           <a:stretch>
             <a:fillRect/>
           </a:stretch>
@@ -8937,8 +8405,8 @@
         </p:nvSpPr>
         <p:spPr>
           <a:xfrm>
-            <a:off x="10580" y="58322"/>
-            <a:ext cx="9133420" cy="461665"/>
+            <a:off x="0" y="-208378"/>
+            <a:ext cx="9133420" cy="830997"/>
           </a:xfrm>
           <a:prstGeom prst="rect">
             <a:avLst/>
@@ -8954,7 +8422,23 @@
             <a:pPr algn="ctr"/>
             <a:r>
               <a:rPr lang="ru-RU" sz="2400" b="1" dirty="0" smtClean="0"/>
-              <a:t>Энергии Гиббса</a:t>
+              <a:t>Результат расчета </a:t>
+            </a:r>
+            <a:r>
+              <a:rPr lang="ru-RU" sz="2400" b="1" dirty="0" smtClean="0"/>
+              <a:t>э</a:t>
+            </a:r>
+            <a:r>
+              <a:rPr lang="ru-RU" sz="2400" b="1" dirty="0" smtClean="0"/>
+              <a:t>нергии Гиббса </a:t>
+            </a:r>
+            <a:r>
+              <a:rPr lang="ru-RU" sz="2400" b="1" dirty="0" smtClean="0"/>
+              <a:t>химических </a:t>
+            </a:r>
+            <a:r>
+              <a:rPr lang="ru-RU" sz="2400" b="1" dirty="0" smtClean="0"/>
+              <a:t>компонентов и их соединений</a:t>
             </a:r>
             <a:endParaRPr lang="ru-RU" sz="2400" b="1" dirty="0"/>
           </a:p>
@@ -8965,7 +8449,7 @@
           <p:cNvPr id="25" name="TextBox 24">
             <a:extLst>
               <a:ext uri="{FF2B5EF4-FFF2-40B4-BE49-F238E27FC236}">
-                <a16:creationId xmlns:a16="http://schemas.microsoft.com/office/drawing/2014/main" xmlns="" id="{09733A66-40A9-49CE-AE96-CFDA37C648D0}"/>
+                <a16:creationId xmlns="" xmlns:a16="http://schemas.microsoft.com/office/drawing/2014/main" id="{09733A66-40A9-49CE-AE96-CFDA37C648D0}"/>
               </a:ext>
             </a:extLst>
           </p:cNvPr>
@@ -9011,7 +8495,7 @@
           <p:cNvPr id="26" name="TextBox 25">
             <a:extLst>
               <a:ext uri="{FF2B5EF4-FFF2-40B4-BE49-F238E27FC236}">
-                <a16:creationId xmlns:a16="http://schemas.microsoft.com/office/drawing/2014/main" xmlns="" id="{D9CA716E-BE85-4196-B1C2-8DEF76968B81}"/>
+                <a16:creationId xmlns="" xmlns:a16="http://schemas.microsoft.com/office/drawing/2014/main" id="{D9CA716E-BE85-4196-B1C2-8DEF76968B81}"/>
               </a:ext>
             </a:extLst>
           </p:cNvPr>
@@ -9057,7 +8541,7 @@
           <p:cNvPr id="27" name="TextBox 26">
             <a:extLst>
               <a:ext uri="{FF2B5EF4-FFF2-40B4-BE49-F238E27FC236}">
-                <a16:creationId xmlns:a16="http://schemas.microsoft.com/office/drawing/2014/main" xmlns="" id="{1D83511C-B58B-43C7-B610-643A67BAE39A}"/>
+                <a16:creationId xmlns="" xmlns:a16="http://schemas.microsoft.com/office/drawing/2014/main" id="{1D83511C-B58B-43C7-B610-643A67BAE39A}"/>
               </a:ext>
             </a:extLst>
           </p:cNvPr>
@@ -9103,7 +8587,7 @@
           <p:cNvPr id="28" name="TextBox 27">
             <a:extLst>
               <a:ext uri="{FF2B5EF4-FFF2-40B4-BE49-F238E27FC236}">
-                <a16:creationId xmlns:a16="http://schemas.microsoft.com/office/drawing/2014/main" xmlns="" id="{9B1F51C7-AC65-412F-9E0A-25C5947119D5}"/>
+                <a16:creationId xmlns="" xmlns:a16="http://schemas.microsoft.com/office/drawing/2014/main" id="{9B1F51C7-AC65-412F-9E0A-25C5947119D5}"/>
               </a:ext>
             </a:extLst>
           </p:cNvPr>
@@ -9147,7 +8631,7 @@
     </p:spTree>
     <p:extLst>
       <p:ext uri="{BB962C8B-B14F-4D97-AF65-F5344CB8AC3E}">
-        <p14:creationId xmlns:p14="http://schemas.microsoft.com/office/powerpoint/2010/main" val="62298568"/>
+        <p14:creationId xmlns:p14="http://schemas.microsoft.com/office/powerpoint/2010/main" xmlns="" val="62298568"/>
       </p:ext>
     </p:extLst>
   </p:cSld>
@@ -9183,10 +8667,10 @@
       </p:grpSpPr>
       <p:pic>
         <p:nvPicPr>
-          <p:cNvPr id="23" name="Рисунок 22">
+          <p:cNvPr id="22" name="Рисунок 21">
             <a:extLst>
               <a:ext uri="{FF2B5EF4-FFF2-40B4-BE49-F238E27FC236}">
-                <a16:creationId xmlns:a16="http://schemas.microsoft.com/office/drawing/2014/main" xmlns="" id="{AE9BAFFA-3B81-4647-BA40-44CDFF43B7F5}"/>
+                <a16:creationId xmlns="" xmlns:a16="http://schemas.microsoft.com/office/drawing/2014/main" id="{FCAA7B5D-6B29-4996-A807-08FC6014C0DE}"/>
               </a:ext>
             </a:extLst>
           </p:cNvPr>
@@ -9196,10 +8680,10 @@
           <p:nvPr/>
         </p:nvPicPr>
         <p:blipFill>
-          <a:blip r:embed="rId3">
+          <a:blip r:embed="rId3" cstate="print">
             <a:extLst>
               <a:ext uri="{28A0092B-C50C-407E-A947-70E740481C1C}">
-                <a14:useLocalDpi xmlns:a14="http://schemas.microsoft.com/office/drawing/2010/main" val="0"/>
+                <a14:useLocalDpi xmlns:a14="http://schemas.microsoft.com/office/drawing/2010/main" xmlns="" val="0"/>
               </a:ext>
             </a:extLst>
           </a:blip>
@@ -9209,470 +8693,110 @@
         </p:blipFill>
         <p:spPr>
           <a:xfrm>
-            <a:off x="0" y="612476"/>
-            <a:ext cx="9144000" cy="4737697"/>
+            <a:off x="0" y="0"/>
+            <a:ext cx="6856266" cy="6586190"/>
           </a:xfrm>
           <a:prstGeom prst="rect">
             <a:avLst/>
           </a:prstGeom>
         </p:spPr>
       </p:pic>
-      <p:sp>
-        <p:nvSpPr>
-          <p:cNvPr id="3" name="TextBox 2">
+      <p:pic>
+        <p:nvPicPr>
+          <p:cNvPr id="4" name="Рисунок 3">
             <a:extLst>
               <a:ext uri="{FF2B5EF4-FFF2-40B4-BE49-F238E27FC236}">
-                <a16:creationId xmlns:a16="http://schemas.microsoft.com/office/drawing/2014/main" xmlns="" id="{5ECB4992-7CF4-4634-AA15-CAB91BA1E807}"/>
+                <a16:creationId xmlns="" xmlns:a16="http://schemas.microsoft.com/office/drawing/2014/main" id="{AA218643-78D8-42EC-80C8-C39B89EE2B7C}"/>
               </a:ext>
             </a:extLst>
           </p:cNvPr>
-          <p:cNvSpPr txBox="1"/>
+          <p:cNvPicPr>
+            <a:picLocks noChangeAspect="1"/>
+          </p:cNvPicPr>
           <p:nvPr/>
-        </p:nvSpPr>
-        <p:spPr>
-          <a:xfrm>
-            <a:off x="2230451" y="5539926"/>
-            <a:ext cx="1131410" cy="507831"/>
+        </p:nvPicPr>
+        <p:blipFill>
+          <a:blip r:embed="rId4" cstate="print"/>
+          <a:stretch>
+            <a:fillRect/>
+          </a:stretch>
+        </p:blipFill>
+        <p:spPr>
+          <a:xfrm>
+            <a:off x="6812784" y="2295079"/>
+            <a:ext cx="2320789" cy="2305470"/>
           </a:xfrm>
           <a:prstGeom prst="rect">
             <a:avLst/>
           </a:prstGeom>
-          <a:noFill/>
-        </p:spPr>
-        <p:txBody>
-          <a:bodyPr wrap="square" rtlCol="0">
-            <a:spAutoFit/>
-          </a:bodyPr>
-          <a:lstStyle/>
-          <a:p>
-            <a:pPr algn="ctr"/>
-            <a:r>
-              <a:rPr lang="ru-RU" sz="1350" dirty="0"/>
-              <a:t>Стеклование </a:t>
-            </a:r>
-            <a:r>
-              <a:rPr lang="ru-RU" sz="1350" b="1" dirty="0"/>
-              <a:t>445 – 515 К</a:t>
-            </a:r>
-          </a:p>
-        </p:txBody>
-      </p:sp>
-      <p:cxnSp>
-        <p:nvCxnSpPr>
-          <p:cNvPr id="4" name="Прямая со стрелкой 3">
+        </p:spPr>
+      </p:pic>
+      <p:pic>
+        <p:nvPicPr>
+          <p:cNvPr id="3" name="Рисунок 2">
             <a:extLst>
               <a:ext uri="{FF2B5EF4-FFF2-40B4-BE49-F238E27FC236}">
-                <a16:creationId xmlns:a16="http://schemas.microsoft.com/office/drawing/2014/main" xmlns="" id="{054A4A3E-603F-495E-8775-A953AAAB4511}"/>
+                <a16:creationId xmlns="" xmlns:a16="http://schemas.microsoft.com/office/drawing/2014/main" id="{A52F9B4A-5CDE-4EE5-9973-119424ABF192}"/>
               </a:ext>
             </a:extLst>
           </p:cNvPr>
-          <p:cNvCxnSpPr>
-            <a:cxnSpLocks/>
-            <a:stCxn id="3" idx="0"/>
-          </p:cNvCxnSpPr>
+          <p:cNvPicPr>
+            <a:picLocks noChangeAspect="1"/>
+          </p:cNvPicPr>
           <p:nvPr/>
-        </p:nvCxnSpPr>
-        <p:spPr>
-          <a:xfrm flipV="1">
-            <a:off x="2796156" y="4818716"/>
-            <a:ext cx="0" cy="721210"/>
-          </a:xfrm>
-          <a:prstGeom prst="straightConnector1">
-            <a:avLst/>
-          </a:prstGeom>
-          <a:ln w="19050">
-            <a:solidFill>
-              <a:schemeClr val="tx1">
-                <a:lumMod val="95000"/>
-                <a:lumOff val="5000"/>
-              </a:schemeClr>
-            </a:solidFill>
-            <a:tailEnd type="triangle"/>
-          </a:ln>
-        </p:spPr>
-        <p:style>
-          <a:lnRef idx="1">
-            <a:schemeClr val="accent1"/>
-          </a:lnRef>
-          <a:fillRef idx="0">
-            <a:schemeClr val="accent1"/>
-          </a:fillRef>
-          <a:effectRef idx="0">
-            <a:schemeClr val="accent1"/>
-          </a:effectRef>
-          <a:fontRef idx="minor">
-            <a:schemeClr val="tx1"/>
-          </a:fontRef>
-        </p:style>
-      </p:cxnSp>
-      <p:sp>
-        <p:nvSpPr>
-          <p:cNvPr id="7" name="TextBox 6">
+        </p:nvPicPr>
+        <p:blipFill>
+          <a:blip r:embed="rId5" cstate="print"/>
+          <a:stretch>
+            <a:fillRect/>
+          </a:stretch>
+        </p:blipFill>
+        <p:spPr>
+          <a:xfrm>
+            <a:off x="6812784" y="4591673"/>
+            <a:ext cx="2331216" cy="2296594"/>
+          </a:xfrm>
+          <a:prstGeom prst="rect">
+            <a:avLst/>
+          </a:prstGeom>
+        </p:spPr>
+      </p:pic>
+      <p:pic>
+        <p:nvPicPr>
+          <p:cNvPr id="2" name="Рисунок 1">
             <a:extLst>
               <a:ext uri="{FF2B5EF4-FFF2-40B4-BE49-F238E27FC236}">
-                <a16:creationId xmlns:a16="http://schemas.microsoft.com/office/drawing/2014/main" xmlns="" id="{9434DCFB-3272-4181-A822-C6FEECFD6ED3}"/>
+                <a16:creationId xmlns="" xmlns:a16="http://schemas.microsoft.com/office/drawing/2014/main" id="{C24A7336-922F-488B-9D86-670F05C76F01}"/>
               </a:ext>
             </a:extLst>
           </p:cNvPr>
-          <p:cNvSpPr txBox="1"/>
+          <p:cNvPicPr>
+            <a:picLocks noChangeAspect="1"/>
+          </p:cNvPicPr>
           <p:nvPr/>
-        </p:nvSpPr>
-        <p:spPr>
-          <a:xfrm>
-            <a:off x="5038966" y="5563211"/>
-            <a:ext cx="1131410" cy="507831"/>
+        </p:nvPicPr>
+        <p:blipFill>
+          <a:blip r:embed="rId6" cstate="print"/>
+          <a:stretch>
+            <a:fillRect/>
+          </a:stretch>
+        </p:blipFill>
+        <p:spPr>
+          <a:xfrm>
+            <a:off x="6814109" y="0"/>
+            <a:ext cx="2327074" cy="2300149"/>
           </a:xfrm>
           <a:prstGeom prst="rect">
             <a:avLst/>
           </a:prstGeom>
-          <a:noFill/>
-        </p:spPr>
-        <p:txBody>
-          <a:bodyPr wrap="square" rtlCol="0">
-            <a:spAutoFit/>
-          </a:bodyPr>
-          <a:lstStyle/>
-          <a:p>
-            <a:pPr algn="ctr"/>
-            <a:r>
-              <a:rPr lang="ru-RU" sz="1350" dirty="0"/>
-              <a:t>Малый пик </a:t>
-            </a:r>
-            <a:r>
-              <a:rPr lang="ru-RU" sz="1350" b="1" dirty="0"/>
-              <a:t>680 – 705 К</a:t>
-            </a:r>
-          </a:p>
-        </p:txBody>
-      </p:sp>
-      <p:cxnSp>
-        <p:nvCxnSpPr>
-          <p:cNvPr id="8" name="Прямая со стрелкой 7">
+        </p:spPr>
+      </p:pic>
+      <p:sp>
+        <p:nvSpPr>
+          <p:cNvPr id="23" name="Стрелка: вверх 22">
             <a:extLst>
               <a:ext uri="{FF2B5EF4-FFF2-40B4-BE49-F238E27FC236}">
-                <a16:creationId xmlns:a16="http://schemas.microsoft.com/office/drawing/2014/main" xmlns="" id="{ABF87CEC-4300-4FF4-AB20-A7E634D8FF2D}"/>
-              </a:ext>
-            </a:extLst>
-          </p:cNvPr>
-          <p:cNvCxnSpPr>
-            <a:cxnSpLocks/>
-            <a:stCxn id="7" idx="0"/>
-          </p:cNvCxnSpPr>
-          <p:nvPr/>
-        </p:nvCxnSpPr>
-        <p:spPr>
-          <a:xfrm flipV="1">
-            <a:off x="5604671" y="4842001"/>
-            <a:ext cx="0" cy="721210"/>
-          </a:xfrm>
-          <a:prstGeom prst="straightConnector1">
-            <a:avLst/>
-          </a:prstGeom>
-          <a:ln w="19050">
-            <a:solidFill>
-              <a:schemeClr val="tx1">
-                <a:lumMod val="95000"/>
-                <a:lumOff val="5000"/>
-              </a:schemeClr>
-            </a:solidFill>
-            <a:tailEnd type="triangle"/>
-          </a:ln>
-        </p:spPr>
-        <p:style>
-          <a:lnRef idx="1">
-            <a:schemeClr val="accent1"/>
-          </a:lnRef>
-          <a:fillRef idx="0">
-            <a:schemeClr val="accent1"/>
-          </a:fillRef>
-          <a:effectRef idx="0">
-            <a:schemeClr val="accent1"/>
-          </a:effectRef>
-          <a:fontRef idx="minor">
-            <a:schemeClr val="tx1"/>
-          </a:fontRef>
-        </p:style>
-      </p:cxnSp>
-      <p:sp>
-        <p:nvSpPr>
-          <p:cNvPr id="9" name="TextBox 8">
-            <a:extLst>
-              <a:ext uri="{FF2B5EF4-FFF2-40B4-BE49-F238E27FC236}">
-                <a16:creationId xmlns:a16="http://schemas.microsoft.com/office/drawing/2014/main" xmlns="" id="{92355F28-2BBE-42BA-9AE9-8E5A7A01D09E}"/>
-              </a:ext>
-            </a:extLst>
-          </p:cNvPr>
-          <p:cNvSpPr txBox="1"/>
-          <p:nvPr/>
-        </p:nvSpPr>
-        <p:spPr>
-          <a:xfrm>
-            <a:off x="5425440" y="6284676"/>
-            <a:ext cx="1532709" cy="507831"/>
-          </a:xfrm>
-          <a:prstGeom prst="rect">
-            <a:avLst/>
-          </a:prstGeom>
-          <a:noFill/>
-        </p:spPr>
-        <p:txBody>
-          <a:bodyPr wrap="square" rtlCol="0">
-            <a:spAutoFit/>
-          </a:bodyPr>
-          <a:lstStyle/>
-          <a:p>
-            <a:pPr algn="ctr"/>
-            <a:r>
-              <a:rPr lang="ru-RU" sz="1350" dirty="0"/>
-              <a:t>Основной пик</a:t>
-            </a:r>
-          </a:p>
-          <a:p>
-            <a:pPr algn="ctr"/>
-            <a:r>
-              <a:rPr lang="ru-RU" sz="1350" dirty="0"/>
-              <a:t> </a:t>
-            </a:r>
-            <a:r>
-              <a:rPr lang="ru-RU" sz="1350" b="1" dirty="0"/>
-              <a:t>705 – 758 К</a:t>
-            </a:r>
-          </a:p>
-        </p:txBody>
-      </p:sp>
-      <p:cxnSp>
-        <p:nvCxnSpPr>
-          <p:cNvPr id="10" name="Прямая со стрелкой 9">
-            <a:extLst>
-              <a:ext uri="{FF2B5EF4-FFF2-40B4-BE49-F238E27FC236}">
-                <a16:creationId xmlns:a16="http://schemas.microsoft.com/office/drawing/2014/main" xmlns="" id="{8EE37365-C581-457B-8A1C-B161B17B118F}"/>
-              </a:ext>
-            </a:extLst>
-          </p:cNvPr>
-          <p:cNvCxnSpPr>
-            <a:cxnSpLocks/>
-            <a:stCxn id="9" idx="0"/>
-          </p:cNvCxnSpPr>
-          <p:nvPr/>
-        </p:nvCxnSpPr>
-        <p:spPr>
-          <a:xfrm flipH="1" flipV="1">
-            <a:off x="6170377" y="4842002"/>
-            <a:ext cx="21418" cy="1442674"/>
-          </a:xfrm>
-          <a:prstGeom prst="straightConnector1">
-            <a:avLst/>
-          </a:prstGeom>
-          <a:ln w="19050">
-            <a:solidFill>
-              <a:schemeClr val="tx1">
-                <a:lumMod val="95000"/>
-                <a:lumOff val="5000"/>
-              </a:schemeClr>
-            </a:solidFill>
-            <a:tailEnd type="triangle"/>
-          </a:ln>
-        </p:spPr>
-        <p:style>
-          <a:lnRef idx="1">
-            <a:schemeClr val="accent1"/>
-          </a:lnRef>
-          <a:fillRef idx="0">
-            <a:schemeClr val="accent1"/>
-          </a:fillRef>
-          <a:effectRef idx="0">
-            <a:schemeClr val="accent1"/>
-          </a:effectRef>
-          <a:fontRef idx="minor">
-            <a:schemeClr val="tx1"/>
-          </a:fontRef>
-        </p:style>
-      </p:cxnSp>
-      <p:sp>
-        <p:nvSpPr>
-          <p:cNvPr id="12" name="TextBox 11">
-            <a:extLst>
-              <a:ext uri="{FF2B5EF4-FFF2-40B4-BE49-F238E27FC236}">
-                <a16:creationId xmlns:a16="http://schemas.microsoft.com/office/drawing/2014/main" xmlns="" id="{D0B53E69-4DF2-4C39-B67D-2B242CCC35B8}"/>
-              </a:ext>
-            </a:extLst>
-          </p:cNvPr>
-          <p:cNvSpPr txBox="1"/>
-          <p:nvPr/>
-        </p:nvSpPr>
-        <p:spPr>
-          <a:xfrm>
-            <a:off x="6275582" y="5612621"/>
-            <a:ext cx="1131410" cy="507831"/>
-          </a:xfrm>
-          <a:prstGeom prst="rect">
-            <a:avLst/>
-          </a:prstGeom>
-          <a:noFill/>
-        </p:spPr>
-        <p:txBody>
-          <a:bodyPr wrap="square" rtlCol="0">
-            <a:spAutoFit/>
-          </a:bodyPr>
-          <a:lstStyle/>
-          <a:p>
-            <a:pPr algn="ctr"/>
-            <a:r>
-              <a:rPr lang="ru-RU" sz="1350" dirty="0"/>
-              <a:t>Пауза</a:t>
-            </a:r>
-          </a:p>
-          <a:p>
-            <a:pPr algn="ctr"/>
-            <a:r>
-              <a:rPr lang="ru-RU" sz="1350" b="1" dirty="0"/>
-              <a:t>758 – 778 К</a:t>
-            </a:r>
-          </a:p>
-        </p:txBody>
-      </p:sp>
-      <p:cxnSp>
-        <p:nvCxnSpPr>
-          <p:cNvPr id="13" name="Прямая со стрелкой 12">
-            <a:extLst>
-              <a:ext uri="{FF2B5EF4-FFF2-40B4-BE49-F238E27FC236}">
-                <a16:creationId xmlns:a16="http://schemas.microsoft.com/office/drawing/2014/main" xmlns="" id="{727EAC52-7BB3-40F2-AD70-230D3EA2DA0D}"/>
-              </a:ext>
-            </a:extLst>
-          </p:cNvPr>
-          <p:cNvCxnSpPr>
-            <a:cxnSpLocks/>
-            <a:stCxn id="12" idx="0"/>
-          </p:cNvCxnSpPr>
-          <p:nvPr/>
-        </p:nvCxnSpPr>
-        <p:spPr>
-          <a:xfrm flipH="1" flipV="1">
-            <a:off x="6635931" y="4842001"/>
-            <a:ext cx="205356" cy="770620"/>
-          </a:xfrm>
-          <a:prstGeom prst="straightConnector1">
-            <a:avLst/>
-          </a:prstGeom>
-          <a:ln w="19050">
-            <a:solidFill>
-              <a:schemeClr val="tx1">
-                <a:lumMod val="95000"/>
-                <a:lumOff val="5000"/>
-              </a:schemeClr>
-            </a:solidFill>
-            <a:tailEnd type="triangle"/>
-          </a:ln>
-        </p:spPr>
-        <p:style>
-          <a:lnRef idx="1">
-            <a:schemeClr val="accent1"/>
-          </a:lnRef>
-          <a:fillRef idx="0">
-            <a:schemeClr val="accent1"/>
-          </a:fillRef>
-          <a:effectRef idx="0">
-            <a:schemeClr val="accent1"/>
-          </a:effectRef>
-          <a:fontRef idx="minor">
-            <a:schemeClr val="tx1"/>
-          </a:fontRef>
-        </p:style>
-      </p:cxnSp>
-      <p:sp>
-        <p:nvSpPr>
-          <p:cNvPr id="15" name="TextBox 14">
-            <a:extLst>
-              <a:ext uri="{FF2B5EF4-FFF2-40B4-BE49-F238E27FC236}">
-                <a16:creationId xmlns:a16="http://schemas.microsoft.com/office/drawing/2014/main" xmlns="" id="{28C4D205-DCAF-437F-B326-E6F2B1C1B8FD}"/>
-              </a:ext>
-            </a:extLst>
-          </p:cNvPr>
-          <p:cNvSpPr txBox="1"/>
-          <p:nvPr/>
-        </p:nvSpPr>
-        <p:spPr>
-          <a:xfrm>
-            <a:off x="7216108" y="6284676"/>
-            <a:ext cx="1131410" cy="507831"/>
-          </a:xfrm>
-          <a:prstGeom prst="rect">
-            <a:avLst/>
-          </a:prstGeom>
-          <a:noFill/>
-        </p:spPr>
-        <p:txBody>
-          <a:bodyPr wrap="square" rtlCol="0">
-            <a:spAutoFit/>
-          </a:bodyPr>
-          <a:lstStyle/>
-          <a:p>
-            <a:pPr algn="ctr"/>
-            <a:r>
-              <a:rPr lang="ru-RU" sz="1350" dirty="0"/>
-              <a:t>Плавление </a:t>
-            </a:r>
-            <a:r>
-              <a:rPr lang="ru-RU" sz="1350" b="1" dirty="0"/>
-              <a:t>778 – 830 К</a:t>
-            </a:r>
-          </a:p>
-        </p:txBody>
-      </p:sp>
-      <p:cxnSp>
-        <p:nvCxnSpPr>
-          <p:cNvPr id="16" name="Прямая со стрелкой 15">
-            <a:extLst>
-              <a:ext uri="{FF2B5EF4-FFF2-40B4-BE49-F238E27FC236}">
-                <a16:creationId xmlns:a16="http://schemas.microsoft.com/office/drawing/2014/main" xmlns="" id="{168F4091-78BB-4649-B88D-EF4D3D67C4D0}"/>
-              </a:ext>
-            </a:extLst>
-          </p:cNvPr>
-          <p:cNvCxnSpPr>
-            <a:cxnSpLocks/>
-            <a:stCxn id="15" idx="0"/>
-          </p:cNvCxnSpPr>
-          <p:nvPr/>
-        </p:nvCxnSpPr>
-        <p:spPr>
-          <a:xfrm flipH="1" flipV="1">
-            <a:off x="7301785" y="4842002"/>
-            <a:ext cx="480028" cy="1442674"/>
-          </a:xfrm>
-          <a:prstGeom prst="straightConnector1">
-            <a:avLst/>
-          </a:prstGeom>
-          <a:ln w="19050">
-            <a:solidFill>
-              <a:schemeClr val="tx1">
-                <a:lumMod val="95000"/>
-                <a:lumOff val="5000"/>
-              </a:schemeClr>
-            </a:solidFill>
-            <a:tailEnd type="triangle"/>
-          </a:ln>
-        </p:spPr>
-        <p:style>
-          <a:lnRef idx="1">
-            <a:schemeClr val="accent1"/>
-          </a:lnRef>
-          <a:fillRef idx="0">
-            <a:schemeClr val="accent1"/>
-          </a:fillRef>
-          <a:effectRef idx="0">
-            <a:schemeClr val="accent1"/>
-          </a:effectRef>
-          <a:fontRef idx="minor">
-            <a:schemeClr val="tx1"/>
-          </a:fontRef>
-        </p:style>
-      </p:cxnSp>
-      <p:sp>
-        <p:nvSpPr>
-          <p:cNvPr id="24" name="Стрелка: вверх 23">
-            <a:extLst>
-              <a:ext uri="{FF2B5EF4-FFF2-40B4-BE49-F238E27FC236}">
-                <a16:creationId xmlns:a16="http://schemas.microsoft.com/office/drawing/2014/main" xmlns="" id="{B2F642AD-63D4-4376-AF71-8522C9ADC90D}"/>
+                <a16:creationId xmlns="" xmlns:a16="http://schemas.microsoft.com/office/drawing/2014/main" id="{A1D3A70A-6CF7-4FD2-9AD4-10E2080F4B8D}"/>
               </a:ext>
             </a:extLst>
           </p:cNvPr>
@@ -9681,8 +8805,8 @@
         </p:nvSpPr>
         <p:spPr>
           <a:xfrm>
-            <a:off x="8670624" y="612476"/>
-            <a:ext cx="442297" cy="1883260"/>
+            <a:off x="6567207" y="0"/>
+            <a:ext cx="394737" cy="1680754"/>
           </a:xfrm>
           <a:prstGeom prst="upArrow">
             <a:avLst/>
@@ -9819,10 +8943,10 @@
       </p:sp>
       <p:sp>
         <p:nvSpPr>
-          <p:cNvPr id="25" name="TextBox 24">
+          <p:cNvPr id="24" name="TextBox 23">
             <a:extLst>
               <a:ext uri="{FF2B5EF4-FFF2-40B4-BE49-F238E27FC236}">
-                <a16:creationId xmlns:a16="http://schemas.microsoft.com/office/drawing/2014/main" xmlns="" id="{7D9CC2DA-8575-41E6-AB2E-1CF0FAEC85E7}"/>
+                <a16:creationId xmlns="" xmlns:a16="http://schemas.microsoft.com/office/drawing/2014/main" id="{62B06D4B-41CE-4056-B6C3-AD1BA945BCA2}"/>
               </a:ext>
             </a:extLst>
           </p:cNvPr>
@@ -9831,8 +8955,8 @@
         </p:nvSpPr>
         <p:spPr>
           <a:xfrm>
-            <a:off x="7354833" y="3189051"/>
-            <a:ext cx="390149" cy="300082"/>
+            <a:off x="4690008" y="3926404"/>
+            <a:ext cx="1031523" cy="369332"/>
           </a:xfrm>
           <a:prstGeom prst="rect">
             <a:avLst/>
@@ -9846,14 +8970,14 @@
           <a:lstStyle/>
           <a:p>
             <a:r>
-              <a:rPr lang="en-US" sz="1350" dirty="0">
+              <a:rPr lang="en-US" dirty="0">
                 <a:solidFill>
                   <a:srgbClr val="92D050"/>
                 </a:solidFill>
               </a:rPr>
               <a:t>[L]</a:t>
             </a:r>
-            <a:endParaRPr lang="ru-RU" sz="1350" dirty="0">
+            <a:endParaRPr lang="ru-RU" dirty="0">
               <a:solidFill>
                 <a:srgbClr val="92D050"/>
               </a:solidFill>
@@ -9863,14 +8987,14 @@
       </p:sp>
       <p:sp>
         <p:nvSpPr>
-          <p:cNvPr id="17" name="TextBox 16"/>
+          <p:cNvPr id="5" name="TextBox 4"/>
           <p:cNvSpPr txBox="1"/>
           <p:nvPr/>
         </p:nvSpPr>
         <p:spPr>
           <a:xfrm>
-            <a:off x="10580" y="58322"/>
-            <a:ext cx="9133420" cy="461665"/>
+            <a:off x="2829463" y="1930817"/>
+            <a:ext cx="1345721" cy="369332"/>
           </a:xfrm>
           <a:prstGeom prst="rect">
             <a:avLst/>
@@ -9883,10 +9007,66 @@
           </a:bodyPr>
           <a:lstStyle/>
           <a:p>
+            <a:r>
+              <a:rPr lang="ru-RU" b="1" dirty="0" smtClean="0"/>
+              <a:t>плавление</a:t>
+            </a:r>
+            <a:endParaRPr lang="ru-RU" b="1" dirty="0"/>
+          </a:p>
+        </p:txBody>
+      </p:sp>
+      <p:sp>
+        <p:nvSpPr>
+          <p:cNvPr id="11" name="TextBox 10"/>
+          <p:cNvSpPr txBox="1"/>
+          <p:nvPr/>
+        </p:nvSpPr>
+        <p:spPr>
+          <a:xfrm>
+            <a:off x="10579" y="58322"/>
+            <a:ext cx="6714071" cy="1569660"/>
+          </a:xfrm>
+          <a:prstGeom prst="rect">
+            <a:avLst/>
+          </a:prstGeom>
+          <a:noFill/>
+        </p:spPr>
+        <p:txBody>
+          <a:bodyPr wrap="square" rtlCol="0">
+            <a:spAutoFit/>
+          </a:bodyPr>
+          <a:lstStyle/>
+          <a:p>
             <a:pPr algn="ctr"/>
             <a:r>
               <a:rPr lang="ru-RU" sz="2400" b="1" dirty="0" smtClean="0"/>
-              <a:t>График концентраций и сигнала ДСК</a:t>
+              <a:t>Интервал </a:t>
+            </a:r>
+            <a:r>
+              <a:rPr lang="ru-RU" sz="2400" b="1" dirty="0" err="1" smtClean="0"/>
+              <a:t>температуы</a:t>
+            </a:r>
+            <a:r>
+              <a:rPr lang="ru-RU" sz="2400" b="1" dirty="0" smtClean="0"/>
+              <a:t> 700-900 К</a:t>
+            </a:r>
+          </a:p>
+          <a:p>
+            <a:pPr algn="ctr"/>
+            <a:r>
+              <a:rPr lang="ru-RU" sz="2400" b="1" dirty="0" smtClean="0"/>
+              <a:t>Результат расчета </a:t>
+            </a:r>
+            <a:r>
+              <a:rPr lang="ru-RU" sz="2400" b="1" dirty="0" smtClean="0"/>
+              <a:t>и ДСК стекла для системы СОСТАВ</a:t>
+            </a:r>
+          </a:p>
+          <a:p>
+            <a:pPr algn="ctr"/>
+            <a:r>
+              <a:rPr lang="ru-RU" sz="2400" b="1" dirty="0" smtClean="0"/>
+              <a:t>И температурная зависимость Э Г. соединений</a:t>
             </a:r>
             <a:endParaRPr lang="ru-RU" sz="2400" b="1" dirty="0"/>
           </a:p>
@@ -9895,7 +9075,7 @@
     </p:spTree>
     <p:extLst>
       <p:ext uri="{BB962C8B-B14F-4D97-AF65-F5344CB8AC3E}">
-        <p14:creationId xmlns:p14="http://schemas.microsoft.com/office/powerpoint/2010/main" val="1767784856"/>
+        <p14:creationId xmlns:p14="http://schemas.microsoft.com/office/powerpoint/2010/main" xmlns="" val="1947952283"/>
       </p:ext>
     </p:extLst>
   </p:cSld>
@@ -9931,10 +9111,10 @@
       </p:grpSpPr>
       <p:pic>
         <p:nvPicPr>
-          <p:cNvPr id="22" name="Рисунок 21">
+          <p:cNvPr id="6" name="Рисунок 5">
             <a:extLst>
               <a:ext uri="{FF2B5EF4-FFF2-40B4-BE49-F238E27FC236}">
-                <a16:creationId xmlns:a16="http://schemas.microsoft.com/office/drawing/2014/main" xmlns="" id="{FCAA7B5D-6B29-4996-A807-08FC6014C0DE}"/>
+                <a16:creationId xmlns="" xmlns:a16="http://schemas.microsoft.com/office/drawing/2014/main" id="{725F647D-35E8-480B-8386-FCA17E34538B}"/>
               </a:ext>
             </a:extLst>
           </p:cNvPr>
@@ -9944,10 +9124,10 @@
           <p:nvPr/>
         </p:nvPicPr>
         <p:blipFill>
-          <a:blip r:embed="rId3">
+          <a:blip r:embed="rId3" cstate="print">
             <a:extLst>
               <a:ext uri="{28A0092B-C50C-407E-A947-70E740481C1C}">
-                <a14:useLocalDpi xmlns:a14="http://schemas.microsoft.com/office/drawing/2010/main" val="0"/>
+                <a14:useLocalDpi xmlns:a14="http://schemas.microsoft.com/office/drawing/2010/main" xmlns="" val="0"/>
               </a:ext>
             </a:extLst>
           </a:blip>
@@ -9957,8 +9137,8 @@
         </p:blipFill>
         <p:spPr>
           <a:xfrm>
-            <a:off x="2817" y="0"/>
-            <a:ext cx="6856266" cy="6586190"/>
+            <a:off x="0" y="0"/>
+            <a:ext cx="6859083" cy="6739958"/>
           </a:xfrm>
           <a:prstGeom prst="rect">
             <a:avLst/>
@@ -9967,10 +9147,10 @@
       </p:pic>
       <p:pic>
         <p:nvPicPr>
-          <p:cNvPr id="4" name="Рисунок 3">
+          <p:cNvPr id="10" name="Рисунок 9">
             <a:extLst>
               <a:ext uri="{FF2B5EF4-FFF2-40B4-BE49-F238E27FC236}">
-                <a16:creationId xmlns:a16="http://schemas.microsoft.com/office/drawing/2014/main" xmlns="" id="{AA218643-78D8-42EC-80C8-C39B89EE2B7C}"/>
+                <a16:creationId xmlns="" xmlns:a16="http://schemas.microsoft.com/office/drawing/2014/main" id="{9A9271DE-1940-49FD-9A22-EF7BF37462D2}"/>
               </a:ext>
             </a:extLst>
           </p:cNvPr>
@@ -9980,15 +9160,15 @@
           <p:nvPr/>
         </p:nvPicPr>
         <p:blipFill>
-          <a:blip r:embed="rId4"/>
+          <a:blip r:embed="rId4" cstate="print"/>
           <a:stretch>
             <a:fillRect/>
           </a:stretch>
         </p:blipFill>
         <p:spPr>
           <a:xfrm>
-            <a:off x="6812784" y="2295079"/>
-            <a:ext cx="2320789" cy="2305470"/>
+            <a:off x="9443710" y="2449507"/>
+            <a:ext cx="2331216" cy="2315828"/>
           </a:xfrm>
           <a:prstGeom prst="rect">
             <a:avLst/>
@@ -9997,10 +9177,10 @@
       </p:pic>
       <p:pic>
         <p:nvPicPr>
-          <p:cNvPr id="3" name="Рисунок 2">
+          <p:cNvPr id="12" name="Рисунок 11">
             <a:extLst>
               <a:ext uri="{FF2B5EF4-FFF2-40B4-BE49-F238E27FC236}">
-                <a16:creationId xmlns:a16="http://schemas.microsoft.com/office/drawing/2014/main" xmlns="" id="{A52F9B4A-5CDE-4EE5-9973-119424ABF192}"/>
+                <a16:creationId xmlns="" xmlns:a16="http://schemas.microsoft.com/office/drawing/2014/main" id="{DE226419-0EC8-405E-B72C-18788728A1F0}"/>
               </a:ext>
             </a:extLst>
           </p:cNvPr>
@@ -10010,14 +9190,14 @@
           <p:nvPr/>
         </p:nvPicPr>
         <p:blipFill>
-          <a:blip r:embed="rId5"/>
+          <a:blip r:embed="rId5" cstate="print"/>
           <a:stretch>
             <a:fillRect/>
           </a:stretch>
         </p:blipFill>
         <p:spPr>
           <a:xfrm>
-            <a:off x="6812784" y="4591673"/>
+            <a:off x="9439252" y="4843509"/>
             <a:ext cx="2331216" cy="2296594"/>
           </a:xfrm>
           <a:prstGeom prst="rect">
@@ -10027,10 +9207,10 @@
       </p:pic>
       <p:pic>
         <p:nvPicPr>
-          <p:cNvPr id="2" name="Рисунок 1">
+          <p:cNvPr id="14" name="Рисунок 13">
             <a:extLst>
               <a:ext uri="{FF2B5EF4-FFF2-40B4-BE49-F238E27FC236}">
-                <a16:creationId xmlns:a16="http://schemas.microsoft.com/office/drawing/2014/main" xmlns="" id="{C24A7336-922F-488B-9D86-670F05C76F01}"/>
+                <a16:creationId xmlns="" xmlns:a16="http://schemas.microsoft.com/office/drawing/2014/main" id="{5F5C74ED-60CE-4D9A-8CCD-224D4E6738E6}"/>
               </a:ext>
             </a:extLst>
           </p:cNvPr>
@@ -10040,14 +9220,14 @@
           <p:nvPr/>
         </p:nvPicPr>
         <p:blipFill>
-          <a:blip r:embed="rId6"/>
+          <a:blip r:embed="rId6" cstate="print"/>
           <a:stretch>
             <a:fillRect/>
           </a:stretch>
         </p:blipFill>
         <p:spPr>
           <a:xfrm>
-            <a:off x="6814109" y="0"/>
+            <a:off x="9462850" y="126459"/>
             <a:ext cx="2327074" cy="2300149"/>
           </a:xfrm>
           <a:prstGeom prst="rect">
@@ -10057,10 +9237,10 @@
       </p:pic>
       <p:sp>
         <p:nvSpPr>
-          <p:cNvPr id="23" name="Стрелка: вверх 22">
+          <p:cNvPr id="11" name="Стрелка: вверх 10">
             <a:extLst>
               <a:ext uri="{FF2B5EF4-FFF2-40B4-BE49-F238E27FC236}">
-                <a16:creationId xmlns:a16="http://schemas.microsoft.com/office/drawing/2014/main" xmlns="" id="{A1D3A70A-6CF7-4FD2-9AD4-10E2080F4B8D}"/>
+                <a16:creationId xmlns="" xmlns:a16="http://schemas.microsoft.com/office/drawing/2014/main" id="{AA284F94-2E16-4048-864F-62B5A0B843F8}"/>
               </a:ext>
             </a:extLst>
           </p:cNvPr>
@@ -10207,10 +9387,10 @@
       </p:sp>
       <p:sp>
         <p:nvSpPr>
-          <p:cNvPr id="24" name="TextBox 23">
+          <p:cNvPr id="13" name="TextBox 12">
             <a:extLst>
               <a:ext uri="{FF2B5EF4-FFF2-40B4-BE49-F238E27FC236}">
-                <a16:creationId xmlns:a16="http://schemas.microsoft.com/office/drawing/2014/main" xmlns="" id="{62B06D4B-41CE-4056-B6C3-AD1BA945BCA2}"/>
+                <a16:creationId xmlns="" xmlns:a16="http://schemas.microsoft.com/office/drawing/2014/main" id="{50E10851-CA78-4BE6-A2F6-092E00A88ED4}"/>
               </a:ext>
             </a:extLst>
           </p:cNvPr>
@@ -10219,7 +9399,7 @@
         </p:nvSpPr>
         <p:spPr>
           <a:xfrm>
-            <a:off x="4690008" y="3926404"/>
+            <a:off x="5604408" y="4718884"/>
             <a:ext cx="1031523" cy="369332"/>
           </a:xfrm>
           <a:prstGeom prst="rect">
@@ -10249,70 +9429,10 @@
           </a:p>
         </p:txBody>
       </p:sp>
-      <p:sp>
-        <p:nvSpPr>
-          <p:cNvPr id="5" name="TextBox 4"/>
-          <p:cNvSpPr txBox="1"/>
-          <p:nvPr/>
-        </p:nvSpPr>
-        <p:spPr>
-          <a:xfrm>
-            <a:off x="2829463" y="1930817"/>
-            <a:ext cx="1345721" cy="369332"/>
-          </a:xfrm>
-          <a:prstGeom prst="rect">
-            <a:avLst/>
-          </a:prstGeom>
-          <a:noFill/>
-        </p:spPr>
-        <p:txBody>
-          <a:bodyPr wrap="square" rtlCol="0">
-            <a:spAutoFit/>
-          </a:bodyPr>
-          <a:lstStyle/>
-          <a:p>
-            <a:r>
-              <a:rPr lang="ru-RU" b="1" dirty="0" smtClean="0"/>
-              <a:t>плавление</a:t>
-            </a:r>
-            <a:endParaRPr lang="ru-RU" b="1" dirty="0"/>
-          </a:p>
-        </p:txBody>
-      </p:sp>
-      <p:sp>
-        <p:nvSpPr>
-          <p:cNvPr id="10" name="TextBox 9"/>
-          <p:cNvSpPr txBox="1"/>
-          <p:nvPr/>
-        </p:nvSpPr>
-        <p:spPr>
-          <a:xfrm>
-            <a:off x="2139827" y="471045"/>
-            <a:ext cx="746205" cy="369332"/>
-          </a:xfrm>
-          <a:prstGeom prst="rect">
-            <a:avLst/>
-          </a:prstGeom>
-          <a:noFill/>
-        </p:spPr>
-        <p:txBody>
-          <a:bodyPr wrap="square" rtlCol="0">
-            <a:spAutoFit/>
-          </a:bodyPr>
-          <a:lstStyle/>
-          <a:p>
-            <a:r>
-              <a:rPr lang="ru-RU" b="1" dirty="0" smtClean="0"/>
-              <a:t>пауза</a:t>
-            </a:r>
-            <a:endParaRPr lang="ru-RU" b="1" dirty="0"/>
-          </a:p>
-        </p:txBody>
-      </p:sp>
     </p:spTree>
     <p:extLst>
       <p:ext uri="{BB962C8B-B14F-4D97-AF65-F5344CB8AC3E}">
-        <p14:creationId xmlns:p14="http://schemas.microsoft.com/office/powerpoint/2010/main" val="1947952283"/>
+        <p14:creationId xmlns:p14="http://schemas.microsoft.com/office/powerpoint/2010/main" xmlns="" val="2978972195"/>
       </p:ext>
     </p:extLst>
   </p:cSld>
@@ -10348,10 +9468,10 @@
       </p:grpSpPr>
       <p:pic>
         <p:nvPicPr>
-          <p:cNvPr id="6" name="Рисунок 5">
+          <p:cNvPr id="7" name="Рисунок 6">
             <a:extLst>
               <a:ext uri="{FF2B5EF4-FFF2-40B4-BE49-F238E27FC236}">
-                <a16:creationId xmlns:a16="http://schemas.microsoft.com/office/drawing/2014/main" xmlns="" id="{725F647D-35E8-480B-8386-FCA17E34538B}"/>
+                <a16:creationId xmlns="" xmlns:a16="http://schemas.microsoft.com/office/drawing/2014/main" id="{3A2A519D-F0AF-4C8A-B4A9-91B32DAA7085}"/>
               </a:ext>
             </a:extLst>
           </p:cNvPr>
@@ -10361,10 +9481,10 @@
           <p:nvPr/>
         </p:nvPicPr>
         <p:blipFill>
-          <a:blip r:embed="rId3">
+          <a:blip r:embed="rId3" cstate="print">
             <a:extLst>
               <a:ext uri="{28A0092B-C50C-407E-A947-70E740481C1C}">
-                <a14:useLocalDpi xmlns:a14="http://schemas.microsoft.com/office/drawing/2010/main" val="0"/>
+                <a14:useLocalDpi xmlns:a14="http://schemas.microsoft.com/office/drawing/2010/main" xmlns="" val="0"/>
               </a:ext>
             </a:extLst>
           </a:blip>
@@ -10374,8 +9494,8 @@
         </p:blipFill>
         <p:spPr>
           <a:xfrm>
-            <a:off x="-1" y="0"/>
-            <a:ext cx="6859083" cy="6739958"/>
+            <a:off x="-1" y="-1"/>
+            <a:ext cx="6874467" cy="6761359"/>
           </a:xfrm>
           <a:prstGeom prst="rect">
             <a:avLst/>
@@ -10384,10 +9504,10 @@
       </p:pic>
       <p:pic>
         <p:nvPicPr>
-          <p:cNvPr id="10" name="Рисунок 9">
+          <p:cNvPr id="12" name="Рисунок 11">
             <a:extLst>
               <a:ext uri="{FF2B5EF4-FFF2-40B4-BE49-F238E27FC236}">
-                <a16:creationId xmlns:a16="http://schemas.microsoft.com/office/drawing/2014/main" xmlns="" id="{9A9271DE-1940-49FD-9A22-EF7BF37462D2}"/>
+                <a16:creationId xmlns="" xmlns:a16="http://schemas.microsoft.com/office/drawing/2014/main" id="{C10D44ED-E10F-4F8B-9318-2CAE3606333A}"/>
               </a:ext>
             </a:extLst>
           </p:cNvPr>
@@ -10397,15 +9517,15 @@
           <p:nvPr/>
         </p:nvPicPr>
         <p:blipFill>
-          <a:blip r:embed="rId4"/>
+          <a:blip r:embed="rId4" cstate="print"/>
           <a:stretch>
             <a:fillRect/>
           </a:stretch>
         </p:blipFill>
         <p:spPr>
           <a:xfrm>
-            <a:off x="6812784" y="2295079"/>
-            <a:ext cx="2331216" cy="2315828"/>
+            <a:off x="6843577" y="2321550"/>
+            <a:ext cx="2300421" cy="2362594"/>
           </a:xfrm>
           <a:prstGeom prst="rect">
             <a:avLst/>
@@ -10414,10 +9534,10 @@
       </p:pic>
       <p:pic>
         <p:nvPicPr>
-          <p:cNvPr id="12" name="Рисунок 11">
+          <p:cNvPr id="17" name="Рисунок 16">
             <a:extLst>
               <a:ext uri="{FF2B5EF4-FFF2-40B4-BE49-F238E27FC236}">
-                <a16:creationId xmlns:a16="http://schemas.microsoft.com/office/drawing/2014/main" xmlns="" id="{DE226419-0EC8-405E-B72C-18788728A1F0}"/>
+                <a16:creationId xmlns="" xmlns:a16="http://schemas.microsoft.com/office/drawing/2014/main" id="{00E9BA5B-1745-4EFE-A3C1-97C49E7D1077}"/>
               </a:ext>
             </a:extLst>
           </p:cNvPr>
@@ -10427,57 +9547,27 @@
           <p:nvPr/>
         </p:nvPicPr>
         <p:blipFill>
-          <a:blip r:embed="rId5"/>
+          <a:blip r:embed="rId5" cstate="print"/>
           <a:stretch>
             <a:fillRect/>
           </a:stretch>
         </p:blipFill>
         <p:spPr>
           <a:xfrm>
-            <a:off x="6812784" y="4600299"/>
-            <a:ext cx="2331216" cy="2296594"/>
+            <a:off x="6844839" y="-2"/>
+            <a:ext cx="2299160" cy="2330178"/>
           </a:xfrm>
           <a:prstGeom prst="rect">
             <a:avLst/>
           </a:prstGeom>
         </p:spPr>
       </p:pic>
-      <p:pic>
-        <p:nvPicPr>
-          <p:cNvPr id="14" name="Рисунок 13">
+      <p:sp>
+        <p:nvSpPr>
+          <p:cNvPr id="15" name="Стрелка: вверх 14">
             <a:extLst>
               <a:ext uri="{FF2B5EF4-FFF2-40B4-BE49-F238E27FC236}">
-                <a16:creationId xmlns:a16="http://schemas.microsoft.com/office/drawing/2014/main" xmlns="" id="{5F5C74ED-60CE-4D9A-8CCD-224D4E6738E6}"/>
-              </a:ext>
-            </a:extLst>
-          </p:cNvPr>
-          <p:cNvPicPr>
-            <a:picLocks noChangeAspect="1"/>
-          </p:cNvPicPr>
-          <p:nvPr/>
-        </p:nvPicPr>
-        <p:blipFill>
-          <a:blip r:embed="rId6"/>
-          <a:stretch>
-            <a:fillRect/>
-          </a:stretch>
-        </p:blipFill>
-        <p:spPr>
-          <a:xfrm>
-            <a:off x="6814109" y="0"/>
-            <a:ext cx="2327074" cy="2300149"/>
-          </a:xfrm>
-          <a:prstGeom prst="rect">
-            <a:avLst/>
-          </a:prstGeom>
-        </p:spPr>
-      </p:pic>
-      <p:sp>
-        <p:nvSpPr>
-          <p:cNvPr id="11" name="Стрелка: вверх 10">
-            <a:extLst>
-              <a:ext uri="{FF2B5EF4-FFF2-40B4-BE49-F238E27FC236}">
-                <a16:creationId xmlns:a16="http://schemas.microsoft.com/office/drawing/2014/main" xmlns="" id="{AA284F94-2E16-4048-864F-62B5A0B843F8}"/>
+                <a16:creationId xmlns="" xmlns:a16="http://schemas.microsoft.com/office/drawing/2014/main" id="{D8CE218C-C797-41D4-8FE8-A98456D9FABA}"/>
               </a:ext>
             </a:extLst>
           </p:cNvPr>
@@ -10622,22 +9712,46 @@
           </a:p>
         </p:txBody>
       </p:sp>
-      <p:sp>
-        <p:nvSpPr>
-          <p:cNvPr id="13" name="TextBox 12">
+      <p:pic>
+        <p:nvPicPr>
+          <p:cNvPr id="14" name="Рисунок 13">
             <a:extLst>
               <a:ext uri="{FF2B5EF4-FFF2-40B4-BE49-F238E27FC236}">
-                <a16:creationId xmlns:a16="http://schemas.microsoft.com/office/drawing/2014/main" xmlns="" id="{50E10851-CA78-4BE6-A2F6-092E00A88ED4}"/>
+                <a16:creationId xmlns="" xmlns:a16="http://schemas.microsoft.com/office/drawing/2014/main" id="{F0E0BF0A-089A-4C04-A43C-B0FA8F0553A2}"/>
               </a:ext>
             </a:extLst>
           </p:cNvPr>
+          <p:cNvPicPr>
+            <a:picLocks noChangeAspect="1"/>
+          </p:cNvPicPr>
+          <p:nvPr/>
+        </p:nvPicPr>
+        <p:blipFill>
+          <a:blip r:embed="rId6" cstate="print"/>
+          <a:stretch>
+            <a:fillRect/>
+          </a:stretch>
+        </p:blipFill>
+        <p:spPr>
+          <a:xfrm>
+            <a:off x="9490918" y="2599212"/>
+            <a:ext cx="2300423" cy="2361896"/>
+          </a:xfrm>
+          <a:prstGeom prst="rect">
+            <a:avLst/>
+          </a:prstGeom>
+        </p:spPr>
+      </p:pic>
+      <p:sp>
+        <p:nvSpPr>
+          <p:cNvPr id="9" name="TextBox 8"/>
           <p:cNvSpPr txBox="1"/>
           <p:nvPr/>
         </p:nvSpPr>
         <p:spPr>
           <a:xfrm>
-            <a:off x="5604408" y="4718884"/>
-            <a:ext cx="1031523" cy="369332"/>
+            <a:off x="327802" y="112144"/>
+            <a:ext cx="2544793" cy="369332"/>
           </a:xfrm>
           <a:prstGeom prst="rect">
             <a:avLst/>
@@ -10651,85 +9765,59 @@
           <a:lstStyle/>
           <a:p>
             <a:r>
-              <a:rPr lang="en-US" dirty="0">
+              <a:rPr lang="ru-RU" dirty="0" smtClean="0">
                 <a:solidFill>
-                  <a:srgbClr val="92D050"/>
+                  <a:schemeClr val="bg2">
+                    <a:lumMod val="50000"/>
+                  </a:schemeClr>
                 </a:solidFill>
               </a:rPr>
-              <a:t>[L]</a:t>
+              <a:t>Стеклование</a:t>
             </a:r>
             <a:endParaRPr lang="ru-RU" dirty="0">
               <a:solidFill>
-                <a:srgbClr val="92D050"/>
+                <a:schemeClr val="bg2">
+                  <a:lumMod val="50000"/>
+                </a:schemeClr>
               </a:solidFill>
             </a:endParaRPr>
           </a:p>
         </p:txBody>
       </p:sp>
-      <p:sp>
-        <p:nvSpPr>
-          <p:cNvPr id="8" name="TextBox 7"/>
-          <p:cNvSpPr txBox="1"/>
+      <p:pic>
+        <p:nvPicPr>
+          <p:cNvPr id="10" name="Рисунок 9">
+            <a:extLst>
+              <a:ext uri="{FF2B5EF4-FFF2-40B4-BE49-F238E27FC236}">
+                <a16:creationId xmlns="" xmlns:a16="http://schemas.microsoft.com/office/drawing/2014/main" id="{07FCE67B-6FF9-4CB2-BD21-DED37104F58D}"/>
+              </a:ext>
+            </a:extLst>
+          </p:cNvPr>
+          <p:cNvPicPr>
+            <a:picLocks noChangeAspect="1"/>
+          </p:cNvPicPr>
           <p:nvPr/>
-        </p:nvSpPr>
-        <p:spPr>
-          <a:xfrm>
-            <a:off x="2859383" y="4230967"/>
-            <a:ext cx="1759790" cy="369332"/>
+        </p:nvPicPr>
+        <p:blipFill>
+          <a:blip r:embed="rId7" cstate="print"/>
+          <a:stretch>
+            <a:fillRect/>
+          </a:stretch>
+        </p:blipFill>
+        <p:spPr>
+          <a:xfrm>
+            <a:off x="6831837" y="4661974"/>
+            <a:ext cx="2312163" cy="2350894"/>
           </a:xfrm>
           <a:prstGeom prst="rect">
             <a:avLst/>
           </a:prstGeom>
-          <a:noFill/>
-        </p:spPr>
-        <p:txBody>
-          <a:bodyPr wrap="square" rtlCol="0">
-            <a:spAutoFit/>
-          </a:bodyPr>
-          <a:lstStyle/>
-          <a:p>
-            <a:r>
-              <a:rPr lang="ru-RU" b="1" dirty="0" smtClean="0"/>
-              <a:t>основой пик</a:t>
-            </a:r>
-            <a:endParaRPr lang="ru-RU" b="1" dirty="0"/>
-          </a:p>
-        </p:txBody>
-      </p:sp>
-      <p:sp>
-        <p:nvSpPr>
-          <p:cNvPr id="9" name="TextBox 8"/>
-          <p:cNvSpPr txBox="1"/>
-          <p:nvPr/>
-        </p:nvSpPr>
-        <p:spPr>
-          <a:xfrm>
-            <a:off x="1480866" y="1680754"/>
-            <a:ext cx="1345721" cy="369332"/>
-          </a:xfrm>
-          <a:prstGeom prst="rect">
-            <a:avLst/>
-          </a:prstGeom>
-          <a:noFill/>
-        </p:spPr>
-        <p:txBody>
-          <a:bodyPr wrap="square" rtlCol="0">
-            <a:spAutoFit/>
-          </a:bodyPr>
-          <a:lstStyle/>
-          <a:p>
-            <a:r>
-              <a:rPr lang="ru-RU" b="1" dirty="0" smtClean="0"/>
-              <a:t>малый пик</a:t>
-            </a:r>
-            <a:endParaRPr lang="ru-RU" b="1" dirty="0"/>
-          </a:p>
-        </p:txBody>
-      </p:sp>
+        </p:spPr>
+      </p:pic>
     </p:spTree>
     <p:extLst>
       <p:ext uri="{BB962C8B-B14F-4D97-AF65-F5344CB8AC3E}">
-        <p14:creationId xmlns:p14="http://schemas.microsoft.com/office/powerpoint/2010/main" val="2978972195"/>
+        <p14:creationId xmlns:p14="http://schemas.microsoft.com/office/powerpoint/2010/main" xmlns="" val="3087030359"/>
       </p:ext>
     </p:extLst>
   </p:cSld>
@@ -10765,10 +9853,10 @@
       </p:grpSpPr>
       <p:pic>
         <p:nvPicPr>
-          <p:cNvPr id="7" name="Рисунок 6">
+          <p:cNvPr id="17" name="Рисунок 16">
             <a:extLst>
               <a:ext uri="{FF2B5EF4-FFF2-40B4-BE49-F238E27FC236}">
-                <a16:creationId xmlns:a16="http://schemas.microsoft.com/office/drawing/2014/main" xmlns="" id="{3A2A519D-F0AF-4C8A-B4A9-91B32DAA7085}"/>
+                <a16:creationId xmlns="" xmlns:a16="http://schemas.microsoft.com/office/drawing/2014/main" id="{8076A31A-C9D6-4C0C-92B9-DA3FC7DF19A9}"/>
               </a:ext>
             </a:extLst>
           </p:cNvPr>
@@ -10778,10 +9866,10 @@
           <p:nvPr/>
         </p:nvPicPr>
         <p:blipFill>
-          <a:blip r:embed="rId3">
+          <a:blip r:embed="rId3" cstate="print">
             <a:extLst>
               <a:ext uri="{28A0092B-C50C-407E-A947-70E740481C1C}">
-                <a14:useLocalDpi xmlns:a14="http://schemas.microsoft.com/office/drawing/2010/main" val="0"/>
+                <a14:useLocalDpi xmlns:a14="http://schemas.microsoft.com/office/drawing/2010/main" xmlns="" val="0"/>
               </a:ext>
             </a:extLst>
           </a:blip>
@@ -10791,80 +9879,470 @@
         </p:blipFill>
         <p:spPr>
           <a:xfrm>
-            <a:off x="-1" y="-1"/>
-            <a:ext cx="6874467" cy="6761359"/>
+            <a:off x="0" y="656669"/>
+            <a:ext cx="9144000" cy="4690717"/>
           </a:xfrm>
           <a:prstGeom prst="rect">
             <a:avLst/>
           </a:prstGeom>
         </p:spPr>
       </p:pic>
-      <p:pic>
-        <p:nvPicPr>
-          <p:cNvPr id="12" name="Рисунок 11">
+      <p:sp>
+        <p:nvSpPr>
+          <p:cNvPr id="18" name="TextBox 17">
             <a:extLst>
               <a:ext uri="{FF2B5EF4-FFF2-40B4-BE49-F238E27FC236}">
-                <a16:creationId xmlns:a16="http://schemas.microsoft.com/office/drawing/2014/main" xmlns="" id="{C10D44ED-E10F-4F8B-9318-2CAE3606333A}"/>
+                <a16:creationId xmlns="" xmlns:a16="http://schemas.microsoft.com/office/drawing/2014/main" id="{CCC2FACC-F874-41BF-9F64-F4D798F76BD6}"/>
               </a:ext>
             </a:extLst>
           </p:cNvPr>
-          <p:cNvPicPr>
-            <a:picLocks noChangeAspect="1"/>
-          </p:cNvPicPr>
+          <p:cNvSpPr txBox="1"/>
           <p:nvPr/>
-        </p:nvPicPr>
-        <p:blipFill>
-          <a:blip r:embed="rId4"/>
-          <a:stretch>
-            <a:fillRect/>
-          </a:stretch>
-        </p:blipFill>
-        <p:spPr>
-          <a:xfrm>
-            <a:off x="6843577" y="2321550"/>
-            <a:ext cx="2300421" cy="2362594"/>
+        </p:nvSpPr>
+        <p:spPr>
+          <a:xfrm>
+            <a:off x="2256577" y="5488325"/>
+            <a:ext cx="1131410" cy="507831"/>
           </a:xfrm>
           <a:prstGeom prst="rect">
             <a:avLst/>
           </a:prstGeom>
-        </p:spPr>
-      </p:pic>
-      <p:pic>
-        <p:nvPicPr>
-          <p:cNvPr id="17" name="Рисунок 16">
+          <a:noFill/>
+        </p:spPr>
+        <p:txBody>
+          <a:bodyPr wrap="square" rtlCol="0">
+            <a:spAutoFit/>
+          </a:bodyPr>
+          <a:lstStyle/>
+          <a:p>
+            <a:pPr algn="ctr"/>
+            <a:r>
+              <a:rPr lang="ru-RU" sz="1350" dirty="0"/>
+              <a:t>Стеклование </a:t>
+            </a:r>
+            <a:r>
+              <a:rPr lang="ru-RU" sz="1350" b="1" dirty="0"/>
+              <a:t>450 – 540 К</a:t>
+            </a:r>
+          </a:p>
+        </p:txBody>
+      </p:sp>
+      <p:cxnSp>
+        <p:nvCxnSpPr>
+          <p:cNvPr id="19" name="Прямая со стрелкой 18">
             <a:extLst>
               <a:ext uri="{FF2B5EF4-FFF2-40B4-BE49-F238E27FC236}">
-                <a16:creationId xmlns:a16="http://schemas.microsoft.com/office/drawing/2014/main" xmlns="" id="{00E9BA5B-1745-4EFE-A3C1-97C49E7D1077}"/>
+                <a16:creationId xmlns="" xmlns:a16="http://schemas.microsoft.com/office/drawing/2014/main" id="{4DB78FCE-EFC8-4B9C-AA82-1579AC125516}"/>
               </a:ext>
             </a:extLst>
           </p:cNvPr>
-          <p:cNvPicPr>
-            <a:picLocks noChangeAspect="1"/>
-          </p:cNvPicPr>
+          <p:cNvCxnSpPr>
+            <a:cxnSpLocks/>
+            <a:stCxn id="18" idx="0"/>
+          </p:cNvCxnSpPr>
           <p:nvPr/>
-        </p:nvPicPr>
-        <p:blipFill>
-          <a:blip r:embed="rId5"/>
-          <a:stretch>
-            <a:fillRect/>
-          </a:stretch>
-        </p:blipFill>
-        <p:spPr>
-          <a:xfrm>
-            <a:off x="6844839" y="-2"/>
-            <a:ext cx="2299160" cy="2330178"/>
-          </a:xfrm>
-          <a:prstGeom prst="rect">
-            <a:avLst/>
-          </a:prstGeom>
-        </p:spPr>
-      </p:pic>
-      <p:sp>
-        <p:nvSpPr>
-          <p:cNvPr id="15" name="Стрелка: вверх 14">
+        </p:nvCxnSpPr>
+        <p:spPr>
+          <a:xfrm flipV="1">
+            <a:off x="2822282" y="4767115"/>
+            <a:ext cx="0" cy="721210"/>
+          </a:xfrm>
+          <a:prstGeom prst="straightConnector1">
+            <a:avLst/>
+          </a:prstGeom>
+          <a:ln w="19050">
+            <a:solidFill>
+              <a:schemeClr val="tx1">
+                <a:lumMod val="95000"/>
+                <a:lumOff val="5000"/>
+              </a:schemeClr>
+            </a:solidFill>
+            <a:tailEnd type="triangle"/>
+          </a:ln>
+        </p:spPr>
+        <p:style>
+          <a:lnRef idx="1">
+            <a:schemeClr val="accent1"/>
+          </a:lnRef>
+          <a:fillRef idx="0">
+            <a:schemeClr val="accent1"/>
+          </a:fillRef>
+          <a:effectRef idx="0">
+            <a:schemeClr val="accent1"/>
+          </a:effectRef>
+          <a:fontRef idx="minor">
+            <a:schemeClr val="tx1"/>
+          </a:fontRef>
+        </p:style>
+      </p:cxnSp>
+      <p:sp>
+        <p:nvSpPr>
+          <p:cNvPr id="20" name="TextBox 19">
             <a:extLst>
               <a:ext uri="{FF2B5EF4-FFF2-40B4-BE49-F238E27FC236}">
-                <a16:creationId xmlns:a16="http://schemas.microsoft.com/office/drawing/2014/main" xmlns="" id="{D8CE218C-C797-41D4-8FE8-A98456D9FABA}"/>
+                <a16:creationId xmlns="" xmlns:a16="http://schemas.microsoft.com/office/drawing/2014/main" id="{5854C1C7-EB88-4E27-BE1A-E9B46C43F15F}"/>
+              </a:ext>
+            </a:extLst>
+          </p:cNvPr>
+          <p:cNvSpPr txBox="1"/>
+          <p:nvPr/>
+        </p:nvSpPr>
+        <p:spPr>
+          <a:xfrm>
+            <a:off x="5065092" y="5511610"/>
+            <a:ext cx="1131410" cy="507831"/>
+          </a:xfrm>
+          <a:prstGeom prst="rect">
+            <a:avLst/>
+          </a:prstGeom>
+          <a:noFill/>
+        </p:spPr>
+        <p:txBody>
+          <a:bodyPr wrap="square" rtlCol="0">
+            <a:spAutoFit/>
+          </a:bodyPr>
+          <a:lstStyle/>
+          <a:p>
+            <a:pPr algn="ctr"/>
+            <a:r>
+              <a:rPr lang="ru-RU" sz="1350" dirty="0"/>
+              <a:t>Малый пик </a:t>
+            </a:r>
+            <a:r>
+              <a:rPr lang="ru-RU" sz="1350" b="1" dirty="0"/>
+              <a:t>682 – 715 К</a:t>
+            </a:r>
+          </a:p>
+        </p:txBody>
+      </p:sp>
+      <p:cxnSp>
+        <p:nvCxnSpPr>
+          <p:cNvPr id="21" name="Прямая со стрелкой 20">
+            <a:extLst>
+              <a:ext uri="{FF2B5EF4-FFF2-40B4-BE49-F238E27FC236}">
+                <a16:creationId xmlns="" xmlns:a16="http://schemas.microsoft.com/office/drawing/2014/main" id="{203D7676-8855-4D27-A315-06E280D06175}"/>
+              </a:ext>
+            </a:extLst>
+          </p:cNvPr>
+          <p:cNvCxnSpPr>
+            <a:cxnSpLocks/>
+            <a:stCxn id="20" idx="0"/>
+          </p:cNvCxnSpPr>
+          <p:nvPr/>
+        </p:nvCxnSpPr>
+        <p:spPr>
+          <a:xfrm flipV="1">
+            <a:off x="5630797" y="4790400"/>
+            <a:ext cx="0" cy="721210"/>
+          </a:xfrm>
+          <a:prstGeom prst="straightConnector1">
+            <a:avLst/>
+          </a:prstGeom>
+          <a:ln w="19050">
+            <a:solidFill>
+              <a:schemeClr val="tx1">
+                <a:lumMod val="95000"/>
+                <a:lumOff val="5000"/>
+              </a:schemeClr>
+            </a:solidFill>
+            <a:tailEnd type="triangle"/>
+          </a:ln>
+        </p:spPr>
+        <p:style>
+          <a:lnRef idx="1">
+            <a:schemeClr val="accent1"/>
+          </a:lnRef>
+          <a:fillRef idx="0">
+            <a:schemeClr val="accent1"/>
+          </a:fillRef>
+          <a:effectRef idx="0">
+            <a:schemeClr val="accent1"/>
+          </a:effectRef>
+          <a:fontRef idx="minor">
+            <a:schemeClr val="tx1"/>
+          </a:fontRef>
+        </p:style>
+      </p:cxnSp>
+      <p:sp>
+        <p:nvSpPr>
+          <p:cNvPr id="22" name="TextBox 21">
+            <a:extLst>
+              <a:ext uri="{FF2B5EF4-FFF2-40B4-BE49-F238E27FC236}">
+                <a16:creationId xmlns="" xmlns:a16="http://schemas.microsoft.com/office/drawing/2014/main" id="{D79C4D79-6C9C-4999-8089-B9FC6093FE3E}"/>
+              </a:ext>
+            </a:extLst>
+          </p:cNvPr>
+          <p:cNvSpPr txBox="1"/>
+          <p:nvPr/>
+        </p:nvSpPr>
+        <p:spPr>
+          <a:xfrm>
+            <a:off x="5451566" y="6233075"/>
+            <a:ext cx="1532709" cy="507831"/>
+          </a:xfrm>
+          <a:prstGeom prst="rect">
+            <a:avLst/>
+          </a:prstGeom>
+          <a:noFill/>
+        </p:spPr>
+        <p:txBody>
+          <a:bodyPr wrap="square" rtlCol="0">
+            <a:spAutoFit/>
+          </a:bodyPr>
+          <a:lstStyle/>
+          <a:p>
+            <a:pPr algn="ctr"/>
+            <a:r>
+              <a:rPr lang="ru-RU" sz="1350" dirty="0"/>
+              <a:t>Основной пик</a:t>
+            </a:r>
+          </a:p>
+          <a:p>
+            <a:pPr algn="ctr"/>
+            <a:r>
+              <a:rPr lang="ru-RU" sz="1350" dirty="0"/>
+              <a:t> </a:t>
+            </a:r>
+            <a:r>
+              <a:rPr lang="ru-RU" sz="1350" b="1" dirty="0"/>
+              <a:t>715 – 760 К</a:t>
+            </a:r>
+          </a:p>
+        </p:txBody>
+      </p:sp>
+      <p:cxnSp>
+        <p:nvCxnSpPr>
+          <p:cNvPr id="23" name="Прямая со стрелкой 22">
+            <a:extLst>
+              <a:ext uri="{FF2B5EF4-FFF2-40B4-BE49-F238E27FC236}">
+                <a16:creationId xmlns="" xmlns:a16="http://schemas.microsoft.com/office/drawing/2014/main" id="{D9EB5CAC-5E1A-43B3-B37D-3B96BA6F54DB}"/>
+              </a:ext>
+            </a:extLst>
+          </p:cNvPr>
+          <p:cNvCxnSpPr>
+            <a:cxnSpLocks/>
+            <a:stCxn id="22" idx="0"/>
+          </p:cNvCxnSpPr>
+          <p:nvPr/>
+        </p:nvCxnSpPr>
+        <p:spPr>
+          <a:xfrm flipH="1" flipV="1">
+            <a:off x="6196503" y="4790401"/>
+            <a:ext cx="21418" cy="1442674"/>
+          </a:xfrm>
+          <a:prstGeom prst="straightConnector1">
+            <a:avLst/>
+          </a:prstGeom>
+          <a:ln w="19050">
+            <a:solidFill>
+              <a:schemeClr val="tx1">
+                <a:lumMod val="95000"/>
+                <a:lumOff val="5000"/>
+              </a:schemeClr>
+            </a:solidFill>
+            <a:tailEnd type="triangle"/>
+          </a:ln>
+        </p:spPr>
+        <p:style>
+          <a:lnRef idx="1">
+            <a:schemeClr val="accent1"/>
+          </a:lnRef>
+          <a:fillRef idx="0">
+            <a:schemeClr val="accent1"/>
+          </a:fillRef>
+          <a:effectRef idx="0">
+            <a:schemeClr val="accent1"/>
+          </a:effectRef>
+          <a:fontRef idx="minor">
+            <a:schemeClr val="tx1"/>
+          </a:fontRef>
+        </p:style>
+      </p:cxnSp>
+      <p:sp>
+        <p:nvSpPr>
+          <p:cNvPr id="24" name="TextBox 23">
+            <a:extLst>
+              <a:ext uri="{FF2B5EF4-FFF2-40B4-BE49-F238E27FC236}">
+                <a16:creationId xmlns="" xmlns:a16="http://schemas.microsoft.com/office/drawing/2014/main" id="{D108B9E4-296C-465E-9490-E02BD4858FA6}"/>
+              </a:ext>
+            </a:extLst>
+          </p:cNvPr>
+          <p:cNvSpPr txBox="1"/>
+          <p:nvPr/>
+        </p:nvSpPr>
+        <p:spPr>
+          <a:xfrm>
+            <a:off x="6301708" y="5561020"/>
+            <a:ext cx="1131410" cy="507831"/>
+          </a:xfrm>
+          <a:prstGeom prst="rect">
+            <a:avLst/>
+          </a:prstGeom>
+          <a:noFill/>
+        </p:spPr>
+        <p:txBody>
+          <a:bodyPr wrap="square" rtlCol="0">
+            <a:spAutoFit/>
+          </a:bodyPr>
+          <a:lstStyle/>
+          <a:p>
+            <a:pPr algn="ctr"/>
+            <a:r>
+              <a:rPr lang="ru-RU" sz="1350" dirty="0"/>
+              <a:t>Пауза</a:t>
+            </a:r>
+          </a:p>
+          <a:p>
+            <a:pPr algn="ctr"/>
+            <a:r>
+              <a:rPr lang="ru-RU" sz="1350" b="1" dirty="0"/>
+              <a:t>760 – 780 К</a:t>
+            </a:r>
+          </a:p>
+        </p:txBody>
+      </p:sp>
+      <p:cxnSp>
+        <p:nvCxnSpPr>
+          <p:cNvPr id="25" name="Прямая со стрелкой 24">
+            <a:extLst>
+              <a:ext uri="{FF2B5EF4-FFF2-40B4-BE49-F238E27FC236}">
+                <a16:creationId xmlns="" xmlns:a16="http://schemas.microsoft.com/office/drawing/2014/main" id="{CAD459CF-D967-4C02-8C77-AAAD610F4CBA}"/>
+              </a:ext>
+            </a:extLst>
+          </p:cNvPr>
+          <p:cNvCxnSpPr>
+            <a:cxnSpLocks/>
+            <a:stCxn id="24" idx="0"/>
+          </p:cNvCxnSpPr>
+          <p:nvPr/>
+        </p:nvCxnSpPr>
+        <p:spPr>
+          <a:xfrm flipH="1" flipV="1">
+            <a:off x="6662057" y="4790400"/>
+            <a:ext cx="205356" cy="770620"/>
+          </a:xfrm>
+          <a:prstGeom prst="straightConnector1">
+            <a:avLst/>
+          </a:prstGeom>
+          <a:ln w="19050">
+            <a:solidFill>
+              <a:schemeClr val="tx1">
+                <a:lumMod val="95000"/>
+                <a:lumOff val="5000"/>
+              </a:schemeClr>
+            </a:solidFill>
+            <a:tailEnd type="triangle"/>
+          </a:ln>
+        </p:spPr>
+        <p:style>
+          <a:lnRef idx="1">
+            <a:schemeClr val="accent1"/>
+          </a:lnRef>
+          <a:fillRef idx="0">
+            <a:schemeClr val="accent1"/>
+          </a:fillRef>
+          <a:effectRef idx="0">
+            <a:schemeClr val="accent1"/>
+          </a:effectRef>
+          <a:fontRef idx="minor">
+            <a:schemeClr val="tx1"/>
+          </a:fontRef>
+        </p:style>
+      </p:cxnSp>
+      <p:sp>
+        <p:nvSpPr>
+          <p:cNvPr id="26" name="TextBox 25">
+            <a:extLst>
+              <a:ext uri="{FF2B5EF4-FFF2-40B4-BE49-F238E27FC236}">
+                <a16:creationId xmlns="" xmlns:a16="http://schemas.microsoft.com/office/drawing/2014/main" id="{4D4B2CE9-353E-4F47-9D3E-79F4577C8783}"/>
+              </a:ext>
+            </a:extLst>
+          </p:cNvPr>
+          <p:cNvSpPr txBox="1"/>
+          <p:nvPr/>
+        </p:nvSpPr>
+        <p:spPr>
+          <a:xfrm>
+            <a:off x="7242234" y="6233075"/>
+            <a:ext cx="1131410" cy="507831"/>
+          </a:xfrm>
+          <a:prstGeom prst="rect">
+            <a:avLst/>
+          </a:prstGeom>
+          <a:noFill/>
+        </p:spPr>
+        <p:txBody>
+          <a:bodyPr wrap="square" rtlCol="0">
+            <a:spAutoFit/>
+          </a:bodyPr>
+          <a:lstStyle/>
+          <a:p>
+            <a:pPr algn="ctr"/>
+            <a:r>
+              <a:rPr lang="ru-RU" sz="1350" dirty="0"/>
+              <a:t>Плавление </a:t>
+            </a:r>
+            <a:r>
+              <a:rPr lang="ru-RU" sz="1350" b="1" dirty="0"/>
+              <a:t>780 – 840 К</a:t>
+            </a:r>
+          </a:p>
+        </p:txBody>
+      </p:sp>
+      <p:cxnSp>
+        <p:nvCxnSpPr>
+          <p:cNvPr id="27" name="Прямая со стрелкой 26">
+            <a:extLst>
+              <a:ext uri="{FF2B5EF4-FFF2-40B4-BE49-F238E27FC236}">
+                <a16:creationId xmlns="" xmlns:a16="http://schemas.microsoft.com/office/drawing/2014/main" id="{DCBD99DC-CE3B-4D6D-8C35-987678B8F509}"/>
+              </a:ext>
+            </a:extLst>
+          </p:cNvPr>
+          <p:cNvCxnSpPr>
+            <a:cxnSpLocks/>
+            <a:stCxn id="26" idx="0"/>
+          </p:cNvCxnSpPr>
+          <p:nvPr/>
+        </p:nvCxnSpPr>
+        <p:spPr>
+          <a:xfrm flipH="1" flipV="1">
+            <a:off x="7327911" y="4790401"/>
+            <a:ext cx="480028" cy="1442674"/>
+          </a:xfrm>
+          <a:prstGeom prst="straightConnector1">
+            <a:avLst/>
+          </a:prstGeom>
+          <a:ln w="19050">
+            <a:solidFill>
+              <a:schemeClr val="tx1">
+                <a:lumMod val="95000"/>
+                <a:lumOff val="5000"/>
+              </a:schemeClr>
+            </a:solidFill>
+            <a:tailEnd type="triangle"/>
+          </a:ln>
+        </p:spPr>
+        <p:style>
+          <a:lnRef idx="1">
+            <a:schemeClr val="accent1"/>
+          </a:lnRef>
+          <a:fillRef idx="0">
+            <a:schemeClr val="accent1"/>
+          </a:fillRef>
+          <a:effectRef idx="0">
+            <a:schemeClr val="accent1"/>
+          </a:effectRef>
+          <a:fontRef idx="minor">
+            <a:schemeClr val="tx1"/>
+          </a:fontRef>
+        </p:style>
+      </p:cxnSp>
+      <p:sp>
+        <p:nvSpPr>
+          <p:cNvPr id="28" name="Стрелка: вверх 27">
+            <a:extLst>
+              <a:ext uri="{FF2B5EF4-FFF2-40B4-BE49-F238E27FC236}">
+                <a16:creationId xmlns="" xmlns:a16="http://schemas.microsoft.com/office/drawing/2014/main" id="{7490B723-B5DC-42AA-872B-EBDCB292AF84}"/>
               </a:ext>
             </a:extLst>
           </p:cNvPr>
@@ -10873,7 +10351,7 @@
         </p:nvSpPr>
         <p:spPr>
           <a:xfrm>
-            <a:off x="6567207" y="0"/>
+            <a:off x="8749263" y="665378"/>
             <a:ext cx="394737" cy="1680754"/>
           </a:xfrm>
           <a:prstGeom prst="upArrow">
@@ -11011,74 +10489,20 @@
       </p:sp>
       <p:sp>
         <p:nvSpPr>
-          <p:cNvPr id="8" name="TextBox 7"/>
-          <p:cNvSpPr txBox="1"/>
-          <p:nvPr/>
-        </p:nvSpPr>
-        <p:spPr>
-          <a:xfrm>
-            <a:off x="2024939" y="1311422"/>
-            <a:ext cx="1598155" cy="369332"/>
-          </a:xfrm>
-          <a:prstGeom prst="rect">
-            <a:avLst/>
-          </a:prstGeom>
-          <a:noFill/>
-        </p:spPr>
-        <p:txBody>
-          <a:bodyPr wrap="square" rtlCol="0">
-            <a:spAutoFit/>
-          </a:bodyPr>
-          <a:lstStyle/>
-          <a:p>
-            <a:r>
-              <a:rPr lang="ru-RU" b="1" dirty="0" smtClean="0"/>
-              <a:t>стеклование</a:t>
-            </a:r>
-            <a:endParaRPr lang="ru-RU" b="1" dirty="0"/>
-          </a:p>
-        </p:txBody>
-      </p:sp>
-      <p:pic>
-        <p:nvPicPr>
-          <p:cNvPr id="14" name="Рисунок 13">
+          <p:cNvPr id="29" name="TextBox 28">
             <a:extLst>
               <a:ext uri="{FF2B5EF4-FFF2-40B4-BE49-F238E27FC236}">
-                <a16:creationId xmlns:a16="http://schemas.microsoft.com/office/drawing/2014/main" xmlns="" id="{F0E0BF0A-089A-4C04-A43C-B0FA8F0553A2}"/>
+                <a16:creationId xmlns="" xmlns:a16="http://schemas.microsoft.com/office/drawing/2014/main" id="{E34A67C0-8683-4E37-8FEB-0B8CDFE8D08E}"/>
               </a:ext>
             </a:extLst>
           </p:cNvPr>
-          <p:cNvPicPr>
-            <a:picLocks noChangeAspect="1"/>
-          </p:cNvPicPr>
-          <p:nvPr/>
-        </p:nvPicPr>
-        <p:blipFill>
-          <a:blip r:embed="rId6"/>
-          <a:stretch>
-            <a:fillRect/>
-          </a:stretch>
-        </p:blipFill>
-        <p:spPr>
-          <a:xfrm>
-            <a:off x="6843576" y="4527822"/>
-            <a:ext cx="2300423" cy="2361896"/>
-          </a:xfrm>
-          <a:prstGeom prst="rect">
-            <a:avLst/>
-          </a:prstGeom>
-        </p:spPr>
-      </p:pic>
-      <p:sp>
-        <p:nvSpPr>
-          <p:cNvPr id="9" name="TextBox 8"/>
           <p:cNvSpPr txBox="1"/>
           <p:nvPr/>
         </p:nvSpPr>
         <p:spPr>
           <a:xfrm>
-            <a:off x="327802" y="112144"/>
-            <a:ext cx="2544793" cy="369332"/>
+            <a:off x="0" y="0"/>
+            <a:ext cx="9144000" cy="523220"/>
           </a:xfrm>
           <a:prstGeom prst="rect">
             <a:avLst/>
@@ -11086,35 +10510,44 @@
           <a:noFill/>
         </p:spPr>
         <p:txBody>
-          <a:bodyPr wrap="square" rtlCol="0">
+          <a:bodyPr wrap="square">
             <a:spAutoFit/>
           </a:bodyPr>
           <a:lstStyle/>
           <a:p>
-            <a:r>
-              <a:rPr lang="ru-RU" dirty="0" smtClean="0">
-                <a:solidFill>
-                  <a:schemeClr val="bg2">
-                    <a:lumMod val="50000"/>
-                  </a:schemeClr>
-                </a:solidFill>
-              </a:rPr>
-              <a:t>Стеклование</a:t>
-            </a:r>
-            <a:endParaRPr lang="ru-RU" dirty="0">
-              <a:solidFill>
-                <a:schemeClr val="bg2">
-                  <a:lumMod val="50000"/>
-                </a:schemeClr>
-              </a:solidFill>
-            </a:endParaRPr>
+            <a:pPr algn="ctr"/>
+            <a:r>
+              <a:rPr lang="en-US" sz="2800" dirty="0"/>
+              <a:t>Ge</a:t>
+            </a:r>
+            <a:r>
+              <a:rPr lang="en-US" sz="1400" dirty="0"/>
+              <a:t>30</a:t>
+            </a:r>
+            <a:r>
+              <a:rPr lang="en-US" sz="2800" dirty="0"/>
+              <a:t>Ga</a:t>
+            </a:r>
+            <a:r>
+              <a:rPr lang="en-US" sz="1400" dirty="0"/>
+              <a:t>10</a:t>
+            </a:r>
+            <a:r>
+              <a:rPr lang="en-US" sz="2800" dirty="0"/>
+              <a:t>Se</a:t>
+            </a:r>
+            <a:r>
+              <a:rPr lang="en-US" sz="1400" dirty="0"/>
+              <a:t>60</a:t>
+            </a:r>
+            <a:endParaRPr lang="ru-RU" sz="2800" dirty="0"/>
           </a:p>
         </p:txBody>
       </p:sp>
     </p:spTree>
     <p:extLst>
       <p:ext uri="{BB962C8B-B14F-4D97-AF65-F5344CB8AC3E}">
-        <p14:creationId xmlns:p14="http://schemas.microsoft.com/office/powerpoint/2010/main" val="3087030359"/>
+        <p14:creationId xmlns:p14="http://schemas.microsoft.com/office/powerpoint/2010/main" xmlns="" val="2529331404"/>
       </p:ext>
     </p:extLst>
   </p:cSld>
@@ -11174,7 +10607,7 @@
     </a:clrScheme>
     <a:fontScheme name="Тема Office">
       <a:majorFont>
-        <a:latin typeface="Calibri Light" panose="020F0302020204030204"/>
+        <a:latin typeface="Calibri Light"/>
         <a:ea typeface=""/>
         <a:cs typeface=""/>
         <a:font script="Jpan" typeface="ＭＳ Ｐゴシック"/>
@@ -11209,7 +10642,7 @@
         <a:font script="Geor" typeface="Sylfaen"/>
       </a:majorFont>
       <a:minorFont>
-        <a:latin typeface="Calibri" panose="020F0502020204030204"/>
+        <a:latin typeface="Calibri"/>
         <a:ea typeface=""/>
         <a:cs typeface=""/>
         <a:font script="Jpan" typeface="ＭＳ Ｐゴシック"/>
@@ -11386,7 +10819,7 @@
   <a:extraClrSchemeLst/>
   <a:extLst>
     <a:ext uri="{05A4C25C-085E-4340-85A3-A5531E510DB2}">
-      <thm15:themeFamily xmlns:thm15="http://schemas.microsoft.com/office/thememl/2012/main" name="Office Theme" id="{62F939B6-93AF-4DB8-9C6B-D6C7DFDC589F}" vid="{4A3C46E8-61CC-4603-A589-7422A47A8E4A}"/>
+      <thm15:themeFamily xmlns:thm15="http://schemas.microsoft.com/office/thememl/2012/main" xmlns="" name="Office Theme" id="{62F939B6-93AF-4DB8-9C6B-D6C7DFDC589F}" vid="{4A3C46E8-61CC-4603-A589-7422A47A8E4A}"/>
     </a:ext>
   </a:extLst>
 </a:theme>
@@ -11435,7 +10868,7 @@
     </a:clrScheme>
     <a:fontScheme name="Стандартная">
       <a:majorFont>
-        <a:latin typeface="Calibri Light" panose="020F0302020204030204"/>
+        <a:latin typeface="Calibri Light"/>
         <a:ea typeface=""/>
         <a:cs typeface=""/>
         <a:font script="Jpan" typeface="ＭＳ Ｐゴシック"/>
@@ -11470,7 +10903,7 @@
         <a:font script="Geor" typeface="Sylfaen"/>
       </a:majorFont>
       <a:minorFont>
-        <a:latin typeface="Calibri" panose="020F0502020204030204"/>
+        <a:latin typeface="Calibri"/>
         <a:ea typeface=""/>
         <a:cs typeface=""/>
         <a:font script="Jpan" typeface="ＭＳ Ｐゴシック"/>
@@ -11647,7 +11080,7 @@
   <a:extraClrSchemeLst/>
   <a:extLst>
     <a:ext uri="{05A4C25C-085E-4340-85A3-A5531E510DB2}">
-      <thm15:themeFamily xmlns:thm15="http://schemas.microsoft.com/office/thememl/2012/main" name="Office Theme" id="{62F939B6-93AF-4DB8-9C6B-D6C7DFDC589F}" vid="{4A3C46E8-61CC-4603-A589-7422A47A8E4A}"/>
+      <thm15:themeFamily xmlns:thm15="http://schemas.microsoft.com/office/thememl/2012/main" xmlns="" name="Office Theme" id="{62F939B6-93AF-4DB8-9C6B-D6C7DFDC589F}" vid="{4A3C46E8-61CC-4603-A589-7422A47A8E4A}"/>
     </a:ext>
   </a:extLst>
 </a:theme>

--- a/Презентация.pptx
+++ b/Презентация.pptx
@@ -5,22 +5,20 @@
     <p:sldMasterId id="2147483888" r:id="rId1"/>
   </p:sldMasterIdLst>
   <p:notesMasterIdLst>
-    <p:notesMasterId r:id="rId15"/>
+    <p:notesMasterId r:id="rId13"/>
   </p:notesMasterIdLst>
   <p:sldIdLst>
     <p:sldId id="275" r:id="rId2"/>
     <p:sldId id="261" r:id="rId3"/>
     <p:sldId id="267" r:id="rId4"/>
-    <p:sldId id="277" r:id="rId5"/>
-    <p:sldId id="256" r:id="rId6"/>
-    <p:sldId id="259" r:id="rId7"/>
-    <p:sldId id="268" r:id="rId8"/>
-    <p:sldId id="270" r:id="rId9"/>
-    <p:sldId id="271" r:id="rId10"/>
-    <p:sldId id="260" r:id="rId11"/>
-    <p:sldId id="278" r:id="rId12"/>
-    <p:sldId id="273" r:id="rId13"/>
-    <p:sldId id="274" r:id="rId14"/>
+    <p:sldId id="256" r:id="rId5"/>
+    <p:sldId id="259" r:id="rId6"/>
+    <p:sldId id="281" r:id="rId7"/>
+    <p:sldId id="280" r:id="rId8"/>
+    <p:sldId id="260" r:id="rId9"/>
+    <p:sldId id="278" r:id="rId10"/>
+    <p:sldId id="273" r:id="rId11"/>
+    <p:sldId id="274" r:id="rId12"/>
   </p:sldIdLst>
   <p:sldSz cx="9144000" cy="6858000" type="screen4x3"/>
   <p:notesSz cx="6858000" cy="9144000"/>
@@ -233,7 +231,7 @@
             <a:fld id="{6B82548C-EAA0-4F98-90B8-F588E14A775F}" type="datetimeFigureOut">
               <a:rPr lang="ru-RU" smtClean="0"/>
               <a:pPr/>
-              <a:t>12.04.2021</a:t>
+              <a:t>13.04.2021</a:t>
             </a:fld>
             <a:endParaRPr lang="ru-RU" dirty="0"/>
           </a:p>
@@ -545,37 +543,6 @@
           <a:bodyPr/>
           <a:lstStyle/>
           <a:p>
-            <a:pPr marL="0" marR="0" lvl="0" indent="0" algn="l" defTabSz="914400" rtl="0" eaLnBrk="1" fontAlgn="auto" latinLnBrk="0" hangingPunct="1">
-              <a:lnSpc>
-                <a:spcPct val="100000"/>
-              </a:lnSpc>
-              <a:spcBef>
-                <a:spcPts val="0"/>
-              </a:spcBef>
-              <a:spcAft>
-                <a:spcPts val="0"/>
-              </a:spcAft>
-              <a:buClrTx/>
-              <a:buSzTx/>
-              <a:buFontTx/>
-              <a:buNone/>
-              <a:tabLst/>
-              <a:defRPr/>
-            </a:pPr>
-            <a:r>
-              <a:rPr lang="ru-RU" sz="1800" dirty="0">
-                <a:solidFill>
-                  <a:srgbClr val="000000"/>
-                </a:solidFill>
-                <a:effectLst/>
-                <a:latin typeface="Arial" panose="020B0604020202020204" pitchFamily="34" charset="0"/>
-                <a:ea typeface="Times New Roman" panose="02020603050405020304" pitchFamily="18" charset="0"/>
-                <a:cs typeface="Calibri" panose="020F0502020204030204" pitchFamily="34" charset="0"/>
-              </a:rPr>
-              <a:t>Вступление</a:t>
-            </a:r>
-          </a:p>
-          <a:p>
             <a:endParaRPr lang="ru-RU" dirty="0"/>
           </a:p>
         </p:txBody>
@@ -663,8 +630,13 @@
           <a:p>
             <a:r>
               <a:rPr lang="ru-RU" dirty="0"/>
-              <a:t>Заключение</a:t>
-            </a:r>
+              <a:t>Спасибо</a:t>
+            </a:r>
+            <a:r>
+              <a:rPr lang="ru-RU" baseline="0" dirty="0"/>
+              <a:t> за внимание</a:t>
+            </a:r>
+            <a:endParaRPr lang="ru-RU" dirty="0"/>
           </a:p>
         </p:txBody>
       </p:sp>
@@ -686,100 +658,7 @@
             <a:fld id="{40EE32AA-D285-4475-A712-967CA9C5AE24}" type="slidenum">
               <a:rPr lang="ru-RU" smtClean="0"/>
               <a:pPr/>
-              <a:t>12</a:t>
-            </a:fld>
-            <a:endParaRPr lang="ru-RU" dirty="0"/>
-          </a:p>
-        </p:txBody>
-      </p:sp>
-    </p:spTree>
-    <p:extLst>
-      <p:ext uri="{BB962C8B-B14F-4D97-AF65-F5344CB8AC3E}">
-        <p14:creationId xmlns:p14="http://schemas.microsoft.com/office/powerpoint/2010/main" val="4203310378"/>
-      </p:ext>
-    </p:extLst>
-  </p:cSld>
-  <p:clrMapOvr>
-    <a:masterClrMapping/>
-  </p:clrMapOvr>
-</p:notes>
-</file>
-
-<file path=ppt/notesSlides/notesSlide11.xml><?xml version="1.0" encoding="utf-8"?>
-<p:notes xmlns:a="http://schemas.openxmlformats.org/drawingml/2006/main" xmlns:r="http://schemas.openxmlformats.org/officeDocument/2006/relationships" xmlns:p="http://schemas.openxmlformats.org/presentationml/2006/main">
-  <p:cSld>
-    <p:spTree>
-      <p:nvGrpSpPr>
-        <p:cNvPr id="1" name=""/>
-        <p:cNvGrpSpPr/>
-        <p:nvPr/>
-      </p:nvGrpSpPr>
-      <p:grpSpPr>
-        <a:xfrm>
-          <a:off x="0" y="0"/>
-          <a:ext cx="0" cy="0"/>
-          <a:chOff x="0" y="0"/>
-          <a:chExt cx="0" cy="0"/>
-        </a:xfrm>
-      </p:grpSpPr>
-      <p:sp>
-        <p:nvSpPr>
-          <p:cNvPr id="2" name="Образ слайда 1"/>
-          <p:cNvSpPr>
-            <a:spLocks noGrp="1" noRot="1" noChangeAspect="1"/>
-          </p:cNvSpPr>
-          <p:nvPr>
-            <p:ph type="sldImg"/>
-          </p:nvPr>
-        </p:nvSpPr>
-        <p:spPr/>
-      </p:sp>
-      <p:sp>
-        <p:nvSpPr>
-          <p:cNvPr id="3" name="Заметки 2"/>
-          <p:cNvSpPr>
-            <a:spLocks noGrp="1"/>
-          </p:cNvSpPr>
-          <p:nvPr>
-            <p:ph type="body" idx="1"/>
-          </p:nvPr>
-        </p:nvSpPr>
-        <p:spPr/>
-        <p:txBody>
-          <a:bodyPr/>
-          <a:lstStyle/>
-          <a:p>
-            <a:r>
-              <a:rPr lang="ru-RU" dirty="0"/>
-              <a:t>Спасибо</a:t>
-            </a:r>
-            <a:r>
-              <a:rPr lang="ru-RU" baseline="0" dirty="0"/>
-              <a:t> за внимание</a:t>
-            </a:r>
-            <a:endParaRPr lang="ru-RU" dirty="0"/>
-          </a:p>
-        </p:txBody>
-      </p:sp>
-      <p:sp>
-        <p:nvSpPr>
-          <p:cNvPr id="4" name="Номер слайда 3"/>
-          <p:cNvSpPr>
-            <a:spLocks noGrp="1"/>
-          </p:cNvSpPr>
-          <p:nvPr>
-            <p:ph type="sldNum" sz="quarter" idx="10"/>
-          </p:nvPr>
-        </p:nvSpPr>
-        <p:spPr/>
-        <p:txBody>
-          <a:bodyPr/>
-          <a:lstStyle/>
-          <a:p>
-            <a:fld id="{40EE32AA-D285-4475-A712-967CA9C5AE24}" type="slidenum">
-              <a:rPr lang="ru-RU" smtClean="0"/>
-              <a:pPr/>
-              <a:t>13</a:t>
+              <a:t>11</a:t>
             </a:fld>
             <a:endParaRPr lang="ru-RU" dirty="0"/>
           </a:p>
@@ -842,28 +721,6 @@
           <a:bodyPr/>
           <a:lstStyle/>
           <a:p>
-            <a:pPr marL="540385">
-              <a:lnSpc>
-                <a:spcPct val="107000"/>
-              </a:lnSpc>
-              <a:spcAft>
-                <a:spcPts val="800"/>
-              </a:spcAft>
-            </a:pPr>
-            <a:r>
-              <a:rPr lang="ru-RU" sz="1800" b="1" dirty="0">
-                <a:solidFill>
-                  <a:srgbClr val="000000"/>
-                </a:solidFill>
-                <a:effectLst/>
-                <a:latin typeface="Calibri" panose="020F0502020204030204" pitchFamily="34" charset="0"/>
-                <a:ea typeface="Times New Roman" panose="02020603050405020304" pitchFamily="18" charset="0"/>
-                <a:cs typeface="Calibri" panose="020F0502020204030204" pitchFamily="34" charset="0"/>
-              </a:rPr>
-              <a:t>Описание методики</a:t>
-            </a:r>
-          </a:p>
-          <a:p>
             <a:endParaRPr lang="ru-RU" dirty="0"/>
           </a:p>
         </p:txBody>
@@ -949,43 +806,6 @@
           <a:bodyPr/>
           <a:lstStyle/>
           <a:p>
-            <a:pPr marL="0" marR="0" lvl="0" indent="0" algn="l" defTabSz="914400" rtl="0" eaLnBrk="1" fontAlgn="auto" latinLnBrk="0" hangingPunct="1">
-              <a:lnSpc>
-                <a:spcPct val="100000"/>
-              </a:lnSpc>
-              <a:spcBef>
-                <a:spcPts val="0"/>
-              </a:spcBef>
-              <a:spcAft>
-                <a:spcPts val="0"/>
-              </a:spcAft>
-              <a:buClrTx/>
-              <a:buSzTx/>
-              <a:buFontTx/>
-              <a:buNone/>
-              <a:tabLst/>
-              <a:defRPr/>
-            </a:pPr>
-            <a:r>
-              <a:rPr lang="ru-RU" sz="1800" b="1" dirty="0">
-                <a:solidFill>
-                  <a:srgbClr val="000000"/>
-                </a:solidFill>
-                <a:effectLst/>
-                <a:latin typeface="Calibri Light" panose="020F0302020204030204" pitchFamily="34" charset="0"/>
-                <a:ea typeface="Times New Roman" panose="02020603050405020304" pitchFamily="18" charset="0"/>
-                <a:cs typeface="Times New Roman" panose="02020603050405020304" pitchFamily="18" charset="0"/>
-              </a:rPr>
-              <a:t>ДСК с подписями линий</a:t>
-            </a:r>
-            <a:endParaRPr lang="ru-RU" sz="1800" b="1" dirty="0">
-              <a:effectLst/>
-              <a:latin typeface="Calibri Light" panose="020F0302020204030204" pitchFamily="34" charset="0"/>
-              <a:ea typeface="Times New Roman" panose="02020603050405020304" pitchFamily="18" charset="0"/>
-              <a:cs typeface="Times New Roman" panose="02020603050405020304" pitchFamily="18" charset="0"/>
-            </a:endParaRPr>
-          </a:p>
-          <a:p>
             <a:endParaRPr lang="ru-RU" dirty="0"/>
           </a:p>
         </p:txBody>
@@ -1008,7 +828,7 @@
             <a:fld id="{40EE32AA-D285-4475-A712-967CA9C5AE24}" type="slidenum">
               <a:rPr lang="ru-RU" smtClean="0"/>
               <a:pPr/>
-              <a:t>5</a:t>
+              <a:t>4</a:t>
             </a:fld>
             <a:endParaRPr lang="ru-RU"/>
           </a:p>
@@ -1093,43 +913,6 @@
               <a:tabLst/>
               <a:defRPr/>
             </a:pPr>
-            <a:r>
-              <a:rPr lang="ru-RU" sz="1800" b="1" dirty="0">
-                <a:solidFill>
-                  <a:srgbClr val="000000"/>
-                </a:solidFill>
-                <a:effectLst/>
-                <a:latin typeface="Calibri Light" panose="020F0302020204030204" pitchFamily="34" charset="0"/>
-                <a:ea typeface="Times New Roman" panose="02020603050405020304" pitchFamily="18" charset="0"/>
-                <a:cs typeface="Times New Roman" panose="02020603050405020304" pitchFamily="18" charset="0"/>
-              </a:rPr>
-              <a:t>Энергии Гиббса</a:t>
-            </a:r>
-            <a:endParaRPr lang="ru-RU" sz="1800" b="1" dirty="0">
-              <a:effectLst/>
-              <a:latin typeface="Calibri Light" panose="020F0302020204030204" pitchFamily="34" charset="0"/>
-              <a:ea typeface="Times New Roman" panose="02020603050405020304" pitchFamily="18" charset="0"/>
-              <a:cs typeface="Times New Roman" panose="02020603050405020304" pitchFamily="18" charset="0"/>
-            </a:endParaRPr>
-          </a:p>
-          <a:p>
-            <a:pPr marL="0" marR="0" lvl="0" indent="0" algn="l" defTabSz="914400" rtl="0" eaLnBrk="1" fontAlgn="auto" latinLnBrk="0" hangingPunct="1">
-              <a:lnSpc>
-                <a:spcPct val="100000"/>
-              </a:lnSpc>
-              <a:spcBef>
-                <a:spcPts val="0"/>
-              </a:spcBef>
-              <a:spcAft>
-                <a:spcPts val="0"/>
-              </a:spcAft>
-              <a:buClrTx/>
-              <a:buSzTx/>
-              <a:buFontTx/>
-              <a:buNone/>
-              <a:tabLst/>
-              <a:defRPr/>
-            </a:pPr>
             <a:endParaRPr lang="ru-RU" dirty="0"/>
           </a:p>
         </p:txBody>
@@ -1152,7 +935,7 @@
             <a:fld id="{40EE32AA-D285-4475-A712-967CA9C5AE24}" type="slidenum">
               <a:rPr lang="ru-RU" smtClean="0"/>
               <a:pPr/>
-              <a:t>6</a:t>
+              <a:t>5</a:t>
             </a:fld>
             <a:endParaRPr lang="ru-RU" dirty="0"/>
           </a:p>
@@ -1274,7 +1057,7 @@
             <a:fld id="{40EE32AA-D285-4475-A712-967CA9C5AE24}" type="slidenum">
               <a:rPr lang="ru-RU" smtClean="0"/>
               <a:pPr/>
-              <a:t>7</a:t>
+              <a:t>6</a:t>
             </a:fld>
             <a:endParaRPr lang="ru-RU" dirty="0"/>
           </a:p>
@@ -1283,7 +1066,7 @@
     </p:spTree>
     <p:extLst>
       <p:ext uri="{BB962C8B-B14F-4D97-AF65-F5344CB8AC3E}">
-        <p14:creationId xmlns:p14="http://schemas.microsoft.com/office/powerpoint/2010/main" val="982730238"/>
+        <p14:creationId xmlns:p14="http://schemas.microsoft.com/office/powerpoint/2010/main" val="248761997"/>
       </p:ext>
     </p:extLst>
   </p:cSld>
@@ -1399,7 +1182,7 @@
             <a:fld id="{40EE32AA-D285-4475-A712-967CA9C5AE24}" type="slidenum">
               <a:rPr lang="ru-RU" smtClean="0"/>
               <a:pPr/>
-              <a:t>8</a:t>
+              <a:t>7</a:t>
             </a:fld>
             <a:endParaRPr lang="ru-RU" dirty="0"/>
           </a:p>
@@ -1408,7 +1191,7 @@
     </p:spTree>
     <p:extLst>
       <p:ext uri="{BB962C8B-B14F-4D97-AF65-F5344CB8AC3E}">
-        <p14:creationId xmlns:p14="http://schemas.microsoft.com/office/powerpoint/2010/main" val="1427879300"/>
+        <p14:creationId xmlns:p14="http://schemas.microsoft.com/office/powerpoint/2010/main" val="881324248"/>
       </p:ext>
     </p:extLst>
   </p:cSld>
@@ -1480,7 +1263,7 @@
               <a:defRPr/>
             </a:pPr>
             <a:r>
-              <a:rPr lang="ru-RU" sz="1800" b="1" dirty="0">
+              <a:rPr lang="ru-RU" sz="1800" b="1" i="1" dirty="0">
                 <a:solidFill>
                   <a:srgbClr val="000000"/>
                 </a:solidFill>
@@ -1489,8 +1272,17 @@
                 <a:ea typeface="Times New Roman" panose="02020603050405020304" pitchFamily="18" charset="0"/>
                 <a:cs typeface="Calibri" panose="020F0502020204030204" pitchFamily="34" charset="0"/>
               </a:rPr>
-              <a:t>ДСК расстеклования</a:t>
-            </a:r>
+              <a:t>30-10-60 ДСК</a:t>
+            </a:r>
+            <a:endParaRPr lang="ru-RU" sz="1800" b="1" dirty="0">
+              <a:solidFill>
+                <a:srgbClr val="000000"/>
+              </a:solidFill>
+              <a:effectLst/>
+              <a:latin typeface="Calibri" panose="020F0502020204030204" pitchFamily="34" charset="0"/>
+              <a:ea typeface="Times New Roman" panose="02020603050405020304" pitchFamily="18" charset="0"/>
+              <a:cs typeface="Calibri" panose="020F0502020204030204" pitchFamily="34" charset="0"/>
+            </a:endParaRPr>
           </a:p>
           <a:p>
             <a:endParaRPr lang="ru-RU" dirty="0"/>
@@ -1515,7 +1307,7 @@
             <a:fld id="{40EE32AA-D285-4475-A712-967CA9C5AE24}" type="slidenum">
               <a:rPr lang="ru-RU" smtClean="0"/>
               <a:pPr/>
-              <a:t>9</a:t>
+              <a:t>8</a:t>
             </a:fld>
             <a:endParaRPr lang="ru-RU" dirty="0"/>
           </a:p>
@@ -1524,7 +1316,7 @@
     </p:spTree>
     <p:extLst>
       <p:ext uri="{BB962C8B-B14F-4D97-AF65-F5344CB8AC3E}">
-        <p14:creationId xmlns:p14="http://schemas.microsoft.com/office/powerpoint/2010/main" val="2025839987"/>
+        <p14:creationId xmlns:p14="http://schemas.microsoft.com/office/powerpoint/2010/main" val="1556042712"/>
       </p:ext>
     </p:extLst>
   </p:cSld>
@@ -1640,7 +1432,7 @@
             <a:fld id="{40EE32AA-D285-4475-A712-967CA9C5AE24}" type="slidenum">
               <a:rPr lang="ru-RU" smtClean="0"/>
               <a:pPr/>
-              <a:t>10</a:t>
+              <a:t>9</a:t>
             </a:fld>
             <a:endParaRPr lang="ru-RU" dirty="0"/>
           </a:p>
@@ -1649,7 +1441,7 @@
     </p:spTree>
     <p:extLst>
       <p:ext uri="{BB962C8B-B14F-4D97-AF65-F5344CB8AC3E}">
-        <p14:creationId xmlns:p14="http://schemas.microsoft.com/office/powerpoint/2010/main" val="1556042712"/>
+        <p14:creationId xmlns:p14="http://schemas.microsoft.com/office/powerpoint/2010/main" val="2885398019"/>
       </p:ext>
     </p:extLst>
   </p:cSld>
@@ -1703,47 +1495,10 @@
           <a:bodyPr/>
           <a:lstStyle/>
           <a:p>
-            <a:pPr marL="0" marR="0" lvl="0" indent="0" algn="l" defTabSz="914400" rtl="0" eaLnBrk="1" fontAlgn="auto" latinLnBrk="0" hangingPunct="1">
-              <a:lnSpc>
-                <a:spcPct val="100000"/>
-              </a:lnSpc>
-              <a:spcBef>
-                <a:spcPts val="0"/>
-              </a:spcBef>
-              <a:spcAft>
-                <a:spcPts val="0"/>
-              </a:spcAft>
-              <a:buClrTx/>
-              <a:buSzTx/>
-              <a:buFontTx/>
-              <a:buNone/>
-              <a:tabLst/>
-              <a:defRPr/>
-            </a:pPr>
-            <a:r>
-              <a:rPr lang="ru-RU" sz="1800" b="1" i="1" dirty="0">
-                <a:solidFill>
-                  <a:srgbClr val="000000"/>
-                </a:solidFill>
-                <a:effectLst/>
-                <a:latin typeface="Calibri" panose="020F0502020204030204" pitchFamily="34" charset="0"/>
-                <a:ea typeface="Times New Roman" panose="02020603050405020304" pitchFamily="18" charset="0"/>
-                <a:cs typeface="Calibri" panose="020F0502020204030204" pitchFamily="34" charset="0"/>
-              </a:rPr>
-              <a:t>30-10-60 ДСК</a:t>
-            </a:r>
-            <a:endParaRPr lang="ru-RU" sz="1800" b="1" dirty="0">
-              <a:solidFill>
-                <a:srgbClr val="000000"/>
-              </a:solidFill>
-              <a:effectLst/>
-              <a:latin typeface="Calibri" panose="020F0502020204030204" pitchFamily="34" charset="0"/>
-              <a:ea typeface="Times New Roman" panose="02020603050405020304" pitchFamily="18" charset="0"/>
-              <a:cs typeface="Calibri" panose="020F0502020204030204" pitchFamily="34" charset="0"/>
-            </a:endParaRPr>
-          </a:p>
-          <a:p>
-            <a:endParaRPr lang="ru-RU" dirty="0"/>
+            <a:r>
+              <a:rPr lang="ru-RU" dirty="0"/>
+              <a:t>Заключение</a:t>
+            </a:r>
           </a:p>
         </p:txBody>
       </p:sp>
@@ -1754,7 +1509,7 @@
             <a:spLocks noGrp="1"/>
           </p:cNvSpPr>
           <p:nvPr>
-            <p:ph type="sldNum" sz="quarter" idx="5"/>
+            <p:ph type="sldNum" sz="quarter" idx="10"/>
           </p:nvPr>
         </p:nvSpPr>
         <p:spPr/>
@@ -1765,7 +1520,7 @@
             <a:fld id="{40EE32AA-D285-4475-A712-967CA9C5AE24}" type="slidenum">
               <a:rPr lang="ru-RU" smtClean="0"/>
               <a:pPr/>
-              <a:t>11</a:t>
+              <a:t>10</a:t>
             </a:fld>
             <a:endParaRPr lang="ru-RU" dirty="0"/>
           </a:p>
@@ -1774,7 +1529,7 @@
     </p:spTree>
     <p:extLst>
       <p:ext uri="{BB962C8B-B14F-4D97-AF65-F5344CB8AC3E}">
-        <p14:creationId xmlns:p14="http://schemas.microsoft.com/office/powerpoint/2010/main" val="2885398019"/>
+        <p14:creationId xmlns:p14="http://schemas.microsoft.com/office/powerpoint/2010/main" val="4203310378"/>
       </p:ext>
     </p:extLst>
   </p:cSld>
@@ -1913,9 +1668,9 @@
           <a:bodyPr/>
           <a:lstStyle/>
           <a:p>
-            <a:fld id="{F34FD427-7837-445A-B768-61656097D774}" type="datetime1">
+            <a:fld id="{CE9C3C40-C23C-4741-A600-5B99CA51CC6A}" type="datetime1">
               <a:rPr lang="ru-RU" smtClean="0"/>
-              <a:t>12.04.2021</a:t>
+              <a:t>13.04.2021</a:t>
             </a:fld>
             <a:endParaRPr lang="ru-RU" dirty="0"/>
           </a:p>
@@ -2084,9 +1839,9 @@
           <a:bodyPr/>
           <a:lstStyle/>
           <a:p>
-            <a:fld id="{8EED7583-C661-4F2F-82BC-9F8739F1A983}" type="datetime1">
+            <a:fld id="{1D070FA6-A07B-4671-B280-AF019BE3E935}" type="datetime1">
               <a:rPr lang="ru-RU" smtClean="0"/>
-              <a:t>12.04.2021</a:t>
+              <a:t>13.04.2021</a:t>
             </a:fld>
             <a:endParaRPr lang="ru-RU" dirty="0"/>
           </a:p>
@@ -2265,9 +2020,9 @@
           <a:bodyPr/>
           <a:lstStyle/>
           <a:p>
-            <a:fld id="{0F729BD9-3370-40E2-BC1F-C497ACC294B1}" type="datetime1">
+            <a:fld id="{B1FB9956-0F8A-4303-AD13-D82C2F3EB061}" type="datetime1">
               <a:rPr lang="ru-RU" smtClean="0"/>
-              <a:t>12.04.2021</a:t>
+              <a:t>13.04.2021</a:t>
             </a:fld>
             <a:endParaRPr lang="ru-RU" dirty="0"/>
           </a:p>
@@ -2392,8 +2147,8 @@
         </p:nvSpPr>
         <p:spPr>
           <a:xfrm>
-            <a:off x="16328" y="1257300"/>
-            <a:ext cx="9127671" cy="5099050"/>
+            <a:off x="16328" y="1118507"/>
+            <a:ext cx="9127671" cy="5237843"/>
           </a:xfrm>
         </p:spPr>
         <p:txBody>
@@ -2452,9 +2207,9 @@
           <a:bodyPr/>
           <a:lstStyle/>
           <a:p>
-            <a:fld id="{884EFFCF-D6F5-4FB7-8FF8-1DB7CEC99F84}" type="datetime1">
+            <a:fld id="{7C08641B-D866-4AED-9BCD-A8CEF1A297A1}" type="datetime1">
               <a:rPr lang="ru-RU" smtClean="0"/>
-              <a:t>12.04.2021</a:t>
+              <a:t>13.04.2021</a:t>
             </a:fld>
             <a:endParaRPr lang="ru-RU" dirty="0"/>
           </a:p>
@@ -2758,9 +2513,9 @@
           <a:bodyPr/>
           <a:lstStyle/>
           <a:p>
-            <a:fld id="{E408482C-AC72-4B63-A059-9A97881DD5A0}" type="datetime1">
+            <a:fld id="{68F3169D-25FC-4CCC-9835-A712E07C2AB4}" type="datetime1">
               <a:rPr lang="ru-RU" smtClean="0"/>
-              <a:t>12.04.2021</a:t>
+              <a:t>13.04.2021</a:t>
             </a:fld>
             <a:endParaRPr lang="ru-RU" dirty="0"/>
           </a:p>
@@ -2991,9 +2746,9 @@
           <a:bodyPr/>
           <a:lstStyle/>
           <a:p>
-            <a:fld id="{2C644822-52CE-44D3-A46F-5C17376A50F3}" type="datetime1">
+            <a:fld id="{42386BF5-D1EA-43A3-AE1C-E5A43B039450}" type="datetime1">
               <a:rPr lang="ru-RU" smtClean="0"/>
-              <a:t>12.04.2021</a:t>
+              <a:t>13.04.2021</a:t>
             </a:fld>
             <a:endParaRPr lang="ru-RU" dirty="0"/>
           </a:p>
@@ -3359,9 +3114,9 @@
           <a:bodyPr/>
           <a:lstStyle/>
           <a:p>
-            <a:fld id="{5E8A7102-4D7C-4C6D-85E2-45833EB65D71}" type="datetime1">
+            <a:fld id="{B9D08361-EC6C-46B1-AC80-C22A1550886E}" type="datetime1">
               <a:rPr lang="ru-RU" smtClean="0"/>
-              <a:t>12.04.2021</a:t>
+              <a:t>13.04.2021</a:t>
             </a:fld>
             <a:endParaRPr lang="ru-RU" dirty="0"/>
           </a:p>
@@ -3478,9 +3233,9 @@
           <a:bodyPr/>
           <a:lstStyle/>
           <a:p>
-            <a:fld id="{5C970E62-0511-48CF-97F0-43AD89F6BF04}" type="datetime1">
+            <a:fld id="{573381EF-20A4-477C-90BC-CBE76C27463B}" type="datetime1">
               <a:rPr lang="ru-RU" smtClean="0"/>
-              <a:t>12.04.2021</a:t>
+              <a:t>13.04.2021</a:t>
             </a:fld>
             <a:endParaRPr lang="ru-RU" dirty="0"/>
           </a:p>
@@ -3574,9 +3329,9 @@
           <a:bodyPr/>
           <a:lstStyle/>
           <a:p>
-            <a:fld id="{0CF333D6-B1AD-44C3-A665-95B22B971D9F}" type="datetime1">
+            <a:fld id="{B7441B70-E847-4ED8-B1CC-11C2CD43FC6E}" type="datetime1">
               <a:rPr lang="ru-RU" smtClean="0"/>
-              <a:t>12.04.2021</a:t>
+              <a:t>13.04.2021</a:t>
             </a:fld>
             <a:endParaRPr lang="ru-RU" dirty="0"/>
           </a:p>
@@ -3852,9 +3607,9 @@
           <a:bodyPr/>
           <a:lstStyle/>
           <a:p>
-            <a:fld id="{E49E98F9-C359-42E5-8D44-FF4DDFCE8C12}" type="datetime1">
+            <a:fld id="{B04C54BD-0EB7-4E97-8C66-53E07DF2557A}" type="datetime1">
               <a:rPr lang="ru-RU" smtClean="0"/>
-              <a:t>12.04.2021</a:t>
+              <a:t>13.04.2021</a:t>
             </a:fld>
             <a:endParaRPr lang="ru-RU" dirty="0"/>
           </a:p>
@@ -4110,9 +3865,9 @@
           <a:bodyPr/>
           <a:lstStyle/>
           <a:p>
-            <a:fld id="{94F4B869-0736-4E8B-922E-2A7585BE8A46}" type="datetime1">
+            <a:fld id="{A1C7B037-1989-4FF7-BD58-95622BADFCB1}" type="datetime1">
               <a:rPr lang="ru-RU" smtClean="0"/>
-              <a:t>12.04.2021</a:t>
+              <a:t>13.04.2021</a:t>
             </a:fld>
             <a:endParaRPr lang="ru-RU" dirty="0"/>
           </a:p>
@@ -4324,9 +4079,9 @@
             </a:lvl1pPr>
           </a:lstStyle>
           <a:p>
-            <a:fld id="{50F796D2-C8B0-4C82-A585-6CEAC09FE6BF}" type="datetime1">
+            <a:fld id="{297D7BE2-7632-410E-B636-211B737EA5E5}" type="datetime1">
               <a:rPr lang="ru-RU" smtClean="0"/>
-              <a:t>12.04.2021</a:t>
+              <a:t>13.04.2021</a:t>
             </a:fld>
             <a:endParaRPr lang="ru-RU" dirty="0"/>
           </a:p>
@@ -5249,6 +5004,191 @@
 </file>
 
 <file path=ppt/slides/slide10.xml><?xml version="1.0" encoding="utf-8"?>
+<p:sld xmlns:a="http://schemas.openxmlformats.org/drawingml/2006/main" xmlns:r="http://schemas.openxmlformats.org/officeDocument/2006/relationships" xmlns:p="http://schemas.openxmlformats.org/presentationml/2006/main" show="0">
+  <p:cSld>
+    <p:spTree>
+      <p:nvGrpSpPr>
+        <p:cNvPr id="1" name=""/>
+        <p:cNvGrpSpPr/>
+        <p:nvPr/>
+      </p:nvGrpSpPr>
+      <p:grpSpPr>
+        <a:xfrm>
+          <a:off x="0" y="0"/>
+          <a:ext cx="0" cy="0"/>
+          <a:chOff x="0" y="0"/>
+          <a:chExt cx="0" cy="0"/>
+        </a:xfrm>
+      </p:grpSpPr>
+      <p:sp>
+        <p:nvSpPr>
+          <p:cNvPr id="2" name="Заголовок 1">
+            <a:extLst>
+              <a:ext uri="{FF2B5EF4-FFF2-40B4-BE49-F238E27FC236}">
+                <a16:creationId xmlns:a16="http://schemas.microsoft.com/office/drawing/2014/main" id="{804B3D23-5310-4A6F-8BAC-53EC5DED660E}"/>
+              </a:ext>
+            </a:extLst>
+          </p:cNvPr>
+          <p:cNvSpPr>
+            <a:spLocks noGrp="1"/>
+          </p:cNvSpPr>
+          <p:nvPr>
+            <p:ph type="title"/>
+          </p:nvPr>
+        </p:nvSpPr>
+        <p:spPr/>
+        <p:txBody>
+          <a:bodyPr/>
+          <a:lstStyle/>
+          <a:p>
+            <a:r>
+              <a:rPr lang="ru-RU" dirty="0"/>
+              <a:t>Выводы</a:t>
+            </a:r>
+          </a:p>
+        </p:txBody>
+      </p:sp>
+      <p:sp>
+        <p:nvSpPr>
+          <p:cNvPr id="4" name="Объект 3">
+            <a:extLst>
+              <a:ext uri="{FF2B5EF4-FFF2-40B4-BE49-F238E27FC236}">
+                <a16:creationId xmlns:a16="http://schemas.microsoft.com/office/drawing/2014/main" id="{5A64B944-A78D-44D4-B123-B1A6655D7AFF}"/>
+              </a:ext>
+            </a:extLst>
+          </p:cNvPr>
+          <p:cNvSpPr>
+            <a:spLocks noGrp="1"/>
+          </p:cNvSpPr>
+          <p:nvPr>
+            <p:ph idx="1"/>
+          </p:nvPr>
+        </p:nvSpPr>
+        <p:spPr>
+          <a:xfrm>
+            <a:off x="16328" y="1118507"/>
+            <a:ext cx="8737147" cy="5237843"/>
+          </a:xfrm>
+        </p:spPr>
+        <p:txBody>
+          <a:bodyPr>
+            <a:normAutofit/>
+          </a:bodyPr>
+          <a:lstStyle/>
+          <a:p>
+            <a:pPr marL="0" indent="0">
+              <a:buNone/>
+            </a:pPr>
+            <a:r>
+              <a:rPr lang="ru-RU" sz="2400" dirty="0"/>
+              <a:t>	В ходе термодинамического исследования кристаллизационной устойчивости халькогенидных стёкол </a:t>
+            </a:r>
+            <a:r>
+              <a:rPr lang="ru-RU" sz="2400" dirty="0" err="1"/>
+              <a:t>GexGaySez</a:t>
+            </a:r>
+            <a:r>
+              <a:rPr lang="ru-RU" sz="2400" dirty="0"/>
+              <a:t> методом минимизации энергии Гиббса:</a:t>
+            </a:r>
+          </a:p>
+          <a:p>
+            <a:pPr marL="0" indent="0">
+              <a:buNone/>
+            </a:pPr>
+            <a:endParaRPr lang="ru-RU" sz="2400" dirty="0"/>
+          </a:p>
+          <a:p>
+            <a:pPr lvl="1">
+              <a:buFont typeface="Wingdings" panose="05000000000000000000" pitchFamily="2" charset="2"/>
+              <a:buChar char="q"/>
+            </a:pPr>
+            <a:r>
+              <a:rPr lang="ru-RU" sz="2000" dirty="0"/>
+              <a:t>с позиции ассоциированных растворов проведено моделирование расплава и раствора твёрдых компонентов, определен температурный интервал плавления.</a:t>
+            </a:r>
+          </a:p>
+          <a:p>
+            <a:pPr marL="457200" lvl="1" indent="0">
+              <a:buNone/>
+            </a:pPr>
+            <a:endParaRPr lang="ru-RU" sz="2000" dirty="0"/>
+          </a:p>
+          <a:p>
+            <a:pPr lvl="1">
+              <a:buFont typeface="Wingdings" panose="05000000000000000000" pitchFamily="2" charset="2"/>
+              <a:buChar char="q"/>
+            </a:pPr>
+            <a:r>
+              <a:rPr lang="ru-RU" sz="2000" dirty="0"/>
+              <a:t>путём сопоставления химических потенциалов кристаллических компонентов и экстраполированных в область переохлаждённого расплава предсказана кристаллизация в зависимости от состава стёкол.</a:t>
+            </a:r>
+          </a:p>
+          <a:p>
+            <a:pPr marL="457200" lvl="1" indent="0">
+              <a:buNone/>
+            </a:pPr>
+            <a:endParaRPr lang="ru-RU" sz="2000" dirty="0"/>
+          </a:p>
+          <a:p>
+            <a:pPr lvl="1">
+              <a:buFont typeface="Wingdings" panose="05000000000000000000" pitchFamily="2" charset="2"/>
+              <a:buChar char="q"/>
+            </a:pPr>
+            <a:r>
+              <a:rPr lang="ru-RU" sz="2000" dirty="0"/>
+              <a:t>Проведена интерпретация участков кривых ДСК изученных составов стекол</a:t>
+            </a:r>
+          </a:p>
+          <a:p>
+            <a:endParaRPr lang="ru-RU" dirty="0"/>
+          </a:p>
+        </p:txBody>
+      </p:sp>
+      <p:sp>
+        <p:nvSpPr>
+          <p:cNvPr id="3" name="Номер слайда 2">
+            <a:extLst>
+              <a:ext uri="{FF2B5EF4-FFF2-40B4-BE49-F238E27FC236}">
+                <a16:creationId xmlns:a16="http://schemas.microsoft.com/office/drawing/2014/main" id="{F03C2823-ECF7-4DEF-8B68-D6722E2BF2C3}"/>
+              </a:ext>
+            </a:extLst>
+          </p:cNvPr>
+          <p:cNvSpPr>
+            <a:spLocks noGrp="1"/>
+          </p:cNvSpPr>
+          <p:nvPr>
+            <p:ph type="sldNum" sz="quarter" idx="12"/>
+          </p:nvPr>
+        </p:nvSpPr>
+        <p:spPr/>
+        <p:txBody>
+          <a:bodyPr/>
+          <a:lstStyle/>
+          <a:p>
+            <a:fld id="{C9EB4E2A-F2F9-42E4-914F-48C9A8B5C503}" type="slidenum">
+              <a:rPr lang="ru-RU" smtClean="0"/>
+              <a:pPr/>
+              <a:t>10</a:t>
+            </a:fld>
+            <a:endParaRPr lang="ru-RU" dirty="0"/>
+          </a:p>
+        </p:txBody>
+      </p:sp>
+    </p:spTree>
+    <p:extLst>
+      <p:ext uri="{BB962C8B-B14F-4D97-AF65-F5344CB8AC3E}">
+        <p14:creationId xmlns:p14="http://schemas.microsoft.com/office/powerpoint/2010/main" val="2050309021"/>
+      </p:ext>
+    </p:extLst>
+  </p:cSld>
+  <p:clrMapOvr>
+    <a:masterClrMapping/>
+  </p:clrMapOvr>
+</p:sld>
+</file>
+
+<file path=ppt/slides/slide11.xml><?xml version="1.0" encoding="utf-8"?>
 <p:sld xmlns:a="http://schemas.openxmlformats.org/drawingml/2006/main" xmlns:r="http://schemas.openxmlformats.org/officeDocument/2006/relationships" xmlns:p="http://schemas.openxmlformats.org/presentationml/2006/main">
   <p:cSld>
     <p:spTree>
@@ -5267,10 +5207,1458 @@
       </p:grpSpPr>
       <p:sp>
         <p:nvSpPr>
-          <p:cNvPr id="28" name="Стрелка: вверх 27">
-            <a:extLst>
-              <a:ext uri="{FF2B5EF4-FFF2-40B4-BE49-F238E27FC236}">
-                <a16:creationId xmlns:a16="http://schemas.microsoft.com/office/drawing/2014/main" id="{7490B723-B5DC-42AA-872B-EBDCB292AF84}"/>
+          <p:cNvPr id="2" name="TextBox 1"/>
+          <p:cNvSpPr txBox="1"/>
+          <p:nvPr/>
+        </p:nvSpPr>
+        <p:spPr>
+          <a:xfrm>
+            <a:off x="0" y="1114066"/>
+            <a:ext cx="9144000" cy="4585871"/>
+          </a:xfrm>
+          <a:prstGeom prst="rect">
+            <a:avLst/>
+          </a:prstGeom>
+          <a:noFill/>
+        </p:spPr>
+        <p:txBody>
+          <a:bodyPr wrap="square" rtlCol="0">
+            <a:spAutoFit/>
+          </a:bodyPr>
+          <a:lstStyle/>
+          <a:p>
+            <a:pPr algn="ctr"/>
+            <a:r>
+              <a:rPr lang="ru-RU" sz="4400" b="1" dirty="0"/>
+              <a:t>Спасибо за внимание!</a:t>
+            </a:r>
+          </a:p>
+          <a:p>
+            <a:pPr algn="ctr"/>
+            <a:endParaRPr lang="ru-RU" sz="3200" dirty="0"/>
+          </a:p>
+          <a:p>
+            <a:pPr algn="ctr"/>
+            <a:r>
+              <a:rPr lang="ru-RU" sz="3200" dirty="0"/>
+              <a:t>Термический анализ выполнен в лаборатории </a:t>
+            </a:r>
+            <a:r>
+              <a:rPr lang="ru-RU" sz="3200" dirty="0" err="1"/>
+              <a:t>ТВСиРСВ</a:t>
+            </a:r>
+            <a:r>
+              <a:rPr lang="ru-RU" sz="3200" dirty="0"/>
+              <a:t> ИХВВ РАН</a:t>
+            </a:r>
+          </a:p>
+          <a:p>
+            <a:pPr algn="ctr"/>
+            <a:r>
+              <a:rPr lang="ru-RU" sz="3200" dirty="0"/>
+              <a:t>Образцы стекол представлены лаб. ВБС</a:t>
+            </a:r>
+          </a:p>
+          <a:p>
+            <a:pPr algn="ctr"/>
+            <a:endParaRPr lang="ru-RU" sz="6000" dirty="0"/>
+          </a:p>
+          <a:p>
+            <a:pPr algn="ctr"/>
+            <a:endParaRPr lang="ru-RU" sz="6000" dirty="0"/>
+          </a:p>
+        </p:txBody>
+      </p:sp>
+      <p:sp>
+        <p:nvSpPr>
+          <p:cNvPr id="4" name="Номер слайда 3">
+            <a:extLst>
+              <a:ext uri="{FF2B5EF4-FFF2-40B4-BE49-F238E27FC236}">
+                <a16:creationId xmlns:a16="http://schemas.microsoft.com/office/drawing/2014/main" id="{862C2B69-C2B5-4835-9CC1-9A4E76B54967}"/>
+              </a:ext>
+            </a:extLst>
+          </p:cNvPr>
+          <p:cNvSpPr>
+            <a:spLocks noGrp="1"/>
+          </p:cNvSpPr>
+          <p:nvPr>
+            <p:ph type="sldNum" sz="quarter" idx="12"/>
+          </p:nvPr>
+        </p:nvSpPr>
+        <p:spPr/>
+        <p:txBody>
+          <a:bodyPr/>
+          <a:lstStyle/>
+          <a:p>
+            <a:fld id="{C9EB4E2A-F2F9-42E4-914F-48C9A8B5C503}" type="slidenum">
+              <a:rPr lang="ru-RU" smtClean="0"/>
+              <a:pPr/>
+              <a:t>11</a:t>
+            </a:fld>
+            <a:endParaRPr lang="ru-RU" dirty="0"/>
+          </a:p>
+        </p:txBody>
+      </p:sp>
+    </p:spTree>
+    <p:extLst>
+      <p:ext uri="{BB962C8B-B14F-4D97-AF65-F5344CB8AC3E}">
+        <p14:creationId xmlns:p14="http://schemas.microsoft.com/office/powerpoint/2010/main" val="4203807464"/>
+      </p:ext>
+    </p:extLst>
+  </p:cSld>
+  <p:clrMapOvr>
+    <a:masterClrMapping/>
+  </p:clrMapOvr>
+</p:sld>
+</file>
+
+<file path=ppt/slides/slide2.xml><?xml version="1.0" encoding="utf-8"?>
+<p:sld xmlns:a="http://schemas.openxmlformats.org/drawingml/2006/main" xmlns:r="http://schemas.openxmlformats.org/officeDocument/2006/relationships" xmlns:p="http://schemas.openxmlformats.org/presentationml/2006/main">
+  <p:cSld>
+    <p:spTree>
+      <p:nvGrpSpPr>
+        <p:cNvPr id="1" name=""/>
+        <p:cNvGrpSpPr/>
+        <p:nvPr/>
+      </p:nvGrpSpPr>
+      <p:grpSpPr>
+        <a:xfrm>
+          <a:off x="0" y="0"/>
+          <a:ext cx="0" cy="0"/>
+          <a:chOff x="0" y="0"/>
+          <a:chExt cx="0" cy="0"/>
+        </a:xfrm>
+      </p:grpSpPr>
+      <p:pic>
+        <p:nvPicPr>
+          <p:cNvPr id="2054" name="Picture 6" descr="https://avatars.mds.yandex.net/get-zen_doc/1856956/pub_5d6fc00f1ee34f00ad096c5c_5d6fc01595aa9f00acf01682/scale_1200"/>
+          <p:cNvPicPr>
+            <a:picLocks noChangeAspect="1" noChangeArrowheads="1"/>
+          </p:cNvPicPr>
+          <p:nvPr/>
+        </p:nvPicPr>
+        <p:blipFill>
+          <a:blip r:embed="rId3" cstate="print">
+            <a:extLst>
+              <a:ext uri="{28A0092B-C50C-407E-A947-70E740481C1C}">
+                <a14:useLocalDpi xmlns:a14="http://schemas.microsoft.com/office/drawing/2010/main" val="0"/>
+              </a:ext>
+            </a:extLst>
+          </a:blip>
+          <a:srcRect/>
+          <a:stretch>
+            <a:fillRect/>
+          </a:stretch>
+        </p:blipFill>
+        <p:spPr bwMode="auto">
+          <a:xfrm>
+            <a:off x="6154940" y="2308409"/>
+            <a:ext cx="2769288" cy="1846192"/>
+          </a:xfrm>
+          <a:prstGeom prst="rect">
+            <a:avLst/>
+          </a:prstGeom>
+          <a:ln>
+            <a:noFill/>
+          </a:ln>
+          <a:effectLst>
+            <a:outerShdw blurRad="190500" algn="tl" rotWithShape="0">
+              <a:srgbClr val="000000">
+                <a:alpha val="70000"/>
+              </a:srgbClr>
+            </a:outerShdw>
+          </a:effectLst>
+          <a:extLst>
+            <a:ext uri="{909E8E84-426E-40DD-AFC4-6F175D3DCCD1}">
+              <a14:hiddenFill xmlns:a14="http://schemas.microsoft.com/office/drawing/2010/main">
+                <a:solidFill>
+                  <a:srgbClr val="FFFFFF"/>
+                </a:solidFill>
+              </a14:hiddenFill>
+            </a:ext>
+          </a:extLst>
+        </p:spPr>
+      </p:pic>
+      <p:pic>
+        <p:nvPicPr>
+          <p:cNvPr id="2052" name="Picture 4" descr="https://sc01.alicdn.com/kf/HTB1Ty6mIpXXXXa9XpXX760XFXXXt/200244385/HTB1Ty6mIpXXXXa9XpXX760XFXXXt.png"/>
+          <p:cNvPicPr>
+            <a:picLocks noChangeAspect="1" noChangeArrowheads="1"/>
+          </p:cNvPicPr>
+          <p:nvPr/>
+        </p:nvPicPr>
+        <p:blipFill>
+          <a:blip r:embed="rId4" cstate="print">
+            <a:extLst>
+              <a:ext uri="{28A0092B-C50C-407E-A947-70E740481C1C}">
+                <a14:useLocalDpi xmlns:a14="http://schemas.microsoft.com/office/drawing/2010/main" val="0"/>
+              </a:ext>
+            </a:extLst>
+          </a:blip>
+          <a:srcRect/>
+          <a:stretch>
+            <a:fillRect/>
+          </a:stretch>
+        </p:blipFill>
+        <p:spPr bwMode="auto">
+          <a:xfrm>
+            <a:off x="3181531" y="2308408"/>
+            <a:ext cx="2797263" cy="1846193"/>
+          </a:xfrm>
+          <a:prstGeom prst="rect">
+            <a:avLst/>
+          </a:prstGeom>
+          <a:ln>
+            <a:noFill/>
+          </a:ln>
+          <a:effectLst>
+            <a:outerShdw blurRad="190500" algn="tl" rotWithShape="0">
+              <a:srgbClr val="000000">
+                <a:alpha val="70000"/>
+              </a:srgbClr>
+            </a:outerShdw>
+          </a:effectLst>
+          <a:extLst>
+            <a:ext uri="{909E8E84-426E-40DD-AFC4-6F175D3DCCD1}">
+              <a14:hiddenFill xmlns:a14="http://schemas.microsoft.com/office/drawing/2010/main">
+                <a:solidFill>
+                  <a:srgbClr val="FFFFFF"/>
+                </a:solidFill>
+              </a14:hiddenFill>
+            </a:ext>
+          </a:extLst>
+        </p:spPr>
+      </p:pic>
+      <p:pic>
+        <p:nvPicPr>
+          <p:cNvPr id="2060" name="Picture 12" descr="https://i.ytimg.com/vi/iwEEJO7QK7w/maxresdefault.jpg"/>
+          <p:cNvPicPr>
+            <a:picLocks noChangeAspect="1" noChangeArrowheads="1"/>
+          </p:cNvPicPr>
+          <p:nvPr/>
+        </p:nvPicPr>
+        <p:blipFill rotWithShape="1">
+          <a:blip r:embed="rId5" cstate="print">
+            <a:extLst>
+              <a:ext uri="{28A0092B-C50C-407E-A947-70E740481C1C}">
+                <a14:useLocalDpi xmlns:a14="http://schemas.microsoft.com/office/drawing/2010/main" val="0"/>
+              </a:ext>
+            </a:extLst>
+          </a:blip>
+          <a:srcRect l="20085" r="32442"/>
+          <a:stretch/>
+        </p:blipFill>
+        <p:spPr bwMode="auto">
+          <a:xfrm>
+            <a:off x="140166" y="4192103"/>
+            <a:ext cx="2134687" cy="2529373"/>
+          </a:xfrm>
+          <a:prstGeom prst="rect">
+            <a:avLst/>
+          </a:prstGeom>
+          <a:ln>
+            <a:noFill/>
+          </a:ln>
+          <a:effectLst>
+            <a:outerShdw blurRad="190500" algn="tl" rotWithShape="0">
+              <a:srgbClr val="000000">
+                <a:alpha val="70000"/>
+              </a:srgbClr>
+            </a:outerShdw>
+          </a:effectLst>
+          <a:extLst>
+            <a:ext uri="{909E8E84-426E-40DD-AFC4-6F175D3DCCD1}">
+              <a14:hiddenFill xmlns:a14="http://schemas.microsoft.com/office/drawing/2010/main">
+                <a:solidFill>
+                  <a:srgbClr val="FFFFFF"/>
+                </a:solidFill>
+              </a14:hiddenFill>
+            </a:ext>
+          </a:extLst>
+        </p:spPr>
+      </p:pic>
+      <p:pic>
+        <p:nvPicPr>
+          <p:cNvPr id="2058" name="Picture 10" descr="https://simax-shop.ru/upload/medialibrary/aab/2323.jpg"/>
+          <p:cNvPicPr>
+            <a:picLocks noChangeAspect="1" noChangeArrowheads="1"/>
+          </p:cNvPicPr>
+          <p:nvPr/>
+        </p:nvPicPr>
+        <p:blipFill>
+          <a:blip r:embed="rId6" cstate="print">
+            <a:extLst>
+              <a:ext uri="{28A0092B-C50C-407E-A947-70E740481C1C}">
+                <a14:useLocalDpi xmlns:a14="http://schemas.microsoft.com/office/drawing/2010/main" val="0"/>
+              </a:ext>
+            </a:extLst>
+          </a:blip>
+          <a:srcRect/>
+          <a:stretch>
+            <a:fillRect/>
+          </a:stretch>
+        </p:blipFill>
+        <p:spPr bwMode="auto">
+          <a:xfrm>
+            <a:off x="140166" y="2308408"/>
+            <a:ext cx="2461604" cy="1846203"/>
+          </a:xfrm>
+          <a:prstGeom prst="rect">
+            <a:avLst/>
+          </a:prstGeom>
+          <a:ln>
+            <a:noFill/>
+          </a:ln>
+          <a:effectLst>
+            <a:outerShdw blurRad="190500" algn="tl" rotWithShape="0">
+              <a:srgbClr val="000000">
+                <a:alpha val="70000"/>
+              </a:srgbClr>
+            </a:outerShdw>
+          </a:effectLst>
+          <a:extLst>
+            <a:ext uri="{909E8E84-426E-40DD-AFC4-6F175D3DCCD1}">
+              <a14:hiddenFill xmlns:a14="http://schemas.microsoft.com/office/drawing/2010/main">
+                <a:solidFill>
+                  <a:srgbClr val="FFFFFF"/>
+                </a:solidFill>
+              </a14:hiddenFill>
+            </a:ext>
+          </a:extLst>
+        </p:spPr>
+      </p:pic>
+      <p:pic>
+        <p:nvPicPr>
+          <p:cNvPr id="3" name="Рисунок 2"/>
+          <p:cNvPicPr>
+            <a:picLocks noChangeAspect="1"/>
+          </p:cNvPicPr>
+          <p:nvPr/>
+        </p:nvPicPr>
+        <p:blipFill rotWithShape="1">
+          <a:blip r:embed="rId7" cstate="print">
+            <a:extLst>
+              <a:ext uri="{28A0092B-C50C-407E-A947-70E740481C1C}">
+                <a14:useLocalDpi xmlns:a14="http://schemas.microsoft.com/office/drawing/2010/main" val="0"/>
+              </a:ext>
+            </a:extLst>
+          </a:blip>
+          <a:srcRect l="5755" t="6939" r="8774" b="8758"/>
+          <a:stretch/>
+        </p:blipFill>
+        <p:spPr>
+          <a:xfrm>
+            <a:off x="3454442" y="4208516"/>
+            <a:ext cx="4931257" cy="2520058"/>
+          </a:xfrm>
+          <a:prstGeom prst="rect">
+            <a:avLst/>
+          </a:prstGeom>
+          <a:ln>
+            <a:noFill/>
+          </a:ln>
+          <a:effectLst>
+            <a:outerShdw blurRad="190500" algn="tl" rotWithShape="0">
+              <a:srgbClr val="000000">
+                <a:alpha val="70000"/>
+              </a:srgbClr>
+            </a:outerShdw>
+          </a:effectLst>
+        </p:spPr>
+      </p:pic>
+      <p:cxnSp>
+        <p:nvCxnSpPr>
+          <p:cNvPr id="5" name="Прямая со стрелкой 4"/>
+          <p:cNvCxnSpPr>
+            <a:cxnSpLocks/>
+          </p:cNvCxnSpPr>
+          <p:nvPr/>
+        </p:nvCxnSpPr>
+        <p:spPr>
+          <a:xfrm>
+            <a:off x="2407031" y="5456789"/>
+            <a:ext cx="922503" cy="0"/>
+          </a:xfrm>
+          <a:prstGeom prst="straightConnector1">
+            <a:avLst/>
+          </a:prstGeom>
+          <a:ln w="76200">
+            <a:tailEnd type="triangle"/>
+          </a:ln>
+        </p:spPr>
+        <p:style>
+          <a:lnRef idx="3">
+            <a:schemeClr val="dk1"/>
+          </a:lnRef>
+          <a:fillRef idx="0">
+            <a:schemeClr val="dk1"/>
+          </a:fillRef>
+          <a:effectRef idx="2">
+            <a:schemeClr val="dk1"/>
+          </a:effectRef>
+          <a:fontRef idx="minor">
+            <a:schemeClr val="tx1"/>
+          </a:fontRef>
+        </p:style>
+      </p:cxnSp>
+      <p:sp>
+        <p:nvSpPr>
+          <p:cNvPr id="7" name="Заголовок 6">
+            <a:extLst>
+              <a:ext uri="{FF2B5EF4-FFF2-40B4-BE49-F238E27FC236}">
+                <a16:creationId xmlns:a16="http://schemas.microsoft.com/office/drawing/2014/main" id="{6192612A-9B48-4BC0-A715-E74A8AFE0071}"/>
+              </a:ext>
+            </a:extLst>
+          </p:cNvPr>
+          <p:cNvSpPr>
+            <a:spLocks noGrp="1"/>
+          </p:cNvSpPr>
+          <p:nvPr>
+            <p:ph type="title"/>
+          </p:nvPr>
+        </p:nvSpPr>
+        <p:spPr/>
+        <p:txBody>
+          <a:bodyPr/>
+          <a:lstStyle/>
+          <a:p>
+            <a:r>
+              <a:rPr lang="ru-RU" dirty="0"/>
+              <a:t>ВСТУПЛЕНИЕ</a:t>
+            </a:r>
+          </a:p>
+        </p:txBody>
+      </p:sp>
+      <p:sp>
+        <p:nvSpPr>
+          <p:cNvPr id="9" name="Объект 8">
+            <a:extLst>
+              <a:ext uri="{FF2B5EF4-FFF2-40B4-BE49-F238E27FC236}">
+                <a16:creationId xmlns:a16="http://schemas.microsoft.com/office/drawing/2014/main" id="{380DFBBE-C183-416F-A343-3598174724F2}"/>
+              </a:ext>
+            </a:extLst>
+          </p:cNvPr>
+          <p:cNvSpPr>
+            <a:spLocks noGrp="1"/>
+          </p:cNvSpPr>
+          <p:nvPr>
+            <p:ph idx="1"/>
+          </p:nvPr>
+        </p:nvSpPr>
+        <p:spPr/>
+        <p:txBody>
+          <a:bodyPr/>
+          <a:lstStyle/>
+          <a:p>
+            <a:pPr marL="0" indent="0">
+              <a:buNone/>
+            </a:pPr>
+            <a:r>
+              <a:rPr lang="ru-RU" sz="2400" dirty="0">
+                <a:solidFill>
+                  <a:srgbClr val="000000"/>
+                </a:solidFill>
+                <a:ea typeface="Calibri" pitchFamily="34" charset="0"/>
+                <a:cs typeface="Calibri" pitchFamily="34" charset="0"/>
+              </a:rPr>
+              <a:t>	</a:t>
+            </a:r>
+            <a:r>
+              <a:rPr lang="ru-RU" sz="2400" b="1" dirty="0">
+                <a:solidFill>
+                  <a:srgbClr val="000000"/>
+                </a:solidFill>
+                <a:ea typeface="Calibri" pitchFamily="34" charset="0"/>
+                <a:cs typeface="Calibri" pitchFamily="34" charset="0"/>
+              </a:rPr>
+              <a:t>ЦЕЛЬ РАБОТЫ: </a:t>
+            </a:r>
+            <a:r>
+              <a:rPr lang="ru-RU" sz="2400" dirty="0">
+                <a:solidFill>
+                  <a:srgbClr val="000000"/>
+                </a:solidFill>
+                <a:ea typeface="Calibri" pitchFamily="34" charset="0"/>
+                <a:cs typeface="Calibri" pitchFamily="34" charset="0"/>
+              </a:rPr>
+              <a:t>М</a:t>
+            </a:r>
+            <a:r>
+              <a:rPr kumimoji="0" lang="ru-RU" sz="2400" b="0" i="0" u="none" strike="noStrike" cap="none" normalizeH="0" baseline="0" dirty="0">
+                <a:ln>
+                  <a:noFill/>
+                </a:ln>
+                <a:solidFill>
+                  <a:srgbClr val="000000"/>
+                </a:solidFill>
+                <a:effectLst/>
+                <a:ea typeface="Calibri" pitchFamily="34" charset="0"/>
+                <a:cs typeface="Calibri" pitchFamily="34" charset="0"/>
+              </a:rPr>
+              <a:t>етодом минимизации энергии Гиббса</a:t>
+            </a:r>
+            <a:r>
+              <a:rPr kumimoji="0" lang="ru-RU" sz="2400" b="0" i="0" u="none" strike="noStrike" cap="none" normalizeH="0" baseline="0" dirty="0">
+                <a:ln>
+                  <a:noFill/>
+                </a:ln>
+                <a:solidFill>
+                  <a:srgbClr val="222222"/>
+                </a:solidFill>
+                <a:effectLst/>
+                <a:ea typeface="Calibri" pitchFamily="34" charset="0"/>
+                <a:cs typeface="Calibri" pitchFamily="34" charset="0"/>
+              </a:rPr>
+              <a:t> </a:t>
+            </a:r>
+            <a:r>
+              <a:rPr kumimoji="0" lang="ru-RU" sz="2400" b="0" i="0" u="none" strike="noStrike" cap="none" normalizeH="0" baseline="0" dirty="0">
+                <a:ln>
+                  <a:noFill/>
+                </a:ln>
+                <a:solidFill>
+                  <a:srgbClr val="000000"/>
+                </a:solidFill>
+                <a:effectLst/>
+                <a:ea typeface="Calibri" pitchFamily="34" charset="0"/>
+                <a:cs typeface="Calibri" pitchFamily="34" charset="0"/>
+              </a:rPr>
+              <a:t>определить температурные режимы синтеза и состав возможных кристаллических фаз в стеклообразующей системе </a:t>
+            </a:r>
+            <a:r>
+              <a:rPr kumimoji="0" lang="ru-RU" sz="2400" b="1" i="0" u="none" strike="noStrike" cap="none" normalizeH="0" baseline="0" dirty="0" err="1">
+                <a:ln>
+                  <a:noFill/>
+                </a:ln>
+                <a:solidFill>
+                  <a:srgbClr val="222222"/>
+                </a:solidFill>
+                <a:effectLst/>
+                <a:ea typeface="Calibri" pitchFamily="34" charset="0"/>
+                <a:cs typeface="Calibri" pitchFamily="34" charset="0"/>
+              </a:rPr>
+              <a:t>Ge-Ga-Se</a:t>
+            </a:r>
+            <a:r>
+              <a:rPr lang="ru-RU" sz="2400" b="1" dirty="0"/>
+              <a:t> </a:t>
+            </a:r>
+          </a:p>
+          <a:p>
+            <a:pPr marL="0" indent="0">
+              <a:buNone/>
+            </a:pPr>
+            <a:endParaRPr lang="ru-RU" dirty="0"/>
+          </a:p>
+        </p:txBody>
+      </p:sp>
+      <p:sp>
+        <p:nvSpPr>
+          <p:cNvPr id="6" name="Номер слайда 5">
+            <a:extLst>
+              <a:ext uri="{FF2B5EF4-FFF2-40B4-BE49-F238E27FC236}">
+                <a16:creationId xmlns:a16="http://schemas.microsoft.com/office/drawing/2014/main" id="{C9F63731-B63A-4456-BCF3-549B23B5240C}"/>
+              </a:ext>
+            </a:extLst>
+          </p:cNvPr>
+          <p:cNvSpPr>
+            <a:spLocks noGrp="1"/>
+          </p:cNvSpPr>
+          <p:nvPr>
+            <p:ph type="sldNum" sz="quarter" idx="12"/>
+          </p:nvPr>
+        </p:nvSpPr>
+        <p:spPr/>
+        <p:txBody>
+          <a:bodyPr/>
+          <a:lstStyle/>
+          <a:p>
+            <a:fld id="{C9EB4E2A-F2F9-42E4-914F-48C9A8B5C503}" type="slidenum">
+              <a:rPr lang="ru-RU" smtClean="0"/>
+              <a:pPr/>
+              <a:t>2</a:t>
+            </a:fld>
+            <a:endParaRPr lang="ru-RU" dirty="0"/>
+          </a:p>
+        </p:txBody>
+      </p:sp>
+    </p:spTree>
+    <p:extLst>
+      <p:ext uri="{BB962C8B-B14F-4D97-AF65-F5344CB8AC3E}">
+        <p14:creationId xmlns:p14="http://schemas.microsoft.com/office/powerpoint/2010/main" val="2394028940"/>
+      </p:ext>
+    </p:extLst>
+  </p:cSld>
+  <p:clrMapOvr>
+    <a:masterClrMapping/>
+  </p:clrMapOvr>
+</p:sld>
+</file>
+
+<file path=ppt/slides/slide3.xml><?xml version="1.0" encoding="utf-8"?>
+<p:sld xmlns:a="http://schemas.openxmlformats.org/drawingml/2006/main" xmlns:r="http://schemas.openxmlformats.org/officeDocument/2006/relationships" xmlns:p="http://schemas.openxmlformats.org/presentationml/2006/main">
+  <p:cSld>
+    <p:spTree>
+      <p:nvGrpSpPr>
+        <p:cNvPr id="1" name=""/>
+        <p:cNvGrpSpPr/>
+        <p:nvPr/>
+      </p:nvGrpSpPr>
+      <p:grpSpPr>
+        <a:xfrm>
+          <a:off x="0" y="0"/>
+          <a:ext cx="0" cy="0"/>
+          <a:chOff x="0" y="0"/>
+          <a:chExt cx="0" cy="0"/>
+        </a:xfrm>
+      </p:grpSpPr>
+      <p:sp>
+        <p:nvSpPr>
+          <p:cNvPr id="11" name="TextBox 10">
+            <a:extLst>
+              <a:ext uri="{FF2B5EF4-FFF2-40B4-BE49-F238E27FC236}">
+                <a16:creationId xmlns:a16="http://schemas.microsoft.com/office/drawing/2014/main" id="{1BCD4BBC-E89B-4827-80B2-04BA7814016F}"/>
+              </a:ext>
+            </a:extLst>
+          </p:cNvPr>
+          <p:cNvSpPr txBox="1"/>
+          <p:nvPr/>
+        </p:nvSpPr>
+        <p:spPr>
+          <a:xfrm>
+            <a:off x="4728519" y="1065050"/>
+            <a:ext cx="4415481" cy="892552"/>
+          </a:xfrm>
+          <a:prstGeom prst="rect">
+            <a:avLst/>
+          </a:prstGeom>
+          <a:noFill/>
+        </p:spPr>
+        <p:txBody>
+          <a:bodyPr wrap="square" rtlCol="0">
+            <a:spAutoFit/>
+          </a:bodyPr>
+          <a:lstStyle/>
+          <a:p>
+            <a:r>
+              <a:rPr lang="ru-RU" sz="2000" b="1" dirty="0"/>
+              <a:t>1. </a:t>
+            </a:r>
+            <a:r>
+              <a:rPr lang="ru-RU" sz="1600" dirty="0">
+                <a:effectLst/>
+                <a:ea typeface="Calibri" panose="020F0502020204030204" pitchFamily="34" charset="0"/>
+                <a:cs typeface="Times New Roman" panose="02020603050405020304" pitchFamily="18" charset="0"/>
+              </a:rPr>
+              <a:t>стекло представлено в виде двух растворов, один из которых состоит из </a:t>
+            </a:r>
+            <a:r>
+              <a:rPr lang="ru-RU" sz="1600" u="sng" dirty="0">
+                <a:effectLst/>
+                <a:ea typeface="Calibri" panose="020F0502020204030204" pitchFamily="34" charset="0"/>
+                <a:cs typeface="Times New Roman" panose="02020603050405020304" pitchFamily="18" charset="0"/>
+              </a:rPr>
+              <a:t>кристаллических компонентов</a:t>
+            </a:r>
+            <a:r>
+              <a:rPr lang="ru-RU" sz="1600" dirty="0">
+                <a:effectLst/>
+                <a:ea typeface="Calibri" panose="020F0502020204030204" pitchFamily="34" charset="0"/>
+                <a:cs typeface="Times New Roman" panose="02020603050405020304" pitchFamily="18" charset="0"/>
+              </a:rPr>
+              <a:t>, а второй – из </a:t>
+            </a:r>
+            <a:r>
+              <a:rPr lang="ru-RU" sz="1600" u="sng" dirty="0">
+                <a:effectLst/>
+                <a:ea typeface="Calibri" panose="020F0502020204030204" pitchFamily="34" charset="0"/>
+                <a:cs typeface="Times New Roman" panose="02020603050405020304" pitchFamily="18" charset="0"/>
+              </a:rPr>
+              <a:t>жидких</a:t>
+            </a:r>
+            <a:r>
+              <a:rPr lang="ru-RU" sz="1600" b="1" cap="all" dirty="0">
+                <a:solidFill>
+                  <a:srgbClr val="984806"/>
+                </a:solidFill>
+                <a:effectLst/>
+                <a:ea typeface="Calibri" panose="020F0502020204030204" pitchFamily="34" charset="0"/>
+                <a:cs typeface="Calibri" panose="020F0502020204030204" pitchFamily="34" charset="0"/>
+              </a:rPr>
+              <a:t>. </a:t>
+            </a:r>
+            <a:endParaRPr lang="ru-RU" sz="1600" dirty="0"/>
+          </a:p>
+        </p:txBody>
+      </p:sp>
+      <p:sp>
+        <p:nvSpPr>
+          <p:cNvPr id="7" name="Заголовок 6">
+            <a:extLst>
+              <a:ext uri="{FF2B5EF4-FFF2-40B4-BE49-F238E27FC236}">
+                <a16:creationId xmlns:a16="http://schemas.microsoft.com/office/drawing/2014/main" id="{E7A56D62-F2D6-4FA9-8562-24C32106A9B7}"/>
+              </a:ext>
+            </a:extLst>
+          </p:cNvPr>
+          <p:cNvSpPr>
+            <a:spLocks noGrp="1"/>
+          </p:cNvSpPr>
+          <p:nvPr>
+            <p:ph type="title"/>
+          </p:nvPr>
+        </p:nvSpPr>
+        <p:spPr/>
+        <p:txBody>
+          <a:bodyPr>
+            <a:noAutofit/>
+          </a:bodyPr>
+          <a:lstStyle/>
+          <a:p>
+            <a:r>
+              <a:rPr lang="ru-RU" dirty="0"/>
+              <a:t>ТЕОРЕТИЧЕСКАЯ ЧАСТЬ</a:t>
+            </a:r>
+          </a:p>
+        </p:txBody>
+      </p:sp>
+      <p:sp>
+        <p:nvSpPr>
+          <p:cNvPr id="3" name="Номер слайда 2">
+            <a:extLst>
+              <a:ext uri="{FF2B5EF4-FFF2-40B4-BE49-F238E27FC236}">
+                <a16:creationId xmlns:a16="http://schemas.microsoft.com/office/drawing/2014/main" id="{8F070C9E-3A09-4349-9B21-5CDD6176BA99}"/>
+              </a:ext>
+            </a:extLst>
+          </p:cNvPr>
+          <p:cNvSpPr>
+            <a:spLocks noGrp="1"/>
+          </p:cNvSpPr>
+          <p:nvPr>
+            <p:ph type="sldNum" sz="quarter" idx="12"/>
+          </p:nvPr>
+        </p:nvSpPr>
+        <p:spPr/>
+        <p:txBody>
+          <a:bodyPr/>
+          <a:lstStyle/>
+          <a:p>
+            <a:fld id="{C9EB4E2A-F2F9-42E4-914F-48C9A8B5C503}" type="slidenum">
+              <a:rPr lang="ru-RU" smtClean="0"/>
+              <a:pPr/>
+              <a:t>3</a:t>
+            </a:fld>
+            <a:endParaRPr lang="ru-RU" dirty="0"/>
+          </a:p>
+        </p:txBody>
+      </p:sp>
+      <p:sp>
+        <p:nvSpPr>
+          <p:cNvPr id="17" name="TextBox 16">
+            <a:extLst>
+              <a:ext uri="{FF2B5EF4-FFF2-40B4-BE49-F238E27FC236}">
+                <a16:creationId xmlns:a16="http://schemas.microsoft.com/office/drawing/2014/main" id="{2EB4B3A4-5586-40D7-83BC-00768F72EFDA}"/>
+              </a:ext>
+            </a:extLst>
+          </p:cNvPr>
+          <p:cNvSpPr txBox="1"/>
+          <p:nvPr/>
+        </p:nvSpPr>
+        <p:spPr>
+          <a:xfrm>
+            <a:off x="152400" y="1065050"/>
+            <a:ext cx="4415480" cy="923330"/>
+          </a:xfrm>
+          <a:prstGeom prst="rect">
+            <a:avLst/>
+          </a:prstGeom>
+          <a:noFill/>
+        </p:spPr>
+        <p:txBody>
+          <a:bodyPr wrap="square">
+            <a:spAutoFit/>
+          </a:bodyPr>
+          <a:lstStyle/>
+          <a:p>
+            <a:r>
+              <a:rPr lang="ru-RU" dirty="0"/>
+              <a:t>Общий вид калькулятора </a:t>
+            </a:r>
+          </a:p>
+          <a:p>
+            <a:r>
+              <a:rPr lang="en-US" dirty="0"/>
+              <a:t>Chemical Thermodynamics Calculator  </a:t>
+            </a:r>
+            <a:br>
+              <a:rPr lang="ru-RU" dirty="0"/>
+            </a:br>
+            <a:r>
+              <a:rPr lang="en-US" dirty="0"/>
+              <a:t>(</a:t>
+            </a:r>
+            <a:r>
+              <a:rPr lang="ru-RU" dirty="0"/>
+              <a:t>автор </a:t>
+            </a:r>
+            <a:r>
+              <a:rPr lang="ru-RU" b="1" dirty="0" err="1"/>
+              <a:t>КУТЬИН</a:t>
+            </a:r>
+            <a:r>
+              <a:rPr lang="ru-RU" b="1" dirty="0"/>
+              <a:t> </a:t>
+            </a:r>
+            <a:r>
+              <a:rPr lang="ru-RU" b="1" dirty="0" err="1"/>
+              <a:t>А.М</a:t>
+            </a:r>
+            <a:r>
+              <a:rPr lang="ru-RU" b="1" dirty="0"/>
+              <a:t>.</a:t>
+            </a:r>
+            <a:r>
+              <a:rPr lang="ru-RU" dirty="0"/>
+              <a:t>):</a:t>
+            </a:r>
+          </a:p>
+        </p:txBody>
+      </p:sp>
+      <p:sp>
+        <p:nvSpPr>
+          <p:cNvPr id="18" name="TextBox 17">
+            <a:extLst>
+              <a:ext uri="{FF2B5EF4-FFF2-40B4-BE49-F238E27FC236}">
+                <a16:creationId xmlns:a16="http://schemas.microsoft.com/office/drawing/2014/main" id="{D84B793B-04A2-431B-A3F8-EFAC14F72D0D}"/>
+              </a:ext>
+            </a:extLst>
+          </p:cNvPr>
+          <p:cNvSpPr txBox="1"/>
+          <p:nvPr/>
+        </p:nvSpPr>
+        <p:spPr>
+          <a:xfrm>
+            <a:off x="4728519" y="2295624"/>
+            <a:ext cx="4415481" cy="1384995"/>
+          </a:xfrm>
+          <a:prstGeom prst="rect">
+            <a:avLst/>
+          </a:prstGeom>
+          <a:noFill/>
+        </p:spPr>
+        <p:txBody>
+          <a:bodyPr wrap="square" rtlCol="0">
+            <a:spAutoFit/>
+          </a:bodyPr>
+          <a:lstStyle/>
+          <a:p>
+            <a:r>
+              <a:rPr lang="ru-RU" sz="2000" b="1" dirty="0"/>
+              <a:t>2. </a:t>
+            </a:r>
+            <a:r>
+              <a:rPr lang="ru-RU" sz="1600" dirty="0">
+                <a:effectLst/>
+                <a:ea typeface="Calibri" panose="020F0502020204030204" pitchFamily="34" charset="0"/>
+                <a:cs typeface="Times New Roman" panose="02020603050405020304" pitchFamily="18" charset="0"/>
+              </a:rPr>
+              <a:t>стекло представлено </a:t>
+            </a:r>
+            <a:r>
+              <a:rPr lang="ru-RU" sz="1600" u="sng" dirty="0">
+                <a:effectLst/>
+                <a:ea typeface="Calibri" panose="020F0502020204030204" pitchFamily="34" charset="0"/>
+                <a:cs typeface="Times New Roman" panose="02020603050405020304" pitchFamily="18" charset="0"/>
+              </a:rPr>
+              <a:t>кристаллическими компонентами </a:t>
+            </a:r>
+            <a:r>
+              <a:rPr lang="ru-RU" sz="1600" dirty="0">
+                <a:effectLst/>
+                <a:ea typeface="Calibri" panose="020F0502020204030204" pitchFamily="34" charset="0"/>
+                <a:cs typeface="Times New Roman" panose="02020603050405020304" pitchFamily="18" charset="0"/>
+              </a:rPr>
+              <a:t>в виде отдельных конденсированных фаз, фактически несмешивающимися между собой, и </a:t>
+            </a:r>
+            <a:r>
+              <a:rPr lang="ru-RU" sz="1600" u="sng" dirty="0">
+                <a:effectLst/>
+                <a:ea typeface="Calibri" panose="020F0502020204030204" pitchFamily="34" charset="0"/>
+                <a:cs typeface="Times New Roman" panose="02020603050405020304" pitchFamily="18" charset="0"/>
+              </a:rPr>
+              <a:t>жидким раствором </a:t>
+            </a:r>
+            <a:endParaRPr lang="ru-RU" sz="1600" u="sng" dirty="0"/>
+          </a:p>
+        </p:txBody>
+      </p:sp>
+      <p:pic>
+        <p:nvPicPr>
+          <p:cNvPr id="4" name="Рисунок 3">
+            <a:extLst>
+              <a:ext uri="{FF2B5EF4-FFF2-40B4-BE49-F238E27FC236}">
+                <a16:creationId xmlns:a16="http://schemas.microsoft.com/office/drawing/2014/main" id="{F4304A50-9376-4BDB-8461-7864B4BEF683}"/>
+              </a:ext>
+            </a:extLst>
+          </p:cNvPr>
+          <p:cNvPicPr>
+            <a:picLocks noChangeAspect="1"/>
+          </p:cNvPicPr>
+          <p:nvPr/>
+        </p:nvPicPr>
+        <p:blipFill>
+          <a:blip r:embed="rId3"/>
+          <a:stretch>
+            <a:fillRect/>
+          </a:stretch>
+        </p:blipFill>
+        <p:spPr>
+          <a:xfrm>
+            <a:off x="152399" y="2014261"/>
+            <a:ext cx="4419600" cy="2934997"/>
+          </a:xfrm>
+          <a:prstGeom prst="rect">
+            <a:avLst/>
+          </a:prstGeom>
+          <a:ln>
+            <a:noFill/>
+          </a:ln>
+          <a:effectLst>
+            <a:outerShdw blurRad="190500" algn="tl" rotWithShape="0">
+              <a:srgbClr val="000000">
+                <a:alpha val="70000"/>
+              </a:srgbClr>
+            </a:outerShdw>
+          </a:effectLst>
+        </p:spPr>
+      </p:pic>
+      <p:sp>
+        <p:nvSpPr>
+          <p:cNvPr id="12" name="TextBox 11">
+            <a:extLst>
+              <a:ext uri="{FF2B5EF4-FFF2-40B4-BE49-F238E27FC236}">
+                <a16:creationId xmlns:a16="http://schemas.microsoft.com/office/drawing/2014/main" id="{7C9D448E-A0B9-4411-B450-7D6E28A41C10}"/>
+              </a:ext>
+            </a:extLst>
+          </p:cNvPr>
+          <p:cNvSpPr txBox="1"/>
+          <p:nvPr/>
+        </p:nvSpPr>
+        <p:spPr>
+          <a:xfrm>
+            <a:off x="4728519" y="4056706"/>
+            <a:ext cx="4415481" cy="892552"/>
+          </a:xfrm>
+          <a:prstGeom prst="rect">
+            <a:avLst/>
+          </a:prstGeom>
+          <a:noFill/>
+        </p:spPr>
+        <p:txBody>
+          <a:bodyPr wrap="square" rtlCol="0">
+            <a:spAutoFit/>
+          </a:bodyPr>
+          <a:lstStyle/>
+          <a:p>
+            <a:r>
+              <a:rPr lang="ru-RU" sz="2000" b="1" dirty="0"/>
+              <a:t>3. </a:t>
+            </a:r>
+            <a:r>
+              <a:rPr lang="ru-RU" sz="1600" dirty="0">
+                <a:effectLst/>
+                <a:ea typeface="Calibri" panose="020F0502020204030204" pitchFamily="34" charset="0"/>
+                <a:cs typeface="Times New Roman" panose="02020603050405020304" pitchFamily="18" charset="0"/>
+              </a:rPr>
+              <a:t>стекло представлено в виде 1 раствора только </a:t>
+            </a:r>
+            <a:r>
+              <a:rPr lang="ru-RU" sz="1600" u="sng" dirty="0">
+                <a:effectLst/>
+                <a:ea typeface="Calibri" panose="020F0502020204030204" pitchFamily="34" charset="0"/>
+                <a:cs typeface="Times New Roman" panose="02020603050405020304" pitchFamily="18" charset="0"/>
+              </a:rPr>
+              <a:t>жидких компонентов</a:t>
+            </a:r>
+            <a:r>
+              <a:rPr lang="ru-RU" sz="1600" dirty="0">
+                <a:effectLst/>
+                <a:ea typeface="Calibri" panose="020F0502020204030204" pitchFamily="34" charset="0"/>
+                <a:cs typeface="Times New Roman" panose="02020603050405020304" pitchFamily="18" charset="0"/>
+              </a:rPr>
+              <a:t>, где твердые компоненты исключены</a:t>
+            </a:r>
+            <a:endParaRPr lang="ru-RU" sz="1600" dirty="0"/>
+          </a:p>
+        </p:txBody>
+      </p:sp>
+      <p:sp>
+        <p:nvSpPr>
+          <p:cNvPr id="2" name="TextBox 1">
+            <a:extLst>
+              <a:ext uri="{FF2B5EF4-FFF2-40B4-BE49-F238E27FC236}">
+                <a16:creationId xmlns:a16="http://schemas.microsoft.com/office/drawing/2014/main" id="{D2AE04BA-986C-45AB-8D2A-B3A5D9034034}"/>
+              </a:ext>
+            </a:extLst>
+          </p:cNvPr>
+          <p:cNvSpPr txBox="1"/>
+          <p:nvPr/>
+        </p:nvSpPr>
+        <p:spPr>
+          <a:xfrm>
+            <a:off x="152399" y="5255687"/>
+            <a:ext cx="8991601" cy="2031325"/>
+          </a:xfrm>
+          <a:prstGeom prst="rect">
+            <a:avLst/>
+          </a:prstGeom>
+          <a:noFill/>
+        </p:spPr>
+        <p:txBody>
+          <a:bodyPr wrap="square" rtlCol="0">
+            <a:spAutoFit/>
+          </a:bodyPr>
+          <a:lstStyle/>
+          <a:p>
+            <a:r>
+              <a:rPr lang="ru-RU" sz="1400" dirty="0"/>
+              <a:t>	Список источников:</a:t>
+            </a:r>
+          </a:p>
+          <a:p>
+            <a:r>
+              <a:rPr lang="en-US" sz="1400" dirty="0"/>
+              <a:t>[1]	</a:t>
+            </a:r>
+            <a:r>
+              <a:rPr lang="en-US" sz="1400" i="1" dirty="0"/>
+              <a:t>M. </a:t>
+            </a:r>
+            <a:r>
+              <a:rPr lang="en-US" sz="1400" i="1" dirty="0" err="1"/>
+              <a:t>Binnewies</a:t>
+            </a:r>
+            <a:r>
+              <a:rPr lang="en-US" sz="1400" i="1" dirty="0"/>
+              <a:t> </a:t>
+            </a:r>
+            <a:r>
+              <a:rPr lang="en-US" sz="1400" dirty="0"/>
+              <a:t>Thermochemical Data of </a:t>
+            </a:r>
+            <a:r>
+              <a:rPr lang="en-US" sz="1400" dirty="0" err="1"/>
+              <a:t>Elementsand</a:t>
+            </a:r>
+            <a:r>
+              <a:rPr lang="en-US" sz="1400" dirty="0"/>
+              <a:t> Compounds/ M. </a:t>
+            </a:r>
+            <a:r>
+              <a:rPr lang="en-US" sz="1400" dirty="0" err="1"/>
+              <a:t>Binnewies</a:t>
+            </a:r>
+            <a:r>
+              <a:rPr lang="en-US" sz="1400" dirty="0"/>
+              <a:t>, E. Mike. – Wiley</a:t>
+            </a:r>
+            <a:r>
+              <a:rPr lang="ru-RU" sz="1400" dirty="0"/>
+              <a:t>-</a:t>
+            </a:r>
+            <a:r>
+              <a:rPr lang="en-US" sz="1400" dirty="0" err="1"/>
+              <a:t>VCH</a:t>
+            </a:r>
+            <a:r>
+              <a:rPr lang="en-US" sz="1400" dirty="0"/>
+              <a:t> Verlag GmbH, Weinheim, 2002. - ISBN 3-527-30524</a:t>
+            </a:r>
+          </a:p>
+          <a:p>
+            <a:r>
+              <a:rPr lang="en-US" sz="1400" dirty="0"/>
+              <a:t>[2]	</a:t>
+            </a:r>
+            <a:r>
+              <a:rPr lang="en-US" sz="1400" i="1" dirty="0"/>
+              <a:t>NIST Chemistry </a:t>
+            </a:r>
+            <a:r>
+              <a:rPr lang="en-US" sz="1400" i="1" dirty="0" err="1"/>
+              <a:t>WebBook</a:t>
+            </a:r>
+            <a:r>
+              <a:rPr lang="en-US" sz="1400" dirty="0"/>
+              <a:t>: </a:t>
+            </a:r>
+            <a:r>
+              <a:rPr lang="ru-RU" sz="1400" dirty="0"/>
+              <a:t>термодинамическая база данных. </a:t>
+            </a:r>
+            <a:r>
+              <a:rPr lang="en-US" sz="1400" dirty="0"/>
+              <a:t>U.S. Secretary of Commerce on behalf of the United States of America, 2018. - URL: </a:t>
+            </a:r>
+            <a:r>
+              <a:rPr lang="en-US" sz="1400" dirty="0">
+                <a:hlinkClick r:id="rId4"/>
+              </a:rPr>
+              <a:t>https://webbook.nist.gov/chemistry/</a:t>
+            </a:r>
+            <a:r>
+              <a:rPr lang="en-US" sz="1400" dirty="0"/>
+              <a:t>.</a:t>
+            </a:r>
+            <a:r>
+              <a:rPr lang="ru-RU" sz="1400" dirty="0"/>
+              <a:t> </a:t>
+            </a:r>
+            <a:r>
+              <a:rPr lang="en-US" sz="1400" dirty="0"/>
+              <a:t> - DOI: https://doi.org/10.18434/T4D303 </a:t>
+            </a:r>
+          </a:p>
+          <a:p>
+            <a:r>
+              <a:rPr lang="en-US" sz="1400" dirty="0"/>
+              <a:t>[3]	</a:t>
+            </a:r>
+            <a:r>
+              <a:rPr lang="ru-RU" sz="1400" i="1" dirty="0"/>
+              <a:t>База данных </a:t>
+            </a:r>
+            <a:r>
+              <a:rPr lang="en-US" sz="1400" i="1" dirty="0" err="1"/>
+              <a:t>Outotech</a:t>
+            </a:r>
+            <a:r>
+              <a:rPr lang="en-US" sz="1400" dirty="0"/>
+              <a:t>. URL: </a:t>
+            </a:r>
+            <a:r>
+              <a:rPr lang="en-US" sz="1400" dirty="0">
+                <a:hlinkClick r:id="rId5"/>
+              </a:rPr>
+              <a:t>https://www.mogroup.com/portfolio/hsc-chemistry/?r=2</a:t>
+            </a:r>
+            <a:r>
+              <a:rPr lang="en-US" sz="1400" dirty="0"/>
+              <a:t>.</a:t>
+            </a:r>
+            <a:r>
+              <a:rPr lang="ru-RU" sz="1400" dirty="0"/>
+              <a:t> </a:t>
+            </a:r>
+            <a:endParaRPr lang="en-US" sz="1400" dirty="0"/>
+          </a:p>
+          <a:p>
+            <a:endParaRPr lang="ru-RU" sz="1400" dirty="0"/>
+          </a:p>
+          <a:p>
+            <a:endParaRPr lang="ru-RU" sz="1400" dirty="0"/>
+          </a:p>
+          <a:p>
+            <a:endParaRPr lang="ru-RU" sz="1400" dirty="0"/>
+          </a:p>
+        </p:txBody>
+      </p:sp>
+    </p:spTree>
+    <p:extLst>
+      <p:ext uri="{BB962C8B-B14F-4D97-AF65-F5344CB8AC3E}">
+        <p14:creationId xmlns:p14="http://schemas.microsoft.com/office/powerpoint/2010/main" val="491899554"/>
+      </p:ext>
+    </p:extLst>
+  </p:cSld>
+  <p:clrMapOvr>
+    <a:masterClrMapping/>
+  </p:clrMapOvr>
+</p:sld>
+</file>
+
+<file path=ppt/slides/slide4.xml><?xml version="1.0" encoding="utf-8"?>
+<p:sld xmlns:a="http://schemas.openxmlformats.org/drawingml/2006/main" xmlns:r="http://schemas.openxmlformats.org/officeDocument/2006/relationships" xmlns:p="http://schemas.openxmlformats.org/presentationml/2006/main">
+  <p:cSld>
+    <p:spTree>
+      <p:nvGrpSpPr>
+        <p:cNvPr id="1" name=""/>
+        <p:cNvGrpSpPr/>
+        <p:nvPr/>
+      </p:nvGrpSpPr>
+      <p:grpSpPr>
+        <a:xfrm>
+          <a:off x="0" y="0"/>
+          <a:ext cx="0" cy="0"/>
+          <a:chOff x="0" y="0"/>
+          <a:chExt cx="0" cy="0"/>
+        </a:xfrm>
+      </p:grpSpPr>
+      <p:pic>
+        <p:nvPicPr>
+          <p:cNvPr id="15" name="Рисунок 14">
+            <a:extLst>
+              <a:ext uri="{FF2B5EF4-FFF2-40B4-BE49-F238E27FC236}">
+                <a16:creationId xmlns:a16="http://schemas.microsoft.com/office/drawing/2014/main" id="{F0A441EA-A750-42C0-B197-439795FC2B80}"/>
+              </a:ext>
+            </a:extLst>
+          </p:cNvPr>
+          <p:cNvPicPr>
+            <a:picLocks noChangeAspect="1"/>
+          </p:cNvPicPr>
+          <p:nvPr/>
+        </p:nvPicPr>
+        <p:blipFill>
+          <a:blip r:embed="rId3">
+            <a:extLst>
+              <a:ext uri="{28A0092B-C50C-407E-A947-70E740481C1C}">
+                <a14:useLocalDpi xmlns:a14="http://schemas.microsoft.com/office/drawing/2010/main" val="0"/>
+              </a:ext>
+            </a:extLst>
+          </a:blip>
+          <a:stretch>
+            <a:fillRect/>
+          </a:stretch>
+        </p:blipFill>
+        <p:spPr>
+          <a:xfrm>
+            <a:off x="0" y="1029153"/>
+            <a:ext cx="9144000" cy="4743834"/>
+          </a:xfrm>
+          <a:prstGeom prst="rect">
+            <a:avLst/>
+          </a:prstGeom>
+        </p:spPr>
+      </p:pic>
+      <p:sp>
+        <p:nvSpPr>
+          <p:cNvPr id="31" name="TextBox 30"/>
+          <p:cNvSpPr txBox="1"/>
+          <p:nvPr/>
+        </p:nvSpPr>
+        <p:spPr>
+          <a:xfrm>
+            <a:off x="564419" y="2384592"/>
+            <a:ext cx="1111554" cy="300082"/>
+          </a:xfrm>
+          <a:prstGeom prst="rect">
+            <a:avLst/>
+          </a:prstGeom>
+          <a:noFill/>
+        </p:spPr>
+        <p:txBody>
+          <a:bodyPr wrap="square" rtlCol="0">
+            <a:spAutoFit/>
+          </a:bodyPr>
+          <a:lstStyle/>
+          <a:p>
+            <a:r>
+              <a:rPr lang="ru-RU" sz="1350" dirty="0"/>
+              <a:t>Кривая ДСК</a:t>
+            </a:r>
+          </a:p>
+        </p:txBody>
+      </p:sp>
+      <p:cxnSp>
+        <p:nvCxnSpPr>
+          <p:cNvPr id="33" name="Прямая со стрелкой 32"/>
+          <p:cNvCxnSpPr>
+            <a:cxnSpLocks/>
+            <a:stCxn id="31" idx="2"/>
+          </p:cNvCxnSpPr>
+          <p:nvPr/>
+        </p:nvCxnSpPr>
+        <p:spPr>
+          <a:xfrm>
+            <a:off x="1120196" y="2684674"/>
+            <a:ext cx="324826" cy="463758"/>
+          </a:xfrm>
+          <a:prstGeom prst="straightConnector1">
+            <a:avLst/>
+          </a:prstGeom>
+          <a:ln w="19050">
+            <a:solidFill>
+              <a:schemeClr val="tx1">
+                <a:lumMod val="95000"/>
+                <a:lumOff val="5000"/>
+              </a:schemeClr>
+            </a:solidFill>
+            <a:tailEnd type="triangle"/>
+          </a:ln>
+        </p:spPr>
+        <p:style>
+          <a:lnRef idx="1">
+            <a:schemeClr val="accent1"/>
+          </a:lnRef>
+          <a:fillRef idx="0">
+            <a:schemeClr val="accent1"/>
+          </a:fillRef>
+          <a:effectRef idx="0">
+            <a:schemeClr val="accent1"/>
+          </a:effectRef>
+          <a:fontRef idx="minor">
+            <a:schemeClr val="tx1"/>
+          </a:fontRef>
+        </p:style>
+      </p:cxnSp>
+      <p:sp>
+        <p:nvSpPr>
+          <p:cNvPr id="37" name="TextBox 36"/>
+          <p:cNvSpPr txBox="1"/>
+          <p:nvPr/>
+        </p:nvSpPr>
+        <p:spPr>
+          <a:xfrm>
+            <a:off x="564734" y="1559069"/>
+            <a:ext cx="1720823" cy="507831"/>
+          </a:xfrm>
+          <a:prstGeom prst="rect">
+            <a:avLst/>
+          </a:prstGeom>
+          <a:noFill/>
+        </p:spPr>
+        <p:txBody>
+          <a:bodyPr wrap="square" rtlCol="0">
+            <a:spAutoFit/>
+          </a:bodyPr>
+          <a:lstStyle/>
+          <a:p>
+            <a:r>
+              <a:rPr lang="ru-RU" sz="1350" dirty="0"/>
+              <a:t>Область превращений</a:t>
+            </a:r>
+          </a:p>
+        </p:txBody>
+      </p:sp>
+      <p:cxnSp>
+        <p:nvCxnSpPr>
+          <p:cNvPr id="39" name="Прямая со стрелкой 38"/>
+          <p:cNvCxnSpPr>
+            <a:cxnSpLocks/>
+            <a:stCxn id="37" idx="2"/>
+          </p:cNvCxnSpPr>
+          <p:nvPr/>
+        </p:nvCxnSpPr>
+        <p:spPr>
+          <a:xfrm>
+            <a:off x="1425146" y="2066900"/>
+            <a:ext cx="2191265" cy="766916"/>
+          </a:xfrm>
+          <a:prstGeom prst="straightConnector1">
+            <a:avLst/>
+          </a:prstGeom>
+          <a:ln w="19050">
+            <a:solidFill>
+              <a:schemeClr val="tx1">
+                <a:lumMod val="95000"/>
+                <a:lumOff val="5000"/>
+              </a:schemeClr>
+            </a:solidFill>
+            <a:tailEnd type="triangle"/>
+          </a:ln>
+        </p:spPr>
+        <p:style>
+          <a:lnRef idx="1">
+            <a:schemeClr val="accent1"/>
+          </a:lnRef>
+          <a:fillRef idx="0">
+            <a:schemeClr val="accent1"/>
+          </a:fillRef>
+          <a:effectRef idx="0">
+            <a:schemeClr val="accent1"/>
+          </a:effectRef>
+          <a:fontRef idx="minor">
+            <a:schemeClr val="tx1"/>
+          </a:fontRef>
+        </p:style>
+      </p:cxnSp>
+      <p:sp>
+        <p:nvSpPr>
+          <p:cNvPr id="34" name="TextBox 33">
+            <a:extLst>
+              <a:ext uri="{FF2B5EF4-FFF2-40B4-BE49-F238E27FC236}">
+                <a16:creationId xmlns:a16="http://schemas.microsoft.com/office/drawing/2014/main" id="{78991951-34D4-4DB6-BDA9-8610850FCD73}"/>
+              </a:ext>
+            </a:extLst>
+          </p:cNvPr>
+          <p:cNvSpPr txBox="1"/>
+          <p:nvPr/>
+        </p:nvSpPr>
+        <p:spPr>
+          <a:xfrm>
+            <a:off x="449655" y="4100232"/>
+            <a:ext cx="1990733" cy="300082"/>
+          </a:xfrm>
+          <a:prstGeom prst="rect">
+            <a:avLst/>
+          </a:prstGeom>
+          <a:noFill/>
+        </p:spPr>
+        <p:txBody>
+          <a:bodyPr wrap="square" rtlCol="0">
+            <a:spAutoFit/>
+          </a:bodyPr>
+          <a:lstStyle/>
+          <a:p>
+            <a:r>
+              <a:rPr lang="ru-RU" sz="1350" dirty="0"/>
+              <a:t>Концентрации веществ</a:t>
+            </a:r>
+          </a:p>
+        </p:txBody>
+      </p:sp>
+      <p:cxnSp>
+        <p:nvCxnSpPr>
+          <p:cNvPr id="35" name="Прямая со стрелкой 34">
+            <a:extLst>
+              <a:ext uri="{FF2B5EF4-FFF2-40B4-BE49-F238E27FC236}">
+                <a16:creationId xmlns:a16="http://schemas.microsoft.com/office/drawing/2014/main" id="{66BD0CC5-A85D-41D7-A576-801A7941C5F8}"/>
+              </a:ext>
+            </a:extLst>
+          </p:cNvPr>
+          <p:cNvCxnSpPr>
+            <a:cxnSpLocks/>
+            <a:stCxn id="34" idx="2"/>
+          </p:cNvCxnSpPr>
+          <p:nvPr/>
+        </p:nvCxnSpPr>
+        <p:spPr>
+          <a:xfrm>
+            <a:off x="1445022" y="4400314"/>
+            <a:ext cx="194649" cy="444921"/>
+          </a:xfrm>
+          <a:prstGeom prst="straightConnector1">
+            <a:avLst/>
+          </a:prstGeom>
+          <a:ln w="19050">
+            <a:solidFill>
+              <a:schemeClr val="tx1">
+                <a:lumMod val="95000"/>
+                <a:lumOff val="5000"/>
+              </a:schemeClr>
+            </a:solidFill>
+            <a:tailEnd type="triangle"/>
+          </a:ln>
+        </p:spPr>
+        <p:style>
+          <a:lnRef idx="1">
+            <a:schemeClr val="accent1"/>
+          </a:lnRef>
+          <a:fillRef idx="0">
+            <a:schemeClr val="accent1"/>
+          </a:fillRef>
+          <a:effectRef idx="0">
+            <a:schemeClr val="accent1"/>
+          </a:effectRef>
+          <a:fontRef idx="minor">
+            <a:schemeClr val="tx1"/>
+          </a:fontRef>
+        </p:style>
+      </p:cxnSp>
+      <p:sp>
+        <p:nvSpPr>
+          <p:cNvPr id="18" name="Стрелка: вверх 17">
+            <a:extLst>
+              <a:ext uri="{FF2B5EF4-FFF2-40B4-BE49-F238E27FC236}">
+                <a16:creationId xmlns:a16="http://schemas.microsoft.com/office/drawing/2014/main" id="{00000000-0008-0000-0000-000008000000}"/>
               </a:ext>
             </a:extLst>
           </p:cNvPr>
@@ -5279,8 +6667,8 @@
         </p:nvSpPr>
         <p:spPr>
           <a:xfrm>
-            <a:off x="8749263" y="665378"/>
-            <a:ext cx="394737" cy="1680754"/>
+            <a:off x="8701703" y="1057083"/>
+            <a:ext cx="442297" cy="1883260"/>
           </a:xfrm>
           <a:prstGeom prst="upArrow">
             <a:avLst/>
@@ -5417,10 +6805,10 @@
       </p:sp>
       <p:sp>
         <p:nvSpPr>
-          <p:cNvPr id="2" name="Заголовок 1">
-            <a:extLst>
-              <a:ext uri="{FF2B5EF4-FFF2-40B4-BE49-F238E27FC236}">
-                <a16:creationId xmlns:a16="http://schemas.microsoft.com/office/drawing/2014/main" id="{5750857A-B71A-4E37-8E27-044C598B12B5}"/>
+          <p:cNvPr id="11" name="Заголовок 10">
+            <a:extLst>
+              <a:ext uri="{FF2B5EF4-FFF2-40B4-BE49-F238E27FC236}">
+                <a16:creationId xmlns:a16="http://schemas.microsoft.com/office/drawing/2014/main" id="{56E87C3A-473A-4420-9282-E1873D063D56}"/>
               </a:ext>
             </a:extLst>
           </p:cNvPr>
@@ -5445,24 +6833,16 @@
               <a:t>Ge</a:t>
             </a:r>
             <a:r>
-              <a:rPr lang="ru-RU" b="1" dirty="0"/>
-              <a:t>3</a:t>
-            </a:r>
-            <a:r>
               <a:rPr lang="en-US" b="1" dirty="0"/>
-              <a:t>0</a:t>
+              <a:t>20</a:t>
             </a:r>
             <a:r>
               <a:rPr lang="en-US" dirty="0"/>
               <a:t>Ga</a:t>
             </a:r>
             <a:r>
-              <a:rPr lang="ru-RU" b="1" dirty="0"/>
-              <a:t>1</a:t>
-            </a:r>
-            <a:r>
               <a:rPr lang="en-US" b="1" dirty="0"/>
-              <a:t>0</a:t>
+              <a:t>20</a:t>
             </a:r>
             <a:r>
               <a:rPr lang="en-US" dirty="0"/>
@@ -5472,14 +6852,321 @@
               <a:rPr lang="en-US" b="1" dirty="0"/>
               <a:t>60</a:t>
             </a:r>
+            <a:endParaRPr lang="ru-RU" b="1" dirty="0"/>
+          </a:p>
+        </p:txBody>
+      </p:sp>
+      <p:sp>
+        <p:nvSpPr>
+          <p:cNvPr id="7" name="Номер слайда 6">
+            <a:extLst>
+              <a:ext uri="{FF2B5EF4-FFF2-40B4-BE49-F238E27FC236}">
+                <a16:creationId xmlns:a16="http://schemas.microsoft.com/office/drawing/2014/main" id="{A3164012-125C-4366-978D-BBF703D5D182}"/>
+              </a:ext>
+            </a:extLst>
+          </p:cNvPr>
+          <p:cNvSpPr>
+            <a:spLocks noGrp="1"/>
+          </p:cNvSpPr>
+          <p:nvPr>
+            <p:ph type="sldNum" sz="quarter" idx="12"/>
+          </p:nvPr>
+        </p:nvSpPr>
+        <p:spPr/>
+        <p:txBody>
+          <a:bodyPr/>
+          <a:lstStyle/>
+          <a:p>
+            <a:fld id="{C9EB4E2A-F2F9-42E4-914F-48C9A8B5C503}" type="slidenum">
+              <a:rPr lang="ru-RU" smtClean="0"/>
+              <a:pPr/>
+              <a:t>4</a:t>
+            </a:fld>
             <a:endParaRPr lang="ru-RU" dirty="0"/>
+          </a:p>
+        </p:txBody>
+      </p:sp>
+      <p:sp>
+        <p:nvSpPr>
+          <p:cNvPr id="2" name="TextBox 1">
+            <a:extLst>
+              <a:ext uri="{FF2B5EF4-FFF2-40B4-BE49-F238E27FC236}">
+                <a16:creationId xmlns:a16="http://schemas.microsoft.com/office/drawing/2014/main" id="{CF6649E1-A126-4F27-A43A-FC370984001A}"/>
+              </a:ext>
+            </a:extLst>
+          </p:cNvPr>
+          <p:cNvSpPr txBox="1"/>
+          <p:nvPr/>
+        </p:nvSpPr>
+        <p:spPr>
+          <a:xfrm>
+            <a:off x="3966518" y="1247689"/>
+            <a:ext cx="1495167" cy="584775"/>
+          </a:xfrm>
+          <a:prstGeom prst="rect">
+            <a:avLst/>
+          </a:prstGeom>
+          <a:noFill/>
+        </p:spPr>
+        <p:txBody>
+          <a:bodyPr wrap="square" rtlCol="0">
+            <a:spAutoFit/>
+          </a:bodyPr>
+          <a:lstStyle/>
+          <a:p>
+            <a:r>
+              <a:rPr lang="ru-RU" sz="1600" b="1" dirty="0"/>
+              <a:t>Стеклование</a:t>
+            </a:r>
+            <a:endParaRPr lang="en-US" sz="1600" b="1" dirty="0"/>
+          </a:p>
+          <a:p>
+            <a:r>
+              <a:rPr lang="en-US" sz="1600" b="1" dirty="0"/>
+              <a:t>570</a:t>
+            </a:r>
+            <a:r>
+              <a:rPr lang="ru-RU" sz="1600" b="1" dirty="0"/>
+              <a:t> – </a:t>
+            </a:r>
+            <a:r>
+              <a:rPr lang="en-US" sz="1600" b="1" dirty="0"/>
+              <a:t>610</a:t>
+            </a:r>
+            <a:r>
+              <a:rPr lang="ru-RU" sz="1600" b="1" dirty="0"/>
+              <a:t> К</a:t>
+            </a:r>
+          </a:p>
+        </p:txBody>
+      </p:sp>
+      <p:sp>
+        <p:nvSpPr>
+          <p:cNvPr id="26" name="TextBox 25">
+            <a:extLst>
+              <a:ext uri="{FF2B5EF4-FFF2-40B4-BE49-F238E27FC236}">
+                <a16:creationId xmlns:a16="http://schemas.microsoft.com/office/drawing/2014/main" id="{39E6D65D-BCC1-4636-8DF1-2638DEF12FCC}"/>
+              </a:ext>
+            </a:extLst>
+          </p:cNvPr>
+          <p:cNvSpPr txBox="1"/>
+          <p:nvPr/>
+        </p:nvSpPr>
+        <p:spPr>
+          <a:xfrm>
+            <a:off x="7268054" y="2163769"/>
+            <a:ext cx="1210962" cy="584775"/>
+          </a:xfrm>
+          <a:prstGeom prst="rect">
+            <a:avLst/>
+          </a:prstGeom>
+          <a:noFill/>
+        </p:spPr>
+        <p:txBody>
+          <a:bodyPr wrap="square" rtlCol="0">
+            <a:spAutoFit/>
+          </a:bodyPr>
+          <a:lstStyle/>
+          <a:p>
+            <a:r>
+              <a:rPr lang="ru-RU" sz="1600" b="1" dirty="0"/>
+              <a:t>Плавление</a:t>
+            </a:r>
+          </a:p>
+          <a:p>
+            <a:r>
+              <a:rPr lang="ru-RU" sz="1600" b="1" dirty="0"/>
+              <a:t>800 – 830 К</a:t>
+            </a:r>
+          </a:p>
+        </p:txBody>
+      </p:sp>
+      <p:cxnSp>
+        <p:nvCxnSpPr>
+          <p:cNvPr id="27" name="Прямая со стрелкой 26">
+            <a:extLst>
+              <a:ext uri="{FF2B5EF4-FFF2-40B4-BE49-F238E27FC236}">
+                <a16:creationId xmlns:a16="http://schemas.microsoft.com/office/drawing/2014/main" id="{8232DC62-DCB3-4B85-B723-33A98A2E66DD}"/>
+              </a:ext>
+            </a:extLst>
+          </p:cNvPr>
+          <p:cNvCxnSpPr>
+            <a:cxnSpLocks/>
+            <a:stCxn id="26" idx="2"/>
+          </p:cNvCxnSpPr>
+          <p:nvPr/>
+        </p:nvCxnSpPr>
+        <p:spPr>
+          <a:xfrm flipH="1">
+            <a:off x="7117971" y="2748544"/>
+            <a:ext cx="755564" cy="370603"/>
+          </a:xfrm>
+          <a:prstGeom prst="straightConnector1">
+            <a:avLst/>
+          </a:prstGeom>
+          <a:ln w="19050">
+            <a:solidFill>
+              <a:schemeClr val="tx1">
+                <a:lumMod val="95000"/>
+                <a:lumOff val="5000"/>
+              </a:schemeClr>
+            </a:solidFill>
+            <a:tailEnd type="triangle"/>
+          </a:ln>
+        </p:spPr>
+        <p:style>
+          <a:lnRef idx="1">
+            <a:schemeClr val="accent1"/>
+          </a:lnRef>
+          <a:fillRef idx="0">
+            <a:schemeClr val="accent1"/>
+          </a:fillRef>
+          <a:effectRef idx="0">
+            <a:schemeClr val="accent1"/>
+          </a:effectRef>
+          <a:fontRef idx="minor">
+            <a:schemeClr val="tx1"/>
+          </a:fontRef>
+        </p:style>
+      </p:cxnSp>
+      <p:cxnSp>
+        <p:nvCxnSpPr>
+          <p:cNvPr id="28" name="Прямая со стрелкой 27">
+            <a:extLst>
+              <a:ext uri="{FF2B5EF4-FFF2-40B4-BE49-F238E27FC236}">
+                <a16:creationId xmlns:a16="http://schemas.microsoft.com/office/drawing/2014/main" id="{4B4F2710-3185-42E8-A0BD-0483FC4B599D}"/>
+              </a:ext>
+            </a:extLst>
+          </p:cNvPr>
+          <p:cNvCxnSpPr>
+            <a:cxnSpLocks/>
+            <a:stCxn id="2" idx="2"/>
+          </p:cNvCxnSpPr>
+          <p:nvPr/>
+        </p:nvCxnSpPr>
+        <p:spPr>
+          <a:xfrm flipH="1">
+            <a:off x="3774910" y="1832464"/>
+            <a:ext cx="939192" cy="331305"/>
+          </a:xfrm>
+          <a:prstGeom prst="straightConnector1">
+            <a:avLst/>
+          </a:prstGeom>
+          <a:ln w="19050">
+            <a:solidFill>
+              <a:schemeClr val="tx1">
+                <a:lumMod val="95000"/>
+                <a:lumOff val="5000"/>
+              </a:schemeClr>
+            </a:solidFill>
+            <a:tailEnd type="triangle"/>
+          </a:ln>
+        </p:spPr>
+        <p:style>
+          <a:lnRef idx="1">
+            <a:schemeClr val="accent1"/>
+          </a:lnRef>
+          <a:fillRef idx="0">
+            <a:schemeClr val="accent1"/>
+          </a:fillRef>
+          <a:effectRef idx="0">
+            <a:schemeClr val="accent1"/>
+          </a:effectRef>
+          <a:fontRef idx="minor">
+            <a:schemeClr val="tx1"/>
+          </a:fontRef>
+        </p:style>
+      </p:cxnSp>
+      <p:pic>
+        <p:nvPicPr>
+          <p:cNvPr id="38" name="Рисунок 37">
+            <a:extLst>
+              <a:ext uri="{FF2B5EF4-FFF2-40B4-BE49-F238E27FC236}">
+                <a16:creationId xmlns:a16="http://schemas.microsoft.com/office/drawing/2014/main" id="{B9E3C2A5-EEA4-4C73-91EA-1EFC6293276B}"/>
+              </a:ext>
+            </a:extLst>
+          </p:cNvPr>
+          <p:cNvPicPr>
+            <a:picLocks noChangeAspect="1"/>
+          </p:cNvPicPr>
+          <p:nvPr/>
+        </p:nvPicPr>
+        <p:blipFill>
+          <a:blip r:embed="rId4" cstate="print">
+            <a:extLst>
+              <a:ext uri="{28A0092B-C50C-407E-A947-70E740481C1C}">
+                <a14:useLocalDpi xmlns:a14="http://schemas.microsoft.com/office/drawing/2010/main" val="0"/>
+              </a:ext>
+            </a:extLst>
+          </a:blip>
+          <a:stretch>
+            <a:fillRect/>
+          </a:stretch>
+        </p:blipFill>
+        <p:spPr>
+          <a:xfrm>
+            <a:off x="0" y="4915117"/>
+            <a:ext cx="1849628" cy="1932257"/>
+          </a:xfrm>
+          <a:prstGeom prst="rect">
+            <a:avLst/>
+          </a:prstGeom>
+        </p:spPr>
+      </p:pic>
+      <p:sp>
+        <p:nvSpPr>
+          <p:cNvPr id="40" name="Прямоугольник 39">
+            <a:extLst>
+              <a:ext uri="{FF2B5EF4-FFF2-40B4-BE49-F238E27FC236}">
+                <a16:creationId xmlns:a16="http://schemas.microsoft.com/office/drawing/2014/main" id="{9E5D073D-56D2-4658-AE16-86D4A88DBA36}"/>
+              </a:ext>
+            </a:extLst>
+          </p:cNvPr>
+          <p:cNvSpPr/>
+          <p:nvPr/>
+        </p:nvSpPr>
+        <p:spPr>
+          <a:xfrm>
+            <a:off x="-387179" y="706158"/>
+            <a:ext cx="10585621" cy="296267"/>
+          </a:xfrm>
+          <a:prstGeom prst="rect">
+            <a:avLst/>
+          </a:prstGeom>
+          <a:noFill/>
+          <a:ln>
+            <a:noFill/>
+          </a:ln>
+        </p:spPr>
+        <p:style>
+          <a:lnRef idx="2">
+            <a:schemeClr val="accent1">
+              <a:shade val="50000"/>
+            </a:schemeClr>
+          </a:lnRef>
+          <a:fillRef idx="1">
+            <a:schemeClr val="accent1"/>
+          </a:fillRef>
+          <a:effectRef idx="0">
+            <a:schemeClr val="accent1"/>
+          </a:effectRef>
+          <a:fontRef idx="minor">
+            <a:schemeClr val="lt1"/>
+          </a:fontRef>
+        </p:style>
+        <p:txBody>
+          <a:bodyPr rtlCol="0" anchor="ctr"/>
+          <a:lstStyle/>
+          <a:p>
+            <a:pPr algn="ctr"/>
+            <a:endParaRPr lang="ru-RU"/>
           </a:p>
         </p:txBody>
       </p:sp>
     </p:spTree>
     <p:extLst>
       <p:ext uri="{BB962C8B-B14F-4D97-AF65-F5344CB8AC3E}">
-        <p14:creationId xmlns:p14="http://schemas.microsoft.com/office/powerpoint/2010/main" val="2529331404"/>
+        <p14:creationId xmlns:p14="http://schemas.microsoft.com/office/powerpoint/2010/main" val="1225584567"/>
       </p:ext>
     </p:extLst>
   </p:cSld>
@@ -5489,7 +7176,7 @@
 </p:sld>
 </file>
 
-<file path=ppt/slides/slide11.xml><?xml version="1.0" encoding="utf-8"?>
+<file path=ppt/slides/slide5.xml><?xml version="1.0" encoding="utf-8"?>
 <p:sld xmlns:a="http://schemas.openxmlformats.org/drawingml/2006/main" xmlns:r="http://schemas.openxmlformats.org/officeDocument/2006/relationships" xmlns:p="http://schemas.openxmlformats.org/presentationml/2006/main">
   <p:cSld>
     <p:spTree>
@@ -5506,12 +7193,1730 @@
           <a:chExt cx="0" cy="0"/>
         </a:xfrm>
       </p:grpSpPr>
-      <p:sp>
-        <p:nvSpPr>
-          <p:cNvPr id="28" name="Стрелка: вверх 27">
-            <a:extLst>
-              <a:ext uri="{FF2B5EF4-FFF2-40B4-BE49-F238E27FC236}">
-                <a16:creationId xmlns:a16="http://schemas.microsoft.com/office/drawing/2014/main" id="{7490B723-B5DC-42AA-872B-EBDCB292AF84}"/>
+      <p:pic>
+        <p:nvPicPr>
+          <p:cNvPr id="39" name="Рисунок 38">
+            <a:extLst>
+              <a:ext uri="{FF2B5EF4-FFF2-40B4-BE49-F238E27FC236}">
+                <a16:creationId xmlns:a16="http://schemas.microsoft.com/office/drawing/2014/main" id="{AEAC9ADE-6A7B-4C09-8583-84273E0C5E34}"/>
+              </a:ext>
+            </a:extLst>
+          </p:cNvPr>
+          <p:cNvPicPr>
+            <a:picLocks noChangeAspect="1"/>
+          </p:cNvPicPr>
+          <p:nvPr/>
+        </p:nvPicPr>
+        <p:blipFill>
+          <a:blip r:embed="rId3">
+            <a:extLst>
+              <a:ext uri="{28A0092B-C50C-407E-A947-70E740481C1C}">
+                <a14:useLocalDpi xmlns:a14="http://schemas.microsoft.com/office/drawing/2010/main" val="0"/>
+              </a:ext>
+            </a:extLst>
+          </a:blip>
+          <a:stretch>
+            <a:fillRect/>
+          </a:stretch>
+        </p:blipFill>
+        <p:spPr>
+          <a:xfrm>
+            <a:off x="-7930" y="1029153"/>
+            <a:ext cx="2507421" cy="2614943"/>
+          </a:xfrm>
+          <a:prstGeom prst="rect">
+            <a:avLst/>
+          </a:prstGeom>
+        </p:spPr>
+      </p:pic>
+      <p:pic>
+        <p:nvPicPr>
+          <p:cNvPr id="22" name="Рисунок 21">
+            <a:extLst>
+              <a:ext uri="{FF2B5EF4-FFF2-40B4-BE49-F238E27FC236}">
+                <a16:creationId xmlns:a16="http://schemas.microsoft.com/office/drawing/2014/main" id="{C534D222-7EAE-4A01-AC43-DD8F45E0E80D}"/>
+              </a:ext>
+            </a:extLst>
+          </p:cNvPr>
+          <p:cNvPicPr>
+            <a:picLocks noChangeAspect="1"/>
+          </p:cNvPicPr>
+          <p:nvPr/>
+        </p:nvPicPr>
+        <p:blipFill>
+          <a:blip r:embed="rId4">
+            <a:extLst>
+              <a:ext uri="{28A0092B-C50C-407E-A947-70E740481C1C}">
+                <a14:useLocalDpi xmlns:a14="http://schemas.microsoft.com/office/drawing/2010/main" val="0"/>
+              </a:ext>
+            </a:extLst>
+          </a:blip>
+          <a:stretch>
+            <a:fillRect/>
+          </a:stretch>
+        </p:blipFill>
+        <p:spPr>
+          <a:xfrm>
+            <a:off x="2463745" y="1029153"/>
+            <a:ext cx="2503120" cy="2614943"/>
+          </a:xfrm>
+          <a:prstGeom prst="rect">
+            <a:avLst/>
+          </a:prstGeom>
+        </p:spPr>
+      </p:pic>
+      <p:pic>
+        <p:nvPicPr>
+          <p:cNvPr id="26" name="Рисунок 25">
+            <a:extLst>
+              <a:ext uri="{FF2B5EF4-FFF2-40B4-BE49-F238E27FC236}">
+                <a16:creationId xmlns:a16="http://schemas.microsoft.com/office/drawing/2014/main" id="{55C60E96-0713-491A-B69D-B1460ADDDB19}"/>
+              </a:ext>
+            </a:extLst>
+          </p:cNvPr>
+          <p:cNvPicPr>
+            <a:picLocks noChangeAspect="1"/>
+          </p:cNvPicPr>
+          <p:nvPr/>
+        </p:nvPicPr>
+        <p:blipFill>
+          <a:blip r:embed="rId5">
+            <a:extLst>
+              <a:ext uri="{28A0092B-C50C-407E-A947-70E740481C1C}">
+                <a14:useLocalDpi xmlns:a14="http://schemas.microsoft.com/office/drawing/2010/main" val="0"/>
+              </a:ext>
+            </a:extLst>
+          </a:blip>
+          <a:stretch>
+            <a:fillRect/>
+          </a:stretch>
+        </p:blipFill>
+        <p:spPr>
+          <a:xfrm>
+            <a:off x="4966865" y="4079951"/>
+            <a:ext cx="2535701" cy="2648979"/>
+          </a:xfrm>
+          <a:prstGeom prst="rect">
+            <a:avLst/>
+          </a:prstGeom>
+        </p:spPr>
+      </p:pic>
+      <p:pic>
+        <p:nvPicPr>
+          <p:cNvPr id="41" name="Рисунок 40">
+            <a:extLst>
+              <a:ext uri="{FF2B5EF4-FFF2-40B4-BE49-F238E27FC236}">
+                <a16:creationId xmlns:a16="http://schemas.microsoft.com/office/drawing/2014/main" id="{3EF73D9B-4780-4430-A747-2C8FCA8EA64A}"/>
+              </a:ext>
+            </a:extLst>
+          </p:cNvPr>
+          <p:cNvPicPr>
+            <a:picLocks noChangeAspect="1"/>
+          </p:cNvPicPr>
+          <p:nvPr/>
+        </p:nvPicPr>
+        <p:blipFill>
+          <a:blip r:embed="rId6">
+            <a:extLst>
+              <a:ext uri="{28A0092B-C50C-407E-A947-70E740481C1C}">
+                <a14:useLocalDpi xmlns:a14="http://schemas.microsoft.com/office/drawing/2010/main" val="0"/>
+              </a:ext>
+            </a:extLst>
+          </a:blip>
+          <a:stretch>
+            <a:fillRect/>
+          </a:stretch>
+        </p:blipFill>
+        <p:spPr>
+          <a:xfrm>
+            <a:off x="-9400" y="4075904"/>
+            <a:ext cx="2507243" cy="2614942"/>
+          </a:xfrm>
+          <a:prstGeom prst="rect">
+            <a:avLst/>
+          </a:prstGeom>
+        </p:spPr>
+      </p:pic>
+      <p:pic>
+        <p:nvPicPr>
+          <p:cNvPr id="43" name="Рисунок 42">
+            <a:extLst>
+              <a:ext uri="{FF2B5EF4-FFF2-40B4-BE49-F238E27FC236}">
+                <a16:creationId xmlns:a16="http://schemas.microsoft.com/office/drawing/2014/main" id="{92F11687-BBD5-4FC2-BBBE-F380BE289548}"/>
+              </a:ext>
+            </a:extLst>
+          </p:cNvPr>
+          <p:cNvPicPr>
+            <a:picLocks noChangeAspect="1"/>
+          </p:cNvPicPr>
+          <p:nvPr/>
+        </p:nvPicPr>
+        <p:blipFill>
+          <a:blip r:embed="rId7">
+            <a:extLst>
+              <a:ext uri="{28A0092B-C50C-407E-A947-70E740481C1C}">
+                <a14:useLocalDpi xmlns:a14="http://schemas.microsoft.com/office/drawing/2010/main" val="0"/>
+              </a:ext>
+            </a:extLst>
+          </a:blip>
+          <a:stretch>
+            <a:fillRect/>
+          </a:stretch>
+        </p:blipFill>
+        <p:spPr>
+          <a:xfrm>
+            <a:off x="2497843" y="4075904"/>
+            <a:ext cx="2507244" cy="2614942"/>
+          </a:xfrm>
+          <a:prstGeom prst="rect">
+            <a:avLst/>
+          </a:prstGeom>
+        </p:spPr>
+      </p:pic>
+      <p:pic>
+        <p:nvPicPr>
+          <p:cNvPr id="45" name="Рисунок 44">
+            <a:extLst>
+              <a:ext uri="{FF2B5EF4-FFF2-40B4-BE49-F238E27FC236}">
+                <a16:creationId xmlns:a16="http://schemas.microsoft.com/office/drawing/2014/main" id="{B56C3D41-0C22-4B7B-B018-4D873AEBCA19}"/>
+              </a:ext>
+            </a:extLst>
+          </p:cNvPr>
+          <p:cNvPicPr>
+            <a:picLocks noChangeAspect="1"/>
+          </p:cNvPicPr>
+          <p:nvPr/>
+        </p:nvPicPr>
+        <p:blipFill>
+          <a:blip r:embed="rId8">
+            <a:extLst>
+              <a:ext uri="{28A0092B-C50C-407E-A947-70E740481C1C}">
+                <a14:useLocalDpi xmlns:a14="http://schemas.microsoft.com/office/drawing/2010/main" val="0"/>
+              </a:ext>
+            </a:extLst>
+          </a:blip>
+          <a:stretch>
+            <a:fillRect/>
+          </a:stretch>
+        </p:blipFill>
+        <p:spPr>
+          <a:xfrm>
+            <a:off x="4968608" y="1029153"/>
+            <a:ext cx="2503120" cy="2614943"/>
+          </a:xfrm>
+          <a:prstGeom prst="rect">
+            <a:avLst/>
+          </a:prstGeom>
+        </p:spPr>
+      </p:pic>
+      <p:sp>
+        <p:nvSpPr>
+          <p:cNvPr id="30" name="TextBox 29">
+            <a:extLst>
+              <a:ext uri="{FF2B5EF4-FFF2-40B4-BE49-F238E27FC236}">
+                <a16:creationId xmlns:a16="http://schemas.microsoft.com/office/drawing/2014/main" id="{05618D3D-5E49-4C0A-8EA0-B5E6FCB5A374}"/>
+              </a:ext>
+            </a:extLst>
+          </p:cNvPr>
+          <p:cNvSpPr txBox="1"/>
+          <p:nvPr/>
+        </p:nvSpPr>
+        <p:spPr>
+          <a:xfrm>
+            <a:off x="5149024" y="3731264"/>
+            <a:ext cx="1720823" cy="300082"/>
+          </a:xfrm>
+          <a:prstGeom prst="rect">
+            <a:avLst/>
+          </a:prstGeom>
+          <a:noFill/>
+        </p:spPr>
+        <p:txBody>
+          <a:bodyPr wrap="square" rtlCol="0">
+            <a:spAutoFit/>
+          </a:bodyPr>
+          <a:lstStyle/>
+          <a:p>
+            <a:pPr algn="ctr"/>
+            <a:r>
+              <a:rPr lang="ru-RU" sz="1350" dirty="0"/>
+              <a:t>Твердый раствор </a:t>
+            </a:r>
+            <a:r>
+              <a:rPr lang="en-US" sz="1350" dirty="0"/>
+              <a:t>Se</a:t>
+            </a:r>
+            <a:endParaRPr lang="ru-RU" sz="1350" dirty="0"/>
+          </a:p>
+        </p:txBody>
+      </p:sp>
+      <p:sp>
+        <p:nvSpPr>
+          <p:cNvPr id="31" name="TextBox 30">
+            <a:extLst>
+              <a:ext uri="{FF2B5EF4-FFF2-40B4-BE49-F238E27FC236}">
+                <a16:creationId xmlns:a16="http://schemas.microsoft.com/office/drawing/2014/main" id="{46EE54A3-F0F0-42B4-BBEA-66201E13580E}"/>
+              </a:ext>
+            </a:extLst>
+          </p:cNvPr>
+          <p:cNvSpPr txBox="1"/>
+          <p:nvPr/>
+        </p:nvSpPr>
+        <p:spPr>
+          <a:xfrm>
+            <a:off x="5465045" y="1874199"/>
+            <a:ext cx="1166566" cy="507831"/>
+          </a:xfrm>
+          <a:prstGeom prst="rect">
+            <a:avLst/>
+          </a:prstGeom>
+          <a:noFill/>
+        </p:spPr>
+        <p:txBody>
+          <a:bodyPr wrap="square" rtlCol="0">
+            <a:spAutoFit/>
+          </a:bodyPr>
+          <a:lstStyle/>
+          <a:p>
+            <a:pPr algn="ctr"/>
+            <a:r>
+              <a:rPr lang="ru-RU" sz="1350" dirty="0"/>
+              <a:t>Отдельная фаза </a:t>
+            </a:r>
+            <a:r>
+              <a:rPr lang="en-US" sz="1350" dirty="0"/>
+              <a:t>Se</a:t>
+            </a:r>
+            <a:endParaRPr lang="ru-RU" sz="1350" dirty="0"/>
+          </a:p>
+        </p:txBody>
+      </p:sp>
+      <p:cxnSp>
+        <p:nvCxnSpPr>
+          <p:cNvPr id="32" name="Прямая со стрелкой 31">
+            <a:extLst>
+              <a:ext uri="{FF2B5EF4-FFF2-40B4-BE49-F238E27FC236}">
+                <a16:creationId xmlns:a16="http://schemas.microsoft.com/office/drawing/2014/main" id="{8E2AE812-4C2E-4285-8248-09E5E5E8A6C8}"/>
+              </a:ext>
+            </a:extLst>
+          </p:cNvPr>
+          <p:cNvCxnSpPr>
+            <a:cxnSpLocks/>
+            <a:stCxn id="30" idx="0"/>
+          </p:cNvCxnSpPr>
+          <p:nvPr/>
+        </p:nvCxnSpPr>
+        <p:spPr>
+          <a:xfrm flipH="1" flipV="1">
+            <a:off x="5750905" y="2659054"/>
+            <a:ext cx="258531" cy="1072210"/>
+          </a:xfrm>
+          <a:prstGeom prst="straightConnector1">
+            <a:avLst/>
+          </a:prstGeom>
+          <a:ln w="19050">
+            <a:solidFill>
+              <a:schemeClr val="tx1">
+                <a:lumMod val="95000"/>
+                <a:lumOff val="5000"/>
+              </a:schemeClr>
+            </a:solidFill>
+            <a:tailEnd type="triangle"/>
+          </a:ln>
+        </p:spPr>
+        <p:style>
+          <a:lnRef idx="1">
+            <a:schemeClr val="accent1"/>
+          </a:lnRef>
+          <a:fillRef idx="0">
+            <a:schemeClr val="accent1"/>
+          </a:fillRef>
+          <a:effectRef idx="0">
+            <a:schemeClr val="accent1"/>
+          </a:effectRef>
+          <a:fontRef idx="minor">
+            <a:schemeClr val="tx1"/>
+          </a:fontRef>
+        </p:style>
+      </p:cxnSp>
+      <p:cxnSp>
+        <p:nvCxnSpPr>
+          <p:cNvPr id="33" name="Прямая со стрелкой 32">
+            <a:extLst>
+              <a:ext uri="{FF2B5EF4-FFF2-40B4-BE49-F238E27FC236}">
+                <a16:creationId xmlns:a16="http://schemas.microsoft.com/office/drawing/2014/main" id="{85C2CA74-486F-4BBE-AEF3-9F54D1044FB1}"/>
+              </a:ext>
+            </a:extLst>
+          </p:cNvPr>
+          <p:cNvCxnSpPr>
+            <a:cxnSpLocks/>
+            <a:stCxn id="31" idx="2"/>
+          </p:cNvCxnSpPr>
+          <p:nvPr/>
+        </p:nvCxnSpPr>
+        <p:spPr>
+          <a:xfrm flipH="1">
+            <a:off x="6009435" y="2382030"/>
+            <a:ext cx="38893" cy="277024"/>
+          </a:xfrm>
+          <a:prstGeom prst="straightConnector1">
+            <a:avLst/>
+          </a:prstGeom>
+          <a:ln w="19050">
+            <a:solidFill>
+              <a:schemeClr val="tx1">
+                <a:lumMod val="95000"/>
+                <a:lumOff val="5000"/>
+              </a:schemeClr>
+            </a:solidFill>
+            <a:tailEnd type="triangle"/>
+          </a:ln>
+        </p:spPr>
+        <p:style>
+          <a:lnRef idx="1">
+            <a:schemeClr val="accent1"/>
+          </a:lnRef>
+          <a:fillRef idx="0">
+            <a:schemeClr val="accent1"/>
+          </a:fillRef>
+          <a:effectRef idx="0">
+            <a:schemeClr val="accent1"/>
+          </a:effectRef>
+          <a:fontRef idx="minor">
+            <a:schemeClr val="tx1"/>
+          </a:fontRef>
+        </p:style>
+      </p:cxnSp>
+      <p:sp>
+        <p:nvSpPr>
+          <p:cNvPr id="34" name="TextBox 33">
+            <a:extLst>
+              <a:ext uri="{FF2B5EF4-FFF2-40B4-BE49-F238E27FC236}">
+                <a16:creationId xmlns:a16="http://schemas.microsoft.com/office/drawing/2014/main" id="{D2836136-0FF9-4EEA-A8FE-C08A7F21F67D}"/>
+              </a:ext>
+            </a:extLst>
+          </p:cNvPr>
+          <p:cNvSpPr txBox="1"/>
+          <p:nvPr/>
+        </p:nvSpPr>
+        <p:spPr>
+          <a:xfrm>
+            <a:off x="7420762" y="2364326"/>
+            <a:ext cx="1720823" cy="507831"/>
+          </a:xfrm>
+          <a:prstGeom prst="rect">
+            <a:avLst/>
+          </a:prstGeom>
+          <a:noFill/>
+        </p:spPr>
+        <p:txBody>
+          <a:bodyPr wrap="square" rtlCol="0">
+            <a:spAutoFit/>
+          </a:bodyPr>
+          <a:lstStyle/>
+          <a:p>
+            <a:pPr algn="ctr"/>
+            <a:r>
+              <a:rPr lang="ru-RU" sz="1350" dirty="0"/>
+              <a:t>Область превращения</a:t>
+            </a:r>
+          </a:p>
+        </p:txBody>
+      </p:sp>
+      <p:cxnSp>
+        <p:nvCxnSpPr>
+          <p:cNvPr id="35" name="Прямая со стрелкой 34">
+            <a:extLst>
+              <a:ext uri="{FF2B5EF4-FFF2-40B4-BE49-F238E27FC236}">
+                <a16:creationId xmlns:a16="http://schemas.microsoft.com/office/drawing/2014/main" id="{EC443A1C-9F12-4932-B315-B068F6803250}"/>
+              </a:ext>
+            </a:extLst>
+          </p:cNvPr>
+          <p:cNvCxnSpPr>
+            <a:cxnSpLocks/>
+            <a:stCxn id="34" idx="2"/>
+          </p:cNvCxnSpPr>
+          <p:nvPr/>
+        </p:nvCxnSpPr>
+        <p:spPr>
+          <a:xfrm flipH="1">
+            <a:off x="7050262" y="2872157"/>
+            <a:ext cx="1230912" cy="584528"/>
+          </a:xfrm>
+          <a:prstGeom prst="straightConnector1">
+            <a:avLst/>
+          </a:prstGeom>
+          <a:ln w="19050">
+            <a:solidFill>
+              <a:schemeClr val="tx1">
+                <a:lumMod val="95000"/>
+                <a:lumOff val="5000"/>
+              </a:schemeClr>
+            </a:solidFill>
+            <a:tailEnd type="triangle"/>
+          </a:ln>
+        </p:spPr>
+        <p:style>
+          <a:lnRef idx="1">
+            <a:schemeClr val="accent1"/>
+          </a:lnRef>
+          <a:fillRef idx="0">
+            <a:schemeClr val="accent1"/>
+          </a:fillRef>
+          <a:effectRef idx="0">
+            <a:schemeClr val="accent1"/>
+          </a:effectRef>
+          <a:fontRef idx="minor">
+            <a:schemeClr val="tx1"/>
+          </a:fontRef>
+        </p:style>
+      </p:cxnSp>
+      <p:sp>
+        <p:nvSpPr>
+          <p:cNvPr id="4" name="Заголовок 3">
+            <a:extLst>
+              <a:ext uri="{FF2B5EF4-FFF2-40B4-BE49-F238E27FC236}">
+                <a16:creationId xmlns:a16="http://schemas.microsoft.com/office/drawing/2014/main" id="{7EBF13C3-C8D8-40F4-B230-E941B9CDF0FA}"/>
+              </a:ext>
+            </a:extLst>
+          </p:cNvPr>
+          <p:cNvSpPr>
+            <a:spLocks noGrp="1"/>
+          </p:cNvSpPr>
+          <p:nvPr>
+            <p:ph type="title"/>
+          </p:nvPr>
+        </p:nvSpPr>
+        <p:spPr/>
+        <p:txBody>
+          <a:bodyPr>
+            <a:normAutofit/>
+          </a:bodyPr>
+          <a:lstStyle/>
+          <a:p>
+            <a:r>
+              <a:rPr lang="ru-RU" dirty="0"/>
+              <a:t>РЕЗУЛЬТАТ РАСЧЕТА ЭНЕРГИИ ГИББСА ХИМИЧЕСКИХ КОМПОНЕНТОВ И ИХ СОЕДИНЕНИЙ</a:t>
+            </a:r>
+          </a:p>
+        </p:txBody>
+      </p:sp>
+      <p:sp>
+        <p:nvSpPr>
+          <p:cNvPr id="6" name="Номер слайда 5">
+            <a:extLst>
+              <a:ext uri="{FF2B5EF4-FFF2-40B4-BE49-F238E27FC236}">
+                <a16:creationId xmlns:a16="http://schemas.microsoft.com/office/drawing/2014/main" id="{A710E53C-ADC9-4454-80C5-CE6EB8F310E2}"/>
+              </a:ext>
+            </a:extLst>
+          </p:cNvPr>
+          <p:cNvSpPr>
+            <a:spLocks noGrp="1"/>
+          </p:cNvSpPr>
+          <p:nvPr>
+            <p:ph type="sldNum" sz="quarter" idx="12"/>
+          </p:nvPr>
+        </p:nvSpPr>
+        <p:spPr>
+          <a:xfrm>
+            <a:off x="7086600" y="6325721"/>
+            <a:ext cx="2057400" cy="365125"/>
+          </a:xfrm>
+        </p:spPr>
+        <p:txBody>
+          <a:bodyPr/>
+          <a:lstStyle/>
+          <a:p>
+            <a:fld id="{C9EB4E2A-F2F9-42E4-914F-48C9A8B5C503}" type="slidenum">
+              <a:rPr lang="ru-RU" smtClean="0"/>
+              <a:pPr/>
+              <a:t>5</a:t>
+            </a:fld>
+            <a:endParaRPr lang="ru-RU" dirty="0"/>
+          </a:p>
+        </p:txBody>
+      </p:sp>
+      <p:sp>
+        <p:nvSpPr>
+          <p:cNvPr id="53" name="TextBox 52">
+            <a:extLst>
+              <a:ext uri="{FF2B5EF4-FFF2-40B4-BE49-F238E27FC236}">
+                <a16:creationId xmlns:a16="http://schemas.microsoft.com/office/drawing/2014/main" id="{673E01CD-052A-451C-B891-ACDC76C083EE}"/>
+              </a:ext>
+            </a:extLst>
+          </p:cNvPr>
+          <p:cNvSpPr txBox="1"/>
+          <p:nvPr/>
+        </p:nvSpPr>
+        <p:spPr>
+          <a:xfrm>
+            <a:off x="7624045" y="1153630"/>
+            <a:ext cx="1166566" cy="507831"/>
+          </a:xfrm>
+          <a:prstGeom prst="rect">
+            <a:avLst/>
+          </a:prstGeom>
+          <a:noFill/>
+        </p:spPr>
+        <p:txBody>
+          <a:bodyPr wrap="square" rtlCol="0">
+            <a:spAutoFit/>
+          </a:bodyPr>
+          <a:lstStyle/>
+          <a:p>
+            <a:pPr algn="ctr"/>
+            <a:r>
+              <a:rPr lang="ru-RU" sz="1350" dirty="0"/>
+              <a:t>Жидкий раствор </a:t>
+            </a:r>
+            <a:r>
+              <a:rPr lang="en-US" sz="1350" dirty="0"/>
+              <a:t>Se</a:t>
+            </a:r>
+            <a:endParaRPr lang="ru-RU" sz="1350" dirty="0"/>
+          </a:p>
+        </p:txBody>
+      </p:sp>
+      <p:cxnSp>
+        <p:nvCxnSpPr>
+          <p:cNvPr id="54" name="Прямая со стрелкой 53">
+            <a:extLst>
+              <a:ext uri="{FF2B5EF4-FFF2-40B4-BE49-F238E27FC236}">
+                <a16:creationId xmlns:a16="http://schemas.microsoft.com/office/drawing/2014/main" id="{92AEFA15-4A44-437C-9A99-45A7E61839D9}"/>
+              </a:ext>
+            </a:extLst>
+          </p:cNvPr>
+          <p:cNvCxnSpPr>
+            <a:cxnSpLocks/>
+            <a:stCxn id="53" idx="2"/>
+          </p:cNvCxnSpPr>
+          <p:nvPr/>
+        </p:nvCxnSpPr>
+        <p:spPr>
+          <a:xfrm flipH="1">
+            <a:off x="7316185" y="1661461"/>
+            <a:ext cx="891143" cy="99774"/>
+          </a:xfrm>
+          <a:prstGeom prst="straightConnector1">
+            <a:avLst/>
+          </a:prstGeom>
+          <a:ln w="19050">
+            <a:solidFill>
+              <a:schemeClr val="tx1">
+                <a:lumMod val="95000"/>
+                <a:lumOff val="5000"/>
+              </a:schemeClr>
+            </a:solidFill>
+            <a:tailEnd type="triangle"/>
+          </a:ln>
+        </p:spPr>
+        <p:style>
+          <a:lnRef idx="1">
+            <a:schemeClr val="accent1"/>
+          </a:lnRef>
+          <a:fillRef idx="0">
+            <a:schemeClr val="accent1"/>
+          </a:fillRef>
+          <a:effectRef idx="0">
+            <a:schemeClr val="accent1"/>
+          </a:effectRef>
+          <a:fontRef idx="minor">
+            <a:schemeClr val="tx1"/>
+          </a:fontRef>
+        </p:style>
+      </p:cxnSp>
+    </p:spTree>
+    <p:extLst>
+      <p:ext uri="{BB962C8B-B14F-4D97-AF65-F5344CB8AC3E}">
+        <p14:creationId xmlns:p14="http://schemas.microsoft.com/office/powerpoint/2010/main" val="62298568"/>
+      </p:ext>
+    </p:extLst>
+  </p:cSld>
+  <p:clrMapOvr>
+    <a:masterClrMapping/>
+  </p:clrMapOvr>
+</p:sld>
+</file>
+
+<file path=ppt/slides/slide6.xml><?xml version="1.0" encoding="utf-8"?>
+<p:sld xmlns:a="http://schemas.openxmlformats.org/drawingml/2006/main" xmlns:r="http://schemas.openxmlformats.org/officeDocument/2006/relationships" xmlns:p="http://schemas.openxmlformats.org/presentationml/2006/main">
+  <p:cSld>
+    <p:spTree>
+      <p:nvGrpSpPr>
+        <p:cNvPr id="1" name=""/>
+        <p:cNvGrpSpPr/>
+        <p:nvPr/>
+      </p:nvGrpSpPr>
+      <p:grpSpPr>
+        <a:xfrm>
+          <a:off x="0" y="0"/>
+          <a:ext cx="0" cy="0"/>
+          <a:chOff x="0" y="0"/>
+          <a:chExt cx="0" cy="0"/>
+        </a:xfrm>
+      </p:grpSpPr>
+      <p:sp>
+        <p:nvSpPr>
+          <p:cNvPr id="6" name="Заголовок 5">
+            <a:extLst>
+              <a:ext uri="{FF2B5EF4-FFF2-40B4-BE49-F238E27FC236}">
+                <a16:creationId xmlns:a16="http://schemas.microsoft.com/office/drawing/2014/main" id="{E469B744-A071-477E-9143-52EFA5678265}"/>
+              </a:ext>
+            </a:extLst>
+          </p:cNvPr>
+          <p:cNvSpPr>
+            <a:spLocks noGrp="1"/>
+          </p:cNvSpPr>
+          <p:nvPr>
+            <p:ph type="title"/>
+          </p:nvPr>
+        </p:nvSpPr>
+        <p:spPr/>
+        <p:txBody>
+          <a:bodyPr>
+            <a:normAutofit/>
+          </a:bodyPr>
+          <a:lstStyle/>
+          <a:p>
+            <a:r>
+              <a:rPr lang="ru-RU" dirty="0"/>
+              <a:t>ИНТЕРВАЛ ТЕМПЕРАТУРЫ </a:t>
+            </a:r>
+            <a:r>
+              <a:rPr lang="ru-RU" u="sng" dirty="0"/>
+              <a:t>570-610 К</a:t>
+            </a:r>
+            <a:br>
+              <a:rPr lang="ru-RU" dirty="0"/>
+            </a:br>
+            <a:r>
+              <a:rPr lang="ru-RU" dirty="0"/>
+              <a:t>РЕЗУЛЬТАТ РАСЧЕТА, ДСК, ЗАВИСИМОСТЬ ЭНЕРГИЙ ГИББСА</a:t>
+            </a:r>
+          </a:p>
+        </p:txBody>
+      </p:sp>
+      <p:sp>
+        <p:nvSpPr>
+          <p:cNvPr id="7" name="Номер слайда 6">
+            <a:extLst>
+              <a:ext uri="{FF2B5EF4-FFF2-40B4-BE49-F238E27FC236}">
+                <a16:creationId xmlns:a16="http://schemas.microsoft.com/office/drawing/2014/main" id="{A3AD1702-E9AC-4A8E-93E2-1A873FE17DC2}"/>
+              </a:ext>
+            </a:extLst>
+          </p:cNvPr>
+          <p:cNvSpPr>
+            <a:spLocks noGrp="1"/>
+          </p:cNvSpPr>
+          <p:nvPr>
+            <p:ph type="sldNum" sz="quarter" idx="12"/>
+          </p:nvPr>
+        </p:nvSpPr>
+        <p:spPr/>
+        <p:txBody>
+          <a:bodyPr/>
+          <a:lstStyle/>
+          <a:p>
+            <a:fld id="{C9EB4E2A-F2F9-42E4-914F-48C9A8B5C503}" type="slidenum">
+              <a:rPr lang="ru-RU" smtClean="0"/>
+              <a:pPr/>
+              <a:t>6</a:t>
+            </a:fld>
+            <a:endParaRPr lang="ru-RU" dirty="0"/>
+          </a:p>
+        </p:txBody>
+      </p:sp>
+      <p:pic>
+        <p:nvPicPr>
+          <p:cNvPr id="8" name="Рисунок 7">
+            <a:extLst>
+              <a:ext uri="{FF2B5EF4-FFF2-40B4-BE49-F238E27FC236}">
+                <a16:creationId xmlns:a16="http://schemas.microsoft.com/office/drawing/2014/main" id="{083EE47E-D49B-49FA-9895-B7E3960F924D}"/>
+              </a:ext>
+            </a:extLst>
+          </p:cNvPr>
+          <p:cNvPicPr>
+            <a:picLocks noChangeAspect="1"/>
+          </p:cNvPicPr>
+          <p:nvPr/>
+        </p:nvPicPr>
+        <p:blipFill>
+          <a:blip r:embed="rId3">
+            <a:extLst>
+              <a:ext uri="{28A0092B-C50C-407E-A947-70E740481C1C}">
+                <a14:useLocalDpi xmlns:a14="http://schemas.microsoft.com/office/drawing/2010/main" val="0"/>
+              </a:ext>
+            </a:extLst>
+          </a:blip>
+          <a:stretch>
+            <a:fillRect/>
+          </a:stretch>
+        </p:blipFill>
+        <p:spPr>
+          <a:xfrm>
+            <a:off x="2461072" y="4276840"/>
+            <a:ext cx="2486362" cy="2597436"/>
+          </a:xfrm>
+          <a:prstGeom prst="rect">
+            <a:avLst/>
+          </a:prstGeom>
+        </p:spPr>
+      </p:pic>
+      <p:pic>
+        <p:nvPicPr>
+          <p:cNvPr id="10" name="Рисунок 9">
+            <a:extLst>
+              <a:ext uri="{FF2B5EF4-FFF2-40B4-BE49-F238E27FC236}">
+                <a16:creationId xmlns:a16="http://schemas.microsoft.com/office/drawing/2014/main" id="{4738F5B7-26DA-4C43-9D21-93F1B67EEC40}"/>
+              </a:ext>
+            </a:extLst>
+          </p:cNvPr>
+          <p:cNvPicPr>
+            <a:picLocks noChangeAspect="1"/>
+          </p:cNvPicPr>
+          <p:nvPr/>
+        </p:nvPicPr>
+        <p:blipFill>
+          <a:blip r:embed="rId4">
+            <a:extLst>
+              <a:ext uri="{28A0092B-C50C-407E-A947-70E740481C1C}">
+                <a14:useLocalDpi xmlns:a14="http://schemas.microsoft.com/office/drawing/2010/main" val="0"/>
+              </a:ext>
+            </a:extLst>
+          </a:blip>
+          <a:stretch>
+            <a:fillRect/>
+          </a:stretch>
+        </p:blipFill>
+        <p:spPr>
+          <a:xfrm>
+            <a:off x="4947434" y="4272570"/>
+            <a:ext cx="2486361" cy="2597435"/>
+          </a:xfrm>
+          <a:prstGeom prst="rect">
+            <a:avLst/>
+          </a:prstGeom>
+        </p:spPr>
+      </p:pic>
+      <p:sp>
+        <p:nvSpPr>
+          <p:cNvPr id="16" name="TextBox 15">
+            <a:extLst>
+              <a:ext uri="{FF2B5EF4-FFF2-40B4-BE49-F238E27FC236}">
+                <a16:creationId xmlns:a16="http://schemas.microsoft.com/office/drawing/2014/main" id="{C1A1F7D4-99BD-46E7-A7C9-AAE52FD06147}"/>
+              </a:ext>
+            </a:extLst>
+          </p:cNvPr>
+          <p:cNvSpPr txBox="1"/>
+          <p:nvPr/>
+        </p:nvSpPr>
+        <p:spPr>
+          <a:xfrm>
+            <a:off x="4099447" y="1060487"/>
+            <a:ext cx="1368200" cy="584775"/>
+          </a:xfrm>
+          <a:prstGeom prst="rect">
+            <a:avLst/>
+          </a:prstGeom>
+          <a:noFill/>
+        </p:spPr>
+        <p:txBody>
+          <a:bodyPr wrap="square" rtlCol="0">
+            <a:spAutoFit/>
+          </a:bodyPr>
+          <a:lstStyle/>
+          <a:p>
+            <a:r>
+              <a:rPr lang="ru-RU" sz="1600" b="1" dirty="0"/>
+              <a:t>Стеклование</a:t>
+            </a:r>
+            <a:endParaRPr lang="en-US" sz="1600" b="1" dirty="0"/>
+          </a:p>
+          <a:p>
+            <a:r>
+              <a:rPr lang="en-US" sz="1600" b="1" dirty="0"/>
+              <a:t>570</a:t>
+            </a:r>
+            <a:r>
+              <a:rPr lang="ru-RU" sz="1600" b="1" dirty="0"/>
+              <a:t> – </a:t>
+            </a:r>
+            <a:r>
+              <a:rPr lang="en-US" sz="1600" b="1" dirty="0"/>
+              <a:t>610</a:t>
+            </a:r>
+            <a:r>
+              <a:rPr lang="ru-RU" sz="1600" b="1" dirty="0"/>
+              <a:t> К</a:t>
+            </a:r>
+          </a:p>
+        </p:txBody>
+      </p:sp>
+      <p:cxnSp>
+        <p:nvCxnSpPr>
+          <p:cNvPr id="17" name="Прямая со стрелкой 16">
+            <a:extLst>
+              <a:ext uri="{FF2B5EF4-FFF2-40B4-BE49-F238E27FC236}">
+                <a16:creationId xmlns:a16="http://schemas.microsoft.com/office/drawing/2014/main" id="{20264FB4-0F26-40DF-8D1A-BAD0F750D558}"/>
+              </a:ext>
+            </a:extLst>
+          </p:cNvPr>
+          <p:cNvCxnSpPr>
+            <a:cxnSpLocks/>
+            <a:stCxn id="16" idx="2"/>
+          </p:cNvCxnSpPr>
+          <p:nvPr/>
+        </p:nvCxnSpPr>
+        <p:spPr>
+          <a:xfrm flipH="1">
+            <a:off x="3907839" y="1645262"/>
+            <a:ext cx="875708" cy="331305"/>
+          </a:xfrm>
+          <a:prstGeom prst="straightConnector1">
+            <a:avLst/>
+          </a:prstGeom>
+          <a:ln w="19050">
+            <a:solidFill>
+              <a:schemeClr val="tx1">
+                <a:lumMod val="95000"/>
+                <a:lumOff val="5000"/>
+              </a:schemeClr>
+            </a:solidFill>
+            <a:tailEnd type="triangle"/>
+          </a:ln>
+        </p:spPr>
+        <p:style>
+          <a:lnRef idx="1">
+            <a:schemeClr val="accent1"/>
+          </a:lnRef>
+          <a:fillRef idx="0">
+            <a:schemeClr val="accent1"/>
+          </a:fillRef>
+          <a:effectRef idx="0">
+            <a:schemeClr val="accent1"/>
+          </a:effectRef>
+          <a:fontRef idx="minor">
+            <a:schemeClr val="tx1"/>
+          </a:fontRef>
+        </p:style>
+      </p:cxnSp>
+      <p:pic>
+        <p:nvPicPr>
+          <p:cNvPr id="22" name="Рисунок 21">
+            <a:extLst>
+              <a:ext uri="{FF2B5EF4-FFF2-40B4-BE49-F238E27FC236}">
+                <a16:creationId xmlns:a16="http://schemas.microsoft.com/office/drawing/2014/main" id="{A8B80C03-A9ED-4415-ACB3-30E61B1C731A}"/>
+              </a:ext>
+            </a:extLst>
+          </p:cNvPr>
+          <p:cNvPicPr>
+            <a:picLocks noChangeAspect="1"/>
+          </p:cNvPicPr>
+          <p:nvPr/>
+        </p:nvPicPr>
+        <p:blipFill>
+          <a:blip r:embed="rId5">
+            <a:extLst>
+              <a:ext uri="{28A0092B-C50C-407E-A947-70E740481C1C}">
+                <a14:useLocalDpi xmlns:a14="http://schemas.microsoft.com/office/drawing/2010/main" val="0"/>
+              </a:ext>
+            </a:extLst>
+          </a:blip>
+          <a:stretch>
+            <a:fillRect/>
+          </a:stretch>
+        </p:blipFill>
+        <p:spPr>
+          <a:xfrm>
+            <a:off x="0" y="4276840"/>
+            <a:ext cx="2486363" cy="2593165"/>
+          </a:xfrm>
+          <a:prstGeom prst="rect">
+            <a:avLst/>
+          </a:prstGeom>
+        </p:spPr>
+      </p:pic>
+      <p:sp>
+        <p:nvSpPr>
+          <p:cNvPr id="2" name="TextBox 1">
+            <a:extLst>
+              <a:ext uri="{FF2B5EF4-FFF2-40B4-BE49-F238E27FC236}">
+                <a16:creationId xmlns:a16="http://schemas.microsoft.com/office/drawing/2014/main" id="{F87B82AB-028A-4849-B46E-EE69BE9223A1}"/>
+              </a:ext>
+            </a:extLst>
+          </p:cNvPr>
+          <p:cNvSpPr txBox="1"/>
+          <p:nvPr/>
+        </p:nvSpPr>
+        <p:spPr>
+          <a:xfrm>
+            <a:off x="5802266" y="5504888"/>
+            <a:ext cx="1553395" cy="276999"/>
+          </a:xfrm>
+          <a:prstGeom prst="rect">
+            <a:avLst/>
+          </a:prstGeom>
+          <a:noFill/>
+        </p:spPr>
+        <p:txBody>
+          <a:bodyPr wrap="square" rtlCol="0">
+            <a:spAutoFit/>
+          </a:bodyPr>
+          <a:lstStyle/>
+          <a:p>
+            <a:r>
+              <a:rPr lang="ru-RU" sz="1200" dirty="0"/>
+              <a:t>Жидкий раствор </a:t>
+            </a:r>
+            <a:r>
+              <a:rPr lang="en-US" sz="1200" dirty="0"/>
+              <a:t>Ge</a:t>
+            </a:r>
+            <a:endParaRPr lang="ru-RU" sz="1200" dirty="0"/>
+          </a:p>
+        </p:txBody>
+      </p:sp>
+      <p:sp>
+        <p:nvSpPr>
+          <p:cNvPr id="13" name="TextBox 12">
+            <a:extLst>
+              <a:ext uri="{FF2B5EF4-FFF2-40B4-BE49-F238E27FC236}">
+                <a16:creationId xmlns:a16="http://schemas.microsoft.com/office/drawing/2014/main" id="{5C797A09-07E7-42EB-9664-D7D056DB7706}"/>
+              </a:ext>
+            </a:extLst>
+          </p:cNvPr>
+          <p:cNvSpPr txBox="1"/>
+          <p:nvPr/>
+        </p:nvSpPr>
+        <p:spPr>
+          <a:xfrm>
+            <a:off x="5802266" y="4684567"/>
+            <a:ext cx="1553395" cy="276999"/>
+          </a:xfrm>
+          <a:prstGeom prst="rect">
+            <a:avLst/>
+          </a:prstGeom>
+          <a:noFill/>
+        </p:spPr>
+        <p:txBody>
+          <a:bodyPr wrap="square" rtlCol="0">
+            <a:spAutoFit/>
+          </a:bodyPr>
+          <a:lstStyle/>
+          <a:p>
+            <a:r>
+              <a:rPr lang="ru-RU" sz="1200" dirty="0"/>
+              <a:t>Отдельная фаза </a:t>
+            </a:r>
+            <a:r>
+              <a:rPr lang="en-US" sz="1200" dirty="0"/>
+              <a:t>Ge</a:t>
+            </a:r>
+            <a:endParaRPr lang="ru-RU" sz="1200" dirty="0"/>
+          </a:p>
+        </p:txBody>
+      </p:sp>
+      <p:sp>
+        <p:nvSpPr>
+          <p:cNvPr id="14" name="TextBox 13">
+            <a:extLst>
+              <a:ext uri="{FF2B5EF4-FFF2-40B4-BE49-F238E27FC236}">
+                <a16:creationId xmlns:a16="http://schemas.microsoft.com/office/drawing/2014/main" id="{4795D3CE-EEB1-48FD-9874-543ABA18661B}"/>
+              </a:ext>
+            </a:extLst>
+          </p:cNvPr>
+          <p:cNvSpPr txBox="1"/>
+          <p:nvPr/>
+        </p:nvSpPr>
+        <p:spPr>
+          <a:xfrm>
+            <a:off x="3015938" y="4762458"/>
+            <a:ext cx="1673492" cy="276999"/>
+          </a:xfrm>
+          <a:prstGeom prst="rect">
+            <a:avLst/>
+          </a:prstGeom>
+          <a:noFill/>
+        </p:spPr>
+        <p:txBody>
+          <a:bodyPr wrap="square" rtlCol="0">
+            <a:spAutoFit/>
+          </a:bodyPr>
+          <a:lstStyle/>
+          <a:p>
+            <a:r>
+              <a:rPr lang="ru-RU" sz="1200" dirty="0"/>
+              <a:t>Отдельная фаза </a:t>
+            </a:r>
+            <a:r>
+              <a:rPr lang="en-US" sz="1200" dirty="0" err="1"/>
+              <a:t>GaSe</a:t>
+            </a:r>
+            <a:endParaRPr lang="ru-RU" sz="1200" dirty="0"/>
+          </a:p>
+        </p:txBody>
+      </p:sp>
+      <p:sp>
+        <p:nvSpPr>
+          <p:cNvPr id="15" name="TextBox 14">
+            <a:extLst>
+              <a:ext uri="{FF2B5EF4-FFF2-40B4-BE49-F238E27FC236}">
+                <a16:creationId xmlns:a16="http://schemas.microsoft.com/office/drawing/2014/main" id="{C4436402-279D-41B8-A3D3-D2F5131E60B1}"/>
+              </a:ext>
+            </a:extLst>
+          </p:cNvPr>
+          <p:cNvSpPr txBox="1"/>
+          <p:nvPr/>
+        </p:nvSpPr>
+        <p:spPr>
+          <a:xfrm>
+            <a:off x="3310318" y="6086859"/>
+            <a:ext cx="1721912" cy="276999"/>
+          </a:xfrm>
+          <a:prstGeom prst="rect">
+            <a:avLst/>
+          </a:prstGeom>
+          <a:noFill/>
+        </p:spPr>
+        <p:txBody>
+          <a:bodyPr wrap="square" rtlCol="0">
+            <a:spAutoFit/>
+          </a:bodyPr>
+          <a:lstStyle/>
+          <a:p>
+            <a:r>
+              <a:rPr lang="ru-RU" sz="1200" dirty="0"/>
+              <a:t>Твердый раствор </a:t>
+            </a:r>
+            <a:r>
+              <a:rPr lang="en-US" sz="1200" dirty="0" err="1"/>
+              <a:t>GaSe</a:t>
+            </a:r>
+            <a:endParaRPr lang="ru-RU" sz="1200" dirty="0"/>
+          </a:p>
+        </p:txBody>
+      </p:sp>
+      <p:sp>
+        <p:nvSpPr>
+          <p:cNvPr id="19" name="TextBox 18">
+            <a:extLst>
+              <a:ext uri="{FF2B5EF4-FFF2-40B4-BE49-F238E27FC236}">
+                <a16:creationId xmlns:a16="http://schemas.microsoft.com/office/drawing/2014/main" id="{313BBF35-A195-458E-962A-069DF363CAAB}"/>
+              </a:ext>
+            </a:extLst>
+          </p:cNvPr>
+          <p:cNvSpPr txBox="1"/>
+          <p:nvPr/>
+        </p:nvSpPr>
+        <p:spPr>
+          <a:xfrm>
+            <a:off x="649673" y="4987652"/>
+            <a:ext cx="1553395" cy="461665"/>
+          </a:xfrm>
+          <a:prstGeom prst="rect">
+            <a:avLst/>
+          </a:prstGeom>
+          <a:noFill/>
+        </p:spPr>
+        <p:txBody>
+          <a:bodyPr wrap="square" rtlCol="0">
+            <a:spAutoFit/>
+          </a:bodyPr>
+          <a:lstStyle/>
+          <a:p>
+            <a:r>
+              <a:rPr lang="ru-RU" sz="1200" dirty="0"/>
+              <a:t>Отдельная фаза </a:t>
+            </a:r>
+            <a:r>
+              <a:rPr lang="en-US" sz="1200" dirty="0"/>
+              <a:t>Ga2Se3</a:t>
+            </a:r>
+            <a:endParaRPr lang="ru-RU" sz="1200" dirty="0"/>
+          </a:p>
+        </p:txBody>
+      </p:sp>
+      <p:sp>
+        <p:nvSpPr>
+          <p:cNvPr id="20" name="TextBox 19">
+            <a:extLst>
+              <a:ext uri="{FF2B5EF4-FFF2-40B4-BE49-F238E27FC236}">
+                <a16:creationId xmlns:a16="http://schemas.microsoft.com/office/drawing/2014/main" id="{A2A6F0A3-A05D-45FE-91A7-433DD2DE9B61}"/>
+              </a:ext>
+            </a:extLst>
+          </p:cNvPr>
+          <p:cNvSpPr txBox="1"/>
+          <p:nvPr/>
+        </p:nvSpPr>
+        <p:spPr>
+          <a:xfrm>
+            <a:off x="727449" y="6283709"/>
+            <a:ext cx="1721912" cy="461665"/>
+          </a:xfrm>
+          <a:prstGeom prst="rect">
+            <a:avLst/>
+          </a:prstGeom>
+          <a:noFill/>
+        </p:spPr>
+        <p:txBody>
+          <a:bodyPr wrap="square" rtlCol="0">
+            <a:spAutoFit/>
+          </a:bodyPr>
+          <a:lstStyle/>
+          <a:p>
+            <a:r>
+              <a:rPr lang="ru-RU" sz="1200" dirty="0"/>
+              <a:t>Твердый раствор </a:t>
+            </a:r>
+            <a:r>
+              <a:rPr lang="en-US" sz="1200" dirty="0"/>
+              <a:t>Ga2Se3</a:t>
+            </a:r>
+            <a:endParaRPr lang="ru-RU" sz="1200" dirty="0"/>
+          </a:p>
+        </p:txBody>
+      </p:sp>
+      <p:cxnSp>
+        <p:nvCxnSpPr>
+          <p:cNvPr id="21" name="Прямая со стрелкой 20">
+            <a:extLst>
+              <a:ext uri="{FF2B5EF4-FFF2-40B4-BE49-F238E27FC236}">
+                <a16:creationId xmlns:a16="http://schemas.microsoft.com/office/drawing/2014/main" id="{21310E82-F860-4D2F-9B2A-1718306585F3}"/>
+              </a:ext>
+            </a:extLst>
+          </p:cNvPr>
+          <p:cNvCxnSpPr>
+            <a:cxnSpLocks/>
+          </p:cNvCxnSpPr>
+          <p:nvPr/>
+        </p:nvCxnSpPr>
+        <p:spPr>
+          <a:xfrm>
+            <a:off x="1426370" y="5449317"/>
+            <a:ext cx="162035" cy="151320"/>
+          </a:xfrm>
+          <a:prstGeom prst="straightConnector1">
+            <a:avLst/>
+          </a:prstGeom>
+          <a:ln w="19050">
+            <a:solidFill>
+              <a:schemeClr val="tx1">
+                <a:lumMod val="95000"/>
+                <a:lumOff val="5000"/>
+              </a:schemeClr>
+            </a:solidFill>
+            <a:tailEnd type="triangle"/>
+          </a:ln>
+        </p:spPr>
+        <p:style>
+          <a:lnRef idx="1">
+            <a:schemeClr val="accent1"/>
+          </a:lnRef>
+          <a:fillRef idx="0">
+            <a:schemeClr val="accent1"/>
+          </a:fillRef>
+          <a:effectRef idx="0">
+            <a:schemeClr val="accent1"/>
+          </a:effectRef>
+          <a:fontRef idx="minor">
+            <a:schemeClr val="tx1"/>
+          </a:fontRef>
+        </p:style>
+      </p:cxnSp>
+      <p:cxnSp>
+        <p:nvCxnSpPr>
+          <p:cNvPr id="23" name="Прямая со стрелкой 22">
+            <a:extLst>
+              <a:ext uri="{FF2B5EF4-FFF2-40B4-BE49-F238E27FC236}">
+                <a16:creationId xmlns:a16="http://schemas.microsoft.com/office/drawing/2014/main" id="{EC8ECF93-83BF-44C6-A447-454B73A8A104}"/>
+              </a:ext>
+            </a:extLst>
+          </p:cNvPr>
+          <p:cNvCxnSpPr>
+            <a:cxnSpLocks/>
+            <a:stCxn id="20" idx="0"/>
+          </p:cNvCxnSpPr>
+          <p:nvPr/>
+        </p:nvCxnSpPr>
+        <p:spPr>
+          <a:xfrm flipV="1">
+            <a:off x="1588405" y="5828847"/>
+            <a:ext cx="183245" cy="454862"/>
+          </a:xfrm>
+          <a:prstGeom prst="straightConnector1">
+            <a:avLst/>
+          </a:prstGeom>
+          <a:ln w="19050">
+            <a:solidFill>
+              <a:schemeClr val="tx1">
+                <a:lumMod val="95000"/>
+                <a:lumOff val="5000"/>
+              </a:schemeClr>
+            </a:solidFill>
+            <a:tailEnd type="triangle"/>
+          </a:ln>
+        </p:spPr>
+        <p:style>
+          <a:lnRef idx="1">
+            <a:schemeClr val="accent1"/>
+          </a:lnRef>
+          <a:fillRef idx="0">
+            <a:schemeClr val="accent1"/>
+          </a:fillRef>
+          <a:effectRef idx="0">
+            <a:schemeClr val="accent1"/>
+          </a:effectRef>
+          <a:fontRef idx="minor">
+            <a:schemeClr val="tx1"/>
+          </a:fontRef>
+        </p:style>
+      </p:cxnSp>
+      <p:cxnSp>
+        <p:nvCxnSpPr>
+          <p:cNvPr id="24" name="Прямая со стрелкой 23">
+            <a:extLst>
+              <a:ext uri="{FF2B5EF4-FFF2-40B4-BE49-F238E27FC236}">
+                <a16:creationId xmlns:a16="http://schemas.microsoft.com/office/drawing/2014/main" id="{DAFF8ED7-BA73-4D85-BE60-20B8F6447808}"/>
+              </a:ext>
+            </a:extLst>
+          </p:cNvPr>
+          <p:cNvCxnSpPr>
+            <a:cxnSpLocks/>
+            <a:stCxn id="15" idx="0"/>
+          </p:cNvCxnSpPr>
+          <p:nvPr/>
+        </p:nvCxnSpPr>
+        <p:spPr>
+          <a:xfrm flipV="1">
+            <a:off x="4171274" y="5449317"/>
+            <a:ext cx="58315" cy="637542"/>
+          </a:xfrm>
+          <a:prstGeom prst="straightConnector1">
+            <a:avLst/>
+          </a:prstGeom>
+          <a:ln w="19050">
+            <a:solidFill>
+              <a:schemeClr val="tx1">
+                <a:lumMod val="95000"/>
+                <a:lumOff val="5000"/>
+              </a:schemeClr>
+            </a:solidFill>
+            <a:tailEnd type="triangle"/>
+          </a:ln>
+        </p:spPr>
+        <p:style>
+          <a:lnRef idx="1">
+            <a:schemeClr val="accent1"/>
+          </a:lnRef>
+          <a:fillRef idx="0">
+            <a:schemeClr val="accent1"/>
+          </a:fillRef>
+          <a:effectRef idx="0">
+            <a:schemeClr val="accent1"/>
+          </a:effectRef>
+          <a:fontRef idx="minor">
+            <a:schemeClr val="tx1"/>
+          </a:fontRef>
+        </p:style>
+      </p:cxnSp>
+      <p:cxnSp>
+        <p:nvCxnSpPr>
+          <p:cNvPr id="26" name="Прямая со стрелкой 25">
+            <a:extLst>
+              <a:ext uri="{FF2B5EF4-FFF2-40B4-BE49-F238E27FC236}">
+                <a16:creationId xmlns:a16="http://schemas.microsoft.com/office/drawing/2014/main" id="{7239ACB7-52DC-4C5B-9200-E695877E31EE}"/>
+              </a:ext>
+            </a:extLst>
+          </p:cNvPr>
+          <p:cNvCxnSpPr>
+            <a:cxnSpLocks/>
+            <a:stCxn id="14" idx="2"/>
+          </p:cNvCxnSpPr>
+          <p:nvPr/>
+        </p:nvCxnSpPr>
+        <p:spPr>
+          <a:xfrm>
+            <a:off x="3852684" y="5039457"/>
+            <a:ext cx="246763" cy="227085"/>
+          </a:xfrm>
+          <a:prstGeom prst="straightConnector1">
+            <a:avLst/>
+          </a:prstGeom>
+          <a:ln w="19050">
+            <a:solidFill>
+              <a:schemeClr val="tx1">
+                <a:lumMod val="95000"/>
+                <a:lumOff val="5000"/>
+              </a:schemeClr>
+            </a:solidFill>
+            <a:tailEnd type="triangle"/>
+          </a:ln>
+        </p:spPr>
+        <p:style>
+          <a:lnRef idx="1">
+            <a:schemeClr val="accent1"/>
+          </a:lnRef>
+          <a:fillRef idx="0">
+            <a:schemeClr val="accent1"/>
+          </a:fillRef>
+          <a:effectRef idx="0">
+            <a:schemeClr val="accent1"/>
+          </a:effectRef>
+          <a:fontRef idx="minor">
+            <a:schemeClr val="tx1"/>
+          </a:fontRef>
+        </p:style>
+      </p:cxnSp>
+      <p:cxnSp>
+        <p:nvCxnSpPr>
+          <p:cNvPr id="29" name="Прямая со стрелкой 28">
+            <a:extLst>
+              <a:ext uri="{FF2B5EF4-FFF2-40B4-BE49-F238E27FC236}">
+                <a16:creationId xmlns:a16="http://schemas.microsoft.com/office/drawing/2014/main" id="{4DB1F95B-AE44-4876-ACA4-15ED9CA44CC2}"/>
+              </a:ext>
+            </a:extLst>
+          </p:cNvPr>
+          <p:cNvCxnSpPr>
+            <a:cxnSpLocks/>
+            <a:stCxn id="2" idx="2"/>
+          </p:cNvCxnSpPr>
+          <p:nvPr/>
+        </p:nvCxnSpPr>
+        <p:spPr>
+          <a:xfrm>
+            <a:off x="6578964" y="5781887"/>
+            <a:ext cx="310786" cy="161713"/>
+          </a:xfrm>
+          <a:prstGeom prst="straightConnector1">
+            <a:avLst/>
+          </a:prstGeom>
+          <a:ln w="19050">
+            <a:solidFill>
+              <a:schemeClr val="tx1">
+                <a:lumMod val="95000"/>
+                <a:lumOff val="5000"/>
+              </a:schemeClr>
+            </a:solidFill>
+            <a:tailEnd type="triangle"/>
+          </a:ln>
+        </p:spPr>
+        <p:style>
+          <a:lnRef idx="1">
+            <a:schemeClr val="accent1"/>
+          </a:lnRef>
+          <a:fillRef idx="0">
+            <a:schemeClr val="accent1"/>
+          </a:fillRef>
+          <a:effectRef idx="0">
+            <a:schemeClr val="accent1"/>
+          </a:effectRef>
+          <a:fontRef idx="minor">
+            <a:schemeClr val="tx1"/>
+          </a:fontRef>
+        </p:style>
+      </p:cxnSp>
+      <p:cxnSp>
+        <p:nvCxnSpPr>
+          <p:cNvPr id="32" name="Прямая со стрелкой 31">
+            <a:extLst>
+              <a:ext uri="{FF2B5EF4-FFF2-40B4-BE49-F238E27FC236}">
+                <a16:creationId xmlns:a16="http://schemas.microsoft.com/office/drawing/2014/main" id="{F6E9F330-011F-4FD1-B8F3-20DAC12ECE52}"/>
+              </a:ext>
+            </a:extLst>
+          </p:cNvPr>
+          <p:cNvCxnSpPr>
+            <a:cxnSpLocks/>
+            <a:stCxn id="13" idx="2"/>
+          </p:cNvCxnSpPr>
+          <p:nvPr/>
+        </p:nvCxnSpPr>
+        <p:spPr>
+          <a:xfrm>
+            <a:off x="6578964" y="4961566"/>
+            <a:ext cx="310786" cy="77891"/>
+          </a:xfrm>
+          <a:prstGeom prst="straightConnector1">
+            <a:avLst/>
+          </a:prstGeom>
+          <a:ln w="19050">
+            <a:solidFill>
+              <a:schemeClr val="tx1">
+                <a:lumMod val="95000"/>
+                <a:lumOff val="5000"/>
+              </a:schemeClr>
+            </a:solidFill>
+            <a:tailEnd type="triangle"/>
+          </a:ln>
+        </p:spPr>
+        <p:style>
+          <a:lnRef idx="1">
+            <a:schemeClr val="accent1"/>
+          </a:lnRef>
+          <a:fillRef idx="0">
+            <a:schemeClr val="accent1"/>
+          </a:fillRef>
+          <a:effectRef idx="0">
+            <a:schemeClr val="accent1"/>
+          </a:effectRef>
+          <a:fontRef idx="minor">
+            <a:schemeClr val="tx1"/>
+          </a:fontRef>
+        </p:style>
+      </p:cxnSp>
+      <p:pic>
+        <p:nvPicPr>
+          <p:cNvPr id="45" name="Рисунок 44">
+            <a:extLst>
+              <a:ext uri="{FF2B5EF4-FFF2-40B4-BE49-F238E27FC236}">
+                <a16:creationId xmlns:a16="http://schemas.microsoft.com/office/drawing/2014/main" id="{DB146754-4BED-4443-B02D-64795442C328}"/>
+              </a:ext>
+            </a:extLst>
+          </p:cNvPr>
+          <p:cNvPicPr>
+            <a:picLocks noChangeAspect="1"/>
+          </p:cNvPicPr>
+          <p:nvPr/>
+        </p:nvPicPr>
+        <p:blipFill>
+          <a:blip r:embed="rId6">
+            <a:extLst>
+              <a:ext uri="{28A0092B-C50C-407E-A947-70E740481C1C}">
+                <a14:useLocalDpi xmlns:a14="http://schemas.microsoft.com/office/drawing/2010/main" val="0"/>
+              </a:ext>
+            </a:extLst>
+          </a:blip>
+          <a:stretch>
+            <a:fillRect/>
+          </a:stretch>
+        </p:blipFill>
+        <p:spPr>
+          <a:xfrm>
+            <a:off x="6237793" y="1240384"/>
+            <a:ext cx="2904029" cy="3044466"/>
+          </a:xfrm>
+          <a:prstGeom prst="rect">
+            <a:avLst/>
+          </a:prstGeom>
+        </p:spPr>
+      </p:pic>
+      <p:sp>
+        <p:nvSpPr>
+          <p:cNvPr id="46" name="TextBox 45">
+            <a:extLst>
+              <a:ext uri="{FF2B5EF4-FFF2-40B4-BE49-F238E27FC236}">
+                <a16:creationId xmlns:a16="http://schemas.microsoft.com/office/drawing/2014/main" id="{9DF02712-4E39-4EF9-B74B-4098A9699FC9}"/>
+              </a:ext>
+            </a:extLst>
+          </p:cNvPr>
+          <p:cNvSpPr txBox="1"/>
+          <p:nvPr/>
+        </p:nvSpPr>
+        <p:spPr>
+          <a:xfrm>
+            <a:off x="7086600" y="2689060"/>
+            <a:ext cx="1553395" cy="276999"/>
+          </a:xfrm>
+          <a:prstGeom prst="rect">
+            <a:avLst/>
+          </a:prstGeom>
+          <a:noFill/>
+        </p:spPr>
+        <p:txBody>
+          <a:bodyPr wrap="square" rtlCol="0">
+            <a:spAutoFit/>
+          </a:bodyPr>
+          <a:lstStyle/>
+          <a:p>
+            <a:r>
+              <a:rPr lang="ru-RU" sz="1200" dirty="0"/>
+              <a:t>Жидкий раствор </a:t>
+            </a:r>
+            <a:r>
+              <a:rPr lang="en-US" sz="1200" dirty="0"/>
+              <a:t>Se</a:t>
+            </a:r>
+            <a:endParaRPr lang="ru-RU" sz="1200" dirty="0"/>
+          </a:p>
+        </p:txBody>
+      </p:sp>
+      <p:cxnSp>
+        <p:nvCxnSpPr>
+          <p:cNvPr id="47" name="Прямая со стрелкой 46">
+            <a:extLst>
+              <a:ext uri="{FF2B5EF4-FFF2-40B4-BE49-F238E27FC236}">
+                <a16:creationId xmlns:a16="http://schemas.microsoft.com/office/drawing/2014/main" id="{DDFF686E-76F8-4016-AF25-F34CDC9D7E90}"/>
+              </a:ext>
+            </a:extLst>
+          </p:cNvPr>
+          <p:cNvCxnSpPr>
+            <a:cxnSpLocks/>
+            <a:stCxn id="46" idx="0"/>
+          </p:cNvCxnSpPr>
+          <p:nvPr/>
+        </p:nvCxnSpPr>
+        <p:spPr>
+          <a:xfrm flipV="1">
+            <a:off x="7863298" y="2093990"/>
+            <a:ext cx="283924" cy="595070"/>
+          </a:xfrm>
+          <a:prstGeom prst="straightConnector1">
+            <a:avLst/>
+          </a:prstGeom>
+          <a:ln w="19050">
+            <a:solidFill>
+              <a:schemeClr val="tx1">
+                <a:lumMod val="95000"/>
+                <a:lumOff val="5000"/>
+              </a:schemeClr>
+            </a:solidFill>
+            <a:tailEnd type="triangle"/>
+          </a:ln>
+        </p:spPr>
+        <p:style>
+          <a:lnRef idx="1">
+            <a:schemeClr val="accent1"/>
+          </a:lnRef>
+          <a:fillRef idx="0">
+            <a:schemeClr val="accent1"/>
+          </a:fillRef>
+          <a:effectRef idx="0">
+            <a:schemeClr val="accent1"/>
+          </a:effectRef>
+          <a:fontRef idx="minor">
+            <a:schemeClr val="tx1"/>
+          </a:fontRef>
+        </p:style>
+      </p:cxnSp>
+      <p:sp>
+        <p:nvSpPr>
+          <p:cNvPr id="54" name="TextBox 53">
+            <a:extLst>
+              <a:ext uri="{FF2B5EF4-FFF2-40B4-BE49-F238E27FC236}">
+                <a16:creationId xmlns:a16="http://schemas.microsoft.com/office/drawing/2014/main" id="{AFCFBA01-CC48-4EFD-9DD5-59886FD2CF9B}"/>
+              </a:ext>
+            </a:extLst>
+          </p:cNvPr>
+          <p:cNvSpPr txBox="1"/>
+          <p:nvPr/>
+        </p:nvSpPr>
+        <p:spPr>
+          <a:xfrm>
+            <a:off x="7086600" y="3103439"/>
+            <a:ext cx="1673492" cy="276999"/>
+          </a:xfrm>
+          <a:prstGeom prst="rect">
+            <a:avLst/>
+          </a:prstGeom>
+          <a:noFill/>
+        </p:spPr>
+        <p:txBody>
+          <a:bodyPr wrap="square" rtlCol="0">
+            <a:spAutoFit/>
+          </a:bodyPr>
+          <a:lstStyle/>
+          <a:p>
+            <a:r>
+              <a:rPr lang="ru-RU" sz="1200" dirty="0"/>
+              <a:t>Отдельная фаза </a:t>
+            </a:r>
+            <a:r>
+              <a:rPr lang="en-US" sz="1200" dirty="0"/>
+              <a:t>Se</a:t>
+            </a:r>
+            <a:endParaRPr lang="ru-RU" sz="1200" dirty="0"/>
+          </a:p>
+        </p:txBody>
+      </p:sp>
+      <p:cxnSp>
+        <p:nvCxnSpPr>
+          <p:cNvPr id="55" name="Прямая со стрелкой 54">
+            <a:extLst>
+              <a:ext uri="{FF2B5EF4-FFF2-40B4-BE49-F238E27FC236}">
+                <a16:creationId xmlns:a16="http://schemas.microsoft.com/office/drawing/2014/main" id="{C57E021F-4DEC-4BF3-BC46-CB515DDEE79A}"/>
+              </a:ext>
+            </a:extLst>
+          </p:cNvPr>
+          <p:cNvCxnSpPr>
+            <a:cxnSpLocks/>
+            <a:stCxn id="54" idx="2"/>
+          </p:cNvCxnSpPr>
+          <p:nvPr/>
+        </p:nvCxnSpPr>
+        <p:spPr>
+          <a:xfrm>
+            <a:off x="7923346" y="3380438"/>
+            <a:ext cx="246763" cy="227085"/>
+          </a:xfrm>
+          <a:prstGeom prst="straightConnector1">
+            <a:avLst/>
+          </a:prstGeom>
+          <a:ln w="19050">
+            <a:solidFill>
+              <a:schemeClr val="tx1">
+                <a:lumMod val="95000"/>
+                <a:lumOff val="5000"/>
+              </a:schemeClr>
+            </a:solidFill>
+            <a:tailEnd type="triangle"/>
+          </a:ln>
+        </p:spPr>
+        <p:style>
+          <a:lnRef idx="1">
+            <a:schemeClr val="accent1"/>
+          </a:lnRef>
+          <a:fillRef idx="0">
+            <a:schemeClr val="accent1"/>
+          </a:fillRef>
+          <a:effectRef idx="0">
+            <a:schemeClr val="accent1"/>
+          </a:effectRef>
+          <a:fontRef idx="minor">
+            <a:schemeClr val="tx1"/>
+          </a:fontRef>
+        </p:style>
+      </p:cxnSp>
+      <p:pic>
+        <p:nvPicPr>
+          <p:cNvPr id="59" name="Рисунок 58">
+            <a:extLst>
+              <a:ext uri="{FF2B5EF4-FFF2-40B4-BE49-F238E27FC236}">
+                <a16:creationId xmlns:a16="http://schemas.microsoft.com/office/drawing/2014/main" id="{555D7C6C-9450-4B50-9823-193C63CBDDFF}"/>
+              </a:ext>
+            </a:extLst>
+          </p:cNvPr>
+          <p:cNvPicPr>
+            <a:picLocks noChangeAspect="1"/>
+          </p:cNvPicPr>
+          <p:nvPr/>
+        </p:nvPicPr>
+        <p:blipFill>
+          <a:blip r:embed="rId7">
+            <a:extLst>
+              <a:ext uri="{28A0092B-C50C-407E-A947-70E740481C1C}">
+                <a14:useLocalDpi xmlns:a14="http://schemas.microsoft.com/office/drawing/2010/main" val="0"/>
+              </a:ext>
+            </a:extLst>
+          </a:blip>
+          <a:stretch>
+            <a:fillRect/>
+          </a:stretch>
+        </p:blipFill>
+        <p:spPr>
+          <a:xfrm>
+            <a:off x="0" y="1075494"/>
+            <a:ext cx="6237356" cy="3210774"/>
+          </a:xfrm>
+          <a:prstGeom prst="rect">
+            <a:avLst/>
+          </a:prstGeom>
+        </p:spPr>
+      </p:pic>
+      <p:sp>
+        <p:nvSpPr>
+          <p:cNvPr id="18" name="Стрелка: вверх 17">
+            <a:extLst>
+              <a:ext uri="{FF2B5EF4-FFF2-40B4-BE49-F238E27FC236}">
+                <a16:creationId xmlns:a16="http://schemas.microsoft.com/office/drawing/2014/main" id="{30DBC68D-F296-4A1A-8A3C-513EF530B8E8}"/>
               </a:ext>
             </a:extLst>
           </p:cNvPr>
@@ -5520,8 +8925,8 @@
         </p:nvSpPr>
         <p:spPr>
           <a:xfrm>
-            <a:off x="8749263" y="665378"/>
-            <a:ext cx="394737" cy="1680754"/>
+            <a:off x="5968533" y="1029153"/>
+            <a:ext cx="307000" cy="1307177"/>
           </a:xfrm>
           <a:prstGeom prst="upArrow">
             <a:avLst/>
@@ -5646,7 +9051,7 @@
           <a:p>
             <a:pPr algn="ctr"/>
             <a:r>
-              <a:rPr lang="ru-RU" sz="1050" b="1" dirty="0">
+              <a:rPr lang="ru-RU" sz="800" b="1" dirty="0">
                 <a:solidFill>
                   <a:schemeClr val="tx1"/>
                 </a:solidFill>
@@ -5658,61 +9063,110 @@
       </p:sp>
       <p:sp>
         <p:nvSpPr>
-          <p:cNvPr id="2" name="Заголовок 1">
-            <a:extLst>
-              <a:ext uri="{FF2B5EF4-FFF2-40B4-BE49-F238E27FC236}">
-                <a16:creationId xmlns:a16="http://schemas.microsoft.com/office/drawing/2014/main" id="{5750857A-B71A-4E37-8E27-044C598B12B5}"/>
-              </a:ext>
-            </a:extLst>
-          </p:cNvPr>
-          <p:cNvSpPr>
-            <a:spLocks noGrp="1"/>
-          </p:cNvSpPr>
-          <p:nvPr>
-            <p:ph type="title"/>
-          </p:nvPr>
-        </p:nvSpPr>
-        <p:spPr/>
-        <p:txBody>
-          <a:bodyPr/>
-          <a:lstStyle/>
-          <a:p>
-            <a:r>
-              <a:rPr lang="ru-RU" dirty="0"/>
-              <a:t>РЕЗУЛЬТАТ РАСЧЕТА И ДСК СТЕКЛА ДЛЯ СИСТЕМЫ СОСТАВА: </a:t>
-            </a:r>
-            <a:r>
-              <a:rPr lang="en-US" dirty="0"/>
-              <a:t>Ge</a:t>
-            </a:r>
-            <a:r>
-              <a:rPr lang="ru-RU" b="1" dirty="0"/>
-              <a:t>35</a:t>
-            </a:r>
-            <a:r>
-              <a:rPr lang="en-US" dirty="0"/>
-              <a:t>Ga</a:t>
-            </a:r>
-            <a:r>
-              <a:rPr lang="ru-RU" b="1" dirty="0"/>
-              <a:t>5</a:t>
-            </a:r>
-            <a:r>
-              <a:rPr lang="en-US" dirty="0"/>
-              <a:t>Se</a:t>
-            </a:r>
-            <a:r>
-              <a:rPr lang="en-US" b="1" dirty="0"/>
-              <a:t>60</a:t>
-            </a:r>
-            <a:endParaRPr lang="ru-RU" dirty="0"/>
-          </a:p>
-        </p:txBody>
-      </p:sp>
+          <p:cNvPr id="61" name="TextBox 60">
+            <a:extLst>
+              <a:ext uri="{FF2B5EF4-FFF2-40B4-BE49-F238E27FC236}">
+                <a16:creationId xmlns:a16="http://schemas.microsoft.com/office/drawing/2014/main" id="{8FAA5C8E-B926-4160-9EDB-41141C7CE7F4}"/>
+              </a:ext>
+            </a:extLst>
+          </p:cNvPr>
+          <p:cNvSpPr txBox="1"/>
+          <p:nvPr/>
+        </p:nvSpPr>
+        <p:spPr>
+          <a:xfrm>
+            <a:off x="4171274" y="1114655"/>
+            <a:ext cx="1495167" cy="584775"/>
+          </a:xfrm>
+          <a:prstGeom prst="rect">
+            <a:avLst/>
+          </a:prstGeom>
+          <a:noFill/>
+        </p:spPr>
+        <p:txBody>
+          <a:bodyPr wrap="square" rtlCol="0">
+            <a:spAutoFit/>
+          </a:bodyPr>
+          <a:lstStyle/>
+          <a:p>
+            <a:r>
+              <a:rPr lang="ru-RU" sz="1600" b="1" dirty="0"/>
+              <a:t>Стеклование</a:t>
+            </a:r>
+            <a:endParaRPr lang="en-US" sz="1600" b="1" dirty="0"/>
+          </a:p>
+          <a:p>
+            <a:r>
+              <a:rPr lang="en-US" sz="1600" b="1" dirty="0"/>
+              <a:t>570</a:t>
+            </a:r>
+            <a:r>
+              <a:rPr lang="ru-RU" sz="1600" b="1" dirty="0"/>
+              <a:t> – </a:t>
+            </a:r>
+            <a:r>
+              <a:rPr lang="en-US" sz="1600" b="1" dirty="0"/>
+              <a:t>610</a:t>
+            </a:r>
+            <a:r>
+              <a:rPr lang="ru-RU" sz="1600" b="1" dirty="0"/>
+              <a:t> К</a:t>
+            </a:r>
+          </a:p>
+        </p:txBody>
+      </p:sp>
+      <p:cxnSp>
+        <p:nvCxnSpPr>
+          <p:cNvPr id="62" name="Прямая со стрелкой 61">
+            <a:extLst>
+              <a:ext uri="{FF2B5EF4-FFF2-40B4-BE49-F238E27FC236}">
+                <a16:creationId xmlns:a16="http://schemas.microsoft.com/office/drawing/2014/main" id="{776EA58F-FBFD-4CA4-B367-A4DD8D2E8C1D}"/>
+              </a:ext>
+            </a:extLst>
+          </p:cNvPr>
+          <p:cNvCxnSpPr>
+            <a:cxnSpLocks/>
+            <a:stCxn id="61" idx="2"/>
+          </p:cNvCxnSpPr>
+          <p:nvPr/>
+        </p:nvCxnSpPr>
+        <p:spPr>
+          <a:xfrm flipH="1">
+            <a:off x="3979666" y="1699430"/>
+            <a:ext cx="939192" cy="331305"/>
+          </a:xfrm>
+          <a:prstGeom prst="straightConnector1">
+            <a:avLst/>
+          </a:prstGeom>
+          <a:ln w="19050">
+            <a:solidFill>
+              <a:schemeClr val="tx1">
+                <a:lumMod val="95000"/>
+                <a:lumOff val="5000"/>
+              </a:schemeClr>
+            </a:solidFill>
+            <a:tailEnd type="triangle"/>
+          </a:ln>
+        </p:spPr>
+        <p:style>
+          <a:lnRef idx="1">
+            <a:schemeClr val="accent1"/>
+          </a:lnRef>
+          <a:fillRef idx="0">
+            <a:schemeClr val="accent1"/>
+          </a:fillRef>
+          <a:effectRef idx="0">
+            <a:schemeClr val="accent1"/>
+          </a:effectRef>
+          <a:fontRef idx="minor">
+            <a:schemeClr val="tx1"/>
+          </a:fontRef>
+        </p:style>
+      </p:cxnSp>
     </p:spTree>
     <p:extLst>
       <p:ext uri="{BB962C8B-B14F-4D97-AF65-F5344CB8AC3E}">
-        <p14:creationId xmlns:p14="http://schemas.microsoft.com/office/powerpoint/2010/main" val="3138652847"/>
+        <p14:creationId xmlns:p14="http://schemas.microsoft.com/office/powerpoint/2010/main" val="2910081761"/>
       </p:ext>
     </p:extLst>
   </p:cSld>
@@ -5722,518 +9176,7 @@
 </p:sld>
 </file>
 
-<file path=ppt/slides/slide12.xml><?xml version="1.0" encoding="utf-8"?>
-<p:sld xmlns:a="http://schemas.openxmlformats.org/drawingml/2006/main" xmlns:r="http://schemas.openxmlformats.org/officeDocument/2006/relationships" xmlns:p="http://schemas.openxmlformats.org/presentationml/2006/main" show="0">
-  <p:cSld>
-    <p:spTree>
-      <p:nvGrpSpPr>
-        <p:cNvPr id="1" name=""/>
-        <p:cNvGrpSpPr/>
-        <p:nvPr/>
-      </p:nvGrpSpPr>
-      <p:grpSpPr>
-        <a:xfrm>
-          <a:off x="0" y="0"/>
-          <a:ext cx="0" cy="0"/>
-          <a:chOff x="0" y="0"/>
-          <a:chExt cx="0" cy="0"/>
-        </a:xfrm>
-      </p:grpSpPr>
-      <p:sp>
-        <p:nvSpPr>
-          <p:cNvPr id="4097" name="Rectangle 1"/>
-          <p:cNvSpPr>
-            <a:spLocks noChangeArrowheads="1"/>
-          </p:cNvSpPr>
-          <p:nvPr/>
-        </p:nvSpPr>
-        <p:spPr bwMode="auto">
-          <a:xfrm>
-            <a:off x="918858" y="1070593"/>
-            <a:ext cx="7101191" cy="1631216"/>
-          </a:xfrm>
-          <a:prstGeom prst="rect">
-            <a:avLst/>
-          </a:prstGeom>
-          <a:solidFill>
-            <a:srgbClr val="FFFFFF"/>
-          </a:solidFill>
-          <a:ln w="9525">
-            <a:noFill/>
-            <a:miter lim="800000"/>
-            <a:headEnd/>
-            <a:tailEnd/>
-          </a:ln>
-          <a:effectLst/>
-        </p:spPr>
-        <p:txBody>
-          <a:bodyPr vert="horz" wrap="square" lIns="91440" tIns="45720" rIns="91440" bIns="45720" numCol="1" anchor="ctr" anchorCtr="0" compatLnSpc="1">
-            <a:prstTxWarp prst="textNoShape">
-              <a:avLst/>
-            </a:prstTxWarp>
-            <a:spAutoFit/>
-          </a:bodyPr>
-          <a:lstStyle/>
-          <a:p>
-            <a:pPr marL="0" marR="0" lvl="0" indent="0" algn="l" defTabSz="914400" rtl="0" eaLnBrk="1" fontAlgn="base" latinLnBrk="0" hangingPunct="1">
-              <a:lnSpc>
-                <a:spcPct val="100000"/>
-              </a:lnSpc>
-              <a:spcBef>
-                <a:spcPct val="0"/>
-              </a:spcBef>
-              <a:spcAft>
-                <a:spcPct val="0"/>
-              </a:spcAft>
-              <a:buClrTx/>
-              <a:buSzTx/>
-              <a:buFontTx/>
-              <a:buNone/>
-              <a:tabLst/>
-            </a:pPr>
-            <a:r>
-              <a:rPr kumimoji="0" lang="ru-RU" sz="2000" b="0" i="0" u="none" strike="noStrike" cap="none" normalizeH="0" baseline="0" dirty="0">
-                <a:ln>
-                  <a:noFill/>
-                </a:ln>
-                <a:solidFill>
-                  <a:srgbClr val="000000"/>
-                </a:solidFill>
-                <a:effectLst/>
-                <a:latin typeface="Arial" pitchFamily="34" charset="0"/>
-                <a:ea typeface="Arial" pitchFamily="34" charset="0"/>
-                <a:cs typeface="Calibri" pitchFamily="34" charset="0"/>
-              </a:rPr>
-              <a:t>Выводы</a:t>
-            </a:r>
-            <a:endParaRPr kumimoji="0" lang="ru-RU" sz="600" b="0" i="0" u="none" strike="noStrike" cap="none" normalizeH="0" baseline="0" dirty="0">
-              <a:ln>
-                <a:noFill/>
-              </a:ln>
-              <a:solidFill>
-                <a:schemeClr val="tx1"/>
-              </a:solidFill>
-              <a:effectLst/>
-              <a:latin typeface="Arial" pitchFamily="34" charset="0"/>
-              <a:cs typeface="Arial" pitchFamily="34" charset="0"/>
-            </a:endParaRPr>
-          </a:p>
-          <a:p>
-            <a:pPr marL="0" marR="0" lvl="0" indent="0" algn="l" defTabSz="914400" rtl="0" eaLnBrk="0" fontAlgn="base" latinLnBrk="0" hangingPunct="0">
-              <a:lnSpc>
-                <a:spcPct val="100000"/>
-              </a:lnSpc>
-              <a:spcBef>
-                <a:spcPct val="0"/>
-              </a:spcBef>
-              <a:spcAft>
-                <a:spcPct val="0"/>
-              </a:spcAft>
-              <a:buClrTx/>
-              <a:buSzTx/>
-              <a:buFontTx/>
-              <a:buNone/>
-              <a:tabLst/>
-            </a:pPr>
-            <a:r>
-              <a:rPr kumimoji="0" lang="ru-RU" sz="1200" b="0" i="0" u="none" strike="noStrike" cap="none" normalizeH="0" baseline="0" dirty="0">
-                <a:ln>
-                  <a:noFill/>
-                </a:ln>
-                <a:solidFill>
-                  <a:srgbClr val="000000"/>
-                </a:solidFill>
-                <a:effectLst/>
-                <a:latin typeface="Arial" pitchFamily="34" charset="0"/>
-                <a:ea typeface="Calibri" pitchFamily="34" charset="0"/>
-                <a:cs typeface="Calibri" pitchFamily="34" charset="0"/>
-              </a:rPr>
-              <a:t>В ходе термодинамического исследования кристаллизационной устойчивости халькогенидных стёкол </a:t>
-            </a:r>
-            <a:r>
-              <a:rPr kumimoji="0" lang="ru-RU" sz="1200" b="0" i="0" u="none" strike="noStrike" cap="none" normalizeH="0" baseline="0" dirty="0" err="1">
-                <a:ln>
-                  <a:noFill/>
-                </a:ln>
-                <a:solidFill>
-                  <a:srgbClr val="000000"/>
-                </a:solidFill>
-                <a:effectLst/>
-                <a:latin typeface="Arial" pitchFamily="34" charset="0"/>
-                <a:ea typeface="Calibri" pitchFamily="34" charset="0"/>
-                <a:cs typeface="Calibri" pitchFamily="34" charset="0"/>
-              </a:rPr>
-              <a:t>GexGaySez</a:t>
-            </a:r>
-            <a:r>
-              <a:rPr kumimoji="0" lang="ru-RU" sz="1200" b="0" i="0" u="none" strike="noStrike" cap="none" normalizeH="0" baseline="0" dirty="0">
-                <a:ln>
-                  <a:noFill/>
-                </a:ln>
-                <a:solidFill>
-                  <a:srgbClr val="000000"/>
-                </a:solidFill>
-                <a:effectLst/>
-                <a:latin typeface="Arial" pitchFamily="34" charset="0"/>
-                <a:ea typeface="Calibri" pitchFamily="34" charset="0"/>
-                <a:cs typeface="Calibri" pitchFamily="34" charset="0"/>
-              </a:rPr>
-              <a:t> </a:t>
-            </a:r>
-            <a:r>
-              <a:rPr kumimoji="0" lang="ru-RU" sz="1300" b="0" i="0" u="none" strike="noStrike" cap="none" normalizeH="0" baseline="0" dirty="0">
-                <a:ln>
-                  <a:noFill/>
-                </a:ln>
-                <a:solidFill>
-                  <a:srgbClr val="000000"/>
-                </a:solidFill>
-                <a:effectLst/>
-                <a:latin typeface="Times New Roman" pitchFamily="18" charset="0"/>
-                <a:ea typeface="Calibri" pitchFamily="34" charset="0"/>
-                <a:cs typeface="Times New Roman" pitchFamily="18" charset="0"/>
-              </a:rPr>
-              <a:t>методом минимизации энергии Гиббса:</a:t>
-            </a:r>
-            <a:endParaRPr kumimoji="0" lang="ru-RU" sz="600" b="0" i="0" u="none" strike="noStrike" cap="none" normalizeH="0" baseline="0" dirty="0">
-              <a:ln>
-                <a:noFill/>
-              </a:ln>
-              <a:solidFill>
-                <a:schemeClr val="tx1"/>
-              </a:solidFill>
-              <a:effectLst/>
-              <a:latin typeface="Arial" pitchFamily="34" charset="0"/>
-              <a:cs typeface="Arial" pitchFamily="34" charset="0"/>
-            </a:endParaRPr>
-          </a:p>
-          <a:p>
-            <a:pPr marL="0" marR="0" lvl="0" indent="0" algn="l" defTabSz="914400" rtl="0" eaLnBrk="0" fontAlgn="base" latinLnBrk="0" hangingPunct="0">
-              <a:lnSpc>
-                <a:spcPct val="100000"/>
-              </a:lnSpc>
-              <a:spcBef>
-                <a:spcPct val="0"/>
-              </a:spcBef>
-              <a:spcAft>
-                <a:spcPct val="0"/>
-              </a:spcAft>
-              <a:buClrTx/>
-              <a:buSzTx/>
-              <a:buFontTx/>
-              <a:buChar char="•"/>
-              <a:tabLst/>
-            </a:pPr>
-            <a:r>
-              <a:rPr kumimoji="0" lang="ru-RU" sz="1100" b="0" i="0" u="none" strike="noStrike" cap="none" normalizeH="0" baseline="0" dirty="0">
-                <a:ln>
-                  <a:noFill/>
-                </a:ln>
-                <a:solidFill>
-                  <a:srgbClr val="000000"/>
-                </a:solidFill>
-                <a:effectLst/>
-                <a:latin typeface="Arial" pitchFamily="34" charset="0"/>
-                <a:ea typeface="Calibri" pitchFamily="34" charset="0"/>
-                <a:cs typeface="Calibri" pitchFamily="34" charset="0"/>
-              </a:rPr>
-              <a:t>с позиции ассоциированных растворов проведено моделирование расплава и раствора твёрдых компонентов, определен температурный интервал плавления.</a:t>
-            </a:r>
-            <a:endParaRPr kumimoji="0" lang="ru-RU" sz="600" b="0" i="0" u="none" strike="noStrike" cap="none" normalizeH="0" baseline="0" dirty="0">
-              <a:ln>
-                <a:noFill/>
-              </a:ln>
-              <a:solidFill>
-                <a:schemeClr val="tx1"/>
-              </a:solidFill>
-              <a:effectLst/>
-              <a:latin typeface="Arial" pitchFamily="34" charset="0"/>
-              <a:cs typeface="Arial" pitchFamily="34" charset="0"/>
-            </a:endParaRPr>
-          </a:p>
-          <a:p>
-            <a:pPr marL="0" marR="0" lvl="0" indent="0" algn="l" defTabSz="914400" rtl="0" eaLnBrk="0" fontAlgn="base" latinLnBrk="0" hangingPunct="0">
-              <a:lnSpc>
-                <a:spcPct val="100000"/>
-              </a:lnSpc>
-              <a:spcBef>
-                <a:spcPct val="0"/>
-              </a:spcBef>
-              <a:spcAft>
-                <a:spcPct val="0"/>
-              </a:spcAft>
-              <a:buClrTx/>
-              <a:buSzTx/>
-              <a:buFontTx/>
-              <a:buChar char="•"/>
-              <a:tabLst/>
-            </a:pPr>
-            <a:r>
-              <a:rPr kumimoji="0" lang="ru-RU" sz="1100" b="0" i="0" u="none" strike="noStrike" cap="none" normalizeH="0" baseline="0" dirty="0">
-                <a:ln>
-                  <a:noFill/>
-                </a:ln>
-                <a:solidFill>
-                  <a:srgbClr val="000000"/>
-                </a:solidFill>
-                <a:effectLst/>
-                <a:latin typeface="Arial" pitchFamily="34" charset="0"/>
-                <a:ea typeface="Calibri" pitchFamily="34" charset="0"/>
-                <a:cs typeface="Calibri" pitchFamily="34" charset="0"/>
-              </a:rPr>
-              <a:t>путём сопоставления химических потенциалов кристаллических компонентов и экстраполированных в область переохлаждённого расплава предсказана кристаллизация в зависимости от состава стёкол.</a:t>
-            </a:r>
-            <a:endParaRPr kumimoji="0" lang="ru-RU" sz="600" b="0" i="0" u="none" strike="noStrike" cap="none" normalizeH="0" baseline="0" dirty="0">
-              <a:ln>
-                <a:noFill/>
-              </a:ln>
-              <a:solidFill>
-                <a:schemeClr val="tx1"/>
-              </a:solidFill>
-              <a:effectLst/>
-              <a:latin typeface="Arial" pitchFamily="34" charset="0"/>
-              <a:cs typeface="Arial" pitchFamily="34" charset="0"/>
-            </a:endParaRPr>
-          </a:p>
-          <a:p>
-            <a:pPr marL="0" marR="0" lvl="0" indent="0" algn="l" defTabSz="914400" rtl="0" eaLnBrk="0" fontAlgn="base" latinLnBrk="0" hangingPunct="0">
-              <a:lnSpc>
-                <a:spcPct val="100000"/>
-              </a:lnSpc>
-              <a:spcBef>
-                <a:spcPct val="0"/>
-              </a:spcBef>
-              <a:spcAft>
-                <a:spcPct val="0"/>
-              </a:spcAft>
-              <a:buClrTx/>
-              <a:buSzTx/>
-              <a:buFontTx/>
-              <a:buChar char="•"/>
-              <a:tabLst/>
-            </a:pPr>
-            <a:r>
-              <a:rPr kumimoji="0" lang="ru-RU" sz="1100" b="0" i="0" u="none" strike="noStrike" cap="none" normalizeH="0" baseline="0" dirty="0">
-                <a:ln>
-                  <a:noFill/>
-                </a:ln>
-                <a:solidFill>
-                  <a:schemeClr val="tx1"/>
-                </a:solidFill>
-                <a:effectLst/>
-                <a:latin typeface="Arial" pitchFamily="34" charset="0"/>
-                <a:ea typeface="Calibri" pitchFamily="34" charset="0"/>
-                <a:cs typeface="Calibri" pitchFamily="34" charset="0"/>
-              </a:rPr>
-              <a:t>Проведена интерпретация кривых ДСК изученных составов стекол</a:t>
-            </a:r>
-            <a:endParaRPr kumimoji="0" lang="ru-RU" sz="1800" b="0" i="0" u="none" strike="noStrike" cap="none" normalizeH="0" baseline="0" dirty="0">
-              <a:ln>
-                <a:noFill/>
-              </a:ln>
-              <a:solidFill>
-                <a:schemeClr val="tx1"/>
-              </a:solidFill>
-              <a:effectLst/>
-              <a:latin typeface="Arial" pitchFamily="34" charset="0"/>
-              <a:cs typeface="Arial" pitchFamily="34" charset="0"/>
-            </a:endParaRPr>
-          </a:p>
-        </p:txBody>
-      </p:sp>
-      <p:sp>
-        <p:nvSpPr>
-          <p:cNvPr id="2" name="Заголовок 1">
-            <a:extLst>
-              <a:ext uri="{FF2B5EF4-FFF2-40B4-BE49-F238E27FC236}">
-                <a16:creationId xmlns:a16="http://schemas.microsoft.com/office/drawing/2014/main" id="{804B3D23-5310-4A6F-8BAC-53EC5DED660E}"/>
-              </a:ext>
-            </a:extLst>
-          </p:cNvPr>
-          <p:cNvSpPr>
-            <a:spLocks noGrp="1"/>
-          </p:cNvSpPr>
-          <p:nvPr>
-            <p:ph type="title"/>
-          </p:nvPr>
-        </p:nvSpPr>
-        <p:spPr/>
-        <p:txBody>
-          <a:bodyPr/>
-          <a:lstStyle/>
-          <a:p>
-            <a:endParaRPr lang="ru-RU" dirty="0"/>
-          </a:p>
-        </p:txBody>
-      </p:sp>
-      <p:sp>
-        <p:nvSpPr>
-          <p:cNvPr id="3" name="Номер слайда 2">
-            <a:extLst>
-              <a:ext uri="{FF2B5EF4-FFF2-40B4-BE49-F238E27FC236}">
-                <a16:creationId xmlns:a16="http://schemas.microsoft.com/office/drawing/2014/main" id="{F03C2823-ECF7-4DEF-8B68-D6722E2BF2C3}"/>
-              </a:ext>
-            </a:extLst>
-          </p:cNvPr>
-          <p:cNvSpPr>
-            <a:spLocks noGrp="1"/>
-          </p:cNvSpPr>
-          <p:nvPr>
-            <p:ph type="sldNum" sz="quarter" idx="12"/>
-          </p:nvPr>
-        </p:nvSpPr>
-        <p:spPr/>
-        <p:txBody>
-          <a:bodyPr/>
-          <a:lstStyle/>
-          <a:p>
-            <a:fld id="{C9EB4E2A-F2F9-42E4-914F-48C9A8B5C503}" type="slidenum">
-              <a:rPr lang="ru-RU" smtClean="0"/>
-              <a:pPr/>
-              <a:t>12</a:t>
-            </a:fld>
-            <a:endParaRPr lang="ru-RU" dirty="0"/>
-          </a:p>
-        </p:txBody>
-      </p:sp>
-    </p:spTree>
-    <p:extLst>
-      <p:ext uri="{BB962C8B-B14F-4D97-AF65-F5344CB8AC3E}">
-        <p14:creationId xmlns:p14="http://schemas.microsoft.com/office/powerpoint/2010/main" val="2050309021"/>
-      </p:ext>
-    </p:extLst>
-  </p:cSld>
-  <p:clrMapOvr>
-    <a:masterClrMapping/>
-  </p:clrMapOvr>
-</p:sld>
-</file>
-
-<file path=ppt/slides/slide13.xml><?xml version="1.0" encoding="utf-8"?>
-<p:sld xmlns:a="http://schemas.openxmlformats.org/drawingml/2006/main" xmlns:r="http://schemas.openxmlformats.org/officeDocument/2006/relationships" xmlns:p="http://schemas.openxmlformats.org/presentationml/2006/main">
-  <p:cSld>
-    <p:spTree>
-      <p:nvGrpSpPr>
-        <p:cNvPr id="1" name=""/>
-        <p:cNvGrpSpPr/>
-        <p:nvPr/>
-      </p:nvGrpSpPr>
-      <p:grpSpPr>
-        <a:xfrm>
-          <a:off x="0" y="0"/>
-          <a:ext cx="0" cy="0"/>
-          <a:chOff x="0" y="0"/>
-          <a:chExt cx="0" cy="0"/>
-        </a:xfrm>
-      </p:grpSpPr>
-      <p:sp>
-        <p:nvSpPr>
-          <p:cNvPr id="2" name="TextBox 1"/>
-          <p:cNvSpPr txBox="1"/>
-          <p:nvPr/>
-        </p:nvSpPr>
-        <p:spPr>
-          <a:xfrm>
-            <a:off x="0" y="1114066"/>
-            <a:ext cx="9144000" cy="4401205"/>
-          </a:xfrm>
-          <a:prstGeom prst="rect">
-            <a:avLst/>
-          </a:prstGeom>
-          <a:noFill/>
-        </p:spPr>
-        <p:txBody>
-          <a:bodyPr wrap="square" rtlCol="0">
-            <a:spAutoFit/>
-          </a:bodyPr>
-          <a:lstStyle/>
-          <a:p>
-            <a:pPr algn="ctr"/>
-            <a:r>
-              <a:rPr lang="ru-RU" sz="3200" dirty="0"/>
-              <a:t>Спасибо за внимание!</a:t>
-            </a:r>
-          </a:p>
-          <a:p>
-            <a:pPr algn="ctr"/>
-            <a:endParaRPr lang="ru-RU" sz="3200" dirty="0"/>
-          </a:p>
-          <a:p>
-            <a:pPr algn="ctr"/>
-            <a:r>
-              <a:rPr lang="ru-RU" sz="3200" dirty="0"/>
-              <a:t>Термический анализ выполнен в лаборатории </a:t>
-            </a:r>
-            <a:r>
-              <a:rPr lang="ru-RU" sz="3200" dirty="0" err="1"/>
-              <a:t>ТВСиРСВ</a:t>
-            </a:r>
-            <a:r>
-              <a:rPr lang="ru-RU" sz="3200" dirty="0"/>
-              <a:t> ИХВВ РАН</a:t>
-            </a:r>
-          </a:p>
-          <a:p>
-            <a:pPr algn="ctr"/>
-            <a:r>
-              <a:rPr lang="ru-RU" sz="3200" dirty="0"/>
-              <a:t>Образцы стекол представлены лаб. ВБС</a:t>
-            </a:r>
-          </a:p>
-          <a:p>
-            <a:pPr algn="ctr"/>
-            <a:endParaRPr lang="ru-RU" sz="6000" dirty="0"/>
-          </a:p>
-          <a:p>
-            <a:pPr algn="ctr"/>
-            <a:endParaRPr lang="ru-RU" sz="6000" dirty="0"/>
-          </a:p>
-        </p:txBody>
-      </p:sp>
-      <p:sp>
-        <p:nvSpPr>
-          <p:cNvPr id="4" name="Номер слайда 3">
-            <a:extLst>
-              <a:ext uri="{FF2B5EF4-FFF2-40B4-BE49-F238E27FC236}">
-                <a16:creationId xmlns:a16="http://schemas.microsoft.com/office/drawing/2014/main" id="{862C2B69-C2B5-4835-9CC1-9A4E76B54967}"/>
-              </a:ext>
-            </a:extLst>
-          </p:cNvPr>
-          <p:cNvSpPr>
-            <a:spLocks noGrp="1"/>
-          </p:cNvSpPr>
-          <p:nvPr>
-            <p:ph type="sldNum" sz="quarter" idx="12"/>
-          </p:nvPr>
-        </p:nvSpPr>
-        <p:spPr/>
-        <p:txBody>
-          <a:bodyPr/>
-          <a:lstStyle/>
-          <a:p>
-            <a:fld id="{C9EB4E2A-F2F9-42E4-914F-48C9A8B5C503}" type="slidenum">
-              <a:rPr lang="ru-RU" smtClean="0"/>
-              <a:pPr/>
-              <a:t>13</a:t>
-            </a:fld>
-            <a:endParaRPr lang="ru-RU" dirty="0"/>
-          </a:p>
-        </p:txBody>
-      </p:sp>
-    </p:spTree>
-    <p:extLst>
-      <p:ext uri="{BB962C8B-B14F-4D97-AF65-F5344CB8AC3E}">
-        <p14:creationId xmlns:p14="http://schemas.microsoft.com/office/powerpoint/2010/main" val="4203807464"/>
-      </p:ext>
-    </p:extLst>
-  </p:cSld>
-  <p:clrMapOvr>
-    <a:masterClrMapping/>
-  </p:clrMapOvr>
-</p:sld>
-</file>
-
-<file path=ppt/slides/slide2.xml><?xml version="1.0" encoding="utf-8"?>
+<file path=ppt/slides/slide7.xml><?xml version="1.0" encoding="utf-8"?>
 <p:sld xmlns:a="http://schemas.openxmlformats.org/drawingml/2006/main" xmlns:r="http://schemas.openxmlformats.org/officeDocument/2006/relationships" xmlns:p="http://schemas.openxmlformats.org/presentationml/2006/main">
   <p:cSld>
     <p:spTree>
@@ -6252,282 +9195,46 @@
       </p:grpSpPr>
       <p:pic>
         <p:nvPicPr>
-          <p:cNvPr id="2054" name="Picture 6" descr="https://avatars.mds.yandex.net/get-zen_doc/1856956/pub_5d6fc00f1ee34f00ad096c5c_5d6fc01595aa9f00acf01682/scale_1200"/>
+          <p:cNvPr id="25" name="Рисунок 24">
+            <a:extLst>
+              <a:ext uri="{FF2B5EF4-FFF2-40B4-BE49-F238E27FC236}">
+                <a16:creationId xmlns:a16="http://schemas.microsoft.com/office/drawing/2014/main" id="{9F8E46A6-18D5-48C4-B2A7-84A6EF2D8656}"/>
+              </a:ext>
+            </a:extLst>
+          </p:cNvPr>
           <p:cNvPicPr>
-            <a:picLocks noChangeAspect="1" noChangeArrowheads="1"/>
+            <a:picLocks noChangeAspect="1"/>
           </p:cNvPicPr>
           <p:nvPr/>
         </p:nvPicPr>
         <p:blipFill>
-          <a:blip r:embed="rId3" cstate="print">
+          <a:blip r:embed="rId3">
             <a:extLst>
               <a:ext uri="{28A0092B-C50C-407E-A947-70E740481C1C}">
                 <a14:useLocalDpi xmlns:a14="http://schemas.microsoft.com/office/drawing/2010/main" val="0"/>
               </a:ext>
             </a:extLst>
           </a:blip>
-          <a:srcRect/>
           <a:stretch>
             <a:fillRect/>
           </a:stretch>
         </p:blipFill>
-        <p:spPr bwMode="auto">
-          <a:xfrm>
-            <a:off x="6154940" y="2308409"/>
-            <a:ext cx="2769288" cy="1846192"/>
+        <p:spPr>
+          <a:xfrm>
+            <a:off x="0" y="4272264"/>
+            <a:ext cx="2484037" cy="2595007"/>
           </a:xfrm>
           <a:prstGeom prst="rect">
             <a:avLst/>
           </a:prstGeom>
-          <a:ln>
-            <a:noFill/>
-          </a:ln>
-          <a:effectLst>
-            <a:outerShdw blurRad="190500" algn="tl" rotWithShape="0">
-              <a:srgbClr val="000000">
-                <a:alpha val="70000"/>
-              </a:srgbClr>
-            </a:outerShdw>
-          </a:effectLst>
-          <a:extLst>
-            <a:ext uri="{909E8E84-426E-40DD-AFC4-6F175D3DCCD1}">
-              <a14:hiddenFill xmlns:a14="http://schemas.microsoft.com/office/drawing/2010/main">
-                <a:solidFill>
-                  <a:srgbClr val="FFFFFF"/>
-                </a:solidFill>
-              </a14:hiddenFill>
-            </a:ext>
-          </a:extLst>
         </p:spPr>
       </p:pic>
-      <p:pic>
-        <p:nvPicPr>
-          <p:cNvPr id="2052" name="Picture 4" descr="https://sc01.alicdn.com/kf/HTB1Ty6mIpXXXXa9XpXX760XFXXXt/200244385/HTB1Ty6mIpXXXXa9XpXX760XFXXXt.png"/>
-          <p:cNvPicPr>
-            <a:picLocks noChangeAspect="1" noChangeArrowheads="1"/>
-          </p:cNvPicPr>
-          <p:nvPr/>
-        </p:nvPicPr>
-        <p:blipFill>
-          <a:blip r:embed="rId4" cstate="print">
-            <a:extLst>
-              <a:ext uri="{28A0092B-C50C-407E-A947-70E740481C1C}">
-                <a14:useLocalDpi xmlns:a14="http://schemas.microsoft.com/office/drawing/2010/main" val="0"/>
-              </a:ext>
-            </a:extLst>
-          </a:blip>
-          <a:srcRect/>
-          <a:stretch>
-            <a:fillRect/>
-          </a:stretch>
-        </p:blipFill>
-        <p:spPr bwMode="auto">
-          <a:xfrm>
-            <a:off x="3181531" y="2308408"/>
-            <a:ext cx="2797263" cy="1846193"/>
-          </a:xfrm>
-          <a:prstGeom prst="rect">
-            <a:avLst/>
-          </a:prstGeom>
-          <a:ln>
-            <a:noFill/>
-          </a:ln>
-          <a:effectLst>
-            <a:outerShdw blurRad="190500" algn="tl" rotWithShape="0">
-              <a:srgbClr val="000000">
-                <a:alpha val="70000"/>
-              </a:srgbClr>
-            </a:outerShdw>
-          </a:effectLst>
-          <a:extLst>
-            <a:ext uri="{909E8E84-426E-40DD-AFC4-6F175D3DCCD1}">
-              <a14:hiddenFill xmlns:a14="http://schemas.microsoft.com/office/drawing/2010/main">
-                <a:solidFill>
-                  <a:srgbClr val="FFFFFF"/>
-                </a:solidFill>
-              </a14:hiddenFill>
-            </a:ext>
-          </a:extLst>
-        </p:spPr>
-      </p:pic>
-      <p:pic>
-        <p:nvPicPr>
-          <p:cNvPr id="2060" name="Picture 12" descr="https://i.ytimg.com/vi/iwEEJO7QK7w/maxresdefault.jpg"/>
-          <p:cNvPicPr>
-            <a:picLocks noChangeAspect="1" noChangeArrowheads="1"/>
-          </p:cNvPicPr>
-          <p:nvPr/>
-        </p:nvPicPr>
-        <p:blipFill rotWithShape="1">
-          <a:blip r:embed="rId5" cstate="print">
-            <a:extLst>
-              <a:ext uri="{28A0092B-C50C-407E-A947-70E740481C1C}">
-                <a14:useLocalDpi xmlns:a14="http://schemas.microsoft.com/office/drawing/2010/main" val="0"/>
-              </a:ext>
-            </a:extLst>
-          </a:blip>
-          <a:srcRect l="20085" r="32442"/>
-          <a:stretch/>
-        </p:blipFill>
-        <p:spPr bwMode="auto">
-          <a:xfrm>
-            <a:off x="140166" y="4192103"/>
-            <a:ext cx="2134687" cy="2529373"/>
-          </a:xfrm>
-          <a:prstGeom prst="rect">
-            <a:avLst/>
-          </a:prstGeom>
-          <a:ln>
-            <a:noFill/>
-          </a:ln>
-          <a:effectLst>
-            <a:outerShdw blurRad="190500" algn="tl" rotWithShape="0">
-              <a:srgbClr val="000000">
-                <a:alpha val="70000"/>
-              </a:srgbClr>
-            </a:outerShdw>
-          </a:effectLst>
-          <a:extLst>
-            <a:ext uri="{909E8E84-426E-40DD-AFC4-6F175D3DCCD1}">
-              <a14:hiddenFill xmlns:a14="http://schemas.microsoft.com/office/drawing/2010/main">
-                <a:solidFill>
-                  <a:srgbClr val="FFFFFF"/>
-                </a:solidFill>
-              </a14:hiddenFill>
-            </a:ext>
-          </a:extLst>
-        </p:spPr>
-      </p:pic>
-      <p:pic>
-        <p:nvPicPr>
-          <p:cNvPr id="2058" name="Picture 10" descr="https://simax-shop.ru/upload/medialibrary/aab/2323.jpg"/>
-          <p:cNvPicPr>
-            <a:picLocks noChangeAspect="1" noChangeArrowheads="1"/>
-          </p:cNvPicPr>
-          <p:nvPr/>
-        </p:nvPicPr>
-        <p:blipFill>
-          <a:blip r:embed="rId6" cstate="print">
-            <a:extLst>
-              <a:ext uri="{28A0092B-C50C-407E-A947-70E740481C1C}">
-                <a14:useLocalDpi xmlns:a14="http://schemas.microsoft.com/office/drawing/2010/main" val="0"/>
-              </a:ext>
-            </a:extLst>
-          </a:blip>
-          <a:srcRect/>
-          <a:stretch>
-            <a:fillRect/>
-          </a:stretch>
-        </p:blipFill>
-        <p:spPr bwMode="auto">
-          <a:xfrm>
-            <a:off x="140166" y="2308408"/>
-            <a:ext cx="2461604" cy="1846203"/>
-          </a:xfrm>
-          <a:prstGeom prst="rect">
-            <a:avLst/>
-          </a:prstGeom>
-          <a:ln>
-            <a:noFill/>
-          </a:ln>
-          <a:effectLst>
-            <a:outerShdw blurRad="190500" algn="tl" rotWithShape="0">
-              <a:srgbClr val="000000">
-                <a:alpha val="70000"/>
-              </a:srgbClr>
-            </a:outerShdw>
-          </a:effectLst>
-          <a:extLst>
-            <a:ext uri="{909E8E84-426E-40DD-AFC4-6F175D3DCCD1}">
-              <a14:hiddenFill xmlns:a14="http://schemas.microsoft.com/office/drawing/2010/main">
-                <a:solidFill>
-                  <a:srgbClr val="FFFFFF"/>
-                </a:solidFill>
-              </a14:hiddenFill>
-            </a:ext>
-          </a:extLst>
-        </p:spPr>
-      </p:pic>
-      <p:pic>
-        <p:nvPicPr>
-          <p:cNvPr id="3" name="Рисунок 2"/>
-          <p:cNvPicPr>
-            <a:picLocks noChangeAspect="1"/>
-          </p:cNvPicPr>
-          <p:nvPr/>
-        </p:nvPicPr>
-        <p:blipFill rotWithShape="1">
-          <a:blip r:embed="rId7" cstate="print">
-            <a:extLst>
-              <a:ext uri="{28A0092B-C50C-407E-A947-70E740481C1C}">
-                <a14:useLocalDpi xmlns:a14="http://schemas.microsoft.com/office/drawing/2010/main" val="0"/>
-              </a:ext>
-            </a:extLst>
-          </a:blip>
-          <a:srcRect l="5755" t="6939" r="8774" b="8758"/>
-          <a:stretch/>
-        </p:blipFill>
-        <p:spPr>
-          <a:xfrm>
-            <a:off x="3454442" y="4208516"/>
-            <a:ext cx="4931257" cy="2520058"/>
-          </a:xfrm>
-          <a:prstGeom prst="rect">
-            <a:avLst/>
-          </a:prstGeom>
-          <a:ln>
-            <a:noFill/>
-          </a:ln>
-          <a:effectLst>
-            <a:outerShdw blurRad="190500" algn="tl" rotWithShape="0">
-              <a:srgbClr val="000000">
-                <a:alpha val="70000"/>
-              </a:srgbClr>
-            </a:outerShdw>
-          </a:effectLst>
-        </p:spPr>
-      </p:pic>
-      <p:cxnSp>
-        <p:nvCxnSpPr>
-          <p:cNvPr id="5" name="Прямая со стрелкой 4"/>
-          <p:cNvCxnSpPr>
-            <a:cxnSpLocks/>
-          </p:cNvCxnSpPr>
-          <p:nvPr/>
-        </p:nvCxnSpPr>
-        <p:spPr>
-          <a:xfrm>
-            <a:off x="2407031" y="5456789"/>
-            <a:ext cx="922503" cy="0"/>
-          </a:xfrm>
-          <a:prstGeom prst="straightConnector1">
-            <a:avLst/>
-          </a:prstGeom>
-          <a:ln w="76200">
-            <a:tailEnd type="triangle"/>
-          </a:ln>
-        </p:spPr>
-        <p:style>
-          <a:lnRef idx="3">
-            <a:schemeClr val="dk1"/>
-          </a:lnRef>
-          <a:fillRef idx="0">
-            <a:schemeClr val="dk1"/>
-          </a:fillRef>
-          <a:effectRef idx="2">
-            <a:schemeClr val="dk1"/>
-          </a:effectRef>
-          <a:fontRef idx="minor">
-            <a:schemeClr val="tx1"/>
-          </a:fontRef>
-        </p:style>
-      </p:cxnSp>
-      <p:sp>
-        <p:nvSpPr>
-          <p:cNvPr id="7" name="Заголовок 6">
-            <a:extLst>
-              <a:ext uri="{FF2B5EF4-FFF2-40B4-BE49-F238E27FC236}">
-                <a16:creationId xmlns:a16="http://schemas.microsoft.com/office/drawing/2014/main" id="{6192612A-9B48-4BC0-A715-E74A8AFE0071}"/>
+      <p:sp>
+        <p:nvSpPr>
+          <p:cNvPr id="2" name="Заголовок 1">
+            <a:extLst>
+              <a:ext uri="{FF2B5EF4-FFF2-40B4-BE49-F238E27FC236}">
+                <a16:creationId xmlns:a16="http://schemas.microsoft.com/office/drawing/2014/main" id="{2F3E63C9-69A0-4CDC-89B3-BC5193939181}"/>
               </a:ext>
             </a:extLst>
           </p:cNvPr>
@@ -6545,140 +9252,28 @@
           <a:p>
             <a:r>
               <a:rPr lang="ru-RU" dirty="0"/>
-              <a:t>ВСТУПЛЕНИЕ</a:t>
-            </a:r>
-          </a:p>
-        </p:txBody>
-      </p:sp>
-      <p:sp>
-        <p:nvSpPr>
-          <p:cNvPr id="9" name="Объект 8">
-            <a:extLst>
-              <a:ext uri="{FF2B5EF4-FFF2-40B4-BE49-F238E27FC236}">
-                <a16:creationId xmlns:a16="http://schemas.microsoft.com/office/drawing/2014/main" id="{380DFBBE-C183-416F-A343-3598174724F2}"/>
-              </a:ext>
-            </a:extLst>
-          </p:cNvPr>
-          <p:cNvSpPr>
-            <a:spLocks noGrp="1"/>
-          </p:cNvSpPr>
-          <p:nvPr>
-            <p:ph idx="1"/>
-          </p:nvPr>
-        </p:nvSpPr>
-        <p:spPr/>
-        <p:txBody>
-          <a:bodyPr/>
-          <a:lstStyle/>
-          <a:p>
-            <a:pPr marL="0" indent="0">
-              <a:buNone/>
-            </a:pPr>
-            <a:r>
-              <a:rPr lang="ru-RU" sz="2400" dirty="0">
-                <a:solidFill>
-                  <a:srgbClr val="000000"/>
-                </a:solidFill>
-                <a:ea typeface="Calibri" pitchFamily="34" charset="0"/>
-                <a:cs typeface="Calibri" pitchFamily="34" charset="0"/>
-              </a:rPr>
-              <a:t>	</a:t>
-            </a:r>
-            <a:r>
-              <a:rPr lang="ru-RU" sz="2400" b="1" dirty="0">
-                <a:solidFill>
-                  <a:srgbClr val="000000"/>
-                </a:solidFill>
-                <a:ea typeface="Calibri" pitchFamily="34" charset="0"/>
-                <a:cs typeface="Calibri" pitchFamily="34" charset="0"/>
-              </a:rPr>
-              <a:t>ЦЕЛЬ РАБОТЫ: </a:t>
-            </a:r>
-            <a:r>
-              <a:rPr lang="ru-RU" sz="2400" dirty="0">
-                <a:solidFill>
-                  <a:srgbClr val="000000"/>
-                </a:solidFill>
-                <a:ea typeface="Calibri" pitchFamily="34" charset="0"/>
-                <a:cs typeface="Calibri" pitchFamily="34" charset="0"/>
-              </a:rPr>
-              <a:t>М</a:t>
-            </a:r>
-            <a:r>
-              <a:rPr kumimoji="0" lang="ru-RU" sz="2400" b="0" i="0" u="none" strike="noStrike" cap="none" normalizeH="0" baseline="0" dirty="0">
-                <a:ln>
-                  <a:noFill/>
-                </a:ln>
-                <a:solidFill>
-                  <a:srgbClr val="000000"/>
-                </a:solidFill>
-                <a:effectLst/>
-                <a:ea typeface="Calibri" pitchFamily="34" charset="0"/>
-                <a:cs typeface="Calibri" pitchFamily="34" charset="0"/>
-              </a:rPr>
-              <a:t>етодом минимизации энергии Гиббса</a:t>
-            </a:r>
-            <a:r>
-              <a:rPr kumimoji="0" lang="ru-RU" sz="2400" b="0" i="0" u="none" strike="noStrike" cap="none" normalizeH="0" baseline="0" dirty="0">
-                <a:ln>
-                  <a:noFill/>
-                </a:ln>
-                <a:solidFill>
-                  <a:srgbClr val="222222"/>
-                </a:solidFill>
-                <a:effectLst/>
-                <a:ea typeface="Calibri" pitchFamily="34" charset="0"/>
-                <a:cs typeface="Calibri" pitchFamily="34" charset="0"/>
-              </a:rPr>
-              <a:t> </a:t>
-            </a:r>
-            <a:r>
-              <a:rPr kumimoji="0" lang="ru-RU" sz="2400" b="0" i="0" u="none" strike="noStrike" cap="none" normalizeH="0" baseline="0" dirty="0">
-                <a:ln>
-                  <a:noFill/>
-                </a:ln>
-                <a:solidFill>
-                  <a:srgbClr val="000000"/>
-                </a:solidFill>
-                <a:effectLst/>
-                <a:ea typeface="Calibri" pitchFamily="34" charset="0"/>
-                <a:cs typeface="Calibri" pitchFamily="34" charset="0"/>
-              </a:rPr>
-              <a:t>определить температурные режимы синтеза и состав возможных кристаллических фаз в стеклообразующей системе </a:t>
-            </a:r>
-            <a:r>
-              <a:rPr kumimoji="0" lang="ru-RU" sz="2400" b="1" i="0" u="none" strike="noStrike" cap="none" normalizeH="0" baseline="0" dirty="0" err="1">
-                <a:ln>
-                  <a:noFill/>
-                </a:ln>
-                <a:solidFill>
-                  <a:srgbClr val="222222"/>
-                </a:solidFill>
-                <a:effectLst/>
-                <a:ea typeface="Calibri" pitchFamily="34" charset="0"/>
-                <a:cs typeface="Calibri" pitchFamily="34" charset="0"/>
-              </a:rPr>
-              <a:t>Ge-Ga-Se</a:t>
-            </a:r>
-            <a:r>
-              <a:rPr lang="ru-RU" sz="2400" b="1" dirty="0"/>
-              <a:t> </a:t>
-            </a:r>
-          </a:p>
-          <a:p>
-            <a:pPr marL="0" indent="0">
-              <a:buNone/>
-            </a:pPr>
-            <a:endParaRPr lang="ru-RU" dirty="0"/>
-          </a:p>
-        </p:txBody>
-      </p:sp>
-      <p:sp>
-        <p:nvSpPr>
-          <p:cNvPr id="6" name="Номер слайда 5">
-            <a:extLst>
-              <a:ext uri="{FF2B5EF4-FFF2-40B4-BE49-F238E27FC236}">
-                <a16:creationId xmlns:a16="http://schemas.microsoft.com/office/drawing/2014/main" id="{C9F63731-B63A-4456-BCF3-549B23B5240C}"/>
+              <a:t>ИНТЕРВАЛ ТЕМПЕРАТУРЫ </a:t>
+            </a:r>
+            <a:r>
+              <a:rPr lang="ru-RU" u="sng" dirty="0"/>
+              <a:t>700-900 К</a:t>
+            </a:r>
+            <a:br>
+              <a:rPr lang="ru-RU" dirty="0"/>
+            </a:br>
+            <a:r>
+              <a:rPr lang="ru-RU" dirty="0"/>
+              <a:t>РЕЗУЛЬТАТ РАСЧЕТА, ДСК, ЗАВИСИМОСТЬ ЭНЕРГИЙ ГИББСА</a:t>
+            </a:r>
+          </a:p>
+        </p:txBody>
+      </p:sp>
+      <p:sp>
+        <p:nvSpPr>
+          <p:cNvPr id="3" name="Номер слайда 2">
+            <a:extLst>
+              <a:ext uri="{FF2B5EF4-FFF2-40B4-BE49-F238E27FC236}">
+                <a16:creationId xmlns:a16="http://schemas.microsoft.com/office/drawing/2014/main" id="{86B3E787-7EFE-4F96-BAF9-71EA2897A42D}"/>
               </a:ext>
             </a:extLst>
           </p:cNvPr>
@@ -6697,120 +9292,18 @@
             <a:fld id="{C9EB4E2A-F2F9-42E4-914F-48C9A8B5C503}" type="slidenum">
               <a:rPr lang="ru-RU" smtClean="0"/>
               <a:pPr/>
-              <a:t>2</a:t>
+              <a:t>7</a:t>
             </a:fld>
             <a:endParaRPr lang="ru-RU" dirty="0"/>
           </a:p>
         </p:txBody>
       </p:sp>
-    </p:spTree>
-    <p:extLst>
-      <p:ext uri="{BB962C8B-B14F-4D97-AF65-F5344CB8AC3E}">
-        <p14:creationId xmlns:p14="http://schemas.microsoft.com/office/powerpoint/2010/main" val="2394028940"/>
-      </p:ext>
-    </p:extLst>
-  </p:cSld>
-  <p:clrMapOvr>
-    <a:masterClrMapping/>
-  </p:clrMapOvr>
-</p:sld>
-</file>
-
-<file path=ppt/slides/slide3.xml><?xml version="1.0" encoding="utf-8"?>
-<p:sld xmlns:a="http://schemas.openxmlformats.org/drawingml/2006/main" xmlns:r="http://schemas.openxmlformats.org/officeDocument/2006/relationships" xmlns:p="http://schemas.openxmlformats.org/presentationml/2006/main">
-  <p:cSld>
-    <p:spTree>
-      <p:nvGrpSpPr>
-        <p:cNvPr id="1" name=""/>
-        <p:cNvGrpSpPr/>
-        <p:nvPr/>
-      </p:nvGrpSpPr>
-      <p:grpSpPr>
-        <a:xfrm>
-          <a:off x="0" y="0"/>
-          <a:ext cx="0" cy="0"/>
-          <a:chOff x="0" y="0"/>
-          <a:chExt cx="0" cy="0"/>
-        </a:xfrm>
-      </p:grpSpPr>
-      <p:pic>
-        <p:nvPicPr>
-          <p:cNvPr id="8" name="Рисунок 7">
-            <a:extLst>
-              <a:ext uri="{FF2B5EF4-FFF2-40B4-BE49-F238E27FC236}">
-                <a16:creationId xmlns:a16="http://schemas.microsoft.com/office/drawing/2014/main" id="{AD7C7AC2-4109-4D2D-96A4-77D1DA5020AF}"/>
-              </a:ext>
-            </a:extLst>
-          </p:cNvPr>
-          <p:cNvPicPr>
-            <a:picLocks noChangeAspect="1"/>
-          </p:cNvPicPr>
-          <p:nvPr/>
-        </p:nvPicPr>
-        <p:blipFill>
-          <a:blip r:embed="rId3" cstate="print"/>
-          <a:stretch>
-            <a:fillRect/>
-          </a:stretch>
-        </p:blipFill>
-        <p:spPr>
-          <a:xfrm>
-            <a:off x="152398" y="2057091"/>
-            <a:ext cx="3216877" cy="2136285"/>
-          </a:xfrm>
-          <a:prstGeom prst="rect">
-            <a:avLst/>
-          </a:prstGeom>
-          <a:ln w="57150">
-            <a:solidFill>
-              <a:srgbClr val="FF0000"/>
-            </a:solidFill>
-          </a:ln>
-          <a:effectLst>
-            <a:outerShdw blurRad="190500" algn="tl" rotWithShape="0">
-              <a:srgbClr val="000000">
-                <a:alpha val="70000"/>
-              </a:srgbClr>
-            </a:outerShdw>
-          </a:effectLst>
-        </p:spPr>
-      </p:pic>
-      <p:pic>
-        <p:nvPicPr>
-          <p:cNvPr id="16" name="Рисунок 15">
-            <a:extLst>
-              <a:ext uri="{FF2B5EF4-FFF2-40B4-BE49-F238E27FC236}">
-                <a16:creationId xmlns:a16="http://schemas.microsoft.com/office/drawing/2014/main" id="{FC382331-0DC7-4D83-87F0-D862A7C6C5E6}"/>
-              </a:ext>
-            </a:extLst>
-          </p:cNvPr>
-          <p:cNvPicPr>
-            <a:picLocks noChangeAspect="1"/>
-          </p:cNvPicPr>
-          <p:nvPr/>
-        </p:nvPicPr>
-        <p:blipFill>
-          <a:blip r:embed="rId4" cstate="print"/>
-          <a:stretch>
-            <a:fillRect/>
-          </a:stretch>
-        </p:blipFill>
-        <p:spPr>
-          <a:xfrm>
-            <a:off x="152397" y="4528682"/>
-            <a:ext cx="3216877" cy="2136285"/>
-          </a:xfrm>
-          <a:prstGeom prst="rect">
-            <a:avLst/>
-          </a:prstGeom>
-        </p:spPr>
-      </p:pic>
-      <p:sp>
-        <p:nvSpPr>
-          <p:cNvPr id="11" name="TextBox 10">
-            <a:extLst>
-              <a:ext uri="{FF2B5EF4-FFF2-40B4-BE49-F238E27FC236}">
-                <a16:creationId xmlns:a16="http://schemas.microsoft.com/office/drawing/2014/main" id="{1BCD4BBC-E89B-4827-80B2-04BA7814016F}"/>
+      <p:sp>
+        <p:nvSpPr>
+          <p:cNvPr id="13" name="TextBox 12">
+            <a:extLst>
+              <a:ext uri="{FF2B5EF4-FFF2-40B4-BE49-F238E27FC236}">
+                <a16:creationId xmlns:a16="http://schemas.microsoft.com/office/drawing/2014/main" id="{485724C6-95A2-4E46-8684-0ED0D9221664}"/>
               </a:ext>
             </a:extLst>
           </p:cNvPr>
@@ -6819,8 +9312,8 @@
         </p:nvSpPr>
         <p:spPr>
           <a:xfrm>
-            <a:off x="3491656" y="1991386"/>
-            <a:ext cx="5125122" cy="1015663"/>
+            <a:off x="3906904" y="1057441"/>
+            <a:ext cx="1210962" cy="584775"/>
           </a:xfrm>
           <a:prstGeom prst="rect">
             <a:avLst/>
@@ -6834,477 +9327,37 @@
           <a:lstStyle/>
           <a:p>
             <a:r>
-              <a:rPr lang="ru-RU" sz="2400" b="1" dirty="0"/>
-              <a:t>1. </a:t>
-            </a:r>
-            <a:r>
-              <a:rPr lang="ru-RU" sz="1800" dirty="0">
-                <a:effectLst/>
-                <a:ea typeface="Calibri" panose="020F0502020204030204" pitchFamily="34" charset="0"/>
-                <a:cs typeface="Times New Roman" panose="02020603050405020304" pitchFamily="18" charset="0"/>
-              </a:rPr>
-              <a:t>стекло представлено в виде двух растворов, один из которых состоит из </a:t>
-            </a:r>
-            <a:r>
-              <a:rPr lang="ru-RU" sz="1800" u="sng" dirty="0">
-                <a:effectLst/>
-                <a:ea typeface="Calibri" panose="020F0502020204030204" pitchFamily="34" charset="0"/>
-                <a:cs typeface="Times New Roman" panose="02020603050405020304" pitchFamily="18" charset="0"/>
-              </a:rPr>
-              <a:t>кристаллических компонентов</a:t>
-            </a:r>
-            <a:r>
-              <a:rPr lang="ru-RU" sz="1800" dirty="0">
-                <a:effectLst/>
-                <a:ea typeface="Calibri" panose="020F0502020204030204" pitchFamily="34" charset="0"/>
-                <a:cs typeface="Times New Roman" panose="02020603050405020304" pitchFamily="18" charset="0"/>
-              </a:rPr>
-              <a:t>, а второй – из </a:t>
-            </a:r>
-            <a:r>
-              <a:rPr lang="ru-RU" sz="1800" u="sng" dirty="0">
-                <a:effectLst/>
-                <a:ea typeface="Calibri" panose="020F0502020204030204" pitchFamily="34" charset="0"/>
-                <a:cs typeface="Times New Roman" panose="02020603050405020304" pitchFamily="18" charset="0"/>
-              </a:rPr>
-              <a:t>жидких</a:t>
-            </a:r>
-            <a:r>
-              <a:rPr lang="ru-RU" sz="1800" b="1" cap="all" dirty="0">
-                <a:solidFill>
-                  <a:srgbClr val="984806"/>
-                </a:solidFill>
-                <a:effectLst/>
-                <a:ea typeface="Calibri" panose="020F0502020204030204" pitchFamily="34" charset="0"/>
-                <a:cs typeface="Calibri" panose="020F0502020204030204" pitchFamily="34" charset="0"/>
-              </a:rPr>
-              <a:t>. </a:t>
-            </a:r>
-            <a:endParaRPr lang="ru-RU" dirty="0"/>
-          </a:p>
-        </p:txBody>
-      </p:sp>
-      <p:sp>
-        <p:nvSpPr>
-          <p:cNvPr id="7" name="Заголовок 6">
-            <a:extLst>
-              <a:ext uri="{FF2B5EF4-FFF2-40B4-BE49-F238E27FC236}">
-                <a16:creationId xmlns:a16="http://schemas.microsoft.com/office/drawing/2014/main" id="{E7A56D62-F2D6-4FA9-8562-24C32106A9B7}"/>
-              </a:ext>
-            </a:extLst>
-          </p:cNvPr>
-          <p:cNvSpPr>
-            <a:spLocks noGrp="1"/>
-          </p:cNvSpPr>
-          <p:nvPr>
-            <p:ph type="title"/>
-          </p:nvPr>
-        </p:nvSpPr>
-        <p:spPr/>
-        <p:txBody>
-          <a:bodyPr>
-            <a:noAutofit/>
-          </a:bodyPr>
-          <a:lstStyle/>
-          <a:p>
-            <a:r>
-              <a:rPr lang="ru-RU" dirty="0"/>
-              <a:t>ТЕОРЕТИЧЕСКАЯ ЧАСТЬ</a:t>
-            </a:r>
-          </a:p>
-        </p:txBody>
-      </p:sp>
-      <p:sp>
-        <p:nvSpPr>
-          <p:cNvPr id="3" name="Номер слайда 2">
-            <a:extLst>
-              <a:ext uri="{FF2B5EF4-FFF2-40B4-BE49-F238E27FC236}">
-                <a16:creationId xmlns:a16="http://schemas.microsoft.com/office/drawing/2014/main" id="{8F070C9E-3A09-4349-9B21-5CDD6176BA99}"/>
-              </a:ext>
-            </a:extLst>
-          </p:cNvPr>
-          <p:cNvSpPr>
-            <a:spLocks noGrp="1"/>
-          </p:cNvSpPr>
-          <p:nvPr>
-            <p:ph type="sldNum" sz="quarter" idx="12"/>
-          </p:nvPr>
-        </p:nvSpPr>
-        <p:spPr/>
-        <p:txBody>
-          <a:bodyPr/>
-          <a:lstStyle/>
-          <a:p>
-            <a:fld id="{C9EB4E2A-F2F9-42E4-914F-48C9A8B5C503}" type="slidenum">
-              <a:rPr lang="ru-RU" smtClean="0"/>
-              <a:pPr/>
-              <a:t>3</a:t>
-            </a:fld>
-            <a:endParaRPr lang="ru-RU" dirty="0"/>
-          </a:p>
-        </p:txBody>
-      </p:sp>
-      <p:sp>
-        <p:nvSpPr>
-          <p:cNvPr id="17" name="TextBox 16">
-            <a:extLst>
-              <a:ext uri="{FF2B5EF4-FFF2-40B4-BE49-F238E27FC236}">
-                <a16:creationId xmlns:a16="http://schemas.microsoft.com/office/drawing/2014/main" id="{2EB4B3A4-5586-40D7-83BC-00768F72EFDA}"/>
-              </a:ext>
-            </a:extLst>
-          </p:cNvPr>
-          <p:cNvSpPr txBox="1"/>
-          <p:nvPr/>
-        </p:nvSpPr>
-        <p:spPr>
-          <a:xfrm>
-            <a:off x="152400" y="1065050"/>
-            <a:ext cx="3735860" cy="923330"/>
-          </a:xfrm>
-          <a:prstGeom prst="rect">
-            <a:avLst/>
-          </a:prstGeom>
-          <a:noFill/>
-        </p:spPr>
-        <p:txBody>
-          <a:bodyPr wrap="square">
-            <a:spAutoFit/>
-          </a:bodyPr>
-          <a:lstStyle/>
-          <a:p>
-            <a:r>
-              <a:rPr lang="ru-RU" dirty="0"/>
-              <a:t>Общий вид калькулятора </a:t>
-            </a:r>
-          </a:p>
-          <a:p>
-            <a:r>
-              <a:rPr lang="en-US" dirty="0"/>
-              <a:t>Chemical Thermodynamics Calculator  </a:t>
-            </a:r>
-            <a:br>
-              <a:rPr lang="ru-RU" dirty="0"/>
-            </a:br>
-            <a:r>
-              <a:rPr lang="en-US" dirty="0"/>
-              <a:t>(</a:t>
-            </a:r>
-            <a:r>
-              <a:rPr lang="ru-RU" dirty="0"/>
-              <a:t>автор </a:t>
-            </a:r>
-            <a:r>
-              <a:rPr lang="ru-RU" b="1" dirty="0" err="1"/>
-              <a:t>КУТЬИН</a:t>
-            </a:r>
-            <a:r>
-              <a:rPr lang="ru-RU" b="1" dirty="0"/>
-              <a:t> </a:t>
-            </a:r>
-            <a:r>
-              <a:rPr lang="ru-RU" b="1" dirty="0" err="1"/>
-              <a:t>А.М</a:t>
-            </a:r>
-            <a:r>
-              <a:rPr lang="ru-RU" b="1" dirty="0"/>
-              <a:t>.</a:t>
-            </a:r>
-            <a:r>
-              <a:rPr lang="ru-RU" dirty="0"/>
-              <a:t>):</a:t>
-            </a:r>
-          </a:p>
-        </p:txBody>
-      </p:sp>
-      <p:sp>
-        <p:nvSpPr>
-          <p:cNvPr id="18" name="TextBox 17">
-            <a:extLst>
-              <a:ext uri="{FF2B5EF4-FFF2-40B4-BE49-F238E27FC236}">
-                <a16:creationId xmlns:a16="http://schemas.microsoft.com/office/drawing/2014/main" id="{D84B793B-04A2-431B-A3F8-EFAC14F72D0D}"/>
-              </a:ext>
-            </a:extLst>
-          </p:cNvPr>
-          <p:cNvSpPr txBox="1"/>
-          <p:nvPr/>
-        </p:nvSpPr>
-        <p:spPr>
-          <a:xfrm>
-            <a:off x="3491655" y="4528682"/>
-            <a:ext cx="5125121" cy="1569660"/>
-          </a:xfrm>
-          <a:prstGeom prst="rect">
-            <a:avLst/>
-          </a:prstGeom>
-          <a:noFill/>
-        </p:spPr>
-        <p:txBody>
-          <a:bodyPr wrap="square" rtlCol="0">
-            <a:spAutoFit/>
-          </a:bodyPr>
-          <a:lstStyle/>
-          <a:p>
-            <a:r>
-              <a:rPr lang="ru-RU" sz="2400" b="1" dirty="0"/>
-              <a:t>2. </a:t>
-            </a:r>
-            <a:r>
-              <a:rPr lang="ru-RU" sz="1800" dirty="0">
-                <a:effectLst/>
-                <a:ea typeface="Calibri" panose="020F0502020204030204" pitchFamily="34" charset="0"/>
-                <a:cs typeface="Times New Roman" panose="02020603050405020304" pitchFamily="18" charset="0"/>
-              </a:rPr>
-              <a:t>стекло представлено </a:t>
-            </a:r>
-            <a:r>
-              <a:rPr lang="ru-RU" sz="1800" u="sng" dirty="0">
-                <a:effectLst/>
-                <a:ea typeface="Calibri" panose="020F0502020204030204" pitchFamily="34" charset="0"/>
-                <a:cs typeface="Times New Roman" panose="02020603050405020304" pitchFamily="18" charset="0"/>
-              </a:rPr>
-              <a:t>кристаллическими компонентами </a:t>
-            </a:r>
-            <a:r>
-              <a:rPr lang="ru-RU" sz="1800" dirty="0">
-                <a:effectLst/>
-                <a:ea typeface="Calibri" panose="020F0502020204030204" pitchFamily="34" charset="0"/>
-                <a:cs typeface="Times New Roman" panose="02020603050405020304" pitchFamily="18" charset="0"/>
-              </a:rPr>
-              <a:t>в виде отдельных конденсированных фаз, фактически несмешивающимися между собой, и </a:t>
-            </a:r>
-            <a:r>
-              <a:rPr lang="ru-RU" sz="1800" u="sng" dirty="0">
-                <a:effectLst/>
-                <a:ea typeface="Calibri" panose="020F0502020204030204" pitchFamily="34" charset="0"/>
-                <a:cs typeface="Times New Roman" panose="02020603050405020304" pitchFamily="18" charset="0"/>
-              </a:rPr>
-              <a:t>жидким раствором </a:t>
-            </a:r>
-            <a:endParaRPr lang="ru-RU" u="sng" dirty="0"/>
-          </a:p>
-        </p:txBody>
-      </p:sp>
-    </p:spTree>
-    <p:extLst>
-      <p:ext uri="{BB962C8B-B14F-4D97-AF65-F5344CB8AC3E}">
-        <p14:creationId xmlns:p14="http://schemas.microsoft.com/office/powerpoint/2010/main" val="491899554"/>
-      </p:ext>
-    </p:extLst>
-  </p:cSld>
-  <p:clrMapOvr>
-    <a:masterClrMapping/>
-  </p:clrMapOvr>
-</p:sld>
-</file>
-
-<file path=ppt/slides/slide4.xml><?xml version="1.0" encoding="utf-8"?>
-<p:sld xmlns:a="http://schemas.openxmlformats.org/drawingml/2006/main" xmlns:r="http://schemas.openxmlformats.org/officeDocument/2006/relationships" xmlns:p="http://schemas.openxmlformats.org/presentationml/2006/main">
-  <p:cSld>
-    <p:spTree>
-      <p:nvGrpSpPr>
-        <p:cNvPr id="1" name=""/>
-        <p:cNvGrpSpPr/>
-        <p:nvPr/>
-      </p:nvGrpSpPr>
-      <p:grpSpPr>
-        <a:xfrm>
-          <a:off x="0" y="0"/>
-          <a:ext cx="0" cy="0"/>
-          <a:chOff x="0" y="0"/>
-          <a:chExt cx="0" cy="0"/>
-        </a:xfrm>
-      </p:grpSpPr>
-      <p:sp>
-        <p:nvSpPr>
-          <p:cNvPr id="2" name="Заголовок 1">
-            <a:extLst>
-              <a:ext uri="{FF2B5EF4-FFF2-40B4-BE49-F238E27FC236}">
-                <a16:creationId xmlns:a16="http://schemas.microsoft.com/office/drawing/2014/main" id="{EF72854A-4055-45F0-AFB3-360643FEA888}"/>
-              </a:ext>
-            </a:extLst>
-          </p:cNvPr>
-          <p:cNvSpPr>
-            <a:spLocks noGrp="1"/>
-          </p:cNvSpPr>
-          <p:nvPr>
-            <p:ph type="title"/>
-          </p:nvPr>
-        </p:nvSpPr>
-        <p:spPr/>
-        <p:txBody>
-          <a:bodyPr/>
-          <a:lstStyle/>
-          <a:p>
-            <a:r>
-              <a:rPr lang="ru-RU" dirty="0"/>
-              <a:t>СПИСОК ИСТОЧНИКОВ</a:t>
-            </a:r>
-          </a:p>
-        </p:txBody>
-      </p:sp>
-      <p:sp>
-        <p:nvSpPr>
-          <p:cNvPr id="3" name="Объект 2">
-            <a:extLst>
-              <a:ext uri="{FF2B5EF4-FFF2-40B4-BE49-F238E27FC236}">
-                <a16:creationId xmlns:a16="http://schemas.microsoft.com/office/drawing/2014/main" id="{487CD2FF-E87A-43F6-932D-10E076603089}"/>
-              </a:ext>
-            </a:extLst>
-          </p:cNvPr>
-          <p:cNvSpPr>
-            <a:spLocks noGrp="1"/>
-          </p:cNvSpPr>
-          <p:nvPr>
-            <p:ph idx="1"/>
-          </p:nvPr>
-        </p:nvSpPr>
-        <p:spPr/>
-        <p:txBody>
-          <a:bodyPr/>
-          <a:lstStyle/>
-          <a:p>
-            <a:endParaRPr lang="ru-RU" dirty="0"/>
-          </a:p>
-        </p:txBody>
-      </p:sp>
-      <p:sp>
-        <p:nvSpPr>
-          <p:cNvPr id="4" name="Номер слайда 3">
-            <a:extLst>
-              <a:ext uri="{FF2B5EF4-FFF2-40B4-BE49-F238E27FC236}">
-                <a16:creationId xmlns:a16="http://schemas.microsoft.com/office/drawing/2014/main" id="{1EF46637-D77D-470D-8533-4B75FC099D4B}"/>
-              </a:ext>
-            </a:extLst>
-          </p:cNvPr>
-          <p:cNvSpPr>
-            <a:spLocks noGrp="1"/>
-          </p:cNvSpPr>
-          <p:nvPr>
-            <p:ph type="sldNum" sz="quarter" idx="12"/>
-          </p:nvPr>
-        </p:nvSpPr>
-        <p:spPr/>
-        <p:txBody>
-          <a:bodyPr/>
-          <a:lstStyle/>
-          <a:p>
-            <a:fld id="{C9EB4E2A-F2F9-42E4-914F-48C9A8B5C503}" type="slidenum">
-              <a:rPr lang="ru-RU" smtClean="0"/>
-              <a:pPr/>
-              <a:t>4</a:t>
-            </a:fld>
-            <a:endParaRPr lang="ru-RU" dirty="0"/>
-          </a:p>
-        </p:txBody>
-      </p:sp>
-    </p:spTree>
-    <p:extLst>
-      <p:ext uri="{BB962C8B-B14F-4D97-AF65-F5344CB8AC3E}">
-        <p14:creationId xmlns:p14="http://schemas.microsoft.com/office/powerpoint/2010/main" val="2677577935"/>
-      </p:ext>
-    </p:extLst>
-  </p:cSld>
-  <p:clrMapOvr>
-    <a:masterClrMapping/>
-  </p:clrMapOvr>
-</p:sld>
-</file>
-
-<file path=ppt/slides/slide5.xml><?xml version="1.0" encoding="utf-8"?>
-<p:sld xmlns:a="http://schemas.openxmlformats.org/drawingml/2006/main" xmlns:r="http://schemas.openxmlformats.org/officeDocument/2006/relationships" xmlns:p="http://schemas.openxmlformats.org/presentationml/2006/main">
-  <p:cSld>
-    <p:spTree>
-      <p:nvGrpSpPr>
-        <p:cNvPr id="1" name=""/>
-        <p:cNvGrpSpPr/>
-        <p:nvPr/>
-      </p:nvGrpSpPr>
-      <p:grpSpPr>
-        <a:xfrm>
-          <a:off x="0" y="0"/>
-          <a:ext cx="0" cy="0"/>
-          <a:chOff x="0" y="0"/>
-          <a:chExt cx="0" cy="0"/>
-        </a:xfrm>
-      </p:grpSpPr>
-      <p:pic>
-        <p:nvPicPr>
-          <p:cNvPr id="3" name="Рисунок 2">
-            <a:extLst>
-              <a:ext uri="{FF2B5EF4-FFF2-40B4-BE49-F238E27FC236}">
-                <a16:creationId xmlns:a16="http://schemas.microsoft.com/office/drawing/2014/main" id="{E3E5A002-06C7-47EC-973E-D9F727D9900F}"/>
-              </a:ext>
-            </a:extLst>
-          </p:cNvPr>
-          <p:cNvPicPr>
-            <a:picLocks noChangeAspect="1"/>
-          </p:cNvPicPr>
-          <p:nvPr/>
-        </p:nvPicPr>
-        <p:blipFill>
-          <a:blip r:embed="rId3" cstate="print">
-            <a:extLst>
-              <a:ext uri="{28A0092B-C50C-407E-A947-70E740481C1C}">
-                <a14:useLocalDpi xmlns:a14="http://schemas.microsoft.com/office/drawing/2010/main" val="0"/>
-              </a:ext>
-            </a:extLst>
-          </a:blip>
-          <a:stretch>
-            <a:fillRect/>
-          </a:stretch>
-        </p:blipFill>
-        <p:spPr>
-          <a:xfrm>
-            <a:off x="1" y="987746"/>
-            <a:ext cx="9144000" cy="4737697"/>
-          </a:xfrm>
-          <a:prstGeom prst="rect">
-            <a:avLst/>
-          </a:prstGeom>
-        </p:spPr>
-      </p:pic>
-      <p:sp>
-        <p:nvSpPr>
-          <p:cNvPr id="31" name="TextBox 30"/>
-          <p:cNvSpPr txBox="1"/>
-          <p:nvPr/>
-        </p:nvSpPr>
-        <p:spPr>
-          <a:xfrm>
-            <a:off x="564419" y="2384592"/>
-            <a:ext cx="1111554" cy="300082"/>
-          </a:xfrm>
-          <a:prstGeom prst="rect">
-            <a:avLst/>
-          </a:prstGeom>
-          <a:noFill/>
-        </p:spPr>
-        <p:txBody>
-          <a:bodyPr wrap="square" rtlCol="0">
-            <a:spAutoFit/>
-          </a:bodyPr>
-          <a:lstStyle/>
-          <a:p>
-            <a:r>
-              <a:rPr lang="ru-RU" sz="1350" dirty="0"/>
-              <a:t>Кривая ДСК</a:t>
+              <a:rPr lang="ru-RU" sz="1600" b="1" dirty="0"/>
+              <a:t>Плавление</a:t>
+            </a:r>
+          </a:p>
+          <a:p>
+            <a:r>
+              <a:rPr lang="ru-RU" sz="1600" b="1" dirty="0"/>
+              <a:t>800 – 830 К</a:t>
             </a:r>
           </a:p>
         </p:txBody>
       </p:sp>
       <p:cxnSp>
         <p:nvCxnSpPr>
-          <p:cNvPr id="33" name="Прямая со стрелкой 32"/>
+          <p:cNvPr id="14" name="Прямая со стрелкой 13">
+            <a:extLst>
+              <a:ext uri="{FF2B5EF4-FFF2-40B4-BE49-F238E27FC236}">
+                <a16:creationId xmlns:a16="http://schemas.microsoft.com/office/drawing/2014/main" id="{06728F70-0324-4C12-A59A-45E2230E2A79}"/>
+              </a:ext>
+            </a:extLst>
+          </p:cNvPr>
           <p:cNvCxnSpPr>
             <a:cxnSpLocks/>
-            <a:stCxn id="31" idx="2"/>
+            <a:stCxn id="13" idx="2"/>
           </p:cNvCxnSpPr>
           <p:nvPr/>
         </p:nvCxnSpPr>
         <p:spPr>
-          <a:xfrm>
-            <a:off x="1120196" y="2684674"/>
-            <a:ext cx="324826" cy="463758"/>
+          <a:xfrm flipH="1">
+            <a:off x="3756820" y="1642216"/>
+            <a:ext cx="755565" cy="370603"/>
           </a:xfrm>
           <a:prstGeom prst="straightConnector1">
             <a:avLst/>
@@ -7334,16 +9387,58 @@
           </a:fontRef>
         </p:style>
       </p:cxnSp>
-      <p:sp>
-        <p:nvSpPr>
-          <p:cNvPr id="37" name="TextBox 36"/>
+      <p:pic>
+        <p:nvPicPr>
+          <p:cNvPr id="34" name="Рисунок 33">
+            <a:extLst>
+              <a:ext uri="{FF2B5EF4-FFF2-40B4-BE49-F238E27FC236}">
+                <a16:creationId xmlns:a16="http://schemas.microsoft.com/office/drawing/2014/main" id="{2734A45B-88F9-4893-B0C8-CBD9D501ABC9}"/>
+              </a:ext>
+            </a:extLst>
+          </p:cNvPr>
+          <p:cNvPicPr>
+            <a:picLocks noChangeAspect="1"/>
+          </p:cNvPicPr>
+          <p:nvPr/>
+        </p:nvPicPr>
+        <p:blipFill>
+          <a:blip r:embed="rId4">
+            <a:extLst>
+              <a:ext uri="{28A0092B-C50C-407E-A947-70E740481C1C}">
+                <a14:useLocalDpi xmlns:a14="http://schemas.microsoft.com/office/drawing/2010/main" val="0"/>
+              </a:ext>
+            </a:extLst>
+          </a:blip>
+          <a:stretch>
+            <a:fillRect/>
+          </a:stretch>
+        </p:blipFill>
+        <p:spPr>
+          <a:xfrm>
+            <a:off x="2471990" y="4272264"/>
+            <a:ext cx="2484037" cy="2595007"/>
+          </a:xfrm>
+          <a:prstGeom prst="rect">
+            <a:avLst/>
+          </a:prstGeom>
+        </p:spPr>
+      </p:pic>
+      <p:sp>
+        <p:nvSpPr>
+          <p:cNvPr id="39" name="TextBox 38">
+            <a:extLst>
+              <a:ext uri="{FF2B5EF4-FFF2-40B4-BE49-F238E27FC236}">
+                <a16:creationId xmlns:a16="http://schemas.microsoft.com/office/drawing/2014/main" id="{FB64B54A-3237-42CE-9432-48B4B34AA4FB}"/>
+              </a:ext>
+            </a:extLst>
+          </p:cNvPr>
           <p:cNvSpPr txBox="1"/>
           <p:nvPr/>
         </p:nvSpPr>
         <p:spPr>
           <a:xfrm>
-            <a:off x="564734" y="1559069"/>
-            <a:ext cx="1720823" cy="507831"/>
+            <a:off x="3099589" y="4590083"/>
+            <a:ext cx="1673492" cy="276999"/>
           </a:xfrm>
           <a:prstGeom prst="rect">
             <a:avLst/>
@@ -7357,25 +9452,116 @@
           <a:lstStyle/>
           <a:p>
             <a:r>
-              <a:rPr lang="ru-RU" sz="1350" dirty="0"/>
-              <a:t>Область превращений</a:t>
-            </a:r>
+              <a:rPr lang="ru-RU" sz="1200" dirty="0"/>
+              <a:t>Отдельная фаза </a:t>
+            </a:r>
+            <a:r>
+              <a:rPr lang="en-US" sz="1200" dirty="0" err="1"/>
+              <a:t>GaSe</a:t>
+            </a:r>
+            <a:endParaRPr lang="ru-RU" sz="1200" dirty="0"/>
+          </a:p>
+        </p:txBody>
+      </p:sp>
+      <p:sp>
+        <p:nvSpPr>
+          <p:cNvPr id="40" name="TextBox 39">
+            <a:extLst>
+              <a:ext uri="{FF2B5EF4-FFF2-40B4-BE49-F238E27FC236}">
+                <a16:creationId xmlns:a16="http://schemas.microsoft.com/office/drawing/2014/main" id="{BF8DDDF3-ABAA-4462-B867-BE16EDE6EE8D}"/>
+              </a:ext>
+            </a:extLst>
+          </p:cNvPr>
+          <p:cNvSpPr txBox="1"/>
+          <p:nvPr/>
+        </p:nvSpPr>
+        <p:spPr>
+          <a:xfrm>
+            <a:off x="3310318" y="6086859"/>
+            <a:ext cx="1721912" cy="276999"/>
+          </a:xfrm>
+          <a:prstGeom prst="rect">
+            <a:avLst/>
+          </a:prstGeom>
+          <a:noFill/>
+        </p:spPr>
+        <p:txBody>
+          <a:bodyPr wrap="square" rtlCol="0">
+            <a:spAutoFit/>
+          </a:bodyPr>
+          <a:lstStyle/>
+          <a:p>
+            <a:r>
+              <a:rPr lang="ru-RU" sz="1200" dirty="0"/>
+              <a:t>Твердый раствор </a:t>
+            </a:r>
+            <a:r>
+              <a:rPr lang="en-US" sz="1200" dirty="0" err="1"/>
+              <a:t>GaSe</a:t>
+            </a:r>
+            <a:endParaRPr lang="ru-RU" sz="1200" dirty="0"/>
+          </a:p>
+        </p:txBody>
+      </p:sp>
+      <p:sp>
+        <p:nvSpPr>
+          <p:cNvPr id="41" name="TextBox 40">
+            <a:extLst>
+              <a:ext uri="{FF2B5EF4-FFF2-40B4-BE49-F238E27FC236}">
+                <a16:creationId xmlns:a16="http://schemas.microsoft.com/office/drawing/2014/main" id="{4FC60183-9333-4251-9BA9-8FFCF652CE13}"/>
+              </a:ext>
+            </a:extLst>
+          </p:cNvPr>
+          <p:cNvSpPr txBox="1"/>
+          <p:nvPr/>
+        </p:nvSpPr>
+        <p:spPr>
+          <a:xfrm>
+            <a:off x="664045" y="4751979"/>
+            <a:ext cx="1553395" cy="276999"/>
+          </a:xfrm>
+          <a:prstGeom prst="rect">
+            <a:avLst/>
+          </a:prstGeom>
+          <a:noFill/>
+        </p:spPr>
+        <p:txBody>
+          <a:bodyPr wrap="square" rtlCol="0">
+            <a:spAutoFit/>
+          </a:bodyPr>
+          <a:lstStyle/>
+          <a:p>
+            <a:r>
+              <a:rPr lang="ru-RU" sz="1200" dirty="0"/>
+              <a:t>Отдельная фаза </a:t>
+            </a:r>
+            <a:r>
+              <a:rPr lang="en-US" sz="1200" dirty="0"/>
+              <a:t>Ga</a:t>
+            </a:r>
+            <a:endParaRPr lang="ru-RU" sz="1200" dirty="0"/>
           </a:p>
         </p:txBody>
       </p:sp>
       <p:cxnSp>
         <p:nvCxnSpPr>
-          <p:cNvPr id="39" name="Прямая со стрелкой 38"/>
+          <p:cNvPr id="43" name="Прямая со стрелкой 42">
+            <a:extLst>
+              <a:ext uri="{FF2B5EF4-FFF2-40B4-BE49-F238E27FC236}">
+                <a16:creationId xmlns:a16="http://schemas.microsoft.com/office/drawing/2014/main" id="{D707A6D8-FB72-4649-8945-090EF7DC6D87}"/>
+              </a:ext>
+            </a:extLst>
+          </p:cNvPr>
           <p:cNvCxnSpPr>
             <a:cxnSpLocks/>
-            <a:stCxn id="37" idx="2"/>
+            <a:stCxn id="41" idx="2"/>
           </p:cNvCxnSpPr>
           <p:nvPr/>
         </p:nvCxnSpPr>
         <p:spPr>
           <a:xfrm>
-            <a:off x="1425146" y="2066900"/>
-            <a:ext cx="1306068" cy="545900"/>
+            <a:off x="1440743" y="5028978"/>
+            <a:ext cx="330907" cy="178022"/>
           </a:xfrm>
           <a:prstGeom prst="straightConnector1">
             <a:avLst/>
@@ -7405,60 +9591,25 @@
           </a:fontRef>
         </p:style>
       </p:cxnSp>
-      <p:sp>
-        <p:nvSpPr>
-          <p:cNvPr id="34" name="TextBox 33">
-            <a:extLst>
-              <a:ext uri="{FF2B5EF4-FFF2-40B4-BE49-F238E27FC236}">
-                <a16:creationId xmlns:a16="http://schemas.microsoft.com/office/drawing/2014/main" id="{78991951-34D4-4DB6-BDA9-8610850FCD73}"/>
-              </a:ext>
-            </a:extLst>
-          </p:cNvPr>
-          <p:cNvSpPr txBox="1"/>
-          <p:nvPr/>
-        </p:nvSpPr>
-        <p:spPr>
-          <a:xfrm>
-            <a:off x="429777" y="3329440"/>
-            <a:ext cx="1990733" cy="300082"/>
-          </a:xfrm>
-          <a:prstGeom prst="rect">
-            <a:avLst/>
-          </a:prstGeom>
-          <a:noFill/>
-        </p:spPr>
-        <p:txBody>
-          <a:bodyPr wrap="square" rtlCol="0">
-            <a:spAutoFit/>
-          </a:bodyPr>
-          <a:lstStyle/>
-          <a:p>
-            <a:r>
-              <a:rPr lang="ru-RU" sz="1350" dirty="0"/>
-              <a:t>Концентрации веществ</a:t>
-            </a:r>
-          </a:p>
-        </p:txBody>
-      </p:sp>
       <p:cxnSp>
         <p:nvCxnSpPr>
-          <p:cNvPr id="35" name="Прямая со стрелкой 34">
-            <a:extLst>
-              <a:ext uri="{FF2B5EF4-FFF2-40B4-BE49-F238E27FC236}">
-                <a16:creationId xmlns:a16="http://schemas.microsoft.com/office/drawing/2014/main" id="{66BD0CC5-A85D-41D7-A576-801A7941C5F8}"/>
+          <p:cNvPr id="45" name="Прямая со стрелкой 44">
+            <a:extLst>
+              <a:ext uri="{FF2B5EF4-FFF2-40B4-BE49-F238E27FC236}">
+                <a16:creationId xmlns:a16="http://schemas.microsoft.com/office/drawing/2014/main" id="{9F1F747A-2F81-4546-97C1-7544F47F35A6}"/>
               </a:ext>
             </a:extLst>
           </p:cNvPr>
           <p:cNvCxnSpPr>
             <a:cxnSpLocks/>
-            <a:stCxn id="34" idx="2"/>
+            <a:stCxn id="40" idx="0"/>
           </p:cNvCxnSpPr>
           <p:nvPr/>
         </p:nvCxnSpPr>
         <p:spPr>
-          <a:xfrm>
-            <a:off x="1425144" y="3629522"/>
-            <a:ext cx="194649" cy="444921"/>
+          <a:xfrm flipV="1">
+            <a:off x="4171274" y="5359400"/>
+            <a:ext cx="105819" cy="727459"/>
           </a:xfrm>
           <a:prstGeom prst="straightConnector1">
             <a:avLst/>
@@ -7490,10 +9641,134 @@
       </p:cxnSp>
       <p:sp>
         <p:nvSpPr>
+          <p:cNvPr id="51" name="TextBox 50">
+            <a:extLst>
+              <a:ext uri="{FF2B5EF4-FFF2-40B4-BE49-F238E27FC236}">
+                <a16:creationId xmlns:a16="http://schemas.microsoft.com/office/drawing/2014/main" id="{92FBE565-07D2-40E6-A323-CA5DC5B80E3C}"/>
+              </a:ext>
+            </a:extLst>
+          </p:cNvPr>
+          <p:cNvSpPr txBox="1"/>
+          <p:nvPr/>
+        </p:nvSpPr>
+        <p:spPr>
+          <a:xfrm>
+            <a:off x="959388" y="5727247"/>
+            <a:ext cx="1553395" cy="276999"/>
+          </a:xfrm>
+          <a:prstGeom prst="rect">
+            <a:avLst/>
+          </a:prstGeom>
+          <a:noFill/>
+        </p:spPr>
+        <p:txBody>
+          <a:bodyPr wrap="square" rtlCol="0">
+            <a:spAutoFit/>
+          </a:bodyPr>
+          <a:lstStyle/>
+          <a:p>
+            <a:r>
+              <a:rPr lang="ru-RU" sz="1200" dirty="0"/>
+              <a:t>Жидкий раствор </a:t>
+            </a:r>
+            <a:r>
+              <a:rPr lang="en-US" sz="1200" dirty="0"/>
+              <a:t>Ga</a:t>
+            </a:r>
+            <a:endParaRPr lang="ru-RU" sz="1200" dirty="0"/>
+          </a:p>
+        </p:txBody>
+      </p:sp>
+      <p:cxnSp>
+        <p:nvCxnSpPr>
+          <p:cNvPr id="52" name="Прямая со стрелкой 51">
+            <a:extLst>
+              <a:ext uri="{FF2B5EF4-FFF2-40B4-BE49-F238E27FC236}">
+                <a16:creationId xmlns:a16="http://schemas.microsoft.com/office/drawing/2014/main" id="{5D865DCF-BAC1-494D-BEDB-37ABA5AF28FC}"/>
+              </a:ext>
+            </a:extLst>
+          </p:cNvPr>
+          <p:cNvCxnSpPr>
+            <a:cxnSpLocks/>
+            <a:stCxn id="51" idx="2"/>
+          </p:cNvCxnSpPr>
+          <p:nvPr/>
+        </p:nvCxnSpPr>
+        <p:spPr>
+          <a:xfrm>
+            <a:off x="1736086" y="6004246"/>
+            <a:ext cx="69017" cy="497909"/>
+          </a:xfrm>
+          <a:prstGeom prst="straightConnector1">
+            <a:avLst/>
+          </a:prstGeom>
+          <a:ln w="19050">
+            <a:solidFill>
+              <a:schemeClr val="tx1">
+                <a:lumMod val="95000"/>
+                <a:lumOff val="5000"/>
+              </a:schemeClr>
+            </a:solidFill>
+            <a:tailEnd type="triangle"/>
+          </a:ln>
+        </p:spPr>
+        <p:style>
+          <a:lnRef idx="1">
+            <a:schemeClr val="accent1"/>
+          </a:lnRef>
+          <a:fillRef idx="0">
+            <a:schemeClr val="accent1"/>
+          </a:fillRef>
+          <a:effectRef idx="0">
+            <a:schemeClr val="accent1"/>
+          </a:effectRef>
+          <a:fontRef idx="minor">
+            <a:schemeClr val="tx1"/>
+          </a:fontRef>
+        </p:style>
+      </p:cxnSp>
+      <p:pic>
+        <p:nvPicPr>
+          <p:cNvPr id="9" name="Рисунок 8">
+            <a:extLst>
+              <a:ext uri="{FF2B5EF4-FFF2-40B4-BE49-F238E27FC236}">
+                <a16:creationId xmlns:a16="http://schemas.microsoft.com/office/drawing/2014/main" id="{8F90B7E8-84FE-4472-AF99-F15C1833B784}"/>
+              </a:ext>
+            </a:extLst>
+          </p:cNvPr>
+          <p:cNvPicPr>
+            <a:picLocks noChangeAspect="1"/>
+          </p:cNvPicPr>
+          <p:nvPr/>
+        </p:nvPicPr>
+        <p:blipFill>
+          <a:blip r:embed="rId5" cstate="print">
+            <a:extLst>
+              <a:ext uri="{28A0092B-C50C-407E-A947-70E740481C1C}">
+                <a14:useLocalDpi xmlns:a14="http://schemas.microsoft.com/office/drawing/2010/main" val="0"/>
+              </a:ext>
+            </a:extLst>
+          </a:blip>
+          <a:stretch>
+            <a:fillRect/>
+          </a:stretch>
+        </p:blipFill>
+        <p:spPr>
+          <a:xfrm>
+            <a:off x="0" y="1078380"/>
+            <a:ext cx="6237356" cy="3193884"/>
+          </a:xfrm>
+          <a:prstGeom prst="rect">
+            <a:avLst/>
+          </a:prstGeom>
+        </p:spPr>
+      </p:pic>
+      <p:sp>
+        <p:nvSpPr>
           <p:cNvPr id="18" name="Стрелка: вверх 17">
             <a:extLst>
               <a:ext uri="{FF2B5EF4-FFF2-40B4-BE49-F238E27FC236}">
-                <a16:creationId xmlns:a16="http://schemas.microsoft.com/office/drawing/2014/main" id="{00000000-0008-0000-0000-000008000000}"/>
+                <a16:creationId xmlns:a16="http://schemas.microsoft.com/office/drawing/2014/main" id="{E5AB21B2-E984-47AD-A34D-4F28960060FF}"/>
               </a:ext>
             </a:extLst>
           </p:cNvPr>
@@ -7502,8 +9777,8 @@
         </p:nvSpPr>
         <p:spPr>
           <a:xfrm>
-            <a:off x="8670625" y="1189783"/>
-            <a:ext cx="442297" cy="1883260"/>
+            <a:off x="5968533" y="1029153"/>
+            <a:ext cx="307000" cy="1307177"/>
           </a:xfrm>
           <a:prstGeom prst="upArrow">
             <a:avLst/>
@@ -7628,7 +9903,7 @@
           <a:p>
             <a:pPr algn="ctr"/>
             <a:r>
-              <a:rPr lang="ru-RU" sz="1050" b="1" dirty="0">
+              <a:rPr lang="ru-RU" sz="800" b="1" dirty="0">
                 <a:solidFill>
                   <a:schemeClr val="tx1"/>
                 </a:solidFill>
@@ -7640,10 +9915,10 @@
       </p:sp>
       <p:sp>
         <p:nvSpPr>
-          <p:cNvPr id="19" name="TextBox 18">
-            <a:extLst>
-              <a:ext uri="{FF2B5EF4-FFF2-40B4-BE49-F238E27FC236}">
-                <a16:creationId xmlns:a16="http://schemas.microsoft.com/office/drawing/2014/main" id="{649C0711-2396-4D12-9E75-3E7C8D319F3C}"/>
+          <p:cNvPr id="80" name="TextBox 79">
+            <a:extLst>
+              <a:ext uri="{FF2B5EF4-FFF2-40B4-BE49-F238E27FC236}">
+                <a16:creationId xmlns:a16="http://schemas.microsoft.com/office/drawing/2014/main" id="{8B36674F-F7A5-4AFE-9DD9-F110F32B5D95}"/>
               </a:ext>
             </a:extLst>
           </p:cNvPr>
@@ -7652,8 +9927,8 @@
         </p:nvSpPr>
         <p:spPr>
           <a:xfrm>
-            <a:off x="7328707" y="3766358"/>
-            <a:ext cx="390149" cy="300082"/>
+            <a:off x="3906904" y="1151497"/>
+            <a:ext cx="1210962" cy="584775"/>
           </a:xfrm>
           <a:prstGeom prst="rect">
             <a:avLst/>
@@ -7667,365 +9942,37 @@
           <a:lstStyle/>
           <a:p>
             <a:r>
-              <a:rPr lang="en-US" sz="1350" dirty="0">
-                <a:solidFill>
-                  <a:srgbClr val="92D050"/>
-                </a:solidFill>
-              </a:rPr>
-              <a:t>[L]</a:t>
-            </a:r>
-            <a:endParaRPr lang="ru-RU" sz="1350" dirty="0">
-              <a:solidFill>
-                <a:srgbClr val="92D050"/>
-              </a:solidFill>
-            </a:endParaRPr>
-          </a:p>
-        </p:txBody>
-      </p:sp>
-      <p:sp>
-        <p:nvSpPr>
-          <p:cNvPr id="11" name="Заголовок 10">
-            <a:extLst>
-              <a:ext uri="{FF2B5EF4-FFF2-40B4-BE49-F238E27FC236}">
-                <a16:creationId xmlns:a16="http://schemas.microsoft.com/office/drawing/2014/main" id="{56E87C3A-473A-4420-9282-E1873D063D56}"/>
-              </a:ext>
-            </a:extLst>
-          </p:cNvPr>
-          <p:cNvSpPr>
-            <a:spLocks noGrp="1"/>
-          </p:cNvSpPr>
-          <p:nvPr>
-            <p:ph type="title"/>
-          </p:nvPr>
-        </p:nvSpPr>
-        <p:spPr/>
-        <p:txBody>
-          <a:bodyPr/>
-          <a:lstStyle/>
-          <a:p>
-            <a:r>
-              <a:rPr lang="ru-RU" dirty="0"/>
-              <a:t>РЕЗУЛЬТАТ РАСЧЕТА И ДСК СТЕКЛА ДЛЯ СИСТЕМЫ СОСТАВА: </a:t>
-            </a:r>
-            <a:r>
-              <a:rPr lang="en-US" dirty="0"/>
-              <a:t>Ge</a:t>
-            </a:r>
-            <a:r>
-              <a:rPr lang="en-US" b="1" dirty="0"/>
-              <a:t>20</a:t>
-            </a:r>
-            <a:r>
-              <a:rPr lang="en-US" dirty="0"/>
-              <a:t>Ga</a:t>
-            </a:r>
-            <a:r>
-              <a:rPr lang="en-US" b="1" dirty="0"/>
-              <a:t>20</a:t>
-            </a:r>
-            <a:r>
-              <a:rPr lang="en-US" dirty="0"/>
-              <a:t>Se</a:t>
-            </a:r>
-            <a:r>
-              <a:rPr lang="en-US" b="1" dirty="0"/>
-              <a:t>60</a:t>
-            </a:r>
-            <a:endParaRPr lang="ru-RU" b="1" dirty="0"/>
-          </a:p>
-        </p:txBody>
-      </p:sp>
-      <p:sp>
-        <p:nvSpPr>
-          <p:cNvPr id="7" name="Номер слайда 6">
-            <a:extLst>
-              <a:ext uri="{FF2B5EF4-FFF2-40B4-BE49-F238E27FC236}">
-                <a16:creationId xmlns:a16="http://schemas.microsoft.com/office/drawing/2014/main" id="{A3164012-125C-4366-978D-BBF703D5D182}"/>
-              </a:ext>
-            </a:extLst>
-          </p:cNvPr>
-          <p:cNvSpPr>
-            <a:spLocks noGrp="1"/>
-          </p:cNvSpPr>
-          <p:nvPr>
-            <p:ph type="sldNum" sz="quarter" idx="12"/>
-          </p:nvPr>
-        </p:nvSpPr>
-        <p:spPr/>
-        <p:txBody>
-          <a:bodyPr/>
-          <a:lstStyle/>
-          <a:p>
-            <a:fld id="{C9EB4E2A-F2F9-42E4-914F-48C9A8B5C503}" type="slidenum">
-              <a:rPr lang="ru-RU" smtClean="0"/>
-              <a:pPr/>
-              <a:t>5</a:t>
-            </a:fld>
-            <a:endParaRPr lang="ru-RU" dirty="0"/>
-          </a:p>
-        </p:txBody>
-      </p:sp>
-      <p:sp>
-        <p:nvSpPr>
-          <p:cNvPr id="2" name="TextBox 1">
-            <a:extLst>
-              <a:ext uri="{FF2B5EF4-FFF2-40B4-BE49-F238E27FC236}">
-                <a16:creationId xmlns:a16="http://schemas.microsoft.com/office/drawing/2014/main" id="{CF6649E1-A126-4F27-A43A-FC370984001A}"/>
-              </a:ext>
-            </a:extLst>
-          </p:cNvPr>
-          <p:cNvSpPr txBox="1"/>
-          <p:nvPr/>
-        </p:nvSpPr>
-        <p:spPr>
-          <a:xfrm>
-            <a:off x="2207740" y="2058784"/>
-            <a:ext cx="1210962" cy="338554"/>
-          </a:xfrm>
-          <a:prstGeom prst="rect">
-            <a:avLst/>
-          </a:prstGeom>
-          <a:noFill/>
-        </p:spPr>
-        <p:txBody>
-          <a:bodyPr wrap="square" rtlCol="0">
-            <a:spAutoFit/>
-          </a:bodyPr>
-          <a:lstStyle/>
-          <a:p>
-            <a:r>
               <a:rPr lang="ru-RU" sz="1600" b="1" dirty="0"/>
-              <a:t>448 – 510 К</a:t>
-            </a:r>
-          </a:p>
-        </p:txBody>
-      </p:sp>
-      <p:sp>
-        <p:nvSpPr>
-          <p:cNvPr id="14" name="TextBox 13">
-            <a:extLst>
-              <a:ext uri="{FF2B5EF4-FFF2-40B4-BE49-F238E27FC236}">
-                <a16:creationId xmlns:a16="http://schemas.microsoft.com/office/drawing/2014/main" id="{DEF56F2E-599B-4253-A03F-26BC9CE793B8}"/>
-              </a:ext>
-            </a:extLst>
-          </p:cNvPr>
-          <p:cNvSpPr txBox="1"/>
-          <p:nvPr/>
-        </p:nvSpPr>
-        <p:spPr>
-          <a:xfrm>
-            <a:off x="4260976" y="1783342"/>
-            <a:ext cx="1210962" cy="338554"/>
-          </a:xfrm>
-          <a:prstGeom prst="rect">
-            <a:avLst/>
-          </a:prstGeom>
-          <a:noFill/>
-        </p:spPr>
-        <p:txBody>
-          <a:bodyPr wrap="square" rtlCol="0">
-            <a:spAutoFit/>
-          </a:bodyPr>
-          <a:lstStyle/>
+              <a:t>Плавление</a:t>
+            </a:r>
+          </a:p>
           <a:p>
             <a:r>
               <a:rPr lang="ru-RU" sz="1600" b="1" dirty="0"/>
-              <a:t>448 – 510 К</a:t>
+              <a:t>800 – 830 К</a:t>
             </a:r>
           </a:p>
         </p:txBody>
       </p:sp>
       <p:cxnSp>
         <p:nvCxnSpPr>
-          <p:cNvPr id="20" name="Прямая со стрелкой 19">
-            <a:extLst>
-              <a:ext uri="{FF2B5EF4-FFF2-40B4-BE49-F238E27FC236}">
-                <a16:creationId xmlns:a16="http://schemas.microsoft.com/office/drawing/2014/main" id="{A25A5240-D464-4470-81D9-15C718248DB5}"/>
+          <p:cNvPr id="81" name="Прямая со стрелкой 80">
+            <a:extLst>
+              <a:ext uri="{FF2B5EF4-FFF2-40B4-BE49-F238E27FC236}">
+                <a16:creationId xmlns:a16="http://schemas.microsoft.com/office/drawing/2014/main" id="{4C2806A2-BD89-4DD4-B6C8-1FBCE533C770}"/>
               </a:ext>
             </a:extLst>
           </p:cNvPr>
           <p:cNvCxnSpPr>
             <a:cxnSpLocks/>
-            <a:stCxn id="14" idx="2"/>
+            <a:stCxn id="80" idx="2"/>
           </p:cNvCxnSpPr>
           <p:nvPr/>
         </p:nvCxnSpPr>
         <p:spPr>
-          <a:xfrm>
-            <a:off x="4866457" y="2121896"/>
-            <a:ext cx="718797" cy="432306"/>
-          </a:xfrm>
-          <a:prstGeom prst="straightConnector1">
-            <a:avLst/>
-          </a:prstGeom>
-          <a:ln w="19050">
-            <a:solidFill>
-              <a:schemeClr val="tx1">
-                <a:lumMod val="95000"/>
-                <a:lumOff val="5000"/>
-              </a:schemeClr>
-            </a:solidFill>
-            <a:tailEnd type="triangle"/>
-          </a:ln>
-        </p:spPr>
-        <p:style>
-          <a:lnRef idx="1">
-            <a:schemeClr val="accent1"/>
-          </a:lnRef>
-          <a:fillRef idx="0">
-            <a:schemeClr val="accent1"/>
-          </a:fillRef>
-          <a:effectRef idx="0">
-            <a:schemeClr val="accent1"/>
-          </a:effectRef>
-          <a:fontRef idx="minor">
-            <a:schemeClr val="tx1"/>
-          </a:fontRef>
-        </p:style>
-      </p:cxnSp>
-      <p:sp>
-        <p:nvSpPr>
-          <p:cNvPr id="22" name="TextBox 21">
-            <a:extLst>
-              <a:ext uri="{FF2B5EF4-FFF2-40B4-BE49-F238E27FC236}">
-                <a16:creationId xmlns:a16="http://schemas.microsoft.com/office/drawing/2014/main" id="{CC107EF1-1BB7-4A1C-89BC-78C60E51FC02}"/>
-              </a:ext>
-            </a:extLst>
-          </p:cNvPr>
-          <p:cNvSpPr txBox="1"/>
-          <p:nvPr/>
-        </p:nvSpPr>
-        <p:spPr>
-          <a:xfrm>
-            <a:off x="4260976" y="4566828"/>
-            <a:ext cx="1210962" cy="338554"/>
-          </a:xfrm>
-          <a:prstGeom prst="rect">
-            <a:avLst/>
-          </a:prstGeom>
-          <a:noFill/>
-        </p:spPr>
-        <p:txBody>
-          <a:bodyPr wrap="square" rtlCol="0">
-            <a:spAutoFit/>
-          </a:bodyPr>
-          <a:lstStyle/>
-          <a:p>
-            <a:r>
-              <a:rPr lang="ru-RU" sz="1600" b="1" dirty="0"/>
-              <a:t>705 – 758 К</a:t>
-            </a:r>
-          </a:p>
-        </p:txBody>
-      </p:sp>
-      <p:cxnSp>
-        <p:nvCxnSpPr>
-          <p:cNvPr id="23" name="Прямая со стрелкой 22">
-            <a:extLst>
-              <a:ext uri="{FF2B5EF4-FFF2-40B4-BE49-F238E27FC236}">
-                <a16:creationId xmlns:a16="http://schemas.microsoft.com/office/drawing/2014/main" id="{FF3165AE-CC36-4150-84A6-07C608A4CC1D}"/>
-              </a:ext>
-            </a:extLst>
-          </p:cNvPr>
-          <p:cNvCxnSpPr>
-            <a:cxnSpLocks/>
-            <a:stCxn id="22" idx="0"/>
-          </p:cNvCxnSpPr>
-          <p:nvPr/>
-        </p:nvCxnSpPr>
-        <p:spPr>
-          <a:xfrm flipV="1">
-            <a:off x="4866457" y="4255200"/>
-            <a:ext cx="1180116" cy="311628"/>
-          </a:xfrm>
-          <a:prstGeom prst="straightConnector1">
-            <a:avLst/>
-          </a:prstGeom>
-          <a:ln w="19050">
-            <a:solidFill>
-              <a:schemeClr val="tx1">
-                <a:lumMod val="95000"/>
-                <a:lumOff val="5000"/>
-              </a:schemeClr>
-            </a:solidFill>
-            <a:tailEnd type="triangle"/>
-          </a:ln>
-        </p:spPr>
-        <p:style>
-          <a:lnRef idx="1">
-            <a:schemeClr val="accent1"/>
-          </a:lnRef>
-          <a:fillRef idx="0">
-            <a:schemeClr val="accent1"/>
-          </a:fillRef>
-          <a:effectRef idx="0">
-            <a:schemeClr val="accent1"/>
-          </a:effectRef>
-          <a:fontRef idx="minor">
-            <a:schemeClr val="tx1"/>
-          </a:fontRef>
-        </p:style>
-      </p:cxnSp>
-      <p:sp>
-        <p:nvSpPr>
-          <p:cNvPr id="26" name="TextBox 25">
-            <a:extLst>
-              <a:ext uri="{FF2B5EF4-FFF2-40B4-BE49-F238E27FC236}">
-                <a16:creationId xmlns:a16="http://schemas.microsoft.com/office/drawing/2014/main" id="{39E6D65D-BCC1-4636-8DF1-2638DEF12FCC}"/>
-              </a:ext>
-            </a:extLst>
-          </p:cNvPr>
-          <p:cNvSpPr txBox="1"/>
-          <p:nvPr/>
-        </p:nvSpPr>
-        <p:spPr>
-          <a:xfrm>
-            <a:off x="7268054" y="2163769"/>
-            <a:ext cx="1210962" cy="584775"/>
-          </a:xfrm>
-          <a:prstGeom prst="rect">
-            <a:avLst/>
-          </a:prstGeom>
-          <a:noFill/>
-        </p:spPr>
-        <p:txBody>
-          <a:bodyPr wrap="square" rtlCol="0">
-            <a:spAutoFit/>
-          </a:bodyPr>
-          <a:lstStyle/>
-          <a:p>
-            <a:r>
-              <a:rPr lang="ru-RU" sz="1600" b="1" dirty="0"/>
-              <a:t>Плавление</a:t>
-            </a:r>
-          </a:p>
-          <a:p>
-            <a:r>
-              <a:rPr lang="ru-RU" sz="1600" b="1" dirty="0"/>
-              <a:t>778 – 830 К</a:t>
-            </a:r>
-          </a:p>
-        </p:txBody>
-      </p:sp>
-      <p:cxnSp>
-        <p:nvCxnSpPr>
-          <p:cNvPr id="27" name="Прямая со стрелкой 26">
-            <a:extLst>
-              <a:ext uri="{FF2B5EF4-FFF2-40B4-BE49-F238E27FC236}">
-                <a16:creationId xmlns:a16="http://schemas.microsoft.com/office/drawing/2014/main" id="{8232DC62-DCB3-4B85-B723-33A98A2E66DD}"/>
-              </a:ext>
-            </a:extLst>
-          </p:cNvPr>
-          <p:cNvCxnSpPr>
-            <a:cxnSpLocks/>
-            <a:stCxn id="26" idx="2"/>
-          </p:cNvCxnSpPr>
-          <p:nvPr/>
-        </p:nvCxnSpPr>
-        <p:spPr>
           <a:xfrm flipH="1">
-            <a:off x="7117970" y="2748544"/>
-            <a:ext cx="755565" cy="370603"/>
+            <a:off x="3756821" y="1736272"/>
+            <a:ext cx="755564" cy="370603"/>
           </a:xfrm>
           <a:prstGeom prst="straightConnector1">
             <a:avLst/>
@@ -8058,670 +10005,7 @@
     </p:spTree>
     <p:extLst>
       <p:ext uri="{BB962C8B-B14F-4D97-AF65-F5344CB8AC3E}">
-        <p14:creationId xmlns:p14="http://schemas.microsoft.com/office/powerpoint/2010/main" val="1225584567"/>
-      </p:ext>
-    </p:extLst>
-  </p:cSld>
-  <p:clrMapOvr>
-    <a:masterClrMapping/>
-  </p:clrMapOvr>
-</p:sld>
-</file>
-
-<file path=ppt/slides/slide6.xml><?xml version="1.0" encoding="utf-8"?>
-<p:sld xmlns:a="http://schemas.openxmlformats.org/drawingml/2006/main" xmlns:r="http://schemas.openxmlformats.org/officeDocument/2006/relationships" xmlns:p="http://schemas.openxmlformats.org/presentationml/2006/main">
-  <p:cSld>
-    <p:spTree>
-      <p:nvGrpSpPr>
-        <p:cNvPr id="1" name=""/>
-        <p:cNvGrpSpPr/>
-        <p:nvPr/>
-      </p:nvGrpSpPr>
-      <p:grpSpPr>
-        <a:xfrm>
-          <a:off x="0" y="0"/>
-          <a:ext cx="0" cy="0"/>
-          <a:chOff x="0" y="0"/>
-          <a:chExt cx="0" cy="0"/>
-        </a:xfrm>
-      </p:grpSpPr>
-      <p:pic>
-        <p:nvPicPr>
-          <p:cNvPr id="2" name="Рисунок 1">
-            <a:extLst>
-              <a:ext uri="{FF2B5EF4-FFF2-40B4-BE49-F238E27FC236}">
-                <a16:creationId xmlns:a16="http://schemas.microsoft.com/office/drawing/2014/main" id="{7FEC87CC-E029-4571-9DF2-A2644D16A89B}"/>
-              </a:ext>
-            </a:extLst>
-          </p:cNvPr>
-          <p:cNvPicPr>
-            <a:picLocks noChangeAspect="1"/>
-          </p:cNvPicPr>
-          <p:nvPr/>
-        </p:nvPicPr>
-        <p:blipFill>
-          <a:blip r:embed="rId3" cstate="print"/>
-          <a:stretch>
-            <a:fillRect/>
-          </a:stretch>
-        </p:blipFill>
-        <p:spPr>
-          <a:xfrm>
-            <a:off x="4573718" y="1079483"/>
-            <a:ext cx="2357309" cy="2349517"/>
-          </a:xfrm>
-          <a:prstGeom prst="rect">
-            <a:avLst/>
-          </a:prstGeom>
-        </p:spPr>
-      </p:pic>
-      <p:pic>
-        <p:nvPicPr>
-          <p:cNvPr id="12" name="Рисунок 11">
-            <a:extLst>
-              <a:ext uri="{FF2B5EF4-FFF2-40B4-BE49-F238E27FC236}">
-                <a16:creationId xmlns:a16="http://schemas.microsoft.com/office/drawing/2014/main" id="{EE6D0C9E-5075-40B0-8C5F-14A05F4F0AED}"/>
-              </a:ext>
-            </a:extLst>
-          </p:cNvPr>
-          <p:cNvPicPr>
-            <a:picLocks noChangeAspect="1"/>
-          </p:cNvPicPr>
-          <p:nvPr/>
-        </p:nvPicPr>
-        <p:blipFill>
-          <a:blip r:embed="rId4" cstate="print"/>
-          <a:stretch>
-            <a:fillRect/>
-          </a:stretch>
-        </p:blipFill>
-        <p:spPr>
-          <a:xfrm>
-            <a:off x="-36380" y="1079929"/>
-            <a:ext cx="2306289" cy="2340998"/>
-          </a:xfrm>
-          <a:prstGeom prst="rect">
-            <a:avLst/>
-          </a:prstGeom>
-        </p:spPr>
-      </p:pic>
-      <p:pic>
-        <p:nvPicPr>
-          <p:cNvPr id="13" name="Рисунок 12">
-            <a:extLst>
-              <a:ext uri="{FF2B5EF4-FFF2-40B4-BE49-F238E27FC236}">
-                <a16:creationId xmlns:a16="http://schemas.microsoft.com/office/drawing/2014/main" id="{07FCE67B-6FF9-4CB2-BD21-DED37104F58D}"/>
-              </a:ext>
-            </a:extLst>
-          </p:cNvPr>
-          <p:cNvPicPr>
-            <a:picLocks noChangeAspect="1"/>
-          </p:cNvPicPr>
-          <p:nvPr/>
-        </p:nvPicPr>
-        <p:blipFill>
-          <a:blip r:embed="rId5" cstate="print"/>
-          <a:stretch>
-            <a:fillRect/>
-          </a:stretch>
-        </p:blipFill>
-        <p:spPr>
-          <a:xfrm>
-            <a:off x="2267429" y="1079928"/>
-            <a:ext cx="2312163" cy="2350894"/>
-          </a:xfrm>
-          <a:prstGeom prst="rect">
-            <a:avLst/>
-          </a:prstGeom>
-        </p:spPr>
-      </p:pic>
-      <p:pic>
-        <p:nvPicPr>
-          <p:cNvPr id="15" name="Рисунок 14">
-            <a:extLst>
-              <a:ext uri="{FF2B5EF4-FFF2-40B4-BE49-F238E27FC236}">
-                <a16:creationId xmlns:a16="http://schemas.microsoft.com/office/drawing/2014/main" id="{8F35BBC3-E6F8-4B62-9FE9-6954117E5C47}"/>
-              </a:ext>
-            </a:extLst>
-          </p:cNvPr>
-          <p:cNvPicPr>
-            <a:picLocks noChangeAspect="1"/>
-          </p:cNvPicPr>
-          <p:nvPr/>
-        </p:nvPicPr>
-        <p:blipFill>
-          <a:blip r:embed="rId6" cstate="print"/>
-          <a:stretch>
-            <a:fillRect/>
-          </a:stretch>
-        </p:blipFill>
-        <p:spPr>
-          <a:xfrm>
-            <a:off x="-36380" y="4027602"/>
-            <a:ext cx="2320041" cy="2362789"/>
-          </a:xfrm>
-          <a:prstGeom prst="rect">
-            <a:avLst/>
-          </a:prstGeom>
-        </p:spPr>
-      </p:pic>
-      <p:pic>
-        <p:nvPicPr>
-          <p:cNvPr id="16" name="Рисунок 15">
-            <a:extLst>
-              <a:ext uri="{FF2B5EF4-FFF2-40B4-BE49-F238E27FC236}">
-                <a16:creationId xmlns:a16="http://schemas.microsoft.com/office/drawing/2014/main" id="{ED63B645-6C7F-4157-AC23-CAC582FF7573}"/>
-              </a:ext>
-            </a:extLst>
-          </p:cNvPr>
-          <p:cNvPicPr>
-            <a:picLocks noChangeAspect="1"/>
-          </p:cNvPicPr>
-          <p:nvPr/>
-        </p:nvPicPr>
-        <p:blipFill>
-          <a:blip r:embed="rId7" cstate="print"/>
-          <a:stretch>
-            <a:fillRect/>
-          </a:stretch>
-        </p:blipFill>
-        <p:spPr>
-          <a:xfrm>
-            <a:off x="2271480" y="4027601"/>
-            <a:ext cx="2320040" cy="2362789"/>
-          </a:xfrm>
-          <a:prstGeom prst="rect">
-            <a:avLst/>
-          </a:prstGeom>
-        </p:spPr>
-      </p:pic>
-      <p:pic>
-        <p:nvPicPr>
-          <p:cNvPr id="29" name="Рисунок 28">
-            <a:extLst>
-              <a:ext uri="{FF2B5EF4-FFF2-40B4-BE49-F238E27FC236}">
-                <a16:creationId xmlns:a16="http://schemas.microsoft.com/office/drawing/2014/main" id="{C3485AFC-AB84-4628-8C0F-D324AE6CEE22}"/>
-              </a:ext>
-            </a:extLst>
-          </p:cNvPr>
-          <p:cNvPicPr>
-            <a:picLocks noChangeAspect="1"/>
-          </p:cNvPicPr>
-          <p:nvPr/>
-        </p:nvPicPr>
-        <p:blipFill>
-          <a:blip r:embed="rId8" cstate="print"/>
-          <a:stretch>
-            <a:fillRect/>
-          </a:stretch>
-        </p:blipFill>
-        <p:spPr>
-          <a:xfrm>
-            <a:off x="6899379" y="4032372"/>
-            <a:ext cx="2329830" cy="2353245"/>
-          </a:xfrm>
-          <a:prstGeom prst="rect">
-            <a:avLst/>
-          </a:prstGeom>
-        </p:spPr>
-      </p:pic>
-      <p:sp>
-        <p:nvSpPr>
-          <p:cNvPr id="30" name="TextBox 29">
-            <a:extLst>
-              <a:ext uri="{FF2B5EF4-FFF2-40B4-BE49-F238E27FC236}">
-                <a16:creationId xmlns:a16="http://schemas.microsoft.com/office/drawing/2014/main" id="{05618D3D-5E49-4C0A-8EA0-B5E6FCB5A374}"/>
-              </a:ext>
-            </a:extLst>
-          </p:cNvPr>
-          <p:cNvSpPr txBox="1"/>
-          <p:nvPr/>
-        </p:nvSpPr>
-        <p:spPr>
-          <a:xfrm>
-            <a:off x="2560162" y="2984221"/>
-            <a:ext cx="1720823" cy="300082"/>
-          </a:xfrm>
-          <a:prstGeom prst="rect">
-            <a:avLst/>
-          </a:prstGeom>
-          <a:noFill/>
-        </p:spPr>
-        <p:txBody>
-          <a:bodyPr wrap="square" rtlCol="0">
-            <a:spAutoFit/>
-          </a:bodyPr>
-          <a:lstStyle/>
-          <a:p>
-            <a:pPr algn="ctr"/>
-            <a:r>
-              <a:rPr lang="ru-RU" sz="1350" dirty="0"/>
-              <a:t>Твердый раствор </a:t>
-            </a:r>
-            <a:r>
-              <a:rPr lang="en-US" sz="1350" dirty="0"/>
-              <a:t>Se</a:t>
-            </a:r>
-            <a:endParaRPr lang="ru-RU" sz="1350" dirty="0"/>
-          </a:p>
-        </p:txBody>
-      </p:sp>
-      <p:sp>
-        <p:nvSpPr>
-          <p:cNvPr id="31" name="TextBox 30">
-            <a:extLst>
-              <a:ext uri="{FF2B5EF4-FFF2-40B4-BE49-F238E27FC236}">
-                <a16:creationId xmlns:a16="http://schemas.microsoft.com/office/drawing/2014/main" id="{46EE54A3-F0F0-42B4-BBEA-66201E13580E}"/>
-              </a:ext>
-            </a:extLst>
-          </p:cNvPr>
-          <p:cNvSpPr txBox="1"/>
-          <p:nvPr/>
-        </p:nvSpPr>
-        <p:spPr>
-          <a:xfrm>
-            <a:off x="3420574" y="1524932"/>
-            <a:ext cx="1166566" cy="507831"/>
-          </a:xfrm>
-          <a:prstGeom prst="rect">
-            <a:avLst/>
-          </a:prstGeom>
-          <a:noFill/>
-        </p:spPr>
-        <p:txBody>
-          <a:bodyPr wrap="square" rtlCol="0">
-            <a:spAutoFit/>
-          </a:bodyPr>
-          <a:lstStyle/>
-          <a:p>
-            <a:pPr algn="ctr"/>
-            <a:r>
-              <a:rPr lang="ru-RU" sz="1350" dirty="0"/>
-              <a:t>Отдельная фаза </a:t>
-            </a:r>
-            <a:r>
-              <a:rPr lang="en-US" sz="1350" dirty="0"/>
-              <a:t>Se</a:t>
-            </a:r>
-            <a:endParaRPr lang="ru-RU" sz="1350" dirty="0"/>
-          </a:p>
-        </p:txBody>
-      </p:sp>
-      <p:cxnSp>
-        <p:nvCxnSpPr>
-          <p:cNvPr id="32" name="Прямая со стрелкой 31">
-            <a:extLst>
-              <a:ext uri="{FF2B5EF4-FFF2-40B4-BE49-F238E27FC236}">
-                <a16:creationId xmlns:a16="http://schemas.microsoft.com/office/drawing/2014/main" id="{8E2AE812-4C2E-4285-8248-09E5E5E8A6C8}"/>
-              </a:ext>
-            </a:extLst>
-          </p:cNvPr>
-          <p:cNvCxnSpPr>
-            <a:cxnSpLocks/>
-            <a:stCxn id="30" idx="0"/>
-          </p:cNvCxnSpPr>
-          <p:nvPr/>
-        </p:nvCxnSpPr>
-        <p:spPr>
-          <a:xfrm flipV="1">
-            <a:off x="3420574" y="2440189"/>
-            <a:ext cx="145728" cy="544032"/>
-          </a:xfrm>
-          <a:prstGeom prst="straightConnector1">
-            <a:avLst/>
-          </a:prstGeom>
-          <a:ln w="19050">
-            <a:solidFill>
-              <a:schemeClr val="tx1">
-                <a:lumMod val="95000"/>
-                <a:lumOff val="5000"/>
-              </a:schemeClr>
-            </a:solidFill>
-            <a:tailEnd type="triangle"/>
-          </a:ln>
-        </p:spPr>
-        <p:style>
-          <a:lnRef idx="1">
-            <a:schemeClr val="accent1"/>
-          </a:lnRef>
-          <a:fillRef idx="0">
-            <a:schemeClr val="accent1"/>
-          </a:fillRef>
-          <a:effectRef idx="0">
-            <a:schemeClr val="accent1"/>
-          </a:effectRef>
-          <a:fontRef idx="minor">
-            <a:schemeClr val="tx1"/>
-          </a:fontRef>
-        </p:style>
-      </p:cxnSp>
-      <p:cxnSp>
-        <p:nvCxnSpPr>
-          <p:cNvPr id="33" name="Прямая со стрелкой 32">
-            <a:extLst>
-              <a:ext uri="{FF2B5EF4-FFF2-40B4-BE49-F238E27FC236}">
-                <a16:creationId xmlns:a16="http://schemas.microsoft.com/office/drawing/2014/main" id="{85C2CA74-486F-4BBE-AEF3-9F54D1044FB1}"/>
-              </a:ext>
-            </a:extLst>
-          </p:cNvPr>
-          <p:cNvCxnSpPr>
-            <a:cxnSpLocks/>
-            <a:stCxn id="31" idx="2"/>
-          </p:cNvCxnSpPr>
-          <p:nvPr/>
-        </p:nvCxnSpPr>
-        <p:spPr>
-          <a:xfrm flipH="1">
-            <a:off x="3920777" y="2032763"/>
-            <a:ext cx="83080" cy="501980"/>
-          </a:xfrm>
-          <a:prstGeom prst="straightConnector1">
-            <a:avLst/>
-          </a:prstGeom>
-          <a:ln w="19050">
-            <a:solidFill>
-              <a:schemeClr val="tx1">
-                <a:lumMod val="95000"/>
-                <a:lumOff val="5000"/>
-              </a:schemeClr>
-            </a:solidFill>
-            <a:tailEnd type="triangle"/>
-          </a:ln>
-        </p:spPr>
-        <p:style>
-          <a:lnRef idx="1">
-            <a:schemeClr val="accent1"/>
-          </a:lnRef>
-          <a:fillRef idx="0">
-            <a:schemeClr val="accent1"/>
-          </a:fillRef>
-          <a:effectRef idx="0">
-            <a:schemeClr val="accent1"/>
-          </a:effectRef>
-          <a:fontRef idx="minor">
-            <a:schemeClr val="tx1"/>
-          </a:fontRef>
-        </p:style>
-      </p:cxnSp>
-      <p:sp>
-        <p:nvSpPr>
-          <p:cNvPr id="34" name="TextBox 33">
-            <a:extLst>
-              <a:ext uri="{FF2B5EF4-FFF2-40B4-BE49-F238E27FC236}">
-                <a16:creationId xmlns:a16="http://schemas.microsoft.com/office/drawing/2014/main" id="{D2836136-0FF9-4EEA-A8FE-C08A7F21F67D}"/>
-              </a:ext>
-            </a:extLst>
-          </p:cNvPr>
-          <p:cNvSpPr txBox="1"/>
-          <p:nvPr/>
-        </p:nvSpPr>
-        <p:spPr>
-          <a:xfrm>
-            <a:off x="7138670" y="1366932"/>
-            <a:ext cx="1720823" cy="507831"/>
-          </a:xfrm>
-          <a:prstGeom prst="rect">
-            <a:avLst/>
-          </a:prstGeom>
-          <a:noFill/>
-        </p:spPr>
-        <p:txBody>
-          <a:bodyPr wrap="square" rtlCol="0">
-            <a:spAutoFit/>
-          </a:bodyPr>
-          <a:lstStyle/>
-          <a:p>
-            <a:pPr algn="ctr"/>
-            <a:r>
-              <a:rPr lang="ru-RU" sz="1350" dirty="0"/>
-              <a:t>Граница области превращения</a:t>
-            </a:r>
-          </a:p>
-        </p:txBody>
-      </p:sp>
-      <p:cxnSp>
-        <p:nvCxnSpPr>
-          <p:cNvPr id="35" name="Прямая со стрелкой 34">
-            <a:extLst>
-              <a:ext uri="{FF2B5EF4-FFF2-40B4-BE49-F238E27FC236}">
-                <a16:creationId xmlns:a16="http://schemas.microsoft.com/office/drawing/2014/main" id="{EC443A1C-9F12-4932-B315-B068F6803250}"/>
-              </a:ext>
-            </a:extLst>
-          </p:cNvPr>
-          <p:cNvCxnSpPr>
-            <a:cxnSpLocks/>
-            <a:stCxn id="34" idx="2"/>
-          </p:cNvCxnSpPr>
-          <p:nvPr/>
-        </p:nvCxnSpPr>
-        <p:spPr>
-          <a:xfrm flipH="1">
-            <a:off x="6605721" y="1874763"/>
-            <a:ext cx="1393361" cy="333646"/>
-          </a:xfrm>
-          <a:prstGeom prst="straightConnector1">
-            <a:avLst/>
-          </a:prstGeom>
-          <a:ln w="19050">
-            <a:solidFill>
-              <a:schemeClr val="tx1">
-                <a:lumMod val="95000"/>
-                <a:lumOff val="5000"/>
-              </a:schemeClr>
-            </a:solidFill>
-            <a:tailEnd type="triangle"/>
-          </a:ln>
-        </p:spPr>
-        <p:style>
-          <a:lnRef idx="1">
-            <a:schemeClr val="accent1"/>
-          </a:lnRef>
-          <a:fillRef idx="0">
-            <a:schemeClr val="accent1"/>
-          </a:fillRef>
-          <a:effectRef idx="0">
-            <a:schemeClr val="accent1"/>
-          </a:effectRef>
-          <a:fontRef idx="minor">
-            <a:schemeClr val="tx1"/>
-          </a:fontRef>
-        </p:style>
-      </p:cxnSp>
-      <p:pic>
-        <p:nvPicPr>
-          <p:cNvPr id="3" name="Рисунок 2">
-            <a:extLst>
-              <a:ext uri="{FF2B5EF4-FFF2-40B4-BE49-F238E27FC236}">
-                <a16:creationId xmlns:a16="http://schemas.microsoft.com/office/drawing/2014/main" id="{CA2D1381-2702-479B-8926-343ECC8BCCA1}"/>
-              </a:ext>
-            </a:extLst>
-          </p:cNvPr>
-          <p:cNvPicPr>
-            <a:picLocks noChangeAspect="1"/>
-          </p:cNvPicPr>
-          <p:nvPr/>
-        </p:nvPicPr>
-        <p:blipFill>
-          <a:blip r:embed="rId9" cstate="print"/>
-          <a:stretch>
-            <a:fillRect/>
-          </a:stretch>
-        </p:blipFill>
-        <p:spPr>
-          <a:xfrm>
-            <a:off x="4591520" y="4032372"/>
-            <a:ext cx="2337789" cy="2353245"/>
-          </a:xfrm>
-          <a:prstGeom prst="rect">
-            <a:avLst/>
-          </a:prstGeom>
-        </p:spPr>
-      </p:pic>
-      <p:sp>
-        <p:nvSpPr>
-          <p:cNvPr id="4" name="Заголовок 3">
-            <a:extLst>
-              <a:ext uri="{FF2B5EF4-FFF2-40B4-BE49-F238E27FC236}">
-                <a16:creationId xmlns:a16="http://schemas.microsoft.com/office/drawing/2014/main" id="{7EBF13C3-C8D8-40F4-B230-E941B9CDF0FA}"/>
-              </a:ext>
-            </a:extLst>
-          </p:cNvPr>
-          <p:cNvSpPr>
-            <a:spLocks noGrp="1"/>
-          </p:cNvSpPr>
-          <p:nvPr>
-            <p:ph type="title"/>
-          </p:nvPr>
-        </p:nvSpPr>
-        <p:spPr/>
-        <p:txBody>
-          <a:bodyPr>
-            <a:normAutofit/>
-          </a:bodyPr>
-          <a:lstStyle/>
-          <a:p>
-            <a:r>
-              <a:rPr lang="ru-RU" dirty="0"/>
-              <a:t>РЕЗУЛЬТАТ РАСЧЕТА ЭНЕРГИИ ГИББСА ХИМИЧЕСКИХ КОМПОНЕНТОВ И ИХ СОЕДИНЕНИЙ</a:t>
-            </a:r>
-          </a:p>
-        </p:txBody>
-      </p:sp>
-      <p:sp>
-        <p:nvSpPr>
-          <p:cNvPr id="6" name="Номер слайда 5">
-            <a:extLst>
-              <a:ext uri="{FF2B5EF4-FFF2-40B4-BE49-F238E27FC236}">
-                <a16:creationId xmlns:a16="http://schemas.microsoft.com/office/drawing/2014/main" id="{A710E53C-ADC9-4454-80C5-CE6EB8F310E2}"/>
-              </a:ext>
-            </a:extLst>
-          </p:cNvPr>
-          <p:cNvSpPr>
-            <a:spLocks noGrp="1"/>
-          </p:cNvSpPr>
-          <p:nvPr>
-            <p:ph type="sldNum" sz="quarter" idx="12"/>
-          </p:nvPr>
-        </p:nvSpPr>
-        <p:spPr/>
-        <p:txBody>
-          <a:bodyPr/>
-          <a:lstStyle/>
-          <a:p>
-            <a:fld id="{C9EB4E2A-F2F9-42E4-914F-48C9A8B5C503}" type="slidenum">
-              <a:rPr lang="ru-RU" smtClean="0"/>
-              <a:pPr/>
-              <a:t>6</a:t>
-            </a:fld>
-            <a:endParaRPr lang="ru-RU" dirty="0"/>
-          </a:p>
-        </p:txBody>
-      </p:sp>
-    </p:spTree>
-    <p:extLst>
-      <p:ext uri="{BB962C8B-B14F-4D97-AF65-F5344CB8AC3E}">
-        <p14:creationId xmlns:p14="http://schemas.microsoft.com/office/powerpoint/2010/main" val="62298568"/>
-      </p:ext>
-    </p:extLst>
-  </p:cSld>
-  <p:clrMapOvr>
-    <a:masterClrMapping/>
-  </p:clrMapOvr>
-</p:sld>
-</file>
-
-<file path=ppt/slides/slide7.xml><?xml version="1.0" encoding="utf-8"?>
-<p:sld xmlns:a="http://schemas.openxmlformats.org/drawingml/2006/main" xmlns:r="http://schemas.openxmlformats.org/officeDocument/2006/relationships" xmlns:p="http://schemas.openxmlformats.org/presentationml/2006/main">
-  <p:cSld>
-    <p:spTree>
-      <p:nvGrpSpPr>
-        <p:cNvPr id="1" name=""/>
-        <p:cNvGrpSpPr/>
-        <p:nvPr/>
-      </p:nvGrpSpPr>
-      <p:grpSpPr>
-        <a:xfrm>
-          <a:off x="0" y="0"/>
-          <a:ext cx="0" cy="0"/>
-          <a:chOff x="0" y="0"/>
-          <a:chExt cx="0" cy="0"/>
-        </a:xfrm>
-      </p:grpSpPr>
-      <p:sp>
-        <p:nvSpPr>
-          <p:cNvPr id="6" name="Заголовок 5">
-            <a:extLst>
-              <a:ext uri="{FF2B5EF4-FFF2-40B4-BE49-F238E27FC236}">
-                <a16:creationId xmlns:a16="http://schemas.microsoft.com/office/drawing/2014/main" id="{E469B744-A071-477E-9143-52EFA5678265}"/>
-              </a:ext>
-            </a:extLst>
-          </p:cNvPr>
-          <p:cNvSpPr>
-            <a:spLocks noGrp="1"/>
-          </p:cNvSpPr>
-          <p:nvPr>
-            <p:ph type="title"/>
-          </p:nvPr>
-        </p:nvSpPr>
-        <p:spPr/>
-        <p:txBody>
-          <a:bodyPr>
-            <a:normAutofit/>
-          </a:bodyPr>
-          <a:lstStyle/>
-          <a:p>
-            <a:r>
-              <a:rPr lang="ru-RU" dirty="0"/>
-              <a:t>ИНТЕРВАЛ ТЕМПЕРАТУРЫ </a:t>
-            </a:r>
-            <a:r>
-              <a:rPr lang="ru-RU" u="sng" dirty="0"/>
-              <a:t>700-900 К</a:t>
-            </a:r>
-            <a:br>
-              <a:rPr lang="ru-RU" dirty="0"/>
-            </a:br>
-            <a:r>
-              <a:rPr lang="ru-RU" dirty="0"/>
-              <a:t>РЕЗУЛЬТАТ РАСЧЕТА, ДСК, ЗАВИСИМОСТЬ ЭНЕРГИЙ ГИББСА</a:t>
-            </a:r>
-          </a:p>
-        </p:txBody>
-      </p:sp>
-      <p:sp>
-        <p:nvSpPr>
-          <p:cNvPr id="7" name="Номер слайда 6">
-            <a:extLst>
-              <a:ext uri="{FF2B5EF4-FFF2-40B4-BE49-F238E27FC236}">
-                <a16:creationId xmlns:a16="http://schemas.microsoft.com/office/drawing/2014/main" id="{A3AD1702-E9AC-4A8E-93E2-1A873FE17DC2}"/>
-              </a:ext>
-            </a:extLst>
-          </p:cNvPr>
-          <p:cNvSpPr>
-            <a:spLocks noGrp="1"/>
-          </p:cNvSpPr>
-          <p:nvPr>
-            <p:ph type="sldNum" sz="quarter" idx="12"/>
-          </p:nvPr>
-        </p:nvSpPr>
-        <p:spPr/>
-        <p:txBody>
-          <a:bodyPr/>
-          <a:lstStyle/>
-          <a:p>
-            <a:fld id="{C9EB4E2A-F2F9-42E4-914F-48C9A8B5C503}" type="slidenum">
-              <a:rPr lang="ru-RU" smtClean="0"/>
-              <a:pPr/>
-              <a:t>7</a:t>
-            </a:fld>
-            <a:endParaRPr lang="ru-RU" dirty="0"/>
-          </a:p>
-        </p:txBody>
-      </p:sp>
-    </p:spTree>
-    <p:extLst>
-      <p:ext uri="{BB962C8B-B14F-4D97-AF65-F5344CB8AC3E}">
-        <p14:creationId xmlns:p14="http://schemas.microsoft.com/office/powerpoint/2010/main" val="1947952283"/>
+        <p14:creationId xmlns:p14="http://schemas.microsoft.com/office/powerpoint/2010/main" val="3050967740"/>
       </p:ext>
     </p:extLst>
   </p:cSld>
@@ -8748,12 +10032,156 @@
           <a:chExt cx="0" cy="0"/>
         </a:xfrm>
       </p:grpSpPr>
+      <p:pic>
+        <p:nvPicPr>
+          <p:cNvPr id="26" name="Рисунок 25">
+            <a:extLst>
+              <a:ext uri="{FF2B5EF4-FFF2-40B4-BE49-F238E27FC236}">
+                <a16:creationId xmlns:a16="http://schemas.microsoft.com/office/drawing/2014/main" id="{38FE8285-FBEF-42F5-B0D6-E18BC39D9657}"/>
+              </a:ext>
+            </a:extLst>
+          </p:cNvPr>
+          <p:cNvPicPr>
+            <a:picLocks noChangeAspect="1"/>
+          </p:cNvPicPr>
+          <p:nvPr/>
+        </p:nvPicPr>
+        <p:blipFill>
+          <a:blip r:embed="rId3">
+            <a:extLst>
+              <a:ext uri="{28A0092B-C50C-407E-A947-70E740481C1C}">
+                <a14:useLocalDpi xmlns:a14="http://schemas.microsoft.com/office/drawing/2010/main" val="0"/>
+              </a:ext>
+            </a:extLst>
+          </a:blip>
+          <a:stretch>
+            <a:fillRect/>
+          </a:stretch>
+        </p:blipFill>
+        <p:spPr>
+          <a:xfrm>
+            <a:off x="4928308" y="4280705"/>
+            <a:ext cx="2490706" cy="2593063"/>
+          </a:xfrm>
+          <a:prstGeom prst="rect">
+            <a:avLst/>
+          </a:prstGeom>
+        </p:spPr>
+      </p:pic>
+      <p:pic>
+        <p:nvPicPr>
+          <p:cNvPr id="57" name="Рисунок 56">
+            <a:extLst>
+              <a:ext uri="{FF2B5EF4-FFF2-40B4-BE49-F238E27FC236}">
+                <a16:creationId xmlns:a16="http://schemas.microsoft.com/office/drawing/2014/main" id="{F1739FEC-51C0-42E1-B838-8EF49D467703}"/>
+              </a:ext>
+            </a:extLst>
+          </p:cNvPr>
+          <p:cNvPicPr>
+            <a:picLocks noChangeAspect="1"/>
+          </p:cNvPicPr>
+          <p:nvPr/>
+        </p:nvPicPr>
+        <p:blipFill>
+          <a:blip r:embed="rId4">
+            <a:extLst>
+              <a:ext uri="{28A0092B-C50C-407E-A947-70E740481C1C}">
+                <a14:useLocalDpi xmlns:a14="http://schemas.microsoft.com/office/drawing/2010/main" val="0"/>
+              </a:ext>
+            </a:extLst>
+          </a:blip>
+          <a:stretch>
+            <a:fillRect/>
+          </a:stretch>
+        </p:blipFill>
+        <p:spPr>
+          <a:xfrm>
+            <a:off x="2483957" y="4284850"/>
+            <a:ext cx="2471580" cy="2573151"/>
+          </a:xfrm>
+          <a:prstGeom prst="rect">
+            <a:avLst/>
+          </a:prstGeom>
+        </p:spPr>
+      </p:pic>
+      <p:pic>
+        <p:nvPicPr>
+          <p:cNvPr id="43" name="Рисунок 42">
+            <a:extLst>
+              <a:ext uri="{FF2B5EF4-FFF2-40B4-BE49-F238E27FC236}">
+                <a16:creationId xmlns:a16="http://schemas.microsoft.com/office/drawing/2014/main" id="{8F52F429-ACAF-4975-8916-5FB0EFCD5AA8}"/>
+              </a:ext>
+            </a:extLst>
+          </p:cNvPr>
+          <p:cNvPicPr>
+            <a:picLocks noChangeAspect="1"/>
+          </p:cNvPicPr>
+          <p:nvPr/>
+        </p:nvPicPr>
+        <p:blipFill>
+          <a:blip r:embed="rId5">
+            <a:extLst>
+              <a:ext uri="{28A0092B-C50C-407E-A947-70E740481C1C}">
+                <a14:useLocalDpi xmlns:a14="http://schemas.microsoft.com/office/drawing/2010/main" val="0"/>
+              </a:ext>
+            </a:extLst>
+          </a:blip>
+          <a:stretch>
+            <a:fillRect/>
+          </a:stretch>
+        </p:blipFill>
+        <p:spPr>
+          <a:xfrm>
+            <a:off x="1966" y="4273550"/>
+            <a:ext cx="2492573" cy="2584450"/>
+          </a:xfrm>
+          <a:prstGeom prst="rect">
+            <a:avLst/>
+          </a:prstGeom>
+        </p:spPr>
+      </p:pic>
+      <p:pic>
+        <p:nvPicPr>
+          <p:cNvPr id="52" name="Рисунок 51">
+            <a:extLst>
+              <a:ext uri="{FF2B5EF4-FFF2-40B4-BE49-F238E27FC236}">
+                <a16:creationId xmlns:a16="http://schemas.microsoft.com/office/drawing/2014/main" id="{843C747A-6C36-4FD0-A9BC-C07F587FBC2D}"/>
+              </a:ext>
+            </a:extLst>
+          </p:cNvPr>
+          <p:cNvPicPr>
+            <a:picLocks noChangeAspect="1"/>
+          </p:cNvPicPr>
+          <p:nvPr/>
+        </p:nvPicPr>
+        <p:blipFill>
+          <a:blip r:embed="rId6">
+            <a:extLst>
+              <a:ext uri="{28A0092B-C50C-407E-A947-70E740481C1C}">
+                <a14:useLocalDpi xmlns:a14="http://schemas.microsoft.com/office/drawing/2010/main" val="0"/>
+              </a:ext>
+            </a:extLst>
+          </a:blip>
+          <a:stretch>
+            <a:fillRect/>
+          </a:stretch>
+        </p:blipFill>
+        <p:spPr>
+          <a:xfrm>
+            <a:off x="-4002" y="1079454"/>
+            <a:ext cx="6237356" cy="3235890"/>
+          </a:xfrm>
+          <a:prstGeom prst="rect">
+            <a:avLst/>
+          </a:prstGeom>
+        </p:spPr>
+      </p:pic>
       <p:sp>
         <p:nvSpPr>
           <p:cNvPr id="2" name="Заголовок 1">
             <a:extLst>
               <a:ext uri="{FF2B5EF4-FFF2-40B4-BE49-F238E27FC236}">
-                <a16:creationId xmlns:a16="http://schemas.microsoft.com/office/drawing/2014/main" id="{2F3E63C9-69A0-4CDC-89B3-BC5193939181}"/>
+                <a16:creationId xmlns:a16="http://schemas.microsoft.com/office/drawing/2014/main" id="{5750857A-B71A-4E37-8E27-044C598B12B5}"/>
               </a:ext>
             </a:extLst>
           </p:cNvPr>
@@ -8771,28 +10199,843 @@
           <a:p>
             <a:r>
               <a:rPr lang="ru-RU" dirty="0"/>
-              <a:t>ИНТЕРВАЛ ТЕМПЕРАТУРЫ </a:t>
-            </a:r>
-            <a:r>
-              <a:rPr lang="ru-RU" u="sng" dirty="0"/>
-              <a:t>700-900 К</a:t>
-            </a:r>
-            <a:br>
-              <a:rPr lang="ru-RU" dirty="0"/>
-            </a:br>
-            <a:r>
-              <a:rPr lang="ru-RU" dirty="0"/>
-              <a:t>РЕЗУЛЬТАТ РАСЧЕТА, ДСК, ЗАВИСИМОСТЬ ЭНЕРГИЙ ГИББСА</a:t>
-            </a:r>
-          </a:p>
-        </p:txBody>
-      </p:sp>
-      <p:sp>
-        <p:nvSpPr>
-          <p:cNvPr id="3" name="Номер слайда 2">
-            <a:extLst>
-              <a:ext uri="{FF2B5EF4-FFF2-40B4-BE49-F238E27FC236}">
-                <a16:creationId xmlns:a16="http://schemas.microsoft.com/office/drawing/2014/main" id="{86B3E787-7EFE-4F96-BAF9-71EA2897A42D}"/>
+              <a:t>РЕЗУЛЬТАТ РАСЧЕТА И ДСК СТЕКЛА ДЛЯ СИСТЕМЫ СОСТАВА: </a:t>
+            </a:r>
+            <a:r>
+              <a:rPr lang="en-US" dirty="0"/>
+              <a:t>Ge</a:t>
+            </a:r>
+            <a:r>
+              <a:rPr lang="ru-RU" b="1" dirty="0"/>
+              <a:t>3</a:t>
+            </a:r>
+            <a:r>
+              <a:rPr lang="en-US" b="1" dirty="0"/>
+              <a:t>0</a:t>
+            </a:r>
+            <a:r>
+              <a:rPr lang="en-US" dirty="0"/>
+              <a:t>Ga</a:t>
+            </a:r>
+            <a:r>
+              <a:rPr lang="ru-RU" b="1" dirty="0"/>
+              <a:t>1</a:t>
+            </a:r>
+            <a:r>
+              <a:rPr lang="en-US" b="1" dirty="0"/>
+              <a:t>0</a:t>
+            </a:r>
+            <a:r>
+              <a:rPr lang="en-US" dirty="0"/>
+              <a:t>Se</a:t>
+            </a:r>
+            <a:r>
+              <a:rPr lang="en-US" b="1" dirty="0"/>
+              <a:t>60</a:t>
+            </a:r>
+            <a:endParaRPr lang="ru-RU" dirty="0"/>
+          </a:p>
+        </p:txBody>
+      </p:sp>
+      <p:pic>
+        <p:nvPicPr>
+          <p:cNvPr id="12" name="Рисунок 11">
+            <a:extLst>
+              <a:ext uri="{FF2B5EF4-FFF2-40B4-BE49-F238E27FC236}">
+                <a16:creationId xmlns:a16="http://schemas.microsoft.com/office/drawing/2014/main" id="{34B262C7-58AC-430B-A33E-81697CE579BF}"/>
+              </a:ext>
+            </a:extLst>
+          </p:cNvPr>
+          <p:cNvPicPr>
+            <a:picLocks noChangeAspect="1"/>
+          </p:cNvPicPr>
+          <p:nvPr/>
+        </p:nvPicPr>
+        <p:blipFill>
+          <a:blip r:embed="rId7">
+            <a:extLst>
+              <a:ext uri="{28A0092B-C50C-407E-A947-70E740481C1C}">
+                <a14:useLocalDpi xmlns:a14="http://schemas.microsoft.com/office/drawing/2010/main" val="0"/>
+              </a:ext>
+            </a:extLst>
+          </a:blip>
+          <a:stretch>
+            <a:fillRect/>
+          </a:stretch>
+        </p:blipFill>
+        <p:spPr>
+          <a:xfrm>
+            <a:off x="6237793" y="1240384"/>
+            <a:ext cx="2904029" cy="3044466"/>
+          </a:xfrm>
+          <a:prstGeom prst="rect">
+            <a:avLst/>
+          </a:prstGeom>
+        </p:spPr>
+      </p:pic>
+      <p:sp>
+        <p:nvSpPr>
+          <p:cNvPr id="13" name="TextBox 12">
+            <a:extLst>
+              <a:ext uri="{FF2B5EF4-FFF2-40B4-BE49-F238E27FC236}">
+                <a16:creationId xmlns:a16="http://schemas.microsoft.com/office/drawing/2014/main" id="{6E5DA2DE-324E-49B5-BC3F-3DDB61463CDF}"/>
+              </a:ext>
+            </a:extLst>
+          </p:cNvPr>
+          <p:cNvSpPr txBox="1"/>
+          <p:nvPr/>
+        </p:nvSpPr>
+        <p:spPr>
+          <a:xfrm>
+            <a:off x="7086600" y="2689060"/>
+            <a:ext cx="1553395" cy="276999"/>
+          </a:xfrm>
+          <a:prstGeom prst="rect">
+            <a:avLst/>
+          </a:prstGeom>
+          <a:noFill/>
+        </p:spPr>
+        <p:txBody>
+          <a:bodyPr wrap="square" rtlCol="0">
+            <a:spAutoFit/>
+          </a:bodyPr>
+          <a:lstStyle/>
+          <a:p>
+            <a:r>
+              <a:rPr lang="ru-RU" sz="1200" dirty="0"/>
+              <a:t>Жидкий раствор </a:t>
+            </a:r>
+            <a:r>
+              <a:rPr lang="en-US" sz="1200" dirty="0"/>
+              <a:t>Se</a:t>
+            </a:r>
+            <a:endParaRPr lang="ru-RU" sz="1200" dirty="0"/>
+          </a:p>
+        </p:txBody>
+      </p:sp>
+      <p:cxnSp>
+        <p:nvCxnSpPr>
+          <p:cNvPr id="14" name="Прямая со стрелкой 13">
+            <a:extLst>
+              <a:ext uri="{FF2B5EF4-FFF2-40B4-BE49-F238E27FC236}">
+                <a16:creationId xmlns:a16="http://schemas.microsoft.com/office/drawing/2014/main" id="{9D4DC34B-D288-4D45-8798-D15AEEBD6114}"/>
+              </a:ext>
+            </a:extLst>
+          </p:cNvPr>
+          <p:cNvCxnSpPr>
+            <a:cxnSpLocks/>
+            <a:stCxn id="13" idx="0"/>
+          </p:cNvCxnSpPr>
+          <p:nvPr/>
+        </p:nvCxnSpPr>
+        <p:spPr>
+          <a:xfrm flipV="1">
+            <a:off x="7863298" y="2093990"/>
+            <a:ext cx="283924" cy="595070"/>
+          </a:xfrm>
+          <a:prstGeom prst="straightConnector1">
+            <a:avLst/>
+          </a:prstGeom>
+          <a:ln w="19050">
+            <a:solidFill>
+              <a:schemeClr val="tx1">
+                <a:lumMod val="95000"/>
+                <a:lumOff val="5000"/>
+              </a:schemeClr>
+            </a:solidFill>
+            <a:tailEnd type="triangle"/>
+          </a:ln>
+        </p:spPr>
+        <p:style>
+          <a:lnRef idx="1">
+            <a:schemeClr val="accent1"/>
+          </a:lnRef>
+          <a:fillRef idx="0">
+            <a:schemeClr val="accent1"/>
+          </a:fillRef>
+          <a:effectRef idx="0">
+            <a:schemeClr val="accent1"/>
+          </a:effectRef>
+          <a:fontRef idx="minor">
+            <a:schemeClr val="tx1"/>
+          </a:fontRef>
+        </p:style>
+      </p:cxnSp>
+      <p:sp>
+        <p:nvSpPr>
+          <p:cNvPr id="15" name="TextBox 14">
+            <a:extLst>
+              <a:ext uri="{FF2B5EF4-FFF2-40B4-BE49-F238E27FC236}">
+                <a16:creationId xmlns:a16="http://schemas.microsoft.com/office/drawing/2014/main" id="{1B683B28-FE89-43AA-A3E3-6CAC1AF4426B}"/>
+              </a:ext>
+            </a:extLst>
+          </p:cNvPr>
+          <p:cNvSpPr txBox="1"/>
+          <p:nvPr/>
+        </p:nvSpPr>
+        <p:spPr>
+          <a:xfrm>
+            <a:off x="7086600" y="3103439"/>
+            <a:ext cx="1673492" cy="276999"/>
+          </a:xfrm>
+          <a:prstGeom prst="rect">
+            <a:avLst/>
+          </a:prstGeom>
+          <a:noFill/>
+        </p:spPr>
+        <p:txBody>
+          <a:bodyPr wrap="square" rtlCol="0">
+            <a:spAutoFit/>
+          </a:bodyPr>
+          <a:lstStyle/>
+          <a:p>
+            <a:r>
+              <a:rPr lang="ru-RU" sz="1200" dirty="0"/>
+              <a:t>Отдельная фаза </a:t>
+            </a:r>
+            <a:r>
+              <a:rPr lang="en-US" sz="1200" dirty="0"/>
+              <a:t>Se</a:t>
+            </a:r>
+            <a:endParaRPr lang="ru-RU" sz="1200" dirty="0"/>
+          </a:p>
+        </p:txBody>
+      </p:sp>
+      <p:cxnSp>
+        <p:nvCxnSpPr>
+          <p:cNvPr id="16" name="Прямая со стрелкой 15">
+            <a:extLst>
+              <a:ext uri="{FF2B5EF4-FFF2-40B4-BE49-F238E27FC236}">
+                <a16:creationId xmlns:a16="http://schemas.microsoft.com/office/drawing/2014/main" id="{7DD14F58-6274-4BC1-A02E-514FC9758625}"/>
+              </a:ext>
+            </a:extLst>
+          </p:cNvPr>
+          <p:cNvCxnSpPr>
+            <a:cxnSpLocks/>
+            <a:stCxn id="15" idx="2"/>
+          </p:cNvCxnSpPr>
+          <p:nvPr/>
+        </p:nvCxnSpPr>
+        <p:spPr>
+          <a:xfrm>
+            <a:off x="7923346" y="3380438"/>
+            <a:ext cx="246763" cy="227085"/>
+          </a:xfrm>
+          <a:prstGeom prst="straightConnector1">
+            <a:avLst/>
+          </a:prstGeom>
+          <a:ln w="19050">
+            <a:solidFill>
+              <a:schemeClr val="tx1">
+                <a:lumMod val="95000"/>
+                <a:lumOff val="5000"/>
+              </a:schemeClr>
+            </a:solidFill>
+            <a:tailEnd type="triangle"/>
+          </a:ln>
+        </p:spPr>
+        <p:style>
+          <a:lnRef idx="1">
+            <a:schemeClr val="accent1"/>
+          </a:lnRef>
+          <a:fillRef idx="0">
+            <a:schemeClr val="accent1"/>
+          </a:fillRef>
+          <a:effectRef idx="0">
+            <a:schemeClr val="accent1"/>
+          </a:effectRef>
+          <a:fontRef idx="minor">
+            <a:schemeClr val="tx1"/>
+          </a:fontRef>
+        </p:style>
+      </p:cxnSp>
+      <p:sp>
+        <p:nvSpPr>
+          <p:cNvPr id="31" name="TextBox 30">
+            <a:extLst>
+              <a:ext uri="{FF2B5EF4-FFF2-40B4-BE49-F238E27FC236}">
+                <a16:creationId xmlns:a16="http://schemas.microsoft.com/office/drawing/2014/main" id="{6AC5CEA5-2C85-431D-98F5-B572FD4E3D08}"/>
+              </a:ext>
+            </a:extLst>
+          </p:cNvPr>
+          <p:cNvSpPr txBox="1"/>
+          <p:nvPr/>
+        </p:nvSpPr>
+        <p:spPr>
+          <a:xfrm>
+            <a:off x="664045" y="4698807"/>
+            <a:ext cx="1553395" cy="276999"/>
+          </a:xfrm>
+          <a:prstGeom prst="rect">
+            <a:avLst/>
+          </a:prstGeom>
+          <a:noFill/>
+        </p:spPr>
+        <p:txBody>
+          <a:bodyPr wrap="square" rtlCol="0">
+            <a:spAutoFit/>
+          </a:bodyPr>
+          <a:lstStyle/>
+          <a:p>
+            <a:r>
+              <a:rPr lang="ru-RU" sz="1200" dirty="0"/>
+              <a:t>Отдельная фаза </a:t>
+            </a:r>
+            <a:r>
+              <a:rPr lang="en-US" sz="1200" dirty="0"/>
+              <a:t>Ga</a:t>
+            </a:r>
+            <a:endParaRPr lang="ru-RU" sz="1200" dirty="0"/>
+          </a:p>
+        </p:txBody>
+      </p:sp>
+      <p:sp>
+        <p:nvSpPr>
+          <p:cNvPr id="33" name="TextBox 32">
+            <a:extLst>
+              <a:ext uri="{FF2B5EF4-FFF2-40B4-BE49-F238E27FC236}">
+                <a16:creationId xmlns:a16="http://schemas.microsoft.com/office/drawing/2014/main" id="{43A8CBFA-7129-4B60-9D03-19BD04D07FC0}"/>
+              </a:ext>
+            </a:extLst>
+          </p:cNvPr>
+          <p:cNvSpPr txBox="1"/>
+          <p:nvPr/>
+        </p:nvSpPr>
+        <p:spPr>
+          <a:xfrm>
+            <a:off x="930642" y="6092363"/>
+            <a:ext cx="1553395" cy="276999"/>
+          </a:xfrm>
+          <a:prstGeom prst="rect">
+            <a:avLst/>
+          </a:prstGeom>
+          <a:noFill/>
+        </p:spPr>
+        <p:txBody>
+          <a:bodyPr wrap="square" rtlCol="0">
+            <a:spAutoFit/>
+          </a:bodyPr>
+          <a:lstStyle/>
+          <a:p>
+            <a:r>
+              <a:rPr lang="ru-RU" sz="1200" dirty="0"/>
+              <a:t>Жидкий раствор </a:t>
+            </a:r>
+            <a:r>
+              <a:rPr lang="en-US" sz="1200" dirty="0"/>
+              <a:t>Ga</a:t>
+            </a:r>
+            <a:endParaRPr lang="ru-RU" sz="1200" dirty="0"/>
+          </a:p>
+        </p:txBody>
+      </p:sp>
+      <p:cxnSp>
+        <p:nvCxnSpPr>
+          <p:cNvPr id="34" name="Прямая со стрелкой 33">
+            <a:extLst>
+              <a:ext uri="{FF2B5EF4-FFF2-40B4-BE49-F238E27FC236}">
+                <a16:creationId xmlns:a16="http://schemas.microsoft.com/office/drawing/2014/main" id="{C95FAC73-6DED-4668-9CC8-B79A09D72ACE}"/>
+              </a:ext>
+            </a:extLst>
+          </p:cNvPr>
+          <p:cNvCxnSpPr>
+            <a:cxnSpLocks/>
+            <a:stCxn id="33" idx="0"/>
+          </p:cNvCxnSpPr>
+          <p:nvPr/>
+        </p:nvCxnSpPr>
+        <p:spPr>
+          <a:xfrm flipV="1">
+            <a:off x="1707340" y="5684108"/>
+            <a:ext cx="179125" cy="408255"/>
+          </a:xfrm>
+          <a:prstGeom prst="straightConnector1">
+            <a:avLst/>
+          </a:prstGeom>
+          <a:ln w="19050">
+            <a:solidFill>
+              <a:schemeClr val="tx1">
+                <a:lumMod val="95000"/>
+                <a:lumOff val="5000"/>
+              </a:schemeClr>
+            </a:solidFill>
+            <a:tailEnd type="triangle"/>
+          </a:ln>
+        </p:spPr>
+        <p:style>
+          <a:lnRef idx="1">
+            <a:schemeClr val="accent1"/>
+          </a:lnRef>
+          <a:fillRef idx="0">
+            <a:schemeClr val="accent1"/>
+          </a:fillRef>
+          <a:effectRef idx="0">
+            <a:schemeClr val="accent1"/>
+          </a:effectRef>
+          <a:fontRef idx="minor">
+            <a:schemeClr val="tx1"/>
+          </a:fontRef>
+        </p:style>
+      </p:cxnSp>
+      <p:sp>
+        <p:nvSpPr>
+          <p:cNvPr id="45" name="TextBox 44">
+            <a:extLst>
+              <a:ext uri="{FF2B5EF4-FFF2-40B4-BE49-F238E27FC236}">
+                <a16:creationId xmlns:a16="http://schemas.microsoft.com/office/drawing/2014/main" id="{4811F2D5-4519-482C-8F9A-E0EDD2D1249A}"/>
+              </a:ext>
+            </a:extLst>
+          </p:cNvPr>
+          <p:cNvSpPr txBox="1"/>
+          <p:nvPr/>
+        </p:nvSpPr>
+        <p:spPr>
+          <a:xfrm>
+            <a:off x="5815672" y="4742656"/>
+            <a:ext cx="1553395" cy="461665"/>
+          </a:xfrm>
+          <a:prstGeom prst="rect">
+            <a:avLst/>
+          </a:prstGeom>
+          <a:noFill/>
+        </p:spPr>
+        <p:txBody>
+          <a:bodyPr wrap="square" rtlCol="0">
+            <a:spAutoFit/>
+          </a:bodyPr>
+          <a:lstStyle/>
+          <a:p>
+            <a:r>
+              <a:rPr lang="ru-RU" sz="1200" dirty="0"/>
+              <a:t>Отдельная фаза </a:t>
+            </a:r>
+            <a:r>
+              <a:rPr lang="en-US" sz="1200" dirty="0"/>
+              <a:t>Ga2Se3</a:t>
+            </a:r>
+            <a:endParaRPr lang="ru-RU" sz="1200" dirty="0"/>
+          </a:p>
+        </p:txBody>
+      </p:sp>
+      <p:sp>
+        <p:nvSpPr>
+          <p:cNvPr id="46" name="TextBox 45">
+            <a:extLst>
+              <a:ext uri="{FF2B5EF4-FFF2-40B4-BE49-F238E27FC236}">
+                <a16:creationId xmlns:a16="http://schemas.microsoft.com/office/drawing/2014/main" id="{842353CA-3DD9-40B6-8BDA-9DCC4A0C1B92}"/>
+              </a:ext>
+            </a:extLst>
+          </p:cNvPr>
+          <p:cNvSpPr txBox="1"/>
+          <p:nvPr/>
+        </p:nvSpPr>
+        <p:spPr>
+          <a:xfrm>
+            <a:off x="5876973" y="6138153"/>
+            <a:ext cx="1721912" cy="461665"/>
+          </a:xfrm>
+          <a:prstGeom prst="rect">
+            <a:avLst/>
+          </a:prstGeom>
+          <a:noFill/>
+        </p:spPr>
+        <p:txBody>
+          <a:bodyPr wrap="square" rtlCol="0">
+            <a:spAutoFit/>
+          </a:bodyPr>
+          <a:lstStyle/>
+          <a:p>
+            <a:r>
+              <a:rPr lang="ru-RU" sz="1200" dirty="0"/>
+              <a:t>Твердый раствор </a:t>
+            </a:r>
+            <a:r>
+              <a:rPr lang="en-US" sz="1200" dirty="0"/>
+              <a:t>Ga2Se3</a:t>
+            </a:r>
+            <a:endParaRPr lang="ru-RU" sz="1200" dirty="0"/>
+          </a:p>
+        </p:txBody>
+      </p:sp>
+      <p:cxnSp>
+        <p:nvCxnSpPr>
+          <p:cNvPr id="47" name="Прямая со стрелкой 46">
+            <a:extLst>
+              <a:ext uri="{FF2B5EF4-FFF2-40B4-BE49-F238E27FC236}">
+                <a16:creationId xmlns:a16="http://schemas.microsoft.com/office/drawing/2014/main" id="{B5FF6FD2-6F32-4465-B65F-8C9274ED609F}"/>
+              </a:ext>
+            </a:extLst>
+          </p:cNvPr>
+          <p:cNvCxnSpPr>
+            <a:cxnSpLocks/>
+          </p:cNvCxnSpPr>
+          <p:nvPr/>
+        </p:nvCxnSpPr>
+        <p:spPr>
+          <a:xfrm>
+            <a:off x="6592369" y="5204321"/>
+            <a:ext cx="162035" cy="151320"/>
+          </a:xfrm>
+          <a:prstGeom prst="straightConnector1">
+            <a:avLst/>
+          </a:prstGeom>
+          <a:ln w="19050">
+            <a:solidFill>
+              <a:schemeClr val="tx1">
+                <a:lumMod val="95000"/>
+                <a:lumOff val="5000"/>
+              </a:schemeClr>
+            </a:solidFill>
+            <a:tailEnd type="triangle"/>
+          </a:ln>
+        </p:spPr>
+        <p:style>
+          <a:lnRef idx="1">
+            <a:schemeClr val="accent1"/>
+          </a:lnRef>
+          <a:fillRef idx="0">
+            <a:schemeClr val="accent1"/>
+          </a:fillRef>
+          <a:effectRef idx="0">
+            <a:schemeClr val="accent1"/>
+          </a:effectRef>
+          <a:fontRef idx="minor">
+            <a:schemeClr val="tx1"/>
+          </a:fontRef>
+        </p:style>
+      </p:cxnSp>
+      <p:cxnSp>
+        <p:nvCxnSpPr>
+          <p:cNvPr id="48" name="Прямая со стрелкой 47">
+            <a:extLst>
+              <a:ext uri="{FF2B5EF4-FFF2-40B4-BE49-F238E27FC236}">
+                <a16:creationId xmlns:a16="http://schemas.microsoft.com/office/drawing/2014/main" id="{FA433859-01C5-43BA-BD7D-6A36D94EA766}"/>
+              </a:ext>
+            </a:extLst>
+          </p:cNvPr>
+          <p:cNvCxnSpPr>
+            <a:cxnSpLocks/>
+            <a:stCxn id="46" idx="0"/>
+          </p:cNvCxnSpPr>
+          <p:nvPr/>
+        </p:nvCxnSpPr>
+        <p:spPr>
+          <a:xfrm flipV="1">
+            <a:off x="6737929" y="5683291"/>
+            <a:ext cx="183245" cy="454862"/>
+          </a:xfrm>
+          <a:prstGeom prst="straightConnector1">
+            <a:avLst/>
+          </a:prstGeom>
+          <a:ln w="19050">
+            <a:solidFill>
+              <a:schemeClr val="tx1">
+                <a:lumMod val="95000"/>
+                <a:lumOff val="5000"/>
+              </a:schemeClr>
+            </a:solidFill>
+            <a:tailEnd type="triangle"/>
+          </a:ln>
+        </p:spPr>
+        <p:style>
+          <a:lnRef idx="1">
+            <a:schemeClr val="accent1"/>
+          </a:lnRef>
+          <a:fillRef idx="0">
+            <a:schemeClr val="accent1"/>
+          </a:fillRef>
+          <a:effectRef idx="0">
+            <a:schemeClr val="accent1"/>
+          </a:effectRef>
+          <a:fontRef idx="minor">
+            <a:schemeClr val="tx1"/>
+          </a:fontRef>
+        </p:style>
+      </p:cxnSp>
+      <p:sp>
+        <p:nvSpPr>
+          <p:cNvPr id="53" name="Стрелка: вверх 52">
+            <a:extLst>
+              <a:ext uri="{FF2B5EF4-FFF2-40B4-BE49-F238E27FC236}">
+                <a16:creationId xmlns:a16="http://schemas.microsoft.com/office/drawing/2014/main" id="{8F19A616-BB97-4383-9CDB-E1BC8C2D9C89}"/>
+              </a:ext>
+            </a:extLst>
+          </p:cNvPr>
+          <p:cNvSpPr/>
+          <p:nvPr/>
+        </p:nvSpPr>
+        <p:spPr>
+          <a:xfrm>
+            <a:off x="5968533" y="1029153"/>
+            <a:ext cx="307000" cy="1307177"/>
+          </a:xfrm>
+          <a:prstGeom prst="upArrow">
+            <a:avLst/>
+          </a:prstGeom>
+          <a:noFill/>
+          <a:ln w="19050">
+            <a:solidFill>
+              <a:schemeClr val="tx1"/>
+            </a:solidFill>
+          </a:ln>
+        </p:spPr>
+        <p:style>
+          <a:lnRef idx="2">
+            <a:schemeClr val="accent1">
+              <a:shade val="50000"/>
+            </a:schemeClr>
+          </a:lnRef>
+          <a:fillRef idx="1">
+            <a:schemeClr val="accent1"/>
+          </a:fillRef>
+          <a:effectRef idx="0">
+            <a:schemeClr val="accent1"/>
+          </a:effectRef>
+          <a:fontRef idx="minor">
+            <a:schemeClr val="lt1"/>
+          </a:fontRef>
+        </p:style>
+        <p:txBody>
+          <a:bodyPr vert="vert" rtlCol="0" anchor="ctr"/>
+          <a:lstStyle>
+            <a:lvl1pPr marL="0" indent="0">
+              <a:defRPr sz="1100">
+                <a:solidFill>
+                  <a:schemeClr val="lt1"/>
+                </a:solidFill>
+                <a:latin typeface="+mn-lt"/>
+                <a:ea typeface="+mn-ea"/>
+                <a:cs typeface="+mn-cs"/>
+              </a:defRPr>
+            </a:lvl1pPr>
+            <a:lvl2pPr marL="457200" indent="0">
+              <a:defRPr sz="1100">
+                <a:solidFill>
+                  <a:schemeClr val="lt1"/>
+                </a:solidFill>
+                <a:latin typeface="+mn-lt"/>
+                <a:ea typeface="+mn-ea"/>
+                <a:cs typeface="+mn-cs"/>
+              </a:defRPr>
+            </a:lvl2pPr>
+            <a:lvl3pPr marL="914400" indent="0">
+              <a:defRPr sz="1100">
+                <a:solidFill>
+                  <a:schemeClr val="lt1"/>
+                </a:solidFill>
+                <a:latin typeface="+mn-lt"/>
+                <a:ea typeface="+mn-ea"/>
+                <a:cs typeface="+mn-cs"/>
+              </a:defRPr>
+            </a:lvl3pPr>
+            <a:lvl4pPr marL="1371600" indent="0">
+              <a:defRPr sz="1100">
+                <a:solidFill>
+                  <a:schemeClr val="lt1"/>
+                </a:solidFill>
+                <a:latin typeface="+mn-lt"/>
+                <a:ea typeface="+mn-ea"/>
+                <a:cs typeface="+mn-cs"/>
+              </a:defRPr>
+            </a:lvl4pPr>
+            <a:lvl5pPr marL="1828800" indent="0">
+              <a:defRPr sz="1100">
+                <a:solidFill>
+                  <a:schemeClr val="lt1"/>
+                </a:solidFill>
+                <a:latin typeface="+mn-lt"/>
+                <a:ea typeface="+mn-ea"/>
+                <a:cs typeface="+mn-cs"/>
+              </a:defRPr>
+            </a:lvl5pPr>
+            <a:lvl6pPr marL="2286000" indent="0">
+              <a:defRPr sz="1100">
+                <a:solidFill>
+                  <a:schemeClr val="lt1"/>
+                </a:solidFill>
+                <a:latin typeface="+mn-lt"/>
+                <a:ea typeface="+mn-ea"/>
+                <a:cs typeface="+mn-cs"/>
+              </a:defRPr>
+            </a:lvl6pPr>
+            <a:lvl7pPr marL="2743200" indent="0">
+              <a:defRPr sz="1100">
+                <a:solidFill>
+                  <a:schemeClr val="lt1"/>
+                </a:solidFill>
+                <a:latin typeface="+mn-lt"/>
+                <a:ea typeface="+mn-ea"/>
+                <a:cs typeface="+mn-cs"/>
+              </a:defRPr>
+            </a:lvl7pPr>
+            <a:lvl8pPr marL="3200400" indent="0">
+              <a:defRPr sz="1100">
+                <a:solidFill>
+                  <a:schemeClr val="lt1"/>
+                </a:solidFill>
+                <a:latin typeface="+mn-lt"/>
+                <a:ea typeface="+mn-ea"/>
+                <a:cs typeface="+mn-cs"/>
+              </a:defRPr>
+            </a:lvl8pPr>
+            <a:lvl9pPr marL="3657600" indent="0">
+              <a:defRPr sz="1100">
+                <a:solidFill>
+                  <a:schemeClr val="lt1"/>
+                </a:solidFill>
+                <a:latin typeface="+mn-lt"/>
+                <a:ea typeface="+mn-ea"/>
+                <a:cs typeface="+mn-cs"/>
+              </a:defRPr>
+            </a:lvl9pPr>
+          </a:lstStyle>
+          <a:p>
+            <a:pPr algn="ctr"/>
+            <a:r>
+              <a:rPr lang="ru-RU" sz="800" b="1" dirty="0">
+                <a:solidFill>
+                  <a:schemeClr val="tx1"/>
+                </a:solidFill>
+              </a:rPr>
+              <a:t>экзотермический эффект</a:t>
+            </a:r>
+          </a:p>
+        </p:txBody>
+      </p:sp>
+      <p:sp>
+        <p:nvSpPr>
+          <p:cNvPr id="58" name="TextBox 57">
+            <a:extLst>
+              <a:ext uri="{FF2B5EF4-FFF2-40B4-BE49-F238E27FC236}">
+                <a16:creationId xmlns:a16="http://schemas.microsoft.com/office/drawing/2014/main" id="{3EAA0B5B-2554-4EB9-8240-9FEFF1548F87}"/>
+              </a:ext>
+            </a:extLst>
+          </p:cNvPr>
+          <p:cNvSpPr txBox="1"/>
+          <p:nvPr/>
+        </p:nvSpPr>
+        <p:spPr>
+          <a:xfrm>
+            <a:off x="3099589" y="4590083"/>
+            <a:ext cx="1673492" cy="276999"/>
+          </a:xfrm>
+          <a:prstGeom prst="rect">
+            <a:avLst/>
+          </a:prstGeom>
+          <a:noFill/>
+        </p:spPr>
+        <p:txBody>
+          <a:bodyPr wrap="square" rtlCol="0">
+            <a:spAutoFit/>
+          </a:bodyPr>
+          <a:lstStyle/>
+          <a:p>
+            <a:r>
+              <a:rPr lang="ru-RU" sz="1200" dirty="0"/>
+              <a:t>Отдельная фаза </a:t>
+            </a:r>
+            <a:r>
+              <a:rPr lang="en-US" sz="1200" dirty="0" err="1"/>
+              <a:t>GaSe</a:t>
+            </a:r>
+            <a:endParaRPr lang="ru-RU" sz="1200" dirty="0"/>
+          </a:p>
+        </p:txBody>
+      </p:sp>
+      <p:sp>
+        <p:nvSpPr>
+          <p:cNvPr id="59" name="TextBox 58">
+            <a:extLst>
+              <a:ext uri="{FF2B5EF4-FFF2-40B4-BE49-F238E27FC236}">
+                <a16:creationId xmlns:a16="http://schemas.microsoft.com/office/drawing/2014/main" id="{992362E2-7D51-4BBA-97B7-2BB2C01D2E5A}"/>
+              </a:ext>
+            </a:extLst>
+          </p:cNvPr>
+          <p:cNvSpPr txBox="1"/>
+          <p:nvPr/>
+        </p:nvSpPr>
+        <p:spPr>
+          <a:xfrm>
+            <a:off x="3310318" y="6086859"/>
+            <a:ext cx="1721912" cy="276999"/>
+          </a:xfrm>
+          <a:prstGeom prst="rect">
+            <a:avLst/>
+          </a:prstGeom>
+          <a:noFill/>
+        </p:spPr>
+        <p:txBody>
+          <a:bodyPr wrap="square" rtlCol="0">
+            <a:spAutoFit/>
+          </a:bodyPr>
+          <a:lstStyle/>
+          <a:p>
+            <a:r>
+              <a:rPr lang="ru-RU" sz="1200" dirty="0"/>
+              <a:t>Твердый раствор </a:t>
+            </a:r>
+            <a:r>
+              <a:rPr lang="en-US" sz="1200" dirty="0" err="1"/>
+              <a:t>GaSe</a:t>
+            </a:r>
+            <a:endParaRPr lang="ru-RU" sz="1200" dirty="0"/>
+          </a:p>
+        </p:txBody>
+      </p:sp>
+      <p:cxnSp>
+        <p:nvCxnSpPr>
+          <p:cNvPr id="60" name="Прямая со стрелкой 59">
+            <a:extLst>
+              <a:ext uri="{FF2B5EF4-FFF2-40B4-BE49-F238E27FC236}">
+                <a16:creationId xmlns:a16="http://schemas.microsoft.com/office/drawing/2014/main" id="{5C565527-9113-47A7-94D6-89682D280494}"/>
+              </a:ext>
+            </a:extLst>
+          </p:cNvPr>
+          <p:cNvCxnSpPr>
+            <a:cxnSpLocks/>
+            <a:stCxn id="59" idx="0"/>
+          </p:cNvCxnSpPr>
+          <p:nvPr/>
+        </p:nvCxnSpPr>
+        <p:spPr>
+          <a:xfrm flipV="1">
+            <a:off x="4171274" y="5636399"/>
+            <a:ext cx="183161" cy="450460"/>
+          </a:xfrm>
+          <a:prstGeom prst="straightConnector1">
+            <a:avLst/>
+          </a:prstGeom>
+          <a:ln w="19050">
+            <a:solidFill>
+              <a:schemeClr val="tx1">
+                <a:lumMod val="95000"/>
+                <a:lumOff val="5000"/>
+              </a:schemeClr>
+            </a:solidFill>
+            <a:tailEnd type="triangle"/>
+          </a:ln>
+        </p:spPr>
+        <p:style>
+          <a:lnRef idx="1">
+            <a:schemeClr val="accent1"/>
+          </a:lnRef>
+          <a:fillRef idx="0">
+            <a:schemeClr val="accent1"/>
+          </a:fillRef>
+          <a:effectRef idx="0">
+            <a:schemeClr val="accent1"/>
+          </a:effectRef>
+          <a:fontRef idx="minor">
+            <a:schemeClr val="tx1"/>
+          </a:fontRef>
+        </p:style>
+      </p:cxnSp>
+      <p:sp>
+        <p:nvSpPr>
+          <p:cNvPr id="63" name="Номер слайда 62">
+            <a:extLst>
+              <a:ext uri="{FF2B5EF4-FFF2-40B4-BE49-F238E27FC236}">
+                <a16:creationId xmlns:a16="http://schemas.microsoft.com/office/drawing/2014/main" id="{1CBEC0F9-6CA2-4552-8705-253C15B2EF16}"/>
               </a:ext>
             </a:extLst>
           </p:cNvPr>
@@ -8817,10 +11060,209 @@
           </a:p>
         </p:txBody>
       </p:sp>
+      <p:sp>
+        <p:nvSpPr>
+          <p:cNvPr id="66" name="TextBox 65">
+            <a:extLst>
+              <a:ext uri="{FF2B5EF4-FFF2-40B4-BE49-F238E27FC236}">
+                <a16:creationId xmlns:a16="http://schemas.microsoft.com/office/drawing/2014/main" id="{7A2BB657-D6B5-4D89-A09F-2927A03FB6D2}"/>
+              </a:ext>
+            </a:extLst>
+          </p:cNvPr>
+          <p:cNvSpPr txBox="1"/>
+          <p:nvPr/>
+        </p:nvSpPr>
+        <p:spPr>
+          <a:xfrm>
+            <a:off x="2686147" y="981658"/>
+            <a:ext cx="1495167" cy="584775"/>
+          </a:xfrm>
+          <a:prstGeom prst="rect">
+            <a:avLst/>
+          </a:prstGeom>
+          <a:noFill/>
+        </p:spPr>
+        <p:txBody>
+          <a:bodyPr wrap="square" rtlCol="0">
+            <a:spAutoFit/>
+          </a:bodyPr>
+          <a:lstStyle/>
+          <a:p>
+            <a:r>
+              <a:rPr lang="ru-RU" sz="1600" b="1" dirty="0"/>
+              <a:t>Стеклование</a:t>
+            </a:r>
+            <a:endParaRPr lang="en-US" sz="1600" b="1" dirty="0"/>
+          </a:p>
+          <a:p>
+            <a:r>
+              <a:rPr lang="en-US" sz="1600" b="1" dirty="0"/>
+              <a:t>580</a:t>
+            </a:r>
+            <a:r>
+              <a:rPr lang="ru-RU" sz="1600" b="1" dirty="0"/>
+              <a:t> – </a:t>
+            </a:r>
+            <a:r>
+              <a:rPr lang="en-US" sz="1600" b="1" dirty="0"/>
+              <a:t>610</a:t>
+            </a:r>
+            <a:r>
+              <a:rPr lang="ru-RU" sz="1600" b="1" dirty="0"/>
+              <a:t> К</a:t>
+            </a:r>
+          </a:p>
+        </p:txBody>
+      </p:sp>
+      <p:cxnSp>
+        <p:nvCxnSpPr>
+          <p:cNvPr id="67" name="Прямая со стрелкой 66">
+            <a:extLst>
+              <a:ext uri="{FF2B5EF4-FFF2-40B4-BE49-F238E27FC236}">
+                <a16:creationId xmlns:a16="http://schemas.microsoft.com/office/drawing/2014/main" id="{3E179910-639E-48FF-963D-DB6BB4C0A045}"/>
+              </a:ext>
+            </a:extLst>
+          </p:cNvPr>
+          <p:cNvCxnSpPr>
+            <a:cxnSpLocks/>
+            <a:stCxn id="66" idx="2"/>
+          </p:cNvCxnSpPr>
+          <p:nvPr/>
+        </p:nvCxnSpPr>
+        <p:spPr>
+          <a:xfrm flipH="1">
+            <a:off x="2494539" y="1566433"/>
+            <a:ext cx="939192" cy="331305"/>
+          </a:xfrm>
+          <a:prstGeom prst="straightConnector1">
+            <a:avLst/>
+          </a:prstGeom>
+          <a:ln w="19050">
+            <a:solidFill>
+              <a:schemeClr val="tx1">
+                <a:lumMod val="95000"/>
+                <a:lumOff val="5000"/>
+              </a:schemeClr>
+            </a:solidFill>
+            <a:tailEnd type="triangle"/>
+          </a:ln>
+        </p:spPr>
+        <p:style>
+          <a:lnRef idx="1">
+            <a:schemeClr val="accent1"/>
+          </a:lnRef>
+          <a:fillRef idx="0">
+            <a:schemeClr val="accent1"/>
+          </a:fillRef>
+          <a:effectRef idx="0">
+            <a:schemeClr val="accent1"/>
+          </a:effectRef>
+          <a:fontRef idx="minor">
+            <a:schemeClr val="tx1"/>
+          </a:fontRef>
+        </p:style>
+      </p:cxnSp>
+      <p:sp>
+        <p:nvSpPr>
+          <p:cNvPr id="68" name="TextBox 67">
+            <a:extLst>
+              <a:ext uri="{FF2B5EF4-FFF2-40B4-BE49-F238E27FC236}">
+                <a16:creationId xmlns:a16="http://schemas.microsoft.com/office/drawing/2014/main" id="{FA2D7BD1-6BF5-457E-B7FD-9E167A3D214B}"/>
+              </a:ext>
+            </a:extLst>
+          </p:cNvPr>
+          <p:cNvSpPr txBox="1"/>
+          <p:nvPr/>
+        </p:nvSpPr>
+        <p:spPr>
+          <a:xfrm>
+            <a:off x="4894601" y="1141116"/>
+            <a:ext cx="1210962" cy="584775"/>
+          </a:xfrm>
+          <a:prstGeom prst="rect">
+            <a:avLst/>
+          </a:prstGeom>
+          <a:noFill/>
+        </p:spPr>
+        <p:txBody>
+          <a:bodyPr wrap="square" rtlCol="0">
+            <a:spAutoFit/>
+          </a:bodyPr>
+          <a:lstStyle/>
+          <a:p>
+            <a:r>
+              <a:rPr lang="ru-RU" sz="1600" b="1" dirty="0"/>
+              <a:t>Плавление</a:t>
+            </a:r>
+          </a:p>
+          <a:p>
+            <a:r>
+              <a:rPr lang="ru-RU" sz="1600" b="1" dirty="0"/>
+              <a:t>800 – 8</a:t>
+            </a:r>
+            <a:r>
+              <a:rPr lang="en-US" sz="1600" b="1" dirty="0"/>
+              <a:t>2</a:t>
+            </a:r>
+            <a:r>
+              <a:rPr lang="ru-RU" sz="1600" b="1" dirty="0"/>
+              <a:t>0 К</a:t>
+            </a:r>
+          </a:p>
+        </p:txBody>
+      </p:sp>
+      <p:cxnSp>
+        <p:nvCxnSpPr>
+          <p:cNvPr id="69" name="Прямая со стрелкой 68">
+            <a:extLst>
+              <a:ext uri="{FF2B5EF4-FFF2-40B4-BE49-F238E27FC236}">
+                <a16:creationId xmlns:a16="http://schemas.microsoft.com/office/drawing/2014/main" id="{5944B180-61B4-4FFC-B6ED-107CFD00A9C6}"/>
+              </a:ext>
+            </a:extLst>
+          </p:cNvPr>
+          <p:cNvCxnSpPr>
+            <a:cxnSpLocks/>
+            <a:stCxn id="68" idx="2"/>
+          </p:cNvCxnSpPr>
+          <p:nvPr/>
+        </p:nvCxnSpPr>
+        <p:spPr>
+          <a:xfrm flipH="1">
+            <a:off x="4744518" y="1725891"/>
+            <a:ext cx="755564" cy="370603"/>
+          </a:xfrm>
+          <a:prstGeom prst="straightConnector1">
+            <a:avLst/>
+          </a:prstGeom>
+          <a:ln w="19050">
+            <a:solidFill>
+              <a:schemeClr val="tx1">
+                <a:lumMod val="95000"/>
+                <a:lumOff val="5000"/>
+              </a:schemeClr>
+            </a:solidFill>
+            <a:tailEnd type="triangle"/>
+          </a:ln>
+        </p:spPr>
+        <p:style>
+          <a:lnRef idx="1">
+            <a:schemeClr val="accent1"/>
+          </a:lnRef>
+          <a:fillRef idx="0">
+            <a:schemeClr val="accent1"/>
+          </a:fillRef>
+          <a:effectRef idx="0">
+            <a:schemeClr val="accent1"/>
+          </a:effectRef>
+          <a:fontRef idx="minor">
+            <a:schemeClr val="tx1"/>
+          </a:fontRef>
+        </p:style>
+      </p:cxnSp>
     </p:spTree>
     <p:extLst>
       <p:ext uri="{BB962C8B-B14F-4D97-AF65-F5344CB8AC3E}">
-        <p14:creationId xmlns:p14="http://schemas.microsoft.com/office/powerpoint/2010/main" val="2978972195"/>
+        <p14:creationId xmlns:p14="http://schemas.microsoft.com/office/powerpoint/2010/main" val="2529331404"/>
       </p:ext>
     </p:extLst>
   </p:cSld>
@@ -8847,12 +11289,84 @@
           <a:chExt cx="0" cy="0"/>
         </a:xfrm>
       </p:grpSpPr>
+      <p:pic>
+        <p:nvPicPr>
+          <p:cNvPr id="23" name="Рисунок 22">
+            <a:extLst>
+              <a:ext uri="{FF2B5EF4-FFF2-40B4-BE49-F238E27FC236}">
+                <a16:creationId xmlns:a16="http://schemas.microsoft.com/office/drawing/2014/main" id="{7B42C10B-CD73-4756-B808-F05F4D0C424B}"/>
+              </a:ext>
+            </a:extLst>
+          </p:cNvPr>
+          <p:cNvPicPr>
+            <a:picLocks noChangeAspect="1"/>
+          </p:cNvPicPr>
+          <p:nvPr/>
+        </p:nvPicPr>
+        <p:blipFill>
+          <a:blip r:embed="rId3">
+            <a:extLst>
+              <a:ext uri="{28A0092B-C50C-407E-A947-70E740481C1C}">
+                <a14:useLocalDpi xmlns:a14="http://schemas.microsoft.com/office/drawing/2010/main" val="0"/>
+              </a:ext>
+            </a:extLst>
+          </a:blip>
+          <a:stretch>
+            <a:fillRect/>
+          </a:stretch>
+        </p:blipFill>
+        <p:spPr>
+          <a:xfrm>
+            <a:off x="2457519" y="4315609"/>
+            <a:ext cx="2475650" cy="2564368"/>
+          </a:xfrm>
+          <a:prstGeom prst="rect">
+            <a:avLst/>
+          </a:prstGeom>
+        </p:spPr>
+      </p:pic>
+      <p:pic>
+        <p:nvPicPr>
+          <p:cNvPr id="21" name="Рисунок 20">
+            <a:extLst>
+              <a:ext uri="{FF2B5EF4-FFF2-40B4-BE49-F238E27FC236}">
+                <a16:creationId xmlns:a16="http://schemas.microsoft.com/office/drawing/2014/main" id="{C8BE1885-EFF4-4E67-9052-29D7B6C2497C}"/>
+              </a:ext>
+            </a:extLst>
+          </p:cNvPr>
+          <p:cNvPicPr>
+            <a:picLocks noChangeAspect="1"/>
+          </p:cNvPicPr>
+          <p:nvPr/>
+        </p:nvPicPr>
+        <p:blipFill>
+          <a:blip r:embed="rId4">
+            <a:extLst>
+              <a:ext uri="{28A0092B-C50C-407E-A947-70E740481C1C}">
+                <a14:useLocalDpi xmlns:a14="http://schemas.microsoft.com/office/drawing/2010/main" val="0"/>
+              </a:ext>
+            </a:extLst>
+          </a:blip>
+          <a:stretch>
+            <a:fillRect/>
+          </a:stretch>
+        </p:blipFill>
+        <p:spPr>
+          <a:xfrm>
+            <a:off x="-18181" y="4298338"/>
+            <a:ext cx="2475650" cy="2573150"/>
+          </a:xfrm>
+          <a:prstGeom prst="rect">
+            <a:avLst/>
+          </a:prstGeom>
+        </p:spPr>
+      </p:pic>
       <p:sp>
         <p:nvSpPr>
           <p:cNvPr id="2" name="Заголовок 1">
             <a:extLst>
               <a:ext uri="{FF2B5EF4-FFF2-40B4-BE49-F238E27FC236}">
-                <a16:creationId xmlns:a16="http://schemas.microsoft.com/office/drawing/2014/main" id="{07012478-8078-4276-A654-4580A534F6CE}"/>
+                <a16:creationId xmlns:a16="http://schemas.microsoft.com/office/drawing/2014/main" id="{5750857A-B71A-4E37-8E27-044C598B12B5}"/>
               </a:ext>
             </a:extLst>
           </p:cNvPr>
@@ -8870,19 +11384,33 @@
           <a:p>
             <a:r>
               <a:rPr lang="ru-RU" dirty="0"/>
-              <a:t>ИНТЕРВАЛ ТЕМПЕРАТУРЫ </a:t>
-            </a:r>
-            <a:r>
-              <a:rPr lang="ru-RU" u="sng" dirty="0"/>
-              <a:t>700-900 К</a:t>
-            </a:r>
-            <a:br>
-              <a:rPr lang="ru-RU" dirty="0"/>
-            </a:br>
-            <a:r>
-              <a:rPr lang="ru-RU" dirty="0"/>
-              <a:t>РЕЗУЛЬТАТ РАСЧЕТА, ДСК, ЗАВИСИМОСТЬ ЭНЕРГИЙ ГИББСА</a:t>
-            </a:r>
+              <a:t>РЕЗУЛЬТАТ РАСЧЕТА И ДСК СТЕКЛА ДЛЯ СИСТЕМЫ СОСТАВА: </a:t>
+            </a:r>
+            <a:r>
+              <a:rPr lang="en-US" dirty="0"/>
+              <a:t>Ge</a:t>
+            </a:r>
+            <a:r>
+              <a:rPr lang="en-US" b="1" dirty="0"/>
+              <a:t>15</a:t>
+            </a:r>
+            <a:r>
+              <a:rPr lang="en-US" dirty="0"/>
+              <a:t>Ga2</a:t>
+            </a:r>
+            <a:r>
+              <a:rPr lang="ru-RU" b="1" dirty="0"/>
+              <a:t>5</a:t>
+            </a:r>
+            <a:r>
+              <a:rPr lang="en-US" dirty="0"/>
+              <a:t>Se</a:t>
+            </a:r>
+            <a:r>
+              <a:rPr lang="en-US" b="1" dirty="0"/>
+              <a:t>60</a:t>
+            </a:r>
+            <a:endParaRPr lang="ru-RU" dirty="0"/>
           </a:p>
         </p:txBody>
       </p:sp>
@@ -8891,7 +11419,7 @@
           <p:cNvPr id="3" name="Номер слайда 2">
             <a:extLst>
               <a:ext uri="{FF2B5EF4-FFF2-40B4-BE49-F238E27FC236}">
-                <a16:creationId xmlns:a16="http://schemas.microsoft.com/office/drawing/2014/main" id="{38F6D0A4-C400-4F55-9AFB-85C63F73F318}"/>
+                <a16:creationId xmlns:a16="http://schemas.microsoft.com/office/drawing/2014/main" id="{DECAC509-B7BD-4A86-95E6-9233348A1938}"/>
               </a:ext>
             </a:extLst>
           </p:cNvPr>
@@ -8916,10 +11444,725 @@
           </a:p>
         </p:txBody>
       </p:sp>
+      <p:pic>
+        <p:nvPicPr>
+          <p:cNvPr id="7" name="Рисунок 6">
+            <a:extLst>
+              <a:ext uri="{FF2B5EF4-FFF2-40B4-BE49-F238E27FC236}">
+                <a16:creationId xmlns:a16="http://schemas.microsoft.com/office/drawing/2014/main" id="{C90C1034-95E2-44F6-9C31-6D607F347BA3}"/>
+              </a:ext>
+            </a:extLst>
+          </p:cNvPr>
+          <p:cNvPicPr>
+            <a:picLocks noChangeAspect="1"/>
+          </p:cNvPicPr>
+          <p:nvPr/>
+        </p:nvPicPr>
+        <p:blipFill>
+          <a:blip r:embed="rId5">
+            <a:extLst>
+              <a:ext uri="{28A0092B-C50C-407E-A947-70E740481C1C}">
+                <a14:useLocalDpi xmlns:a14="http://schemas.microsoft.com/office/drawing/2010/main" val="0"/>
+              </a:ext>
+            </a:extLst>
+          </a:blip>
+          <a:stretch>
+            <a:fillRect/>
+          </a:stretch>
+        </p:blipFill>
+        <p:spPr>
+          <a:xfrm>
+            <a:off x="6237793" y="1240384"/>
+            <a:ext cx="2904029" cy="3044466"/>
+          </a:xfrm>
+          <a:prstGeom prst="rect">
+            <a:avLst/>
+          </a:prstGeom>
+        </p:spPr>
+      </p:pic>
+      <p:sp>
+        <p:nvSpPr>
+          <p:cNvPr id="8" name="TextBox 7">
+            <a:extLst>
+              <a:ext uri="{FF2B5EF4-FFF2-40B4-BE49-F238E27FC236}">
+                <a16:creationId xmlns:a16="http://schemas.microsoft.com/office/drawing/2014/main" id="{9A998073-A280-4A81-B774-0F2DE43C14EF}"/>
+              </a:ext>
+            </a:extLst>
+          </p:cNvPr>
+          <p:cNvSpPr txBox="1"/>
+          <p:nvPr/>
+        </p:nvSpPr>
+        <p:spPr>
+          <a:xfrm>
+            <a:off x="7086600" y="2689060"/>
+            <a:ext cx="1553395" cy="276999"/>
+          </a:xfrm>
+          <a:prstGeom prst="rect">
+            <a:avLst/>
+          </a:prstGeom>
+          <a:noFill/>
+        </p:spPr>
+        <p:txBody>
+          <a:bodyPr wrap="square" rtlCol="0">
+            <a:spAutoFit/>
+          </a:bodyPr>
+          <a:lstStyle/>
+          <a:p>
+            <a:r>
+              <a:rPr lang="ru-RU" sz="1200" dirty="0"/>
+              <a:t>Жидкий раствор </a:t>
+            </a:r>
+            <a:r>
+              <a:rPr lang="en-US" sz="1200" dirty="0"/>
+              <a:t>Se</a:t>
+            </a:r>
+            <a:endParaRPr lang="ru-RU" sz="1200" dirty="0"/>
+          </a:p>
+        </p:txBody>
+      </p:sp>
+      <p:cxnSp>
+        <p:nvCxnSpPr>
+          <p:cNvPr id="9" name="Прямая со стрелкой 8">
+            <a:extLst>
+              <a:ext uri="{FF2B5EF4-FFF2-40B4-BE49-F238E27FC236}">
+                <a16:creationId xmlns:a16="http://schemas.microsoft.com/office/drawing/2014/main" id="{47715875-FF77-4D22-9C0B-30501E3A51C8}"/>
+              </a:ext>
+            </a:extLst>
+          </p:cNvPr>
+          <p:cNvCxnSpPr>
+            <a:cxnSpLocks/>
+            <a:stCxn id="8" idx="0"/>
+          </p:cNvCxnSpPr>
+          <p:nvPr/>
+        </p:nvCxnSpPr>
+        <p:spPr>
+          <a:xfrm flipV="1">
+            <a:off x="7863298" y="2093990"/>
+            <a:ext cx="283924" cy="595070"/>
+          </a:xfrm>
+          <a:prstGeom prst="straightConnector1">
+            <a:avLst/>
+          </a:prstGeom>
+          <a:ln w="19050">
+            <a:solidFill>
+              <a:schemeClr val="tx1">
+                <a:lumMod val="95000"/>
+                <a:lumOff val="5000"/>
+              </a:schemeClr>
+            </a:solidFill>
+            <a:tailEnd type="triangle"/>
+          </a:ln>
+        </p:spPr>
+        <p:style>
+          <a:lnRef idx="1">
+            <a:schemeClr val="accent1"/>
+          </a:lnRef>
+          <a:fillRef idx="0">
+            <a:schemeClr val="accent1"/>
+          </a:fillRef>
+          <a:effectRef idx="0">
+            <a:schemeClr val="accent1"/>
+          </a:effectRef>
+          <a:fontRef idx="minor">
+            <a:schemeClr val="tx1"/>
+          </a:fontRef>
+        </p:style>
+      </p:cxnSp>
+      <p:sp>
+        <p:nvSpPr>
+          <p:cNvPr id="10" name="TextBox 9">
+            <a:extLst>
+              <a:ext uri="{FF2B5EF4-FFF2-40B4-BE49-F238E27FC236}">
+                <a16:creationId xmlns:a16="http://schemas.microsoft.com/office/drawing/2014/main" id="{EE651A32-94CA-48DE-BCEA-61FCFB409426}"/>
+              </a:ext>
+            </a:extLst>
+          </p:cNvPr>
+          <p:cNvSpPr txBox="1"/>
+          <p:nvPr/>
+        </p:nvSpPr>
+        <p:spPr>
+          <a:xfrm>
+            <a:off x="7086600" y="3103439"/>
+            <a:ext cx="1673492" cy="276999"/>
+          </a:xfrm>
+          <a:prstGeom prst="rect">
+            <a:avLst/>
+          </a:prstGeom>
+          <a:noFill/>
+        </p:spPr>
+        <p:txBody>
+          <a:bodyPr wrap="square" rtlCol="0">
+            <a:spAutoFit/>
+          </a:bodyPr>
+          <a:lstStyle/>
+          <a:p>
+            <a:r>
+              <a:rPr lang="ru-RU" sz="1200" dirty="0"/>
+              <a:t>Отдельная фаза </a:t>
+            </a:r>
+            <a:r>
+              <a:rPr lang="en-US" sz="1200" dirty="0"/>
+              <a:t>Se</a:t>
+            </a:r>
+            <a:endParaRPr lang="ru-RU" sz="1200" dirty="0"/>
+          </a:p>
+        </p:txBody>
+      </p:sp>
+      <p:cxnSp>
+        <p:nvCxnSpPr>
+          <p:cNvPr id="11" name="Прямая со стрелкой 10">
+            <a:extLst>
+              <a:ext uri="{FF2B5EF4-FFF2-40B4-BE49-F238E27FC236}">
+                <a16:creationId xmlns:a16="http://schemas.microsoft.com/office/drawing/2014/main" id="{62A43EB5-DBE6-482F-B93E-6B50C03D8732}"/>
+              </a:ext>
+            </a:extLst>
+          </p:cNvPr>
+          <p:cNvCxnSpPr>
+            <a:cxnSpLocks/>
+            <a:stCxn id="10" idx="2"/>
+          </p:cNvCxnSpPr>
+          <p:nvPr/>
+        </p:nvCxnSpPr>
+        <p:spPr>
+          <a:xfrm>
+            <a:off x="7923346" y="3380438"/>
+            <a:ext cx="246763" cy="227085"/>
+          </a:xfrm>
+          <a:prstGeom prst="straightConnector1">
+            <a:avLst/>
+          </a:prstGeom>
+          <a:ln w="19050">
+            <a:solidFill>
+              <a:schemeClr val="tx1">
+                <a:lumMod val="95000"/>
+                <a:lumOff val="5000"/>
+              </a:schemeClr>
+            </a:solidFill>
+            <a:tailEnd type="triangle"/>
+          </a:ln>
+        </p:spPr>
+        <p:style>
+          <a:lnRef idx="1">
+            <a:schemeClr val="accent1"/>
+          </a:lnRef>
+          <a:fillRef idx="0">
+            <a:schemeClr val="accent1"/>
+          </a:fillRef>
+          <a:effectRef idx="0">
+            <a:schemeClr val="accent1"/>
+          </a:effectRef>
+          <a:fontRef idx="minor">
+            <a:schemeClr val="tx1"/>
+          </a:fontRef>
+        </p:style>
+      </p:cxnSp>
+      <p:pic>
+        <p:nvPicPr>
+          <p:cNvPr id="25" name="Рисунок 24">
+            <a:extLst>
+              <a:ext uri="{FF2B5EF4-FFF2-40B4-BE49-F238E27FC236}">
+                <a16:creationId xmlns:a16="http://schemas.microsoft.com/office/drawing/2014/main" id="{3BEB7134-6B47-4ADC-9ECE-7A954D2938A0}"/>
+              </a:ext>
+            </a:extLst>
+          </p:cNvPr>
+          <p:cNvPicPr>
+            <a:picLocks noChangeAspect="1"/>
+          </p:cNvPicPr>
+          <p:nvPr/>
+        </p:nvPicPr>
+        <p:blipFill>
+          <a:blip r:embed="rId6">
+            <a:extLst>
+              <a:ext uri="{28A0092B-C50C-407E-A947-70E740481C1C}">
+                <a14:useLocalDpi xmlns:a14="http://schemas.microsoft.com/office/drawing/2010/main" val="0"/>
+              </a:ext>
+            </a:extLst>
+          </a:blip>
+          <a:stretch>
+            <a:fillRect/>
+          </a:stretch>
+        </p:blipFill>
+        <p:spPr>
+          <a:xfrm>
+            <a:off x="4933169" y="4296280"/>
+            <a:ext cx="2514250" cy="2586694"/>
+          </a:xfrm>
+          <a:prstGeom prst="rect">
+            <a:avLst/>
+          </a:prstGeom>
+        </p:spPr>
+      </p:pic>
+      <p:sp>
+        <p:nvSpPr>
+          <p:cNvPr id="29" name="TextBox 28">
+            <a:extLst>
+              <a:ext uri="{FF2B5EF4-FFF2-40B4-BE49-F238E27FC236}">
+                <a16:creationId xmlns:a16="http://schemas.microsoft.com/office/drawing/2014/main" id="{C6236135-9734-4A73-A71F-5BD3CC0F2078}"/>
+              </a:ext>
+            </a:extLst>
+          </p:cNvPr>
+          <p:cNvSpPr txBox="1"/>
+          <p:nvPr/>
+        </p:nvSpPr>
+        <p:spPr>
+          <a:xfrm>
+            <a:off x="664045" y="4698807"/>
+            <a:ext cx="1553395" cy="276999"/>
+          </a:xfrm>
+          <a:prstGeom prst="rect">
+            <a:avLst/>
+          </a:prstGeom>
+          <a:noFill/>
+        </p:spPr>
+        <p:txBody>
+          <a:bodyPr wrap="square" rtlCol="0">
+            <a:spAutoFit/>
+          </a:bodyPr>
+          <a:lstStyle/>
+          <a:p>
+            <a:r>
+              <a:rPr lang="ru-RU" sz="1200" dirty="0"/>
+              <a:t>Отдельная фаза </a:t>
+            </a:r>
+            <a:r>
+              <a:rPr lang="en-US" sz="1200" dirty="0"/>
+              <a:t>Ga</a:t>
+            </a:r>
+            <a:endParaRPr lang="ru-RU" sz="1200" dirty="0"/>
+          </a:p>
+        </p:txBody>
+      </p:sp>
+      <p:sp>
+        <p:nvSpPr>
+          <p:cNvPr id="30" name="TextBox 29">
+            <a:extLst>
+              <a:ext uri="{FF2B5EF4-FFF2-40B4-BE49-F238E27FC236}">
+                <a16:creationId xmlns:a16="http://schemas.microsoft.com/office/drawing/2014/main" id="{1D818BD8-F825-458B-AA5D-081130D1DB85}"/>
+              </a:ext>
+            </a:extLst>
+          </p:cNvPr>
+          <p:cNvSpPr txBox="1"/>
+          <p:nvPr/>
+        </p:nvSpPr>
+        <p:spPr>
+          <a:xfrm>
+            <a:off x="930642" y="6092363"/>
+            <a:ext cx="1553395" cy="276999"/>
+          </a:xfrm>
+          <a:prstGeom prst="rect">
+            <a:avLst/>
+          </a:prstGeom>
+          <a:noFill/>
+        </p:spPr>
+        <p:txBody>
+          <a:bodyPr wrap="square" rtlCol="0">
+            <a:spAutoFit/>
+          </a:bodyPr>
+          <a:lstStyle/>
+          <a:p>
+            <a:r>
+              <a:rPr lang="ru-RU" sz="1200" dirty="0"/>
+              <a:t>Жидкий раствор </a:t>
+            </a:r>
+            <a:r>
+              <a:rPr lang="en-US" sz="1200" dirty="0"/>
+              <a:t>Ga</a:t>
+            </a:r>
+            <a:endParaRPr lang="ru-RU" sz="1200" dirty="0"/>
+          </a:p>
+        </p:txBody>
+      </p:sp>
+      <p:cxnSp>
+        <p:nvCxnSpPr>
+          <p:cNvPr id="31" name="Прямая со стрелкой 30">
+            <a:extLst>
+              <a:ext uri="{FF2B5EF4-FFF2-40B4-BE49-F238E27FC236}">
+                <a16:creationId xmlns:a16="http://schemas.microsoft.com/office/drawing/2014/main" id="{A436EAB2-458B-4EA0-AC29-1B7ABC007594}"/>
+              </a:ext>
+            </a:extLst>
+          </p:cNvPr>
+          <p:cNvCxnSpPr>
+            <a:cxnSpLocks/>
+            <a:stCxn id="30" idx="0"/>
+          </p:cNvCxnSpPr>
+          <p:nvPr/>
+        </p:nvCxnSpPr>
+        <p:spPr>
+          <a:xfrm flipV="1">
+            <a:off x="1707340" y="5617616"/>
+            <a:ext cx="187363" cy="474747"/>
+          </a:xfrm>
+          <a:prstGeom prst="straightConnector1">
+            <a:avLst/>
+          </a:prstGeom>
+          <a:ln w="19050">
+            <a:solidFill>
+              <a:schemeClr val="tx1">
+                <a:lumMod val="95000"/>
+                <a:lumOff val="5000"/>
+              </a:schemeClr>
+            </a:solidFill>
+            <a:tailEnd type="triangle"/>
+          </a:ln>
+        </p:spPr>
+        <p:style>
+          <a:lnRef idx="1">
+            <a:schemeClr val="accent1"/>
+          </a:lnRef>
+          <a:fillRef idx="0">
+            <a:schemeClr val="accent1"/>
+          </a:fillRef>
+          <a:effectRef idx="0">
+            <a:schemeClr val="accent1"/>
+          </a:effectRef>
+          <a:fontRef idx="minor">
+            <a:schemeClr val="tx1"/>
+          </a:fontRef>
+        </p:style>
+      </p:cxnSp>
+      <p:sp>
+        <p:nvSpPr>
+          <p:cNvPr id="32" name="TextBox 31">
+            <a:extLst>
+              <a:ext uri="{FF2B5EF4-FFF2-40B4-BE49-F238E27FC236}">
+                <a16:creationId xmlns:a16="http://schemas.microsoft.com/office/drawing/2014/main" id="{8A8E421F-9170-4D88-B032-C8871D0D9BD1}"/>
+              </a:ext>
+            </a:extLst>
+          </p:cNvPr>
+          <p:cNvSpPr txBox="1"/>
+          <p:nvPr/>
+        </p:nvSpPr>
+        <p:spPr>
+          <a:xfrm>
+            <a:off x="5815672" y="4742656"/>
+            <a:ext cx="1553395" cy="461665"/>
+          </a:xfrm>
+          <a:prstGeom prst="rect">
+            <a:avLst/>
+          </a:prstGeom>
+          <a:noFill/>
+        </p:spPr>
+        <p:txBody>
+          <a:bodyPr wrap="square" rtlCol="0">
+            <a:spAutoFit/>
+          </a:bodyPr>
+          <a:lstStyle/>
+          <a:p>
+            <a:r>
+              <a:rPr lang="ru-RU" sz="1200" dirty="0"/>
+              <a:t>Отдельная фаза </a:t>
+            </a:r>
+            <a:r>
+              <a:rPr lang="en-US" sz="1200" dirty="0"/>
+              <a:t>Ga2Se3</a:t>
+            </a:r>
+            <a:endParaRPr lang="ru-RU" sz="1200" dirty="0"/>
+          </a:p>
+        </p:txBody>
+      </p:sp>
+      <p:sp>
+        <p:nvSpPr>
+          <p:cNvPr id="33" name="TextBox 32">
+            <a:extLst>
+              <a:ext uri="{FF2B5EF4-FFF2-40B4-BE49-F238E27FC236}">
+                <a16:creationId xmlns:a16="http://schemas.microsoft.com/office/drawing/2014/main" id="{6748060C-8DF4-40C7-BE95-50ECD2D4FD5F}"/>
+              </a:ext>
+            </a:extLst>
+          </p:cNvPr>
+          <p:cNvSpPr txBox="1"/>
+          <p:nvPr/>
+        </p:nvSpPr>
+        <p:spPr>
+          <a:xfrm>
+            <a:off x="5876973" y="6138153"/>
+            <a:ext cx="1721912" cy="461665"/>
+          </a:xfrm>
+          <a:prstGeom prst="rect">
+            <a:avLst/>
+          </a:prstGeom>
+          <a:noFill/>
+        </p:spPr>
+        <p:txBody>
+          <a:bodyPr wrap="square" rtlCol="0">
+            <a:spAutoFit/>
+          </a:bodyPr>
+          <a:lstStyle/>
+          <a:p>
+            <a:r>
+              <a:rPr lang="ru-RU" sz="1200" dirty="0"/>
+              <a:t>Твердый раствор </a:t>
+            </a:r>
+            <a:r>
+              <a:rPr lang="en-US" sz="1200" dirty="0"/>
+              <a:t>Ga2Se3</a:t>
+            </a:r>
+            <a:endParaRPr lang="ru-RU" sz="1200" dirty="0"/>
+          </a:p>
+        </p:txBody>
+      </p:sp>
+      <p:cxnSp>
+        <p:nvCxnSpPr>
+          <p:cNvPr id="34" name="Прямая со стрелкой 33">
+            <a:extLst>
+              <a:ext uri="{FF2B5EF4-FFF2-40B4-BE49-F238E27FC236}">
+                <a16:creationId xmlns:a16="http://schemas.microsoft.com/office/drawing/2014/main" id="{E2C3FB89-046D-4998-A9F2-F346FD4117E8}"/>
+              </a:ext>
+            </a:extLst>
+          </p:cNvPr>
+          <p:cNvCxnSpPr>
+            <a:cxnSpLocks/>
+          </p:cNvCxnSpPr>
+          <p:nvPr/>
+        </p:nvCxnSpPr>
+        <p:spPr>
+          <a:xfrm>
+            <a:off x="6592369" y="5204321"/>
+            <a:ext cx="162035" cy="151320"/>
+          </a:xfrm>
+          <a:prstGeom prst="straightConnector1">
+            <a:avLst/>
+          </a:prstGeom>
+          <a:ln w="19050">
+            <a:solidFill>
+              <a:schemeClr val="tx1">
+                <a:lumMod val="95000"/>
+                <a:lumOff val="5000"/>
+              </a:schemeClr>
+            </a:solidFill>
+            <a:tailEnd type="triangle"/>
+          </a:ln>
+        </p:spPr>
+        <p:style>
+          <a:lnRef idx="1">
+            <a:schemeClr val="accent1"/>
+          </a:lnRef>
+          <a:fillRef idx="0">
+            <a:schemeClr val="accent1"/>
+          </a:fillRef>
+          <a:effectRef idx="0">
+            <a:schemeClr val="accent1"/>
+          </a:effectRef>
+          <a:fontRef idx="minor">
+            <a:schemeClr val="tx1"/>
+          </a:fontRef>
+        </p:style>
+      </p:cxnSp>
+      <p:cxnSp>
+        <p:nvCxnSpPr>
+          <p:cNvPr id="35" name="Прямая со стрелкой 34">
+            <a:extLst>
+              <a:ext uri="{FF2B5EF4-FFF2-40B4-BE49-F238E27FC236}">
+                <a16:creationId xmlns:a16="http://schemas.microsoft.com/office/drawing/2014/main" id="{1C02FD8B-5F0D-468C-A989-CE972E090B5D}"/>
+              </a:ext>
+            </a:extLst>
+          </p:cNvPr>
+          <p:cNvCxnSpPr>
+            <a:cxnSpLocks/>
+            <a:stCxn id="33" idx="0"/>
+          </p:cNvCxnSpPr>
+          <p:nvPr/>
+        </p:nvCxnSpPr>
+        <p:spPr>
+          <a:xfrm flipV="1">
+            <a:off x="6737929" y="5617616"/>
+            <a:ext cx="173617" cy="520537"/>
+          </a:xfrm>
+          <a:prstGeom prst="straightConnector1">
+            <a:avLst/>
+          </a:prstGeom>
+          <a:ln w="19050">
+            <a:solidFill>
+              <a:schemeClr val="tx1">
+                <a:lumMod val="95000"/>
+                <a:lumOff val="5000"/>
+              </a:schemeClr>
+            </a:solidFill>
+            <a:tailEnd type="triangle"/>
+          </a:ln>
+        </p:spPr>
+        <p:style>
+          <a:lnRef idx="1">
+            <a:schemeClr val="accent1"/>
+          </a:lnRef>
+          <a:fillRef idx="0">
+            <a:schemeClr val="accent1"/>
+          </a:fillRef>
+          <a:effectRef idx="0">
+            <a:schemeClr val="accent1"/>
+          </a:effectRef>
+          <a:fontRef idx="minor">
+            <a:schemeClr val="tx1"/>
+          </a:fontRef>
+        </p:style>
+      </p:cxnSp>
+      <p:sp>
+        <p:nvSpPr>
+          <p:cNvPr id="36" name="TextBox 35">
+            <a:extLst>
+              <a:ext uri="{FF2B5EF4-FFF2-40B4-BE49-F238E27FC236}">
+                <a16:creationId xmlns:a16="http://schemas.microsoft.com/office/drawing/2014/main" id="{841F19F9-2439-40E4-81BF-78473B2E5DF4}"/>
+              </a:ext>
+            </a:extLst>
+          </p:cNvPr>
+          <p:cNvSpPr txBox="1"/>
+          <p:nvPr/>
+        </p:nvSpPr>
+        <p:spPr>
+          <a:xfrm>
+            <a:off x="3099589" y="4590083"/>
+            <a:ext cx="1673492" cy="276999"/>
+          </a:xfrm>
+          <a:prstGeom prst="rect">
+            <a:avLst/>
+          </a:prstGeom>
+          <a:noFill/>
+        </p:spPr>
+        <p:txBody>
+          <a:bodyPr wrap="square" rtlCol="0">
+            <a:spAutoFit/>
+          </a:bodyPr>
+          <a:lstStyle/>
+          <a:p>
+            <a:r>
+              <a:rPr lang="ru-RU" sz="1200" dirty="0"/>
+              <a:t>Отдельная фаза </a:t>
+            </a:r>
+            <a:r>
+              <a:rPr lang="en-US" sz="1200" dirty="0" err="1"/>
+              <a:t>GaSe</a:t>
+            </a:r>
+            <a:endParaRPr lang="ru-RU" sz="1200" dirty="0"/>
+          </a:p>
+        </p:txBody>
+      </p:sp>
+      <p:sp>
+        <p:nvSpPr>
+          <p:cNvPr id="37" name="TextBox 36">
+            <a:extLst>
+              <a:ext uri="{FF2B5EF4-FFF2-40B4-BE49-F238E27FC236}">
+                <a16:creationId xmlns:a16="http://schemas.microsoft.com/office/drawing/2014/main" id="{6A864E39-73A0-4CA7-90AC-E49614F882FE}"/>
+              </a:ext>
+            </a:extLst>
+          </p:cNvPr>
+          <p:cNvSpPr txBox="1"/>
+          <p:nvPr/>
+        </p:nvSpPr>
+        <p:spPr>
+          <a:xfrm>
+            <a:off x="3310318" y="6086859"/>
+            <a:ext cx="1721912" cy="276999"/>
+          </a:xfrm>
+          <a:prstGeom prst="rect">
+            <a:avLst/>
+          </a:prstGeom>
+          <a:noFill/>
+        </p:spPr>
+        <p:txBody>
+          <a:bodyPr wrap="square" rtlCol="0">
+            <a:spAutoFit/>
+          </a:bodyPr>
+          <a:lstStyle/>
+          <a:p>
+            <a:r>
+              <a:rPr lang="ru-RU" sz="1200" dirty="0"/>
+              <a:t>Твердый раствор </a:t>
+            </a:r>
+            <a:r>
+              <a:rPr lang="en-US" sz="1200" dirty="0" err="1"/>
+              <a:t>GaSe</a:t>
+            </a:r>
+            <a:endParaRPr lang="ru-RU" sz="1200" dirty="0"/>
+          </a:p>
+        </p:txBody>
+      </p:sp>
+      <p:cxnSp>
+        <p:nvCxnSpPr>
+          <p:cNvPr id="38" name="Прямая со стрелкой 37">
+            <a:extLst>
+              <a:ext uri="{FF2B5EF4-FFF2-40B4-BE49-F238E27FC236}">
+                <a16:creationId xmlns:a16="http://schemas.microsoft.com/office/drawing/2014/main" id="{ABFE8239-1A07-4515-A1DA-E80EE0FCC23D}"/>
+              </a:ext>
+            </a:extLst>
+          </p:cNvPr>
+          <p:cNvCxnSpPr>
+            <a:cxnSpLocks/>
+            <a:stCxn id="37" idx="0"/>
+          </p:cNvCxnSpPr>
+          <p:nvPr/>
+        </p:nvCxnSpPr>
+        <p:spPr>
+          <a:xfrm flipV="1">
+            <a:off x="4171274" y="5280454"/>
+            <a:ext cx="301872" cy="806405"/>
+          </a:xfrm>
+          <a:prstGeom prst="straightConnector1">
+            <a:avLst/>
+          </a:prstGeom>
+          <a:ln w="19050">
+            <a:solidFill>
+              <a:schemeClr val="tx1">
+                <a:lumMod val="95000"/>
+                <a:lumOff val="5000"/>
+              </a:schemeClr>
+            </a:solidFill>
+            <a:tailEnd type="triangle"/>
+          </a:ln>
+        </p:spPr>
+        <p:style>
+          <a:lnRef idx="1">
+            <a:schemeClr val="accent1"/>
+          </a:lnRef>
+          <a:fillRef idx="0">
+            <a:schemeClr val="accent1"/>
+          </a:fillRef>
+          <a:effectRef idx="0">
+            <a:schemeClr val="accent1"/>
+          </a:effectRef>
+          <a:fontRef idx="minor">
+            <a:schemeClr val="tx1"/>
+          </a:fontRef>
+        </p:style>
+      </p:cxnSp>
+      <p:pic>
+        <p:nvPicPr>
+          <p:cNvPr id="42" name="Рисунок 41">
+            <a:extLst>
+              <a:ext uri="{FF2B5EF4-FFF2-40B4-BE49-F238E27FC236}">
+                <a16:creationId xmlns:a16="http://schemas.microsoft.com/office/drawing/2014/main" id="{E7DF8B35-3ED7-44DE-A0BB-A87D05298606}"/>
+              </a:ext>
+            </a:extLst>
+          </p:cNvPr>
+          <p:cNvPicPr>
+            <a:picLocks noChangeAspect="1"/>
+          </p:cNvPicPr>
+          <p:nvPr/>
+        </p:nvPicPr>
+        <p:blipFill>
+          <a:blip r:embed="rId7">
+            <a:extLst>
+              <a:ext uri="{28A0092B-C50C-407E-A947-70E740481C1C}">
+                <a14:useLocalDpi xmlns:a14="http://schemas.microsoft.com/office/drawing/2010/main" val="0"/>
+              </a:ext>
+            </a:extLst>
+          </a:blip>
+          <a:stretch>
+            <a:fillRect/>
+          </a:stretch>
+        </p:blipFill>
+        <p:spPr>
+          <a:xfrm>
+            <a:off x="-12433" y="1078380"/>
+            <a:ext cx="6250225" cy="3242227"/>
+          </a:xfrm>
+          <a:prstGeom prst="rect">
+            <a:avLst/>
+          </a:prstGeom>
+        </p:spPr>
+      </p:pic>
     </p:spTree>
     <p:extLst>
       <p:ext uri="{BB962C8B-B14F-4D97-AF65-F5344CB8AC3E}">
-        <p14:creationId xmlns:p14="http://schemas.microsoft.com/office/powerpoint/2010/main" val="3087030359"/>
+        <p14:creationId xmlns:p14="http://schemas.microsoft.com/office/powerpoint/2010/main" val="3138652847"/>
       </p:ext>
     </p:extLst>
   </p:cSld>

--- a/Презентация.pptx
+++ b/Презентация.pptx
@@ -231,7 +231,7 @@
             <a:fld id="{6B82548C-EAA0-4F98-90B8-F588E14A775F}" type="datetimeFigureOut">
               <a:rPr lang="ru-RU" smtClean="0"/>
               <a:pPr/>
-              <a:t>13.04.2021</a:t>
+              <a:t>14.04.2021</a:t>
             </a:fld>
             <a:endParaRPr lang="ru-RU" dirty="0"/>
           </a:p>
@@ -1670,7 +1670,7 @@
           <a:p>
             <a:fld id="{CE9C3C40-C23C-4741-A600-5B99CA51CC6A}" type="datetime1">
               <a:rPr lang="ru-RU" smtClean="0"/>
-              <a:t>13.04.2021</a:t>
+              <a:t>14.04.2021</a:t>
             </a:fld>
             <a:endParaRPr lang="ru-RU" dirty="0"/>
           </a:p>
@@ -1841,7 +1841,7 @@
           <a:p>
             <a:fld id="{1D070FA6-A07B-4671-B280-AF019BE3E935}" type="datetime1">
               <a:rPr lang="ru-RU" smtClean="0"/>
-              <a:t>13.04.2021</a:t>
+              <a:t>14.04.2021</a:t>
             </a:fld>
             <a:endParaRPr lang="ru-RU" dirty="0"/>
           </a:p>
@@ -2022,7 +2022,7 @@
           <a:p>
             <a:fld id="{B1FB9956-0F8A-4303-AD13-D82C2F3EB061}" type="datetime1">
               <a:rPr lang="ru-RU" smtClean="0"/>
-              <a:t>13.04.2021</a:t>
+              <a:t>14.04.2021</a:t>
             </a:fld>
             <a:endParaRPr lang="ru-RU" dirty="0"/>
           </a:p>
@@ -2209,7 +2209,7 @@
           <a:p>
             <a:fld id="{7C08641B-D866-4AED-9BCD-A8CEF1A297A1}" type="datetime1">
               <a:rPr lang="ru-RU" smtClean="0"/>
-              <a:t>13.04.2021</a:t>
+              <a:t>14.04.2021</a:t>
             </a:fld>
             <a:endParaRPr lang="ru-RU" dirty="0"/>
           </a:p>
@@ -2515,7 +2515,7 @@
           <a:p>
             <a:fld id="{68F3169D-25FC-4CCC-9835-A712E07C2AB4}" type="datetime1">
               <a:rPr lang="ru-RU" smtClean="0"/>
-              <a:t>13.04.2021</a:t>
+              <a:t>14.04.2021</a:t>
             </a:fld>
             <a:endParaRPr lang="ru-RU" dirty="0"/>
           </a:p>
@@ -2748,7 +2748,7 @@
           <a:p>
             <a:fld id="{42386BF5-D1EA-43A3-AE1C-E5A43B039450}" type="datetime1">
               <a:rPr lang="ru-RU" smtClean="0"/>
-              <a:t>13.04.2021</a:t>
+              <a:t>14.04.2021</a:t>
             </a:fld>
             <a:endParaRPr lang="ru-RU" dirty="0"/>
           </a:p>
@@ -3116,7 +3116,7 @@
           <a:p>
             <a:fld id="{B9D08361-EC6C-46B1-AC80-C22A1550886E}" type="datetime1">
               <a:rPr lang="ru-RU" smtClean="0"/>
-              <a:t>13.04.2021</a:t>
+              <a:t>14.04.2021</a:t>
             </a:fld>
             <a:endParaRPr lang="ru-RU" dirty="0"/>
           </a:p>
@@ -3235,7 +3235,7 @@
           <a:p>
             <a:fld id="{573381EF-20A4-477C-90BC-CBE76C27463B}" type="datetime1">
               <a:rPr lang="ru-RU" smtClean="0"/>
-              <a:t>13.04.2021</a:t>
+              <a:t>14.04.2021</a:t>
             </a:fld>
             <a:endParaRPr lang="ru-RU" dirty="0"/>
           </a:p>
@@ -3331,7 +3331,7 @@
           <a:p>
             <a:fld id="{B7441B70-E847-4ED8-B1CC-11C2CD43FC6E}" type="datetime1">
               <a:rPr lang="ru-RU" smtClean="0"/>
-              <a:t>13.04.2021</a:t>
+              <a:t>14.04.2021</a:t>
             </a:fld>
             <a:endParaRPr lang="ru-RU" dirty="0"/>
           </a:p>
@@ -3609,7 +3609,7 @@
           <a:p>
             <a:fld id="{B04C54BD-0EB7-4E97-8C66-53E07DF2557A}" type="datetime1">
               <a:rPr lang="ru-RU" smtClean="0"/>
-              <a:t>13.04.2021</a:t>
+              <a:t>14.04.2021</a:t>
             </a:fld>
             <a:endParaRPr lang="ru-RU" dirty="0"/>
           </a:p>
@@ -3867,7 +3867,7 @@
           <a:p>
             <a:fld id="{A1C7B037-1989-4FF7-BD58-95622BADFCB1}" type="datetime1">
               <a:rPr lang="ru-RU" smtClean="0"/>
-              <a:t>13.04.2021</a:t>
+              <a:t>14.04.2021</a:t>
             </a:fld>
             <a:endParaRPr lang="ru-RU" dirty="0"/>
           </a:p>
@@ -4081,7 +4081,7 @@
           <a:p>
             <a:fld id="{297D7BE2-7632-410E-B636-211B737EA5E5}" type="datetime1">
               <a:rPr lang="ru-RU" smtClean="0"/>
-              <a:t>13.04.2021</a:t>
+              <a:t>14.04.2021</a:t>
             </a:fld>
             <a:endParaRPr lang="ru-RU" dirty="0"/>
           </a:p>
@@ -12159,6 +12159,205 @@
           </a:prstGeom>
         </p:spPr>
       </p:pic>
+      <p:sp>
+        <p:nvSpPr>
+          <p:cNvPr id="24" name="TextBox 23">
+            <a:extLst>
+              <a:ext uri="{FF2B5EF4-FFF2-40B4-BE49-F238E27FC236}">
+                <a16:creationId xmlns:a16="http://schemas.microsoft.com/office/drawing/2014/main" id="{7F74C37D-32D2-4A77-AC4E-012E777F5644}"/>
+              </a:ext>
+            </a:extLst>
+          </p:cNvPr>
+          <p:cNvSpPr txBox="1"/>
+          <p:nvPr/>
+        </p:nvSpPr>
+        <p:spPr>
+          <a:xfrm>
+            <a:off x="2686147" y="981658"/>
+            <a:ext cx="1495167" cy="584775"/>
+          </a:xfrm>
+          <a:prstGeom prst="rect">
+            <a:avLst/>
+          </a:prstGeom>
+          <a:noFill/>
+        </p:spPr>
+        <p:txBody>
+          <a:bodyPr wrap="square" rtlCol="0">
+            <a:spAutoFit/>
+          </a:bodyPr>
+          <a:lstStyle/>
+          <a:p>
+            <a:r>
+              <a:rPr lang="ru-RU" sz="1600" b="1" dirty="0"/>
+              <a:t>Стеклование</a:t>
+            </a:r>
+            <a:endParaRPr lang="en-US" sz="1600" b="1" dirty="0"/>
+          </a:p>
+          <a:p>
+            <a:r>
+              <a:rPr lang="en-US" sz="1600" b="1" dirty="0"/>
+              <a:t>575</a:t>
+            </a:r>
+            <a:r>
+              <a:rPr lang="ru-RU" sz="1600" b="1" dirty="0"/>
+              <a:t> – </a:t>
+            </a:r>
+            <a:r>
+              <a:rPr lang="en-US" sz="1600" b="1" dirty="0"/>
+              <a:t>610</a:t>
+            </a:r>
+            <a:r>
+              <a:rPr lang="ru-RU" sz="1600" b="1" dirty="0"/>
+              <a:t> К</a:t>
+            </a:r>
+          </a:p>
+        </p:txBody>
+      </p:sp>
+      <p:cxnSp>
+        <p:nvCxnSpPr>
+          <p:cNvPr id="26" name="Прямая со стрелкой 25">
+            <a:extLst>
+              <a:ext uri="{FF2B5EF4-FFF2-40B4-BE49-F238E27FC236}">
+                <a16:creationId xmlns:a16="http://schemas.microsoft.com/office/drawing/2014/main" id="{9F425E3C-C02B-410C-8582-9EFB181D3126}"/>
+              </a:ext>
+            </a:extLst>
+          </p:cNvPr>
+          <p:cNvCxnSpPr>
+            <a:cxnSpLocks/>
+            <a:stCxn id="24" idx="2"/>
+          </p:cNvCxnSpPr>
+          <p:nvPr/>
+        </p:nvCxnSpPr>
+        <p:spPr>
+          <a:xfrm flipH="1">
+            <a:off x="2494539" y="1566433"/>
+            <a:ext cx="939192" cy="331305"/>
+          </a:xfrm>
+          <a:prstGeom prst="straightConnector1">
+            <a:avLst/>
+          </a:prstGeom>
+          <a:ln w="19050">
+            <a:solidFill>
+              <a:schemeClr val="tx1">
+                <a:lumMod val="95000"/>
+                <a:lumOff val="5000"/>
+              </a:schemeClr>
+            </a:solidFill>
+            <a:tailEnd type="triangle"/>
+          </a:ln>
+        </p:spPr>
+        <p:style>
+          <a:lnRef idx="1">
+            <a:schemeClr val="accent1"/>
+          </a:lnRef>
+          <a:fillRef idx="0">
+            <a:schemeClr val="accent1"/>
+          </a:fillRef>
+          <a:effectRef idx="0">
+            <a:schemeClr val="accent1"/>
+          </a:effectRef>
+          <a:fontRef idx="minor">
+            <a:schemeClr val="tx1"/>
+          </a:fontRef>
+        </p:style>
+      </p:cxnSp>
+      <p:sp>
+        <p:nvSpPr>
+          <p:cNvPr id="27" name="TextBox 26">
+            <a:extLst>
+              <a:ext uri="{FF2B5EF4-FFF2-40B4-BE49-F238E27FC236}">
+                <a16:creationId xmlns:a16="http://schemas.microsoft.com/office/drawing/2014/main" id="{271ED474-99E8-4B90-ADDA-4623558FE0C1}"/>
+              </a:ext>
+            </a:extLst>
+          </p:cNvPr>
+          <p:cNvSpPr txBox="1"/>
+          <p:nvPr/>
+        </p:nvSpPr>
+        <p:spPr>
+          <a:xfrm>
+            <a:off x="4894601" y="1141116"/>
+            <a:ext cx="1210962" cy="584775"/>
+          </a:xfrm>
+          <a:prstGeom prst="rect">
+            <a:avLst/>
+          </a:prstGeom>
+          <a:noFill/>
+        </p:spPr>
+        <p:txBody>
+          <a:bodyPr wrap="square" rtlCol="0">
+            <a:spAutoFit/>
+          </a:bodyPr>
+          <a:lstStyle/>
+          <a:p>
+            <a:r>
+              <a:rPr lang="ru-RU" sz="1600" b="1" dirty="0"/>
+              <a:t>Плавление</a:t>
+            </a:r>
+          </a:p>
+          <a:p>
+            <a:r>
+              <a:rPr lang="ru-RU" sz="1600" b="1" dirty="0"/>
+              <a:t>800 – 8</a:t>
+            </a:r>
+            <a:r>
+              <a:rPr lang="en-US" sz="1600" b="1" dirty="0"/>
+              <a:t>4</a:t>
+            </a:r>
+            <a:r>
+              <a:rPr lang="ru-RU" sz="1600" b="1" dirty="0"/>
+              <a:t>0 К</a:t>
+            </a:r>
+          </a:p>
+        </p:txBody>
+      </p:sp>
+      <p:cxnSp>
+        <p:nvCxnSpPr>
+          <p:cNvPr id="28" name="Прямая со стрелкой 27">
+            <a:extLst>
+              <a:ext uri="{FF2B5EF4-FFF2-40B4-BE49-F238E27FC236}">
+                <a16:creationId xmlns:a16="http://schemas.microsoft.com/office/drawing/2014/main" id="{FCDCC54E-1333-4B60-9883-8935A699DCAE}"/>
+              </a:ext>
+            </a:extLst>
+          </p:cNvPr>
+          <p:cNvCxnSpPr>
+            <a:cxnSpLocks/>
+            <a:stCxn id="27" idx="2"/>
+          </p:cNvCxnSpPr>
+          <p:nvPr/>
+        </p:nvCxnSpPr>
+        <p:spPr>
+          <a:xfrm flipH="1">
+            <a:off x="4744518" y="1725891"/>
+            <a:ext cx="755564" cy="370603"/>
+          </a:xfrm>
+          <a:prstGeom prst="straightConnector1">
+            <a:avLst/>
+          </a:prstGeom>
+          <a:ln w="19050">
+            <a:solidFill>
+              <a:schemeClr val="tx1">
+                <a:lumMod val="95000"/>
+                <a:lumOff val="5000"/>
+              </a:schemeClr>
+            </a:solidFill>
+            <a:tailEnd type="triangle"/>
+          </a:ln>
+        </p:spPr>
+        <p:style>
+          <a:lnRef idx="1">
+            <a:schemeClr val="accent1"/>
+          </a:lnRef>
+          <a:fillRef idx="0">
+            <a:schemeClr val="accent1"/>
+          </a:fillRef>
+          <a:effectRef idx="0">
+            <a:schemeClr val="accent1"/>
+          </a:effectRef>
+          <a:fontRef idx="minor">
+            <a:schemeClr val="tx1"/>
+          </a:fontRef>
+        </p:style>
+      </p:cxnSp>
     </p:spTree>
     <p:extLst>
       <p:ext uri="{BB962C8B-B14F-4D97-AF65-F5344CB8AC3E}">
